--- a/asteroid_analysisFinal.pptx
+++ b/asteroid_analysisFinal.pptx
@@ -14,8 +14,8 @@
     <p:sldId id="265" r:id="rId8"/>
     <p:sldId id="267" r:id="rId9"/>
     <p:sldId id="268" r:id="rId10"/>
-    <p:sldId id="256" r:id="rId11"/>
-    <p:sldId id="269" r:id="rId12"/>
+    <p:sldId id="272" r:id="rId11"/>
+    <p:sldId id="256" r:id="rId12"/>
     <p:sldId id="259" r:id="rId13"/>
     <p:sldId id="260" r:id="rId14"/>
     <p:sldId id="270" r:id="rId15"/>
@@ -125,6 +125,18 @@
     </p:ext>
   </p:extLst>
 </p:presentation>
+</file>
+
+<file path=ppt/commentAuthors.xml><?xml version="1.0" encoding="utf-8"?>
+<p:cmAuthorLst xmlns:a="http://schemas.openxmlformats.org/drawingml/2006/main" xmlns:r="http://schemas.openxmlformats.org/officeDocument/2006/relationships" xmlns:p="http://schemas.openxmlformats.org/presentationml/2006/main">
+  <p:cmAuthor id="1" name="Brent Sergent" initials="BS" lastIdx="1" clrIdx="0">
+    <p:extLst>
+      <p:ext uri="{19B8F6BF-5375-455C-9EA6-DF929625EA0E}">
+        <p15:presenceInfo xmlns:p15="http://schemas.microsoft.com/office/powerpoint/2012/main" userId="c6e8d3dff88fe664" providerId="Windows Live"/>
+      </p:ext>
+    </p:extLst>
+  </p:cmAuthor>
+</p:cmAuthorLst>
 </file>
 
 <file path=ppt/slideLayouts/slideLayout1.xml><?xml version="1.0" encoding="utf-8"?>
@@ -3596,136 +3608,269 @@
       </p:grpSpPr>
       <p:sp>
         <p:nvSpPr>
-          <p:cNvPr id="2" name="Title 1">
-            <a:extLst>
-              <a:ext uri="{FF2B5EF4-FFF2-40B4-BE49-F238E27FC236}">
-                <a16:creationId xmlns:a16="http://schemas.microsoft.com/office/drawing/2014/main" id="{074407D1-022F-4723-8ED3-E5B5FD55D401}"/>
-              </a:ext>
-            </a:extLst>
-          </p:cNvPr>
-          <p:cNvSpPr>
-            <a:spLocks noGrp="1"/>
-          </p:cNvSpPr>
-          <p:nvPr>
-            <p:ph type="ctrTitle"/>
-          </p:nvPr>
-        </p:nvSpPr>
-        <p:spPr>
-          <a:xfrm>
-            <a:off x="1524000" y="302508"/>
-            <a:ext cx="9144000" cy="825023"/>
-          </a:xfrm>
-        </p:spPr>
-        <p:txBody>
-          <a:bodyPr>
-            <a:normAutofit/>
-          </a:bodyPr>
-          <a:lstStyle/>
-          <a:p>
-            <a:r>
-              <a:rPr lang="en-US" sz="4400" b="1" dirty="0"/>
-              <a:t>Close Approaches across Planet Types </a:t>
-            </a:r>
-          </a:p>
-        </p:txBody>
-      </p:sp>
-      <p:sp>
-        <p:nvSpPr>
-          <p:cNvPr id="3" name="Subtitle 2">
-            <a:extLst>
-              <a:ext uri="{FF2B5EF4-FFF2-40B4-BE49-F238E27FC236}">
-                <a16:creationId xmlns:a16="http://schemas.microsoft.com/office/drawing/2014/main" id="{0B8832C5-0114-49B6-9282-B09381785FF5}"/>
-              </a:ext>
-            </a:extLst>
-          </p:cNvPr>
-          <p:cNvSpPr>
-            <a:spLocks noGrp="1"/>
-          </p:cNvSpPr>
-          <p:nvPr>
-            <p:ph type="subTitle" idx="1"/>
-          </p:nvPr>
-        </p:nvSpPr>
-        <p:spPr>
-          <a:xfrm>
-            <a:off x="7055959" y="1766224"/>
-            <a:ext cx="4150321" cy="4098127"/>
-          </a:xfrm>
-        </p:spPr>
-        <p:txBody>
-          <a:bodyPr/>
-          <a:lstStyle/>
-          <a:p>
-            <a:r>
-              <a:rPr lang="en-US" dirty="0"/>
-              <a:t>Observations across outer planets are not well documented as they events are hard to obtain.</a:t>
-            </a:r>
-          </a:p>
-          <a:p>
-            <a:endParaRPr lang="en-US" dirty="0"/>
-          </a:p>
-          <a:p>
-            <a:r>
-              <a:rPr lang="en-US" dirty="0"/>
-              <a:t>Recent studies are appear to be focusing on impacts</a:t>
-            </a:r>
-          </a:p>
-          <a:p>
-            <a:endParaRPr lang="en-US" dirty="0"/>
-          </a:p>
-          <a:p>
-            <a:r>
-              <a:rPr lang="en-US" dirty="0"/>
-              <a:t>Range: within 21 Lunar distances; ~5,000,000 miles</a:t>
-            </a:r>
-          </a:p>
-          <a:p>
-            <a:endParaRPr lang="en-US" dirty="0"/>
-          </a:p>
-          <a:p>
-            <a:endParaRPr lang="en-US" dirty="0"/>
-          </a:p>
-        </p:txBody>
-      </p:sp>
-      <p:pic>
-        <p:nvPicPr>
-          <p:cNvPr id="5" name="Picture 4">
-            <a:extLst>
-              <a:ext uri="{FF2B5EF4-FFF2-40B4-BE49-F238E27FC236}">
-                <a16:creationId xmlns:a16="http://schemas.microsoft.com/office/drawing/2014/main" id="{7E66AE8B-C975-4EC1-92E1-A43091777A5F}"/>
-              </a:ext>
-            </a:extLst>
-          </p:cNvPr>
-          <p:cNvPicPr>
-            <a:picLocks noChangeAspect="1"/>
-          </p:cNvPicPr>
+          <p:cNvPr id="7" name="TextBox 6">
+            <a:extLst>
+              <a:ext uri="{FF2B5EF4-FFF2-40B4-BE49-F238E27FC236}">
+                <a16:creationId xmlns:a16="http://schemas.microsoft.com/office/drawing/2014/main" id="{80BDE28C-38A3-4CF2-8A78-223AC021826F}"/>
+              </a:ext>
+            </a:extLst>
+          </p:cNvPr>
+          <p:cNvSpPr txBox="1"/>
           <p:nvPr/>
-        </p:nvPicPr>
-        <p:blipFill>
-          <a:blip r:embed="rId2">
-            <a:extLst>
-              <a:ext uri="{28A0092B-C50C-407E-A947-70E740481C1C}">
-                <a14:useLocalDpi xmlns:a14="http://schemas.microsoft.com/office/drawing/2010/main" val="0"/>
-              </a:ext>
-            </a:extLst>
-          </a:blip>
-          <a:stretch>
-            <a:fillRect/>
-          </a:stretch>
-        </p:blipFill>
-        <p:spPr>
-          <a:xfrm>
-            <a:off x="1200287" y="1524001"/>
-            <a:ext cx="5487650" cy="3984152"/>
+        </p:nvSpPr>
+        <p:spPr>
+          <a:xfrm>
+            <a:off x="709116" y="2341041"/>
+            <a:ext cx="9741168" cy="3046988"/>
           </a:xfrm>
           <a:prstGeom prst="rect">
             <a:avLst/>
           </a:prstGeom>
-        </p:spPr>
-      </p:pic>
+          <a:noFill/>
+        </p:spPr>
+        <p:txBody>
+          <a:bodyPr wrap="square">
+            <a:spAutoFit/>
+          </a:bodyPr>
+          <a:lstStyle/>
+          <a:p>
+            <a:pPr marL="0" marR="0">
+              <a:spcBef>
+                <a:spcPts val="0"/>
+              </a:spcBef>
+              <a:spcAft>
+                <a:spcPts val="0"/>
+              </a:spcAft>
+            </a:pPr>
+            <a:r>
+              <a:rPr lang="en-US" sz="2400" b="1" u="sng" dirty="0">
+                <a:effectLst/>
+                <a:latin typeface="Calibri" panose="020F0502020204030204" pitchFamily="34" charset="0"/>
+                <a:ea typeface="Calibri" panose="020F0502020204030204" pitchFamily="34" charset="0"/>
+                <a:cs typeface="Times New Roman" panose="02020603050405020304" pitchFamily="18" charset="0"/>
+              </a:rPr>
+              <a:t>Null hypothesis  (H</a:t>
+            </a:r>
+            <a:r>
+              <a:rPr lang="en-US" sz="2400" b="1" u="sng" baseline="-25000" dirty="0">
+                <a:effectLst/>
+                <a:latin typeface="Calibri" panose="020F0502020204030204" pitchFamily="34" charset="0"/>
+                <a:ea typeface="Calibri" panose="020F0502020204030204" pitchFamily="34" charset="0"/>
+                <a:cs typeface="Times New Roman" panose="02020603050405020304" pitchFamily="18" charset="0"/>
+              </a:rPr>
+              <a:t>o</a:t>
+            </a:r>
+            <a:r>
+              <a:rPr lang="en-US" sz="2400" b="1" u="sng" dirty="0">
+                <a:effectLst/>
+                <a:latin typeface="Calibri" panose="020F0502020204030204" pitchFamily="34" charset="0"/>
+                <a:ea typeface="Calibri" panose="020F0502020204030204" pitchFamily="34" charset="0"/>
+                <a:cs typeface="Times New Roman" panose="02020603050405020304" pitchFamily="18" charset="0"/>
+              </a:rPr>
+              <a:t>)</a:t>
+            </a:r>
+            <a:endParaRPr lang="en-US" sz="2400" dirty="0">
+              <a:effectLst/>
+              <a:latin typeface="Calibri" panose="020F0502020204030204" pitchFamily="34" charset="0"/>
+              <a:ea typeface="Calibri" panose="020F0502020204030204" pitchFamily="34" charset="0"/>
+              <a:cs typeface="Times New Roman" panose="02020603050405020304" pitchFamily="18" charset="0"/>
+            </a:endParaRPr>
+          </a:p>
+          <a:p>
+            <a:pPr marL="0" marR="0">
+              <a:spcBef>
+                <a:spcPts val="0"/>
+              </a:spcBef>
+              <a:spcAft>
+                <a:spcPts val="0"/>
+              </a:spcAft>
+            </a:pPr>
+            <a:r>
+              <a:rPr lang="en-US" sz="2400" dirty="0">
+                <a:effectLst/>
+                <a:latin typeface="Calibri" panose="020F0502020204030204" pitchFamily="34" charset="0"/>
+                <a:ea typeface="Calibri" panose="020F0502020204030204" pitchFamily="34" charset="0"/>
+                <a:cs typeface="Times New Roman" panose="02020603050405020304" pitchFamily="18" charset="0"/>
+              </a:rPr>
+              <a:t>If the average close approaches count is unchanged per year over the last 50 years, then no changes in the average close approaches count will be seen comparing the most recent decade to the last 4 decades from now. </a:t>
+            </a:r>
+          </a:p>
+          <a:p>
+            <a:pPr marL="0" marR="0">
+              <a:spcBef>
+                <a:spcPts val="0"/>
+              </a:spcBef>
+              <a:spcAft>
+                <a:spcPts val="0"/>
+              </a:spcAft>
+            </a:pPr>
+            <a:r>
+              <a:rPr lang="en-US" sz="2400" b="1" dirty="0">
+                <a:effectLst/>
+                <a:latin typeface="Calibri" panose="020F0502020204030204" pitchFamily="34" charset="0"/>
+                <a:ea typeface="Calibri" panose="020F0502020204030204" pitchFamily="34" charset="0"/>
+                <a:cs typeface="Times New Roman" panose="02020603050405020304" pitchFamily="18" charset="0"/>
+              </a:rPr>
+              <a:t>Alternative Hypothesis (H</a:t>
+            </a:r>
+            <a:r>
+              <a:rPr lang="en-US" sz="2400" b="1" baseline="-25000" dirty="0">
+                <a:effectLst/>
+                <a:latin typeface="Calibri" panose="020F0502020204030204" pitchFamily="34" charset="0"/>
+                <a:ea typeface="Calibri" panose="020F0502020204030204" pitchFamily="34" charset="0"/>
+                <a:cs typeface="Times New Roman" panose="02020603050405020304" pitchFamily="18" charset="0"/>
+              </a:rPr>
+              <a:t>a</a:t>
+            </a:r>
+            <a:r>
+              <a:rPr lang="en-US" sz="2400" b="1" dirty="0">
+                <a:effectLst/>
+                <a:latin typeface="Calibri" panose="020F0502020204030204" pitchFamily="34" charset="0"/>
+                <a:ea typeface="Calibri" panose="020F0502020204030204" pitchFamily="34" charset="0"/>
+                <a:cs typeface="Times New Roman" panose="02020603050405020304" pitchFamily="18" charset="0"/>
+              </a:rPr>
+              <a:t>):</a:t>
+            </a:r>
+            <a:endParaRPr lang="en-US" sz="2400" dirty="0">
+              <a:effectLst/>
+              <a:latin typeface="Calibri" panose="020F0502020204030204" pitchFamily="34" charset="0"/>
+              <a:ea typeface="Calibri" panose="020F0502020204030204" pitchFamily="34" charset="0"/>
+              <a:cs typeface="Times New Roman" panose="02020603050405020304" pitchFamily="18" charset="0"/>
+            </a:endParaRPr>
+          </a:p>
+          <a:p>
+            <a:pPr marL="0" marR="0">
+              <a:spcBef>
+                <a:spcPts val="0"/>
+              </a:spcBef>
+              <a:spcAft>
+                <a:spcPts val="0"/>
+              </a:spcAft>
+            </a:pPr>
+            <a:r>
+              <a:rPr lang="en-US" sz="2400" dirty="0">
+                <a:effectLst/>
+                <a:latin typeface="Calibri" panose="020F0502020204030204" pitchFamily="34" charset="0"/>
+                <a:ea typeface="Calibri" panose="020F0502020204030204" pitchFamily="34" charset="0"/>
+                <a:cs typeface="Times New Roman" panose="02020603050405020304" pitchFamily="18" charset="0"/>
+              </a:rPr>
+              <a:t>If the average close approaches count is changing per year over the last 50 years, then changes in the average close approaches count will be seen comparing the most recent decade to the last 4 decades from now.</a:t>
+            </a:r>
+          </a:p>
+        </p:txBody>
+      </p:sp>
+      <p:sp>
+        <p:nvSpPr>
+          <p:cNvPr id="9" name="TextBox 8">
+            <a:extLst>
+              <a:ext uri="{FF2B5EF4-FFF2-40B4-BE49-F238E27FC236}">
+                <a16:creationId xmlns:a16="http://schemas.microsoft.com/office/drawing/2014/main" id="{0E4D865E-3936-482F-BA42-E4CB93CE27E2}"/>
+              </a:ext>
+            </a:extLst>
+          </p:cNvPr>
+          <p:cNvSpPr txBox="1"/>
+          <p:nvPr/>
+        </p:nvSpPr>
+        <p:spPr>
+          <a:xfrm>
+            <a:off x="709116" y="1008307"/>
+            <a:ext cx="9741169" cy="1200329"/>
+          </a:xfrm>
+          <a:prstGeom prst="rect">
+            <a:avLst/>
+          </a:prstGeom>
+          <a:noFill/>
+        </p:spPr>
+        <p:txBody>
+          <a:bodyPr wrap="square">
+            <a:spAutoFit/>
+          </a:bodyPr>
+          <a:lstStyle/>
+          <a:p>
+            <a:pPr marL="0" marR="0">
+              <a:spcBef>
+                <a:spcPts val="0"/>
+              </a:spcBef>
+              <a:spcAft>
+                <a:spcPts val="0"/>
+              </a:spcAft>
+            </a:pPr>
+            <a:r>
+              <a:rPr lang="en-US" sz="2400" b="1" u="sng" dirty="0">
+                <a:effectLst/>
+                <a:latin typeface="Calibri" panose="020F0502020204030204" pitchFamily="34" charset="0"/>
+                <a:ea typeface="Calibri" panose="020F0502020204030204" pitchFamily="34" charset="0"/>
+                <a:cs typeface="Times New Roman" panose="02020603050405020304" pitchFamily="18" charset="0"/>
+              </a:rPr>
+              <a:t>Question</a:t>
+            </a:r>
+            <a:endParaRPr lang="en-US" sz="2400" dirty="0">
+              <a:effectLst/>
+              <a:latin typeface="Calibri" panose="020F0502020204030204" pitchFamily="34" charset="0"/>
+              <a:ea typeface="Calibri" panose="020F0502020204030204" pitchFamily="34" charset="0"/>
+              <a:cs typeface="Times New Roman" panose="02020603050405020304" pitchFamily="18" charset="0"/>
+            </a:endParaRPr>
+          </a:p>
+          <a:p>
+            <a:pPr marL="0" marR="0">
+              <a:spcBef>
+                <a:spcPts val="0"/>
+              </a:spcBef>
+              <a:spcAft>
+                <a:spcPts val="0"/>
+              </a:spcAft>
+            </a:pPr>
+            <a:r>
+              <a:rPr lang="en-US" sz="2400" dirty="0">
+                <a:effectLst/>
+                <a:latin typeface="Calibri" panose="020F0502020204030204" pitchFamily="34" charset="0"/>
+                <a:ea typeface="Calibri" panose="020F0502020204030204" pitchFamily="34" charset="0"/>
+                <a:cs typeface="Times New Roman" panose="02020603050405020304" pitchFamily="18" charset="0"/>
+              </a:rPr>
+              <a:t>Are inner planets receiving more close approaches on average in the recent decade they did in the last 5 decades? </a:t>
+            </a:r>
+          </a:p>
+        </p:txBody>
+      </p:sp>
+      <p:sp>
+        <p:nvSpPr>
+          <p:cNvPr id="10" name="TextBox 9">
+            <a:extLst>
+              <a:ext uri="{FF2B5EF4-FFF2-40B4-BE49-F238E27FC236}">
+                <a16:creationId xmlns:a16="http://schemas.microsoft.com/office/drawing/2014/main" id="{CA764E2C-B1C8-4D69-9413-3FE90BCC33C3}"/>
+              </a:ext>
+            </a:extLst>
+          </p:cNvPr>
+          <p:cNvSpPr txBox="1"/>
+          <p:nvPr/>
+        </p:nvSpPr>
+        <p:spPr>
+          <a:xfrm>
+            <a:off x="3726636" y="300421"/>
+            <a:ext cx="3379451" cy="707886"/>
+          </a:xfrm>
+          <a:prstGeom prst="rect">
+            <a:avLst/>
+          </a:prstGeom>
+          <a:noFill/>
+        </p:spPr>
+        <p:txBody>
+          <a:bodyPr wrap="none" rtlCol="0">
+            <a:spAutoFit/>
+          </a:bodyPr>
+          <a:lstStyle/>
+          <a:p>
+            <a:r>
+              <a:rPr lang="en-US" sz="4000" dirty="0"/>
+              <a:t>The Hypothesis</a:t>
+            </a:r>
+          </a:p>
+        </p:txBody>
+      </p:sp>
     </p:spTree>
     <p:extLst>
       <p:ext uri="{BB962C8B-B14F-4D97-AF65-F5344CB8AC3E}">
-        <p14:creationId xmlns:p14="http://schemas.microsoft.com/office/powerpoint/2010/main" val="2015394305"/>
+        <p14:creationId xmlns:p14="http://schemas.microsoft.com/office/powerpoint/2010/main" val="3198244767"/>
       </p:ext>
     </p:extLst>
   </p:cSld>
@@ -3770,7 +3915,7 @@
         </p:nvSpPr>
         <p:spPr>
           <a:xfrm>
-            <a:off x="1524000" y="302508"/>
+            <a:off x="1524000" y="203880"/>
             <a:ext cx="9144000" cy="825023"/>
           </a:xfrm>
         </p:spPr>
@@ -3782,7 +3927,7 @@
           <a:p>
             <a:r>
               <a:rPr lang="en-US" sz="4400" b="1" dirty="0"/>
-              <a:t>Close Approaches across Inner Planets</a:t>
+              <a:t>Narrowing the Scope</a:t>
             </a:r>
           </a:p>
         </p:txBody>
@@ -3805,41 +3950,30 @@
         </p:nvSpPr>
         <p:spPr>
           <a:xfrm>
-            <a:off x="7055959" y="1680881"/>
-            <a:ext cx="4150321" cy="2964272"/>
-          </a:xfrm>
-        </p:spPr>
-        <p:txBody>
-          <a:bodyPr>
-            <a:normAutofit/>
-          </a:bodyPr>
-          <a:lstStyle/>
+            <a:off x="950351" y="4861155"/>
+            <a:ext cx="4150321" cy="1616248"/>
+          </a:xfrm>
+        </p:spPr>
+        <p:txBody>
+          <a:bodyPr/>
+          <a:lstStyle/>
+          <a:p>
+            <a:r>
+              <a:rPr lang="en-US" dirty="0"/>
+              <a:t>Observations across outer planets are not well documented as the events are harder to obtain.</a:t>
+            </a:r>
+          </a:p>
           <a:p>
             <a:endParaRPr lang="en-US" dirty="0"/>
-          </a:p>
-          <a:p>
-            <a:r>
-              <a:rPr lang="en-US" dirty="0"/>
-              <a:t>Future occurrences do not predict a general increase against the last 20 years</a:t>
-            </a:r>
-          </a:p>
-          <a:p>
-            <a:endParaRPr lang="en-US" dirty="0"/>
-          </a:p>
-          <a:p>
-            <a:r>
-              <a:rPr lang="en-US" dirty="0"/>
-              <a:t>Future occurrences disregard unpredicted instances</a:t>
-            </a:r>
           </a:p>
         </p:txBody>
       </p:sp>
       <p:pic>
         <p:nvPicPr>
-          <p:cNvPr id="6" name="Picture 5">
-            <a:extLst>
-              <a:ext uri="{FF2B5EF4-FFF2-40B4-BE49-F238E27FC236}">
-                <a16:creationId xmlns:a16="http://schemas.microsoft.com/office/drawing/2014/main" id="{40D34F2B-80ED-4ABF-A0DB-F2319612369F}"/>
+          <p:cNvPr id="5" name="Picture 4">
+            <a:extLst>
+              <a:ext uri="{FF2B5EF4-FFF2-40B4-BE49-F238E27FC236}">
+                <a16:creationId xmlns:a16="http://schemas.microsoft.com/office/drawing/2014/main" id="{7E66AE8B-C975-4EC1-92E1-A43091777A5F}"/>
               </a:ext>
             </a:extLst>
           </p:cNvPr>
@@ -3862,18 +3996,132 @@
         </p:blipFill>
         <p:spPr>
           <a:xfrm>
-            <a:off x="743087" y="1520535"/>
-            <a:ext cx="6168254" cy="4112169"/>
+            <a:off x="797951" y="1188721"/>
+            <a:ext cx="4618044" cy="3352799"/>
           </a:xfrm>
           <a:prstGeom prst="rect">
             <a:avLst/>
           </a:prstGeom>
         </p:spPr>
       </p:pic>
+      <p:pic>
+        <p:nvPicPr>
+          <p:cNvPr id="4" name="Picture 3">
+            <a:extLst>
+              <a:ext uri="{FF2B5EF4-FFF2-40B4-BE49-F238E27FC236}">
+                <a16:creationId xmlns:a16="http://schemas.microsoft.com/office/drawing/2014/main" id="{351CBEA4-F354-4943-AE1D-41F2672306D6}"/>
+              </a:ext>
+            </a:extLst>
+          </p:cNvPr>
+          <p:cNvPicPr>
+            <a:picLocks noChangeAspect="1"/>
+          </p:cNvPicPr>
+          <p:nvPr/>
+        </p:nvPicPr>
+        <p:blipFill>
+          <a:blip r:embed="rId3">
+            <a:extLst>
+              <a:ext uri="{28A0092B-C50C-407E-A947-70E740481C1C}">
+                <a14:useLocalDpi xmlns:a14="http://schemas.microsoft.com/office/drawing/2010/main" val="0"/>
+              </a:ext>
+            </a:extLst>
+          </a:blip>
+          <a:stretch>
+            <a:fillRect/>
+          </a:stretch>
+        </p:blipFill>
+        <p:spPr>
+          <a:xfrm>
+            <a:off x="5907024" y="2565243"/>
+            <a:ext cx="6168254" cy="4112169"/>
+          </a:xfrm>
+          <a:prstGeom prst="rect">
+            <a:avLst/>
+          </a:prstGeom>
+        </p:spPr>
+      </p:pic>
+      <p:sp>
+        <p:nvSpPr>
+          <p:cNvPr id="7" name="TextBox 6">
+            <a:extLst>
+              <a:ext uri="{FF2B5EF4-FFF2-40B4-BE49-F238E27FC236}">
+                <a16:creationId xmlns:a16="http://schemas.microsoft.com/office/drawing/2014/main" id="{73E92FE5-A661-49E2-9B9A-90E5B075E83D}"/>
+              </a:ext>
+            </a:extLst>
+          </p:cNvPr>
+          <p:cNvSpPr txBox="1"/>
+          <p:nvPr/>
+        </p:nvSpPr>
+        <p:spPr>
+          <a:xfrm>
+            <a:off x="6455664" y="1127531"/>
+            <a:ext cx="5376672" cy="1200329"/>
+          </a:xfrm>
+          <a:prstGeom prst="rect">
+            <a:avLst/>
+          </a:prstGeom>
+          <a:noFill/>
+        </p:spPr>
+        <p:txBody>
+          <a:bodyPr wrap="square" rtlCol="0">
+            <a:spAutoFit/>
+          </a:bodyPr>
+          <a:lstStyle/>
+          <a:p>
+            <a:pPr algn="ctr"/>
+            <a:r>
+              <a:rPr lang="en-US" b="1" dirty="0"/>
+              <a:t>Variables:</a:t>
+            </a:r>
+          </a:p>
+          <a:p>
+            <a:pPr marL="285750" indent="-285750" algn="l">
+              <a:buFont typeface="Arial" panose="020B0604020202020204" pitchFamily="34" charset="0"/>
+              <a:buChar char="•"/>
+            </a:pPr>
+            <a:r>
+              <a:rPr lang="en-US" sz="1800" b="1" dirty="0"/>
+              <a:t>Range: </a:t>
+            </a:r>
+            <a:r>
+              <a:rPr lang="en-US" sz="1800" dirty="0"/>
+              <a:t>within 21 Lunar distances; ~5,000,000 miles</a:t>
+            </a:r>
+          </a:p>
+          <a:p>
+            <a:pPr marL="285750" indent="-285750" algn="l">
+              <a:buFont typeface="Arial" panose="020B0604020202020204" pitchFamily="34" charset="0"/>
+              <a:buChar char="•"/>
+            </a:pPr>
+            <a:r>
+              <a:rPr lang="en-US" sz="1800" b="1" dirty="0"/>
+              <a:t>Date Range</a:t>
+            </a:r>
+            <a:r>
+              <a:rPr lang="en-US" sz="1800" dirty="0"/>
+              <a:t>: 1969 to 2019</a:t>
+            </a:r>
+          </a:p>
+          <a:p>
+            <a:pPr marL="285750" indent="-285750" algn="l">
+              <a:buFont typeface="Arial" panose="020B0604020202020204" pitchFamily="34" charset="0"/>
+              <a:buChar char="•"/>
+            </a:pPr>
+            <a:r>
+              <a:rPr lang="en-US" sz="1800" b="1" dirty="0"/>
+              <a:t>Inner Planets</a:t>
+            </a:r>
+            <a:r>
+              <a:rPr lang="en-US" sz="1800" dirty="0"/>
+              <a:t>: Mercury, Venus, Earth, Mars</a:t>
+            </a:r>
+          </a:p>
+        </p:txBody>
+      </p:sp>
     </p:spTree>
     <p:extLst>
       <p:ext uri="{BB962C8B-B14F-4D97-AF65-F5344CB8AC3E}">
-        <p14:creationId xmlns:p14="http://schemas.microsoft.com/office/powerpoint/2010/main" val="17143761"/>
+        <p14:creationId xmlns:p14="http://schemas.microsoft.com/office/powerpoint/2010/main" val="2015394305"/>
       </p:ext>
     </p:extLst>
   </p:cSld>
@@ -3935,56 +4183,6 @@
           </a:p>
         </p:txBody>
       </p:sp>
-      <p:sp>
-        <p:nvSpPr>
-          <p:cNvPr id="3" name="Subtitle 2">
-            <a:extLst>
-              <a:ext uri="{FF2B5EF4-FFF2-40B4-BE49-F238E27FC236}">
-                <a16:creationId xmlns:a16="http://schemas.microsoft.com/office/drawing/2014/main" id="{0B8832C5-0114-49B6-9282-B09381785FF5}"/>
-              </a:ext>
-            </a:extLst>
-          </p:cNvPr>
-          <p:cNvSpPr>
-            <a:spLocks noGrp="1"/>
-          </p:cNvSpPr>
-          <p:nvPr>
-            <p:ph type="subTitle" idx="1"/>
-          </p:nvPr>
-        </p:nvSpPr>
-        <p:spPr>
-          <a:xfrm>
-            <a:off x="7165687" y="1946864"/>
-            <a:ext cx="4150321" cy="2964272"/>
-          </a:xfrm>
-        </p:spPr>
-        <p:txBody>
-          <a:bodyPr/>
-          <a:lstStyle/>
-          <a:p>
-            <a:pPr marL="342900" indent="-342900">
-              <a:buFontTx/>
-              <a:buChar char="-"/>
-            </a:pPr>
-            <a:r>
-              <a:rPr lang="en-US" dirty="0"/>
-              <a:t>Cannot Reject Null</a:t>
-            </a:r>
-          </a:p>
-          <a:p>
-            <a:endParaRPr lang="en-US" dirty="0"/>
-          </a:p>
-          <a:p>
-            <a:pPr marL="342900" indent="-342900">
-              <a:buFontTx/>
-              <a:buChar char="-"/>
-            </a:pPr>
-            <a:r>
-              <a:rPr lang="en-US" dirty="0"/>
-              <a:t>Very Weak positive correlation</a:t>
-            </a:r>
-          </a:p>
-        </p:txBody>
-      </p:sp>
       <p:pic>
         <p:nvPicPr>
           <p:cNvPr id="5" name="Picture 4">
@@ -4013,8 +4211,8 @@
         </p:blipFill>
         <p:spPr>
           <a:xfrm>
-            <a:off x="0" y="1295400"/>
-            <a:ext cx="7424927" cy="3313176"/>
+            <a:off x="463296" y="1491875"/>
+            <a:ext cx="7635674" cy="4329973"/>
           </a:xfrm>
           <a:prstGeom prst="rect">
             <a:avLst/>
@@ -4023,204 +4221,129 @@
       </p:pic>
       <p:sp>
         <p:nvSpPr>
-          <p:cNvPr id="11" name="Rectangle 2">
-            <a:extLst>
-              <a:ext uri="{FF2B5EF4-FFF2-40B4-BE49-F238E27FC236}">
-                <a16:creationId xmlns:a16="http://schemas.microsoft.com/office/drawing/2014/main" id="{D08CE40E-A06B-432E-877A-F5ABD2964938}"/>
-              </a:ext>
-            </a:extLst>
-          </p:cNvPr>
-          <p:cNvSpPr>
-            <a:spLocks noChangeArrowheads="1"/>
-          </p:cNvSpPr>
+          <p:cNvPr id="4" name="TextBox 3">
+            <a:extLst>
+              <a:ext uri="{FF2B5EF4-FFF2-40B4-BE49-F238E27FC236}">
+                <a16:creationId xmlns:a16="http://schemas.microsoft.com/office/drawing/2014/main" id="{95C270D9-6F59-41CD-AF21-D85C7B251649}"/>
+              </a:ext>
+            </a:extLst>
+          </p:cNvPr>
+          <p:cNvSpPr txBox="1"/>
           <p:nvPr/>
         </p:nvSpPr>
-        <p:spPr bwMode="auto">
-          <a:xfrm>
-            <a:off x="875992" y="4776445"/>
-            <a:ext cx="3968496" cy="461665"/>
+        <p:spPr>
+          <a:xfrm>
+            <a:off x="8372048" y="1900267"/>
+            <a:ext cx="3468624" cy="861774"/>
           </a:xfrm>
           <a:prstGeom prst="rect">
             <a:avLst/>
           </a:prstGeom>
-          <a:solidFill>
-            <a:srgbClr val="FFFFFF"/>
-          </a:solidFill>
-          <a:ln>
-            <a:noFill/>
-          </a:ln>
-          <a:effectLst/>
-          <a:extLst>
-            <a:ext uri="{91240B29-F687-4F45-9708-019B960494DF}">
-              <a14:hiddenLine xmlns:a14="http://schemas.microsoft.com/office/drawing/2010/main" w="9525">
-                <a:solidFill>
-                  <a:schemeClr val="tx1"/>
-                </a:solidFill>
-                <a:miter lim="800000"/>
-                <a:headEnd/>
-                <a:tailEnd/>
-              </a14:hiddenLine>
-            </a:ext>
-            <a:ext uri="{AF507438-7753-43E0-B8FC-AC1667EBCBE1}">
-              <a14:hiddenEffects xmlns:a14="http://schemas.microsoft.com/office/drawing/2010/main">
-                <a:effectLst>
-                  <a:outerShdw dist="35921" dir="2700000" algn="ctr" rotWithShape="0">
-                    <a:schemeClr val="bg2"/>
-                  </a:outerShdw>
-                </a:effectLst>
-              </a14:hiddenEffects>
-            </a:ext>
-          </a:extLst>
-        </p:spPr>
-        <p:txBody>
-          <a:bodyPr vert="horz" wrap="square" lIns="0" tIns="0" rIns="0" bIns="0" numCol="1" anchor="ctr" anchorCtr="0" compatLnSpc="1">
-            <a:prstTxWarp prst="textNoShape">
-              <a:avLst/>
-            </a:prstTxWarp>
+          <a:noFill/>
+        </p:spPr>
+        <p:txBody>
+          <a:bodyPr wrap="square" rtlCol="0">
             <a:spAutoFit/>
           </a:bodyPr>
           <a:lstStyle/>
           <a:p>
-            <a:pPr marL="0" marR="0" lvl="0" indent="0" algn="l" defTabSz="914400" rtl="0" eaLnBrk="0" fontAlgn="base" latinLnBrk="0" hangingPunct="0">
-              <a:lnSpc>
-                <a:spcPct val="100000"/>
-              </a:lnSpc>
-              <a:spcBef>
-                <a:spcPct val="0"/>
-              </a:spcBef>
-              <a:spcAft>
-                <a:spcPct val="0"/>
-              </a:spcAft>
-              <a:buClrTx/>
-              <a:buSzTx/>
-              <a:buFontTx/>
-              <a:buNone/>
-              <a:tabLst/>
+            <a:r>
+              <a:rPr lang="en-US" b="1" dirty="0"/>
+              <a:t>Statistical Values:</a:t>
+            </a:r>
+          </a:p>
+          <a:p>
+            <a:pPr marL="285750" indent="-285750">
+              <a:buFont typeface="Arial" panose="020B0604020202020204" pitchFamily="34" charset="0"/>
+              <a:buChar char="•"/>
             </a:pPr>
             <a:r>
-              <a:rPr kumimoji="0" lang="en-US" altLang="en-US" sz="1000" b="1" i="0" u="none" strike="noStrike" cap="none" normalizeH="0" baseline="0" dirty="0">
-                <a:ln>
-                  <a:noFill/>
-                </a:ln>
-                <a:solidFill>
-                  <a:srgbClr val="000000"/>
-                </a:solidFill>
-                <a:effectLst/>
-                <a:latin typeface="Courier New" panose="02070309020205020404" pitchFamily="49" charset="0"/>
-              </a:rPr>
+              <a:rPr lang="en-US" sz="1600" b="1" dirty="0"/>
               <a:t>P Value</a:t>
             </a:r>
             <a:r>
-              <a:rPr kumimoji="0" lang="en-US" altLang="en-US" sz="1000" b="0" i="0" u="none" strike="noStrike" cap="none" normalizeH="0" baseline="0" dirty="0">
-                <a:ln>
-                  <a:noFill/>
-                </a:ln>
-                <a:solidFill>
-                  <a:srgbClr val="000000"/>
-                </a:solidFill>
-                <a:effectLst/>
-                <a:latin typeface="Courier New" panose="02070309020205020404" pitchFamily="49" charset="0"/>
-              </a:rPr>
+              <a:rPr lang="en-US" sz="1600" dirty="0"/>
               <a:t>: 0.070729</a:t>
             </a:r>
           </a:p>
           <a:p>
-            <a:pPr marL="0" marR="0" lvl="0" indent="0" algn="l" defTabSz="914400" rtl="0" eaLnBrk="0" fontAlgn="base" latinLnBrk="0" hangingPunct="0">
-              <a:lnSpc>
-                <a:spcPct val="100000"/>
-              </a:lnSpc>
-              <a:spcBef>
-                <a:spcPct val="0"/>
-              </a:spcBef>
-              <a:spcAft>
-                <a:spcPct val="0"/>
-              </a:spcAft>
-              <a:buClrTx/>
-              <a:buSzTx/>
-              <a:buFontTx/>
-              <a:buNone/>
-              <a:tabLst/>
+            <a:pPr marL="285750" indent="-285750">
+              <a:buFont typeface="Arial" panose="020B0604020202020204" pitchFamily="34" charset="0"/>
+              <a:buChar char="•"/>
             </a:pPr>
             <a:r>
-              <a:rPr kumimoji="0" lang="en-US" altLang="en-US" sz="1000" b="1" i="0" u="none" strike="noStrike" cap="none" normalizeH="0" baseline="0" dirty="0">
-                <a:ln>
-                  <a:noFill/>
-                </a:ln>
-                <a:solidFill>
-                  <a:srgbClr val="000000"/>
-                </a:solidFill>
-                <a:effectLst/>
-                <a:latin typeface="Courier New" panose="02070309020205020404" pitchFamily="49" charset="0"/>
-              </a:rPr>
+              <a:rPr lang="en-US" sz="1600" b="1" dirty="0"/>
               <a:t>Correlation Coefficient</a:t>
             </a:r>
             <a:r>
-              <a:rPr kumimoji="0" lang="en-US" altLang="en-US" sz="1000" b="0" i="0" u="none" strike="noStrike" cap="none" normalizeH="0" baseline="0" dirty="0">
-                <a:ln>
-                  <a:noFill/>
-                </a:ln>
-                <a:solidFill>
-                  <a:srgbClr val="000000"/>
-                </a:solidFill>
-                <a:effectLst/>
-                <a:latin typeface="Courier New" panose="02070309020205020404" pitchFamily="49" charset="0"/>
-              </a:rPr>
-              <a:t>:0.065116</a:t>
-            </a:r>
-          </a:p>
-          <a:p>
-            <a:pPr marL="0" marR="0" lvl="0" indent="0" algn="l" defTabSz="914400" rtl="0" eaLnBrk="0" fontAlgn="base" latinLnBrk="0" hangingPunct="0">
-              <a:lnSpc>
-                <a:spcPct val="100000"/>
-              </a:lnSpc>
-              <a:spcBef>
-                <a:spcPct val="0"/>
-              </a:spcBef>
-              <a:spcAft>
-                <a:spcPct val="0"/>
-              </a:spcAft>
-              <a:buClrTx/>
-              <a:buSzTx/>
-              <a:buFontTx/>
-              <a:buNone/>
-              <a:tabLst/>
+              <a:rPr lang="en-US" sz="1600" dirty="0"/>
+              <a:t>: 0.065116</a:t>
+            </a:r>
+          </a:p>
+        </p:txBody>
+      </p:sp>
+      <p:sp>
+        <p:nvSpPr>
+          <p:cNvPr id="6" name="TextBox 5">
+            <a:extLst>
+              <a:ext uri="{FF2B5EF4-FFF2-40B4-BE49-F238E27FC236}">
+                <a16:creationId xmlns:a16="http://schemas.microsoft.com/office/drawing/2014/main" id="{CC041F36-EE45-4B8E-B8B0-58793661CF2C}"/>
+              </a:ext>
+            </a:extLst>
+          </p:cNvPr>
+          <p:cNvSpPr txBox="1"/>
+          <p:nvPr/>
+        </p:nvSpPr>
+        <p:spPr>
+          <a:xfrm>
+            <a:off x="8384240" y="3218651"/>
+            <a:ext cx="3456432" cy="1107996"/>
+          </a:xfrm>
+          <a:prstGeom prst="rect">
+            <a:avLst/>
+          </a:prstGeom>
+          <a:noFill/>
+        </p:spPr>
+        <p:txBody>
+          <a:bodyPr wrap="square" rtlCol="0">
+            <a:spAutoFit/>
+          </a:bodyPr>
+          <a:lstStyle/>
+          <a:p>
+            <a:r>
+              <a:rPr lang="en-US" b="1" dirty="0"/>
+              <a:t>Statistical Analysis</a:t>
+            </a:r>
+          </a:p>
+          <a:p>
+            <a:pPr marL="285750" indent="-285750">
+              <a:buFont typeface="Arial" panose="020B0604020202020204" pitchFamily="34" charset="0"/>
+              <a:buChar char="•"/>
             </a:pPr>
             <a:r>
-              <a:rPr kumimoji="0" lang="en-US" altLang="en-US" sz="1000" b="1" i="0" u="none" strike="noStrike" cap="none" normalizeH="0" baseline="0" dirty="0">
-                <a:ln>
-                  <a:noFill/>
-                </a:ln>
-                <a:solidFill>
-                  <a:srgbClr val="000000"/>
-                </a:solidFill>
-                <a:effectLst/>
-                <a:latin typeface="Courier New" panose="02070309020205020404" pitchFamily="49" charset="0"/>
-              </a:rPr>
-              <a:t>Linear Regression Line</a:t>
-            </a:r>
-            <a:r>
-              <a:rPr kumimoji="0" lang="en-US" altLang="en-US" sz="1000" b="0" i="0" u="none" strike="noStrike" cap="none" normalizeH="0" baseline="0" dirty="0">
-                <a:ln>
-                  <a:noFill/>
-                </a:ln>
-                <a:solidFill>
-                  <a:srgbClr val="000000"/>
-                </a:solidFill>
-                <a:effectLst/>
-                <a:latin typeface="Courier New" panose="02070309020205020404" pitchFamily="49" charset="0"/>
-              </a:rPr>
-              <a:t>: y = 0.08x + 19.12</a:t>
-            </a:r>
-            <a:endParaRPr kumimoji="0" lang="en-US" altLang="en-US" sz="1800" b="0" i="0" u="none" strike="noStrike" cap="none" normalizeH="0" baseline="0" dirty="0">
-              <a:ln>
-                <a:noFill/>
-              </a:ln>
-              <a:solidFill>
-                <a:schemeClr val="tx1"/>
-              </a:solidFill>
-              <a:effectLst/>
-              <a:latin typeface="Arial" panose="020B0604020202020204" pitchFamily="34" charset="0"/>
-            </a:endParaRPr>
+              <a:rPr lang="en-US" sz="1600" dirty="0"/>
+              <a:t>Cannot Reject the Null Hypothesis</a:t>
+            </a:r>
+          </a:p>
+          <a:p>
+            <a:pPr marL="285750" indent="-285750">
+              <a:buFont typeface="Arial" panose="020B0604020202020204" pitchFamily="34" charset="0"/>
+              <a:buChar char="•"/>
+            </a:pPr>
+            <a:r>
+              <a:rPr lang="en-US" sz="1600" dirty="0"/>
+              <a:t>There is a very weak positive </a:t>
+            </a:r>
+          </a:p>
+          <a:p>
+            <a:pPr marL="285750" indent="-285750">
+              <a:buFont typeface="Arial" panose="020B0604020202020204" pitchFamily="34" charset="0"/>
+              <a:buChar char="•"/>
+            </a:pPr>
+            <a:r>
+              <a:rPr lang="en-US" sz="1600" dirty="0"/>
+              <a:t>correlation occurring.</a:t>
+            </a:r>
           </a:p>
         </p:txBody>
       </p:sp>
@@ -4289,271 +4412,6 @@
           </a:p>
         </p:txBody>
       </p:sp>
-      <p:sp>
-        <p:nvSpPr>
-          <p:cNvPr id="3" name="Subtitle 2">
-            <a:extLst>
-              <a:ext uri="{FF2B5EF4-FFF2-40B4-BE49-F238E27FC236}">
-                <a16:creationId xmlns:a16="http://schemas.microsoft.com/office/drawing/2014/main" id="{0B8832C5-0114-49B6-9282-B09381785FF5}"/>
-              </a:ext>
-            </a:extLst>
-          </p:cNvPr>
-          <p:cNvSpPr>
-            <a:spLocks noGrp="1"/>
-          </p:cNvSpPr>
-          <p:nvPr>
-            <p:ph type="subTitle" idx="1"/>
-          </p:nvPr>
-        </p:nvSpPr>
-        <p:spPr>
-          <a:xfrm>
-            <a:off x="7842343" y="1837136"/>
-            <a:ext cx="4150321" cy="2964272"/>
-          </a:xfrm>
-        </p:spPr>
-        <p:txBody>
-          <a:bodyPr/>
-          <a:lstStyle/>
-          <a:p>
-            <a:pPr marL="342900" indent="-342900">
-              <a:buFontTx/>
-              <a:buChar char="-"/>
-            </a:pPr>
-            <a:r>
-              <a:rPr lang="en-US" dirty="0"/>
-              <a:t>Reject Null</a:t>
-            </a:r>
-          </a:p>
-          <a:p>
-            <a:endParaRPr lang="en-US" dirty="0"/>
-          </a:p>
-          <a:p>
-            <a:pPr marL="342900" indent="-342900">
-              <a:buFontTx/>
-              <a:buChar char="-"/>
-            </a:pPr>
-            <a:r>
-              <a:rPr lang="en-US" dirty="0"/>
-              <a:t>Weak positive correlation</a:t>
-            </a:r>
-          </a:p>
-        </p:txBody>
-      </p:sp>
-      <p:sp>
-        <p:nvSpPr>
-          <p:cNvPr id="11" name="Rectangle 2">
-            <a:extLst>
-              <a:ext uri="{FF2B5EF4-FFF2-40B4-BE49-F238E27FC236}">
-                <a16:creationId xmlns:a16="http://schemas.microsoft.com/office/drawing/2014/main" id="{D08CE40E-A06B-432E-877A-F5ABD2964938}"/>
-              </a:ext>
-            </a:extLst>
-          </p:cNvPr>
-          <p:cNvSpPr>
-            <a:spLocks noChangeArrowheads="1"/>
-          </p:cNvSpPr>
-          <p:nvPr/>
-        </p:nvSpPr>
-        <p:spPr bwMode="auto">
-          <a:xfrm>
-            <a:off x="1066800" y="5011728"/>
-            <a:ext cx="3968496" cy="461665"/>
-          </a:xfrm>
-          <a:prstGeom prst="rect">
-            <a:avLst/>
-          </a:prstGeom>
-          <a:solidFill>
-            <a:srgbClr val="FFFFFF"/>
-          </a:solidFill>
-          <a:ln>
-            <a:noFill/>
-          </a:ln>
-          <a:effectLst/>
-          <a:extLst>
-            <a:ext uri="{91240B29-F687-4F45-9708-019B960494DF}">
-              <a14:hiddenLine xmlns:a14="http://schemas.microsoft.com/office/drawing/2010/main" w="9525">
-                <a:solidFill>
-                  <a:schemeClr val="tx1"/>
-                </a:solidFill>
-                <a:miter lim="800000"/>
-                <a:headEnd/>
-                <a:tailEnd/>
-              </a14:hiddenLine>
-            </a:ext>
-            <a:ext uri="{AF507438-7753-43E0-B8FC-AC1667EBCBE1}">
-              <a14:hiddenEffects xmlns:a14="http://schemas.microsoft.com/office/drawing/2010/main">
-                <a:effectLst>
-                  <a:outerShdw dist="35921" dir="2700000" algn="ctr" rotWithShape="0">
-                    <a:schemeClr val="bg2"/>
-                  </a:outerShdw>
-                </a:effectLst>
-              </a14:hiddenEffects>
-            </a:ext>
-          </a:extLst>
-        </p:spPr>
-        <p:txBody>
-          <a:bodyPr vert="horz" wrap="square" lIns="0" tIns="0" rIns="0" bIns="0" numCol="1" anchor="ctr" anchorCtr="0" compatLnSpc="1">
-            <a:prstTxWarp prst="textNoShape">
-              <a:avLst/>
-            </a:prstTxWarp>
-            <a:spAutoFit/>
-          </a:bodyPr>
-          <a:lstStyle/>
-          <a:p>
-            <a:pPr marL="0" marR="0" lvl="0" indent="0" algn="l" defTabSz="914400" rtl="0" eaLnBrk="0" fontAlgn="base" latinLnBrk="0" hangingPunct="0">
-              <a:lnSpc>
-                <a:spcPct val="100000"/>
-              </a:lnSpc>
-              <a:spcBef>
-                <a:spcPct val="0"/>
-              </a:spcBef>
-              <a:spcAft>
-                <a:spcPct val="0"/>
-              </a:spcAft>
-              <a:buClrTx/>
-              <a:buSzTx/>
-              <a:buFontTx/>
-              <a:buNone/>
-              <a:tabLst/>
-            </a:pPr>
-            <a:r>
-              <a:rPr kumimoji="0" lang="en-US" altLang="en-US" sz="1000" b="1" i="0" u="none" strike="noStrike" cap="none" normalizeH="0" baseline="0" dirty="0">
-                <a:ln>
-                  <a:noFill/>
-                </a:ln>
-                <a:solidFill>
-                  <a:srgbClr val="000000"/>
-                </a:solidFill>
-                <a:effectLst/>
-                <a:latin typeface="Courier New" panose="02070309020205020404" pitchFamily="49" charset="0"/>
-              </a:rPr>
-              <a:t>P Value</a:t>
-            </a:r>
-            <a:r>
-              <a:rPr kumimoji="0" lang="en-US" altLang="en-US" sz="1000" b="0" i="0" u="none" strike="noStrike" cap="none" normalizeH="0" baseline="0" dirty="0">
-                <a:ln>
-                  <a:noFill/>
-                </a:ln>
-                <a:solidFill>
-                  <a:srgbClr val="000000"/>
-                </a:solidFill>
-                <a:effectLst/>
-                <a:latin typeface="Courier New" panose="02070309020205020404" pitchFamily="49" charset="0"/>
-              </a:rPr>
-              <a:t>: 0.000970</a:t>
-            </a:r>
-          </a:p>
-          <a:p>
-            <a:pPr marL="0" marR="0" lvl="0" indent="0" algn="l" defTabSz="914400" rtl="0" eaLnBrk="0" fontAlgn="base" latinLnBrk="0" hangingPunct="0">
-              <a:lnSpc>
-                <a:spcPct val="100000"/>
-              </a:lnSpc>
-              <a:spcBef>
-                <a:spcPct val="0"/>
-              </a:spcBef>
-              <a:spcAft>
-                <a:spcPct val="0"/>
-              </a:spcAft>
-              <a:buClrTx/>
-              <a:buSzTx/>
-              <a:buFontTx/>
-              <a:buNone/>
-              <a:tabLst/>
-            </a:pPr>
-            <a:r>
-              <a:rPr kumimoji="0" lang="en-US" altLang="en-US" sz="1000" b="1" i="0" u="none" strike="noStrike" cap="none" normalizeH="0" baseline="0" dirty="0">
-                <a:ln>
-                  <a:noFill/>
-                </a:ln>
-                <a:solidFill>
-                  <a:srgbClr val="000000"/>
-                </a:solidFill>
-                <a:effectLst/>
-                <a:latin typeface="Courier New" panose="02070309020205020404" pitchFamily="49" charset="0"/>
-              </a:rPr>
-              <a:t>Correlation Coefficient</a:t>
-            </a:r>
-            <a:r>
-              <a:rPr kumimoji="0" lang="en-US" altLang="en-US" sz="1000" b="0" i="0" u="none" strike="noStrike" cap="none" normalizeH="0" baseline="0" dirty="0">
-                <a:ln>
-                  <a:noFill/>
-                </a:ln>
-                <a:solidFill>
-                  <a:srgbClr val="000000"/>
-                </a:solidFill>
-                <a:effectLst/>
-                <a:latin typeface="Courier New" panose="02070309020205020404" pitchFamily="49" charset="0"/>
-              </a:rPr>
-              <a:t>: 0.200959 </a:t>
-            </a:r>
-          </a:p>
-          <a:p>
-            <a:pPr marL="0" marR="0" lvl="0" indent="0" algn="l" defTabSz="914400" rtl="0" eaLnBrk="0" fontAlgn="base" latinLnBrk="0" hangingPunct="0">
-              <a:lnSpc>
-                <a:spcPct val="100000"/>
-              </a:lnSpc>
-              <a:spcBef>
-                <a:spcPct val="0"/>
-              </a:spcBef>
-              <a:spcAft>
-                <a:spcPct val="0"/>
-              </a:spcAft>
-              <a:buClrTx/>
-              <a:buSzTx/>
-              <a:buFontTx/>
-              <a:buNone/>
-              <a:tabLst/>
-            </a:pPr>
-            <a:r>
-              <a:rPr kumimoji="0" lang="en-US" altLang="en-US" sz="1000" b="1" i="0" u="none" strike="noStrike" cap="none" normalizeH="0" baseline="0" dirty="0">
-                <a:ln>
-                  <a:noFill/>
-                </a:ln>
-                <a:solidFill>
-                  <a:srgbClr val="000000"/>
-                </a:solidFill>
-                <a:effectLst/>
-                <a:latin typeface="Courier New" panose="02070309020205020404" pitchFamily="49" charset="0"/>
-              </a:rPr>
-              <a:t>Linear Regression Line</a:t>
-            </a:r>
-            <a:r>
-              <a:rPr kumimoji="0" lang="en-US" altLang="en-US" sz="1000" b="0" i="0" u="none" strike="noStrike" cap="none" normalizeH="0" baseline="0" dirty="0">
-                <a:ln>
-                  <a:noFill/>
-                </a:ln>
-                <a:solidFill>
-                  <a:srgbClr val="000000"/>
-                </a:solidFill>
-                <a:effectLst/>
-                <a:latin typeface="Courier New" panose="02070309020205020404" pitchFamily="49" charset="0"/>
-              </a:rPr>
-              <a:t>: y = 0.21x + 30.85</a:t>
-            </a:r>
-            <a:r>
-              <a:rPr kumimoji="0" lang="en-US" altLang="en-US" sz="600" b="0" i="0" u="none" strike="noStrike" cap="none" normalizeH="0" baseline="0" dirty="0">
-                <a:ln>
-                  <a:noFill/>
-                </a:ln>
-                <a:solidFill>
-                  <a:schemeClr val="tx1"/>
-                </a:solidFill>
-                <a:effectLst/>
-              </a:rPr>
-              <a:t> </a:t>
-            </a:r>
-            <a:endParaRPr kumimoji="0" lang="en-US" altLang="en-US" sz="1800" b="0" i="0" u="none" strike="noStrike" cap="none" normalizeH="0" baseline="0" dirty="0">
-              <a:ln>
-                <a:noFill/>
-              </a:ln>
-              <a:solidFill>
-                <a:schemeClr val="tx1"/>
-              </a:solidFill>
-              <a:effectLst/>
-              <a:latin typeface="Arial" panose="020B0604020202020204" pitchFamily="34" charset="0"/>
-            </a:endParaRPr>
-          </a:p>
-        </p:txBody>
-      </p:sp>
       <p:pic>
         <p:nvPicPr>
           <p:cNvPr id="6" name="Picture 5">
@@ -4582,14 +4440,144 @@
         </p:blipFill>
         <p:spPr>
           <a:xfrm>
-            <a:off x="1" y="1295400"/>
-            <a:ext cx="8107679" cy="3506008"/>
+            <a:off x="371857" y="1234439"/>
+            <a:ext cx="8187425" cy="4139993"/>
           </a:xfrm>
           <a:prstGeom prst="rect">
             <a:avLst/>
           </a:prstGeom>
         </p:spPr>
       </p:pic>
+      <p:sp>
+        <p:nvSpPr>
+          <p:cNvPr id="4" name="TextBox 3">
+            <a:extLst>
+              <a:ext uri="{FF2B5EF4-FFF2-40B4-BE49-F238E27FC236}">
+                <a16:creationId xmlns:a16="http://schemas.microsoft.com/office/drawing/2014/main" id="{B1F06323-06A9-4982-8FDA-5356D2499146}"/>
+              </a:ext>
+            </a:extLst>
+          </p:cNvPr>
+          <p:cNvSpPr txBox="1"/>
+          <p:nvPr/>
+        </p:nvSpPr>
+        <p:spPr>
+          <a:xfrm>
+            <a:off x="8723376" y="1824135"/>
+            <a:ext cx="3468624" cy="861774"/>
+          </a:xfrm>
+          <a:prstGeom prst="rect">
+            <a:avLst/>
+          </a:prstGeom>
+          <a:noFill/>
+        </p:spPr>
+        <p:txBody>
+          <a:bodyPr wrap="square" rtlCol="0">
+            <a:spAutoFit/>
+          </a:bodyPr>
+          <a:lstStyle/>
+          <a:p>
+            <a:r>
+              <a:rPr lang="en-US" b="1" dirty="0"/>
+              <a:t>Statistical Values:</a:t>
+            </a:r>
+          </a:p>
+          <a:p>
+            <a:pPr marL="285750" indent="-285750">
+              <a:buFont typeface="Arial" panose="020B0604020202020204" pitchFamily="34" charset="0"/>
+              <a:buChar char="•"/>
+            </a:pPr>
+            <a:r>
+              <a:rPr lang="en-US" sz="1600" b="1" dirty="0"/>
+              <a:t>P Value</a:t>
+            </a:r>
+            <a:r>
+              <a:rPr lang="en-US" sz="1600" dirty="0"/>
+              <a:t>: 0.000970</a:t>
+            </a:r>
+          </a:p>
+          <a:p>
+            <a:pPr marL="285750" indent="-285750">
+              <a:buFont typeface="Arial" panose="020B0604020202020204" pitchFamily="34" charset="0"/>
+              <a:buChar char="•"/>
+            </a:pPr>
+            <a:r>
+              <a:rPr lang="en-US" sz="1600" b="1" dirty="0"/>
+              <a:t>Correlation Coefficient</a:t>
+            </a:r>
+            <a:r>
+              <a:rPr lang="en-US" sz="1600" dirty="0"/>
+              <a:t>: 0.200959</a:t>
+            </a:r>
+          </a:p>
+        </p:txBody>
+      </p:sp>
+      <p:sp>
+        <p:nvSpPr>
+          <p:cNvPr id="5" name="TextBox 4">
+            <a:extLst>
+              <a:ext uri="{FF2B5EF4-FFF2-40B4-BE49-F238E27FC236}">
+                <a16:creationId xmlns:a16="http://schemas.microsoft.com/office/drawing/2014/main" id="{8BE5CE07-4EA2-4F4D-85D3-394BCC0A68A2}"/>
+              </a:ext>
+            </a:extLst>
+          </p:cNvPr>
+          <p:cNvSpPr txBox="1"/>
+          <p:nvPr/>
+        </p:nvSpPr>
+        <p:spPr>
+          <a:xfrm>
+            <a:off x="8723376" y="2825075"/>
+            <a:ext cx="4791456" cy="1354217"/>
+          </a:xfrm>
+          <a:prstGeom prst="rect">
+            <a:avLst/>
+          </a:prstGeom>
+          <a:noFill/>
+        </p:spPr>
+        <p:txBody>
+          <a:bodyPr wrap="square" rtlCol="0">
+            <a:spAutoFit/>
+          </a:bodyPr>
+          <a:lstStyle/>
+          <a:p>
+            <a:r>
+              <a:rPr lang="en-US" b="1" dirty="0"/>
+              <a:t>Statistical Analysis</a:t>
+            </a:r>
+          </a:p>
+          <a:p>
+            <a:pPr marL="285750" indent="-285750">
+              <a:buFont typeface="Arial" panose="020B0604020202020204" pitchFamily="34" charset="0"/>
+              <a:buChar char="•"/>
+            </a:pPr>
+            <a:r>
+              <a:rPr lang="en-US" sz="1600" dirty="0"/>
+              <a:t>Significant enough to Reject </a:t>
+            </a:r>
+          </a:p>
+          <a:p>
+            <a:r>
+              <a:rPr lang="en-US" sz="1600" dirty="0"/>
+              <a:t>      the Null Hypothesis</a:t>
+            </a:r>
+          </a:p>
+          <a:p>
+            <a:pPr marL="285750" indent="-285750">
+              <a:buFont typeface="Arial" panose="020B0604020202020204" pitchFamily="34" charset="0"/>
+              <a:buChar char="•"/>
+            </a:pPr>
+            <a:r>
+              <a:rPr lang="en-US" sz="1600" dirty="0"/>
+              <a:t>There is a weak positive </a:t>
+            </a:r>
+          </a:p>
+          <a:p>
+            <a:r>
+              <a:rPr lang="en-US" sz="1600" dirty="0"/>
+              <a:t>       correlation occurring.</a:t>
+            </a:r>
+          </a:p>
+        </p:txBody>
+      </p:sp>
     </p:spTree>
     <p:extLst>
       <p:ext uri="{BB962C8B-B14F-4D97-AF65-F5344CB8AC3E}">
@@ -4655,259 +4643,6 @@
           </a:p>
         </p:txBody>
       </p:sp>
-      <p:sp>
-        <p:nvSpPr>
-          <p:cNvPr id="3" name="Subtitle 2">
-            <a:extLst>
-              <a:ext uri="{FF2B5EF4-FFF2-40B4-BE49-F238E27FC236}">
-                <a16:creationId xmlns:a16="http://schemas.microsoft.com/office/drawing/2014/main" id="{0B8832C5-0114-49B6-9282-B09381785FF5}"/>
-              </a:ext>
-            </a:extLst>
-          </p:cNvPr>
-          <p:cNvSpPr>
-            <a:spLocks noGrp="1"/>
-          </p:cNvSpPr>
-          <p:nvPr>
-            <p:ph type="subTitle" idx="1"/>
-          </p:nvPr>
-        </p:nvSpPr>
-        <p:spPr>
-          <a:xfrm>
-            <a:off x="7842343" y="1837136"/>
-            <a:ext cx="4150321" cy="2964272"/>
-          </a:xfrm>
-        </p:spPr>
-        <p:txBody>
-          <a:bodyPr/>
-          <a:lstStyle/>
-          <a:p>
-            <a:pPr marL="342900" indent="-342900">
-              <a:buFontTx/>
-              <a:buChar char="-"/>
-            </a:pPr>
-            <a:r>
-              <a:rPr lang="en-US" dirty="0"/>
-              <a:t>Reject Null</a:t>
-            </a:r>
-          </a:p>
-          <a:p>
-            <a:endParaRPr lang="en-US" dirty="0"/>
-          </a:p>
-          <a:p>
-            <a:pPr marL="342900" indent="-342900">
-              <a:buFontTx/>
-              <a:buChar char="-"/>
-            </a:pPr>
-            <a:r>
-              <a:rPr lang="en-US" dirty="0"/>
-              <a:t>Weak positive correlation</a:t>
-            </a:r>
-          </a:p>
-        </p:txBody>
-      </p:sp>
-      <p:sp>
-        <p:nvSpPr>
-          <p:cNvPr id="11" name="Rectangle 2">
-            <a:extLst>
-              <a:ext uri="{FF2B5EF4-FFF2-40B4-BE49-F238E27FC236}">
-                <a16:creationId xmlns:a16="http://schemas.microsoft.com/office/drawing/2014/main" id="{D08CE40E-A06B-432E-877A-F5ABD2964938}"/>
-              </a:ext>
-            </a:extLst>
-          </p:cNvPr>
-          <p:cNvSpPr>
-            <a:spLocks noChangeArrowheads="1"/>
-          </p:cNvSpPr>
-          <p:nvPr/>
-        </p:nvSpPr>
-        <p:spPr bwMode="auto">
-          <a:xfrm>
-            <a:off x="1066800" y="5011728"/>
-            <a:ext cx="3968496" cy="461665"/>
-          </a:xfrm>
-          <a:prstGeom prst="rect">
-            <a:avLst/>
-          </a:prstGeom>
-          <a:solidFill>
-            <a:srgbClr val="FFFFFF"/>
-          </a:solidFill>
-          <a:ln>
-            <a:noFill/>
-          </a:ln>
-          <a:effectLst/>
-          <a:extLst>
-            <a:ext uri="{91240B29-F687-4F45-9708-019B960494DF}">
-              <a14:hiddenLine xmlns:a14="http://schemas.microsoft.com/office/drawing/2010/main" w="9525">
-                <a:solidFill>
-                  <a:schemeClr val="tx1"/>
-                </a:solidFill>
-                <a:miter lim="800000"/>
-                <a:headEnd/>
-                <a:tailEnd/>
-              </a14:hiddenLine>
-            </a:ext>
-            <a:ext uri="{AF507438-7753-43E0-B8FC-AC1667EBCBE1}">
-              <a14:hiddenEffects xmlns:a14="http://schemas.microsoft.com/office/drawing/2010/main">
-                <a:effectLst>
-                  <a:outerShdw dist="35921" dir="2700000" algn="ctr" rotWithShape="0">
-                    <a:schemeClr val="bg2"/>
-                  </a:outerShdw>
-                </a:effectLst>
-              </a14:hiddenEffects>
-            </a:ext>
-          </a:extLst>
-        </p:spPr>
-        <p:txBody>
-          <a:bodyPr vert="horz" wrap="square" lIns="0" tIns="0" rIns="0" bIns="0" numCol="1" anchor="ctr" anchorCtr="0" compatLnSpc="1">
-            <a:prstTxWarp prst="textNoShape">
-              <a:avLst/>
-            </a:prstTxWarp>
-            <a:spAutoFit/>
-          </a:bodyPr>
-          <a:lstStyle/>
-          <a:p>
-            <a:pPr marL="0" marR="0" lvl="0" indent="0" algn="l" defTabSz="914400" rtl="0" eaLnBrk="0" fontAlgn="base" latinLnBrk="0" hangingPunct="0">
-              <a:lnSpc>
-                <a:spcPct val="100000"/>
-              </a:lnSpc>
-              <a:spcBef>
-                <a:spcPct val="0"/>
-              </a:spcBef>
-              <a:spcAft>
-                <a:spcPct val="0"/>
-              </a:spcAft>
-              <a:buClrTx/>
-              <a:buSzTx/>
-              <a:buFontTx/>
-              <a:buNone/>
-              <a:tabLst/>
-            </a:pPr>
-            <a:r>
-              <a:rPr kumimoji="0" lang="en-US" altLang="en-US" sz="1000" b="1" i="0" u="none" strike="noStrike" cap="none" normalizeH="0" baseline="0" dirty="0">
-                <a:ln>
-                  <a:noFill/>
-                </a:ln>
-                <a:solidFill>
-                  <a:srgbClr val="000000"/>
-                </a:solidFill>
-                <a:effectLst/>
-                <a:latin typeface="Courier New" panose="02070309020205020404" pitchFamily="49" charset="0"/>
-              </a:rPr>
-              <a:t>P Value</a:t>
-            </a:r>
-            <a:r>
-              <a:rPr kumimoji="0" lang="en-US" altLang="en-US" sz="1000" b="0" i="0" u="none" strike="noStrike" cap="none" normalizeH="0" baseline="0" dirty="0">
-                <a:ln>
-                  <a:noFill/>
-                </a:ln>
-                <a:solidFill>
-                  <a:srgbClr val="000000"/>
-                </a:solidFill>
-                <a:effectLst/>
-                <a:latin typeface="Courier New" panose="02070309020205020404" pitchFamily="49" charset="0"/>
-              </a:rPr>
-              <a:t>: 0.005003</a:t>
-            </a:r>
-          </a:p>
-          <a:p>
-            <a:pPr marL="0" marR="0" lvl="0" indent="0" algn="l" defTabSz="914400" rtl="0" eaLnBrk="0" fontAlgn="base" latinLnBrk="0" hangingPunct="0">
-              <a:lnSpc>
-                <a:spcPct val="100000"/>
-              </a:lnSpc>
-              <a:spcBef>
-                <a:spcPct val="0"/>
-              </a:spcBef>
-              <a:spcAft>
-                <a:spcPct val="0"/>
-              </a:spcAft>
-              <a:buClrTx/>
-              <a:buSzTx/>
-              <a:buFontTx/>
-              <a:buNone/>
-              <a:tabLst/>
-            </a:pPr>
-            <a:r>
-              <a:rPr kumimoji="0" lang="en-US" altLang="en-US" sz="1000" b="1" i="0" u="none" strike="noStrike" cap="none" normalizeH="0" baseline="0" dirty="0">
-                <a:ln>
-                  <a:noFill/>
-                </a:ln>
-                <a:solidFill>
-                  <a:srgbClr val="000000"/>
-                </a:solidFill>
-                <a:effectLst/>
-                <a:latin typeface="Courier New" panose="02070309020205020404" pitchFamily="49" charset="0"/>
-              </a:rPr>
-              <a:t>Correlation Coefficient</a:t>
-            </a:r>
-            <a:r>
-              <a:rPr kumimoji="0" lang="en-US" altLang="en-US" sz="1000" b="0" i="0" u="none" strike="noStrike" cap="none" normalizeH="0" baseline="0" dirty="0">
-                <a:ln>
-                  <a:noFill/>
-                </a:ln>
-                <a:solidFill>
-                  <a:srgbClr val="000000"/>
-                </a:solidFill>
-                <a:effectLst/>
-                <a:latin typeface="Courier New" panose="02070309020205020404" pitchFamily="49" charset="0"/>
-              </a:rPr>
-              <a:t>: 0.149908 </a:t>
-            </a:r>
-          </a:p>
-          <a:p>
-            <a:pPr marL="0" marR="0" lvl="0" indent="0" algn="l" defTabSz="914400" rtl="0" eaLnBrk="0" fontAlgn="base" latinLnBrk="0" hangingPunct="0">
-              <a:lnSpc>
-                <a:spcPct val="100000"/>
-              </a:lnSpc>
-              <a:spcBef>
-                <a:spcPct val="0"/>
-              </a:spcBef>
-              <a:spcAft>
-                <a:spcPct val="0"/>
-              </a:spcAft>
-              <a:buClrTx/>
-              <a:buSzTx/>
-              <a:buFontTx/>
-              <a:buNone/>
-              <a:tabLst/>
-            </a:pPr>
-            <a:r>
-              <a:rPr kumimoji="0" lang="en-US" altLang="en-US" sz="1000" b="1" i="0" u="none" strike="noStrike" cap="none" normalizeH="0" baseline="0" dirty="0">
-                <a:ln>
-                  <a:noFill/>
-                </a:ln>
-                <a:solidFill>
-                  <a:srgbClr val="000000"/>
-                </a:solidFill>
-                <a:effectLst/>
-                <a:latin typeface="Courier New" panose="02070309020205020404" pitchFamily="49" charset="0"/>
-              </a:rPr>
-              <a:t>Linear Regression Line</a:t>
-            </a:r>
-            <a:r>
-              <a:rPr kumimoji="0" lang="en-US" altLang="en-US" sz="1000" b="0" i="0" u="none" strike="noStrike" cap="none" normalizeH="0" baseline="0" dirty="0">
-                <a:ln>
-                  <a:noFill/>
-                </a:ln>
-                <a:solidFill>
-                  <a:srgbClr val="000000"/>
-                </a:solidFill>
-                <a:effectLst/>
-                <a:latin typeface="Courier New" panose="02070309020205020404" pitchFamily="49" charset="0"/>
-              </a:rPr>
-              <a:t>: y = 0.17x + 15.22</a:t>
-            </a:r>
-            <a:endParaRPr kumimoji="0" lang="en-US" altLang="en-US" sz="1800" b="0" i="0" u="none" strike="noStrike" cap="none" normalizeH="0" baseline="0" dirty="0">
-              <a:ln>
-                <a:noFill/>
-              </a:ln>
-              <a:solidFill>
-                <a:schemeClr val="tx1"/>
-              </a:solidFill>
-              <a:effectLst/>
-              <a:latin typeface="Arial" panose="020B0604020202020204" pitchFamily="34" charset="0"/>
-            </a:endParaRPr>
-          </a:p>
-        </p:txBody>
-      </p:sp>
       <p:pic>
         <p:nvPicPr>
           <p:cNvPr id="5" name="Picture 4">
@@ -4936,14 +4671,142 @@
         </p:blipFill>
         <p:spPr>
           <a:xfrm>
-            <a:off x="0" y="1295400"/>
-            <a:ext cx="8186928" cy="3506008"/>
+            <a:off x="390144" y="1675996"/>
+            <a:ext cx="7815072" cy="3506008"/>
           </a:xfrm>
           <a:prstGeom prst="rect">
             <a:avLst/>
           </a:prstGeom>
         </p:spPr>
       </p:pic>
+      <p:sp>
+        <p:nvSpPr>
+          <p:cNvPr id="4" name="TextBox 3">
+            <a:extLst>
+              <a:ext uri="{FF2B5EF4-FFF2-40B4-BE49-F238E27FC236}">
+                <a16:creationId xmlns:a16="http://schemas.microsoft.com/office/drawing/2014/main" id="{C828555D-73C1-4C95-A363-344B2966C4FD}"/>
+              </a:ext>
+            </a:extLst>
+          </p:cNvPr>
+          <p:cNvSpPr txBox="1"/>
+          <p:nvPr/>
+        </p:nvSpPr>
+        <p:spPr>
+          <a:xfrm>
+            <a:off x="8577072" y="1782340"/>
+            <a:ext cx="3468624" cy="861774"/>
+          </a:xfrm>
+          <a:prstGeom prst="rect">
+            <a:avLst/>
+          </a:prstGeom>
+          <a:noFill/>
+        </p:spPr>
+        <p:txBody>
+          <a:bodyPr wrap="square" rtlCol="0">
+            <a:spAutoFit/>
+          </a:bodyPr>
+          <a:lstStyle/>
+          <a:p>
+            <a:r>
+              <a:rPr lang="en-US" b="1" dirty="0"/>
+              <a:t>Statistical Values:</a:t>
+            </a:r>
+          </a:p>
+          <a:p>
+            <a:pPr marL="285750" indent="-285750">
+              <a:buFont typeface="Arial" panose="020B0604020202020204" pitchFamily="34" charset="0"/>
+              <a:buChar char="•"/>
+            </a:pPr>
+            <a:r>
+              <a:rPr lang="en-US" sz="1600" b="1" dirty="0"/>
+              <a:t>P Value</a:t>
+            </a:r>
+            <a:r>
+              <a:rPr lang="en-US" sz="1600" dirty="0"/>
+              <a:t>: 0.005003</a:t>
+            </a:r>
+          </a:p>
+          <a:p>
+            <a:pPr marL="285750" indent="-285750">
+              <a:buFont typeface="Arial" panose="020B0604020202020204" pitchFamily="34" charset="0"/>
+              <a:buChar char="•"/>
+            </a:pPr>
+            <a:r>
+              <a:rPr lang="en-US" sz="1600" b="1" dirty="0"/>
+              <a:t>Correlation Coefficient</a:t>
+            </a:r>
+            <a:r>
+              <a:rPr lang="en-US" sz="1600" dirty="0"/>
+              <a:t>: 0.149908</a:t>
+            </a:r>
+          </a:p>
+        </p:txBody>
+      </p:sp>
+      <p:sp>
+        <p:nvSpPr>
+          <p:cNvPr id="7" name="TextBox 6">
+            <a:extLst>
+              <a:ext uri="{FF2B5EF4-FFF2-40B4-BE49-F238E27FC236}">
+                <a16:creationId xmlns:a16="http://schemas.microsoft.com/office/drawing/2014/main" id="{555F485D-4E93-4167-9B7B-267109B76F49}"/>
+              </a:ext>
+            </a:extLst>
+          </p:cNvPr>
+          <p:cNvSpPr txBox="1"/>
+          <p:nvPr/>
+        </p:nvSpPr>
+        <p:spPr>
+          <a:xfrm>
+            <a:off x="8522208" y="3127211"/>
+            <a:ext cx="3456432" cy="1107996"/>
+          </a:xfrm>
+          <a:prstGeom prst="rect">
+            <a:avLst/>
+          </a:prstGeom>
+          <a:noFill/>
+        </p:spPr>
+        <p:txBody>
+          <a:bodyPr wrap="square" rtlCol="0">
+            <a:spAutoFit/>
+          </a:bodyPr>
+          <a:lstStyle/>
+          <a:p>
+            <a:r>
+              <a:rPr lang="en-US" b="1" dirty="0"/>
+              <a:t>Statistical Analysis</a:t>
+            </a:r>
+          </a:p>
+          <a:p>
+            <a:pPr marL="285750" indent="-285750">
+              <a:buFont typeface="Arial" panose="020B0604020202020204" pitchFamily="34" charset="0"/>
+              <a:buChar char="•"/>
+            </a:pPr>
+            <a:r>
+              <a:rPr lang="en-US" sz="1600" dirty="0"/>
+              <a:t>Can Reject the Null Hypothesis</a:t>
+            </a:r>
+          </a:p>
+          <a:p>
+            <a:pPr marL="285750" indent="-285750">
+              <a:buFont typeface="Arial" panose="020B0604020202020204" pitchFamily="34" charset="0"/>
+              <a:buChar char="•"/>
+            </a:pPr>
+            <a:r>
+              <a:rPr lang="en-US" sz="1600" dirty="0"/>
+              <a:t>There is a very weak positive </a:t>
+            </a:r>
+          </a:p>
+          <a:p>
+            <a:pPr marL="285750" indent="-285750">
+              <a:buFont typeface="Arial" panose="020B0604020202020204" pitchFamily="34" charset="0"/>
+              <a:buChar char="•"/>
+            </a:pPr>
+            <a:r>
+              <a:rPr lang="en-US" sz="1600" dirty="0"/>
+              <a:t>correlation occurring.</a:t>
+            </a:r>
+          </a:p>
+        </p:txBody>
+      </p:sp>
     </p:spTree>
     <p:extLst>
       <p:ext uri="{BB962C8B-B14F-4D97-AF65-F5344CB8AC3E}">
@@ -5009,264 +4872,12 @@
           </a:p>
         </p:txBody>
       </p:sp>
-      <p:sp>
-        <p:nvSpPr>
-          <p:cNvPr id="3" name="Subtitle 2">
-            <a:extLst>
-              <a:ext uri="{FF2B5EF4-FFF2-40B4-BE49-F238E27FC236}">
-                <a16:creationId xmlns:a16="http://schemas.microsoft.com/office/drawing/2014/main" id="{0B8832C5-0114-49B6-9282-B09381785FF5}"/>
-              </a:ext>
-            </a:extLst>
-          </p:cNvPr>
-          <p:cNvSpPr>
-            <a:spLocks noGrp="1"/>
-          </p:cNvSpPr>
-          <p:nvPr>
-            <p:ph type="subTitle" idx="1"/>
-          </p:nvPr>
-        </p:nvSpPr>
-        <p:spPr>
-          <a:xfrm>
-            <a:off x="7872823" y="1306784"/>
-            <a:ext cx="4150321" cy="930448"/>
-          </a:xfrm>
-        </p:spPr>
-        <p:txBody>
-          <a:bodyPr>
-            <a:normAutofit fontScale="92500"/>
-          </a:bodyPr>
-          <a:lstStyle/>
-          <a:p>
-            <a:pPr marL="342900" indent="-342900">
-              <a:buFontTx/>
-              <a:buChar char="-"/>
-            </a:pPr>
-            <a:r>
-              <a:rPr lang="en-US" dirty="0"/>
-              <a:t>Reject Null</a:t>
-            </a:r>
-          </a:p>
-          <a:p>
-            <a:pPr marL="342900" indent="-342900">
-              <a:buFontTx/>
-              <a:buChar char="-"/>
-            </a:pPr>
-            <a:r>
-              <a:rPr lang="en-US" dirty="0"/>
-              <a:t>Moderate positive correlation</a:t>
-            </a:r>
-          </a:p>
-        </p:txBody>
-      </p:sp>
-      <p:sp>
-        <p:nvSpPr>
-          <p:cNvPr id="11" name="Rectangle 2">
-            <a:extLst>
-              <a:ext uri="{FF2B5EF4-FFF2-40B4-BE49-F238E27FC236}">
-                <a16:creationId xmlns:a16="http://schemas.microsoft.com/office/drawing/2014/main" id="{D08CE40E-A06B-432E-877A-F5ABD2964938}"/>
-              </a:ext>
-            </a:extLst>
-          </p:cNvPr>
-          <p:cNvSpPr>
-            <a:spLocks noChangeArrowheads="1"/>
-          </p:cNvSpPr>
-          <p:nvPr/>
-        </p:nvSpPr>
-        <p:spPr bwMode="auto">
-          <a:xfrm>
-            <a:off x="8223504" y="2967335"/>
-            <a:ext cx="3968496" cy="461665"/>
-          </a:xfrm>
-          <a:prstGeom prst="rect">
-            <a:avLst/>
-          </a:prstGeom>
-          <a:solidFill>
-            <a:srgbClr val="FFFFFF"/>
-          </a:solidFill>
-          <a:ln>
-            <a:noFill/>
-          </a:ln>
-          <a:effectLst/>
-          <a:extLst>
-            <a:ext uri="{91240B29-F687-4F45-9708-019B960494DF}">
-              <a14:hiddenLine xmlns:a14="http://schemas.microsoft.com/office/drawing/2010/main" w="9525">
-                <a:solidFill>
-                  <a:schemeClr val="tx1"/>
-                </a:solidFill>
-                <a:miter lim="800000"/>
-                <a:headEnd/>
-                <a:tailEnd/>
-              </a14:hiddenLine>
-            </a:ext>
-            <a:ext uri="{AF507438-7753-43E0-B8FC-AC1667EBCBE1}">
-              <a14:hiddenEffects xmlns:a14="http://schemas.microsoft.com/office/drawing/2010/main">
-                <a:effectLst>
-                  <a:outerShdw dist="35921" dir="2700000" algn="ctr" rotWithShape="0">
-                    <a:schemeClr val="bg2"/>
-                  </a:outerShdw>
-                </a:effectLst>
-              </a14:hiddenEffects>
-            </a:ext>
-          </a:extLst>
-        </p:spPr>
-        <p:txBody>
-          <a:bodyPr vert="horz" wrap="square" lIns="0" tIns="0" rIns="0" bIns="0" numCol="1" anchor="ctr" anchorCtr="0" compatLnSpc="1">
-            <a:prstTxWarp prst="textNoShape">
-              <a:avLst/>
-            </a:prstTxWarp>
-            <a:spAutoFit/>
-          </a:bodyPr>
-          <a:lstStyle/>
-          <a:p>
-            <a:pPr marL="0" marR="0" lvl="0" indent="0" algn="l" defTabSz="914400" rtl="0" eaLnBrk="0" fontAlgn="base" latinLnBrk="0" hangingPunct="0">
-              <a:lnSpc>
-                <a:spcPct val="100000"/>
-              </a:lnSpc>
-              <a:spcBef>
-                <a:spcPct val="0"/>
-              </a:spcBef>
-              <a:spcAft>
-                <a:spcPct val="0"/>
-              </a:spcAft>
-              <a:buClrTx/>
-              <a:buSzTx/>
-              <a:buFontTx/>
-              <a:buNone/>
-              <a:tabLst/>
-            </a:pPr>
-            <a:r>
-              <a:rPr kumimoji="0" lang="en-US" altLang="en-US" sz="1000" b="1" i="0" u="none" strike="noStrike" cap="none" normalizeH="0" baseline="0" dirty="0">
-                <a:ln>
-                  <a:noFill/>
-                </a:ln>
-                <a:solidFill>
-                  <a:srgbClr val="000000"/>
-                </a:solidFill>
-                <a:effectLst/>
-                <a:latin typeface="Courier New" panose="02070309020205020404" pitchFamily="49" charset="0"/>
-              </a:rPr>
-              <a:t>P Value</a:t>
-            </a:r>
-            <a:r>
-              <a:rPr kumimoji="0" lang="en-US" altLang="en-US" sz="1000" b="0" i="0" u="none" strike="noStrike" cap="none" normalizeH="0" baseline="0" dirty="0">
-                <a:ln>
-                  <a:noFill/>
-                </a:ln>
-                <a:solidFill>
-                  <a:srgbClr val="000000"/>
-                </a:solidFill>
-                <a:effectLst/>
-                <a:latin typeface="Courier New" panose="02070309020205020404" pitchFamily="49" charset="0"/>
-              </a:rPr>
-              <a:t>: 0.000000</a:t>
-            </a:r>
-          </a:p>
-          <a:p>
-            <a:pPr marL="0" marR="0" lvl="0" indent="0" algn="l" defTabSz="914400" rtl="0" eaLnBrk="0" fontAlgn="base" latinLnBrk="0" hangingPunct="0">
-              <a:lnSpc>
-                <a:spcPct val="100000"/>
-              </a:lnSpc>
-              <a:spcBef>
-                <a:spcPct val="0"/>
-              </a:spcBef>
-              <a:spcAft>
-                <a:spcPct val="0"/>
-              </a:spcAft>
-              <a:buClrTx/>
-              <a:buSzTx/>
-              <a:buFontTx/>
-              <a:buNone/>
-              <a:tabLst/>
-            </a:pPr>
-            <a:r>
-              <a:rPr kumimoji="0" lang="en-US" altLang="en-US" sz="1000" b="1" i="0" u="none" strike="noStrike" cap="none" normalizeH="0" baseline="0" dirty="0">
-                <a:ln>
-                  <a:noFill/>
-                </a:ln>
-                <a:solidFill>
-                  <a:srgbClr val="000000"/>
-                </a:solidFill>
-                <a:effectLst/>
-                <a:latin typeface="Courier New" panose="02070309020205020404" pitchFamily="49" charset="0"/>
-              </a:rPr>
-              <a:t>Correlation Coefficient</a:t>
-            </a:r>
-            <a:r>
-              <a:rPr kumimoji="0" lang="en-US" altLang="en-US" sz="1000" b="0" i="0" u="none" strike="noStrike" cap="none" normalizeH="0" baseline="0" dirty="0">
-                <a:ln>
-                  <a:noFill/>
-                </a:ln>
-                <a:solidFill>
-                  <a:srgbClr val="000000"/>
-                </a:solidFill>
-                <a:effectLst/>
-                <a:latin typeface="Courier New" panose="02070309020205020404" pitchFamily="49" charset="0"/>
-              </a:rPr>
-              <a:t>: 0.551913</a:t>
-            </a:r>
-          </a:p>
-          <a:p>
-            <a:pPr marL="0" marR="0" lvl="0" indent="0" algn="l" defTabSz="914400" rtl="0" eaLnBrk="0" fontAlgn="base" latinLnBrk="0" hangingPunct="0">
-              <a:lnSpc>
-                <a:spcPct val="100000"/>
-              </a:lnSpc>
-              <a:spcBef>
-                <a:spcPct val="0"/>
-              </a:spcBef>
-              <a:spcAft>
-                <a:spcPct val="0"/>
-              </a:spcAft>
-              <a:buClrTx/>
-              <a:buSzTx/>
-              <a:buFontTx/>
-              <a:buNone/>
-              <a:tabLst/>
-            </a:pPr>
-            <a:r>
-              <a:rPr kumimoji="0" lang="en-US" altLang="en-US" sz="1000" b="1" i="0" u="none" strike="noStrike" cap="none" normalizeH="0" baseline="0" dirty="0">
-                <a:ln>
-                  <a:noFill/>
-                </a:ln>
-                <a:solidFill>
-                  <a:srgbClr val="000000"/>
-                </a:solidFill>
-                <a:effectLst/>
-                <a:latin typeface="Courier New" panose="02070309020205020404" pitchFamily="49" charset="0"/>
-              </a:rPr>
-              <a:t>Linear Regression Line</a:t>
-            </a:r>
-            <a:r>
-              <a:rPr kumimoji="0" lang="en-US" altLang="en-US" sz="1000" b="0" i="0" u="none" strike="noStrike" cap="none" normalizeH="0" baseline="0" dirty="0">
-                <a:ln>
-                  <a:noFill/>
-                </a:ln>
-                <a:solidFill>
-                  <a:srgbClr val="000000"/>
-                </a:solidFill>
-                <a:effectLst/>
-                <a:latin typeface="Courier New" panose="02070309020205020404" pitchFamily="49" charset="0"/>
-              </a:rPr>
-              <a:t>: y = 0.17x + 15.22</a:t>
-            </a:r>
-            <a:endParaRPr kumimoji="0" lang="en-US" altLang="en-US" sz="1800" b="0" i="0" u="none" strike="noStrike" cap="none" normalizeH="0" baseline="0" dirty="0">
-              <a:ln>
-                <a:noFill/>
-              </a:ln>
-              <a:solidFill>
-                <a:schemeClr val="tx1"/>
-              </a:solidFill>
-              <a:effectLst/>
-              <a:latin typeface="Arial" panose="020B0604020202020204" pitchFamily="34" charset="0"/>
-            </a:endParaRPr>
-          </a:p>
-        </p:txBody>
-      </p:sp>
       <p:pic>
         <p:nvPicPr>
-          <p:cNvPr id="6" name="Picture 5">
-            <a:extLst>
-              <a:ext uri="{FF2B5EF4-FFF2-40B4-BE49-F238E27FC236}">
-                <a16:creationId xmlns:a16="http://schemas.microsoft.com/office/drawing/2014/main" id="{1ECCB504-CAD9-40D1-ABC9-927FAF9FD80F}"/>
+          <p:cNvPr id="8" name="Picture 7">
+            <a:extLst>
+              <a:ext uri="{FF2B5EF4-FFF2-40B4-BE49-F238E27FC236}">
+                <a16:creationId xmlns:a16="http://schemas.microsoft.com/office/drawing/2014/main" id="{51C1A904-B1E9-4991-9D09-FF92B75E581A}"/>
               </a:ext>
             </a:extLst>
           </p:cNvPr>
@@ -5289,20 +4900,144 @@
         </p:blipFill>
         <p:spPr>
           <a:xfrm>
-            <a:off x="0" y="1002792"/>
-            <a:ext cx="7950926" cy="2782824"/>
+            <a:off x="592150" y="3849822"/>
+            <a:ext cx="5836113" cy="2705670"/>
           </a:xfrm>
           <a:prstGeom prst="rect">
             <a:avLst/>
           </a:prstGeom>
         </p:spPr>
       </p:pic>
+      <p:sp>
+        <p:nvSpPr>
+          <p:cNvPr id="4" name="TextBox 3">
+            <a:extLst>
+              <a:ext uri="{FF2B5EF4-FFF2-40B4-BE49-F238E27FC236}">
+                <a16:creationId xmlns:a16="http://schemas.microsoft.com/office/drawing/2014/main" id="{27347AB7-0685-4718-B2D2-969BAB70595D}"/>
+              </a:ext>
+            </a:extLst>
+          </p:cNvPr>
+          <p:cNvSpPr txBox="1"/>
+          <p:nvPr/>
+        </p:nvSpPr>
+        <p:spPr>
+          <a:xfrm>
+            <a:off x="6874664" y="1302583"/>
+            <a:ext cx="3468624" cy="861774"/>
+          </a:xfrm>
+          <a:prstGeom prst="rect">
+            <a:avLst/>
+          </a:prstGeom>
+          <a:noFill/>
+        </p:spPr>
+        <p:txBody>
+          <a:bodyPr wrap="square" rtlCol="0">
+            <a:spAutoFit/>
+          </a:bodyPr>
+          <a:lstStyle/>
+          <a:p>
+            <a:r>
+              <a:rPr lang="en-US" b="1" dirty="0"/>
+              <a:t>Statistical Values:</a:t>
+            </a:r>
+          </a:p>
+          <a:p>
+            <a:pPr marL="285750" indent="-285750">
+              <a:buFont typeface="Arial" panose="020B0604020202020204" pitchFamily="34" charset="0"/>
+              <a:buChar char="•"/>
+            </a:pPr>
+            <a:r>
+              <a:rPr lang="en-US" sz="1600" b="1" dirty="0"/>
+              <a:t>P Value</a:t>
+            </a:r>
+            <a:r>
+              <a:rPr lang="en-US" sz="1600" dirty="0"/>
+              <a:t>: 0.0000001</a:t>
+            </a:r>
+          </a:p>
+          <a:p>
+            <a:pPr marL="285750" indent="-285750">
+              <a:buFont typeface="Arial" panose="020B0604020202020204" pitchFamily="34" charset="0"/>
+              <a:buChar char="•"/>
+            </a:pPr>
+            <a:r>
+              <a:rPr lang="en-US" sz="1600" b="1" dirty="0"/>
+              <a:t>Correlation Coefficient</a:t>
+            </a:r>
+            <a:r>
+              <a:rPr lang="en-US" sz="1600" dirty="0"/>
+              <a:t>: .551913</a:t>
+            </a:r>
+          </a:p>
+        </p:txBody>
+      </p:sp>
+      <p:sp>
+        <p:nvSpPr>
+          <p:cNvPr id="5" name="TextBox 4">
+            <a:extLst>
+              <a:ext uri="{FF2B5EF4-FFF2-40B4-BE49-F238E27FC236}">
+                <a16:creationId xmlns:a16="http://schemas.microsoft.com/office/drawing/2014/main" id="{5126CD73-C522-4B5F-8934-4F8D8AC8B860}"/>
+              </a:ext>
+            </a:extLst>
+          </p:cNvPr>
+          <p:cNvSpPr txBox="1"/>
+          <p:nvPr/>
+        </p:nvSpPr>
+        <p:spPr>
+          <a:xfrm>
+            <a:off x="6886856" y="2583933"/>
+            <a:ext cx="3456432" cy="1107996"/>
+          </a:xfrm>
+          <a:prstGeom prst="rect">
+            <a:avLst/>
+          </a:prstGeom>
+          <a:noFill/>
+        </p:spPr>
+        <p:txBody>
+          <a:bodyPr wrap="square" rtlCol="0">
+            <a:spAutoFit/>
+          </a:bodyPr>
+          <a:lstStyle/>
+          <a:p>
+            <a:r>
+              <a:rPr lang="en-US" b="1" dirty="0"/>
+              <a:t>Statistical Analysis</a:t>
+            </a:r>
+          </a:p>
+          <a:p>
+            <a:pPr marL="285750" indent="-285750">
+              <a:buFont typeface="Arial" panose="020B0604020202020204" pitchFamily="34" charset="0"/>
+              <a:buChar char="•"/>
+            </a:pPr>
+            <a:r>
+              <a:rPr lang="en-US" sz="1600" dirty="0"/>
+              <a:t>Can Reject the Null Hypothesis</a:t>
+            </a:r>
+          </a:p>
+          <a:p>
+            <a:pPr marL="285750" indent="-285750">
+              <a:buFont typeface="Arial" panose="020B0604020202020204" pitchFamily="34" charset="0"/>
+              <a:buChar char="•"/>
+            </a:pPr>
+            <a:r>
+              <a:rPr lang="en-US" sz="1600" dirty="0"/>
+              <a:t>There is a moderately positive </a:t>
+            </a:r>
+          </a:p>
+          <a:p>
+            <a:r>
+              <a:rPr lang="en-US" sz="1600" dirty="0"/>
+              <a:t>       correlation occurring.</a:t>
+            </a:r>
+          </a:p>
+        </p:txBody>
+      </p:sp>
       <p:pic>
         <p:nvPicPr>
-          <p:cNvPr id="8" name="Picture 7">
-            <a:extLst>
-              <a:ext uri="{FF2B5EF4-FFF2-40B4-BE49-F238E27FC236}">
-                <a16:creationId xmlns:a16="http://schemas.microsoft.com/office/drawing/2014/main" id="{51C1A904-B1E9-4991-9D09-FF92B75E581A}"/>
+          <p:cNvPr id="13" name="Picture 12">
+            <a:extLst>
+              <a:ext uri="{FF2B5EF4-FFF2-40B4-BE49-F238E27FC236}">
+                <a16:creationId xmlns:a16="http://schemas.microsoft.com/office/drawing/2014/main" id="{9D845889-13EC-4824-97EC-724BB0B52D29}"/>
               </a:ext>
             </a:extLst>
           </p:cNvPr>
@@ -5325,44 +5060,8 @@
         </p:blipFill>
         <p:spPr>
           <a:xfrm>
-            <a:off x="663263" y="3688938"/>
-            <a:ext cx="6624399" cy="3071126"/>
-          </a:xfrm>
-          <a:prstGeom prst="rect">
-            <a:avLst/>
-          </a:prstGeom>
-        </p:spPr>
-      </p:pic>
-      <p:pic>
-        <p:nvPicPr>
-          <p:cNvPr id="10" name="Picture 9">
-            <a:extLst>
-              <a:ext uri="{FF2B5EF4-FFF2-40B4-BE49-F238E27FC236}">
-                <a16:creationId xmlns:a16="http://schemas.microsoft.com/office/drawing/2014/main" id="{BF5C9D68-831C-49E8-9D6E-B9EE6E5EDDAD}"/>
-              </a:ext>
-            </a:extLst>
-          </p:cNvPr>
-          <p:cNvPicPr>
-            <a:picLocks noChangeAspect="1"/>
-          </p:cNvPicPr>
-          <p:nvPr/>
-        </p:nvPicPr>
-        <p:blipFill>
-          <a:blip r:embed="rId4">
-            <a:extLst>
-              <a:ext uri="{28A0092B-C50C-407E-A947-70E740481C1C}">
-                <a14:useLocalDpi xmlns:a14="http://schemas.microsoft.com/office/drawing/2010/main" val="0"/>
-              </a:ext>
-            </a:extLst>
-          </a:blip>
-          <a:stretch>
-            <a:fillRect/>
-          </a:stretch>
-        </p:blipFill>
-        <p:spPr>
-          <a:xfrm>
-            <a:off x="8366561" y="6032199"/>
-            <a:ext cx="2301439" cy="259102"/>
+            <a:off x="584016" y="1133513"/>
+            <a:ext cx="5844247" cy="2705670"/>
           </a:xfrm>
           <a:prstGeom prst="rect">
             <a:avLst/>
@@ -5429,70 +5128,8 @@
           <a:p>
             <a:r>
               <a:rPr lang="en-US" sz="4400" b="1" dirty="0"/>
-              <a:t>Analysis</a:t>
-            </a:r>
-          </a:p>
-        </p:txBody>
-      </p:sp>
-      <p:sp>
-        <p:nvSpPr>
-          <p:cNvPr id="3" name="Subtitle 2">
-            <a:extLst>
-              <a:ext uri="{FF2B5EF4-FFF2-40B4-BE49-F238E27FC236}">
-                <a16:creationId xmlns:a16="http://schemas.microsoft.com/office/drawing/2014/main" id="{0B8832C5-0114-49B6-9282-B09381785FF5}"/>
-              </a:ext>
-            </a:extLst>
-          </p:cNvPr>
-          <p:cNvSpPr>
-            <a:spLocks noGrp="1"/>
-          </p:cNvSpPr>
-          <p:nvPr>
-            <p:ph type="subTitle" idx="1"/>
-          </p:nvPr>
-        </p:nvSpPr>
-        <p:spPr>
-          <a:xfrm>
-            <a:off x="7251031" y="1587493"/>
-            <a:ext cx="4150321" cy="2819915"/>
-          </a:xfrm>
-        </p:spPr>
-        <p:txBody>
-          <a:bodyPr/>
-          <a:lstStyle/>
-          <a:p>
-            <a:pPr marL="342900" indent="-342900">
-              <a:buFontTx/>
-              <a:buChar char="-"/>
-            </a:pPr>
-            <a:r>
-              <a:rPr lang="en-US" dirty="0"/>
-              <a:t>Earth Outliers could be skewing data</a:t>
-            </a:r>
-          </a:p>
-          <a:p>
-            <a:pPr marL="342900" indent="-342900">
-              <a:buFontTx/>
-              <a:buChar char="-"/>
-            </a:pPr>
-            <a:endParaRPr lang="en-US" dirty="0"/>
-          </a:p>
-          <a:p>
-            <a:pPr marL="342900" indent="-342900">
-              <a:buFontTx/>
-              <a:buChar char="-"/>
-            </a:pPr>
-            <a:r>
-              <a:rPr lang="en-US" dirty="0"/>
-              <a:t>Mars and Mercury are </a:t>
-            </a:r>
-            <a:r>
-              <a:rPr lang="en-US"/>
-              <a:t>not significantly different</a:t>
-            </a:r>
-            <a:endParaRPr lang="en-US" dirty="0"/>
-          </a:p>
-          <a:p>
-            <a:endParaRPr lang="en-US" dirty="0"/>
+              <a:t>Analysis of the Data</a:t>
+            </a:r>
           </a:p>
         </p:txBody>
       </p:sp>
@@ -5534,203 +5171,136 @@
       </p:pic>
       <p:sp>
         <p:nvSpPr>
-          <p:cNvPr id="7" name="Rectangle 1">
-            <a:extLst>
-              <a:ext uri="{FF2B5EF4-FFF2-40B4-BE49-F238E27FC236}">
-                <a16:creationId xmlns:a16="http://schemas.microsoft.com/office/drawing/2014/main" id="{A380396C-0596-4353-B283-B1EDD998C928}"/>
-              </a:ext>
-            </a:extLst>
-          </p:cNvPr>
-          <p:cNvSpPr>
-            <a:spLocks noChangeArrowheads="1"/>
-          </p:cNvSpPr>
+          <p:cNvPr id="4" name="TextBox 3">
+            <a:extLst>
+              <a:ext uri="{FF2B5EF4-FFF2-40B4-BE49-F238E27FC236}">
+                <a16:creationId xmlns:a16="http://schemas.microsoft.com/office/drawing/2014/main" id="{87959C1B-6BF4-45C8-9116-C11385E9BFCC}"/>
+              </a:ext>
+            </a:extLst>
+          </p:cNvPr>
+          <p:cNvSpPr txBox="1"/>
           <p:nvPr/>
         </p:nvSpPr>
-        <p:spPr bwMode="auto">
-          <a:xfrm>
-            <a:off x="1628882" y="5240450"/>
-            <a:ext cx="2571262" cy="461665"/>
+        <p:spPr>
+          <a:xfrm>
+            <a:off x="7252616" y="3582888"/>
+            <a:ext cx="3456432" cy="1846659"/>
           </a:xfrm>
           <a:prstGeom prst="rect">
             <a:avLst/>
           </a:prstGeom>
-          <a:solidFill>
-            <a:srgbClr val="FFFFFF"/>
-          </a:solidFill>
-          <a:ln>
-            <a:noFill/>
-          </a:ln>
-          <a:effectLst/>
-          <a:extLst>
-            <a:ext uri="{91240B29-F687-4F45-9708-019B960494DF}">
-              <a14:hiddenLine xmlns:a14="http://schemas.microsoft.com/office/drawing/2010/main" w="9525">
-                <a:solidFill>
-                  <a:schemeClr val="tx1"/>
-                </a:solidFill>
-                <a:miter lim="800000"/>
-                <a:headEnd/>
-                <a:tailEnd/>
-              </a14:hiddenLine>
-            </a:ext>
-            <a:ext uri="{AF507438-7753-43E0-B8FC-AC1667EBCBE1}">
-              <a14:hiddenEffects xmlns:a14="http://schemas.microsoft.com/office/drawing/2010/main">
-                <a:effectLst>
-                  <a:outerShdw dist="35921" dir="2700000" algn="ctr" rotWithShape="0">
-                    <a:schemeClr val="bg2"/>
-                  </a:outerShdw>
-                </a:effectLst>
-              </a14:hiddenEffects>
-            </a:ext>
-          </a:extLst>
-        </p:spPr>
-        <p:txBody>
-          <a:bodyPr vert="horz" wrap="square" lIns="0" tIns="0" rIns="0" bIns="0" numCol="1" anchor="ctr" anchorCtr="0" compatLnSpc="1">
-            <a:prstTxWarp prst="textNoShape">
-              <a:avLst/>
-            </a:prstTxWarp>
+          <a:noFill/>
+        </p:spPr>
+        <p:txBody>
+          <a:bodyPr wrap="square" rtlCol="0">
             <a:spAutoFit/>
           </a:bodyPr>
           <a:lstStyle/>
           <a:p>
-            <a:pPr marL="0" marR="0" lvl="0" indent="0" algn="l" defTabSz="914400" rtl="0" eaLnBrk="0" fontAlgn="base" latinLnBrk="0" hangingPunct="0">
-              <a:lnSpc>
-                <a:spcPct val="100000"/>
-              </a:lnSpc>
-              <a:spcBef>
-                <a:spcPct val="0"/>
-              </a:spcBef>
-              <a:spcAft>
-                <a:spcPct val="0"/>
-              </a:spcAft>
-              <a:buClrTx/>
-              <a:buSzTx/>
-              <a:buFontTx/>
-              <a:buNone/>
-              <a:tabLst/>
+            <a:r>
+              <a:rPr lang="en-US" b="1" dirty="0"/>
+              <a:t>Statistical Analysis</a:t>
+            </a:r>
+          </a:p>
+          <a:p>
+            <a:pPr marL="285750" indent="-285750">
+              <a:buFont typeface="Arial" panose="020B0604020202020204" pitchFamily="34" charset="0"/>
+              <a:buChar char="•"/>
             </a:pPr>
             <a:r>
-              <a:rPr kumimoji="0" lang="en-US" altLang="en-US" sz="1000" b="1" i="0" u="none" strike="noStrike" cap="none" normalizeH="0" baseline="0" dirty="0">
-                <a:ln>
-                  <a:noFill/>
-                </a:ln>
-                <a:solidFill>
-                  <a:srgbClr val="000000"/>
-                </a:solidFill>
-                <a:effectLst/>
-                <a:latin typeface="Courier New" panose="02070309020205020404" pitchFamily="49" charset="0"/>
-              </a:rPr>
-              <a:t>ANOVA Between Mercury and Mars </a:t>
-            </a:r>
-          </a:p>
-          <a:p>
-            <a:pPr marL="0" marR="0" lvl="0" indent="0" algn="l" defTabSz="914400" rtl="0" eaLnBrk="0" fontAlgn="base" latinLnBrk="0" hangingPunct="0">
-              <a:lnSpc>
-                <a:spcPct val="100000"/>
-              </a:lnSpc>
-              <a:spcBef>
-                <a:spcPct val="0"/>
-              </a:spcBef>
-              <a:spcAft>
-                <a:spcPct val="0"/>
-              </a:spcAft>
-              <a:buClrTx/>
-              <a:buSzTx/>
-              <a:buFontTx/>
-              <a:buNone/>
-              <a:tabLst/>
+              <a:rPr lang="en-US" sz="1600" dirty="0"/>
+              <a:t>High evidence to Reject the Null Hypothesis</a:t>
+            </a:r>
+          </a:p>
+          <a:p>
+            <a:pPr marL="285750" indent="-285750">
+              <a:buFont typeface="Arial" panose="020B0604020202020204" pitchFamily="34" charset="0"/>
+              <a:buChar char="•"/>
             </a:pPr>
             <a:r>
-              <a:rPr kumimoji="0" lang="en-US" altLang="en-US" sz="1000" b="1" i="0" u="none" strike="noStrike" cap="none" normalizeH="0" baseline="0" dirty="0">
-                <a:ln>
-                  <a:noFill/>
-                </a:ln>
-                <a:solidFill>
-                  <a:srgbClr val="000000"/>
-                </a:solidFill>
-                <a:effectLst/>
-                <a:latin typeface="Courier New" panose="02070309020205020404" pitchFamily="49" charset="0"/>
-              </a:rPr>
+              <a:rPr lang="en-US" sz="1600" dirty="0"/>
+              <a:t>There is a positive trend of asteroids detected across all inner planets, however at different rates.</a:t>
+            </a:r>
+          </a:p>
+          <a:p>
+            <a:pPr marL="285750" indent="-285750">
+              <a:buFont typeface="Arial" panose="020B0604020202020204" pitchFamily="34" charset="0"/>
+              <a:buChar char="•"/>
+            </a:pPr>
+            <a:endParaRPr lang="en-US" sz="1600" dirty="0"/>
+          </a:p>
+        </p:txBody>
+      </p:sp>
+      <p:sp>
+        <p:nvSpPr>
+          <p:cNvPr id="5" name="TextBox 4">
+            <a:extLst>
+              <a:ext uri="{FF2B5EF4-FFF2-40B4-BE49-F238E27FC236}">
+                <a16:creationId xmlns:a16="http://schemas.microsoft.com/office/drawing/2014/main" id="{82167E92-BBF5-4A9A-995A-145B64F0509A}"/>
+              </a:ext>
+            </a:extLst>
+          </p:cNvPr>
+          <p:cNvSpPr txBox="1"/>
+          <p:nvPr/>
+        </p:nvSpPr>
+        <p:spPr>
+          <a:xfrm>
+            <a:off x="7252616" y="1633124"/>
+            <a:ext cx="3468624" cy="1846659"/>
+          </a:xfrm>
+          <a:prstGeom prst="rect">
+            <a:avLst/>
+          </a:prstGeom>
+          <a:noFill/>
+        </p:spPr>
+        <p:txBody>
+          <a:bodyPr wrap="square" rtlCol="0">
+            <a:spAutoFit/>
+          </a:bodyPr>
+          <a:lstStyle/>
+          <a:p>
+            <a:r>
+              <a:rPr lang="en-US" b="1" dirty="0"/>
+              <a:t>T-Test:</a:t>
+            </a:r>
+          </a:p>
+          <a:p>
+            <a:pPr marL="285750" indent="-285750">
+              <a:buFont typeface="Arial" panose="020B0604020202020204" pitchFamily="34" charset="0"/>
+              <a:buChar char="•"/>
+            </a:pPr>
+            <a:r>
+              <a:rPr lang="en-US" sz="1600" dirty="0"/>
+              <a:t>Mercury and Mar’s T-test was the only one that did not show a significant difference between the sample set’s means.</a:t>
+            </a:r>
+          </a:p>
+          <a:p>
+            <a:pPr marL="285750" indent="-285750">
+              <a:buFont typeface="Arial" panose="020B0604020202020204" pitchFamily="34" charset="0"/>
+              <a:buChar char="•"/>
+            </a:pPr>
+            <a:r>
+              <a:rPr lang="en-US" sz="1600" b="1" dirty="0"/>
               <a:t>F-statistic</a:t>
             </a:r>
             <a:r>
-              <a:rPr kumimoji="0" lang="en-US" altLang="en-US" sz="1000" b="0" i="0" u="none" strike="noStrike" cap="none" normalizeH="0" baseline="0" dirty="0">
-                <a:ln>
-                  <a:noFill/>
-                </a:ln>
-                <a:solidFill>
-                  <a:srgbClr val="000000"/>
-                </a:solidFill>
-                <a:effectLst/>
-                <a:latin typeface="Courier New" panose="02070309020205020404" pitchFamily="49" charset="0"/>
-              </a:rPr>
-              <a:t>:2.464853021727223 </a:t>
-            </a:r>
-          </a:p>
-          <a:p>
-            <a:pPr marL="0" marR="0" lvl="0" indent="0" algn="l" defTabSz="914400" rtl="0" eaLnBrk="0" fontAlgn="base" latinLnBrk="0" hangingPunct="0">
-              <a:lnSpc>
-                <a:spcPct val="100000"/>
-              </a:lnSpc>
-              <a:spcBef>
-                <a:spcPct val="0"/>
-              </a:spcBef>
-              <a:spcAft>
-                <a:spcPct val="0"/>
-              </a:spcAft>
-              <a:buClrTx/>
-              <a:buSzTx/>
-              <a:buFontTx/>
-              <a:buNone/>
-              <a:tabLst/>
+              <a:rPr lang="en-US" sz="1600" dirty="0"/>
+              <a:t>: 2.46485</a:t>
+            </a:r>
+          </a:p>
+          <a:p>
+            <a:pPr marL="285750" indent="-285750">
+              <a:buFont typeface="Arial" panose="020B0604020202020204" pitchFamily="34" charset="0"/>
+              <a:buChar char="•"/>
             </a:pPr>
             <a:r>
-              <a:rPr kumimoji="0" lang="en-US" altLang="en-US" sz="1000" b="1" i="0" u="none" strike="noStrike" cap="none" normalizeH="0" baseline="0" dirty="0">
-                <a:ln>
-                  <a:noFill/>
-                </a:ln>
-                <a:solidFill>
-                  <a:srgbClr val="000000"/>
-                </a:solidFill>
-                <a:effectLst/>
-                <a:latin typeface="Courier New" panose="02070309020205020404" pitchFamily="49" charset="0"/>
-              </a:rPr>
+              <a:rPr lang="en-US" sz="1600" b="1" dirty="0"/>
               <a:t>P-Value</a:t>
             </a:r>
             <a:r>
-              <a:rPr kumimoji="0" lang="en-US" altLang="en-US" sz="1000" b="0" i="0" u="none" strike="noStrike" cap="none" normalizeH="0" baseline="0" dirty="0">
-                <a:ln>
-                  <a:noFill/>
-                </a:ln>
-                <a:solidFill>
-                  <a:srgbClr val="000000"/>
-                </a:solidFill>
-                <a:effectLst/>
-                <a:latin typeface="Courier New" panose="02070309020205020404" pitchFamily="49" charset="0"/>
-              </a:rPr>
-              <a:t>:0.11957749982413936</a:t>
-            </a:r>
-            <a:r>
-              <a:rPr kumimoji="0" lang="en-US" altLang="en-US" sz="600" b="0" i="0" u="none" strike="noStrike" cap="none" normalizeH="0" baseline="0" dirty="0">
-                <a:ln>
-                  <a:noFill/>
-                </a:ln>
-                <a:solidFill>
-                  <a:schemeClr val="tx1"/>
-                </a:solidFill>
-                <a:effectLst/>
-              </a:rPr>
-              <a:t> </a:t>
-            </a:r>
-            <a:endParaRPr kumimoji="0" lang="en-US" altLang="en-US" sz="1800" b="0" i="0" u="none" strike="noStrike" cap="none" normalizeH="0" baseline="0" dirty="0">
-              <a:ln>
-                <a:noFill/>
-              </a:ln>
-              <a:solidFill>
-                <a:schemeClr val="tx1"/>
-              </a:solidFill>
-              <a:effectLst/>
-              <a:latin typeface="Arial" panose="020B0604020202020204" pitchFamily="34" charset="0"/>
-            </a:endParaRPr>
+              <a:rPr lang="en-US" sz="1600" dirty="0"/>
+              <a:t>: 0.119577</a:t>
+            </a:r>
           </a:p>
         </p:txBody>
       </p:sp>

--- a/asteroid_analysisFinal.pptx
+++ b/asteroid_analysisFinal.pptx
@@ -7,11 +7,11 @@
   <p:sldIdLst>
     <p:sldId id="263" r:id="rId2"/>
     <p:sldId id="257" r:id="rId3"/>
-    <p:sldId id="261" r:id="rId4"/>
+    <p:sldId id="272" r:id="rId4"/>
     <p:sldId id="258" r:id="rId5"/>
     <p:sldId id="266" r:id="rId6"/>
     <p:sldId id="264" r:id="rId7"/>
-    <p:sldId id="265" r:id="rId8"/>
+    <p:sldId id="273" r:id="rId8"/>
     <p:sldId id="267" r:id="rId9"/>
     <p:sldId id="268" r:id="rId10"/>
     <p:sldId id="256" r:id="rId11"/>
@@ -274,7 +274,7 @@
           <a:p>
             <a:fld id="{CE3FCA85-F18D-4136-B53A-D1BE122C06A9}" type="datetimeFigureOut">
               <a:rPr lang="en-US" smtClean="0"/>
-              <a:t>10/27/2020</a:t>
+              <a:t>10/28/2020</a:t>
             </a:fld>
             <a:endParaRPr lang="en-US"/>
           </a:p>
@@ -472,7 +472,7 @@
           <a:p>
             <a:fld id="{CE3FCA85-F18D-4136-B53A-D1BE122C06A9}" type="datetimeFigureOut">
               <a:rPr lang="en-US" smtClean="0"/>
-              <a:t>10/27/2020</a:t>
+              <a:t>10/28/2020</a:t>
             </a:fld>
             <a:endParaRPr lang="en-US"/>
           </a:p>
@@ -680,7 +680,7 @@
           <a:p>
             <a:fld id="{CE3FCA85-F18D-4136-B53A-D1BE122C06A9}" type="datetimeFigureOut">
               <a:rPr lang="en-US" smtClean="0"/>
-              <a:t>10/27/2020</a:t>
+              <a:t>10/28/2020</a:t>
             </a:fld>
             <a:endParaRPr lang="en-US"/>
           </a:p>
@@ -878,7 +878,7 @@
           <a:p>
             <a:fld id="{CE3FCA85-F18D-4136-B53A-D1BE122C06A9}" type="datetimeFigureOut">
               <a:rPr lang="en-US" smtClean="0"/>
-              <a:t>10/27/2020</a:t>
+              <a:t>10/28/2020</a:t>
             </a:fld>
             <a:endParaRPr lang="en-US"/>
           </a:p>
@@ -1153,7 +1153,7 @@
           <a:p>
             <a:fld id="{CE3FCA85-F18D-4136-B53A-D1BE122C06A9}" type="datetimeFigureOut">
               <a:rPr lang="en-US" smtClean="0"/>
-              <a:t>10/27/2020</a:t>
+              <a:t>10/28/2020</a:t>
             </a:fld>
             <a:endParaRPr lang="en-US"/>
           </a:p>
@@ -1418,7 +1418,7 @@
           <a:p>
             <a:fld id="{CE3FCA85-F18D-4136-B53A-D1BE122C06A9}" type="datetimeFigureOut">
               <a:rPr lang="en-US" smtClean="0"/>
-              <a:t>10/27/2020</a:t>
+              <a:t>10/28/2020</a:t>
             </a:fld>
             <a:endParaRPr lang="en-US"/>
           </a:p>
@@ -1830,7 +1830,7 @@
           <a:p>
             <a:fld id="{CE3FCA85-F18D-4136-B53A-D1BE122C06A9}" type="datetimeFigureOut">
               <a:rPr lang="en-US" smtClean="0"/>
-              <a:t>10/27/2020</a:t>
+              <a:t>10/28/2020</a:t>
             </a:fld>
             <a:endParaRPr lang="en-US"/>
           </a:p>
@@ -1971,7 +1971,7 @@
           <a:p>
             <a:fld id="{CE3FCA85-F18D-4136-B53A-D1BE122C06A9}" type="datetimeFigureOut">
               <a:rPr lang="en-US" smtClean="0"/>
-              <a:t>10/27/2020</a:t>
+              <a:t>10/28/2020</a:t>
             </a:fld>
             <a:endParaRPr lang="en-US"/>
           </a:p>
@@ -2084,7 +2084,7 @@
           <a:p>
             <a:fld id="{CE3FCA85-F18D-4136-B53A-D1BE122C06A9}" type="datetimeFigureOut">
               <a:rPr lang="en-US" smtClean="0"/>
-              <a:t>10/27/2020</a:t>
+              <a:t>10/28/2020</a:t>
             </a:fld>
             <a:endParaRPr lang="en-US"/>
           </a:p>
@@ -2395,7 +2395,7 @@
           <a:p>
             <a:fld id="{CE3FCA85-F18D-4136-B53A-D1BE122C06A9}" type="datetimeFigureOut">
               <a:rPr lang="en-US" smtClean="0"/>
-              <a:t>10/27/2020</a:t>
+              <a:t>10/28/2020</a:t>
             </a:fld>
             <a:endParaRPr lang="en-US"/>
           </a:p>
@@ -2683,7 +2683,7 @@
           <a:p>
             <a:fld id="{CE3FCA85-F18D-4136-B53A-D1BE122C06A9}" type="datetimeFigureOut">
               <a:rPr lang="en-US" smtClean="0"/>
-              <a:t>10/27/2020</a:t>
+              <a:t>10/28/2020</a:t>
             </a:fld>
             <a:endParaRPr lang="en-US"/>
           </a:p>
@@ -2924,7 +2924,7 @@
           <a:p>
             <a:fld id="{CE3FCA85-F18D-4136-B53A-D1BE122C06A9}" type="datetimeFigureOut">
               <a:rPr lang="en-US" smtClean="0"/>
-              <a:t>10/27/2020</a:t>
+              <a:t>10/28/2020</a:t>
             </a:fld>
             <a:endParaRPr lang="en-US"/>
           </a:p>
@@ -6322,8 +6322,8 @@
         </p:nvSpPr>
         <p:spPr>
           <a:xfrm>
-            <a:off x="709116" y="2341041"/>
-            <a:ext cx="9741168" cy="2677656"/>
+            <a:off x="1381124" y="2496081"/>
+            <a:ext cx="8355371" cy="3416320"/>
           </a:xfrm>
           <a:prstGeom prst="rect">
             <a:avLst/>
@@ -6494,8 +6494,8 @@
         </p:nvSpPr>
         <p:spPr>
           <a:xfrm>
-            <a:off x="709116" y="1008307"/>
-            <a:ext cx="9741169" cy="830997"/>
+            <a:off x="1381124" y="1046709"/>
+            <a:ext cx="7546987" cy="1200329"/>
           </a:xfrm>
           <a:prstGeom prst="rect">
             <a:avLst/>
@@ -6567,7 +6567,7 @@
         </p:nvSpPr>
         <p:spPr>
           <a:xfrm>
-            <a:off x="3726636" y="300421"/>
+            <a:off x="3669245" y="235619"/>
             <a:ext cx="3379451" cy="707886"/>
           </a:xfrm>
           <a:prstGeom prst="rect">
@@ -6588,10 +6588,62 @@
           </a:p>
         </p:txBody>
       </p:sp>
+      <p:pic>
+        <p:nvPicPr>
+          <p:cNvPr id="6" name="Picture 5">
+            <a:extLst>
+              <a:ext uri="{FF2B5EF4-FFF2-40B4-BE49-F238E27FC236}">
+                <a16:creationId xmlns:a16="http://schemas.microsoft.com/office/drawing/2014/main" id="{D0907A0C-AF14-4E25-B86B-F192D765584A}"/>
+              </a:ext>
+            </a:extLst>
+          </p:cNvPr>
+          <p:cNvPicPr>
+            <a:picLocks noChangeAspect="1"/>
+          </p:cNvPicPr>
+          <p:nvPr/>
+        </p:nvPicPr>
+        <p:blipFill>
+          <a:blip r:embed="rId2">
+            <a:extLst>
+              <a:ext uri="{BEBA8EAE-BF5A-486C-A8C5-ECC9F3942E4B}">
+                <a14:imgProps xmlns:a14="http://schemas.microsoft.com/office/drawing/2010/main">
+                  <a14:imgLayer r:embed="rId3">
+                    <a14:imgEffect>
+                      <a14:backgroundRemoval t="1982" b="90811" l="9524" r="91369">
+                        <a14:foregroundMark x1="55357" y1="6306" x2="55357" y2="6306"/>
+                        <a14:foregroundMark x1="49405" y1="2342" x2="49405" y2="2342"/>
+                        <a14:foregroundMark x1="27381" y1="90811" x2="27381" y2="90811"/>
+                        <a14:foregroundMark x1="38393" y1="30991" x2="38393" y2="30991"/>
+                        <a14:foregroundMark x1="36310" y1="29730" x2="36310" y2="29730"/>
+                        <a14:foregroundMark x1="91369" y1="27928" x2="91369" y2="27928"/>
+                        <a14:foregroundMark x1="53869" y1="85045" x2="53869" y2="85045"/>
+                        <a14:foregroundMark x1="45238" y1="82883" x2="45238" y2="82883"/>
+                        <a14:backgroundMark x1="42560" y1="92432" x2="42560" y2="92432"/>
+                      </a14:backgroundRemoval>
+                    </a14:imgEffect>
+                  </a14:imgLayer>
+                </a14:imgProps>
+              </a:ext>
+            </a:extLst>
+          </a:blip>
+          <a:stretch>
+            <a:fillRect/>
+          </a:stretch>
+        </p:blipFill>
+        <p:spPr>
+          <a:xfrm>
+            <a:off x="9398785" y="756143"/>
+            <a:ext cx="2824182" cy="4664943"/>
+          </a:xfrm>
+          <a:prstGeom prst="rect">
+            <a:avLst/>
+          </a:prstGeom>
+        </p:spPr>
+      </p:pic>
     </p:spTree>
     <p:extLst>
       <p:ext uri="{BB962C8B-B14F-4D97-AF65-F5344CB8AC3E}">
-        <p14:creationId xmlns:p14="http://schemas.microsoft.com/office/powerpoint/2010/main" val="622145278"/>
+        <p14:creationId xmlns:p14="http://schemas.microsoft.com/office/powerpoint/2010/main" val="3958076070"/>
       </p:ext>
     </p:extLst>
   </p:cSld>
@@ -7708,22 +7760,13 @@
               <a:t>	</a:t>
             </a:r>
             <a:r>
-              <a:rPr lang="en-US" sz="1800" b="1">
-                <a:effectLst/>
-                <a:latin typeface="Calibri" panose="020F0502020204030204" pitchFamily="34" charset="0"/>
-                <a:ea typeface="Calibri" panose="020F0502020204030204" pitchFamily="34" charset="0"/>
-                <a:cs typeface="Times New Roman" panose="02020603050405020304" pitchFamily="18" charset="0"/>
-              </a:rPr>
-              <a:t>If an </a:t>
-            </a:r>
-            <a:r>
               <a:rPr lang="en-US" sz="1800" b="1" dirty="0">
                 <a:effectLst/>
                 <a:latin typeface="Calibri" panose="020F0502020204030204" pitchFamily="34" charset="0"/>
                 <a:ea typeface="Calibri" panose="020F0502020204030204" pitchFamily="34" charset="0"/>
                 <a:cs typeface="Times New Roman" panose="02020603050405020304" pitchFamily="18" charset="0"/>
               </a:rPr>
-              <a:t>asteroid with rare earth elements are close to earth, then a measurable amount of </a:t>
+              <a:t>If an asteroid with rare earth elements are close to earth, then a measurable amount of </a:t>
             </a:r>
           </a:p>
           <a:p>
@@ -7807,17 +7850,117 @@
           <a:p>
             <a:pPr algn="ctr"/>
             <a:r>
-              <a:rPr lang="en-US" u="sng" dirty="0"/>
+              <a:rPr lang="en-US" sz="4000" u="sng" dirty="0"/>
               <a:t>Conclusion</a:t>
             </a:r>
-            <a:endParaRPr lang="en-US" dirty="0"/>
-          </a:p>
-        </p:txBody>
-      </p:sp>
+            <a:endParaRPr lang="en-US" sz="4000" dirty="0"/>
+          </a:p>
+        </p:txBody>
+      </p:sp>
+      <p:pic>
+        <p:nvPicPr>
+          <p:cNvPr id="9" name="Picture 8">
+            <a:extLst>
+              <a:ext uri="{FF2B5EF4-FFF2-40B4-BE49-F238E27FC236}">
+                <a16:creationId xmlns:a16="http://schemas.microsoft.com/office/drawing/2014/main" id="{3046A35F-7B86-454B-BBA0-B782F6043A58}"/>
+              </a:ext>
+            </a:extLst>
+          </p:cNvPr>
+          <p:cNvPicPr>
+            <a:picLocks noChangeAspect="1"/>
+          </p:cNvPicPr>
+          <p:nvPr/>
+        </p:nvPicPr>
+        <p:blipFill>
+          <a:blip r:embed="rId2">
+            <a:extLst>
+              <a:ext uri="{BEBA8EAE-BF5A-486C-A8C5-ECC9F3942E4B}">
+                <a14:imgProps xmlns:a14="http://schemas.microsoft.com/office/drawing/2010/main">
+                  <a14:imgLayer r:embed="rId3">
+                    <a14:imgEffect>
+                      <a14:backgroundRemoval t="3664" b="90733" l="1161" r="93759">
+                        <a14:foregroundMark x1="25980" y1="26724" x2="22496" y2="16379"/>
+                        <a14:foregroundMark x1="22496" y1="16379" x2="28592" y2="10345"/>
+                        <a14:foregroundMark x1="28592" y1="10345" x2="32946" y2="18966"/>
+                        <a14:foregroundMark x1="32946" y1="18966" x2="30334" y2="25431"/>
+                        <a14:foregroundMark x1="25793" y1="11095" x2="24528" y2="10776"/>
+                        <a14:foregroundMark x1="32221" y1="12716" x2="26084" y2="11168"/>
+                        <a14:foregroundMark x1="25206" y1="10161" x2="24528" y2="9914"/>
+                        <a14:foregroundMark x1="32801" y1="12931" x2="26669" y2="10695"/>
+                        <a14:foregroundMark x1="33091" y1="13793" x2="27220" y2="9531"/>
+                        <a14:foregroundMark x1="33091" y1="12716" x2="26125" y2="9267"/>
+                        <a14:foregroundMark x1="32221" y1="13147" x2="27576" y2="9052"/>
+                        <a14:foregroundMark x1="31205" y1="11638" x2="28737" y2="9267"/>
+                        <a14:foregroundMark x1="32366" y1="15302" x2="26851" y2="8190"/>
+                        <a14:foregroundMark x1="26851" y1="8190" x2="26441" y2="8291"/>
+                        <a14:foregroundMark x1="27325" y1="9698" x2="30914" y2="9698"/>
+                        <a14:foregroundMark x1="3338" y1="39224" x2="3338" y2="39224"/>
+                        <a14:foregroundMark x1="60087" y1="21121" x2="60087" y2="21121"/>
+                        <a14:foregroundMark x1="70102" y1="15302" x2="70102" y2="15302"/>
+                        <a14:foregroundMark x1="52250" y1="12931" x2="52250" y2="12931"/>
+                        <a14:foregroundMark x1="45428" y1="20905" x2="60087" y2="10560"/>
+                        <a14:foregroundMark x1="60087" y1="10560" x2="67779" y2="8836"/>
+                        <a14:foregroundMark x1="57184" y1="7974" x2="72714" y2="9052"/>
+                        <a14:foregroundMark x1="72714" y1="9052" x2="76778" y2="11422"/>
+                        <a14:foregroundMark x1="63570" y1="6681" x2="74020" y2="6897"/>
+                        <a14:foregroundMark x1="71988" y1="14009" x2="82293" y2="18750"/>
+                        <a14:foregroundMark x1="82293" y1="18750" x2="88534" y2="49784"/>
+                        <a14:foregroundMark x1="72134" y1="10560" x2="79826" y2="13793"/>
+                        <a14:foregroundMark x1="79826" y1="13793" x2="83599" y2="25216"/>
+                        <a14:foregroundMark x1="83599" y1="25216" x2="85196" y2="62931"/>
+                        <a14:foregroundMark x1="85196" y1="62931" x2="83745" y2="71767"/>
+                        <a14:foregroundMark x1="88099" y1="37716" x2="94194" y2="44397"/>
+                        <a14:foregroundMark x1="94194" y1="44397" x2="93033" y2="58621"/>
+                        <a14:foregroundMark x1="91437" y1="46983" x2="88970" y2="35776"/>
+                        <a14:foregroundMark x1="88970" y1="35776" x2="89405" y2="24353"/>
+                        <a14:foregroundMark x1="89405" y1="24353" x2="86938" y2="18534"/>
+                        <a14:foregroundMark x1="89695" y1="28879" x2="86357" y2="19397"/>
+                        <a14:foregroundMark x1="86357" y1="19397" x2="73385" y2="6768"/>
+                        <a14:foregroundMark x1="82438" y1="26509" x2="84180" y2="15733"/>
+                        <a14:foregroundMark x1="84180" y1="15733" x2="76056" y2="7062"/>
+                        <a14:foregroundMark x1="86647" y1="20905" x2="83309" y2="10345"/>
+                        <a14:foregroundMark x1="83309" y1="10345" x2="74311" y2="7974"/>
+                        <a14:foregroundMark x1="80842" y1="16379" x2="78988" y2="7384"/>
+                        <a14:foregroundMark x1="84325" y1="15302" x2="80552" y2="9914"/>
+                        <a14:foregroundMark x1="13498" y1="88362" x2="16255" y2="80388"/>
+                        <a14:foregroundMark x1="22351" y1="90948" x2="22351" y2="90948"/>
+                        <a14:foregroundMark x1="22787" y1="88578" x2="23222" y2="84914"/>
+                        <a14:foregroundMark x1="1306" y1="37500" x2="2322" y2="40086"/>
+                        <a14:foregroundMark x1="75472" y1="9698" x2="71765" y2="5398"/>
+                        <a14:foregroundMark x1="71698" y1="6681" x2="68135" y2="4679"/>
+                        <a14:foregroundMark x1="72714" y1="7328" x2="63861" y2="4741"/>
+                        <a14:backgroundMark x1="21045" y1="79957" x2="20610" y2="84483"/>
+                        <a14:backgroundMark x1="20029" y1="86422" x2="17852" y2="92026"/>
+                        <a14:backgroundMark x1="63060" y1="2642" x2="58636" y2="2155"/>
+                        <a14:backgroundMark x1="82148" y1="4741" x2="74424" y2="3891"/>
+                        <a14:backgroundMark x1="58636" y1="2155" x2="54572" y2="3664"/>
+                        <a14:backgroundMark x1="25835" y1="7328" x2="24238" y2="8621"/>
+                        <a14:backgroundMark x1="74456" y1="3017" x2="63570" y2="862"/>
+                      </a14:backgroundRemoval>
+                    </a14:imgEffect>
+                  </a14:imgLayer>
+                </a14:imgProps>
+              </a:ext>
+            </a:extLst>
+          </a:blip>
+          <a:stretch>
+            <a:fillRect/>
+          </a:stretch>
+        </p:blipFill>
+        <p:spPr>
+          <a:xfrm>
+            <a:off x="8620125" y="1788503"/>
+            <a:ext cx="3337967" cy="2247920"/>
+          </a:xfrm>
+          <a:prstGeom prst="rect">
+            <a:avLst/>
+          </a:prstGeom>
+        </p:spPr>
+      </p:pic>
     </p:spTree>
     <p:extLst>
       <p:ext uri="{BB962C8B-B14F-4D97-AF65-F5344CB8AC3E}">
-        <p14:creationId xmlns:p14="http://schemas.microsoft.com/office/powerpoint/2010/main" val="3571760118"/>
+        <p14:creationId xmlns:p14="http://schemas.microsoft.com/office/powerpoint/2010/main" val="2734675344"/>
       </p:ext>
     </p:extLst>
   </p:cSld>

--- a/asteroid_analysisFinal.pptx
+++ b/asteroid_analysisFinal.pptx
@@ -6,21 +6,26 @@
   </p:sldMasterIdLst>
   <p:sldIdLst>
     <p:sldId id="263" r:id="rId2"/>
-    <p:sldId id="257" r:id="rId3"/>
-    <p:sldId id="261" r:id="rId4"/>
-    <p:sldId id="258" r:id="rId5"/>
-    <p:sldId id="266" r:id="rId6"/>
-    <p:sldId id="264" r:id="rId7"/>
-    <p:sldId id="265" r:id="rId8"/>
-    <p:sldId id="267" r:id="rId9"/>
-    <p:sldId id="268" r:id="rId10"/>
-    <p:sldId id="272" r:id="rId11"/>
-    <p:sldId id="256" r:id="rId12"/>
-    <p:sldId id="259" r:id="rId13"/>
-    <p:sldId id="260" r:id="rId14"/>
-    <p:sldId id="270" r:id="rId15"/>
-    <p:sldId id="262" r:id="rId16"/>
-    <p:sldId id="271" r:id="rId17"/>
+    <p:sldId id="276" r:id="rId3"/>
+    <p:sldId id="257" r:id="rId4"/>
+    <p:sldId id="261" r:id="rId5"/>
+    <p:sldId id="258" r:id="rId6"/>
+    <p:sldId id="266" r:id="rId7"/>
+    <p:sldId id="264" r:id="rId8"/>
+    <p:sldId id="265" r:id="rId9"/>
+    <p:sldId id="267" r:id="rId10"/>
+    <p:sldId id="268" r:id="rId11"/>
+    <p:sldId id="273" r:id="rId12"/>
+    <p:sldId id="277" r:id="rId13"/>
+    <p:sldId id="278" r:id="rId14"/>
+    <p:sldId id="274" r:id="rId15"/>
+    <p:sldId id="272" r:id="rId16"/>
+    <p:sldId id="256" r:id="rId17"/>
+    <p:sldId id="259" r:id="rId18"/>
+    <p:sldId id="260" r:id="rId19"/>
+    <p:sldId id="270" r:id="rId20"/>
+    <p:sldId id="262" r:id="rId21"/>
+    <p:sldId id="271" r:id="rId22"/>
   </p:sldIdLst>
   <p:sldSz cx="12192000" cy="6858000"/>
   <p:notesSz cx="6858000" cy="9144000"/>
@@ -161,7 +166,7 @@
           <p:cNvPr id="2" name="Title 1">
             <a:extLst>
               <a:ext uri="{FF2B5EF4-FFF2-40B4-BE49-F238E27FC236}">
-                <a16:creationId xmlns:a16="http://schemas.microsoft.com/office/drawing/2014/main" id="{90DFB73B-7844-42A4-88B9-63A5CFA50929}"/>
+                <a16:creationId xmlns:a16="http://schemas.microsoft.com/office/drawing/2014/main" xmlns="" id="{90DFB73B-7844-42A4-88B9-63A5CFA50929}"/>
               </a:ext>
             </a:extLst>
           </p:cNvPr>
@@ -198,7 +203,7 @@
           <p:cNvPr id="3" name="Subtitle 2">
             <a:extLst>
               <a:ext uri="{FF2B5EF4-FFF2-40B4-BE49-F238E27FC236}">
-                <a16:creationId xmlns:a16="http://schemas.microsoft.com/office/drawing/2014/main" id="{19EBEC1A-63CA-462A-8827-920F01F06717}"/>
+                <a16:creationId xmlns:a16="http://schemas.microsoft.com/office/drawing/2014/main" xmlns="" id="{19EBEC1A-63CA-462A-8827-920F01F06717}"/>
               </a:ext>
             </a:extLst>
           </p:cNvPr>
@@ -268,7 +273,7 @@
           <p:cNvPr id="4" name="Date Placeholder 3">
             <a:extLst>
               <a:ext uri="{FF2B5EF4-FFF2-40B4-BE49-F238E27FC236}">
-                <a16:creationId xmlns:a16="http://schemas.microsoft.com/office/drawing/2014/main" id="{6F17DBE6-4263-4CD7-BF3C-C194AAC8F761}"/>
+                <a16:creationId xmlns:a16="http://schemas.microsoft.com/office/drawing/2014/main" xmlns="" id="{6F17DBE6-4263-4CD7-BF3C-C194AAC8F761}"/>
               </a:ext>
             </a:extLst>
           </p:cNvPr>
@@ -286,7 +291,7 @@
           <a:p>
             <a:fld id="{CE3FCA85-F18D-4136-B53A-D1BE122C06A9}" type="datetimeFigureOut">
               <a:rPr lang="en-US" smtClean="0"/>
-              <a:t>10/27/2020</a:t>
+              <a:t>10/28/2020</a:t>
             </a:fld>
             <a:endParaRPr lang="en-US"/>
           </a:p>
@@ -297,7 +302,7 @@
           <p:cNvPr id="5" name="Footer Placeholder 4">
             <a:extLst>
               <a:ext uri="{FF2B5EF4-FFF2-40B4-BE49-F238E27FC236}">
-                <a16:creationId xmlns:a16="http://schemas.microsoft.com/office/drawing/2014/main" id="{7AC6F799-A023-41D5-BF1F-E3B84579737B}"/>
+                <a16:creationId xmlns:a16="http://schemas.microsoft.com/office/drawing/2014/main" xmlns="" id="{7AC6F799-A023-41D5-BF1F-E3B84579737B}"/>
               </a:ext>
             </a:extLst>
           </p:cNvPr>
@@ -322,7 +327,7 @@
           <p:cNvPr id="6" name="Slide Number Placeholder 5">
             <a:extLst>
               <a:ext uri="{FF2B5EF4-FFF2-40B4-BE49-F238E27FC236}">
-                <a16:creationId xmlns:a16="http://schemas.microsoft.com/office/drawing/2014/main" id="{284269D7-455E-48BA-AF39-A60FD78740E2}"/>
+                <a16:creationId xmlns:a16="http://schemas.microsoft.com/office/drawing/2014/main" xmlns="" id="{284269D7-455E-48BA-AF39-A60FD78740E2}"/>
               </a:ext>
             </a:extLst>
           </p:cNvPr>
@@ -381,7 +386,7 @@
           <p:cNvPr id="2" name="Title 1">
             <a:extLst>
               <a:ext uri="{FF2B5EF4-FFF2-40B4-BE49-F238E27FC236}">
-                <a16:creationId xmlns:a16="http://schemas.microsoft.com/office/drawing/2014/main" id="{1DE25193-C6D1-488E-9680-F335C367474A}"/>
+                <a16:creationId xmlns:a16="http://schemas.microsoft.com/office/drawing/2014/main" xmlns="" id="{1DE25193-C6D1-488E-9680-F335C367474A}"/>
               </a:ext>
             </a:extLst>
           </p:cNvPr>
@@ -409,7 +414,7 @@
           <p:cNvPr id="3" name="Vertical Text Placeholder 2">
             <a:extLst>
               <a:ext uri="{FF2B5EF4-FFF2-40B4-BE49-F238E27FC236}">
-                <a16:creationId xmlns:a16="http://schemas.microsoft.com/office/drawing/2014/main" id="{2FADFFED-58A3-4CD8-B264-5615ADD34F26}"/>
+                <a16:creationId xmlns:a16="http://schemas.microsoft.com/office/drawing/2014/main" xmlns="" id="{2FADFFED-58A3-4CD8-B264-5615ADD34F26}"/>
               </a:ext>
             </a:extLst>
           </p:cNvPr>
@@ -466,7 +471,7 @@
           <p:cNvPr id="4" name="Date Placeholder 3">
             <a:extLst>
               <a:ext uri="{FF2B5EF4-FFF2-40B4-BE49-F238E27FC236}">
-                <a16:creationId xmlns:a16="http://schemas.microsoft.com/office/drawing/2014/main" id="{19E0C1AE-8D51-4B6F-9515-58E8A4E7AA81}"/>
+                <a16:creationId xmlns:a16="http://schemas.microsoft.com/office/drawing/2014/main" xmlns="" id="{19E0C1AE-8D51-4B6F-9515-58E8A4E7AA81}"/>
               </a:ext>
             </a:extLst>
           </p:cNvPr>
@@ -484,7 +489,7 @@
           <a:p>
             <a:fld id="{CE3FCA85-F18D-4136-B53A-D1BE122C06A9}" type="datetimeFigureOut">
               <a:rPr lang="en-US" smtClean="0"/>
-              <a:t>10/27/2020</a:t>
+              <a:t>10/28/2020</a:t>
             </a:fld>
             <a:endParaRPr lang="en-US"/>
           </a:p>
@@ -495,7 +500,7 @@
           <p:cNvPr id="5" name="Footer Placeholder 4">
             <a:extLst>
               <a:ext uri="{FF2B5EF4-FFF2-40B4-BE49-F238E27FC236}">
-                <a16:creationId xmlns:a16="http://schemas.microsoft.com/office/drawing/2014/main" id="{C179769A-222F-4B08-84C3-DE5BDC6803E9}"/>
+                <a16:creationId xmlns:a16="http://schemas.microsoft.com/office/drawing/2014/main" xmlns="" id="{C179769A-222F-4B08-84C3-DE5BDC6803E9}"/>
               </a:ext>
             </a:extLst>
           </p:cNvPr>
@@ -520,7 +525,7 @@
           <p:cNvPr id="6" name="Slide Number Placeholder 5">
             <a:extLst>
               <a:ext uri="{FF2B5EF4-FFF2-40B4-BE49-F238E27FC236}">
-                <a16:creationId xmlns:a16="http://schemas.microsoft.com/office/drawing/2014/main" id="{26851DC9-6F72-4481-9141-122309C6FA17}"/>
+                <a16:creationId xmlns:a16="http://schemas.microsoft.com/office/drawing/2014/main" xmlns="" id="{26851DC9-6F72-4481-9141-122309C6FA17}"/>
               </a:ext>
             </a:extLst>
           </p:cNvPr>
@@ -579,7 +584,7 @@
           <p:cNvPr id="2" name="Vertical Title 1">
             <a:extLst>
               <a:ext uri="{FF2B5EF4-FFF2-40B4-BE49-F238E27FC236}">
-                <a16:creationId xmlns:a16="http://schemas.microsoft.com/office/drawing/2014/main" id="{D77F4640-B28D-4B54-8B1E-0A3C28274F3F}"/>
+                <a16:creationId xmlns:a16="http://schemas.microsoft.com/office/drawing/2014/main" xmlns="" id="{D77F4640-B28D-4B54-8B1E-0A3C28274F3F}"/>
               </a:ext>
             </a:extLst>
           </p:cNvPr>
@@ -612,7 +617,7 @@
           <p:cNvPr id="3" name="Vertical Text Placeholder 2">
             <a:extLst>
               <a:ext uri="{FF2B5EF4-FFF2-40B4-BE49-F238E27FC236}">
-                <a16:creationId xmlns:a16="http://schemas.microsoft.com/office/drawing/2014/main" id="{AF3C49CA-1961-4A39-8229-7EC3FFEADB8B}"/>
+                <a16:creationId xmlns:a16="http://schemas.microsoft.com/office/drawing/2014/main" xmlns="" id="{AF3C49CA-1961-4A39-8229-7EC3FFEADB8B}"/>
               </a:ext>
             </a:extLst>
           </p:cNvPr>
@@ -674,7 +679,7 @@
           <p:cNvPr id="4" name="Date Placeholder 3">
             <a:extLst>
               <a:ext uri="{FF2B5EF4-FFF2-40B4-BE49-F238E27FC236}">
-                <a16:creationId xmlns:a16="http://schemas.microsoft.com/office/drawing/2014/main" id="{35D235E3-DFB8-42B5-BACD-6A8AE7F4CB87}"/>
+                <a16:creationId xmlns:a16="http://schemas.microsoft.com/office/drawing/2014/main" xmlns="" id="{35D235E3-DFB8-42B5-BACD-6A8AE7F4CB87}"/>
               </a:ext>
             </a:extLst>
           </p:cNvPr>
@@ -692,7 +697,7 @@
           <a:p>
             <a:fld id="{CE3FCA85-F18D-4136-B53A-D1BE122C06A9}" type="datetimeFigureOut">
               <a:rPr lang="en-US" smtClean="0"/>
-              <a:t>10/27/2020</a:t>
+              <a:t>10/28/2020</a:t>
             </a:fld>
             <a:endParaRPr lang="en-US"/>
           </a:p>
@@ -703,7 +708,7 @@
           <p:cNvPr id="5" name="Footer Placeholder 4">
             <a:extLst>
               <a:ext uri="{FF2B5EF4-FFF2-40B4-BE49-F238E27FC236}">
-                <a16:creationId xmlns:a16="http://schemas.microsoft.com/office/drawing/2014/main" id="{76D783CF-A9BD-4F70-BB73-D220822CC889}"/>
+                <a16:creationId xmlns:a16="http://schemas.microsoft.com/office/drawing/2014/main" xmlns="" id="{76D783CF-A9BD-4F70-BB73-D220822CC889}"/>
               </a:ext>
             </a:extLst>
           </p:cNvPr>
@@ -728,7 +733,7 @@
           <p:cNvPr id="6" name="Slide Number Placeholder 5">
             <a:extLst>
               <a:ext uri="{FF2B5EF4-FFF2-40B4-BE49-F238E27FC236}">
-                <a16:creationId xmlns:a16="http://schemas.microsoft.com/office/drawing/2014/main" id="{926ED9A7-034D-4174-AE7B-9940EC742178}"/>
+                <a16:creationId xmlns:a16="http://schemas.microsoft.com/office/drawing/2014/main" xmlns="" id="{926ED9A7-034D-4174-AE7B-9940EC742178}"/>
               </a:ext>
             </a:extLst>
           </p:cNvPr>
@@ -787,7 +792,7 @@
           <p:cNvPr id="2" name="Title 1">
             <a:extLst>
               <a:ext uri="{FF2B5EF4-FFF2-40B4-BE49-F238E27FC236}">
-                <a16:creationId xmlns:a16="http://schemas.microsoft.com/office/drawing/2014/main" id="{736C70E8-E89B-43B7-9EC8-38C57A807A45}"/>
+                <a16:creationId xmlns:a16="http://schemas.microsoft.com/office/drawing/2014/main" xmlns="" id="{736C70E8-E89B-43B7-9EC8-38C57A807A45}"/>
               </a:ext>
             </a:extLst>
           </p:cNvPr>
@@ -815,7 +820,7 @@
           <p:cNvPr id="3" name="Content Placeholder 2">
             <a:extLst>
               <a:ext uri="{FF2B5EF4-FFF2-40B4-BE49-F238E27FC236}">
-                <a16:creationId xmlns:a16="http://schemas.microsoft.com/office/drawing/2014/main" id="{965B746A-6B7C-4380-8FDC-19C4C5631969}"/>
+                <a16:creationId xmlns:a16="http://schemas.microsoft.com/office/drawing/2014/main" xmlns="" id="{965B746A-6B7C-4380-8FDC-19C4C5631969}"/>
               </a:ext>
             </a:extLst>
           </p:cNvPr>
@@ -872,7 +877,7 @@
           <p:cNvPr id="4" name="Date Placeholder 3">
             <a:extLst>
               <a:ext uri="{FF2B5EF4-FFF2-40B4-BE49-F238E27FC236}">
-                <a16:creationId xmlns:a16="http://schemas.microsoft.com/office/drawing/2014/main" id="{E071D8C7-78AC-47E8-939F-BE8387CD5593}"/>
+                <a16:creationId xmlns:a16="http://schemas.microsoft.com/office/drawing/2014/main" xmlns="" id="{E071D8C7-78AC-47E8-939F-BE8387CD5593}"/>
               </a:ext>
             </a:extLst>
           </p:cNvPr>
@@ -890,7 +895,7 @@
           <a:p>
             <a:fld id="{CE3FCA85-F18D-4136-B53A-D1BE122C06A9}" type="datetimeFigureOut">
               <a:rPr lang="en-US" smtClean="0"/>
-              <a:t>10/27/2020</a:t>
+              <a:t>10/28/2020</a:t>
             </a:fld>
             <a:endParaRPr lang="en-US"/>
           </a:p>
@@ -901,7 +906,7 @@
           <p:cNvPr id="5" name="Footer Placeholder 4">
             <a:extLst>
               <a:ext uri="{FF2B5EF4-FFF2-40B4-BE49-F238E27FC236}">
-                <a16:creationId xmlns:a16="http://schemas.microsoft.com/office/drawing/2014/main" id="{1FEEE077-B00E-4465-978D-1A09B61B1562}"/>
+                <a16:creationId xmlns:a16="http://schemas.microsoft.com/office/drawing/2014/main" xmlns="" id="{1FEEE077-B00E-4465-978D-1A09B61B1562}"/>
               </a:ext>
             </a:extLst>
           </p:cNvPr>
@@ -926,7 +931,7 @@
           <p:cNvPr id="6" name="Slide Number Placeholder 5">
             <a:extLst>
               <a:ext uri="{FF2B5EF4-FFF2-40B4-BE49-F238E27FC236}">
-                <a16:creationId xmlns:a16="http://schemas.microsoft.com/office/drawing/2014/main" id="{DAB0A18F-509C-45C6-8BFF-8D9852FB4F9B}"/>
+                <a16:creationId xmlns:a16="http://schemas.microsoft.com/office/drawing/2014/main" xmlns="" id="{DAB0A18F-509C-45C6-8BFF-8D9852FB4F9B}"/>
               </a:ext>
             </a:extLst>
           </p:cNvPr>
@@ -985,7 +990,7 @@
           <p:cNvPr id="2" name="Title 1">
             <a:extLst>
               <a:ext uri="{FF2B5EF4-FFF2-40B4-BE49-F238E27FC236}">
-                <a16:creationId xmlns:a16="http://schemas.microsoft.com/office/drawing/2014/main" id="{382BB395-4336-4FCF-B625-B2DE591AD1CE}"/>
+                <a16:creationId xmlns:a16="http://schemas.microsoft.com/office/drawing/2014/main" xmlns="" id="{382BB395-4336-4FCF-B625-B2DE591AD1CE}"/>
               </a:ext>
             </a:extLst>
           </p:cNvPr>
@@ -1022,7 +1027,7 @@
           <p:cNvPr id="3" name="Text Placeholder 2">
             <a:extLst>
               <a:ext uri="{FF2B5EF4-FFF2-40B4-BE49-F238E27FC236}">
-                <a16:creationId xmlns:a16="http://schemas.microsoft.com/office/drawing/2014/main" id="{17CC9268-FA82-4EA4-BC1B-C997564F253A}"/>
+                <a16:creationId xmlns:a16="http://schemas.microsoft.com/office/drawing/2014/main" xmlns="" id="{17CC9268-FA82-4EA4-BC1B-C997564F253A}"/>
               </a:ext>
             </a:extLst>
           </p:cNvPr>
@@ -1147,7 +1152,7 @@
           <p:cNvPr id="4" name="Date Placeholder 3">
             <a:extLst>
               <a:ext uri="{FF2B5EF4-FFF2-40B4-BE49-F238E27FC236}">
-                <a16:creationId xmlns:a16="http://schemas.microsoft.com/office/drawing/2014/main" id="{F7A3F934-E811-4960-B713-5E87D720FBFB}"/>
+                <a16:creationId xmlns:a16="http://schemas.microsoft.com/office/drawing/2014/main" xmlns="" id="{F7A3F934-E811-4960-B713-5E87D720FBFB}"/>
               </a:ext>
             </a:extLst>
           </p:cNvPr>
@@ -1165,7 +1170,7 @@
           <a:p>
             <a:fld id="{CE3FCA85-F18D-4136-B53A-D1BE122C06A9}" type="datetimeFigureOut">
               <a:rPr lang="en-US" smtClean="0"/>
-              <a:t>10/27/2020</a:t>
+              <a:t>10/28/2020</a:t>
             </a:fld>
             <a:endParaRPr lang="en-US"/>
           </a:p>
@@ -1176,7 +1181,7 @@
           <p:cNvPr id="5" name="Footer Placeholder 4">
             <a:extLst>
               <a:ext uri="{FF2B5EF4-FFF2-40B4-BE49-F238E27FC236}">
-                <a16:creationId xmlns:a16="http://schemas.microsoft.com/office/drawing/2014/main" id="{9570C0C5-D0F3-468A-B9D7-57A7C2B4C272}"/>
+                <a16:creationId xmlns:a16="http://schemas.microsoft.com/office/drawing/2014/main" xmlns="" id="{9570C0C5-D0F3-468A-B9D7-57A7C2B4C272}"/>
               </a:ext>
             </a:extLst>
           </p:cNvPr>
@@ -1201,7 +1206,7 @@
           <p:cNvPr id="6" name="Slide Number Placeholder 5">
             <a:extLst>
               <a:ext uri="{FF2B5EF4-FFF2-40B4-BE49-F238E27FC236}">
-                <a16:creationId xmlns:a16="http://schemas.microsoft.com/office/drawing/2014/main" id="{996E4F7B-6B59-4A1D-9B5B-1AD375A0E3A5}"/>
+                <a16:creationId xmlns:a16="http://schemas.microsoft.com/office/drawing/2014/main" xmlns="" id="{996E4F7B-6B59-4A1D-9B5B-1AD375A0E3A5}"/>
               </a:ext>
             </a:extLst>
           </p:cNvPr>
@@ -1260,7 +1265,7 @@
           <p:cNvPr id="2" name="Title 1">
             <a:extLst>
               <a:ext uri="{FF2B5EF4-FFF2-40B4-BE49-F238E27FC236}">
-                <a16:creationId xmlns:a16="http://schemas.microsoft.com/office/drawing/2014/main" id="{4F2941DD-191A-41F8-A38E-018E9633EC28}"/>
+                <a16:creationId xmlns:a16="http://schemas.microsoft.com/office/drawing/2014/main" xmlns="" id="{4F2941DD-191A-41F8-A38E-018E9633EC28}"/>
               </a:ext>
             </a:extLst>
           </p:cNvPr>
@@ -1288,7 +1293,7 @@
           <p:cNvPr id="3" name="Content Placeholder 2">
             <a:extLst>
               <a:ext uri="{FF2B5EF4-FFF2-40B4-BE49-F238E27FC236}">
-                <a16:creationId xmlns:a16="http://schemas.microsoft.com/office/drawing/2014/main" id="{CCC3938A-B109-4116-B386-3DB02F5D7D0A}"/>
+                <a16:creationId xmlns:a16="http://schemas.microsoft.com/office/drawing/2014/main" xmlns="" id="{CCC3938A-B109-4116-B386-3DB02F5D7D0A}"/>
               </a:ext>
             </a:extLst>
           </p:cNvPr>
@@ -1350,7 +1355,7 @@
           <p:cNvPr id="4" name="Content Placeholder 3">
             <a:extLst>
               <a:ext uri="{FF2B5EF4-FFF2-40B4-BE49-F238E27FC236}">
-                <a16:creationId xmlns:a16="http://schemas.microsoft.com/office/drawing/2014/main" id="{3B723360-94A9-45FC-BFEB-71613BFEB164}"/>
+                <a16:creationId xmlns:a16="http://schemas.microsoft.com/office/drawing/2014/main" xmlns="" id="{3B723360-94A9-45FC-BFEB-71613BFEB164}"/>
               </a:ext>
             </a:extLst>
           </p:cNvPr>
@@ -1412,7 +1417,7 @@
           <p:cNvPr id="5" name="Date Placeholder 4">
             <a:extLst>
               <a:ext uri="{FF2B5EF4-FFF2-40B4-BE49-F238E27FC236}">
-                <a16:creationId xmlns:a16="http://schemas.microsoft.com/office/drawing/2014/main" id="{82AB973E-0A08-4C19-9DF4-5C8BCDBB337D}"/>
+                <a16:creationId xmlns:a16="http://schemas.microsoft.com/office/drawing/2014/main" xmlns="" id="{82AB973E-0A08-4C19-9DF4-5C8BCDBB337D}"/>
               </a:ext>
             </a:extLst>
           </p:cNvPr>
@@ -1430,7 +1435,7 @@
           <a:p>
             <a:fld id="{CE3FCA85-F18D-4136-B53A-D1BE122C06A9}" type="datetimeFigureOut">
               <a:rPr lang="en-US" smtClean="0"/>
-              <a:t>10/27/2020</a:t>
+              <a:t>10/28/2020</a:t>
             </a:fld>
             <a:endParaRPr lang="en-US"/>
           </a:p>
@@ -1441,7 +1446,7 @@
           <p:cNvPr id="6" name="Footer Placeholder 5">
             <a:extLst>
               <a:ext uri="{FF2B5EF4-FFF2-40B4-BE49-F238E27FC236}">
-                <a16:creationId xmlns:a16="http://schemas.microsoft.com/office/drawing/2014/main" id="{1600E7DA-D792-4B8E-B7C9-F72C3D3A2071}"/>
+                <a16:creationId xmlns:a16="http://schemas.microsoft.com/office/drawing/2014/main" xmlns="" id="{1600E7DA-D792-4B8E-B7C9-F72C3D3A2071}"/>
               </a:ext>
             </a:extLst>
           </p:cNvPr>
@@ -1466,7 +1471,7 @@
           <p:cNvPr id="7" name="Slide Number Placeholder 6">
             <a:extLst>
               <a:ext uri="{FF2B5EF4-FFF2-40B4-BE49-F238E27FC236}">
-                <a16:creationId xmlns:a16="http://schemas.microsoft.com/office/drawing/2014/main" id="{BC209DF2-2D15-4AB5-85B5-EC5A9B4B958E}"/>
+                <a16:creationId xmlns:a16="http://schemas.microsoft.com/office/drawing/2014/main" xmlns="" id="{BC209DF2-2D15-4AB5-85B5-EC5A9B4B958E}"/>
               </a:ext>
             </a:extLst>
           </p:cNvPr>
@@ -1525,7 +1530,7 @@
           <p:cNvPr id="2" name="Title 1">
             <a:extLst>
               <a:ext uri="{FF2B5EF4-FFF2-40B4-BE49-F238E27FC236}">
-                <a16:creationId xmlns:a16="http://schemas.microsoft.com/office/drawing/2014/main" id="{4184BABE-E1B7-41F2-A528-4A9959A072AA}"/>
+                <a16:creationId xmlns:a16="http://schemas.microsoft.com/office/drawing/2014/main" xmlns="" id="{4184BABE-E1B7-41F2-A528-4A9959A072AA}"/>
               </a:ext>
             </a:extLst>
           </p:cNvPr>
@@ -1558,7 +1563,7 @@
           <p:cNvPr id="3" name="Text Placeholder 2">
             <a:extLst>
               <a:ext uri="{FF2B5EF4-FFF2-40B4-BE49-F238E27FC236}">
-                <a16:creationId xmlns:a16="http://schemas.microsoft.com/office/drawing/2014/main" id="{A00EE56A-0449-41D9-9A02-60F25F2A4875}"/>
+                <a16:creationId xmlns:a16="http://schemas.microsoft.com/office/drawing/2014/main" xmlns="" id="{A00EE56A-0449-41D9-9A02-60F25F2A4875}"/>
               </a:ext>
             </a:extLst>
           </p:cNvPr>
@@ -1629,7 +1634,7 @@
           <p:cNvPr id="4" name="Content Placeholder 3">
             <a:extLst>
               <a:ext uri="{FF2B5EF4-FFF2-40B4-BE49-F238E27FC236}">
-                <a16:creationId xmlns:a16="http://schemas.microsoft.com/office/drawing/2014/main" id="{DE568CB4-CE44-455F-B04D-AB197BBD87C6}"/>
+                <a16:creationId xmlns:a16="http://schemas.microsoft.com/office/drawing/2014/main" xmlns="" id="{DE568CB4-CE44-455F-B04D-AB197BBD87C6}"/>
               </a:ext>
             </a:extLst>
           </p:cNvPr>
@@ -1691,7 +1696,7 @@
           <p:cNvPr id="5" name="Text Placeholder 4">
             <a:extLst>
               <a:ext uri="{FF2B5EF4-FFF2-40B4-BE49-F238E27FC236}">
-                <a16:creationId xmlns:a16="http://schemas.microsoft.com/office/drawing/2014/main" id="{E271E21D-FF92-4321-8712-B7357D37F552}"/>
+                <a16:creationId xmlns:a16="http://schemas.microsoft.com/office/drawing/2014/main" xmlns="" id="{E271E21D-FF92-4321-8712-B7357D37F552}"/>
               </a:ext>
             </a:extLst>
           </p:cNvPr>
@@ -1762,7 +1767,7 @@
           <p:cNvPr id="6" name="Content Placeholder 5">
             <a:extLst>
               <a:ext uri="{FF2B5EF4-FFF2-40B4-BE49-F238E27FC236}">
-                <a16:creationId xmlns:a16="http://schemas.microsoft.com/office/drawing/2014/main" id="{C4CBB217-6D62-4E9D-87A2-3854B8C8954A}"/>
+                <a16:creationId xmlns:a16="http://schemas.microsoft.com/office/drawing/2014/main" xmlns="" id="{C4CBB217-6D62-4E9D-87A2-3854B8C8954A}"/>
               </a:ext>
             </a:extLst>
           </p:cNvPr>
@@ -1824,7 +1829,7 @@
           <p:cNvPr id="7" name="Date Placeholder 6">
             <a:extLst>
               <a:ext uri="{FF2B5EF4-FFF2-40B4-BE49-F238E27FC236}">
-                <a16:creationId xmlns:a16="http://schemas.microsoft.com/office/drawing/2014/main" id="{693EB529-AE5E-46CA-9204-9AB7EAEA2ABE}"/>
+                <a16:creationId xmlns:a16="http://schemas.microsoft.com/office/drawing/2014/main" xmlns="" id="{693EB529-AE5E-46CA-9204-9AB7EAEA2ABE}"/>
               </a:ext>
             </a:extLst>
           </p:cNvPr>
@@ -1842,7 +1847,7 @@
           <a:p>
             <a:fld id="{CE3FCA85-F18D-4136-B53A-D1BE122C06A9}" type="datetimeFigureOut">
               <a:rPr lang="en-US" smtClean="0"/>
-              <a:t>10/27/2020</a:t>
+              <a:t>10/28/2020</a:t>
             </a:fld>
             <a:endParaRPr lang="en-US"/>
           </a:p>
@@ -1853,7 +1858,7 @@
           <p:cNvPr id="8" name="Footer Placeholder 7">
             <a:extLst>
               <a:ext uri="{FF2B5EF4-FFF2-40B4-BE49-F238E27FC236}">
-                <a16:creationId xmlns:a16="http://schemas.microsoft.com/office/drawing/2014/main" id="{701FCF9F-C623-433F-A8A1-6ED55E9A8865}"/>
+                <a16:creationId xmlns:a16="http://schemas.microsoft.com/office/drawing/2014/main" xmlns="" id="{701FCF9F-C623-433F-A8A1-6ED55E9A8865}"/>
               </a:ext>
             </a:extLst>
           </p:cNvPr>
@@ -1878,7 +1883,7 @@
           <p:cNvPr id="9" name="Slide Number Placeholder 8">
             <a:extLst>
               <a:ext uri="{FF2B5EF4-FFF2-40B4-BE49-F238E27FC236}">
-                <a16:creationId xmlns:a16="http://schemas.microsoft.com/office/drawing/2014/main" id="{E687E7DE-8476-49B4-850E-3F81C8528E1E}"/>
+                <a16:creationId xmlns:a16="http://schemas.microsoft.com/office/drawing/2014/main" xmlns="" id="{E687E7DE-8476-49B4-850E-3F81C8528E1E}"/>
               </a:ext>
             </a:extLst>
           </p:cNvPr>
@@ -1937,7 +1942,7 @@
           <p:cNvPr id="2" name="Title 1">
             <a:extLst>
               <a:ext uri="{FF2B5EF4-FFF2-40B4-BE49-F238E27FC236}">
-                <a16:creationId xmlns:a16="http://schemas.microsoft.com/office/drawing/2014/main" id="{7C2DBDDE-6E1C-423F-B392-9EF518DCDA07}"/>
+                <a16:creationId xmlns:a16="http://schemas.microsoft.com/office/drawing/2014/main" xmlns="" id="{7C2DBDDE-6E1C-423F-B392-9EF518DCDA07}"/>
               </a:ext>
             </a:extLst>
           </p:cNvPr>
@@ -1965,7 +1970,7 @@
           <p:cNvPr id="3" name="Date Placeholder 2">
             <a:extLst>
               <a:ext uri="{FF2B5EF4-FFF2-40B4-BE49-F238E27FC236}">
-                <a16:creationId xmlns:a16="http://schemas.microsoft.com/office/drawing/2014/main" id="{74D8269F-E6F3-4533-8B84-191F5EB9107C}"/>
+                <a16:creationId xmlns:a16="http://schemas.microsoft.com/office/drawing/2014/main" xmlns="" id="{74D8269F-E6F3-4533-8B84-191F5EB9107C}"/>
               </a:ext>
             </a:extLst>
           </p:cNvPr>
@@ -1983,7 +1988,7 @@
           <a:p>
             <a:fld id="{CE3FCA85-F18D-4136-B53A-D1BE122C06A9}" type="datetimeFigureOut">
               <a:rPr lang="en-US" smtClean="0"/>
-              <a:t>10/27/2020</a:t>
+              <a:t>10/28/2020</a:t>
             </a:fld>
             <a:endParaRPr lang="en-US"/>
           </a:p>
@@ -1994,7 +1999,7 @@
           <p:cNvPr id="4" name="Footer Placeholder 3">
             <a:extLst>
               <a:ext uri="{FF2B5EF4-FFF2-40B4-BE49-F238E27FC236}">
-                <a16:creationId xmlns:a16="http://schemas.microsoft.com/office/drawing/2014/main" id="{04C65B54-AEF3-4224-9F9E-19657AA7A88E}"/>
+                <a16:creationId xmlns:a16="http://schemas.microsoft.com/office/drawing/2014/main" xmlns="" id="{04C65B54-AEF3-4224-9F9E-19657AA7A88E}"/>
               </a:ext>
             </a:extLst>
           </p:cNvPr>
@@ -2019,7 +2024,7 @@
           <p:cNvPr id="5" name="Slide Number Placeholder 4">
             <a:extLst>
               <a:ext uri="{FF2B5EF4-FFF2-40B4-BE49-F238E27FC236}">
-                <a16:creationId xmlns:a16="http://schemas.microsoft.com/office/drawing/2014/main" id="{E132F947-68CB-48EB-8B86-77E96CB1F4B7}"/>
+                <a16:creationId xmlns:a16="http://schemas.microsoft.com/office/drawing/2014/main" xmlns="" id="{E132F947-68CB-48EB-8B86-77E96CB1F4B7}"/>
               </a:ext>
             </a:extLst>
           </p:cNvPr>
@@ -2078,7 +2083,7 @@
           <p:cNvPr id="2" name="Date Placeholder 1">
             <a:extLst>
               <a:ext uri="{FF2B5EF4-FFF2-40B4-BE49-F238E27FC236}">
-                <a16:creationId xmlns:a16="http://schemas.microsoft.com/office/drawing/2014/main" id="{8BF4EBC7-7871-48AE-A86B-B496A34DAFD0}"/>
+                <a16:creationId xmlns:a16="http://schemas.microsoft.com/office/drawing/2014/main" xmlns="" id="{8BF4EBC7-7871-48AE-A86B-B496A34DAFD0}"/>
               </a:ext>
             </a:extLst>
           </p:cNvPr>
@@ -2096,7 +2101,7 @@
           <a:p>
             <a:fld id="{CE3FCA85-F18D-4136-B53A-D1BE122C06A9}" type="datetimeFigureOut">
               <a:rPr lang="en-US" smtClean="0"/>
-              <a:t>10/27/2020</a:t>
+              <a:t>10/28/2020</a:t>
             </a:fld>
             <a:endParaRPr lang="en-US"/>
           </a:p>
@@ -2107,7 +2112,7 @@
           <p:cNvPr id="3" name="Footer Placeholder 2">
             <a:extLst>
               <a:ext uri="{FF2B5EF4-FFF2-40B4-BE49-F238E27FC236}">
-                <a16:creationId xmlns:a16="http://schemas.microsoft.com/office/drawing/2014/main" id="{7AC7EA8D-9199-4C50-90C4-048CE998FB73}"/>
+                <a16:creationId xmlns:a16="http://schemas.microsoft.com/office/drawing/2014/main" xmlns="" id="{7AC7EA8D-9199-4C50-90C4-048CE998FB73}"/>
               </a:ext>
             </a:extLst>
           </p:cNvPr>
@@ -2132,7 +2137,7 @@
           <p:cNvPr id="4" name="Slide Number Placeholder 3">
             <a:extLst>
               <a:ext uri="{FF2B5EF4-FFF2-40B4-BE49-F238E27FC236}">
-                <a16:creationId xmlns:a16="http://schemas.microsoft.com/office/drawing/2014/main" id="{11BF507C-148B-4AF9-A26B-DFDB703D971F}"/>
+                <a16:creationId xmlns:a16="http://schemas.microsoft.com/office/drawing/2014/main" xmlns="" id="{11BF507C-148B-4AF9-A26B-DFDB703D971F}"/>
               </a:ext>
             </a:extLst>
           </p:cNvPr>
@@ -2191,7 +2196,7 @@
           <p:cNvPr id="2" name="Title 1">
             <a:extLst>
               <a:ext uri="{FF2B5EF4-FFF2-40B4-BE49-F238E27FC236}">
-                <a16:creationId xmlns:a16="http://schemas.microsoft.com/office/drawing/2014/main" id="{7F9A73F0-FD18-44B9-85D6-18D75562E943}"/>
+                <a16:creationId xmlns:a16="http://schemas.microsoft.com/office/drawing/2014/main" xmlns="" id="{7F9A73F0-FD18-44B9-85D6-18D75562E943}"/>
               </a:ext>
             </a:extLst>
           </p:cNvPr>
@@ -2228,7 +2233,7 @@
           <p:cNvPr id="3" name="Content Placeholder 2">
             <a:extLst>
               <a:ext uri="{FF2B5EF4-FFF2-40B4-BE49-F238E27FC236}">
-                <a16:creationId xmlns:a16="http://schemas.microsoft.com/office/drawing/2014/main" id="{18BB2694-1434-4ED5-8216-0A078904B563}"/>
+                <a16:creationId xmlns:a16="http://schemas.microsoft.com/office/drawing/2014/main" xmlns="" id="{18BB2694-1434-4ED5-8216-0A078904B563}"/>
               </a:ext>
             </a:extLst>
           </p:cNvPr>
@@ -2318,7 +2323,7 @@
           <p:cNvPr id="4" name="Text Placeholder 3">
             <a:extLst>
               <a:ext uri="{FF2B5EF4-FFF2-40B4-BE49-F238E27FC236}">
-                <a16:creationId xmlns:a16="http://schemas.microsoft.com/office/drawing/2014/main" id="{5B0324EA-FFCB-465C-A153-F047CAC31CD5}"/>
+                <a16:creationId xmlns:a16="http://schemas.microsoft.com/office/drawing/2014/main" xmlns="" id="{5B0324EA-FFCB-465C-A153-F047CAC31CD5}"/>
               </a:ext>
             </a:extLst>
           </p:cNvPr>
@@ -2389,7 +2394,7 @@
           <p:cNvPr id="5" name="Date Placeholder 4">
             <a:extLst>
               <a:ext uri="{FF2B5EF4-FFF2-40B4-BE49-F238E27FC236}">
-                <a16:creationId xmlns:a16="http://schemas.microsoft.com/office/drawing/2014/main" id="{2A8DB6DF-8E40-4A6A-9FC4-3541E0C9EFCF}"/>
+                <a16:creationId xmlns:a16="http://schemas.microsoft.com/office/drawing/2014/main" xmlns="" id="{2A8DB6DF-8E40-4A6A-9FC4-3541E0C9EFCF}"/>
               </a:ext>
             </a:extLst>
           </p:cNvPr>
@@ -2407,7 +2412,7 @@
           <a:p>
             <a:fld id="{CE3FCA85-F18D-4136-B53A-D1BE122C06A9}" type="datetimeFigureOut">
               <a:rPr lang="en-US" smtClean="0"/>
-              <a:t>10/27/2020</a:t>
+              <a:t>10/28/2020</a:t>
             </a:fld>
             <a:endParaRPr lang="en-US"/>
           </a:p>
@@ -2418,7 +2423,7 @@
           <p:cNvPr id="6" name="Footer Placeholder 5">
             <a:extLst>
               <a:ext uri="{FF2B5EF4-FFF2-40B4-BE49-F238E27FC236}">
-                <a16:creationId xmlns:a16="http://schemas.microsoft.com/office/drawing/2014/main" id="{D5B6E9CD-218E-452A-997B-B028E7C7350D}"/>
+                <a16:creationId xmlns:a16="http://schemas.microsoft.com/office/drawing/2014/main" xmlns="" id="{D5B6E9CD-218E-452A-997B-B028E7C7350D}"/>
               </a:ext>
             </a:extLst>
           </p:cNvPr>
@@ -2443,7 +2448,7 @@
           <p:cNvPr id="7" name="Slide Number Placeholder 6">
             <a:extLst>
               <a:ext uri="{FF2B5EF4-FFF2-40B4-BE49-F238E27FC236}">
-                <a16:creationId xmlns:a16="http://schemas.microsoft.com/office/drawing/2014/main" id="{41724AD9-EA6C-4757-8DCC-D256B3C605AF}"/>
+                <a16:creationId xmlns:a16="http://schemas.microsoft.com/office/drawing/2014/main" xmlns="" id="{41724AD9-EA6C-4757-8DCC-D256B3C605AF}"/>
               </a:ext>
             </a:extLst>
           </p:cNvPr>
@@ -2502,7 +2507,7 @@
           <p:cNvPr id="2" name="Title 1">
             <a:extLst>
               <a:ext uri="{FF2B5EF4-FFF2-40B4-BE49-F238E27FC236}">
-                <a16:creationId xmlns:a16="http://schemas.microsoft.com/office/drawing/2014/main" id="{43E7D86E-4674-423A-BF7F-C474023E0882}"/>
+                <a16:creationId xmlns:a16="http://schemas.microsoft.com/office/drawing/2014/main" xmlns="" id="{43E7D86E-4674-423A-BF7F-C474023E0882}"/>
               </a:ext>
             </a:extLst>
           </p:cNvPr>
@@ -2539,7 +2544,7 @@
           <p:cNvPr id="3" name="Picture Placeholder 2">
             <a:extLst>
               <a:ext uri="{FF2B5EF4-FFF2-40B4-BE49-F238E27FC236}">
-                <a16:creationId xmlns:a16="http://schemas.microsoft.com/office/drawing/2014/main" id="{744BF137-8084-473C-9558-E9EAA828F77F}"/>
+                <a16:creationId xmlns:a16="http://schemas.microsoft.com/office/drawing/2014/main" xmlns="" id="{744BF137-8084-473C-9558-E9EAA828F77F}"/>
               </a:ext>
             </a:extLst>
           </p:cNvPr>
@@ -2606,7 +2611,7 @@
           <p:cNvPr id="4" name="Text Placeholder 3">
             <a:extLst>
               <a:ext uri="{FF2B5EF4-FFF2-40B4-BE49-F238E27FC236}">
-                <a16:creationId xmlns:a16="http://schemas.microsoft.com/office/drawing/2014/main" id="{C638A63C-F15B-4BB7-9495-E618F908EE9C}"/>
+                <a16:creationId xmlns:a16="http://schemas.microsoft.com/office/drawing/2014/main" xmlns="" id="{C638A63C-F15B-4BB7-9495-E618F908EE9C}"/>
               </a:ext>
             </a:extLst>
           </p:cNvPr>
@@ -2677,7 +2682,7 @@
           <p:cNvPr id="5" name="Date Placeholder 4">
             <a:extLst>
               <a:ext uri="{FF2B5EF4-FFF2-40B4-BE49-F238E27FC236}">
-                <a16:creationId xmlns:a16="http://schemas.microsoft.com/office/drawing/2014/main" id="{CDC02E41-707A-4162-B0C5-4167D5170C71}"/>
+                <a16:creationId xmlns:a16="http://schemas.microsoft.com/office/drawing/2014/main" xmlns="" id="{CDC02E41-707A-4162-B0C5-4167D5170C71}"/>
               </a:ext>
             </a:extLst>
           </p:cNvPr>
@@ -2695,7 +2700,7 @@
           <a:p>
             <a:fld id="{CE3FCA85-F18D-4136-B53A-D1BE122C06A9}" type="datetimeFigureOut">
               <a:rPr lang="en-US" smtClean="0"/>
-              <a:t>10/27/2020</a:t>
+              <a:t>10/28/2020</a:t>
             </a:fld>
             <a:endParaRPr lang="en-US"/>
           </a:p>
@@ -2706,7 +2711,7 @@
           <p:cNvPr id="6" name="Footer Placeholder 5">
             <a:extLst>
               <a:ext uri="{FF2B5EF4-FFF2-40B4-BE49-F238E27FC236}">
-                <a16:creationId xmlns:a16="http://schemas.microsoft.com/office/drawing/2014/main" id="{E569B76D-E724-48DA-8296-E039219B8341}"/>
+                <a16:creationId xmlns:a16="http://schemas.microsoft.com/office/drawing/2014/main" xmlns="" id="{E569B76D-E724-48DA-8296-E039219B8341}"/>
               </a:ext>
             </a:extLst>
           </p:cNvPr>
@@ -2731,7 +2736,7 @@
           <p:cNvPr id="7" name="Slide Number Placeholder 6">
             <a:extLst>
               <a:ext uri="{FF2B5EF4-FFF2-40B4-BE49-F238E27FC236}">
-                <a16:creationId xmlns:a16="http://schemas.microsoft.com/office/drawing/2014/main" id="{9AFFF7E1-5D8D-455F-8C97-1D1B84DEAD2B}"/>
+                <a16:creationId xmlns:a16="http://schemas.microsoft.com/office/drawing/2014/main" xmlns="" id="{9AFFF7E1-5D8D-455F-8C97-1D1B84DEAD2B}"/>
               </a:ext>
             </a:extLst>
           </p:cNvPr>
@@ -2795,7 +2800,7 @@
           <p:cNvPr id="2" name="Title Placeholder 1">
             <a:extLst>
               <a:ext uri="{FF2B5EF4-FFF2-40B4-BE49-F238E27FC236}">
-                <a16:creationId xmlns:a16="http://schemas.microsoft.com/office/drawing/2014/main" id="{4B9D8CA1-1CF4-4B06-9FC3-F9B9BF3AC921}"/>
+                <a16:creationId xmlns:a16="http://schemas.microsoft.com/office/drawing/2014/main" xmlns="" id="{4B9D8CA1-1CF4-4B06-9FC3-F9B9BF3AC921}"/>
               </a:ext>
             </a:extLst>
           </p:cNvPr>
@@ -2833,7 +2838,7 @@
           <p:cNvPr id="3" name="Text Placeholder 2">
             <a:extLst>
               <a:ext uri="{FF2B5EF4-FFF2-40B4-BE49-F238E27FC236}">
-                <a16:creationId xmlns:a16="http://schemas.microsoft.com/office/drawing/2014/main" id="{851DFDBD-AE34-421C-9FCF-494E87347EF4}"/>
+                <a16:creationId xmlns:a16="http://schemas.microsoft.com/office/drawing/2014/main" xmlns="" id="{851DFDBD-AE34-421C-9FCF-494E87347EF4}"/>
               </a:ext>
             </a:extLst>
           </p:cNvPr>
@@ -2900,7 +2905,7 @@
           <p:cNvPr id="4" name="Date Placeholder 3">
             <a:extLst>
               <a:ext uri="{FF2B5EF4-FFF2-40B4-BE49-F238E27FC236}">
-                <a16:creationId xmlns:a16="http://schemas.microsoft.com/office/drawing/2014/main" id="{A83A1AAD-97BC-40C9-8182-33103AF2A7FA}"/>
+                <a16:creationId xmlns:a16="http://schemas.microsoft.com/office/drawing/2014/main" xmlns="" id="{A83A1AAD-97BC-40C9-8182-33103AF2A7FA}"/>
               </a:ext>
             </a:extLst>
           </p:cNvPr>
@@ -2936,7 +2941,7 @@
           <a:p>
             <a:fld id="{CE3FCA85-F18D-4136-B53A-D1BE122C06A9}" type="datetimeFigureOut">
               <a:rPr lang="en-US" smtClean="0"/>
-              <a:t>10/27/2020</a:t>
+              <a:t>10/28/2020</a:t>
             </a:fld>
             <a:endParaRPr lang="en-US"/>
           </a:p>
@@ -2947,7 +2952,7 @@
           <p:cNvPr id="5" name="Footer Placeholder 4">
             <a:extLst>
               <a:ext uri="{FF2B5EF4-FFF2-40B4-BE49-F238E27FC236}">
-                <a16:creationId xmlns:a16="http://schemas.microsoft.com/office/drawing/2014/main" id="{4AFA2789-AC8A-4DA4-90F2-CF35F8815DE7}"/>
+                <a16:creationId xmlns:a16="http://schemas.microsoft.com/office/drawing/2014/main" xmlns="" id="{4AFA2789-AC8A-4DA4-90F2-CF35F8815DE7}"/>
               </a:ext>
             </a:extLst>
           </p:cNvPr>
@@ -2990,7 +2995,7 @@
           <p:cNvPr id="6" name="Slide Number Placeholder 5">
             <a:extLst>
               <a:ext uri="{FF2B5EF4-FFF2-40B4-BE49-F238E27FC236}">
-                <a16:creationId xmlns:a16="http://schemas.microsoft.com/office/drawing/2014/main" id="{D1F1EB5C-62D7-4C72-A3F0-63C160BCCA04}"/>
+                <a16:creationId xmlns:a16="http://schemas.microsoft.com/office/drawing/2014/main" xmlns="" id="{D1F1EB5C-62D7-4C72-A3F0-63C160BCCA04}"/>
               </a:ext>
             </a:extLst>
           </p:cNvPr>
@@ -3358,7 +3363,7 @@
           <p:cNvPr id="9" name="Picture 8">
             <a:extLst>
               <a:ext uri="{FF2B5EF4-FFF2-40B4-BE49-F238E27FC236}">
-                <a16:creationId xmlns:a16="http://schemas.microsoft.com/office/drawing/2014/main" id="{CF83CA99-65CE-4897-97C7-B6EA994A0283}"/>
+                <a16:creationId xmlns:a16="http://schemas.microsoft.com/office/drawing/2014/main" xmlns="" id="{CF83CA99-65CE-4897-97C7-B6EA994A0283}"/>
               </a:ext>
             </a:extLst>
           </p:cNvPr>
@@ -3388,7 +3393,7 @@
           <p:cNvPr id="6" name="Content Placeholder 2">
             <a:extLst>
               <a:ext uri="{FF2B5EF4-FFF2-40B4-BE49-F238E27FC236}">
-                <a16:creationId xmlns:a16="http://schemas.microsoft.com/office/drawing/2014/main" id="{D812C91D-34A0-4B66-9891-E8AD3BCFDCBE}"/>
+                <a16:creationId xmlns:a16="http://schemas.microsoft.com/office/drawing/2014/main" xmlns="" id="{D812C91D-34A0-4B66-9891-E8AD3BCFDCBE}"/>
               </a:ext>
             </a:extLst>
           </p:cNvPr>
@@ -3460,7 +3465,7 @@
           <p:cNvPr id="7" name="Rectangle 1">
             <a:extLst>
               <a:ext uri="{FF2B5EF4-FFF2-40B4-BE49-F238E27FC236}">
-                <a16:creationId xmlns:a16="http://schemas.microsoft.com/office/drawing/2014/main" id="{D4283597-0576-4FB8-844A-7E3E90D3A053}"/>
+                <a16:creationId xmlns:a16="http://schemas.microsoft.com/office/drawing/2014/main" xmlns="" id="{D4283597-0576-4FB8-844A-7E3E90D3A053}"/>
               </a:ext>
             </a:extLst>
           </p:cNvPr>
@@ -3608,20 +3613,14 @@
       </p:grpSpPr>
       <p:sp>
         <p:nvSpPr>
-          <p:cNvPr id="7" name="TextBox 6">
-            <a:extLst>
-              <a:ext uri="{FF2B5EF4-FFF2-40B4-BE49-F238E27FC236}">
-                <a16:creationId xmlns:a16="http://schemas.microsoft.com/office/drawing/2014/main" id="{80BDE28C-38A3-4CF2-8A78-223AC021826F}"/>
-              </a:ext>
-            </a:extLst>
-          </p:cNvPr>
+          <p:cNvPr id="4" name="TextBox 3"/>
           <p:cNvSpPr txBox="1"/>
           <p:nvPr/>
         </p:nvSpPr>
         <p:spPr>
           <a:xfrm>
-            <a:off x="709116" y="2341041"/>
-            <a:ext cx="9741168" cy="3046988"/>
+            <a:off x="1668170" y="1112090"/>
+            <a:ext cx="8736227" cy="461665"/>
           </a:xfrm>
           <a:prstGeom prst="rect">
             <a:avLst/>
@@ -3629,23 +3628,73 @@
           <a:noFill/>
         </p:spPr>
         <p:txBody>
-          <a:bodyPr wrap="square">
+          <a:bodyPr wrap="square" rtlCol="0">
             <a:spAutoFit/>
           </a:bodyPr>
           <a:lstStyle/>
           <a:p>
-            <a:pPr marL="0" marR="0">
-              <a:spcBef>
-                <a:spcPts val="0"/>
-              </a:spcBef>
-              <a:spcAft>
-                <a:spcPts val="0"/>
-              </a:spcAft>
-            </a:pPr>
+            <a:r>
+              <a:rPr lang="en-US" sz="2400" b="1" u="sng" dirty="0" smtClean="0"/>
+              <a:t>Question:</a:t>
+            </a:r>
+            <a:endParaRPr lang="en-US" sz="2400" b="1" u="sng" dirty="0"/>
+          </a:p>
+        </p:txBody>
+      </p:sp>
+      <p:sp>
+        <p:nvSpPr>
+          <p:cNvPr id="5" name="TextBox 4"/>
+          <p:cNvSpPr txBox="1"/>
+          <p:nvPr/>
+        </p:nvSpPr>
+        <p:spPr>
+          <a:xfrm>
+            <a:off x="1668171" y="1507513"/>
+            <a:ext cx="8773298" cy="830997"/>
+          </a:xfrm>
+          <a:prstGeom prst="rect">
+            <a:avLst/>
+          </a:prstGeom>
+          <a:noFill/>
+        </p:spPr>
+        <p:txBody>
+          <a:bodyPr wrap="square" rtlCol="0">
+            <a:spAutoFit/>
+          </a:bodyPr>
+          <a:lstStyle/>
+          <a:p>
+            <a:r>
+              <a:rPr lang="en-US" sz="2400" dirty="0" smtClean="0"/>
+              <a:t>Are more asteroids posing an impact threat to Earth today then the did 15 years ago?</a:t>
+            </a:r>
+            <a:endParaRPr lang="en-US" sz="2400" dirty="0"/>
+          </a:p>
+        </p:txBody>
+      </p:sp>
+      <p:sp>
+        <p:nvSpPr>
+          <p:cNvPr id="6" name="TextBox 5"/>
+          <p:cNvSpPr txBox="1"/>
+          <p:nvPr/>
+        </p:nvSpPr>
+        <p:spPr>
+          <a:xfrm>
+            <a:off x="1668171" y="2544114"/>
+            <a:ext cx="8736227" cy="461665"/>
+          </a:xfrm>
+          <a:prstGeom prst="rect">
+            <a:avLst/>
+          </a:prstGeom>
+          <a:noFill/>
+        </p:spPr>
+        <p:txBody>
+          <a:bodyPr wrap="square" rtlCol="0">
+            <a:spAutoFit/>
+          </a:bodyPr>
+          <a:lstStyle/>
+          <a:p>
             <a:r>
               <a:rPr lang="en-US" sz="2400" b="1" u="sng" dirty="0">
-                <a:effectLst/>
-                <a:latin typeface="Calibri" panose="020F0502020204030204" pitchFamily="34" charset="0"/>
                 <a:ea typeface="Calibri" panose="020F0502020204030204" pitchFamily="34" charset="0"/>
                 <a:cs typeface="Times New Roman" panose="02020603050405020304" pitchFamily="18" charset="0"/>
               </a:rPr>
@@ -3653,128 +3702,115 @@
             </a:r>
             <a:r>
               <a:rPr lang="en-US" sz="2400" b="1" u="sng" baseline="-25000" dirty="0">
-                <a:effectLst/>
-                <a:latin typeface="Calibri" panose="020F0502020204030204" pitchFamily="34" charset="0"/>
                 <a:ea typeface="Calibri" panose="020F0502020204030204" pitchFamily="34" charset="0"/>
                 <a:cs typeface="Times New Roman" panose="02020603050405020304" pitchFamily="18" charset="0"/>
               </a:rPr>
               <a:t>o</a:t>
             </a:r>
             <a:r>
-              <a:rPr lang="en-US" sz="2400" b="1" u="sng" dirty="0">
-                <a:effectLst/>
-                <a:latin typeface="Calibri" panose="020F0502020204030204" pitchFamily="34" charset="0"/>
+              <a:rPr lang="en-US" sz="2400" b="1" u="sng" dirty="0" smtClean="0">
                 <a:ea typeface="Calibri" panose="020F0502020204030204" pitchFamily="34" charset="0"/>
                 <a:cs typeface="Times New Roman" panose="02020603050405020304" pitchFamily="18" charset="0"/>
               </a:rPr>
-              <a:t>)</a:t>
+              <a:t>):</a:t>
             </a:r>
             <a:endParaRPr lang="en-US" sz="2400" dirty="0">
-              <a:effectLst/>
-              <a:latin typeface="Calibri" panose="020F0502020204030204" pitchFamily="34" charset="0"/>
               <a:ea typeface="Calibri" panose="020F0502020204030204" pitchFamily="34" charset="0"/>
               <a:cs typeface="Times New Roman" panose="02020603050405020304" pitchFamily="18" charset="0"/>
             </a:endParaRPr>
           </a:p>
-          <a:p>
-            <a:pPr marL="0" marR="0">
-              <a:spcBef>
-                <a:spcPts val="0"/>
-              </a:spcBef>
-              <a:spcAft>
-                <a:spcPts val="0"/>
-              </a:spcAft>
-            </a:pPr>
-            <a:r>
-              <a:rPr lang="en-US" sz="2400" dirty="0">
-                <a:effectLst/>
-                <a:latin typeface="Calibri" panose="020F0502020204030204" pitchFamily="34" charset="0"/>
-                <a:ea typeface="Calibri" panose="020F0502020204030204" pitchFamily="34" charset="0"/>
-                <a:cs typeface="Times New Roman" panose="02020603050405020304" pitchFamily="18" charset="0"/>
-              </a:rPr>
-              <a:t>If the average close approaches count is unchanged per year over the last 50 years, then no changes in the average close approaches count will be seen comparing the most recent decade to the last 4 decades from now. </a:t>
-            </a:r>
-          </a:p>
-          <a:p>
-            <a:pPr marL="0" marR="0">
-              <a:spcBef>
-                <a:spcPts val="0"/>
-              </a:spcBef>
-              <a:spcAft>
-                <a:spcPts val="0"/>
-              </a:spcAft>
-            </a:pPr>
-            <a:r>
-              <a:rPr lang="en-US" sz="2400" b="1" dirty="0">
-                <a:effectLst/>
-                <a:latin typeface="Calibri" panose="020F0502020204030204" pitchFamily="34" charset="0"/>
+        </p:txBody>
+      </p:sp>
+      <p:sp>
+        <p:nvSpPr>
+          <p:cNvPr id="7" name="TextBox 6"/>
+          <p:cNvSpPr txBox="1"/>
+          <p:nvPr/>
+        </p:nvSpPr>
+        <p:spPr>
+          <a:xfrm>
+            <a:off x="1668171" y="2975912"/>
+            <a:ext cx="8736227" cy="1569660"/>
+          </a:xfrm>
+          <a:prstGeom prst="rect">
+            <a:avLst/>
+          </a:prstGeom>
+          <a:noFill/>
+        </p:spPr>
+        <p:txBody>
+          <a:bodyPr wrap="square" rtlCol="0">
+            <a:spAutoFit/>
+          </a:bodyPr>
+          <a:lstStyle/>
+          <a:p>
+            <a:r>
+              <a:rPr lang="en-US" sz="2400" dirty="0"/>
+              <a:t>If the number of asteroids posing an impact threat is unchanged per year over the last 15 years, then no changes in the number of asteroids posing an impact threat will be seen comparing the current year to the last 15 years.</a:t>
+            </a:r>
+            <a:endParaRPr lang="en-US" sz="2400" dirty="0"/>
+          </a:p>
+        </p:txBody>
+      </p:sp>
+      <p:sp>
+        <p:nvSpPr>
+          <p:cNvPr id="8" name="TextBox 7"/>
+          <p:cNvSpPr txBox="1"/>
+          <p:nvPr/>
+        </p:nvSpPr>
+        <p:spPr>
+          <a:xfrm>
+            <a:off x="1668171" y="4655752"/>
+            <a:ext cx="8736227" cy="461665"/>
+          </a:xfrm>
+          <a:prstGeom prst="rect">
+            <a:avLst/>
+          </a:prstGeom>
+          <a:noFill/>
+        </p:spPr>
+        <p:txBody>
+          <a:bodyPr wrap="square" rtlCol="0">
+            <a:spAutoFit/>
+          </a:bodyPr>
+          <a:lstStyle/>
+          <a:p>
+            <a:r>
+              <a:rPr lang="en-US" sz="2400" b="1" u="sng" dirty="0">
                 <a:ea typeface="Calibri" panose="020F0502020204030204" pitchFamily="34" charset="0"/>
                 <a:cs typeface="Times New Roman" panose="02020603050405020304" pitchFamily="18" charset="0"/>
               </a:rPr>
               <a:t>Alternative Hypothesis (H</a:t>
             </a:r>
             <a:r>
-              <a:rPr lang="en-US" sz="2400" b="1" baseline="-25000" dirty="0">
-                <a:effectLst/>
-                <a:latin typeface="Calibri" panose="020F0502020204030204" pitchFamily="34" charset="0"/>
+              <a:rPr lang="en-US" sz="2400" b="1" u="sng" baseline="-25000" dirty="0">
                 <a:ea typeface="Calibri" panose="020F0502020204030204" pitchFamily="34" charset="0"/>
                 <a:cs typeface="Times New Roman" panose="02020603050405020304" pitchFamily="18" charset="0"/>
               </a:rPr>
               <a:t>a</a:t>
             </a:r>
             <a:r>
-              <a:rPr lang="en-US" sz="2400" b="1" dirty="0">
-                <a:effectLst/>
-                <a:latin typeface="Calibri" panose="020F0502020204030204" pitchFamily="34" charset="0"/>
+              <a:rPr lang="en-US" sz="2400" b="1" u="sng" dirty="0" smtClean="0">
                 <a:ea typeface="Calibri" panose="020F0502020204030204" pitchFamily="34" charset="0"/>
                 <a:cs typeface="Times New Roman" panose="02020603050405020304" pitchFamily="18" charset="0"/>
               </a:rPr>
               <a:t>):</a:t>
             </a:r>
-            <a:endParaRPr lang="en-US" sz="2400" dirty="0">
-              <a:effectLst/>
-              <a:latin typeface="Calibri" panose="020F0502020204030204" pitchFamily="34" charset="0"/>
+            <a:endParaRPr lang="en-US" sz="2400" u="sng" dirty="0">
               <a:ea typeface="Calibri" panose="020F0502020204030204" pitchFamily="34" charset="0"/>
               <a:cs typeface="Times New Roman" panose="02020603050405020304" pitchFamily="18" charset="0"/>
             </a:endParaRPr>
           </a:p>
-          <a:p>
-            <a:pPr marL="0" marR="0">
-              <a:spcBef>
-                <a:spcPts val="0"/>
-              </a:spcBef>
-              <a:spcAft>
-                <a:spcPts val="0"/>
-              </a:spcAft>
-            </a:pPr>
-            <a:r>
-              <a:rPr lang="en-US" sz="2400" dirty="0">
-                <a:effectLst/>
-                <a:latin typeface="Calibri" panose="020F0502020204030204" pitchFamily="34" charset="0"/>
-                <a:ea typeface="Calibri" panose="020F0502020204030204" pitchFamily="34" charset="0"/>
-                <a:cs typeface="Times New Roman" panose="02020603050405020304" pitchFamily="18" charset="0"/>
-              </a:rPr>
-              <a:t>If the average close approaches count is changing per year over the last 50 years, then changes in the average close approaches count will be seen comparing the most recent decade to the last 4 decades from now.</a:t>
-            </a:r>
-          </a:p>
-        </p:txBody>
-      </p:sp>
-      <p:sp>
-        <p:nvSpPr>
-          <p:cNvPr id="9" name="TextBox 8">
-            <a:extLst>
-              <a:ext uri="{FF2B5EF4-FFF2-40B4-BE49-F238E27FC236}">
-                <a16:creationId xmlns:a16="http://schemas.microsoft.com/office/drawing/2014/main" id="{0E4D865E-3936-482F-BA42-E4CB93CE27E2}"/>
-              </a:ext>
-            </a:extLst>
-          </p:cNvPr>
+        </p:txBody>
+      </p:sp>
+      <p:sp>
+        <p:nvSpPr>
+          <p:cNvPr id="9" name="TextBox 8"/>
           <p:cNvSpPr txBox="1"/>
           <p:nvPr/>
         </p:nvSpPr>
         <p:spPr>
           <a:xfrm>
-            <a:off x="709116" y="1008307"/>
-            <a:ext cx="9741169" cy="1200329"/>
+            <a:off x="1668171" y="5073484"/>
+            <a:ext cx="8736227" cy="1569660"/>
           </a:xfrm>
           <a:prstGeom prst="rect">
             <a:avLst/>
@@ -3782,53 +3818,16 @@
           <a:noFill/>
         </p:spPr>
         <p:txBody>
-          <a:bodyPr wrap="square">
+          <a:bodyPr wrap="square" rtlCol="0">
             <a:spAutoFit/>
           </a:bodyPr>
           <a:lstStyle/>
           <a:p>
-            <a:pPr marL="0" marR="0">
-              <a:spcBef>
-                <a:spcPts val="0"/>
-              </a:spcBef>
-              <a:spcAft>
-                <a:spcPts val="0"/>
-              </a:spcAft>
-            </a:pPr>
-            <a:r>
-              <a:rPr lang="en-US" sz="2400" b="1" u="sng" dirty="0">
-                <a:effectLst/>
-                <a:latin typeface="Calibri" panose="020F0502020204030204" pitchFamily="34" charset="0"/>
-                <a:ea typeface="Calibri" panose="020F0502020204030204" pitchFamily="34" charset="0"/>
-                <a:cs typeface="Times New Roman" panose="02020603050405020304" pitchFamily="18" charset="0"/>
-              </a:rPr>
-              <a:t>Question</a:t>
-            </a:r>
-            <a:endParaRPr lang="en-US" sz="2400" dirty="0">
-              <a:effectLst/>
-              <a:latin typeface="Calibri" panose="020F0502020204030204" pitchFamily="34" charset="0"/>
-              <a:ea typeface="Calibri" panose="020F0502020204030204" pitchFamily="34" charset="0"/>
-              <a:cs typeface="Times New Roman" panose="02020603050405020304" pitchFamily="18" charset="0"/>
-            </a:endParaRPr>
-          </a:p>
-          <a:p>
-            <a:pPr marL="0" marR="0">
-              <a:spcBef>
-                <a:spcPts val="0"/>
-              </a:spcBef>
-              <a:spcAft>
-                <a:spcPts val="0"/>
-              </a:spcAft>
-            </a:pPr>
-            <a:r>
-              <a:rPr lang="en-US" sz="2400" dirty="0">
-                <a:effectLst/>
-                <a:latin typeface="Calibri" panose="020F0502020204030204" pitchFamily="34" charset="0"/>
-                <a:ea typeface="Calibri" panose="020F0502020204030204" pitchFamily="34" charset="0"/>
-                <a:cs typeface="Times New Roman" panose="02020603050405020304" pitchFamily="18" charset="0"/>
-              </a:rPr>
-              <a:t>Are inner planets receiving more close approaches on average in the recent decade they did in the last 5 decades? </a:t>
-            </a:r>
+            <a:r>
+              <a:rPr lang="en-US" sz="2400" dirty="0"/>
+              <a:t>If the number of asteroids posing an impact threat is changed per year over the last 15 years, then changes in the number of asteroids posing an impact threat will be seen comparing the current year to the last 15 years.</a:t>
+            </a:r>
+            <a:endParaRPr lang="en-US" sz="2400" dirty="0"/>
           </a:p>
         </p:txBody>
       </p:sp>
@@ -3837,7 +3836,7 @@
           <p:cNvPr id="10" name="TextBox 9">
             <a:extLst>
               <a:ext uri="{FF2B5EF4-FFF2-40B4-BE49-F238E27FC236}">
-                <a16:creationId xmlns:a16="http://schemas.microsoft.com/office/drawing/2014/main" id="{CA764E2C-B1C8-4D69-9413-3FE90BCC33C3}"/>
+                <a16:creationId xmlns:a16="http://schemas.microsoft.com/office/drawing/2014/main" xmlns="" id="{CA764E2C-B1C8-4D69-9413-3FE90BCC33C3}"/>
               </a:ext>
             </a:extLst>
           </p:cNvPr>
@@ -3846,8 +3845,8 @@
         </p:nvSpPr>
         <p:spPr>
           <a:xfrm>
-            <a:off x="3726636" y="300421"/>
-            <a:ext cx="3379451" cy="707886"/>
+            <a:off x="1668170" y="300421"/>
+            <a:ext cx="8736227" cy="707886"/>
           </a:xfrm>
           <a:prstGeom prst="rect">
             <a:avLst/>
@@ -3855,11 +3854,12 @@
           <a:noFill/>
         </p:spPr>
         <p:txBody>
-          <a:bodyPr wrap="none" rtlCol="0">
+          <a:bodyPr wrap="square" rtlCol="0">
             <a:spAutoFit/>
           </a:bodyPr>
           <a:lstStyle/>
           <a:p>
+            <a:pPr algn="ctr"/>
             <a:r>
               <a:rPr lang="en-US" sz="4000" dirty="0"/>
               <a:t>The Hypothesis</a:t>
@@ -3870,7 +3870,7 @@
     </p:spTree>
     <p:extLst>
       <p:ext uri="{BB962C8B-B14F-4D97-AF65-F5344CB8AC3E}">
-        <p14:creationId xmlns:p14="http://schemas.microsoft.com/office/powerpoint/2010/main" val="3198244767"/>
+        <p14:creationId xmlns:p14="http://schemas.microsoft.com/office/powerpoint/2010/main" val="75122623"/>
       </p:ext>
     </p:extLst>
   </p:cSld>
@@ -3902,7 +3902,7 @@
           <p:cNvPr id="2" name="Title 1">
             <a:extLst>
               <a:ext uri="{FF2B5EF4-FFF2-40B4-BE49-F238E27FC236}">
-                <a16:creationId xmlns:a16="http://schemas.microsoft.com/office/drawing/2014/main" id="{074407D1-022F-4723-8ED3-E5B5FD55D401}"/>
+                <a16:creationId xmlns:a16="http://schemas.microsoft.com/office/drawing/2014/main" xmlns="" id="{4936317F-B021-4296-8E8B-615E882C1287}"/>
               </a:ext>
             </a:extLst>
           </p:cNvPr>
@@ -3910,34 +3910,36 @@
             <a:spLocks noGrp="1"/>
           </p:cNvSpPr>
           <p:nvPr>
-            <p:ph type="ctrTitle"/>
+            <p:ph type="title"/>
           </p:nvPr>
         </p:nvSpPr>
         <p:spPr>
           <a:xfrm>
-            <a:off x="1524000" y="203880"/>
-            <a:ext cx="9144000" cy="825023"/>
+            <a:off x="838200" y="365126"/>
+            <a:ext cx="10515600" cy="536918"/>
           </a:xfrm>
         </p:spPr>
         <p:txBody>
           <a:bodyPr>
-            <a:normAutofit/>
+            <a:normAutofit fontScale="90000"/>
           </a:bodyPr>
           <a:lstStyle/>
           <a:p>
-            <a:r>
-              <a:rPr lang="en-US" sz="4400" b="1" dirty="0"/>
-              <a:t>Narrowing the Scope</a:t>
-            </a:r>
-          </a:p>
-        </p:txBody>
-      </p:sp>
-      <p:sp>
-        <p:nvSpPr>
-          <p:cNvPr id="3" name="Subtitle 2">
-            <a:extLst>
-              <a:ext uri="{FF2B5EF4-FFF2-40B4-BE49-F238E27FC236}">
-                <a16:creationId xmlns:a16="http://schemas.microsoft.com/office/drawing/2014/main" id="{0B8832C5-0114-49B6-9282-B09381785FF5}"/>
+            <a:pPr algn="ctr"/>
+            <a:r>
+              <a:rPr lang="en-US" dirty="0" smtClean="0"/>
+              <a:t>Resources</a:t>
+            </a:r>
+            <a:endParaRPr lang="en-US" dirty="0"/>
+          </a:p>
+        </p:txBody>
+      </p:sp>
+      <p:sp>
+        <p:nvSpPr>
+          <p:cNvPr id="3" name="Content Placeholder 2">
+            <a:extLst>
+              <a:ext uri="{FF2B5EF4-FFF2-40B4-BE49-F238E27FC236}">
+                <a16:creationId xmlns:a16="http://schemas.microsoft.com/office/drawing/2014/main" xmlns="" id="{97C4CF92-FA6C-4EC0-84D9-78AAEAC07E60}"/>
               </a:ext>
             </a:extLst>
           </p:cNvPr>
@@ -3945,183 +3947,110 @@
             <a:spLocks noGrp="1"/>
           </p:cNvSpPr>
           <p:nvPr>
-            <p:ph type="subTitle" idx="1"/>
+            <p:ph idx="1"/>
           </p:nvPr>
         </p:nvSpPr>
         <p:spPr>
           <a:xfrm>
-            <a:off x="950351" y="4861155"/>
-            <a:ext cx="4150321" cy="1616248"/>
-          </a:xfrm>
-        </p:spPr>
-        <p:txBody>
-          <a:bodyPr/>
-          <a:lstStyle/>
-          <a:p>
-            <a:r>
-              <a:rPr lang="en-US" dirty="0"/>
-              <a:t>Observations across outer planets are not well documented as the events are harder to obtain.</a:t>
-            </a:r>
+            <a:off x="838200" y="902044"/>
+            <a:ext cx="10515600" cy="4930345"/>
+          </a:xfrm>
+        </p:spPr>
+        <p:txBody>
+          <a:bodyPr>
+            <a:normAutofit/>
+          </a:bodyPr>
+          <a:lstStyle/>
+          <a:p>
+            <a:pPr marL="0" indent="0">
+              <a:buNone/>
+            </a:pPr>
+            <a:r>
+              <a:rPr lang="en-US" sz="2400" b="1" dirty="0" smtClean="0"/>
+              <a:t>NASA: </a:t>
+            </a:r>
+            <a:r>
+              <a:rPr lang="en-US" sz="2400" dirty="0" smtClean="0">
+                <a:hlinkClick r:id="rId2"/>
+              </a:rPr>
+              <a:t>Link</a:t>
+            </a:r>
+            <a:endParaRPr lang="en-US" sz="2400" dirty="0" smtClean="0"/>
+          </a:p>
+          <a:p>
+            <a:pPr marL="0" indent="0">
+              <a:buNone/>
+            </a:pPr>
+            <a:r>
+              <a:rPr lang="en-US" sz="2100" dirty="0" smtClean="0"/>
+              <a:t>NASA has many APIs available to the public. The one I choose is the Asteroid </a:t>
+            </a:r>
+            <a:r>
+              <a:rPr lang="en-US" sz="2100" dirty="0" err="1" smtClean="0"/>
+              <a:t>NeoWS</a:t>
+            </a:r>
+            <a:r>
+              <a:rPr lang="en-US" sz="2100" dirty="0" smtClean="0"/>
+              <a:t> API. This data contains all asteroids that have traveled within 10 Lunar Distances from Earth. Some of the data available for each asteroid in the database includes:</a:t>
+            </a:r>
+          </a:p>
+          <a:p>
+            <a:r>
+              <a:rPr lang="en-US" sz="2100" dirty="0" smtClean="0"/>
+              <a:t>ID</a:t>
+            </a:r>
+          </a:p>
+          <a:p>
+            <a:r>
+              <a:rPr lang="en-US" sz="2100" dirty="0" smtClean="0"/>
+              <a:t>Name</a:t>
+            </a:r>
+          </a:p>
+          <a:p>
+            <a:r>
+              <a:rPr lang="en-US" sz="2100" dirty="0" smtClean="0"/>
+              <a:t>Distance from Earth at Approach</a:t>
+            </a:r>
+          </a:p>
+          <a:p>
+            <a:r>
+              <a:rPr lang="en-US" sz="2100" dirty="0" smtClean="0"/>
+              <a:t>Velocity</a:t>
+            </a:r>
+          </a:p>
+          <a:p>
+            <a:r>
+              <a:rPr lang="en-US" sz="2100" dirty="0" smtClean="0"/>
+              <a:t>Whether it is potentially hazardous to Earth</a:t>
+            </a:r>
+          </a:p>
+          <a:p>
+            <a:pPr marL="0" indent="0">
+              <a:buNone/>
+            </a:pPr>
+            <a:endParaRPr lang="en-US" sz="2100" dirty="0"/>
+          </a:p>
+          <a:p>
+            <a:pPr marL="0" indent="0">
+              <a:buNone/>
+            </a:pPr>
+            <a:r>
+              <a:rPr lang="en-US" sz="2100" dirty="0" smtClean="0"/>
+              <a:t>NASA has another API (SSD/CNEOS) that contains data about near-earth objects, but this data set did not include information on whether the asteroid would be potentially hazardous to Earth.</a:t>
+            </a:r>
+          </a:p>
+          <a:p>
+            <a:endParaRPr lang="en-US" sz="2100" dirty="0" smtClean="0"/>
           </a:p>
           <a:p>
             <a:endParaRPr lang="en-US" dirty="0"/>
-          </a:p>
-        </p:txBody>
-      </p:sp>
-      <p:pic>
-        <p:nvPicPr>
-          <p:cNvPr id="5" name="Picture 4">
-            <a:extLst>
-              <a:ext uri="{FF2B5EF4-FFF2-40B4-BE49-F238E27FC236}">
-                <a16:creationId xmlns:a16="http://schemas.microsoft.com/office/drawing/2014/main" id="{7E66AE8B-C975-4EC1-92E1-A43091777A5F}"/>
-              </a:ext>
-            </a:extLst>
-          </p:cNvPr>
-          <p:cNvPicPr>
-            <a:picLocks noChangeAspect="1"/>
-          </p:cNvPicPr>
-          <p:nvPr/>
-        </p:nvPicPr>
-        <p:blipFill>
-          <a:blip r:embed="rId2">
-            <a:extLst>
-              <a:ext uri="{28A0092B-C50C-407E-A947-70E740481C1C}">
-                <a14:useLocalDpi xmlns:a14="http://schemas.microsoft.com/office/drawing/2010/main" val="0"/>
-              </a:ext>
-            </a:extLst>
-          </a:blip>
-          <a:stretch>
-            <a:fillRect/>
-          </a:stretch>
-        </p:blipFill>
-        <p:spPr>
-          <a:xfrm>
-            <a:off x="797951" y="1188721"/>
-            <a:ext cx="4618044" cy="3352799"/>
-          </a:xfrm>
-          <a:prstGeom prst="rect">
-            <a:avLst/>
-          </a:prstGeom>
-        </p:spPr>
-      </p:pic>
-      <p:pic>
-        <p:nvPicPr>
-          <p:cNvPr id="4" name="Picture 3">
-            <a:extLst>
-              <a:ext uri="{FF2B5EF4-FFF2-40B4-BE49-F238E27FC236}">
-                <a16:creationId xmlns:a16="http://schemas.microsoft.com/office/drawing/2014/main" id="{351CBEA4-F354-4943-AE1D-41F2672306D6}"/>
-              </a:ext>
-            </a:extLst>
-          </p:cNvPr>
-          <p:cNvPicPr>
-            <a:picLocks noChangeAspect="1"/>
-          </p:cNvPicPr>
-          <p:nvPr/>
-        </p:nvPicPr>
-        <p:blipFill>
-          <a:blip r:embed="rId3">
-            <a:extLst>
-              <a:ext uri="{28A0092B-C50C-407E-A947-70E740481C1C}">
-                <a14:useLocalDpi xmlns:a14="http://schemas.microsoft.com/office/drawing/2010/main" val="0"/>
-              </a:ext>
-            </a:extLst>
-          </a:blip>
-          <a:stretch>
-            <a:fillRect/>
-          </a:stretch>
-        </p:blipFill>
-        <p:spPr>
-          <a:xfrm>
-            <a:off x="5907024" y="2565243"/>
-            <a:ext cx="6168254" cy="4112169"/>
-          </a:xfrm>
-          <a:prstGeom prst="rect">
-            <a:avLst/>
-          </a:prstGeom>
-        </p:spPr>
-      </p:pic>
-      <p:sp>
-        <p:nvSpPr>
-          <p:cNvPr id="7" name="TextBox 6">
-            <a:extLst>
-              <a:ext uri="{FF2B5EF4-FFF2-40B4-BE49-F238E27FC236}">
-                <a16:creationId xmlns:a16="http://schemas.microsoft.com/office/drawing/2014/main" id="{73E92FE5-A661-49E2-9B9A-90E5B075E83D}"/>
-              </a:ext>
-            </a:extLst>
-          </p:cNvPr>
-          <p:cNvSpPr txBox="1"/>
-          <p:nvPr/>
-        </p:nvSpPr>
-        <p:spPr>
-          <a:xfrm>
-            <a:off x="6455664" y="1127531"/>
-            <a:ext cx="5376672" cy="1200329"/>
-          </a:xfrm>
-          <a:prstGeom prst="rect">
-            <a:avLst/>
-          </a:prstGeom>
-          <a:noFill/>
-        </p:spPr>
-        <p:txBody>
-          <a:bodyPr wrap="square" rtlCol="0">
-            <a:spAutoFit/>
-          </a:bodyPr>
-          <a:lstStyle/>
-          <a:p>
-            <a:pPr algn="ctr"/>
-            <a:r>
-              <a:rPr lang="en-US" b="1" dirty="0"/>
-              <a:t>Variables:</a:t>
-            </a:r>
-          </a:p>
-          <a:p>
-            <a:pPr marL="285750" indent="-285750" algn="l">
-              <a:buFont typeface="Arial" panose="020B0604020202020204" pitchFamily="34" charset="0"/>
-              <a:buChar char="•"/>
-            </a:pPr>
-            <a:r>
-              <a:rPr lang="en-US" sz="1800" b="1" dirty="0"/>
-              <a:t>Range: </a:t>
-            </a:r>
-            <a:r>
-              <a:rPr lang="en-US" sz="1800" dirty="0"/>
-              <a:t>within 21 Lunar distances; ~5,000,000 miles</a:t>
-            </a:r>
-          </a:p>
-          <a:p>
-            <a:pPr marL="285750" indent="-285750" algn="l">
-              <a:buFont typeface="Arial" panose="020B0604020202020204" pitchFamily="34" charset="0"/>
-              <a:buChar char="•"/>
-            </a:pPr>
-            <a:r>
-              <a:rPr lang="en-US" sz="1800" b="1" dirty="0"/>
-              <a:t>Date Range</a:t>
-            </a:r>
-            <a:r>
-              <a:rPr lang="en-US" sz="1800" dirty="0"/>
-              <a:t>: 1969 to 2019</a:t>
-            </a:r>
-          </a:p>
-          <a:p>
-            <a:pPr marL="285750" indent="-285750" algn="l">
-              <a:buFont typeface="Arial" panose="020B0604020202020204" pitchFamily="34" charset="0"/>
-              <a:buChar char="•"/>
-            </a:pPr>
-            <a:r>
-              <a:rPr lang="en-US" sz="1800" b="1" dirty="0"/>
-              <a:t>Inner Planets</a:t>
-            </a:r>
-            <a:r>
-              <a:rPr lang="en-US" sz="1800" dirty="0"/>
-              <a:t>: Mercury, Venus, Earth, Mars</a:t>
-            </a:r>
           </a:p>
         </p:txBody>
       </p:sp>
     </p:spTree>
     <p:extLst>
       <p:ext uri="{BB962C8B-B14F-4D97-AF65-F5344CB8AC3E}">
-        <p14:creationId xmlns:p14="http://schemas.microsoft.com/office/powerpoint/2010/main" val="2015394305"/>
+        <p14:creationId xmlns:p14="http://schemas.microsoft.com/office/powerpoint/2010/main" val="1496843639"/>
       </p:ext>
     </p:extLst>
   </p:cSld>
@@ -4153,7 +4082,7 @@
           <p:cNvPr id="2" name="Title 1">
             <a:extLst>
               <a:ext uri="{FF2B5EF4-FFF2-40B4-BE49-F238E27FC236}">
-                <a16:creationId xmlns:a16="http://schemas.microsoft.com/office/drawing/2014/main" id="{074407D1-022F-4723-8ED3-E5B5FD55D401}"/>
+                <a16:creationId xmlns:a16="http://schemas.microsoft.com/office/drawing/2014/main" xmlns="" id="{4936317F-B021-4296-8E8B-615E882C1287}"/>
               </a:ext>
             </a:extLst>
           </p:cNvPr>
@@ -4161,196 +4090,127 @@
             <a:spLocks noGrp="1"/>
           </p:cNvSpPr>
           <p:nvPr>
-            <p:ph type="ctrTitle"/>
+            <p:ph type="title"/>
           </p:nvPr>
         </p:nvSpPr>
         <p:spPr>
           <a:xfrm>
-            <a:off x="1524000" y="302508"/>
-            <a:ext cx="9144000" cy="825023"/>
+            <a:off x="838200" y="365126"/>
+            <a:ext cx="10515600" cy="536918"/>
           </a:xfrm>
         </p:spPr>
         <p:txBody>
           <a:bodyPr>
-            <a:normAutofit/>
+            <a:normAutofit fontScale="90000"/>
           </a:bodyPr>
           <a:lstStyle/>
           <a:p>
-            <a:r>
-              <a:rPr lang="en-US" sz="4400" b="1" dirty="0"/>
-              <a:t>Close Approaches with Mercury</a:t>
-            </a:r>
-          </a:p>
-        </p:txBody>
-      </p:sp>
-      <p:pic>
-        <p:nvPicPr>
-          <p:cNvPr id="5" name="Picture 4">
-            <a:extLst>
-              <a:ext uri="{FF2B5EF4-FFF2-40B4-BE49-F238E27FC236}">
-                <a16:creationId xmlns:a16="http://schemas.microsoft.com/office/drawing/2014/main" id="{13B96306-120F-4816-90BF-D3BF2F1DB026}"/>
-              </a:ext>
-            </a:extLst>
-          </p:cNvPr>
-          <p:cNvPicPr>
-            <a:picLocks noChangeAspect="1"/>
-          </p:cNvPicPr>
-          <p:nvPr/>
-        </p:nvPicPr>
-        <p:blipFill>
-          <a:blip r:embed="rId2">
-            <a:extLst>
-              <a:ext uri="{28A0092B-C50C-407E-A947-70E740481C1C}">
-                <a14:useLocalDpi xmlns:a14="http://schemas.microsoft.com/office/drawing/2010/main" val="0"/>
-              </a:ext>
-            </a:extLst>
-          </a:blip>
-          <a:stretch>
-            <a:fillRect/>
-          </a:stretch>
-        </p:blipFill>
-        <p:spPr>
-          <a:xfrm>
-            <a:off x="463296" y="1491875"/>
-            <a:ext cx="7635674" cy="4329973"/>
-          </a:xfrm>
-          <a:prstGeom prst="rect">
-            <a:avLst/>
-          </a:prstGeom>
-        </p:spPr>
-      </p:pic>
-      <p:sp>
-        <p:nvSpPr>
-          <p:cNvPr id="4" name="TextBox 3">
-            <a:extLst>
-              <a:ext uri="{FF2B5EF4-FFF2-40B4-BE49-F238E27FC236}">
-                <a16:creationId xmlns:a16="http://schemas.microsoft.com/office/drawing/2014/main" id="{95C270D9-6F59-41CD-AF21-D85C7B251649}"/>
-              </a:ext>
-            </a:extLst>
-          </p:cNvPr>
-          <p:cNvSpPr txBox="1"/>
-          <p:nvPr/>
-        </p:nvSpPr>
-        <p:spPr>
-          <a:xfrm>
-            <a:off x="8372048" y="1900267"/>
-            <a:ext cx="3468624" cy="861774"/>
-          </a:xfrm>
-          <a:prstGeom prst="rect">
-            <a:avLst/>
-          </a:prstGeom>
-          <a:noFill/>
-        </p:spPr>
-        <p:txBody>
-          <a:bodyPr wrap="square" rtlCol="0">
-            <a:spAutoFit/>
+            <a:pPr algn="ctr"/>
+            <a:r>
+              <a:rPr lang="en-US" dirty="0" smtClean="0"/>
+              <a:t>Challenges in Gathering Data</a:t>
+            </a:r>
+            <a:endParaRPr lang="en-US" dirty="0"/>
+          </a:p>
+        </p:txBody>
+      </p:sp>
+      <p:sp>
+        <p:nvSpPr>
+          <p:cNvPr id="3" name="Content Placeholder 2">
+            <a:extLst>
+              <a:ext uri="{FF2B5EF4-FFF2-40B4-BE49-F238E27FC236}">
+                <a16:creationId xmlns:a16="http://schemas.microsoft.com/office/drawing/2014/main" xmlns="" id="{97C4CF92-FA6C-4EC0-84D9-78AAEAC07E60}"/>
+              </a:ext>
+            </a:extLst>
+          </p:cNvPr>
+          <p:cNvSpPr>
+            <a:spLocks noGrp="1"/>
+          </p:cNvSpPr>
+          <p:nvPr>
+            <p:ph idx="1"/>
+          </p:nvPr>
+        </p:nvSpPr>
+        <p:spPr>
+          <a:xfrm>
+            <a:off x="838200" y="1136827"/>
+            <a:ext cx="10515600" cy="5152762"/>
+          </a:xfrm>
+        </p:spPr>
+        <p:txBody>
+          <a:bodyPr>
+            <a:normAutofit fontScale="92500"/>
           </a:bodyPr>
           <a:lstStyle/>
           <a:p>
-            <a:r>
-              <a:rPr lang="en-US" b="1" dirty="0"/>
-              <a:t>Statistical Values:</a:t>
-            </a:r>
-          </a:p>
-          <a:p>
-            <a:pPr marL="285750" indent="-285750">
-              <a:buFont typeface="Arial" panose="020B0604020202020204" pitchFamily="34" charset="0"/>
-              <a:buChar char="•"/>
+            <a:pPr marL="0" indent="0">
+              <a:buNone/>
             </a:pPr>
             <a:r>
-              <a:rPr lang="en-US" sz="1600" b="1" dirty="0"/>
-              <a:t>P Value</a:t>
-            </a:r>
-            <a:r>
-              <a:rPr lang="en-US" sz="1600" dirty="0"/>
-              <a:t>: 0.070729</a:t>
-            </a:r>
-          </a:p>
-          <a:p>
-            <a:pPr marL="285750" indent="-285750">
-              <a:buFont typeface="Arial" panose="020B0604020202020204" pitchFamily="34" charset="0"/>
-              <a:buChar char="•"/>
-            </a:pPr>
-            <a:r>
-              <a:rPr lang="en-US" sz="1600" b="1" dirty="0"/>
-              <a:t>Correlation Coefficient</a:t>
-            </a:r>
-            <a:r>
-              <a:rPr lang="en-US" sz="1600" dirty="0"/>
-              <a:t>: 0.065116</a:t>
-            </a:r>
-          </a:p>
-        </p:txBody>
-      </p:sp>
-      <p:sp>
-        <p:nvSpPr>
-          <p:cNvPr id="6" name="TextBox 5">
-            <a:extLst>
-              <a:ext uri="{FF2B5EF4-FFF2-40B4-BE49-F238E27FC236}">
-                <a16:creationId xmlns:a16="http://schemas.microsoft.com/office/drawing/2014/main" id="{CC041F36-EE45-4B8E-B8B0-58793661CF2C}"/>
-              </a:ext>
-            </a:extLst>
-          </p:cNvPr>
-          <p:cNvSpPr txBox="1"/>
-          <p:nvPr/>
-        </p:nvSpPr>
-        <p:spPr>
-          <a:xfrm>
-            <a:off x="8384240" y="3218651"/>
-            <a:ext cx="3456432" cy="1107996"/>
-          </a:xfrm>
-          <a:prstGeom prst="rect">
-            <a:avLst/>
-          </a:prstGeom>
-          <a:noFill/>
-        </p:spPr>
-        <p:txBody>
-          <a:bodyPr wrap="square" rtlCol="0">
-            <a:spAutoFit/>
-          </a:bodyPr>
-          <a:lstStyle/>
-          <a:p>
-            <a:r>
-              <a:rPr lang="en-US" b="1" dirty="0"/>
-              <a:t>Statistical Analysis</a:t>
-            </a:r>
-          </a:p>
-          <a:p>
-            <a:pPr marL="285750" indent="-285750">
-              <a:buFont typeface="Arial" panose="020B0604020202020204" pitchFamily="34" charset="0"/>
-              <a:buChar char="•"/>
-            </a:pPr>
-            <a:r>
-              <a:rPr lang="en-US" sz="1600" dirty="0"/>
-              <a:t>Cannot Reject the Null Hypothesis</a:t>
-            </a:r>
-          </a:p>
-          <a:p>
-            <a:pPr marL="285750" indent="-285750">
-              <a:buFont typeface="Arial" panose="020B0604020202020204" pitchFamily="34" charset="0"/>
-              <a:buChar char="•"/>
-            </a:pPr>
-            <a:r>
-              <a:rPr lang="en-US" sz="1600" dirty="0"/>
-              <a:t>There is a very weak positive </a:t>
-            </a:r>
-          </a:p>
-          <a:p>
-            <a:pPr marL="285750" indent="-285750">
-              <a:buFont typeface="Arial" panose="020B0604020202020204" pitchFamily="34" charset="0"/>
-              <a:buChar char="•"/>
-            </a:pPr>
-            <a:r>
-              <a:rPr lang="en-US" sz="1600" dirty="0"/>
-              <a:t>correlation occurring.</a:t>
-            </a:r>
+              <a:rPr lang="en-US" sz="2100" dirty="0" smtClean="0"/>
+              <a:t>While working to gather the necessary data from the Asteroid </a:t>
+            </a:r>
+            <a:r>
+              <a:rPr lang="en-US" sz="2100" dirty="0" err="1" smtClean="0"/>
+              <a:t>NeoWS</a:t>
+            </a:r>
+            <a:r>
+              <a:rPr lang="en-US" sz="2100" dirty="0" smtClean="0"/>
+              <a:t> API, I experienced the following challenges.</a:t>
+            </a:r>
+          </a:p>
+          <a:p>
+            <a:r>
+              <a:rPr lang="en-US" sz="2100" dirty="0" smtClean="0"/>
+              <a:t>A user is limited to 1,000 API requests in a 24-hour period.</a:t>
+            </a:r>
+          </a:p>
+          <a:p>
+            <a:r>
+              <a:rPr lang="en-US" sz="2100" dirty="0" smtClean="0"/>
+              <a:t>Each request to the API is limited to a 7-day date range. In order to gather enough data for an analysis I had to create a loop that would pass a 7-day date range to the API for a span of 15 years. That works out to 825 requests.</a:t>
+            </a:r>
+          </a:p>
+          <a:p>
+            <a:r>
+              <a:rPr lang="en-US" sz="2100" dirty="0" smtClean="0"/>
+              <a:t>Data returned in the request is organized by date. This posed the challenge of creating a loop that would run through each date in the response in order to gather data for each asteroid observed.</a:t>
+            </a:r>
+          </a:p>
+          <a:p>
+            <a:r>
+              <a:rPr lang="en-US" sz="2100" dirty="0" smtClean="0"/>
+              <a:t>The data set for each date in the response was organized with multiple levels of lists nested inside dictionaries. This required me to have several nested For loops which added to the complexity of keeping the code clean.</a:t>
+            </a:r>
+          </a:p>
+          <a:p>
+            <a:r>
+              <a:rPr lang="en-US" sz="2100" dirty="0" smtClean="0"/>
+              <a:t>I found the best way to keep my code clean was to break it down into functions. While I was able to see data being returned from the API, I could not figure out how to pass the lists of data from one function to another in order to create a </a:t>
+            </a:r>
+            <a:r>
+              <a:rPr lang="en-US" sz="2100" dirty="0" err="1" smtClean="0"/>
+              <a:t>dataframe</a:t>
+            </a:r>
+            <a:r>
+              <a:rPr lang="en-US" sz="2100" dirty="0" smtClean="0"/>
+              <a:t>.</a:t>
+            </a:r>
+          </a:p>
+          <a:p>
+            <a:r>
+              <a:rPr lang="en-US" sz="2100" dirty="0" smtClean="0"/>
+              <a:t>Due to the complexity in the organization of the response object, I was not able to determine how to write the data to a .csv file which would have allowed me to analyze the data.</a:t>
+            </a:r>
+          </a:p>
+          <a:p>
+            <a:endParaRPr lang="en-US" dirty="0"/>
           </a:p>
         </p:txBody>
       </p:sp>
     </p:spTree>
     <p:extLst>
       <p:ext uri="{BB962C8B-B14F-4D97-AF65-F5344CB8AC3E}">
-        <p14:creationId xmlns:p14="http://schemas.microsoft.com/office/powerpoint/2010/main" val="2798718843"/>
+        <p14:creationId xmlns:p14="http://schemas.microsoft.com/office/powerpoint/2010/main" val="1181399351"/>
       </p:ext>
     </p:extLst>
   </p:cSld>
@@ -4382,7 +4242,7 @@
           <p:cNvPr id="2" name="Title 1">
             <a:extLst>
               <a:ext uri="{FF2B5EF4-FFF2-40B4-BE49-F238E27FC236}">
-                <a16:creationId xmlns:a16="http://schemas.microsoft.com/office/drawing/2014/main" id="{074407D1-022F-4723-8ED3-E5B5FD55D401}"/>
+                <a16:creationId xmlns:a16="http://schemas.microsoft.com/office/drawing/2014/main" xmlns="" id="{4936317F-B021-4296-8E8B-615E882C1287}"/>
               </a:ext>
             </a:extLst>
           </p:cNvPr>
@@ -4390,13 +4250,50 @@
             <a:spLocks noGrp="1"/>
           </p:cNvSpPr>
           <p:nvPr>
-            <p:ph type="ctrTitle"/>
+            <p:ph type="title"/>
           </p:nvPr>
         </p:nvSpPr>
         <p:spPr>
           <a:xfrm>
-            <a:off x="1524000" y="302508"/>
-            <a:ext cx="9144000" cy="825023"/>
+            <a:off x="838200" y="365126"/>
+            <a:ext cx="10515600" cy="536918"/>
+          </a:xfrm>
+        </p:spPr>
+        <p:txBody>
+          <a:bodyPr>
+            <a:normAutofit fontScale="90000"/>
+          </a:bodyPr>
+          <a:lstStyle/>
+          <a:p>
+            <a:pPr algn="ctr"/>
+            <a:r>
+              <a:rPr lang="en-US" dirty="0" smtClean="0"/>
+              <a:t>Planned Analysis</a:t>
+            </a:r>
+            <a:endParaRPr lang="en-US" dirty="0"/>
+          </a:p>
+        </p:txBody>
+      </p:sp>
+      <p:sp>
+        <p:nvSpPr>
+          <p:cNvPr id="3" name="Content Placeholder 2">
+            <a:extLst>
+              <a:ext uri="{FF2B5EF4-FFF2-40B4-BE49-F238E27FC236}">
+                <a16:creationId xmlns:a16="http://schemas.microsoft.com/office/drawing/2014/main" xmlns="" id="{97C4CF92-FA6C-4EC0-84D9-78AAEAC07E60}"/>
+              </a:ext>
+            </a:extLst>
+          </p:cNvPr>
+          <p:cNvSpPr>
+            <a:spLocks noGrp="1"/>
+          </p:cNvSpPr>
+          <p:nvPr>
+            <p:ph idx="1"/>
+          </p:nvPr>
+        </p:nvSpPr>
+        <p:spPr>
+          <a:xfrm>
+            <a:off x="838200" y="1136827"/>
+            <a:ext cx="10515600" cy="4707919"/>
           </a:xfrm>
         </p:spPr>
         <p:txBody>
@@ -4405,183 +4302,72 @@
           </a:bodyPr>
           <a:lstStyle/>
           <a:p>
-            <a:r>
-              <a:rPr lang="en-US" sz="4400" b="1" dirty="0"/>
-              <a:t>Close Approaches with Venus</a:t>
-            </a:r>
-          </a:p>
-        </p:txBody>
-      </p:sp>
-      <p:pic>
-        <p:nvPicPr>
-          <p:cNvPr id="6" name="Picture 5">
-            <a:extLst>
-              <a:ext uri="{FF2B5EF4-FFF2-40B4-BE49-F238E27FC236}">
-                <a16:creationId xmlns:a16="http://schemas.microsoft.com/office/drawing/2014/main" id="{A5E4FA7F-6AC5-4CB3-8623-69D03D59D2E1}"/>
-              </a:ext>
-            </a:extLst>
-          </p:cNvPr>
-          <p:cNvPicPr>
-            <a:picLocks noChangeAspect="1"/>
-          </p:cNvPicPr>
-          <p:nvPr/>
-        </p:nvPicPr>
-        <p:blipFill>
-          <a:blip r:embed="rId2">
-            <a:extLst>
-              <a:ext uri="{28A0092B-C50C-407E-A947-70E740481C1C}">
-                <a14:useLocalDpi xmlns:a14="http://schemas.microsoft.com/office/drawing/2010/main" val="0"/>
-              </a:ext>
-            </a:extLst>
-          </a:blip>
-          <a:stretch>
-            <a:fillRect/>
-          </a:stretch>
-        </p:blipFill>
-        <p:spPr>
-          <a:xfrm>
-            <a:off x="371857" y="1234439"/>
-            <a:ext cx="8187425" cy="4139993"/>
-          </a:xfrm>
-          <a:prstGeom prst="rect">
-            <a:avLst/>
-          </a:prstGeom>
-        </p:spPr>
-      </p:pic>
-      <p:sp>
-        <p:nvSpPr>
-          <p:cNvPr id="4" name="TextBox 3">
-            <a:extLst>
-              <a:ext uri="{FF2B5EF4-FFF2-40B4-BE49-F238E27FC236}">
-                <a16:creationId xmlns:a16="http://schemas.microsoft.com/office/drawing/2014/main" id="{B1F06323-06A9-4982-8FDA-5356D2499146}"/>
-              </a:ext>
-            </a:extLst>
-          </p:cNvPr>
-          <p:cNvSpPr txBox="1"/>
-          <p:nvPr/>
-        </p:nvSpPr>
-        <p:spPr>
-          <a:xfrm>
-            <a:off x="8723376" y="1824135"/>
-            <a:ext cx="3468624" cy="861774"/>
-          </a:xfrm>
-          <a:prstGeom prst="rect">
-            <a:avLst/>
-          </a:prstGeom>
-          <a:noFill/>
-        </p:spPr>
-        <p:txBody>
-          <a:bodyPr wrap="square" rtlCol="0">
-            <a:spAutoFit/>
-          </a:bodyPr>
-          <a:lstStyle/>
-          <a:p>
-            <a:r>
-              <a:rPr lang="en-US" b="1" dirty="0"/>
-              <a:t>Statistical Values:</a:t>
-            </a:r>
-          </a:p>
-          <a:p>
-            <a:pPr marL="285750" indent="-285750">
-              <a:buFont typeface="Arial" panose="020B0604020202020204" pitchFamily="34" charset="0"/>
-              <a:buChar char="•"/>
+            <a:pPr marL="0" indent="0">
+              <a:buNone/>
             </a:pPr>
             <a:r>
-              <a:rPr lang="en-US" sz="1600" b="1" dirty="0"/>
-              <a:t>P Value</a:t>
-            </a:r>
-            <a:r>
-              <a:rPr lang="en-US" sz="1600" dirty="0"/>
-              <a:t>: 0.000970</a:t>
-            </a:r>
-          </a:p>
-          <a:p>
-            <a:pPr marL="285750" indent="-285750">
-              <a:buFont typeface="Arial" panose="020B0604020202020204" pitchFamily="34" charset="0"/>
-              <a:buChar char="•"/>
-            </a:pPr>
-            <a:r>
-              <a:rPr lang="en-US" sz="1600" b="1" dirty="0"/>
-              <a:t>Correlation Coefficient</a:t>
-            </a:r>
-            <a:r>
-              <a:rPr lang="en-US" sz="1600" dirty="0"/>
-              <a:t>: 0.200959</a:t>
-            </a:r>
-          </a:p>
-        </p:txBody>
-      </p:sp>
-      <p:sp>
-        <p:nvSpPr>
-          <p:cNvPr id="5" name="TextBox 4">
-            <a:extLst>
-              <a:ext uri="{FF2B5EF4-FFF2-40B4-BE49-F238E27FC236}">
-                <a16:creationId xmlns:a16="http://schemas.microsoft.com/office/drawing/2014/main" id="{8BE5CE07-4EA2-4F4D-85D3-394BCC0A68A2}"/>
-              </a:ext>
-            </a:extLst>
-          </p:cNvPr>
-          <p:cNvSpPr txBox="1"/>
-          <p:nvPr/>
-        </p:nvSpPr>
-        <p:spPr>
-          <a:xfrm>
-            <a:off x="8723376" y="2825075"/>
-            <a:ext cx="4791456" cy="1354217"/>
-          </a:xfrm>
-          <a:prstGeom prst="rect">
-            <a:avLst/>
-          </a:prstGeom>
-          <a:noFill/>
-        </p:spPr>
-        <p:txBody>
-          <a:bodyPr wrap="square" rtlCol="0">
-            <a:spAutoFit/>
-          </a:bodyPr>
-          <a:lstStyle/>
-          <a:p>
-            <a:r>
-              <a:rPr lang="en-US" b="1" dirty="0"/>
-              <a:t>Statistical Analysis</a:t>
-            </a:r>
-          </a:p>
-          <a:p>
-            <a:pPr marL="285750" indent="-285750">
-              <a:buFont typeface="Arial" panose="020B0604020202020204" pitchFamily="34" charset="0"/>
-              <a:buChar char="•"/>
-            </a:pPr>
-            <a:r>
-              <a:rPr lang="en-US" sz="1600" dirty="0"/>
-              <a:t>Significant enough to Reject </a:t>
-            </a:r>
-          </a:p>
-          <a:p>
-            <a:r>
-              <a:rPr lang="en-US" sz="1600" dirty="0"/>
-              <a:t>      the Null Hypothesis</a:t>
-            </a:r>
-          </a:p>
-          <a:p>
-            <a:pPr marL="285750" indent="-285750">
-              <a:buFont typeface="Arial" panose="020B0604020202020204" pitchFamily="34" charset="0"/>
-              <a:buChar char="•"/>
-            </a:pPr>
-            <a:r>
-              <a:rPr lang="en-US" sz="1600" dirty="0"/>
-              <a:t>There is a weak positive </a:t>
-            </a:r>
-          </a:p>
-          <a:p>
-            <a:r>
-              <a:rPr lang="en-US" sz="1600" dirty="0"/>
-              <a:t>       correlation occurring.</a:t>
-            </a:r>
+              <a:rPr lang="en-US" sz="2100" dirty="0" smtClean="0"/>
+              <a:t>In the analysis of the data I wanted to gather I planned to complete the following for the time period of 1/1/2005 to 10/24/2020:</a:t>
+            </a:r>
+          </a:p>
+          <a:p>
+            <a:r>
+              <a:rPr lang="en-US" sz="2100" dirty="0" smtClean="0"/>
+              <a:t>Find number of asteroids determined hazardous over the past 15 years</a:t>
+            </a:r>
+          </a:p>
+          <a:p>
+            <a:r>
+              <a:rPr lang="en-US" sz="2100" dirty="0" smtClean="0"/>
+              <a:t>Find the number of asteroids labeled not hazardous</a:t>
+            </a:r>
+            <a:r>
+              <a:rPr lang="en-US" sz="2100" dirty="0"/>
+              <a:t> over the past 15 </a:t>
+            </a:r>
+            <a:r>
+              <a:rPr lang="en-US" sz="2100" dirty="0" smtClean="0"/>
+              <a:t>years</a:t>
+            </a:r>
+          </a:p>
+          <a:p>
+            <a:r>
+              <a:rPr lang="en-US" sz="2100" dirty="0"/>
+              <a:t>Find the mean of asteroids observed each year (2005 to 2020). This would also include the mean of the asteroids labeled hazardous and not hazardous</a:t>
+            </a:r>
+            <a:endParaRPr lang="en-US" sz="2100" dirty="0" smtClean="0"/>
+          </a:p>
+          <a:p>
+            <a:r>
+              <a:rPr lang="en-US" sz="2100" dirty="0" smtClean="0"/>
+              <a:t>Compare the number of asteroids observed in 2005 and 2006 that were labeled hazardous to the number of asteroids observed in 2019 and 2020 that were labeled hazardous.</a:t>
+            </a:r>
+          </a:p>
+          <a:p>
+            <a:r>
+              <a:rPr lang="en-US" sz="2100" dirty="0" smtClean="0"/>
+              <a:t>Determine if there is an increase in the number of asteroids being labeled hazardous</a:t>
+            </a:r>
+          </a:p>
+          <a:p>
+            <a:r>
+              <a:rPr lang="en-US" sz="2100" dirty="0" smtClean="0"/>
+              <a:t>Determine if there is an increate in the number of asteroids being labeled not hazardous</a:t>
+            </a:r>
+          </a:p>
+          <a:p>
+            <a:r>
+              <a:rPr lang="en-US" sz="2100" dirty="0" smtClean="0"/>
+              <a:t>Determine if the data supports or rejects the Null hypothesis</a:t>
+            </a:r>
+            <a:endParaRPr lang="en-US" dirty="0"/>
           </a:p>
         </p:txBody>
       </p:sp>
     </p:spTree>
     <p:extLst>
       <p:ext uri="{BB962C8B-B14F-4D97-AF65-F5344CB8AC3E}">
-        <p14:creationId xmlns:p14="http://schemas.microsoft.com/office/powerpoint/2010/main" val="3418233853"/>
+        <p14:creationId xmlns:p14="http://schemas.microsoft.com/office/powerpoint/2010/main" val="335400199"/>
       </p:ext>
     </p:extLst>
   </p:cSld>
@@ -4610,10 +4396,10 @@
       </p:grpSpPr>
       <p:sp>
         <p:nvSpPr>
-          <p:cNvPr id="2" name="Title 1">
-            <a:extLst>
-              <a:ext uri="{FF2B5EF4-FFF2-40B4-BE49-F238E27FC236}">
-                <a16:creationId xmlns:a16="http://schemas.microsoft.com/office/drawing/2014/main" id="{074407D1-022F-4723-8ED3-E5B5FD55D401}"/>
+          <p:cNvPr id="4" name="Title 1">
+            <a:extLst>
+              <a:ext uri="{FF2B5EF4-FFF2-40B4-BE49-F238E27FC236}">
+                <a16:creationId xmlns:a16="http://schemas.microsoft.com/office/drawing/2014/main" xmlns="" id="{573D67AD-7A43-4613-BB13-2BD8681EB502}"/>
               </a:ext>
             </a:extLst>
           </p:cNvPr>
@@ -4621,13 +4407,13 @@
             <a:spLocks noGrp="1"/>
           </p:cNvSpPr>
           <p:nvPr>
-            <p:ph type="ctrTitle"/>
+            <p:ph type="title"/>
           </p:nvPr>
         </p:nvSpPr>
         <p:spPr>
           <a:xfrm>
-            <a:off x="1524000" y="302508"/>
-            <a:ext cx="9144000" cy="825023"/>
+            <a:off x="1940010" y="2374932"/>
+            <a:ext cx="8155460" cy="1307382"/>
           </a:xfrm>
         </p:spPr>
         <p:txBody>
@@ -4636,181 +4422,27 @@
           </a:bodyPr>
           <a:lstStyle/>
           <a:p>
-            <a:r>
-              <a:rPr lang="en-US" sz="4400" b="1" dirty="0"/>
-              <a:t>Close Approaches with Mars</a:t>
-            </a:r>
-          </a:p>
-        </p:txBody>
-      </p:sp>
-      <p:pic>
-        <p:nvPicPr>
-          <p:cNvPr id="5" name="Picture 4">
-            <a:extLst>
-              <a:ext uri="{FF2B5EF4-FFF2-40B4-BE49-F238E27FC236}">
-                <a16:creationId xmlns:a16="http://schemas.microsoft.com/office/drawing/2014/main" id="{C343577E-1783-4620-8A22-6F381A39D608}"/>
-              </a:ext>
-            </a:extLst>
-          </p:cNvPr>
-          <p:cNvPicPr>
-            <a:picLocks noChangeAspect="1"/>
-          </p:cNvPicPr>
-          <p:nvPr/>
-        </p:nvPicPr>
-        <p:blipFill>
-          <a:blip r:embed="rId2">
-            <a:extLst>
-              <a:ext uri="{28A0092B-C50C-407E-A947-70E740481C1C}">
-                <a14:useLocalDpi xmlns:a14="http://schemas.microsoft.com/office/drawing/2010/main" val="0"/>
-              </a:ext>
-            </a:extLst>
-          </a:blip>
-          <a:stretch>
-            <a:fillRect/>
-          </a:stretch>
-        </p:blipFill>
-        <p:spPr>
-          <a:xfrm>
-            <a:off x="390144" y="1675996"/>
-            <a:ext cx="7815072" cy="3506008"/>
-          </a:xfrm>
-          <a:prstGeom prst="rect">
-            <a:avLst/>
-          </a:prstGeom>
-        </p:spPr>
-      </p:pic>
-      <p:sp>
-        <p:nvSpPr>
-          <p:cNvPr id="4" name="TextBox 3">
-            <a:extLst>
-              <a:ext uri="{FF2B5EF4-FFF2-40B4-BE49-F238E27FC236}">
-                <a16:creationId xmlns:a16="http://schemas.microsoft.com/office/drawing/2014/main" id="{C828555D-73C1-4C95-A363-344B2966C4FD}"/>
-              </a:ext>
-            </a:extLst>
-          </p:cNvPr>
-          <p:cNvSpPr txBox="1"/>
-          <p:nvPr/>
-        </p:nvSpPr>
-        <p:spPr>
-          <a:xfrm>
-            <a:off x="8577072" y="1782340"/>
-            <a:ext cx="3468624" cy="861774"/>
-          </a:xfrm>
-          <a:prstGeom prst="rect">
-            <a:avLst/>
-          </a:prstGeom>
-          <a:noFill/>
-        </p:spPr>
-        <p:txBody>
-          <a:bodyPr wrap="square" rtlCol="0">
-            <a:spAutoFit/>
-          </a:bodyPr>
-          <a:lstStyle/>
-          <a:p>
-            <a:r>
-              <a:rPr lang="en-US" b="1" dirty="0"/>
-              <a:t>Statistical Values:</a:t>
-            </a:r>
-          </a:p>
-          <a:p>
-            <a:pPr marL="285750" indent="-285750">
-              <a:buFont typeface="Arial" panose="020B0604020202020204" pitchFamily="34" charset="0"/>
-              <a:buChar char="•"/>
-            </a:pPr>
-            <a:r>
-              <a:rPr lang="en-US" sz="1600" b="1" dirty="0"/>
-              <a:t>P Value</a:t>
-            </a:r>
-            <a:r>
-              <a:rPr lang="en-US" sz="1600" dirty="0"/>
-              <a:t>: 0.005003</a:t>
-            </a:r>
-          </a:p>
-          <a:p>
-            <a:pPr marL="285750" indent="-285750">
-              <a:buFont typeface="Arial" panose="020B0604020202020204" pitchFamily="34" charset="0"/>
-              <a:buChar char="•"/>
-            </a:pPr>
-            <a:r>
-              <a:rPr lang="en-US" sz="1600" b="1" dirty="0"/>
-              <a:t>Correlation Coefficient</a:t>
-            </a:r>
-            <a:r>
-              <a:rPr lang="en-US" sz="1600" dirty="0"/>
-              <a:t>: 0.149908</a:t>
-            </a:r>
-          </a:p>
-        </p:txBody>
-      </p:sp>
-      <p:sp>
-        <p:nvSpPr>
-          <p:cNvPr id="7" name="TextBox 6">
-            <a:extLst>
-              <a:ext uri="{FF2B5EF4-FFF2-40B4-BE49-F238E27FC236}">
-                <a16:creationId xmlns:a16="http://schemas.microsoft.com/office/drawing/2014/main" id="{555F485D-4E93-4167-9B7B-267109B76F49}"/>
-              </a:ext>
-            </a:extLst>
-          </p:cNvPr>
-          <p:cNvSpPr txBox="1"/>
-          <p:nvPr/>
-        </p:nvSpPr>
-        <p:spPr>
-          <a:xfrm>
-            <a:off x="8522208" y="3127211"/>
-            <a:ext cx="3456432" cy="1107996"/>
-          </a:xfrm>
-          <a:prstGeom prst="rect">
-            <a:avLst/>
-          </a:prstGeom>
-          <a:noFill/>
-        </p:spPr>
-        <p:txBody>
-          <a:bodyPr wrap="square" rtlCol="0">
-            <a:spAutoFit/>
-          </a:bodyPr>
-          <a:lstStyle/>
-          <a:p>
-            <a:r>
-              <a:rPr lang="en-US" b="1" dirty="0"/>
-              <a:t>Statistical Analysis</a:t>
-            </a:r>
-          </a:p>
-          <a:p>
-            <a:pPr marL="285750" indent="-285750">
-              <a:buFont typeface="Arial" panose="020B0604020202020204" pitchFamily="34" charset="0"/>
-              <a:buChar char="•"/>
-            </a:pPr>
-            <a:r>
-              <a:rPr lang="en-US" sz="1600" dirty="0"/>
-              <a:t>Can Reject the Null Hypothesis</a:t>
-            </a:r>
-          </a:p>
-          <a:p>
-            <a:pPr marL="285750" indent="-285750">
-              <a:buFont typeface="Arial" panose="020B0604020202020204" pitchFamily="34" charset="0"/>
-              <a:buChar char="•"/>
-            </a:pPr>
-            <a:r>
-              <a:rPr lang="en-US" sz="1600" dirty="0"/>
-              <a:t>There is a very weak positive </a:t>
-            </a:r>
-          </a:p>
-          <a:p>
-            <a:pPr marL="285750" indent="-285750">
-              <a:buFont typeface="Arial" panose="020B0604020202020204" pitchFamily="34" charset="0"/>
-              <a:buChar char="•"/>
-            </a:pPr>
-            <a:r>
-              <a:rPr lang="en-US" sz="1600" dirty="0"/>
-              <a:t>correlation occurring.</a:t>
-            </a:r>
+            <a:pPr algn="ctr"/>
+            <a:r>
+              <a:rPr lang="en-US" dirty="0" smtClean="0"/>
+              <a:t>Analysis </a:t>
+            </a:r>
+            <a:r>
+              <a:rPr lang="en-US" sz="4000" dirty="0" smtClean="0"/>
+              <a:t>of</a:t>
+            </a:r>
+            <a:r>
+              <a:rPr lang="en-US" dirty="0" smtClean="0"/>
+              <a:t> Asteroids and the Inner Planets</a:t>
+            </a:r>
+            <a:endParaRPr lang="en-US" dirty="0"/>
           </a:p>
         </p:txBody>
       </p:sp>
     </p:spTree>
     <p:extLst>
       <p:ext uri="{BB962C8B-B14F-4D97-AF65-F5344CB8AC3E}">
-        <p14:creationId xmlns:p14="http://schemas.microsoft.com/office/powerpoint/2010/main" val="2918823092"/>
+        <p14:creationId xmlns:p14="http://schemas.microsoft.com/office/powerpoint/2010/main" val="1722060746"/>
       </p:ext>
     </p:extLst>
   </p:cSld>
@@ -4839,81 +4471,10 @@
       </p:grpSpPr>
       <p:sp>
         <p:nvSpPr>
-          <p:cNvPr id="2" name="Title 1">
-            <a:extLst>
-              <a:ext uri="{FF2B5EF4-FFF2-40B4-BE49-F238E27FC236}">
-                <a16:creationId xmlns:a16="http://schemas.microsoft.com/office/drawing/2014/main" id="{074407D1-022F-4723-8ED3-E5B5FD55D401}"/>
-              </a:ext>
-            </a:extLst>
-          </p:cNvPr>
-          <p:cNvSpPr>
-            <a:spLocks noGrp="1"/>
-          </p:cNvSpPr>
-          <p:nvPr>
-            <p:ph type="ctrTitle"/>
-          </p:nvPr>
-        </p:nvSpPr>
-        <p:spPr>
-          <a:xfrm>
-            <a:off x="1524000" y="302508"/>
-            <a:ext cx="9144000" cy="825023"/>
-          </a:xfrm>
-        </p:spPr>
-        <p:txBody>
-          <a:bodyPr>
-            <a:normAutofit/>
-          </a:bodyPr>
-          <a:lstStyle/>
-          <a:p>
-            <a:r>
-              <a:rPr lang="en-US" sz="4400" b="1" dirty="0"/>
-              <a:t>Close Approaches with Earth</a:t>
-            </a:r>
-          </a:p>
-        </p:txBody>
-      </p:sp>
-      <p:pic>
-        <p:nvPicPr>
-          <p:cNvPr id="8" name="Picture 7">
-            <a:extLst>
-              <a:ext uri="{FF2B5EF4-FFF2-40B4-BE49-F238E27FC236}">
-                <a16:creationId xmlns:a16="http://schemas.microsoft.com/office/drawing/2014/main" id="{51C1A904-B1E9-4991-9D09-FF92B75E581A}"/>
-              </a:ext>
-            </a:extLst>
-          </p:cNvPr>
-          <p:cNvPicPr>
-            <a:picLocks noChangeAspect="1"/>
-          </p:cNvPicPr>
-          <p:nvPr/>
-        </p:nvPicPr>
-        <p:blipFill>
-          <a:blip r:embed="rId2">
-            <a:extLst>
-              <a:ext uri="{28A0092B-C50C-407E-A947-70E740481C1C}">
-                <a14:useLocalDpi xmlns:a14="http://schemas.microsoft.com/office/drawing/2010/main" val="0"/>
-              </a:ext>
-            </a:extLst>
-          </a:blip>
-          <a:stretch>
-            <a:fillRect/>
-          </a:stretch>
-        </p:blipFill>
-        <p:spPr>
-          <a:xfrm>
-            <a:off x="592150" y="3849822"/>
-            <a:ext cx="5836113" cy="2705670"/>
-          </a:xfrm>
-          <a:prstGeom prst="rect">
-            <a:avLst/>
-          </a:prstGeom>
-        </p:spPr>
-      </p:pic>
-      <p:sp>
-        <p:nvSpPr>
-          <p:cNvPr id="4" name="TextBox 3">
-            <a:extLst>
-              <a:ext uri="{FF2B5EF4-FFF2-40B4-BE49-F238E27FC236}">
-                <a16:creationId xmlns:a16="http://schemas.microsoft.com/office/drawing/2014/main" id="{27347AB7-0685-4718-B2D2-969BAB70595D}"/>
+          <p:cNvPr id="7" name="TextBox 6">
+            <a:extLst>
+              <a:ext uri="{FF2B5EF4-FFF2-40B4-BE49-F238E27FC236}">
+                <a16:creationId xmlns:a16="http://schemas.microsoft.com/office/drawing/2014/main" xmlns="" id="{80BDE28C-38A3-4CF2-8A78-223AC021826F}"/>
               </a:ext>
             </a:extLst>
           </p:cNvPr>
@@ -4922,8 +4483,8 @@
         </p:nvSpPr>
         <p:spPr>
           <a:xfrm>
-            <a:off x="6874664" y="1302583"/>
-            <a:ext cx="3468624" cy="861774"/>
+            <a:off x="709116" y="2341041"/>
+            <a:ext cx="9741168" cy="3416320"/>
           </a:xfrm>
           <a:prstGeom prst="rect">
             <a:avLst/>
@@ -4931,52 +4492,173 @@
           <a:noFill/>
         </p:spPr>
         <p:txBody>
-          <a:bodyPr wrap="square" rtlCol="0">
+          <a:bodyPr wrap="square">
             <a:spAutoFit/>
           </a:bodyPr>
           <a:lstStyle/>
           <a:p>
-            <a:r>
-              <a:rPr lang="en-US" b="1" dirty="0"/>
-              <a:t>Statistical Values:</a:t>
-            </a:r>
-          </a:p>
-          <a:p>
-            <a:pPr marL="285750" indent="-285750">
-              <a:buFont typeface="Arial" panose="020B0604020202020204" pitchFamily="34" charset="0"/>
-              <a:buChar char="•"/>
+            <a:pPr marL="0" marR="0">
+              <a:spcBef>
+                <a:spcPts val="0"/>
+              </a:spcBef>
+              <a:spcAft>
+                <a:spcPts val="0"/>
+              </a:spcAft>
             </a:pPr>
             <a:r>
-              <a:rPr lang="en-US" sz="1600" b="1" dirty="0"/>
-              <a:t>P Value</a:t>
-            </a:r>
-            <a:r>
-              <a:rPr lang="en-US" sz="1600" dirty="0"/>
-              <a:t>: 0.0000001</a:t>
-            </a:r>
-          </a:p>
-          <a:p>
-            <a:pPr marL="285750" indent="-285750">
-              <a:buFont typeface="Arial" panose="020B0604020202020204" pitchFamily="34" charset="0"/>
-              <a:buChar char="•"/>
+              <a:rPr lang="en-US" sz="2400" b="1" u="sng" dirty="0">
+                <a:effectLst/>
+                <a:latin typeface="Calibri" panose="020F0502020204030204" pitchFamily="34" charset="0"/>
+                <a:ea typeface="Calibri" panose="020F0502020204030204" pitchFamily="34" charset="0"/>
+                <a:cs typeface="Times New Roman" panose="02020603050405020304" pitchFamily="18" charset="0"/>
+              </a:rPr>
+              <a:t>Null hypothesis  (</a:t>
+            </a:r>
+            <a:r>
+              <a:rPr lang="en-US" sz="2400" b="1" u="sng" dirty="0" smtClean="0">
+                <a:effectLst/>
+                <a:latin typeface="Calibri" panose="020F0502020204030204" pitchFamily="34" charset="0"/>
+                <a:ea typeface="Calibri" panose="020F0502020204030204" pitchFamily="34" charset="0"/>
+                <a:cs typeface="Times New Roman" panose="02020603050405020304" pitchFamily="18" charset="0"/>
+              </a:rPr>
+              <a:t>H</a:t>
+            </a:r>
+            <a:r>
+              <a:rPr lang="en-US" sz="2400" b="1" u="sng" baseline="-25000" dirty="0" smtClean="0">
+                <a:effectLst/>
+                <a:latin typeface="Calibri" panose="020F0502020204030204" pitchFamily="34" charset="0"/>
+                <a:ea typeface="Calibri" panose="020F0502020204030204" pitchFamily="34" charset="0"/>
+                <a:cs typeface="Times New Roman" panose="02020603050405020304" pitchFamily="18" charset="0"/>
+              </a:rPr>
+              <a:t>o</a:t>
+            </a:r>
+            <a:r>
+              <a:rPr lang="en-US" sz="2400" b="1" u="sng" dirty="0" smtClean="0">
+                <a:effectLst/>
+                <a:latin typeface="Calibri" panose="020F0502020204030204" pitchFamily="34" charset="0"/>
+                <a:ea typeface="Calibri" panose="020F0502020204030204" pitchFamily="34" charset="0"/>
+                <a:cs typeface="Times New Roman" panose="02020603050405020304" pitchFamily="18" charset="0"/>
+              </a:rPr>
+              <a:t>):</a:t>
+            </a:r>
+            <a:endParaRPr lang="en-US" sz="2400" dirty="0">
+              <a:effectLst/>
+              <a:latin typeface="Calibri" panose="020F0502020204030204" pitchFamily="34" charset="0"/>
+              <a:ea typeface="Calibri" panose="020F0502020204030204" pitchFamily="34" charset="0"/>
+              <a:cs typeface="Times New Roman" panose="02020603050405020304" pitchFamily="18" charset="0"/>
+            </a:endParaRPr>
+          </a:p>
+          <a:p>
+            <a:pPr marL="0" marR="0">
+              <a:spcBef>
+                <a:spcPts val="0"/>
+              </a:spcBef>
+              <a:spcAft>
+                <a:spcPts val="0"/>
+              </a:spcAft>
             </a:pPr>
             <a:r>
-              <a:rPr lang="en-US" sz="1600" b="1" dirty="0"/>
-              <a:t>Correlation Coefficient</a:t>
-            </a:r>
-            <a:r>
-              <a:rPr lang="en-US" sz="1600" dirty="0"/>
-              <a:t>: .551913</a:t>
-            </a:r>
-          </a:p>
-        </p:txBody>
-      </p:sp>
-      <p:sp>
-        <p:nvSpPr>
-          <p:cNvPr id="5" name="TextBox 4">
-            <a:extLst>
-              <a:ext uri="{FF2B5EF4-FFF2-40B4-BE49-F238E27FC236}">
-                <a16:creationId xmlns:a16="http://schemas.microsoft.com/office/drawing/2014/main" id="{5126CD73-C522-4B5F-8934-4F8D8AC8B860}"/>
+              <a:rPr lang="en-US" sz="2400" dirty="0">
+                <a:effectLst/>
+                <a:latin typeface="Calibri" panose="020F0502020204030204" pitchFamily="34" charset="0"/>
+                <a:ea typeface="Calibri" panose="020F0502020204030204" pitchFamily="34" charset="0"/>
+                <a:cs typeface="Times New Roman" panose="02020603050405020304" pitchFamily="18" charset="0"/>
+              </a:rPr>
+              <a:t>If the average close approaches count is unchanged per year over the last 50 years, then no changes in the average close approaches count will be seen comparing the most recent decade to the last 4 decades from now. </a:t>
+            </a:r>
+            <a:endParaRPr lang="en-US" sz="2400" dirty="0" smtClean="0">
+              <a:effectLst/>
+              <a:latin typeface="Calibri" panose="020F0502020204030204" pitchFamily="34" charset="0"/>
+              <a:ea typeface="Calibri" panose="020F0502020204030204" pitchFamily="34" charset="0"/>
+              <a:cs typeface="Times New Roman" panose="02020603050405020304" pitchFamily="18" charset="0"/>
+            </a:endParaRPr>
+          </a:p>
+          <a:p>
+            <a:pPr marL="0" marR="0">
+              <a:spcBef>
+                <a:spcPts val="0"/>
+              </a:spcBef>
+              <a:spcAft>
+                <a:spcPts val="0"/>
+              </a:spcAft>
+            </a:pPr>
+            <a:endParaRPr lang="en-US" sz="2400" dirty="0">
+              <a:effectLst/>
+              <a:latin typeface="Calibri" panose="020F0502020204030204" pitchFamily="34" charset="0"/>
+              <a:ea typeface="Calibri" panose="020F0502020204030204" pitchFamily="34" charset="0"/>
+              <a:cs typeface="Times New Roman" panose="02020603050405020304" pitchFamily="18" charset="0"/>
+            </a:endParaRPr>
+          </a:p>
+          <a:p>
+            <a:pPr marL="0" marR="0">
+              <a:spcBef>
+                <a:spcPts val="0"/>
+              </a:spcBef>
+              <a:spcAft>
+                <a:spcPts val="0"/>
+              </a:spcAft>
+            </a:pPr>
+            <a:r>
+              <a:rPr lang="en-US" sz="2400" b="1" u="sng" dirty="0">
+                <a:effectLst/>
+                <a:latin typeface="Calibri" panose="020F0502020204030204" pitchFamily="34" charset="0"/>
+                <a:ea typeface="Calibri" panose="020F0502020204030204" pitchFamily="34" charset="0"/>
+                <a:cs typeface="Times New Roman" panose="02020603050405020304" pitchFamily="18" charset="0"/>
+              </a:rPr>
+              <a:t>Alternative Hypothesis (H</a:t>
+            </a:r>
+            <a:r>
+              <a:rPr lang="en-US" sz="2400" b="1" u="sng" baseline="-25000" dirty="0">
+                <a:effectLst/>
+                <a:latin typeface="Calibri" panose="020F0502020204030204" pitchFamily="34" charset="0"/>
+                <a:ea typeface="Calibri" panose="020F0502020204030204" pitchFamily="34" charset="0"/>
+                <a:cs typeface="Times New Roman" panose="02020603050405020304" pitchFamily="18" charset="0"/>
+              </a:rPr>
+              <a:t>a</a:t>
+            </a:r>
+            <a:r>
+              <a:rPr lang="en-US" sz="2400" b="1" u="sng" dirty="0">
+                <a:effectLst/>
+                <a:latin typeface="Calibri" panose="020F0502020204030204" pitchFamily="34" charset="0"/>
+                <a:ea typeface="Calibri" panose="020F0502020204030204" pitchFamily="34" charset="0"/>
+                <a:cs typeface="Times New Roman" panose="02020603050405020304" pitchFamily="18" charset="0"/>
+              </a:rPr>
+              <a:t>):</a:t>
+            </a:r>
+            <a:endParaRPr lang="en-US" sz="2400" u="sng" dirty="0">
+              <a:effectLst/>
+              <a:latin typeface="Calibri" panose="020F0502020204030204" pitchFamily="34" charset="0"/>
+              <a:ea typeface="Calibri" panose="020F0502020204030204" pitchFamily="34" charset="0"/>
+              <a:cs typeface="Times New Roman" panose="02020603050405020304" pitchFamily="18" charset="0"/>
+            </a:endParaRPr>
+          </a:p>
+          <a:p>
+            <a:pPr marL="0" marR="0">
+              <a:spcBef>
+                <a:spcPts val="0"/>
+              </a:spcBef>
+              <a:spcAft>
+                <a:spcPts val="0"/>
+              </a:spcAft>
+            </a:pPr>
+            <a:r>
+              <a:rPr lang="en-US" sz="2400" dirty="0">
+                <a:effectLst/>
+                <a:latin typeface="Calibri" panose="020F0502020204030204" pitchFamily="34" charset="0"/>
+                <a:ea typeface="Calibri" panose="020F0502020204030204" pitchFamily="34" charset="0"/>
+                <a:cs typeface="Times New Roman" panose="02020603050405020304" pitchFamily="18" charset="0"/>
+              </a:rPr>
+              <a:t>If the average close approaches count is changing per year over the last 50 years, then changes in the average close approaches count will be seen comparing the most recent decade to the last 4 decades from now.</a:t>
+            </a:r>
+          </a:p>
+        </p:txBody>
+      </p:sp>
+      <p:sp>
+        <p:nvSpPr>
+          <p:cNvPr id="9" name="TextBox 8">
+            <a:extLst>
+              <a:ext uri="{FF2B5EF4-FFF2-40B4-BE49-F238E27FC236}">
+                <a16:creationId xmlns:a16="http://schemas.microsoft.com/office/drawing/2014/main" xmlns="" id="{0E4D865E-3936-482F-BA42-E4CB93CE27E2}"/>
               </a:ext>
             </a:extLst>
           </p:cNvPr>
@@ -4985,8 +4667,8 @@
         </p:nvSpPr>
         <p:spPr>
           <a:xfrm>
-            <a:off x="6886856" y="2583933"/>
-            <a:ext cx="3456432" cy="1107996"/>
+            <a:off x="709116" y="1008307"/>
+            <a:ext cx="9741169" cy="1200329"/>
           </a:xfrm>
           <a:prstGeom prst="rect">
             <a:avLst/>
@@ -4994,84 +4676,95 @@
           <a:noFill/>
         </p:spPr>
         <p:txBody>
-          <a:bodyPr wrap="square" rtlCol="0">
+          <a:bodyPr wrap="square">
             <a:spAutoFit/>
           </a:bodyPr>
           <a:lstStyle/>
           <a:p>
-            <a:r>
-              <a:rPr lang="en-US" b="1" dirty="0"/>
-              <a:t>Statistical Analysis</a:t>
-            </a:r>
-          </a:p>
-          <a:p>
-            <a:pPr marL="285750" indent="-285750">
-              <a:buFont typeface="Arial" panose="020B0604020202020204" pitchFamily="34" charset="0"/>
-              <a:buChar char="•"/>
+            <a:pPr marL="0" marR="0">
+              <a:spcBef>
+                <a:spcPts val="0"/>
+              </a:spcBef>
+              <a:spcAft>
+                <a:spcPts val="0"/>
+              </a:spcAft>
             </a:pPr>
             <a:r>
-              <a:rPr lang="en-US" sz="1600" dirty="0"/>
-              <a:t>Can Reject the Null Hypothesis</a:t>
-            </a:r>
-          </a:p>
-          <a:p>
-            <a:pPr marL="285750" indent="-285750">
-              <a:buFont typeface="Arial" panose="020B0604020202020204" pitchFamily="34" charset="0"/>
-              <a:buChar char="•"/>
+              <a:rPr lang="en-US" sz="2400" b="1" u="sng" dirty="0" smtClean="0">
+                <a:effectLst/>
+                <a:latin typeface="Calibri" panose="020F0502020204030204" pitchFamily="34" charset="0"/>
+                <a:ea typeface="Calibri" panose="020F0502020204030204" pitchFamily="34" charset="0"/>
+                <a:cs typeface="Times New Roman" panose="02020603050405020304" pitchFamily="18" charset="0"/>
+              </a:rPr>
+              <a:t>Question:</a:t>
+            </a:r>
+            <a:endParaRPr lang="en-US" sz="2400" dirty="0">
+              <a:effectLst/>
+              <a:latin typeface="Calibri" panose="020F0502020204030204" pitchFamily="34" charset="0"/>
+              <a:ea typeface="Calibri" panose="020F0502020204030204" pitchFamily="34" charset="0"/>
+              <a:cs typeface="Times New Roman" panose="02020603050405020304" pitchFamily="18" charset="0"/>
+            </a:endParaRPr>
+          </a:p>
+          <a:p>
+            <a:pPr marL="0" marR="0">
+              <a:spcBef>
+                <a:spcPts val="0"/>
+              </a:spcBef>
+              <a:spcAft>
+                <a:spcPts val="0"/>
+              </a:spcAft>
             </a:pPr>
             <a:r>
-              <a:rPr lang="en-US" sz="1600" dirty="0"/>
-              <a:t>There is a moderately positive </a:t>
-            </a:r>
-          </a:p>
-          <a:p>
-            <a:r>
-              <a:rPr lang="en-US" sz="1600" dirty="0"/>
-              <a:t>       correlation occurring.</a:t>
-            </a:r>
-          </a:p>
-        </p:txBody>
-      </p:sp>
-      <p:pic>
-        <p:nvPicPr>
-          <p:cNvPr id="13" name="Picture 12">
-            <a:extLst>
-              <a:ext uri="{FF2B5EF4-FFF2-40B4-BE49-F238E27FC236}">
-                <a16:creationId xmlns:a16="http://schemas.microsoft.com/office/drawing/2014/main" id="{9D845889-13EC-4824-97EC-724BB0B52D29}"/>
-              </a:ext>
-            </a:extLst>
-          </p:cNvPr>
-          <p:cNvPicPr>
-            <a:picLocks noChangeAspect="1"/>
-          </p:cNvPicPr>
+              <a:rPr lang="en-US" sz="2400" dirty="0">
+                <a:effectLst/>
+                <a:latin typeface="Calibri" panose="020F0502020204030204" pitchFamily="34" charset="0"/>
+                <a:ea typeface="Calibri" panose="020F0502020204030204" pitchFamily="34" charset="0"/>
+                <a:cs typeface="Times New Roman" panose="02020603050405020304" pitchFamily="18" charset="0"/>
+              </a:rPr>
+              <a:t>Are inner planets receiving more close approaches on average in the recent decade they did in the last 5 decades? </a:t>
+            </a:r>
+          </a:p>
+        </p:txBody>
+      </p:sp>
+      <p:sp>
+        <p:nvSpPr>
+          <p:cNvPr id="10" name="TextBox 9">
+            <a:extLst>
+              <a:ext uri="{FF2B5EF4-FFF2-40B4-BE49-F238E27FC236}">
+                <a16:creationId xmlns:a16="http://schemas.microsoft.com/office/drawing/2014/main" xmlns="" id="{CA764E2C-B1C8-4D69-9413-3FE90BCC33C3}"/>
+              </a:ext>
+            </a:extLst>
+          </p:cNvPr>
+          <p:cNvSpPr txBox="1"/>
           <p:nvPr/>
-        </p:nvPicPr>
-        <p:blipFill>
-          <a:blip r:embed="rId3">
-            <a:extLst>
-              <a:ext uri="{28A0092B-C50C-407E-A947-70E740481C1C}">
-                <a14:useLocalDpi xmlns:a14="http://schemas.microsoft.com/office/drawing/2010/main" val="0"/>
-              </a:ext>
-            </a:extLst>
-          </a:blip>
-          <a:stretch>
-            <a:fillRect/>
-          </a:stretch>
-        </p:blipFill>
-        <p:spPr>
-          <a:xfrm>
-            <a:off x="584016" y="1133513"/>
-            <a:ext cx="5844247" cy="2705670"/>
+        </p:nvSpPr>
+        <p:spPr>
+          <a:xfrm>
+            <a:off x="3726636" y="300421"/>
+            <a:ext cx="3379451" cy="707886"/>
           </a:xfrm>
           <a:prstGeom prst="rect">
             <a:avLst/>
           </a:prstGeom>
-        </p:spPr>
-      </p:pic>
+          <a:noFill/>
+        </p:spPr>
+        <p:txBody>
+          <a:bodyPr wrap="none" rtlCol="0">
+            <a:spAutoFit/>
+          </a:bodyPr>
+          <a:lstStyle/>
+          <a:p>
+            <a:r>
+              <a:rPr lang="en-US" sz="4000" dirty="0"/>
+              <a:t>The Hypothesis</a:t>
+            </a:r>
+          </a:p>
+        </p:txBody>
+      </p:sp>
     </p:spTree>
     <p:extLst>
       <p:ext uri="{BB962C8B-B14F-4D97-AF65-F5344CB8AC3E}">
-        <p14:creationId xmlns:p14="http://schemas.microsoft.com/office/powerpoint/2010/main" val="3473158120"/>
+        <p14:creationId xmlns:p14="http://schemas.microsoft.com/office/powerpoint/2010/main" val="3198244767"/>
       </p:ext>
     </p:extLst>
   </p:cSld>
@@ -5103,7 +4796,7 @@
           <p:cNvPr id="2" name="Title 1">
             <a:extLst>
               <a:ext uri="{FF2B5EF4-FFF2-40B4-BE49-F238E27FC236}">
-                <a16:creationId xmlns:a16="http://schemas.microsoft.com/office/drawing/2014/main" id="{074407D1-022F-4723-8ED3-E5B5FD55D401}"/>
+                <a16:creationId xmlns:a16="http://schemas.microsoft.com/office/drawing/2014/main" xmlns="" id="{074407D1-022F-4723-8ED3-E5B5FD55D401}"/>
               </a:ext>
             </a:extLst>
           </p:cNvPr>
@@ -5116,7 +4809,7 @@
         </p:nvSpPr>
         <p:spPr>
           <a:xfrm>
-            <a:off x="1524000" y="302508"/>
+            <a:off x="1524000" y="203880"/>
             <a:ext cx="9144000" cy="825023"/>
           </a:xfrm>
         </p:spPr>
@@ -5128,17 +4821,53 @@
           <a:p>
             <a:r>
               <a:rPr lang="en-US" sz="4400" b="1" dirty="0"/>
-              <a:t>Analysis of the Data</a:t>
-            </a:r>
+              <a:t>Narrowing the Scope</a:t>
+            </a:r>
+          </a:p>
+        </p:txBody>
+      </p:sp>
+      <p:sp>
+        <p:nvSpPr>
+          <p:cNvPr id="3" name="Subtitle 2">
+            <a:extLst>
+              <a:ext uri="{FF2B5EF4-FFF2-40B4-BE49-F238E27FC236}">
+                <a16:creationId xmlns:a16="http://schemas.microsoft.com/office/drawing/2014/main" xmlns="" id="{0B8832C5-0114-49B6-9282-B09381785FF5}"/>
+              </a:ext>
+            </a:extLst>
+          </p:cNvPr>
+          <p:cNvSpPr>
+            <a:spLocks noGrp="1"/>
+          </p:cNvSpPr>
+          <p:nvPr>
+            <p:ph type="subTitle" idx="1"/>
+          </p:nvPr>
+        </p:nvSpPr>
+        <p:spPr>
+          <a:xfrm>
+            <a:off x="950351" y="4861155"/>
+            <a:ext cx="4150321" cy="1616248"/>
+          </a:xfrm>
+        </p:spPr>
+        <p:txBody>
+          <a:bodyPr/>
+          <a:lstStyle/>
+          <a:p>
+            <a:r>
+              <a:rPr lang="en-US" dirty="0"/>
+              <a:t>Observations across outer planets are not well documented as the events are harder to obtain.</a:t>
+            </a:r>
+          </a:p>
+          <a:p>
+            <a:endParaRPr lang="en-US" dirty="0"/>
           </a:p>
         </p:txBody>
       </p:sp>
       <p:pic>
         <p:nvPicPr>
-          <p:cNvPr id="6" name="Picture 5">
-            <a:extLst>
-              <a:ext uri="{FF2B5EF4-FFF2-40B4-BE49-F238E27FC236}">
-                <a16:creationId xmlns:a16="http://schemas.microsoft.com/office/drawing/2014/main" id="{85ED74F1-E6AD-4855-B930-2E15927C31CB}"/>
+          <p:cNvPr id="5" name="Picture 4">
+            <a:extLst>
+              <a:ext uri="{FF2B5EF4-FFF2-40B4-BE49-F238E27FC236}">
+                <a16:creationId xmlns:a16="http://schemas.microsoft.com/office/drawing/2014/main" xmlns="" id="{7E66AE8B-C975-4EC1-92E1-A43091777A5F}"/>
               </a:ext>
             </a:extLst>
           </p:cNvPr>
@@ -5161,20 +4890,56 @@
         </p:blipFill>
         <p:spPr>
           <a:xfrm>
-            <a:off x="1054608" y="1240413"/>
-            <a:ext cx="5487650" cy="3658433"/>
+            <a:off x="797951" y="1188721"/>
+            <a:ext cx="4618044" cy="3352799"/>
           </a:xfrm>
           <a:prstGeom prst="rect">
             <a:avLst/>
           </a:prstGeom>
         </p:spPr>
       </p:pic>
-      <p:sp>
-        <p:nvSpPr>
-          <p:cNvPr id="4" name="TextBox 3">
-            <a:extLst>
-              <a:ext uri="{FF2B5EF4-FFF2-40B4-BE49-F238E27FC236}">
-                <a16:creationId xmlns:a16="http://schemas.microsoft.com/office/drawing/2014/main" id="{87959C1B-6BF4-45C8-9116-C11385E9BFCC}"/>
+      <p:pic>
+        <p:nvPicPr>
+          <p:cNvPr id="4" name="Picture 3">
+            <a:extLst>
+              <a:ext uri="{FF2B5EF4-FFF2-40B4-BE49-F238E27FC236}">
+                <a16:creationId xmlns:a16="http://schemas.microsoft.com/office/drawing/2014/main" xmlns="" id="{351CBEA4-F354-4943-AE1D-41F2672306D6}"/>
+              </a:ext>
+            </a:extLst>
+          </p:cNvPr>
+          <p:cNvPicPr>
+            <a:picLocks noChangeAspect="1"/>
+          </p:cNvPicPr>
+          <p:nvPr/>
+        </p:nvPicPr>
+        <p:blipFill>
+          <a:blip r:embed="rId3">
+            <a:extLst>
+              <a:ext uri="{28A0092B-C50C-407E-A947-70E740481C1C}">
+                <a14:useLocalDpi xmlns:a14="http://schemas.microsoft.com/office/drawing/2010/main" val="0"/>
+              </a:ext>
+            </a:extLst>
+          </a:blip>
+          <a:stretch>
+            <a:fillRect/>
+          </a:stretch>
+        </p:blipFill>
+        <p:spPr>
+          <a:xfrm>
+            <a:off x="5907024" y="2565243"/>
+            <a:ext cx="6168254" cy="4112169"/>
+          </a:xfrm>
+          <a:prstGeom prst="rect">
+            <a:avLst/>
+          </a:prstGeom>
+        </p:spPr>
+      </p:pic>
+      <p:sp>
+        <p:nvSpPr>
+          <p:cNvPr id="7" name="TextBox 6">
+            <a:extLst>
+              <a:ext uri="{FF2B5EF4-FFF2-40B4-BE49-F238E27FC236}">
+                <a16:creationId xmlns:a16="http://schemas.microsoft.com/office/drawing/2014/main" xmlns="" id="{73E92FE5-A661-49E2-9B9A-90E5B075E83D}"/>
               </a:ext>
             </a:extLst>
           </p:cNvPr>
@@ -5183,8 +4948,8 @@
         </p:nvSpPr>
         <p:spPr>
           <a:xfrm>
-            <a:off x="7252616" y="3582888"/>
-            <a:ext cx="3456432" cy="1846659"/>
+            <a:off x="6455664" y="1127531"/>
+            <a:ext cx="5376672" cy="1200329"/>
           </a:xfrm>
           <a:prstGeom prst="rect">
             <a:avLst/>
@@ -5197,9 +4962,188 @@
           </a:bodyPr>
           <a:lstStyle/>
           <a:p>
+            <a:pPr algn="ctr"/>
             <a:r>
               <a:rPr lang="en-US" b="1" dirty="0"/>
-              <a:t>Statistical Analysis</a:t>
+              <a:t>Variables:</a:t>
+            </a:r>
+          </a:p>
+          <a:p>
+            <a:pPr marL="285750" indent="-285750" algn="l">
+              <a:buFont typeface="Arial" panose="020B0604020202020204" pitchFamily="34" charset="0"/>
+              <a:buChar char="•"/>
+            </a:pPr>
+            <a:r>
+              <a:rPr lang="en-US" sz="1800" b="1" dirty="0"/>
+              <a:t>Range: </a:t>
+            </a:r>
+            <a:r>
+              <a:rPr lang="en-US" sz="1800" dirty="0"/>
+              <a:t>within 21 Lunar distances; ~5,000,000 miles</a:t>
+            </a:r>
+          </a:p>
+          <a:p>
+            <a:pPr marL="285750" indent="-285750" algn="l">
+              <a:buFont typeface="Arial" panose="020B0604020202020204" pitchFamily="34" charset="0"/>
+              <a:buChar char="•"/>
+            </a:pPr>
+            <a:r>
+              <a:rPr lang="en-US" sz="1800" b="1" dirty="0"/>
+              <a:t>Date Range</a:t>
+            </a:r>
+            <a:r>
+              <a:rPr lang="en-US" sz="1800" dirty="0"/>
+              <a:t>: 1969 to 2019</a:t>
+            </a:r>
+          </a:p>
+          <a:p>
+            <a:pPr marL="285750" indent="-285750" algn="l">
+              <a:buFont typeface="Arial" panose="020B0604020202020204" pitchFamily="34" charset="0"/>
+              <a:buChar char="•"/>
+            </a:pPr>
+            <a:r>
+              <a:rPr lang="en-US" sz="1800" b="1" dirty="0"/>
+              <a:t>Inner Planets</a:t>
+            </a:r>
+            <a:r>
+              <a:rPr lang="en-US" sz="1800" dirty="0"/>
+              <a:t>: Mercury, Venus, Earth, Mars</a:t>
+            </a:r>
+          </a:p>
+        </p:txBody>
+      </p:sp>
+    </p:spTree>
+    <p:extLst>
+      <p:ext uri="{BB962C8B-B14F-4D97-AF65-F5344CB8AC3E}">
+        <p14:creationId xmlns:p14="http://schemas.microsoft.com/office/powerpoint/2010/main" val="2015394305"/>
+      </p:ext>
+    </p:extLst>
+  </p:cSld>
+  <p:clrMapOvr>
+    <a:masterClrMapping/>
+  </p:clrMapOvr>
+</p:sld>
+</file>
+
+<file path=ppt/slides/slide17.xml><?xml version="1.0" encoding="utf-8"?>
+<p:sld xmlns:a="http://schemas.openxmlformats.org/drawingml/2006/main" xmlns:r="http://schemas.openxmlformats.org/officeDocument/2006/relationships" xmlns:p="http://schemas.openxmlformats.org/presentationml/2006/main">
+  <p:cSld>
+    <p:spTree>
+      <p:nvGrpSpPr>
+        <p:cNvPr id="1" name=""/>
+        <p:cNvGrpSpPr/>
+        <p:nvPr/>
+      </p:nvGrpSpPr>
+      <p:grpSpPr>
+        <a:xfrm>
+          <a:off x="0" y="0"/>
+          <a:ext cx="0" cy="0"/>
+          <a:chOff x="0" y="0"/>
+          <a:chExt cx="0" cy="0"/>
+        </a:xfrm>
+      </p:grpSpPr>
+      <p:sp>
+        <p:nvSpPr>
+          <p:cNvPr id="2" name="Title 1">
+            <a:extLst>
+              <a:ext uri="{FF2B5EF4-FFF2-40B4-BE49-F238E27FC236}">
+                <a16:creationId xmlns:a16="http://schemas.microsoft.com/office/drawing/2014/main" xmlns="" id="{074407D1-022F-4723-8ED3-E5B5FD55D401}"/>
+              </a:ext>
+            </a:extLst>
+          </p:cNvPr>
+          <p:cNvSpPr>
+            <a:spLocks noGrp="1"/>
+          </p:cNvSpPr>
+          <p:nvPr>
+            <p:ph type="ctrTitle"/>
+          </p:nvPr>
+        </p:nvSpPr>
+        <p:spPr>
+          <a:xfrm>
+            <a:off x="1524000" y="302508"/>
+            <a:ext cx="9144000" cy="825023"/>
+          </a:xfrm>
+        </p:spPr>
+        <p:txBody>
+          <a:bodyPr>
+            <a:normAutofit/>
+          </a:bodyPr>
+          <a:lstStyle/>
+          <a:p>
+            <a:r>
+              <a:rPr lang="en-US" sz="4400" b="1" dirty="0"/>
+              <a:t>Close Approaches with Mercury</a:t>
+            </a:r>
+          </a:p>
+        </p:txBody>
+      </p:sp>
+      <p:pic>
+        <p:nvPicPr>
+          <p:cNvPr id="5" name="Picture 4">
+            <a:extLst>
+              <a:ext uri="{FF2B5EF4-FFF2-40B4-BE49-F238E27FC236}">
+                <a16:creationId xmlns:a16="http://schemas.microsoft.com/office/drawing/2014/main" xmlns="" id="{13B96306-120F-4816-90BF-D3BF2F1DB026}"/>
+              </a:ext>
+            </a:extLst>
+          </p:cNvPr>
+          <p:cNvPicPr>
+            <a:picLocks noChangeAspect="1"/>
+          </p:cNvPicPr>
+          <p:nvPr/>
+        </p:nvPicPr>
+        <p:blipFill>
+          <a:blip r:embed="rId2">
+            <a:extLst>
+              <a:ext uri="{28A0092B-C50C-407E-A947-70E740481C1C}">
+                <a14:useLocalDpi xmlns:a14="http://schemas.microsoft.com/office/drawing/2010/main" val="0"/>
+              </a:ext>
+            </a:extLst>
+          </a:blip>
+          <a:stretch>
+            <a:fillRect/>
+          </a:stretch>
+        </p:blipFill>
+        <p:spPr>
+          <a:xfrm>
+            <a:off x="463296" y="1491875"/>
+            <a:ext cx="7635674" cy="4329973"/>
+          </a:xfrm>
+          <a:prstGeom prst="rect">
+            <a:avLst/>
+          </a:prstGeom>
+        </p:spPr>
+      </p:pic>
+      <p:sp>
+        <p:nvSpPr>
+          <p:cNvPr id="4" name="TextBox 3">
+            <a:extLst>
+              <a:ext uri="{FF2B5EF4-FFF2-40B4-BE49-F238E27FC236}">
+                <a16:creationId xmlns:a16="http://schemas.microsoft.com/office/drawing/2014/main" xmlns="" id="{95C270D9-6F59-41CD-AF21-D85C7B251649}"/>
+              </a:ext>
+            </a:extLst>
+          </p:cNvPr>
+          <p:cNvSpPr txBox="1"/>
+          <p:nvPr/>
+        </p:nvSpPr>
+        <p:spPr>
+          <a:xfrm>
+            <a:off x="8372048" y="1900267"/>
+            <a:ext cx="3468624" cy="861774"/>
+          </a:xfrm>
+          <a:prstGeom prst="rect">
+            <a:avLst/>
+          </a:prstGeom>
+          <a:noFill/>
+        </p:spPr>
+        <p:txBody>
+          <a:bodyPr wrap="square" rtlCol="0">
+            <a:spAutoFit/>
+          </a:bodyPr>
+          <a:lstStyle/>
+          <a:p>
+            <a:r>
+              <a:rPr lang="en-US" b="1" dirty="0"/>
+              <a:t>Statistical Values:</a:t>
             </a:r>
           </a:p>
           <a:p>
@@ -5208,8 +5152,12 @@
               <a:buChar char="•"/>
             </a:pPr>
             <a:r>
+              <a:rPr lang="en-US" sz="1600" b="1" dirty="0"/>
+              <a:t>P Value</a:t>
+            </a:r>
+            <a:r>
               <a:rPr lang="en-US" sz="1600" dirty="0"/>
-              <a:t>High evidence to Reject the Null Hypothesis</a:t>
+              <a:t>: 0.070729</a:t>
             </a:r>
           </a:p>
           <a:p>
@@ -5218,8 +5166,47 @@
               <a:buChar char="•"/>
             </a:pPr>
             <a:r>
+              <a:rPr lang="en-US" sz="1600" b="1" dirty="0"/>
+              <a:t>Correlation Coefficient</a:t>
+            </a:r>
+            <a:r>
               <a:rPr lang="en-US" sz="1600" dirty="0"/>
-              <a:t>There is a positive trend of asteroids detected across all inner planets, however at different rates.</a:t>
+              <a:t>: 0.065116</a:t>
+            </a:r>
+          </a:p>
+        </p:txBody>
+      </p:sp>
+      <p:sp>
+        <p:nvSpPr>
+          <p:cNvPr id="6" name="TextBox 5">
+            <a:extLst>
+              <a:ext uri="{FF2B5EF4-FFF2-40B4-BE49-F238E27FC236}">
+                <a16:creationId xmlns:a16="http://schemas.microsoft.com/office/drawing/2014/main" xmlns="" id="{CC041F36-EE45-4B8E-B8B0-58793661CF2C}"/>
+              </a:ext>
+            </a:extLst>
+          </p:cNvPr>
+          <p:cNvSpPr txBox="1"/>
+          <p:nvPr/>
+        </p:nvSpPr>
+        <p:spPr>
+          <a:xfrm>
+            <a:off x="8384240" y="3218651"/>
+            <a:ext cx="3456432" cy="1107996"/>
+          </a:xfrm>
+          <a:prstGeom prst="rect">
+            <a:avLst/>
+          </a:prstGeom>
+          <a:noFill/>
+        </p:spPr>
+        <p:txBody>
+          <a:bodyPr wrap="square" rtlCol="0">
+            <a:spAutoFit/>
+          </a:bodyPr>
+          <a:lstStyle/>
+          <a:p>
+            <a:r>
+              <a:rPr lang="en-US" b="1" dirty="0"/>
+              <a:t>Statistical Analysis</a:t>
             </a:r>
           </a:p>
           <a:p>
@@ -5227,16 +5214,140 @@
               <a:buFont typeface="Arial" panose="020B0604020202020204" pitchFamily="34" charset="0"/>
               <a:buChar char="•"/>
             </a:pPr>
-            <a:endParaRPr lang="en-US" sz="1600" dirty="0"/>
-          </a:p>
-        </p:txBody>
-      </p:sp>
-      <p:sp>
-        <p:nvSpPr>
-          <p:cNvPr id="5" name="TextBox 4">
-            <a:extLst>
-              <a:ext uri="{FF2B5EF4-FFF2-40B4-BE49-F238E27FC236}">
-                <a16:creationId xmlns:a16="http://schemas.microsoft.com/office/drawing/2014/main" id="{82167E92-BBF5-4A9A-995A-145B64F0509A}"/>
+            <a:r>
+              <a:rPr lang="en-US" sz="1600" dirty="0"/>
+              <a:t>Cannot Reject the Null Hypothesis</a:t>
+            </a:r>
+          </a:p>
+          <a:p>
+            <a:pPr marL="285750" indent="-285750">
+              <a:buFont typeface="Arial" panose="020B0604020202020204" pitchFamily="34" charset="0"/>
+              <a:buChar char="•"/>
+            </a:pPr>
+            <a:r>
+              <a:rPr lang="en-US" sz="1600" dirty="0"/>
+              <a:t>There is a very weak positive </a:t>
+            </a:r>
+          </a:p>
+          <a:p>
+            <a:pPr marL="285750" indent="-285750">
+              <a:buFont typeface="Arial" panose="020B0604020202020204" pitchFamily="34" charset="0"/>
+              <a:buChar char="•"/>
+            </a:pPr>
+            <a:r>
+              <a:rPr lang="en-US" sz="1600" dirty="0"/>
+              <a:t>correlation occurring.</a:t>
+            </a:r>
+          </a:p>
+        </p:txBody>
+      </p:sp>
+    </p:spTree>
+    <p:extLst>
+      <p:ext uri="{BB962C8B-B14F-4D97-AF65-F5344CB8AC3E}">
+        <p14:creationId xmlns:p14="http://schemas.microsoft.com/office/powerpoint/2010/main" val="2798718843"/>
+      </p:ext>
+    </p:extLst>
+  </p:cSld>
+  <p:clrMapOvr>
+    <a:masterClrMapping/>
+  </p:clrMapOvr>
+</p:sld>
+</file>
+
+<file path=ppt/slides/slide18.xml><?xml version="1.0" encoding="utf-8"?>
+<p:sld xmlns:a="http://schemas.openxmlformats.org/drawingml/2006/main" xmlns:r="http://schemas.openxmlformats.org/officeDocument/2006/relationships" xmlns:p="http://schemas.openxmlformats.org/presentationml/2006/main">
+  <p:cSld>
+    <p:spTree>
+      <p:nvGrpSpPr>
+        <p:cNvPr id="1" name=""/>
+        <p:cNvGrpSpPr/>
+        <p:nvPr/>
+      </p:nvGrpSpPr>
+      <p:grpSpPr>
+        <a:xfrm>
+          <a:off x="0" y="0"/>
+          <a:ext cx="0" cy="0"/>
+          <a:chOff x="0" y="0"/>
+          <a:chExt cx="0" cy="0"/>
+        </a:xfrm>
+      </p:grpSpPr>
+      <p:sp>
+        <p:nvSpPr>
+          <p:cNvPr id="2" name="Title 1">
+            <a:extLst>
+              <a:ext uri="{FF2B5EF4-FFF2-40B4-BE49-F238E27FC236}">
+                <a16:creationId xmlns:a16="http://schemas.microsoft.com/office/drawing/2014/main" xmlns="" id="{074407D1-022F-4723-8ED3-E5B5FD55D401}"/>
+              </a:ext>
+            </a:extLst>
+          </p:cNvPr>
+          <p:cNvSpPr>
+            <a:spLocks noGrp="1"/>
+          </p:cNvSpPr>
+          <p:nvPr>
+            <p:ph type="ctrTitle"/>
+          </p:nvPr>
+        </p:nvSpPr>
+        <p:spPr>
+          <a:xfrm>
+            <a:off x="1524000" y="302508"/>
+            <a:ext cx="9144000" cy="825023"/>
+          </a:xfrm>
+        </p:spPr>
+        <p:txBody>
+          <a:bodyPr>
+            <a:normAutofit/>
+          </a:bodyPr>
+          <a:lstStyle/>
+          <a:p>
+            <a:r>
+              <a:rPr lang="en-US" sz="4400" b="1" dirty="0"/>
+              <a:t>Close Approaches with Venus</a:t>
+            </a:r>
+          </a:p>
+        </p:txBody>
+      </p:sp>
+      <p:pic>
+        <p:nvPicPr>
+          <p:cNvPr id="6" name="Picture 5">
+            <a:extLst>
+              <a:ext uri="{FF2B5EF4-FFF2-40B4-BE49-F238E27FC236}">
+                <a16:creationId xmlns:a16="http://schemas.microsoft.com/office/drawing/2014/main" xmlns="" id="{A5E4FA7F-6AC5-4CB3-8623-69D03D59D2E1}"/>
+              </a:ext>
+            </a:extLst>
+          </p:cNvPr>
+          <p:cNvPicPr>
+            <a:picLocks noChangeAspect="1"/>
+          </p:cNvPicPr>
+          <p:nvPr/>
+        </p:nvPicPr>
+        <p:blipFill>
+          <a:blip r:embed="rId2">
+            <a:extLst>
+              <a:ext uri="{28A0092B-C50C-407E-A947-70E740481C1C}">
+                <a14:useLocalDpi xmlns:a14="http://schemas.microsoft.com/office/drawing/2010/main" val="0"/>
+              </a:ext>
+            </a:extLst>
+          </a:blip>
+          <a:stretch>
+            <a:fillRect/>
+          </a:stretch>
+        </p:blipFill>
+        <p:spPr>
+          <a:xfrm>
+            <a:off x="371857" y="1234439"/>
+            <a:ext cx="8187425" cy="4139993"/>
+          </a:xfrm>
+          <a:prstGeom prst="rect">
+            <a:avLst/>
+          </a:prstGeom>
+        </p:spPr>
+      </p:pic>
+      <p:sp>
+        <p:nvSpPr>
+          <p:cNvPr id="4" name="TextBox 3">
+            <a:extLst>
+              <a:ext uri="{FF2B5EF4-FFF2-40B4-BE49-F238E27FC236}">
+                <a16:creationId xmlns:a16="http://schemas.microsoft.com/office/drawing/2014/main" xmlns="" id="{B1F06323-06A9-4982-8FDA-5356D2499146}"/>
               </a:ext>
             </a:extLst>
           </p:cNvPr>
@@ -5245,8 +5356,8 @@
         </p:nvSpPr>
         <p:spPr>
           <a:xfrm>
-            <a:off x="7252616" y="1633124"/>
-            <a:ext cx="3468624" cy="1846659"/>
+            <a:off x="8723376" y="1824135"/>
+            <a:ext cx="3468624" cy="861774"/>
           </a:xfrm>
           <a:prstGeom prst="rect">
             <a:avLst/>
@@ -5261,7 +5372,7 @@
           <a:p>
             <a:r>
               <a:rPr lang="en-US" b="1" dirty="0"/>
-              <a:t>T-Test:</a:t>
+              <a:t>Statistical Values:</a:t>
             </a:r>
           </a:p>
           <a:p>
@@ -5270,8 +5381,12 @@
               <a:buChar char="•"/>
             </a:pPr>
             <a:r>
+              <a:rPr lang="en-US" sz="1600" b="1" dirty="0"/>
+              <a:t>P Value</a:t>
+            </a:r>
+            <a:r>
               <a:rPr lang="en-US" sz="1600" dirty="0"/>
-              <a:t>Mercury and Mar’s T-test was the only one that did not show a significant difference between the sample set’s means.</a:t>
+              <a:t>: 0.000970</a:t>
             </a:r>
           </a:p>
           <a:p>
@@ -5281,11 +5396,46 @@
             </a:pPr>
             <a:r>
               <a:rPr lang="en-US" sz="1600" b="1" dirty="0"/>
-              <a:t>F-statistic</a:t>
+              <a:t>Correlation Coefficient</a:t>
             </a:r>
             <a:r>
               <a:rPr lang="en-US" sz="1600" dirty="0"/>
-              <a:t>: 2.46485</a:t>
+              <a:t>: 0.200959</a:t>
+            </a:r>
+          </a:p>
+        </p:txBody>
+      </p:sp>
+      <p:sp>
+        <p:nvSpPr>
+          <p:cNvPr id="5" name="TextBox 4">
+            <a:extLst>
+              <a:ext uri="{FF2B5EF4-FFF2-40B4-BE49-F238E27FC236}">
+                <a16:creationId xmlns:a16="http://schemas.microsoft.com/office/drawing/2014/main" xmlns="" id="{8BE5CE07-4EA2-4F4D-85D3-394BCC0A68A2}"/>
+              </a:ext>
+            </a:extLst>
+          </p:cNvPr>
+          <p:cNvSpPr txBox="1"/>
+          <p:nvPr/>
+        </p:nvSpPr>
+        <p:spPr>
+          <a:xfrm>
+            <a:off x="8723376" y="2825075"/>
+            <a:ext cx="4791456" cy="1354217"/>
+          </a:xfrm>
+          <a:prstGeom prst="rect">
+            <a:avLst/>
+          </a:prstGeom>
+          <a:noFill/>
+        </p:spPr>
+        <p:txBody>
+          <a:bodyPr wrap="square" rtlCol="0">
+            <a:spAutoFit/>
+          </a:bodyPr>
+          <a:lstStyle/>
+          <a:p>
+            <a:r>
+              <a:rPr lang="en-US" b="1" dirty="0"/>
+              <a:t>Statistical Analysis</a:t>
             </a:r>
           </a:p>
           <a:p>
@@ -5294,12 +5444,30 @@
               <a:buChar char="•"/>
             </a:pPr>
             <a:r>
-              <a:rPr lang="en-US" sz="1600" b="1" dirty="0"/>
-              <a:t>P-Value</a:t>
-            </a:r>
-            <a:r>
               <a:rPr lang="en-US" sz="1600" dirty="0"/>
-              <a:t>: 0.119577</a:t>
+              <a:t>Significant enough to Reject </a:t>
+            </a:r>
+          </a:p>
+          <a:p>
+            <a:r>
+              <a:rPr lang="en-US" sz="1600" dirty="0"/>
+              <a:t>      the Null Hypothesis</a:t>
+            </a:r>
+          </a:p>
+          <a:p>
+            <a:pPr marL="285750" indent="-285750">
+              <a:buFont typeface="Arial" panose="020B0604020202020204" pitchFamily="34" charset="0"/>
+              <a:buChar char="•"/>
+            </a:pPr>
+            <a:r>
+              <a:rPr lang="en-US" sz="1600" dirty="0"/>
+              <a:t>There is a weak positive </a:t>
+            </a:r>
+          </a:p>
+          <a:p>
+            <a:r>
+              <a:rPr lang="en-US" sz="1600" dirty="0"/>
+              <a:t>       correlation occurring.</a:t>
             </a:r>
           </a:p>
         </p:txBody>
@@ -5307,7 +5475,236 @@
     </p:spTree>
     <p:extLst>
       <p:ext uri="{BB962C8B-B14F-4D97-AF65-F5344CB8AC3E}">
-        <p14:creationId xmlns:p14="http://schemas.microsoft.com/office/powerpoint/2010/main" val="223253518"/>
+        <p14:creationId xmlns:p14="http://schemas.microsoft.com/office/powerpoint/2010/main" val="3418233853"/>
+      </p:ext>
+    </p:extLst>
+  </p:cSld>
+  <p:clrMapOvr>
+    <a:masterClrMapping/>
+  </p:clrMapOvr>
+</p:sld>
+</file>
+
+<file path=ppt/slides/slide19.xml><?xml version="1.0" encoding="utf-8"?>
+<p:sld xmlns:a="http://schemas.openxmlformats.org/drawingml/2006/main" xmlns:r="http://schemas.openxmlformats.org/officeDocument/2006/relationships" xmlns:p="http://schemas.openxmlformats.org/presentationml/2006/main">
+  <p:cSld>
+    <p:spTree>
+      <p:nvGrpSpPr>
+        <p:cNvPr id="1" name=""/>
+        <p:cNvGrpSpPr/>
+        <p:nvPr/>
+      </p:nvGrpSpPr>
+      <p:grpSpPr>
+        <a:xfrm>
+          <a:off x="0" y="0"/>
+          <a:ext cx="0" cy="0"/>
+          <a:chOff x="0" y="0"/>
+          <a:chExt cx="0" cy="0"/>
+        </a:xfrm>
+      </p:grpSpPr>
+      <p:sp>
+        <p:nvSpPr>
+          <p:cNvPr id="2" name="Title 1">
+            <a:extLst>
+              <a:ext uri="{FF2B5EF4-FFF2-40B4-BE49-F238E27FC236}">
+                <a16:creationId xmlns:a16="http://schemas.microsoft.com/office/drawing/2014/main" xmlns="" id="{074407D1-022F-4723-8ED3-E5B5FD55D401}"/>
+              </a:ext>
+            </a:extLst>
+          </p:cNvPr>
+          <p:cNvSpPr>
+            <a:spLocks noGrp="1"/>
+          </p:cNvSpPr>
+          <p:nvPr>
+            <p:ph type="ctrTitle"/>
+          </p:nvPr>
+        </p:nvSpPr>
+        <p:spPr>
+          <a:xfrm>
+            <a:off x="1524000" y="302508"/>
+            <a:ext cx="9144000" cy="825023"/>
+          </a:xfrm>
+        </p:spPr>
+        <p:txBody>
+          <a:bodyPr>
+            <a:normAutofit/>
+          </a:bodyPr>
+          <a:lstStyle/>
+          <a:p>
+            <a:r>
+              <a:rPr lang="en-US" sz="4400" b="1" dirty="0"/>
+              <a:t>Close Approaches with Mars</a:t>
+            </a:r>
+          </a:p>
+        </p:txBody>
+      </p:sp>
+      <p:pic>
+        <p:nvPicPr>
+          <p:cNvPr id="5" name="Picture 4">
+            <a:extLst>
+              <a:ext uri="{FF2B5EF4-FFF2-40B4-BE49-F238E27FC236}">
+                <a16:creationId xmlns:a16="http://schemas.microsoft.com/office/drawing/2014/main" xmlns="" id="{C343577E-1783-4620-8A22-6F381A39D608}"/>
+              </a:ext>
+            </a:extLst>
+          </p:cNvPr>
+          <p:cNvPicPr>
+            <a:picLocks noChangeAspect="1"/>
+          </p:cNvPicPr>
+          <p:nvPr/>
+        </p:nvPicPr>
+        <p:blipFill>
+          <a:blip r:embed="rId2">
+            <a:extLst>
+              <a:ext uri="{28A0092B-C50C-407E-A947-70E740481C1C}">
+                <a14:useLocalDpi xmlns:a14="http://schemas.microsoft.com/office/drawing/2010/main" val="0"/>
+              </a:ext>
+            </a:extLst>
+          </a:blip>
+          <a:stretch>
+            <a:fillRect/>
+          </a:stretch>
+        </p:blipFill>
+        <p:spPr>
+          <a:xfrm>
+            <a:off x="390144" y="1675996"/>
+            <a:ext cx="7815072" cy="3506008"/>
+          </a:xfrm>
+          <a:prstGeom prst="rect">
+            <a:avLst/>
+          </a:prstGeom>
+        </p:spPr>
+      </p:pic>
+      <p:sp>
+        <p:nvSpPr>
+          <p:cNvPr id="4" name="TextBox 3">
+            <a:extLst>
+              <a:ext uri="{FF2B5EF4-FFF2-40B4-BE49-F238E27FC236}">
+                <a16:creationId xmlns:a16="http://schemas.microsoft.com/office/drawing/2014/main" xmlns="" id="{C828555D-73C1-4C95-A363-344B2966C4FD}"/>
+              </a:ext>
+            </a:extLst>
+          </p:cNvPr>
+          <p:cNvSpPr txBox="1"/>
+          <p:nvPr/>
+        </p:nvSpPr>
+        <p:spPr>
+          <a:xfrm>
+            <a:off x="8577072" y="1782340"/>
+            <a:ext cx="3468624" cy="861774"/>
+          </a:xfrm>
+          <a:prstGeom prst="rect">
+            <a:avLst/>
+          </a:prstGeom>
+          <a:noFill/>
+        </p:spPr>
+        <p:txBody>
+          <a:bodyPr wrap="square" rtlCol="0">
+            <a:spAutoFit/>
+          </a:bodyPr>
+          <a:lstStyle/>
+          <a:p>
+            <a:r>
+              <a:rPr lang="en-US" b="1" dirty="0"/>
+              <a:t>Statistical Values:</a:t>
+            </a:r>
+          </a:p>
+          <a:p>
+            <a:pPr marL="285750" indent="-285750">
+              <a:buFont typeface="Arial" panose="020B0604020202020204" pitchFamily="34" charset="0"/>
+              <a:buChar char="•"/>
+            </a:pPr>
+            <a:r>
+              <a:rPr lang="en-US" sz="1600" b="1" dirty="0"/>
+              <a:t>P Value</a:t>
+            </a:r>
+            <a:r>
+              <a:rPr lang="en-US" sz="1600" dirty="0"/>
+              <a:t>: 0.005003</a:t>
+            </a:r>
+          </a:p>
+          <a:p>
+            <a:pPr marL="285750" indent="-285750">
+              <a:buFont typeface="Arial" panose="020B0604020202020204" pitchFamily="34" charset="0"/>
+              <a:buChar char="•"/>
+            </a:pPr>
+            <a:r>
+              <a:rPr lang="en-US" sz="1600" b="1" dirty="0"/>
+              <a:t>Correlation Coefficient</a:t>
+            </a:r>
+            <a:r>
+              <a:rPr lang="en-US" sz="1600" dirty="0"/>
+              <a:t>: 0.149908</a:t>
+            </a:r>
+          </a:p>
+        </p:txBody>
+      </p:sp>
+      <p:sp>
+        <p:nvSpPr>
+          <p:cNvPr id="7" name="TextBox 6">
+            <a:extLst>
+              <a:ext uri="{FF2B5EF4-FFF2-40B4-BE49-F238E27FC236}">
+                <a16:creationId xmlns:a16="http://schemas.microsoft.com/office/drawing/2014/main" xmlns="" id="{555F485D-4E93-4167-9B7B-267109B76F49}"/>
+              </a:ext>
+            </a:extLst>
+          </p:cNvPr>
+          <p:cNvSpPr txBox="1"/>
+          <p:nvPr/>
+        </p:nvSpPr>
+        <p:spPr>
+          <a:xfrm>
+            <a:off x="8522208" y="3127211"/>
+            <a:ext cx="3456432" cy="1107996"/>
+          </a:xfrm>
+          <a:prstGeom prst="rect">
+            <a:avLst/>
+          </a:prstGeom>
+          <a:noFill/>
+        </p:spPr>
+        <p:txBody>
+          <a:bodyPr wrap="square" rtlCol="0">
+            <a:spAutoFit/>
+          </a:bodyPr>
+          <a:lstStyle/>
+          <a:p>
+            <a:r>
+              <a:rPr lang="en-US" b="1" dirty="0"/>
+              <a:t>Statistical Analysis</a:t>
+            </a:r>
+          </a:p>
+          <a:p>
+            <a:pPr marL="285750" indent="-285750">
+              <a:buFont typeface="Arial" panose="020B0604020202020204" pitchFamily="34" charset="0"/>
+              <a:buChar char="•"/>
+            </a:pPr>
+            <a:r>
+              <a:rPr lang="en-US" sz="1600" dirty="0"/>
+              <a:t>Can Reject the Null Hypothesis</a:t>
+            </a:r>
+          </a:p>
+          <a:p>
+            <a:pPr marL="285750" indent="-285750">
+              <a:buFont typeface="Arial" panose="020B0604020202020204" pitchFamily="34" charset="0"/>
+              <a:buChar char="•"/>
+            </a:pPr>
+            <a:r>
+              <a:rPr lang="en-US" sz="1600" dirty="0"/>
+              <a:t>There is a very weak positive </a:t>
+            </a:r>
+          </a:p>
+          <a:p>
+            <a:pPr marL="285750" indent="-285750">
+              <a:buFont typeface="Arial" panose="020B0604020202020204" pitchFamily="34" charset="0"/>
+              <a:buChar char="•"/>
+            </a:pPr>
+            <a:r>
+              <a:rPr lang="en-US" sz="1600" dirty="0"/>
+              <a:t>correlation occurring.</a:t>
+            </a:r>
+          </a:p>
+        </p:txBody>
+      </p:sp>
+    </p:spTree>
+    <p:extLst>
+      <p:ext uri="{BB962C8B-B14F-4D97-AF65-F5344CB8AC3E}">
+        <p14:creationId xmlns:p14="http://schemas.microsoft.com/office/powerpoint/2010/main" val="2918823092"/>
       </p:ext>
     </p:extLst>
   </p:cSld>
@@ -5336,227 +5733,112 @@
       </p:grpSpPr>
       <p:sp>
         <p:nvSpPr>
-          <p:cNvPr id="8" name="TextBox 7">
-            <a:extLst>
-              <a:ext uri="{FF2B5EF4-FFF2-40B4-BE49-F238E27FC236}">
-                <a16:creationId xmlns:a16="http://schemas.microsoft.com/office/drawing/2014/main" id="{E89D5BA1-38F5-4D76-9999-9DBA0CF889A9}"/>
-              </a:ext>
-            </a:extLst>
-          </p:cNvPr>
-          <p:cNvSpPr txBox="1"/>
-          <p:nvPr/>
-        </p:nvSpPr>
-        <p:spPr>
-          <a:xfrm>
-            <a:off x="870120" y="310767"/>
-            <a:ext cx="10048359" cy="4462760"/>
-          </a:xfrm>
-          <a:prstGeom prst="rect">
-            <a:avLst/>
-          </a:prstGeom>
-          <a:noFill/>
-        </p:spPr>
-        <p:txBody>
-          <a:bodyPr wrap="square" rtlCol="0">
-            <a:spAutoFit/>
+          <p:cNvPr id="2" name="Title 1">
+            <a:extLst>
+              <a:ext uri="{FF2B5EF4-FFF2-40B4-BE49-F238E27FC236}">
+                <a16:creationId xmlns:a16="http://schemas.microsoft.com/office/drawing/2014/main" xmlns="" id="{573D67AD-7A43-4613-BB13-2BD8681EB502}"/>
+              </a:ext>
+            </a:extLst>
+          </p:cNvPr>
+          <p:cNvSpPr>
+            <a:spLocks noGrp="1"/>
+          </p:cNvSpPr>
+          <p:nvPr>
+            <p:ph type="title"/>
+          </p:nvPr>
+        </p:nvSpPr>
+        <p:spPr>
+          <a:xfrm>
+            <a:off x="1940010" y="2374932"/>
+            <a:ext cx="8155460" cy="924322"/>
+          </a:xfrm>
+        </p:spPr>
+        <p:txBody>
+          <a:bodyPr>
+            <a:normAutofit/>
           </a:bodyPr>
           <a:lstStyle/>
           <a:p>
             <a:pPr algn="ctr"/>
             <a:r>
-              <a:rPr lang="en-US" sz="4000" b="1" dirty="0"/>
-              <a:t>Overview</a:t>
-            </a:r>
-          </a:p>
-          <a:p>
-            <a:pPr algn="ctr"/>
-            <a:endParaRPr lang="en-US" sz="1000" b="1" dirty="0"/>
-          </a:p>
-          <a:p>
-            <a:pPr marL="285750" indent="-285750">
-              <a:buFont typeface="Arial" panose="020B0604020202020204" pitchFamily="34" charset="0"/>
-              <a:buChar char="•"/>
-            </a:pPr>
-            <a:r>
-              <a:rPr lang="en-US" sz="2000" dirty="0"/>
-              <a:t>The known number of asteroid is estimated  to be 1,016,447. –</a:t>
-            </a:r>
-            <a:r>
-              <a:rPr lang="en-US" sz="2000" dirty="0">
-                <a:hlinkClick r:id="rId2"/>
-              </a:rPr>
-              <a:t>NASA</a:t>
-            </a:r>
-            <a:endParaRPr lang="en-US" sz="2000" dirty="0"/>
-          </a:p>
-          <a:p>
-            <a:endParaRPr lang="en-US" sz="1400" b="0" i="0" dirty="0">
-              <a:solidFill>
-                <a:srgbClr val="3A3A3A"/>
-              </a:solidFill>
-              <a:effectLst/>
-              <a:latin typeface="Metropolis"/>
-            </a:endParaRPr>
-          </a:p>
-          <a:p>
-            <a:pPr marL="285750" indent="-285750">
-              <a:buFont typeface="Arial" panose="020B0604020202020204" pitchFamily="34" charset="0"/>
-              <a:buChar char="•"/>
-            </a:pPr>
-            <a:r>
-              <a:rPr lang="en-US" sz="2000" dirty="0">
-                <a:solidFill>
-                  <a:srgbClr val="3A3A3A"/>
-                </a:solidFill>
-                <a:latin typeface="Metropolis"/>
-              </a:rPr>
-              <a:t>The majority of asteroids </a:t>
-            </a:r>
-            <a:r>
-              <a:rPr lang="en-US" sz="2000" b="0" i="0" dirty="0">
-                <a:solidFill>
-                  <a:srgbClr val="3A3A3A"/>
-                </a:solidFill>
-                <a:effectLst/>
-                <a:latin typeface="Metropolis"/>
-              </a:rPr>
-              <a:t>orbiting the sun are located between Mars and Jupiter (estimated 1.1 to 1.9 million). These are known as the Main asteroid belt. –</a:t>
-            </a:r>
-            <a:r>
-              <a:rPr lang="en-US" sz="2000" dirty="0">
-                <a:hlinkClick r:id="rId2"/>
-              </a:rPr>
-              <a:t>NASA</a:t>
-            </a:r>
-            <a:endParaRPr lang="en-US" sz="2000" dirty="0"/>
-          </a:p>
-          <a:p>
-            <a:pPr marL="285750" indent="-285750">
-              <a:buFont typeface="Arial" panose="020B0604020202020204" pitchFamily="34" charset="0"/>
-              <a:buChar char="•"/>
-            </a:pPr>
-            <a:endParaRPr lang="en-US" sz="1400" dirty="0">
-              <a:solidFill>
-                <a:srgbClr val="3A3A3A"/>
-              </a:solidFill>
-              <a:latin typeface="Metropolis"/>
-            </a:endParaRPr>
-          </a:p>
-          <a:p>
-            <a:pPr marL="285750" indent="-285750">
-              <a:buFont typeface="Arial" panose="020B0604020202020204" pitchFamily="34" charset="0"/>
-              <a:buChar char="•"/>
-            </a:pPr>
-            <a:r>
-              <a:rPr lang="en-US" sz="2000" dirty="0">
-                <a:solidFill>
-                  <a:srgbClr val="3A3A3A"/>
-                </a:solidFill>
-                <a:latin typeface="Metropolis"/>
-              </a:rPr>
-              <a:t>Asteroids located near earth are estimated at 10,000. Roughly 800 are 1 kilometer in diameter.</a:t>
-            </a:r>
-            <a:r>
-              <a:rPr lang="en-US" sz="2000" b="0" i="0" dirty="0">
-                <a:solidFill>
-                  <a:srgbClr val="3A3A3A"/>
-                </a:solidFill>
-                <a:effectLst/>
-                <a:latin typeface="Metropolis"/>
-              </a:rPr>
-              <a:t> –</a:t>
-            </a:r>
-            <a:r>
-              <a:rPr lang="en-US" sz="2000" dirty="0">
-                <a:hlinkClick r:id="rId2"/>
-              </a:rPr>
-              <a:t>NASA</a:t>
-            </a:r>
-            <a:endParaRPr lang="en-US" sz="2000" dirty="0">
-              <a:solidFill>
-                <a:srgbClr val="3A3A3A"/>
-              </a:solidFill>
-              <a:latin typeface="Metropolis"/>
-            </a:endParaRPr>
-          </a:p>
-          <a:p>
-            <a:pPr marL="285750" indent="-285750">
-              <a:buFont typeface="Arial" panose="020B0604020202020204" pitchFamily="34" charset="0"/>
-              <a:buChar char="•"/>
-            </a:pPr>
-            <a:endParaRPr lang="en-US" sz="1400" dirty="0">
-              <a:solidFill>
-                <a:srgbClr val="3A3A3A"/>
-              </a:solidFill>
-              <a:latin typeface="Metropolis"/>
-            </a:endParaRPr>
-          </a:p>
-          <a:p>
-            <a:pPr marL="285750" indent="-285750">
-              <a:buFont typeface="Arial" panose="020B0604020202020204" pitchFamily="34" charset="0"/>
-              <a:buChar char="•"/>
-            </a:pPr>
-            <a:r>
-              <a:rPr lang="en-US" sz="2000" dirty="0">
-                <a:solidFill>
-                  <a:srgbClr val="3A3A3A"/>
-                </a:solidFill>
-                <a:latin typeface="Metropolis"/>
-              </a:rPr>
-              <a:t>The composition of asteroids  predominately  contain chondrite (known as C-type), silicates (S-type) , and metals (M-type). </a:t>
-            </a:r>
-            <a:r>
-              <a:rPr lang="en-US" sz="2000" b="0" i="0" dirty="0">
-                <a:solidFill>
-                  <a:srgbClr val="3A3A3A"/>
-                </a:solidFill>
-                <a:effectLst/>
-                <a:latin typeface="Metropolis"/>
-              </a:rPr>
-              <a:t>–</a:t>
-            </a:r>
-            <a:r>
-              <a:rPr lang="en-US" sz="2000" dirty="0">
-                <a:hlinkClick r:id="rId2"/>
-              </a:rPr>
-              <a:t>NASA</a:t>
-            </a:r>
-            <a:endParaRPr lang="en-US" sz="2000" dirty="0"/>
-          </a:p>
-          <a:p>
-            <a:pPr marL="285750" indent="-285750">
-              <a:buFont typeface="Arial" panose="020B0604020202020204" pitchFamily="34" charset="0"/>
-              <a:buChar char="•"/>
-            </a:pPr>
-            <a:endParaRPr lang="en-US" sz="1400" dirty="0"/>
-          </a:p>
-          <a:p>
-            <a:pPr marL="285750" indent="-285750">
-              <a:buFont typeface="Arial" panose="020B0604020202020204" pitchFamily="34" charset="0"/>
-              <a:buChar char="•"/>
-            </a:pPr>
-            <a:r>
-              <a:rPr lang="en-US" sz="2000" b="0" i="0" dirty="0">
-                <a:solidFill>
-                  <a:srgbClr val="3A3A3A"/>
-                </a:solidFill>
-                <a:effectLst/>
-                <a:latin typeface="Metropolis"/>
-              </a:rPr>
-              <a:t>What can we learn from all this data?</a:t>
-            </a:r>
-          </a:p>
-          <a:p>
+              <a:rPr lang="en-US" dirty="0" smtClean="0"/>
+              <a:t>Composition of Asteroids</a:t>
+            </a:r>
             <a:endParaRPr lang="en-US" dirty="0"/>
+          </a:p>
+        </p:txBody>
+      </p:sp>
+    </p:spTree>
+    <p:extLst>
+      <p:ext uri="{BB962C8B-B14F-4D97-AF65-F5344CB8AC3E}">
+        <p14:creationId xmlns:p14="http://schemas.microsoft.com/office/powerpoint/2010/main" val="4973419"/>
+      </p:ext>
+    </p:extLst>
+  </p:cSld>
+  <p:clrMapOvr>
+    <a:masterClrMapping/>
+  </p:clrMapOvr>
+</p:sld>
+</file>
+
+<file path=ppt/slides/slide20.xml><?xml version="1.0" encoding="utf-8"?>
+<p:sld xmlns:a="http://schemas.openxmlformats.org/drawingml/2006/main" xmlns:r="http://schemas.openxmlformats.org/officeDocument/2006/relationships" xmlns:p="http://schemas.openxmlformats.org/presentationml/2006/main">
+  <p:cSld>
+    <p:spTree>
+      <p:nvGrpSpPr>
+        <p:cNvPr id="1" name=""/>
+        <p:cNvGrpSpPr/>
+        <p:nvPr/>
+      </p:nvGrpSpPr>
+      <p:grpSpPr>
+        <a:xfrm>
+          <a:off x="0" y="0"/>
+          <a:ext cx="0" cy="0"/>
+          <a:chOff x="0" y="0"/>
+          <a:chExt cx="0" cy="0"/>
+        </a:xfrm>
+      </p:grpSpPr>
+      <p:sp>
+        <p:nvSpPr>
+          <p:cNvPr id="2" name="Title 1">
+            <a:extLst>
+              <a:ext uri="{FF2B5EF4-FFF2-40B4-BE49-F238E27FC236}">
+                <a16:creationId xmlns:a16="http://schemas.microsoft.com/office/drawing/2014/main" xmlns="" id="{074407D1-022F-4723-8ED3-E5B5FD55D401}"/>
+              </a:ext>
+            </a:extLst>
+          </p:cNvPr>
+          <p:cNvSpPr>
+            <a:spLocks noGrp="1"/>
+          </p:cNvSpPr>
+          <p:nvPr>
+            <p:ph type="ctrTitle"/>
+          </p:nvPr>
+        </p:nvSpPr>
+        <p:spPr>
+          <a:xfrm>
+            <a:off x="1524000" y="302508"/>
+            <a:ext cx="9144000" cy="825023"/>
+          </a:xfrm>
+        </p:spPr>
+        <p:txBody>
+          <a:bodyPr>
+            <a:normAutofit/>
+          </a:bodyPr>
+          <a:lstStyle/>
+          <a:p>
+            <a:r>
+              <a:rPr lang="en-US" sz="4400" b="1" dirty="0"/>
+              <a:t>Close Approaches with Earth</a:t>
+            </a:r>
           </a:p>
         </p:txBody>
       </p:sp>
       <p:pic>
         <p:nvPicPr>
-          <p:cNvPr id="10" name="Picture 9">
-            <a:extLst>
-              <a:ext uri="{FF2B5EF4-FFF2-40B4-BE49-F238E27FC236}">
-                <a16:creationId xmlns:a16="http://schemas.microsoft.com/office/drawing/2014/main" id="{A06A504E-C104-4EE7-BB13-6B6C05E3CA0C}"/>
+          <p:cNvPr id="8" name="Picture 7">
+            <a:extLst>
+              <a:ext uri="{FF2B5EF4-FFF2-40B4-BE49-F238E27FC236}">
+                <a16:creationId xmlns:a16="http://schemas.microsoft.com/office/drawing/2014/main" xmlns="" id="{51C1A904-B1E9-4991-9D09-FF92B75E581A}"/>
               </a:ext>
             </a:extLst>
           </p:cNvPr>
@@ -5566,79 +5848,33 @@
           <p:nvPr/>
         </p:nvPicPr>
         <p:blipFill>
-          <a:blip r:embed="rId3"/>
+          <a:blip r:embed="rId2">
+            <a:extLst>
+              <a:ext uri="{28A0092B-C50C-407E-A947-70E740481C1C}">
+                <a14:useLocalDpi xmlns:a14="http://schemas.microsoft.com/office/drawing/2010/main" val="0"/>
+              </a:ext>
+            </a:extLst>
+          </a:blip>
           <a:stretch>
             <a:fillRect/>
           </a:stretch>
         </p:blipFill>
         <p:spPr>
           <a:xfrm>
-            <a:off x="0" y="4828375"/>
-            <a:ext cx="12192000" cy="1710659"/>
+            <a:off x="592150" y="3849822"/>
+            <a:ext cx="5836113" cy="2705670"/>
           </a:xfrm>
           <a:prstGeom prst="rect">
             <a:avLst/>
           </a:prstGeom>
-          <a:solidFill>
-            <a:srgbClr val="FFFFFF"/>
-          </a:solidFill>
         </p:spPr>
       </p:pic>
       <p:sp>
         <p:nvSpPr>
-          <p:cNvPr id="12" name="Arrow: Down 11">
-            <a:extLst>
-              <a:ext uri="{FF2B5EF4-FFF2-40B4-BE49-F238E27FC236}">
-                <a16:creationId xmlns:a16="http://schemas.microsoft.com/office/drawing/2014/main" id="{203BBDE6-EF58-4AA8-93C4-8469BCF200B1}"/>
-              </a:ext>
-            </a:extLst>
-          </p:cNvPr>
-          <p:cNvSpPr/>
-          <p:nvPr/>
-        </p:nvSpPr>
-        <p:spPr>
-          <a:xfrm rot="16200000">
-            <a:off x="2384418" y="3497943"/>
-            <a:ext cx="739587" cy="3400450"/>
-          </a:xfrm>
-          <a:prstGeom prst="downArrow">
-            <a:avLst/>
-          </a:prstGeom>
-          <a:solidFill>
-            <a:srgbClr val="C00000"/>
-          </a:solidFill>
-        </p:spPr>
-        <p:style>
-          <a:lnRef idx="2">
-            <a:schemeClr val="accent1">
-              <a:shade val="50000"/>
-            </a:schemeClr>
-          </a:lnRef>
-          <a:fillRef idx="1">
-            <a:schemeClr val="accent1"/>
-          </a:fillRef>
-          <a:effectRef idx="0">
-            <a:schemeClr val="accent1"/>
-          </a:effectRef>
-          <a:fontRef idx="minor">
-            <a:schemeClr val="lt1"/>
-          </a:fontRef>
-        </p:style>
-        <p:txBody>
-          <a:bodyPr rtlCol="0" anchor="ctr"/>
-          <a:lstStyle/>
-          <a:p>
-            <a:pPr algn="ctr"/>
-            <a:endParaRPr lang="en-US" dirty="0"/>
-          </a:p>
-        </p:txBody>
-      </p:sp>
-      <p:sp>
-        <p:nvSpPr>
-          <p:cNvPr id="14" name="TextBox 13">
-            <a:extLst>
-              <a:ext uri="{FF2B5EF4-FFF2-40B4-BE49-F238E27FC236}">
-                <a16:creationId xmlns:a16="http://schemas.microsoft.com/office/drawing/2014/main" id="{B244C330-F40D-4485-935C-C34FF4FBA5A3}"/>
+          <p:cNvPr id="4" name="TextBox 3">
+            <a:extLst>
+              <a:ext uri="{FF2B5EF4-FFF2-40B4-BE49-F238E27FC236}">
+                <a16:creationId xmlns:a16="http://schemas.microsoft.com/office/drawing/2014/main" xmlns="" id="{27347AB7-0685-4718-B2D2-969BAB70595D}"/>
               </a:ext>
             </a:extLst>
           </p:cNvPr>
@@ -5647,8 +5883,8 @@
         </p:nvSpPr>
         <p:spPr>
           <a:xfrm>
-            <a:off x="1058387" y="5013503"/>
-            <a:ext cx="2989395" cy="369332"/>
+            <a:off x="6874664" y="1302583"/>
+            <a:ext cx="3468624" cy="861774"/>
           </a:xfrm>
           <a:prstGeom prst="rect">
             <a:avLst/>
@@ -5662,68 +5898,46 @@
           <a:lstStyle/>
           <a:p>
             <a:r>
-              <a:rPr lang="en-US" b="1" dirty="0">
-                <a:solidFill>
-                  <a:schemeClr val="bg1"/>
-                </a:solidFill>
-              </a:rPr>
-              <a:t> 1 Astronomical Unit (AU)</a:t>
-            </a:r>
-          </a:p>
-        </p:txBody>
-      </p:sp>
-      <p:sp>
-        <p:nvSpPr>
-          <p:cNvPr id="16" name="Oval 15">
-            <a:extLst>
-              <a:ext uri="{FF2B5EF4-FFF2-40B4-BE49-F238E27FC236}">
-                <a16:creationId xmlns:a16="http://schemas.microsoft.com/office/drawing/2014/main" id="{1AF9BD6A-19EC-47FA-927D-A4470DFAB671}"/>
-              </a:ext>
-            </a:extLst>
-          </p:cNvPr>
-          <p:cNvSpPr/>
-          <p:nvPr/>
-        </p:nvSpPr>
-        <p:spPr>
-          <a:xfrm>
-            <a:off x="5483748" y="4903809"/>
-            <a:ext cx="1126693" cy="496388"/>
-          </a:xfrm>
-          <a:prstGeom prst="ellipse">
-            <a:avLst/>
-          </a:prstGeom>
-        </p:spPr>
-        <p:style>
-          <a:lnRef idx="2">
-            <a:schemeClr val="accent1">
-              <a:shade val="50000"/>
-            </a:schemeClr>
-          </a:lnRef>
-          <a:fillRef idx="1">
-            <a:schemeClr val="accent1"/>
-          </a:fillRef>
-          <a:effectRef idx="0">
-            <a:schemeClr val="accent1"/>
-          </a:effectRef>
-          <a:fontRef idx="minor">
-            <a:schemeClr val="lt1"/>
-          </a:fontRef>
-        </p:style>
-        <p:txBody>
-          <a:bodyPr rtlCol="0" anchor="ctr"/>
-          <a:lstStyle/>
-          <a:p>
-            <a:pPr algn="ctr"/>
-            <a:endParaRPr lang="en-US"/>
-          </a:p>
-        </p:txBody>
-      </p:sp>
-      <p:sp>
-        <p:nvSpPr>
-          <p:cNvPr id="17" name="TextBox 16">
-            <a:extLst>
-              <a:ext uri="{FF2B5EF4-FFF2-40B4-BE49-F238E27FC236}">
-                <a16:creationId xmlns:a16="http://schemas.microsoft.com/office/drawing/2014/main" id="{DBC325E2-2A13-42B5-B977-EE0863CA45DE}"/>
+              <a:rPr lang="en-US" b="1" dirty="0"/>
+              <a:t>Statistical Values:</a:t>
+            </a:r>
+          </a:p>
+          <a:p>
+            <a:pPr marL="285750" indent="-285750">
+              <a:buFont typeface="Arial" panose="020B0604020202020204" pitchFamily="34" charset="0"/>
+              <a:buChar char="•"/>
+            </a:pPr>
+            <a:r>
+              <a:rPr lang="en-US" sz="1600" b="1" dirty="0"/>
+              <a:t>P Value</a:t>
+            </a:r>
+            <a:r>
+              <a:rPr lang="en-US" sz="1600" dirty="0"/>
+              <a:t>: 0.0000001</a:t>
+            </a:r>
+          </a:p>
+          <a:p>
+            <a:pPr marL="285750" indent="-285750">
+              <a:buFont typeface="Arial" panose="020B0604020202020204" pitchFamily="34" charset="0"/>
+              <a:buChar char="•"/>
+            </a:pPr>
+            <a:r>
+              <a:rPr lang="en-US" sz="1600" b="1" dirty="0"/>
+              <a:t>Correlation Coefficient</a:t>
+            </a:r>
+            <a:r>
+              <a:rPr lang="en-US" sz="1600" dirty="0"/>
+              <a:t>: .551913</a:t>
+            </a:r>
+          </a:p>
+        </p:txBody>
+      </p:sp>
+      <p:sp>
+        <p:nvSpPr>
+          <p:cNvPr id="5" name="TextBox 4">
+            <a:extLst>
+              <a:ext uri="{FF2B5EF4-FFF2-40B4-BE49-F238E27FC236}">
+                <a16:creationId xmlns:a16="http://schemas.microsoft.com/office/drawing/2014/main" xmlns="" id="{5126CD73-C522-4B5F-8934-4F8D8AC8B860}"/>
               </a:ext>
             </a:extLst>
           </p:cNvPr>
@@ -5732,8 +5946,8 @@
         </p:nvSpPr>
         <p:spPr>
           <a:xfrm>
-            <a:off x="5369637" y="4903809"/>
-            <a:ext cx="1452725" cy="461665"/>
+            <a:off x="6886856" y="2583933"/>
+            <a:ext cx="3456432" cy="1107996"/>
           </a:xfrm>
           <a:prstGeom prst="rect">
             <a:avLst/>
@@ -5746,79 +5960,182 @@
           </a:bodyPr>
           <a:lstStyle/>
           <a:p>
-            <a:pPr algn="ctr"/>
-            <a:r>
-              <a:rPr lang="en-US" sz="1200" b="1" dirty="0"/>
-              <a:t>Main </a:t>
-            </a:r>
-          </a:p>
-          <a:p>
-            <a:pPr algn="ctr"/>
-            <a:r>
-              <a:rPr lang="en-US" sz="1200" b="1" dirty="0"/>
-              <a:t>Asteroid belt</a:t>
-            </a:r>
-          </a:p>
-        </p:txBody>
-      </p:sp>
-      <p:sp>
-        <p:nvSpPr>
-          <p:cNvPr id="19" name="Oval 18">
-            <a:extLst>
-              <a:ext uri="{FF2B5EF4-FFF2-40B4-BE49-F238E27FC236}">
-                <a16:creationId xmlns:a16="http://schemas.microsoft.com/office/drawing/2014/main" id="{0FE11DB7-7405-4A18-8FE9-E044E2C4795F}"/>
-              </a:ext>
-            </a:extLst>
-          </p:cNvPr>
-          <p:cNvSpPr/>
+            <a:r>
+              <a:rPr lang="en-US" b="1" dirty="0"/>
+              <a:t>Statistical Analysis</a:t>
+            </a:r>
+          </a:p>
+          <a:p>
+            <a:pPr marL="285750" indent="-285750">
+              <a:buFont typeface="Arial" panose="020B0604020202020204" pitchFamily="34" charset="0"/>
+              <a:buChar char="•"/>
+            </a:pPr>
+            <a:r>
+              <a:rPr lang="en-US" sz="1600" dirty="0"/>
+              <a:t>Can Reject the Null Hypothesis</a:t>
+            </a:r>
+          </a:p>
+          <a:p>
+            <a:pPr marL="285750" indent="-285750">
+              <a:buFont typeface="Arial" panose="020B0604020202020204" pitchFamily="34" charset="0"/>
+              <a:buChar char="•"/>
+            </a:pPr>
+            <a:r>
+              <a:rPr lang="en-US" sz="1600" dirty="0"/>
+              <a:t>There is a moderately positive </a:t>
+            </a:r>
+          </a:p>
+          <a:p>
+            <a:r>
+              <a:rPr lang="en-US" sz="1600" dirty="0"/>
+              <a:t>       correlation occurring.</a:t>
+            </a:r>
+          </a:p>
+        </p:txBody>
+      </p:sp>
+      <p:pic>
+        <p:nvPicPr>
+          <p:cNvPr id="13" name="Picture 12">
+            <a:extLst>
+              <a:ext uri="{FF2B5EF4-FFF2-40B4-BE49-F238E27FC236}">
+                <a16:creationId xmlns:a16="http://schemas.microsoft.com/office/drawing/2014/main" xmlns="" id="{9D845889-13EC-4824-97EC-724BB0B52D29}"/>
+              </a:ext>
+            </a:extLst>
+          </p:cNvPr>
+          <p:cNvPicPr>
+            <a:picLocks noChangeAspect="1"/>
+          </p:cNvPicPr>
           <p:nvPr/>
-        </p:nvSpPr>
-        <p:spPr>
-          <a:xfrm>
-            <a:off x="3570021" y="6042646"/>
-            <a:ext cx="1741225" cy="496388"/>
-          </a:xfrm>
-          <a:prstGeom prst="ellipse">
+        </p:nvPicPr>
+        <p:blipFill>
+          <a:blip r:embed="rId3">
+            <a:extLst>
+              <a:ext uri="{28A0092B-C50C-407E-A947-70E740481C1C}">
+                <a14:useLocalDpi xmlns:a14="http://schemas.microsoft.com/office/drawing/2010/main" val="0"/>
+              </a:ext>
+            </a:extLst>
+          </a:blip>
+          <a:stretch>
+            <a:fillRect/>
+          </a:stretch>
+        </p:blipFill>
+        <p:spPr>
+          <a:xfrm>
+            <a:off x="584016" y="1133513"/>
+            <a:ext cx="5844247" cy="2705670"/>
+          </a:xfrm>
+          <a:prstGeom prst="rect">
             <a:avLst/>
           </a:prstGeom>
-          <a:solidFill>
-            <a:schemeClr val="accent6">
-              <a:lumMod val="60000"/>
-              <a:lumOff val="40000"/>
-            </a:schemeClr>
-          </a:solidFill>
-        </p:spPr>
-        <p:style>
-          <a:lnRef idx="2">
-            <a:schemeClr val="accent1">
-              <a:shade val="50000"/>
-            </a:schemeClr>
-          </a:lnRef>
-          <a:fillRef idx="1">
-            <a:schemeClr val="accent1"/>
-          </a:fillRef>
-          <a:effectRef idx="0">
-            <a:schemeClr val="accent1"/>
-          </a:effectRef>
-          <a:fontRef idx="minor">
-            <a:schemeClr val="lt1"/>
-          </a:fontRef>
-        </p:style>
-        <p:txBody>
-          <a:bodyPr rtlCol="0" anchor="ctr"/>
-          <a:lstStyle/>
-          <a:p>
-            <a:pPr algn="ctr"/>
-            <a:endParaRPr lang="en-US"/>
-          </a:p>
-        </p:txBody>
-      </p:sp>
-      <p:sp>
-        <p:nvSpPr>
-          <p:cNvPr id="20" name="TextBox 19">
-            <a:extLst>
-              <a:ext uri="{FF2B5EF4-FFF2-40B4-BE49-F238E27FC236}">
-                <a16:creationId xmlns:a16="http://schemas.microsoft.com/office/drawing/2014/main" id="{E668407E-BBBE-4EB5-91A3-AC17915E5474}"/>
+        </p:spPr>
+      </p:pic>
+    </p:spTree>
+    <p:extLst>
+      <p:ext uri="{BB962C8B-B14F-4D97-AF65-F5344CB8AC3E}">
+        <p14:creationId xmlns:p14="http://schemas.microsoft.com/office/powerpoint/2010/main" val="3473158120"/>
+      </p:ext>
+    </p:extLst>
+  </p:cSld>
+  <p:clrMapOvr>
+    <a:masterClrMapping/>
+  </p:clrMapOvr>
+</p:sld>
+</file>
+
+<file path=ppt/slides/slide21.xml><?xml version="1.0" encoding="utf-8"?>
+<p:sld xmlns:a="http://schemas.openxmlformats.org/drawingml/2006/main" xmlns:r="http://schemas.openxmlformats.org/officeDocument/2006/relationships" xmlns:p="http://schemas.openxmlformats.org/presentationml/2006/main">
+  <p:cSld>
+    <p:spTree>
+      <p:nvGrpSpPr>
+        <p:cNvPr id="1" name=""/>
+        <p:cNvGrpSpPr/>
+        <p:nvPr/>
+      </p:nvGrpSpPr>
+      <p:grpSpPr>
+        <a:xfrm>
+          <a:off x="0" y="0"/>
+          <a:ext cx="0" cy="0"/>
+          <a:chOff x="0" y="0"/>
+          <a:chExt cx="0" cy="0"/>
+        </a:xfrm>
+      </p:grpSpPr>
+      <p:sp>
+        <p:nvSpPr>
+          <p:cNvPr id="2" name="Title 1">
+            <a:extLst>
+              <a:ext uri="{FF2B5EF4-FFF2-40B4-BE49-F238E27FC236}">
+                <a16:creationId xmlns:a16="http://schemas.microsoft.com/office/drawing/2014/main" xmlns="" id="{074407D1-022F-4723-8ED3-E5B5FD55D401}"/>
+              </a:ext>
+            </a:extLst>
+          </p:cNvPr>
+          <p:cNvSpPr>
+            <a:spLocks noGrp="1"/>
+          </p:cNvSpPr>
+          <p:nvPr>
+            <p:ph type="ctrTitle"/>
+          </p:nvPr>
+        </p:nvSpPr>
+        <p:spPr>
+          <a:xfrm>
+            <a:off x="1524000" y="302508"/>
+            <a:ext cx="9144000" cy="825023"/>
+          </a:xfrm>
+        </p:spPr>
+        <p:txBody>
+          <a:bodyPr>
+            <a:normAutofit/>
+          </a:bodyPr>
+          <a:lstStyle/>
+          <a:p>
+            <a:r>
+              <a:rPr lang="en-US" sz="4400" b="1" dirty="0"/>
+              <a:t>Analysis of the Data</a:t>
+            </a:r>
+          </a:p>
+        </p:txBody>
+      </p:sp>
+      <p:pic>
+        <p:nvPicPr>
+          <p:cNvPr id="6" name="Picture 5">
+            <a:extLst>
+              <a:ext uri="{FF2B5EF4-FFF2-40B4-BE49-F238E27FC236}">
+                <a16:creationId xmlns:a16="http://schemas.microsoft.com/office/drawing/2014/main" xmlns="" id="{85ED74F1-E6AD-4855-B930-2E15927C31CB}"/>
+              </a:ext>
+            </a:extLst>
+          </p:cNvPr>
+          <p:cNvPicPr>
+            <a:picLocks noChangeAspect="1"/>
+          </p:cNvPicPr>
+          <p:nvPr/>
+        </p:nvPicPr>
+        <p:blipFill>
+          <a:blip r:embed="rId2">
+            <a:extLst>
+              <a:ext uri="{28A0092B-C50C-407E-A947-70E740481C1C}">
+                <a14:useLocalDpi xmlns:a14="http://schemas.microsoft.com/office/drawing/2010/main" val="0"/>
+              </a:ext>
+            </a:extLst>
+          </a:blip>
+          <a:stretch>
+            <a:fillRect/>
+          </a:stretch>
+        </p:blipFill>
+        <p:spPr>
+          <a:xfrm>
+            <a:off x="1054608" y="1240413"/>
+            <a:ext cx="5487650" cy="3658433"/>
+          </a:xfrm>
+          <a:prstGeom prst="rect">
+            <a:avLst/>
+          </a:prstGeom>
+        </p:spPr>
+      </p:pic>
+      <p:sp>
+        <p:nvSpPr>
+          <p:cNvPr id="4" name="TextBox 3">
+            <a:extLst>
+              <a:ext uri="{FF2B5EF4-FFF2-40B4-BE49-F238E27FC236}">
+                <a16:creationId xmlns:a16="http://schemas.microsoft.com/office/drawing/2014/main" xmlns="" id="{87959C1B-6BF4-45C8-9116-C11385E9BFCC}"/>
               </a:ext>
             </a:extLst>
           </p:cNvPr>
@@ -5827,8 +6144,8 @@
         </p:nvSpPr>
         <p:spPr>
           <a:xfrm>
-            <a:off x="3674790" y="6152340"/>
-            <a:ext cx="1531686" cy="276999"/>
+            <a:off x="7252616" y="3582888"/>
+            <a:ext cx="3456432" cy="1846659"/>
           </a:xfrm>
           <a:prstGeom prst="rect">
             <a:avLst/>
@@ -5842,8 +6159,108 @@
           <a:lstStyle/>
           <a:p>
             <a:r>
-              <a:rPr lang="en-US" sz="1200" b="1" dirty="0"/>
-              <a:t>Near Earth Asteroids</a:t>
+              <a:rPr lang="en-US" b="1" dirty="0"/>
+              <a:t>Statistical Analysis</a:t>
+            </a:r>
+          </a:p>
+          <a:p>
+            <a:pPr marL="285750" indent="-285750">
+              <a:buFont typeface="Arial" panose="020B0604020202020204" pitchFamily="34" charset="0"/>
+              <a:buChar char="•"/>
+            </a:pPr>
+            <a:r>
+              <a:rPr lang="en-US" sz="1600" dirty="0"/>
+              <a:t>High evidence to Reject the Null Hypothesis</a:t>
+            </a:r>
+          </a:p>
+          <a:p>
+            <a:pPr marL="285750" indent="-285750">
+              <a:buFont typeface="Arial" panose="020B0604020202020204" pitchFamily="34" charset="0"/>
+              <a:buChar char="•"/>
+            </a:pPr>
+            <a:r>
+              <a:rPr lang="en-US" sz="1600" dirty="0"/>
+              <a:t>There is a positive trend of asteroids detected across all inner planets, however at different rates.</a:t>
+            </a:r>
+          </a:p>
+          <a:p>
+            <a:pPr marL="285750" indent="-285750">
+              <a:buFont typeface="Arial" panose="020B0604020202020204" pitchFamily="34" charset="0"/>
+              <a:buChar char="•"/>
+            </a:pPr>
+            <a:endParaRPr lang="en-US" sz="1600" dirty="0"/>
+          </a:p>
+        </p:txBody>
+      </p:sp>
+      <p:sp>
+        <p:nvSpPr>
+          <p:cNvPr id="5" name="TextBox 4">
+            <a:extLst>
+              <a:ext uri="{FF2B5EF4-FFF2-40B4-BE49-F238E27FC236}">
+                <a16:creationId xmlns:a16="http://schemas.microsoft.com/office/drawing/2014/main" xmlns="" id="{82167E92-BBF5-4A9A-995A-145B64F0509A}"/>
+              </a:ext>
+            </a:extLst>
+          </p:cNvPr>
+          <p:cNvSpPr txBox="1"/>
+          <p:nvPr/>
+        </p:nvSpPr>
+        <p:spPr>
+          <a:xfrm>
+            <a:off x="7252616" y="1633124"/>
+            <a:ext cx="3468624" cy="1846659"/>
+          </a:xfrm>
+          <a:prstGeom prst="rect">
+            <a:avLst/>
+          </a:prstGeom>
+          <a:noFill/>
+        </p:spPr>
+        <p:txBody>
+          <a:bodyPr wrap="square" rtlCol="0">
+            <a:spAutoFit/>
+          </a:bodyPr>
+          <a:lstStyle/>
+          <a:p>
+            <a:r>
+              <a:rPr lang="en-US" b="1" dirty="0"/>
+              <a:t>T-Test:</a:t>
+            </a:r>
+          </a:p>
+          <a:p>
+            <a:pPr marL="285750" indent="-285750">
+              <a:buFont typeface="Arial" panose="020B0604020202020204" pitchFamily="34" charset="0"/>
+              <a:buChar char="•"/>
+            </a:pPr>
+            <a:r>
+              <a:rPr lang="en-US" sz="1600" dirty="0"/>
+              <a:t>Mercury and Mar’s T-test was the only one that did not show a significant difference between the sample set’s means.</a:t>
+            </a:r>
+          </a:p>
+          <a:p>
+            <a:pPr marL="285750" indent="-285750">
+              <a:buFont typeface="Arial" panose="020B0604020202020204" pitchFamily="34" charset="0"/>
+              <a:buChar char="•"/>
+            </a:pPr>
+            <a:r>
+              <a:rPr lang="en-US" sz="1600" b="1" dirty="0"/>
+              <a:t>F-statistic</a:t>
+            </a:r>
+            <a:r>
+              <a:rPr lang="en-US" sz="1600" dirty="0"/>
+              <a:t>: 2.46485</a:t>
+            </a:r>
+          </a:p>
+          <a:p>
+            <a:pPr marL="285750" indent="-285750">
+              <a:buFont typeface="Arial" panose="020B0604020202020204" pitchFamily="34" charset="0"/>
+              <a:buChar char="•"/>
+            </a:pPr>
+            <a:r>
+              <a:rPr lang="en-US" sz="1600" b="1" dirty="0"/>
+              <a:t>P-Value</a:t>
+            </a:r>
+            <a:r>
+              <a:rPr lang="en-US" sz="1600" dirty="0"/>
+              <a:t>: 0.119577</a:t>
             </a:r>
           </a:p>
         </p:txBody>
@@ -5851,7 +6268,7 @@
     </p:spTree>
     <p:extLst>
       <p:ext uri="{BB962C8B-B14F-4D97-AF65-F5344CB8AC3E}">
-        <p14:creationId xmlns:p14="http://schemas.microsoft.com/office/powerpoint/2010/main" val="1370233918"/>
+        <p14:creationId xmlns:p14="http://schemas.microsoft.com/office/powerpoint/2010/main" val="223253518"/>
       </p:ext>
     </p:extLst>
   </p:cSld>
@@ -5880,10 +6297,10 @@
       </p:grpSpPr>
       <p:sp>
         <p:nvSpPr>
-          <p:cNvPr id="7" name="TextBox 6">
-            <a:extLst>
-              <a:ext uri="{FF2B5EF4-FFF2-40B4-BE49-F238E27FC236}">
-                <a16:creationId xmlns:a16="http://schemas.microsoft.com/office/drawing/2014/main" id="{80BDE28C-38A3-4CF2-8A78-223AC021826F}"/>
+          <p:cNvPr id="8" name="TextBox 7">
+            <a:extLst>
+              <a:ext uri="{FF2B5EF4-FFF2-40B4-BE49-F238E27FC236}">
+                <a16:creationId xmlns:a16="http://schemas.microsoft.com/office/drawing/2014/main" xmlns="" id="{E89D5BA1-38F5-4D76-9999-9DBA0CF889A9}"/>
               </a:ext>
             </a:extLst>
           </p:cNvPr>
@@ -5892,8 +6309,8 @@
         </p:nvSpPr>
         <p:spPr>
           <a:xfrm>
-            <a:off x="709116" y="2341041"/>
-            <a:ext cx="9741168" cy="2677656"/>
+            <a:off x="870120" y="310767"/>
+            <a:ext cx="10048359" cy="4462760"/>
           </a:xfrm>
           <a:prstGeom prst="rect">
             <a:avLst/>
@@ -5901,161 +6318,288 @@
           <a:noFill/>
         </p:spPr>
         <p:txBody>
-          <a:bodyPr wrap="square">
+          <a:bodyPr wrap="square" rtlCol="0">
             <a:spAutoFit/>
           </a:bodyPr>
           <a:lstStyle/>
           <a:p>
-            <a:pPr marL="0" marR="0">
-              <a:spcBef>
-                <a:spcPts val="0"/>
-              </a:spcBef>
-              <a:spcAft>
-                <a:spcPts val="0"/>
-              </a:spcAft>
+            <a:pPr algn="ctr"/>
+            <a:r>
+              <a:rPr lang="en-US" sz="4000" b="1" dirty="0"/>
+              <a:t>Overview</a:t>
+            </a:r>
+          </a:p>
+          <a:p>
+            <a:pPr algn="ctr"/>
+            <a:endParaRPr lang="en-US" sz="1000" b="1" dirty="0"/>
+          </a:p>
+          <a:p>
+            <a:pPr marL="285750" indent="-285750">
+              <a:buFont typeface="Arial" panose="020B0604020202020204" pitchFamily="34" charset="0"/>
+              <a:buChar char="•"/>
             </a:pPr>
             <a:r>
-              <a:rPr lang="en-US" sz="2400" b="1" u="sng" dirty="0">
+              <a:rPr lang="en-US" sz="2000" dirty="0"/>
+              <a:t>The known number of asteroid is estimated  to be 1,016,447. –</a:t>
+            </a:r>
+            <a:r>
+              <a:rPr lang="en-US" sz="2000" dirty="0">
+                <a:hlinkClick r:id="rId2"/>
+              </a:rPr>
+              <a:t>NASA</a:t>
+            </a:r>
+            <a:endParaRPr lang="en-US" sz="2000" dirty="0"/>
+          </a:p>
+          <a:p>
+            <a:endParaRPr lang="en-US" sz="1400" b="0" i="0" dirty="0">
+              <a:solidFill>
+                <a:srgbClr val="3A3A3A"/>
+              </a:solidFill>
+              <a:effectLst/>
+              <a:latin typeface="Metropolis"/>
+            </a:endParaRPr>
+          </a:p>
+          <a:p>
+            <a:pPr marL="285750" indent="-285750">
+              <a:buFont typeface="Arial" panose="020B0604020202020204" pitchFamily="34" charset="0"/>
+              <a:buChar char="•"/>
+            </a:pPr>
+            <a:r>
+              <a:rPr lang="en-US" sz="2000" dirty="0">
+                <a:solidFill>
+                  <a:srgbClr val="3A3A3A"/>
+                </a:solidFill>
+                <a:latin typeface="Metropolis"/>
+              </a:rPr>
+              <a:t>The majority of asteroids </a:t>
+            </a:r>
+            <a:r>
+              <a:rPr lang="en-US" sz="2000" b="0" i="0" dirty="0">
+                <a:solidFill>
+                  <a:srgbClr val="3A3A3A"/>
+                </a:solidFill>
                 <a:effectLst/>
-                <a:latin typeface="Calibri" panose="020F0502020204030204" pitchFamily="34" charset="0"/>
-                <a:ea typeface="Calibri" panose="020F0502020204030204" pitchFamily="34" charset="0"/>
-                <a:cs typeface="Times New Roman" panose="02020603050405020304" pitchFamily="18" charset="0"/>
+                <a:latin typeface="Metropolis"/>
               </a:rPr>
-              <a:t>Null hypothesis  (H</a:t>
-            </a:r>
-            <a:r>
-              <a:rPr lang="en-US" sz="2400" b="1" u="sng" baseline="-25000" dirty="0">
+              <a:t>orbiting the sun are located between Mars and Jupiter (estimated 1.1 to 1.9 million). These are known as the Main asteroid belt. –</a:t>
+            </a:r>
+            <a:r>
+              <a:rPr lang="en-US" sz="2000" dirty="0">
+                <a:hlinkClick r:id="rId2"/>
+              </a:rPr>
+              <a:t>NASA</a:t>
+            </a:r>
+            <a:endParaRPr lang="en-US" sz="2000" dirty="0"/>
+          </a:p>
+          <a:p>
+            <a:pPr marL="285750" indent="-285750">
+              <a:buFont typeface="Arial" panose="020B0604020202020204" pitchFamily="34" charset="0"/>
+              <a:buChar char="•"/>
+            </a:pPr>
+            <a:endParaRPr lang="en-US" sz="1400" dirty="0">
+              <a:solidFill>
+                <a:srgbClr val="3A3A3A"/>
+              </a:solidFill>
+              <a:latin typeface="Metropolis"/>
+            </a:endParaRPr>
+          </a:p>
+          <a:p>
+            <a:pPr marL="285750" indent="-285750">
+              <a:buFont typeface="Arial" panose="020B0604020202020204" pitchFamily="34" charset="0"/>
+              <a:buChar char="•"/>
+            </a:pPr>
+            <a:r>
+              <a:rPr lang="en-US" sz="2000" dirty="0">
+                <a:solidFill>
+                  <a:srgbClr val="3A3A3A"/>
+                </a:solidFill>
+                <a:latin typeface="Metropolis"/>
+              </a:rPr>
+              <a:t>Asteroids located near earth are estimated at 10,000. Roughly 800 are 1 kilometer in diameter.</a:t>
+            </a:r>
+            <a:r>
+              <a:rPr lang="en-US" sz="2000" b="0" i="0" dirty="0">
+                <a:solidFill>
+                  <a:srgbClr val="3A3A3A"/>
+                </a:solidFill>
                 <a:effectLst/>
-                <a:latin typeface="Calibri" panose="020F0502020204030204" pitchFamily="34" charset="0"/>
-                <a:ea typeface="Calibri" panose="020F0502020204030204" pitchFamily="34" charset="0"/>
-                <a:cs typeface="Times New Roman" panose="02020603050405020304" pitchFamily="18" charset="0"/>
+                <a:latin typeface="Metropolis"/>
               </a:rPr>
-              <a:t>o</a:t>
-            </a:r>
-            <a:r>
-              <a:rPr lang="en-US" sz="2400" b="1" u="sng" dirty="0">
+              <a:t> –</a:t>
+            </a:r>
+            <a:r>
+              <a:rPr lang="en-US" sz="2000" dirty="0">
+                <a:hlinkClick r:id="rId2"/>
+              </a:rPr>
+              <a:t>NASA</a:t>
+            </a:r>
+            <a:endParaRPr lang="en-US" sz="2000" dirty="0">
+              <a:solidFill>
+                <a:srgbClr val="3A3A3A"/>
+              </a:solidFill>
+              <a:latin typeface="Metropolis"/>
+            </a:endParaRPr>
+          </a:p>
+          <a:p>
+            <a:pPr marL="285750" indent="-285750">
+              <a:buFont typeface="Arial" panose="020B0604020202020204" pitchFamily="34" charset="0"/>
+              <a:buChar char="•"/>
+            </a:pPr>
+            <a:endParaRPr lang="en-US" sz="1400" dirty="0">
+              <a:solidFill>
+                <a:srgbClr val="3A3A3A"/>
+              </a:solidFill>
+              <a:latin typeface="Metropolis"/>
+            </a:endParaRPr>
+          </a:p>
+          <a:p>
+            <a:pPr marL="285750" indent="-285750">
+              <a:buFont typeface="Arial" panose="020B0604020202020204" pitchFamily="34" charset="0"/>
+              <a:buChar char="•"/>
+            </a:pPr>
+            <a:r>
+              <a:rPr lang="en-US" sz="2000" dirty="0">
+                <a:solidFill>
+                  <a:srgbClr val="3A3A3A"/>
+                </a:solidFill>
+                <a:latin typeface="Metropolis"/>
+              </a:rPr>
+              <a:t>The composition of asteroids  predominately  contain chondrite (known as C-type), silicates (S-type) , and metals (M-type). </a:t>
+            </a:r>
+            <a:r>
+              <a:rPr lang="en-US" sz="2000" b="0" i="0" dirty="0">
+                <a:solidFill>
+                  <a:srgbClr val="3A3A3A"/>
+                </a:solidFill>
                 <a:effectLst/>
-                <a:latin typeface="Calibri" panose="020F0502020204030204" pitchFamily="34" charset="0"/>
-                <a:ea typeface="Calibri" panose="020F0502020204030204" pitchFamily="34" charset="0"/>
-                <a:cs typeface="Times New Roman" panose="02020603050405020304" pitchFamily="18" charset="0"/>
+                <a:latin typeface="Metropolis"/>
               </a:rPr>
-              <a:t>)</a:t>
-            </a:r>
-            <a:endParaRPr lang="en-US" sz="2400" dirty="0">
-              <a:effectLst/>
-              <a:latin typeface="Calibri" panose="020F0502020204030204" pitchFamily="34" charset="0"/>
-              <a:ea typeface="Calibri" panose="020F0502020204030204" pitchFamily="34" charset="0"/>
-              <a:cs typeface="Times New Roman" panose="02020603050405020304" pitchFamily="18" charset="0"/>
-            </a:endParaRPr>
-          </a:p>
-          <a:p>
-            <a:pPr marL="0" marR="0">
-              <a:spcBef>
-                <a:spcPts val="0"/>
-              </a:spcBef>
-              <a:spcAft>
-                <a:spcPts val="0"/>
-              </a:spcAft>
+              <a:t>–</a:t>
+            </a:r>
+            <a:r>
+              <a:rPr lang="en-US" sz="2000" dirty="0">
+                <a:hlinkClick r:id="rId2"/>
+              </a:rPr>
+              <a:t>NASA</a:t>
+            </a:r>
+            <a:endParaRPr lang="en-US" sz="2000" dirty="0"/>
+          </a:p>
+          <a:p>
+            <a:pPr marL="285750" indent="-285750">
+              <a:buFont typeface="Arial" panose="020B0604020202020204" pitchFamily="34" charset="0"/>
+              <a:buChar char="•"/>
             </a:pPr>
-            <a:r>
-              <a:rPr lang="en-US" sz="2400" dirty="0">
+            <a:endParaRPr lang="en-US" sz="1400" dirty="0"/>
+          </a:p>
+          <a:p>
+            <a:pPr marL="285750" indent="-285750">
+              <a:buFont typeface="Arial" panose="020B0604020202020204" pitchFamily="34" charset="0"/>
+              <a:buChar char="•"/>
+            </a:pPr>
+            <a:r>
+              <a:rPr lang="en-US" sz="2000" b="0" i="0" dirty="0">
+                <a:solidFill>
+                  <a:srgbClr val="3A3A3A"/>
+                </a:solidFill>
                 <a:effectLst/>
-                <a:latin typeface="Calibri" panose="020F0502020204030204" pitchFamily="34" charset="0"/>
-                <a:ea typeface="Calibri" panose="020F0502020204030204" pitchFamily="34" charset="0"/>
-                <a:cs typeface="Times New Roman" panose="02020603050405020304" pitchFamily="18" charset="0"/>
+                <a:latin typeface="Metropolis"/>
               </a:rPr>
-              <a:t>If an asteroid with rare earth elements are close to earth, then a measurable amount of rare earth elements will not be detected more or less observed.</a:t>
-            </a:r>
-          </a:p>
-          <a:p>
-            <a:pPr marL="0" marR="0">
-              <a:spcBef>
-                <a:spcPts val="0"/>
-              </a:spcBef>
-              <a:spcAft>
-                <a:spcPts val="0"/>
-              </a:spcAft>
-            </a:pPr>
-            <a:r>
-              <a:rPr lang="en-US" sz="2400" dirty="0">
-                <a:effectLst/>
-                <a:latin typeface="Calibri" panose="020F0502020204030204" pitchFamily="34" charset="0"/>
-                <a:ea typeface="Calibri" panose="020F0502020204030204" pitchFamily="34" charset="0"/>
-                <a:cs typeface="Times New Roman" panose="02020603050405020304" pitchFamily="18" charset="0"/>
-              </a:rPr>
-              <a:t> </a:t>
-            </a:r>
-          </a:p>
-          <a:p>
-            <a:pPr marL="0" marR="0">
-              <a:spcBef>
-                <a:spcPts val="0"/>
-              </a:spcBef>
-              <a:spcAft>
-                <a:spcPts val="0"/>
-              </a:spcAft>
-            </a:pPr>
-            <a:r>
-              <a:rPr lang="en-US" sz="2400" b="1" dirty="0">
-                <a:effectLst/>
-                <a:latin typeface="Calibri" panose="020F0502020204030204" pitchFamily="34" charset="0"/>
-                <a:ea typeface="Calibri" panose="020F0502020204030204" pitchFamily="34" charset="0"/>
-                <a:cs typeface="Times New Roman" panose="02020603050405020304" pitchFamily="18" charset="0"/>
-              </a:rPr>
-              <a:t>Alternative Hypothesis (H</a:t>
-            </a:r>
-            <a:r>
-              <a:rPr lang="en-US" sz="2400" b="1" baseline="-25000" dirty="0">
-                <a:effectLst/>
-                <a:latin typeface="Calibri" panose="020F0502020204030204" pitchFamily="34" charset="0"/>
-                <a:ea typeface="Calibri" panose="020F0502020204030204" pitchFamily="34" charset="0"/>
-                <a:cs typeface="Times New Roman" panose="02020603050405020304" pitchFamily="18" charset="0"/>
-              </a:rPr>
-              <a:t>a</a:t>
-            </a:r>
-            <a:r>
-              <a:rPr lang="en-US" sz="2400" b="1" dirty="0">
-                <a:effectLst/>
-                <a:latin typeface="Calibri" panose="020F0502020204030204" pitchFamily="34" charset="0"/>
-                <a:ea typeface="Calibri" panose="020F0502020204030204" pitchFamily="34" charset="0"/>
-                <a:cs typeface="Times New Roman" panose="02020603050405020304" pitchFamily="18" charset="0"/>
-              </a:rPr>
-              <a:t>):</a:t>
-            </a:r>
-            <a:endParaRPr lang="en-US" sz="2400" dirty="0">
-              <a:effectLst/>
-              <a:latin typeface="Calibri" panose="020F0502020204030204" pitchFamily="34" charset="0"/>
-              <a:ea typeface="Calibri" panose="020F0502020204030204" pitchFamily="34" charset="0"/>
-              <a:cs typeface="Times New Roman" panose="02020603050405020304" pitchFamily="18" charset="0"/>
-            </a:endParaRPr>
-          </a:p>
-          <a:p>
-            <a:pPr marL="0" marR="0">
-              <a:spcBef>
-                <a:spcPts val="0"/>
-              </a:spcBef>
-              <a:spcAft>
-                <a:spcPts val="0"/>
-              </a:spcAft>
-            </a:pPr>
-            <a:r>
-              <a:rPr lang="en-US" sz="2400" dirty="0">
-                <a:effectLst/>
-                <a:latin typeface="Calibri" panose="020F0502020204030204" pitchFamily="34" charset="0"/>
-                <a:ea typeface="Calibri" panose="020F0502020204030204" pitchFamily="34" charset="0"/>
-                <a:cs typeface="Times New Roman" panose="02020603050405020304" pitchFamily="18" charset="0"/>
-              </a:rPr>
-              <a:t>If an asteroid with rare earth elements are close to earth, then a measurable amount of rare earth elements more or less will be detected.</a:t>
-            </a:r>
-          </a:p>
-        </p:txBody>
-      </p:sp>
-      <p:sp>
-        <p:nvSpPr>
-          <p:cNvPr id="9" name="TextBox 8">
-            <a:extLst>
-              <a:ext uri="{FF2B5EF4-FFF2-40B4-BE49-F238E27FC236}">
-                <a16:creationId xmlns:a16="http://schemas.microsoft.com/office/drawing/2014/main" id="{0E4D865E-3936-482F-BA42-E4CB93CE27E2}"/>
+              <a:t>What can we learn from all this data?</a:t>
+            </a:r>
+          </a:p>
+          <a:p>
+            <a:endParaRPr lang="en-US" dirty="0"/>
+          </a:p>
+        </p:txBody>
+      </p:sp>
+      <p:pic>
+        <p:nvPicPr>
+          <p:cNvPr id="10" name="Picture 9">
+            <a:extLst>
+              <a:ext uri="{FF2B5EF4-FFF2-40B4-BE49-F238E27FC236}">
+                <a16:creationId xmlns:a16="http://schemas.microsoft.com/office/drawing/2014/main" xmlns="" id="{A06A504E-C104-4EE7-BB13-6B6C05E3CA0C}"/>
+              </a:ext>
+            </a:extLst>
+          </p:cNvPr>
+          <p:cNvPicPr>
+            <a:picLocks noChangeAspect="1"/>
+          </p:cNvPicPr>
+          <p:nvPr/>
+        </p:nvPicPr>
+        <p:blipFill>
+          <a:blip r:embed="rId3"/>
+          <a:stretch>
+            <a:fillRect/>
+          </a:stretch>
+        </p:blipFill>
+        <p:spPr>
+          <a:xfrm>
+            <a:off x="0" y="4828375"/>
+            <a:ext cx="12192000" cy="1710659"/>
+          </a:xfrm>
+          <a:prstGeom prst="rect">
+            <a:avLst/>
+          </a:prstGeom>
+          <a:solidFill>
+            <a:srgbClr val="FFFFFF"/>
+          </a:solidFill>
+        </p:spPr>
+      </p:pic>
+      <p:sp>
+        <p:nvSpPr>
+          <p:cNvPr id="12" name="Arrow: Down 11">
+            <a:extLst>
+              <a:ext uri="{FF2B5EF4-FFF2-40B4-BE49-F238E27FC236}">
+                <a16:creationId xmlns:a16="http://schemas.microsoft.com/office/drawing/2014/main" xmlns="" id="{203BBDE6-EF58-4AA8-93C4-8469BCF200B1}"/>
+              </a:ext>
+            </a:extLst>
+          </p:cNvPr>
+          <p:cNvSpPr/>
+          <p:nvPr/>
+        </p:nvSpPr>
+        <p:spPr>
+          <a:xfrm rot="16200000">
+            <a:off x="2384418" y="3497943"/>
+            <a:ext cx="739587" cy="3400450"/>
+          </a:xfrm>
+          <a:prstGeom prst="downArrow">
+            <a:avLst/>
+          </a:prstGeom>
+          <a:solidFill>
+            <a:srgbClr val="C00000"/>
+          </a:solidFill>
+        </p:spPr>
+        <p:style>
+          <a:lnRef idx="2">
+            <a:schemeClr val="accent1">
+              <a:shade val="50000"/>
+            </a:schemeClr>
+          </a:lnRef>
+          <a:fillRef idx="1">
+            <a:schemeClr val="accent1"/>
+          </a:fillRef>
+          <a:effectRef idx="0">
+            <a:schemeClr val="accent1"/>
+          </a:effectRef>
+          <a:fontRef idx="minor">
+            <a:schemeClr val="lt1"/>
+          </a:fontRef>
+        </p:style>
+        <p:txBody>
+          <a:bodyPr rtlCol="0" anchor="ctr"/>
+          <a:lstStyle/>
+          <a:p>
+            <a:pPr algn="ctr"/>
+            <a:endParaRPr lang="en-US" dirty="0"/>
+          </a:p>
+        </p:txBody>
+      </p:sp>
+      <p:sp>
+        <p:nvSpPr>
+          <p:cNvPr id="14" name="TextBox 13">
+            <a:extLst>
+              <a:ext uri="{FF2B5EF4-FFF2-40B4-BE49-F238E27FC236}">
+                <a16:creationId xmlns:a16="http://schemas.microsoft.com/office/drawing/2014/main" xmlns="" id="{B244C330-F40D-4485-935C-C34FF4FBA5A3}"/>
               </a:ext>
             </a:extLst>
           </p:cNvPr>
@@ -6064,8 +6608,8 @@
         </p:nvSpPr>
         <p:spPr>
           <a:xfrm>
-            <a:off x="709116" y="1008307"/>
-            <a:ext cx="9741169" cy="830997"/>
+            <a:off x="1058387" y="5013503"/>
+            <a:ext cx="2989395" cy="369332"/>
           </a:xfrm>
           <a:prstGeom prst="rect">
             <a:avLst/>
@@ -6073,62 +6617,74 @@
           <a:noFill/>
         </p:spPr>
         <p:txBody>
-          <a:bodyPr wrap="square">
+          <a:bodyPr wrap="square" rtlCol="0">
             <a:spAutoFit/>
           </a:bodyPr>
           <a:lstStyle/>
           <a:p>
-            <a:pPr marL="0" marR="0">
-              <a:spcBef>
-                <a:spcPts val="0"/>
-              </a:spcBef>
-              <a:spcAft>
-                <a:spcPts val="0"/>
-              </a:spcAft>
-            </a:pPr>
-            <a:r>
-              <a:rPr lang="en-US" sz="2400" b="1" u="sng" dirty="0">
-                <a:effectLst/>
-                <a:latin typeface="Calibri" panose="020F0502020204030204" pitchFamily="34" charset="0"/>
-                <a:ea typeface="Calibri" panose="020F0502020204030204" pitchFamily="34" charset="0"/>
-                <a:cs typeface="Times New Roman" panose="02020603050405020304" pitchFamily="18" charset="0"/>
+            <a:r>
+              <a:rPr lang="en-US" b="1" dirty="0">
+                <a:solidFill>
+                  <a:schemeClr val="bg1"/>
+                </a:solidFill>
               </a:rPr>
-              <a:t>Question</a:t>
-            </a:r>
-            <a:endParaRPr lang="en-US" sz="2400" dirty="0">
-              <a:effectLst/>
-              <a:latin typeface="Calibri" panose="020F0502020204030204" pitchFamily="34" charset="0"/>
-              <a:ea typeface="Calibri" panose="020F0502020204030204" pitchFamily="34" charset="0"/>
-              <a:cs typeface="Times New Roman" panose="02020603050405020304" pitchFamily="18" charset="0"/>
-            </a:endParaRPr>
-          </a:p>
-          <a:p>
-            <a:pPr marL="0" marR="0">
-              <a:spcBef>
-                <a:spcPts val="0"/>
-              </a:spcBef>
-              <a:spcAft>
-                <a:spcPts val="0"/>
-              </a:spcAft>
-            </a:pPr>
-            <a:r>
-              <a:rPr lang="en-US" sz="2400" dirty="0">
-                <a:effectLst/>
-                <a:latin typeface="Calibri" panose="020F0502020204030204" pitchFamily="34" charset="0"/>
-                <a:ea typeface="Calibri" panose="020F0502020204030204" pitchFamily="34" charset="0"/>
-                <a:cs typeface="Times New Roman" panose="02020603050405020304" pitchFamily="18" charset="0"/>
-              </a:rPr>
-              <a:t>Do rare earth elements exist in significant quantities on asteroids near earth?</a:t>
-            </a:r>
-          </a:p>
-        </p:txBody>
-      </p:sp>
-      <p:sp>
-        <p:nvSpPr>
-          <p:cNvPr id="10" name="TextBox 9">
-            <a:extLst>
-              <a:ext uri="{FF2B5EF4-FFF2-40B4-BE49-F238E27FC236}">
-                <a16:creationId xmlns:a16="http://schemas.microsoft.com/office/drawing/2014/main" id="{CA764E2C-B1C8-4D69-9413-3FE90BCC33C3}"/>
+              <a:t> 1 Astronomical Unit (AU)</a:t>
+            </a:r>
+          </a:p>
+        </p:txBody>
+      </p:sp>
+      <p:sp>
+        <p:nvSpPr>
+          <p:cNvPr id="16" name="Oval 15">
+            <a:extLst>
+              <a:ext uri="{FF2B5EF4-FFF2-40B4-BE49-F238E27FC236}">
+                <a16:creationId xmlns:a16="http://schemas.microsoft.com/office/drawing/2014/main" xmlns="" id="{1AF9BD6A-19EC-47FA-927D-A4470DFAB671}"/>
+              </a:ext>
+            </a:extLst>
+          </p:cNvPr>
+          <p:cNvSpPr/>
+          <p:nvPr/>
+        </p:nvSpPr>
+        <p:spPr>
+          <a:xfrm>
+            <a:off x="5483748" y="4903809"/>
+            <a:ext cx="1126693" cy="496388"/>
+          </a:xfrm>
+          <a:prstGeom prst="ellipse">
+            <a:avLst/>
+          </a:prstGeom>
+        </p:spPr>
+        <p:style>
+          <a:lnRef idx="2">
+            <a:schemeClr val="accent1">
+              <a:shade val="50000"/>
+            </a:schemeClr>
+          </a:lnRef>
+          <a:fillRef idx="1">
+            <a:schemeClr val="accent1"/>
+          </a:fillRef>
+          <a:effectRef idx="0">
+            <a:schemeClr val="accent1"/>
+          </a:effectRef>
+          <a:fontRef idx="minor">
+            <a:schemeClr val="lt1"/>
+          </a:fontRef>
+        </p:style>
+        <p:txBody>
+          <a:bodyPr rtlCol="0" anchor="ctr"/>
+          <a:lstStyle/>
+          <a:p>
+            <a:pPr algn="ctr"/>
+            <a:endParaRPr lang="en-US"/>
+          </a:p>
+        </p:txBody>
+      </p:sp>
+      <p:sp>
+        <p:nvSpPr>
+          <p:cNvPr id="17" name="TextBox 16">
+            <a:extLst>
+              <a:ext uri="{FF2B5EF4-FFF2-40B4-BE49-F238E27FC236}">
+                <a16:creationId xmlns:a16="http://schemas.microsoft.com/office/drawing/2014/main" xmlns="" id="{DBC325E2-2A13-42B5-B977-EE0863CA45DE}"/>
               </a:ext>
             </a:extLst>
           </p:cNvPr>
@@ -6137,8 +6693,8 @@
         </p:nvSpPr>
         <p:spPr>
           <a:xfrm>
-            <a:off x="3726636" y="300421"/>
-            <a:ext cx="3379451" cy="707886"/>
+            <a:off x="5369637" y="4903809"/>
+            <a:ext cx="1452725" cy="461665"/>
           </a:xfrm>
           <a:prstGeom prst="rect">
             <a:avLst/>
@@ -6146,14 +6702,109 @@
           <a:noFill/>
         </p:spPr>
         <p:txBody>
-          <a:bodyPr wrap="none" rtlCol="0">
+          <a:bodyPr wrap="square" rtlCol="0">
             <a:spAutoFit/>
           </a:bodyPr>
           <a:lstStyle/>
           <a:p>
-            <a:r>
-              <a:rPr lang="en-US" sz="4000" dirty="0"/>
-              <a:t>The Hypothesis</a:t>
+            <a:pPr algn="ctr"/>
+            <a:r>
+              <a:rPr lang="en-US" sz="1200" b="1" dirty="0"/>
+              <a:t>Main </a:t>
+            </a:r>
+          </a:p>
+          <a:p>
+            <a:pPr algn="ctr"/>
+            <a:r>
+              <a:rPr lang="en-US" sz="1200" b="1" dirty="0"/>
+              <a:t>Asteroid belt</a:t>
+            </a:r>
+          </a:p>
+        </p:txBody>
+      </p:sp>
+      <p:sp>
+        <p:nvSpPr>
+          <p:cNvPr id="19" name="Oval 18">
+            <a:extLst>
+              <a:ext uri="{FF2B5EF4-FFF2-40B4-BE49-F238E27FC236}">
+                <a16:creationId xmlns:a16="http://schemas.microsoft.com/office/drawing/2014/main" xmlns="" id="{0FE11DB7-7405-4A18-8FE9-E044E2C4795F}"/>
+              </a:ext>
+            </a:extLst>
+          </p:cNvPr>
+          <p:cNvSpPr/>
+          <p:nvPr/>
+        </p:nvSpPr>
+        <p:spPr>
+          <a:xfrm>
+            <a:off x="3570021" y="6042646"/>
+            <a:ext cx="1741225" cy="496388"/>
+          </a:xfrm>
+          <a:prstGeom prst="ellipse">
+            <a:avLst/>
+          </a:prstGeom>
+          <a:solidFill>
+            <a:schemeClr val="accent6">
+              <a:lumMod val="60000"/>
+              <a:lumOff val="40000"/>
+            </a:schemeClr>
+          </a:solidFill>
+        </p:spPr>
+        <p:style>
+          <a:lnRef idx="2">
+            <a:schemeClr val="accent1">
+              <a:shade val="50000"/>
+            </a:schemeClr>
+          </a:lnRef>
+          <a:fillRef idx="1">
+            <a:schemeClr val="accent1"/>
+          </a:fillRef>
+          <a:effectRef idx="0">
+            <a:schemeClr val="accent1"/>
+          </a:effectRef>
+          <a:fontRef idx="minor">
+            <a:schemeClr val="lt1"/>
+          </a:fontRef>
+        </p:style>
+        <p:txBody>
+          <a:bodyPr rtlCol="0" anchor="ctr"/>
+          <a:lstStyle/>
+          <a:p>
+            <a:pPr algn="ctr"/>
+            <a:endParaRPr lang="en-US"/>
+          </a:p>
+        </p:txBody>
+      </p:sp>
+      <p:sp>
+        <p:nvSpPr>
+          <p:cNvPr id="20" name="TextBox 19">
+            <a:extLst>
+              <a:ext uri="{FF2B5EF4-FFF2-40B4-BE49-F238E27FC236}">
+                <a16:creationId xmlns:a16="http://schemas.microsoft.com/office/drawing/2014/main" xmlns="" id="{E668407E-BBBE-4EB5-91A3-AC17915E5474}"/>
+              </a:ext>
+            </a:extLst>
+          </p:cNvPr>
+          <p:cNvSpPr txBox="1"/>
+          <p:nvPr/>
+        </p:nvSpPr>
+        <p:spPr>
+          <a:xfrm>
+            <a:off x="3674790" y="6152340"/>
+            <a:ext cx="1531686" cy="276999"/>
+          </a:xfrm>
+          <a:prstGeom prst="rect">
+            <a:avLst/>
+          </a:prstGeom>
+          <a:noFill/>
+        </p:spPr>
+        <p:txBody>
+          <a:bodyPr wrap="square" rtlCol="0">
+            <a:spAutoFit/>
+          </a:bodyPr>
+          <a:lstStyle/>
+          <a:p>
+            <a:r>
+              <a:rPr lang="en-US" sz="1200" b="1" dirty="0"/>
+              <a:t>Near Earth Asteroids</a:t>
             </a:r>
           </a:p>
         </p:txBody>
@@ -6161,7 +6812,7 @@
     </p:spTree>
     <p:extLst>
       <p:ext uri="{BB962C8B-B14F-4D97-AF65-F5344CB8AC3E}">
-        <p14:creationId xmlns:p14="http://schemas.microsoft.com/office/powerpoint/2010/main" val="622145278"/>
+        <p14:creationId xmlns:p14="http://schemas.microsoft.com/office/powerpoint/2010/main" val="1370233918"/>
       </p:ext>
     </p:extLst>
   </p:cSld>
@@ -6190,45 +6841,10 @@
       </p:grpSpPr>
       <p:sp>
         <p:nvSpPr>
-          <p:cNvPr id="2" name="Title 1">
-            <a:extLst>
-              <a:ext uri="{FF2B5EF4-FFF2-40B4-BE49-F238E27FC236}">
-                <a16:creationId xmlns:a16="http://schemas.microsoft.com/office/drawing/2014/main" id="{1E46C1A6-E9BF-4F59-8193-CDA41238A778}"/>
-              </a:ext>
-            </a:extLst>
-          </p:cNvPr>
-          <p:cNvSpPr>
-            <a:spLocks noGrp="1"/>
-          </p:cNvSpPr>
-          <p:nvPr>
-            <p:ph type="title"/>
-          </p:nvPr>
-        </p:nvSpPr>
-        <p:spPr>
-          <a:xfrm>
-            <a:off x="3122023" y="152315"/>
-            <a:ext cx="5201706" cy="662781"/>
-          </a:xfrm>
-        </p:spPr>
-        <p:txBody>
-          <a:bodyPr>
-            <a:normAutofit fontScale="90000"/>
-          </a:bodyPr>
-          <a:lstStyle/>
-          <a:p>
-            <a:r>
-              <a:rPr lang="en-US" dirty="0"/>
-              <a:t>Resources and Methods</a:t>
-            </a:r>
-          </a:p>
-        </p:txBody>
-      </p:sp>
-      <p:sp>
-        <p:nvSpPr>
-          <p:cNvPr id="6" name="TextBox 5">
-            <a:extLst>
-              <a:ext uri="{FF2B5EF4-FFF2-40B4-BE49-F238E27FC236}">
-                <a16:creationId xmlns:a16="http://schemas.microsoft.com/office/drawing/2014/main" id="{0B43F56E-5E3B-4C90-8069-4AE1C1E5D874}"/>
+          <p:cNvPr id="7" name="TextBox 6">
+            <a:extLst>
+              <a:ext uri="{FF2B5EF4-FFF2-40B4-BE49-F238E27FC236}">
+                <a16:creationId xmlns:a16="http://schemas.microsoft.com/office/drawing/2014/main" xmlns="" id="{80BDE28C-38A3-4CF2-8A78-223AC021826F}"/>
               </a:ext>
             </a:extLst>
           </p:cNvPr>
@@ -6237,8 +6853,8 @@
         </p:nvSpPr>
         <p:spPr>
           <a:xfrm>
-            <a:off x="699437" y="804253"/>
-            <a:ext cx="10851588" cy="4862870"/>
+            <a:off x="709116" y="2341041"/>
+            <a:ext cx="9741168" cy="2677656"/>
           </a:xfrm>
           <a:prstGeom prst="rect">
             <a:avLst/>
@@ -6246,80 +6862,161 @@
           <a:noFill/>
         </p:spPr>
         <p:txBody>
-          <a:bodyPr wrap="square" rtlCol="0">
+          <a:bodyPr wrap="square">
             <a:spAutoFit/>
           </a:bodyPr>
           <a:lstStyle/>
           <a:p>
-            <a:r>
-              <a:rPr lang="en-US" sz="2000" b="1" dirty="0"/>
-              <a:t>Asterank Database - </a:t>
-            </a:r>
-            <a:r>
-              <a:rPr lang="en-US" sz="2000" b="1" dirty="0">
-                <a:hlinkClick r:id="rId2"/>
+            <a:pPr marL="0" marR="0">
+              <a:spcBef>
+                <a:spcPts val="0"/>
+              </a:spcBef>
+              <a:spcAft>
+                <a:spcPts val="0"/>
+              </a:spcAft>
+            </a:pPr>
+            <a:r>
+              <a:rPr lang="en-US" sz="2400" b="1" u="sng" dirty="0">
+                <a:effectLst/>
+                <a:latin typeface="Calibri" panose="020F0502020204030204" pitchFamily="34" charset="0"/>
+                <a:ea typeface="Calibri" panose="020F0502020204030204" pitchFamily="34" charset="0"/>
+                <a:cs typeface="Times New Roman" panose="02020603050405020304" pitchFamily="18" charset="0"/>
               </a:rPr>
-              <a:t>Link</a:t>
-            </a:r>
-            <a:endParaRPr lang="en-US" sz="2000" b="1" dirty="0"/>
-          </a:p>
-          <a:p>
-            <a:r>
-              <a:rPr lang="en-US" dirty="0"/>
-              <a:t>Asterank is a scientific and economic database of over 600,000 asteroids.  The database is a collection of data consisting of asteroid mass, spectral data, orbits, and  other critical data points. Asteroid mass and spectral data are employed to estimate a financial value of an asteroid based on current metal prices. (examples: </a:t>
-            </a:r>
-            <a:r>
-              <a:rPr lang="en-US" dirty="0" err="1"/>
-              <a:t>Os</a:t>
-            </a:r>
-            <a:r>
-              <a:rPr lang="en-US" dirty="0"/>
-              <a:t>, </a:t>
-            </a:r>
-            <a:r>
-              <a:rPr lang="en-US" dirty="0" err="1"/>
-              <a:t>Ir</a:t>
-            </a:r>
-            <a:r>
-              <a:rPr lang="en-US" dirty="0"/>
-              <a:t>, Ru, Pt, Rh, Co, Au, Pd, Ni, and Cr) . These net values of an identified asteroid are reported on the Asterank website in a dollar amount.</a:t>
-            </a:r>
-          </a:p>
-          <a:p>
-            <a:endParaRPr lang="en-US" dirty="0"/>
-          </a:p>
-          <a:p>
-            <a:r>
-              <a:rPr lang="en-US" sz="2000" b="1" dirty="0"/>
-              <a:t>Assumptions</a:t>
-            </a:r>
-          </a:p>
-          <a:p>
-            <a:r>
-              <a:rPr lang="en-US" dirty="0"/>
-              <a:t>For the purpose of this exercise, the financial value of each asteroid will serve as a metric to quantify the presence of  precious metals and or rare earth elements. An asteroid estimated to be valued at 1 trillion dollars  and above will be considered to have a significant amount of precious and rare earth metals. The categories assigned were as follows: less than one billion, Less than a trillion, 1 trillion to 99 trillion, greater than 100 trillion, and no observed metal.</a:t>
-            </a:r>
-          </a:p>
-          <a:p>
-            <a:endParaRPr lang="en-US" dirty="0"/>
-          </a:p>
-          <a:p>
-            <a:r>
-              <a:rPr lang="en-US" dirty="0"/>
-              <a:t>A Dataset was constructed based on the proximity of an asteroid to earth.  A range of  0.8 to 1.2 Astronomical Units  (AU) will be used for this exercise. </a:t>
-            </a:r>
-          </a:p>
-          <a:p>
-            <a:endParaRPr lang="en-US" dirty="0"/>
-          </a:p>
-        </p:txBody>
-      </p:sp>
-      <p:sp>
-        <p:nvSpPr>
-          <p:cNvPr id="7" name="TextBox 6">
-            <a:extLst>
-              <a:ext uri="{FF2B5EF4-FFF2-40B4-BE49-F238E27FC236}">
-                <a16:creationId xmlns:a16="http://schemas.microsoft.com/office/drawing/2014/main" id="{21D16E0B-3107-4CB1-AB32-AB054D42249A}"/>
+              <a:t>Null hypothesis  (H</a:t>
+            </a:r>
+            <a:r>
+              <a:rPr lang="en-US" sz="2400" b="1" u="sng" baseline="-25000" dirty="0">
+                <a:effectLst/>
+                <a:latin typeface="Calibri" panose="020F0502020204030204" pitchFamily="34" charset="0"/>
+                <a:ea typeface="Calibri" panose="020F0502020204030204" pitchFamily="34" charset="0"/>
+                <a:cs typeface="Times New Roman" panose="02020603050405020304" pitchFamily="18" charset="0"/>
+              </a:rPr>
+              <a:t>o</a:t>
+            </a:r>
+            <a:r>
+              <a:rPr lang="en-US" sz="2400" b="1" u="sng" dirty="0" smtClean="0">
+                <a:effectLst/>
+                <a:latin typeface="Calibri" panose="020F0502020204030204" pitchFamily="34" charset="0"/>
+                <a:ea typeface="Calibri" panose="020F0502020204030204" pitchFamily="34" charset="0"/>
+                <a:cs typeface="Times New Roman" panose="02020603050405020304" pitchFamily="18" charset="0"/>
+              </a:rPr>
+              <a:t>):</a:t>
+            </a:r>
+            <a:endParaRPr lang="en-US" sz="2400" dirty="0">
+              <a:effectLst/>
+              <a:latin typeface="Calibri" panose="020F0502020204030204" pitchFamily="34" charset="0"/>
+              <a:ea typeface="Calibri" panose="020F0502020204030204" pitchFamily="34" charset="0"/>
+              <a:cs typeface="Times New Roman" panose="02020603050405020304" pitchFamily="18" charset="0"/>
+            </a:endParaRPr>
+          </a:p>
+          <a:p>
+            <a:pPr marL="0" marR="0">
+              <a:spcBef>
+                <a:spcPts val="0"/>
+              </a:spcBef>
+              <a:spcAft>
+                <a:spcPts val="0"/>
+              </a:spcAft>
+            </a:pPr>
+            <a:r>
+              <a:rPr lang="en-US" sz="2400" dirty="0">
+                <a:effectLst/>
+                <a:latin typeface="Calibri" panose="020F0502020204030204" pitchFamily="34" charset="0"/>
+                <a:ea typeface="Calibri" panose="020F0502020204030204" pitchFamily="34" charset="0"/>
+                <a:cs typeface="Times New Roman" panose="02020603050405020304" pitchFamily="18" charset="0"/>
+              </a:rPr>
+              <a:t>If an asteroid with rare earth elements are close to earth, then a measurable amount of rare earth elements will not be detected more or less observed.</a:t>
+            </a:r>
+          </a:p>
+          <a:p>
+            <a:pPr marL="0" marR="0">
+              <a:spcBef>
+                <a:spcPts val="0"/>
+              </a:spcBef>
+              <a:spcAft>
+                <a:spcPts val="0"/>
+              </a:spcAft>
+            </a:pPr>
+            <a:r>
+              <a:rPr lang="en-US" sz="2400" dirty="0">
+                <a:effectLst/>
+                <a:latin typeface="Calibri" panose="020F0502020204030204" pitchFamily="34" charset="0"/>
+                <a:ea typeface="Calibri" panose="020F0502020204030204" pitchFamily="34" charset="0"/>
+                <a:cs typeface="Times New Roman" panose="02020603050405020304" pitchFamily="18" charset="0"/>
+              </a:rPr>
+              <a:t> </a:t>
+            </a:r>
+          </a:p>
+          <a:p>
+            <a:pPr marL="0" marR="0">
+              <a:spcBef>
+                <a:spcPts val="0"/>
+              </a:spcBef>
+              <a:spcAft>
+                <a:spcPts val="0"/>
+              </a:spcAft>
+            </a:pPr>
+            <a:r>
+              <a:rPr lang="en-US" sz="2400" b="1" u="sng" dirty="0">
+                <a:effectLst/>
+                <a:latin typeface="Calibri" panose="020F0502020204030204" pitchFamily="34" charset="0"/>
+                <a:ea typeface="Calibri" panose="020F0502020204030204" pitchFamily="34" charset="0"/>
+                <a:cs typeface="Times New Roman" panose="02020603050405020304" pitchFamily="18" charset="0"/>
+              </a:rPr>
+              <a:t>Alternative Hypothesis (H</a:t>
+            </a:r>
+            <a:r>
+              <a:rPr lang="en-US" sz="2400" b="1" u="sng" baseline="-25000" dirty="0">
+                <a:effectLst/>
+                <a:latin typeface="Calibri" panose="020F0502020204030204" pitchFamily="34" charset="0"/>
+                <a:ea typeface="Calibri" panose="020F0502020204030204" pitchFamily="34" charset="0"/>
+                <a:cs typeface="Times New Roman" panose="02020603050405020304" pitchFamily="18" charset="0"/>
+              </a:rPr>
+              <a:t>a</a:t>
+            </a:r>
+            <a:r>
+              <a:rPr lang="en-US" sz="2400" b="1" u="sng" dirty="0">
+                <a:effectLst/>
+                <a:latin typeface="Calibri" panose="020F0502020204030204" pitchFamily="34" charset="0"/>
+                <a:ea typeface="Calibri" panose="020F0502020204030204" pitchFamily="34" charset="0"/>
+                <a:cs typeface="Times New Roman" panose="02020603050405020304" pitchFamily="18" charset="0"/>
+              </a:rPr>
+              <a:t>):</a:t>
+            </a:r>
+            <a:endParaRPr lang="en-US" sz="2400" u="sng" dirty="0">
+              <a:effectLst/>
+              <a:latin typeface="Calibri" panose="020F0502020204030204" pitchFamily="34" charset="0"/>
+              <a:ea typeface="Calibri" panose="020F0502020204030204" pitchFamily="34" charset="0"/>
+              <a:cs typeface="Times New Roman" panose="02020603050405020304" pitchFamily="18" charset="0"/>
+            </a:endParaRPr>
+          </a:p>
+          <a:p>
+            <a:pPr marL="0" marR="0">
+              <a:spcBef>
+                <a:spcPts val="0"/>
+              </a:spcBef>
+              <a:spcAft>
+                <a:spcPts val="0"/>
+              </a:spcAft>
+            </a:pPr>
+            <a:r>
+              <a:rPr lang="en-US" sz="2400" dirty="0">
+                <a:effectLst/>
+                <a:latin typeface="Calibri" panose="020F0502020204030204" pitchFamily="34" charset="0"/>
+                <a:ea typeface="Calibri" panose="020F0502020204030204" pitchFamily="34" charset="0"/>
+                <a:cs typeface="Times New Roman" panose="02020603050405020304" pitchFamily="18" charset="0"/>
+              </a:rPr>
+              <a:t>If an asteroid with rare earth elements are close to earth, then a measurable amount of rare earth elements more or less will be detected.</a:t>
+            </a:r>
+          </a:p>
+        </p:txBody>
+      </p:sp>
+      <p:sp>
+        <p:nvSpPr>
+          <p:cNvPr id="9" name="TextBox 8">
+            <a:extLst>
+              <a:ext uri="{FF2B5EF4-FFF2-40B4-BE49-F238E27FC236}">
+                <a16:creationId xmlns:a16="http://schemas.microsoft.com/office/drawing/2014/main" xmlns="" id="{0E4D865E-3936-482F-BA42-E4CB93CE27E2}"/>
               </a:ext>
             </a:extLst>
           </p:cNvPr>
@@ -6328,8 +7025,8 @@
         </p:nvSpPr>
         <p:spPr>
           <a:xfrm>
-            <a:off x="699436" y="5516199"/>
-            <a:ext cx="5355770" cy="1200329"/>
+            <a:off x="709116" y="1008307"/>
+            <a:ext cx="9741169" cy="830997"/>
           </a:xfrm>
           <a:prstGeom prst="rect">
             <a:avLst/>
@@ -6337,49 +7034,95 @@
           <a:noFill/>
         </p:spPr>
         <p:txBody>
-          <a:bodyPr wrap="square" numCol="1" rtlCol="0">
+          <a:bodyPr wrap="square">
             <a:spAutoFit/>
           </a:bodyPr>
           <a:lstStyle/>
           <a:p>
-            <a:r>
-              <a:rPr lang="en-US" b="1" dirty="0"/>
-              <a:t>Resources</a:t>
-            </a:r>
-          </a:p>
-          <a:p>
-            <a:pPr marL="285750" indent="-285750">
-              <a:buFont typeface="Arial" panose="020B0604020202020204" pitchFamily="34" charset="0"/>
-              <a:buChar char="•"/>
+            <a:pPr marL="0" marR="0">
+              <a:spcBef>
+                <a:spcPts val="0"/>
+              </a:spcBef>
+              <a:spcAft>
+                <a:spcPts val="0"/>
+              </a:spcAft>
             </a:pPr>
             <a:r>
-              <a:rPr lang="en-US" dirty="0"/>
-              <a:t>Asterank Database </a:t>
-            </a:r>
-          </a:p>
-          <a:p>
-            <a:pPr marL="285750" indent="-285750">
-              <a:buFont typeface="Arial" panose="020B0604020202020204" pitchFamily="34" charset="0"/>
-              <a:buChar char="•"/>
+              <a:rPr lang="en-US" sz="2400" b="1" u="sng" dirty="0" smtClean="0">
+                <a:effectLst/>
+                <a:latin typeface="Calibri" panose="020F0502020204030204" pitchFamily="34" charset="0"/>
+                <a:ea typeface="Calibri" panose="020F0502020204030204" pitchFamily="34" charset="0"/>
+                <a:cs typeface="Times New Roman" panose="02020603050405020304" pitchFamily="18" charset="0"/>
+              </a:rPr>
+              <a:t>Question:</a:t>
+            </a:r>
+            <a:endParaRPr lang="en-US" sz="2400" dirty="0">
+              <a:effectLst/>
+              <a:latin typeface="Calibri" panose="020F0502020204030204" pitchFamily="34" charset="0"/>
+              <a:ea typeface="Calibri" panose="020F0502020204030204" pitchFamily="34" charset="0"/>
+              <a:cs typeface="Times New Roman" panose="02020603050405020304" pitchFamily="18" charset="0"/>
+            </a:endParaRPr>
+          </a:p>
+          <a:p>
+            <a:pPr marL="0" marR="0">
+              <a:spcBef>
+                <a:spcPts val="0"/>
+              </a:spcBef>
+              <a:spcAft>
+                <a:spcPts val="0"/>
+              </a:spcAft>
             </a:pPr>
             <a:r>
-              <a:rPr lang="en-US" dirty="0"/>
-              <a:t>Juniper notebook</a:t>
-            </a:r>
-          </a:p>
-          <a:p>
-            <a:pPr marL="285750" indent="-285750">
-              <a:buFont typeface="Arial" panose="020B0604020202020204" pitchFamily="34" charset="0"/>
-              <a:buChar char="•"/>
-            </a:pPr>
-            <a:endParaRPr lang="en-US" dirty="0"/>
+              <a:rPr lang="en-US" sz="2400" dirty="0">
+                <a:effectLst/>
+                <a:latin typeface="Calibri" panose="020F0502020204030204" pitchFamily="34" charset="0"/>
+                <a:ea typeface="Calibri" panose="020F0502020204030204" pitchFamily="34" charset="0"/>
+                <a:cs typeface="Times New Roman" panose="02020603050405020304" pitchFamily="18" charset="0"/>
+              </a:rPr>
+              <a:t>Do rare earth elements exist in significant quantities on asteroids near earth?</a:t>
+            </a:r>
+          </a:p>
+        </p:txBody>
+      </p:sp>
+      <p:sp>
+        <p:nvSpPr>
+          <p:cNvPr id="10" name="TextBox 9">
+            <a:extLst>
+              <a:ext uri="{FF2B5EF4-FFF2-40B4-BE49-F238E27FC236}">
+                <a16:creationId xmlns:a16="http://schemas.microsoft.com/office/drawing/2014/main" xmlns="" id="{CA764E2C-B1C8-4D69-9413-3FE90BCC33C3}"/>
+              </a:ext>
+            </a:extLst>
+          </p:cNvPr>
+          <p:cNvSpPr txBox="1"/>
+          <p:nvPr/>
+        </p:nvSpPr>
+        <p:spPr>
+          <a:xfrm>
+            <a:off x="3726636" y="300421"/>
+            <a:ext cx="3379451" cy="707886"/>
+          </a:xfrm>
+          <a:prstGeom prst="rect">
+            <a:avLst/>
+          </a:prstGeom>
+          <a:noFill/>
+        </p:spPr>
+        <p:txBody>
+          <a:bodyPr wrap="none" rtlCol="0">
+            <a:spAutoFit/>
+          </a:bodyPr>
+          <a:lstStyle/>
+          <a:p>
+            <a:r>
+              <a:rPr lang="en-US" sz="4000" dirty="0"/>
+              <a:t>The Hypothesis</a:t>
+            </a:r>
           </a:p>
         </p:txBody>
       </p:sp>
     </p:spTree>
     <p:extLst>
       <p:ext uri="{BB962C8B-B14F-4D97-AF65-F5344CB8AC3E}">
-        <p14:creationId xmlns:p14="http://schemas.microsoft.com/office/powerpoint/2010/main" val="3531621586"/>
+        <p14:creationId xmlns:p14="http://schemas.microsoft.com/office/powerpoint/2010/main" val="622145278"/>
       </p:ext>
     </p:extLst>
   </p:cSld>
@@ -6411,7 +7154,7 @@
           <p:cNvPr id="2" name="Title 1">
             <a:extLst>
               <a:ext uri="{FF2B5EF4-FFF2-40B4-BE49-F238E27FC236}">
-                <a16:creationId xmlns:a16="http://schemas.microsoft.com/office/drawing/2014/main" id="{C0FD52C8-9ADE-4FDF-9B3A-CDCAF500C013}"/>
+                <a16:creationId xmlns:a16="http://schemas.microsoft.com/office/drawing/2014/main" xmlns="" id="{1E46C1A6-E9BF-4F59-8193-CDA41238A778}"/>
               </a:ext>
             </a:extLst>
           </p:cNvPr>
@@ -6424,59 +7167,29 @@
         </p:nvSpPr>
         <p:spPr>
           <a:xfrm>
-            <a:off x="2510246" y="65842"/>
-            <a:ext cx="10515600" cy="679904"/>
+            <a:off x="3122023" y="152315"/>
+            <a:ext cx="5201706" cy="662781"/>
           </a:xfrm>
         </p:spPr>
         <p:txBody>
           <a:bodyPr>
-            <a:normAutofit/>
+            <a:normAutofit fontScale="90000"/>
           </a:bodyPr>
           <a:lstStyle/>
           <a:p>
             <a:r>
-              <a:rPr lang="en-US" sz="3200" dirty="0"/>
-              <a:t>Number of Asteroids Near Earth Evaluated</a:t>
-            </a:r>
-          </a:p>
-        </p:txBody>
-      </p:sp>
-      <p:pic>
-        <p:nvPicPr>
-          <p:cNvPr id="5" name="Picture 4">
-            <a:extLst>
-              <a:ext uri="{FF2B5EF4-FFF2-40B4-BE49-F238E27FC236}">
-                <a16:creationId xmlns:a16="http://schemas.microsoft.com/office/drawing/2014/main" id="{24C59FD2-CB35-4CB1-8A37-767D4628BD7C}"/>
-              </a:ext>
-            </a:extLst>
-          </p:cNvPr>
-          <p:cNvPicPr>
-            <a:picLocks noChangeAspect="1"/>
-          </p:cNvPicPr>
-          <p:nvPr/>
-        </p:nvPicPr>
-        <p:blipFill>
-          <a:blip r:embed="rId2"/>
-          <a:stretch>
-            <a:fillRect/>
-          </a:stretch>
-        </p:blipFill>
-        <p:spPr>
-          <a:xfrm>
-            <a:off x="133584" y="760843"/>
-            <a:ext cx="5273431" cy="4119868"/>
-          </a:xfrm>
-          <a:prstGeom prst="rect">
-            <a:avLst/>
-          </a:prstGeom>
-        </p:spPr>
-      </p:pic>
-      <p:sp>
-        <p:nvSpPr>
-          <p:cNvPr id="7" name="TextBox 6">
-            <a:extLst>
-              <a:ext uri="{FF2B5EF4-FFF2-40B4-BE49-F238E27FC236}">
-                <a16:creationId xmlns:a16="http://schemas.microsoft.com/office/drawing/2014/main" id="{5659E0F7-5F0D-4974-98BC-4CF8B281ABE8}"/>
+              <a:rPr lang="en-US" dirty="0"/>
+              <a:t>Resources and Methods</a:t>
+            </a:r>
+          </a:p>
+        </p:txBody>
+      </p:sp>
+      <p:sp>
+        <p:nvSpPr>
+          <p:cNvPr id="6" name="TextBox 5">
+            <a:extLst>
+              <a:ext uri="{FF2B5EF4-FFF2-40B4-BE49-F238E27FC236}">
+                <a16:creationId xmlns:a16="http://schemas.microsoft.com/office/drawing/2014/main" xmlns="" id="{0B43F56E-5E3B-4C90-8069-4AE1C1E5D874}"/>
               </a:ext>
             </a:extLst>
           </p:cNvPr>
@@ -6485,8 +7198,8 @@
         </p:nvSpPr>
         <p:spPr>
           <a:xfrm>
-            <a:off x="332880" y="4944442"/>
-            <a:ext cx="5273431" cy="1815882"/>
+            <a:off x="699437" y="804253"/>
+            <a:ext cx="10851588" cy="4862870"/>
           </a:xfrm>
           <a:prstGeom prst="rect">
             <a:avLst/>
@@ -6494,18 +7207,115 @@
           <a:noFill/>
         </p:spPr>
         <p:txBody>
-          <a:bodyPr wrap="none" rtlCol="0">
+          <a:bodyPr wrap="square" rtlCol="0">
             <a:spAutoFit/>
           </a:bodyPr>
           <a:lstStyle/>
+          <a:p>
+            <a:r>
+              <a:rPr lang="en-US" sz="2000" b="1" dirty="0"/>
+              <a:t>Asterank Database - </a:t>
+            </a:r>
+            <a:r>
+              <a:rPr lang="en-US" sz="2000" b="1" dirty="0">
+                <a:hlinkClick r:id="rId2"/>
+              </a:rPr>
+              <a:t>Link</a:t>
+            </a:r>
+            <a:endParaRPr lang="en-US" sz="2000" b="1" dirty="0"/>
+          </a:p>
+          <a:p>
+            <a:r>
+              <a:rPr lang="en-US" dirty="0"/>
+              <a:t>Asterank is a scientific and economic database of over 600,000 asteroids.  The database is a collection of data consisting of asteroid mass, spectral data, orbits, and  other critical data points. Asteroid mass and spectral data are employed to estimate a financial value of an asteroid based on current metal prices. (examples: </a:t>
+            </a:r>
+            <a:r>
+              <a:rPr lang="en-US" dirty="0" err="1"/>
+              <a:t>Os</a:t>
+            </a:r>
+            <a:r>
+              <a:rPr lang="en-US" dirty="0"/>
+              <a:t>, </a:t>
+            </a:r>
+            <a:r>
+              <a:rPr lang="en-US" dirty="0" err="1"/>
+              <a:t>Ir</a:t>
+            </a:r>
+            <a:r>
+              <a:rPr lang="en-US" dirty="0"/>
+              <a:t>, Ru, Pt, Rh, Co, Au, Pd, Ni, and Cr) . These net values of an identified asteroid are reported on the Asterank website in a dollar amount.</a:t>
+            </a:r>
+          </a:p>
+          <a:p>
+            <a:endParaRPr lang="en-US" dirty="0"/>
+          </a:p>
+          <a:p>
+            <a:r>
+              <a:rPr lang="en-US" sz="2000" b="1" dirty="0"/>
+              <a:t>Assumptions</a:t>
+            </a:r>
+          </a:p>
+          <a:p>
+            <a:r>
+              <a:rPr lang="en-US" dirty="0"/>
+              <a:t>For the purpose of this exercise, the financial value of each asteroid will serve as a metric to quantify the presence of  precious metals and or rare earth elements. An asteroid estimated to be valued at 1 trillion dollars  and above will be considered to have a significant amount of precious and rare earth metals. The categories assigned were as follows: less than one billion, Less than a trillion, 1 trillion to 99 trillion, greater than 100 trillion, and no observed metal.</a:t>
+            </a:r>
+          </a:p>
+          <a:p>
+            <a:endParaRPr lang="en-US" dirty="0"/>
+          </a:p>
+          <a:p>
+            <a:r>
+              <a:rPr lang="en-US" dirty="0"/>
+              <a:t>A Dataset was constructed based on the proximity of an asteroid to earth.  A range of  0.8 to 1.2 Astronomical Units  (AU) will be used for this exercise. </a:t>
+            </a:r>
+          </a:p>
+          <a:p>
+            <a:endParaRPr lang="en-US" dirty="0"/>
+          </a:p>
+        </p:txBody>
+      </p:sp>
+      <p:sp>
+        <p:nvSpPr>
+          <p:cNvPr id="7" name="TextBox 6">
+            <a:extLst>
+              <a:ext uri="{FF2B5EF4-FFF2-40B4-BE49-F238E27FC236}">
+                <a16:creationId xmlns:a16="http://schemas.microsoft.com/office/drawing/2014/main" xmlns="" id="{21D16E0B-3107-4CB1-AB32-AB054D42249A}"/>
+              </a:ext>
+            </a:extLst>
+          </p:cNvPr>
+          <p:cNvSpPr txBox="1"/>
+          <p:nvPr/>
+        </p:nvSpPr>
+        <p:spPr>
+          <a:xfrm>
+            <a:off x="699436" y="5516199"/>
+            <a:ext cx="5355770" cy="1200329"/>
+          </a:xfrm>
+          <a:prstGeom prst="rect">
+            <a:avLst/>
+          </a:prstGeom>
+          <a:noFill/>
+        </p:spPr>
+        <p:txBody>
+          <a:bodyPr wrap="square" numCol="1" rtlCol="0">
+            <a:spAutoFit/>
+          </a:bodyPr>
+          <a:lstStyle/>
+          <a:p>
+            <a:r>
+              <a:rPr lang="en-US" b="1" dirty="0"/>
+              <a:t>Resources</a:t>
+            </a:r>
+          </a:p>
           <a:p>
             <a:pPr marL="285750" indent="-285750">
               <a:buFont typeface="Arial" panose="020B0604020202020204" pitchFamily="34" charset="0"/>
               <a:buChar char="•"/>
             </a:pPr>
             <a:r>
-              <a:rPr lang="en-US" sz="1600" b="1" dirty="0"/>
-              <a:t>4000 asteroids were considered </a:t>
+              <a:rPr lang="en-US" dirty="0"/>
+              <a:t>Asterank Database </a:t>
             </a:r>
           </a:p>
           <a:p>
@@ -6514,8 +7324,8 @@
               <a:buChar char="•"/>
             </a:pPr>
             <a:r>
-              <a:rPr lang="en-US" sz="1600" b="1" dirty="0"/>
-              <a:t>Max orbit 365 AU: Min orbit 0.642 AU</a:t>
+              <a:rPr lang="en-US" dirty="0"/>
+              <a:t>Juniper notebook</a:t>
             </a:r>
           </a:p>
           <a:p>
@@ -6523,294 +7333,14 @@
               <a:buFont typeface="Arial" panose="020B0604020202020204" pitchFamily="34" charset="0"/>
               <a:buChar char="•"/>
             </a:pPr>
-            <a:r>
-              <a:rPr lang="en-US" sz="1600" dirty="0"/>
-              <a:t>75%  asteroids have no observed metals.</a:t>
-            </a:r>
-          </a:p>
-          <a:p>
-            <a:pPr marL="285750" indent="-285750">
-              <a:buFont typeface="Arial" panose="020B0604020202020204" pitchFamily="34" charset="0"/>
-              <a:buChar char="•"/>
-            </a:pPr>
-            <a:r>
-              <a:rPr lang="en-US" sz="1600" dirty="0"/>
-              <a:t>18%  asteroids have over 110 trillion of identified metals</a:t>
-            </a:r>
-          </a:p>
-          <a:p>
-            <a:pPr marL="285750" indent="-285750">
-              <a:buFont typeface="Arial" panose="020B0604020202020204" pitchFamily="34" charset="0"/>
-              <a:buChar char="•"/>
-            </a:pPr>
-            <a:r>
-              <a:rPr lang="en-US" sz="1600" dirty="0"/>
-              <a:t>  2%  asteroids have between 1 to 110 trillion</a:t>
-            </a:r>
-          </a:p>
-          <a:p>
-            <a:pPr marL="285750" indent="-285750">
-              <a:buFont typeface="Arial" panose="020B0604020202020204" pitchFamily="34" charset="0"/>
-              <a:buChar char="•"/>
-            </a:pPr>
-            <a:r>
-              <a:rPr lang="en-US" sz="1600" dirty="0"/>
-              <a:t>  5%  asteroids have between 1 to 999 billion</a:t>
-            </a:r>
-          </a:p>
-          <a:p>
-            <a:pPr marL="285750" indent="-285750">
-              <a:buFont typeface="Arial" panose="020B0604020202020204" pitchFamily="34" charset="0"/>
-              <a:buChar char="•"/>
-            </a:pPr>
-            <a:r>
-              <a:rPr lang="en-US" sz="1600" dirty="0"/>
-              <a:t>  1%  asteroids have between 1 to 999 million</a:t>
-            </a:r>
-          </a:p>
-        </p:txBody>
-      </p:sp>
-      <p:pic>
-        <p:nvPicPr>
-          <p:cNvPr id="9" name="Picture 8">
-            <a:extLst>
-              <a:ext uri="{FF2B5EF4-FFF2-40B4-BE49-F238E27FC236}">
-                <a16:creationId xmlns:a16="http://schemas.microsoft.com/office/drawing/2014/main" id="{43A9488F-BEA3-41F5-A29A-AB4A57527ECD}"/>
-              </a:ext>
-            </a:extLst>
-          </p:cNvPr>
-          <p:cNvPicPr>
-            <a:picLocks noChangeAspect="1"/>
-          </p:cNvPicPr>
-          <p:nvPr/>
-        </p:nvPicPr>
-        <p:blipFill>
-          <a:blip r:embed="rId3"/>
-          <a:stretch>
-            <a:fillRect/>
-          </a:stretch>
-        </p:blipFill>
-        <p:spPr>
-          <a:xfrm>
-            <a:off x="6537769" y="807503"/>
-            <a:ext cx="5098965" cy="4075182"/>
-          </a:xfrm>
-          <a:prstGeom prst="rect">
-            <a:avLst/>
-          </a:prstGeom>
-        </p:spPr>
-      </p:pic>
-      <p:sp>
-        <p:nvSpPr>
-          <p:cNvPr id="11" name="TextBox 10">
-            <a:extLst>
-              <a:ext uri="{FF2B5EF4-FFF2-40B4-BE49-F238E27FC236}">
-                <a16:creationId xmlns:a16="http://schemas.microsoft.com/office/drawing/2014/main" id="{7CBF28D3-7830-46C5-99BD-C458D2B67C7B}"/>
-              </a:ext>
-            </a:extLst>
-          </p:cNvPr>
-          <p:cNvSpPr txBox="1"/>
-          <p:nvPr/>
-        </p:nvSpPr>
-        <p:spPr>
-          <a:xfrm>
-            <a:off x="8358009" y="1807411"/>
-            <a:ext cx="3163431" cy="1169551"/>
-          </a:xfrm>
-          <a:prstGeom prst="rect">
-            <a:avLst/>
-          </a:prstGeom>
-          <a:noFill/>
-        </p:spPr>
-        <p:txBody>
-          <a:bodyPr wrap="square">
-            <a:spAutoFit/>
-          </a:bodyPr>
-          <a:lstStyle/>
-          <a:p>
-            <a:r>
-              <a:rPr lang="en-US" sz="1400" dirty="0"/>
-              <a:t>A _High Metal Content (over 100 trillion)</a:t>
-            </a:r>
-          </a:p>
-          <a:p>
-            <a:r>
-              <a:rPr lang="en-US" sz="1400" dirty="0"/>
-              <a:t>B_Metal Content  (1 to 100 trillion)</a:t>
-            </a:r>
-          </a:p>
-          <a:p>
-            <a:r>
-              <a:rPr lang="en-US" sz="1400" dirty="0"/>
-              <a:t>C_Low Metal Content( 1 to 999 billion)</a:t>
-            </a:r>
-          </a:p>
-          <a:p>
-            <a:r>
-              <a:rPr lang="en-US" sz="1400" dirty="0"/>
-              <a:t>D_Very Low Content (1 to 999 million)</a:t>
-            </a:r>
-          </a:p>
-          <a:p>
-            <a:r>
-              <a:rPr lang="en-US" sz="1400" dirty="0"/>
-              <a:t>E_No Metal Identified</a:t>
-            </a:r>
-          </a:p>
-        </p:txBody>
-      </p:sp>
-      <p:sp>
-        <p:nvSpPr>
-          <p:cNvPr id="13" name="TextBox 12">
-            <a:extLst>
-              <a:ext uri="{FF2B5EF4-FFF2-40B4-BE49-F238E27FC236}">
-                <a16:creationId xmlns:a16="http://schemas.microsoft.com/office/drawing/2014/main" id="{32DEDD53-DF9C-49F4-967B-0C4ABD47EA17}"/>
-              </a:ext>
-            </a:extLst>
-          </p:cNvPr>
-          <p:cNvSpPr txBox="1"/>
-          <p:nvPr/>
-        </p:nvSpPr>
-        <p:spPr>
-          <a:xfrm>
-            <a:off x="1955634" y="1651226"/>
-            <a:ext cx="3156954" cy="1169551"/>
-          </a:xfrm>
-          <a:prstGeom prst="rect">
-            <a:avLst/>
-          </a:prstGeom>
-          <a:noFill/>
-        </p:spPr>
-        <p:txBody>
-          <a:bodyPr wrap="none" rtlCol="0">
-            <a:spAutoFit/>
-          </a:bodyPr>
-          <a:lstStyle/>
-          <a:p>
-            <a:r>
-              <a:rPr lang="en-US" sz="1400" dirty="0"/>
-              <a:t>A _High Metal Content (over 100 trillion)</a:t>
-            </a:r>
-          </a:p>
-          <a:p>
-            <a:r>
-              <a:rPr lang="en-US" sz="1400" dirty="0"/>
-              <a:t>B_Metal Content  (1 to 100 trillion)</a:t>
-            </a:r>
-          </a:p>
-          <a:p>
-            <a:r>
-              <a:rPr lang="en-US" sz="1400" dirty="0"/>
-              <a:t>C_Low Metal Content( 1 to 999 billion)</a:t>
-            </a:r>
-          </a:p>
-          <a:p>
-            <a:r>
-              <a:rPr lang="en-US" sz="1400" dirty="0"/>
-              <a:t>D_Very Low Content (1 to 999 million)</a:t>
-            </a:r>
-          </a:p>
-          <a:p>
-            <a:r>
-              <a:rPr lang="en-US" sz="1400" dirty="0"/>
-              <a:t>E_No Metal Identified</a:t>
-            </a:r>
-          </a:p>
-        </p:txBody>
-      </p:sp>
-      <p:sp>
-        <p:nvSpPr>
-          <p:cNvPr id="15" name="TextBox 14">
-            <a:extLst>
-              <a:ext uri="{FF2B5EF4-FFF2-40B4-BE49-F238E27FC236}">
-                <a16:creationId xmlns:a16="http://schemas.microsoft.com/office/drawing/2014/main" id="{13E133E7-E2B2-4CE2-811E-4476E898435F}"/>
-              </a:ext>
-            </a:extLst>
-          </p:cNvPr>
-          <p:cNvSpPr txBox="1"/>
-          <p:nvPr/>
-        </p:nvSpPr>
-        <p:spPr>
-          <a:xfrm>
-            <a:off x="6795684" y="4976276"/>
-            <a:ext cx="4841050" cy="1569660"/>
-          </a:xfrm>
-          <a:prstGeom prst="rect">
-            <a:avLst/>
-          </a:prstGeom>
-          <a:noFill/>
-        </p:spPr>
-        <p:txBody>
-          <a:bodyPr wrap="square" rtlCol="0">
-            <a:spAutoFit/>
-          </a:bodyPr>
-          <a:lstStyle/>
-          <a:p>
-            <a:pPr marL="285750" indent="-285750">
-              <a:buFont typeface="Arial" panose="020B0604020202020204" pitchFamily="34" charset="0"/>
-              <a:buChar char="•"/>
-            </a:pPr>
-            <a:r>
-              <a:rPr lang="en-US" sz="1600" b="1" dirty="0"/>
-              <a:t>163 Asteroids met orbit criteria </a:t>
-            </a:r>
-          </a:p>
-          <a:p>
-            <a:pPr marL="285750" indent="-285750">
-              <a:buFont typeface="Arial" panose="020B0604020202020204" pitchFamily="34" charset="0"/>
-              <a:buChar char="•"/>
-            </a:pPr>
-            <a:r>
-              <a:rPr lang="en-US" sz="1600" b="1" dirty="0"/>
-              <a:t>Max orbit AU 1.2: Min  orbit 0.8 AU </a:t>
-            </a:r>
-          </a:p>
-          <a:p>
-            <a:pPr marL="285750" indent="-285750">
-              <a:buFont typeface="Arial" panose="020B0604020202020204" pitchFamily="34" charset="0"/>
-              <a:buChar char="•"/>
-            </a:pPr>
-            <a:r>
-              <a:rPr lang="en-US" sz="1600" dirty="0"/>
-              <a:t>82%  asteroids have no observed metals.</a:t>
-            </a:r>
-          </a:p>
-          <a:p>
-            <a:pPr marL="285750" indent="-285750">
-              <a:buFont typeface="Arial" panose="020B0604020202020204" pitchFamily="34" charset="0"/>
-              <a:buChar char="•"/>
-            </a:pPr>
-            <a:r>
-              <a:rPr lang="en-US" sz="1600" dirty="0"/>
-              <a:t>  5%  asteroids have between 1 to 110 trillion</a:t>
-            </a:r>
-          </a:p>
-          <a:p>
-            <a:pPr marL="285750" indent="-285750">
-              <a:buFont typeface="Arial" panose="020B0604020202020204" pitchFamily="34" charset="0"/>
-              <a:buChar char="•"/>
-            </a:pPr>
-            <a:r>
-              <a:rPr lang="en-US" sz="1600" dirty="0"/>
-              <a:t>11%  asteroids have between 1 to 999 billion</a:t>
-            </a:r>
-          </a:p>
-          <a:p>
-            <a:pPr marL="285750" indent="-285750">
-              <a:buFont typeface="Arial" panose="020B0604020202020204" pitchFamily="34" charset="0"/>
-              <a:buChar char="•"/>
-            </a:pPr>
-            <a:r>
-              <a:rPr lang="en-US" sz="1600" dirty="0"/>
-              <a:t>  4%  asteroids have between 1 to 999 million</a:t>
-            </a:r>
+            <a:endParaRPr lang="en-US" dirty="0"/>
           </a:p>
         </p:txBody>
       </p:sp>
     </p:spTree>
     <p:extLst>
       <p:ext uri="{BB962C8B-B14F-4D97-AF65-F5344CB8AC3E}">
-        <p14:creationId xmlns:p14="http://schemas.microsoft.com/office/powerpoint/2010/main" val="876408401"/>
+        <p14:creationId xmlns:p14="http://schemas.microsoft.com/office/powerpoint/2010/main" val="3531621586"/>
       </p:ext>
     </p:extLst>
   </p:cSld>
@@ -6837,12 +7367,47 @@
           <a:chExt cx="0" cy="0"/>
         </a:xfrm>
       </p:grpSpPr>
+      <p:sp>
+        <p:nvSpPr>
+          <p:cNvPr id="2" name="Title 1">
+            <a:extLst>
+              <a:ext uri="{FF2B5EF4-FFF2-40B4-BE49-F238E27FC236}">
+                <a16:creationId xmlns:a16="http://schemas.microsoft.com/office/drawing/2014/main" xmlns="" id="{C0FD52C8-9ADE-4FDF-9B3A-CDCAF500C013}"/>
+              </a:ext>
+            </a:extLst>
+          </p:cNvPr>
+          <p:cNvSpPr>
+            <a:spLocks noGrp="1"/>
+          </p:cNvSpPr>
+          <p:nvPr>
+            <p:ph type="title"/>
+          </p:nvPr>
+        </p:nvSpPr>
+        <p:spPr>
+          <a:xfrm>
+            <a:off x="2510246" y="65842"/>
+            <a:ext cx="10515600" cy="679904"/>
+          </a:xfrm>
+        </p:spPr>
+        <p:txBody>
+          <a:bodyPr>
+            <a:normAutofit/>
+          </a:bodyPr>
+          <a:lstStyle/>
+          <a:p>
+            <a:r>
+              <a:rPr lang="en-US" sz="3200" dirty="0"/>
+              <a:t>Number of Asteroids Near Earth Evaluated</a:t>
+            </a:r>
+          </a:p>
+        </p:txBody>
+      </p:sp>
       <p:pic>
         <p:nvPicPr>
-          <p:cNvPr id="27" name="Picture 26">
-            <a:extLst>
-              <a:ext uri="{FF2B5EF4-FFF2-40B4-BE49-F238E27FC236}">
-                <a16:creationId xmlns:a16="http://schemas.microsoft.com/office/drawing/2014/main" id="{E4FB527E-A921-409D-B058-51643B36323D}"/>
+          <p:cNvPr id="5" name="Picture 4">
+            <a:extLst>
+              <a:ext uri="{FF2B5EF4-FFF2-40B4-BE49-F238E27FC236}">
+                <a16:creationId xmlns:a16="http://schemas.microsoft.com/office/drawing/2014/main" xmlns="" id="{24C59FD2-CB35-4CB1-8A37-767D4628BD7C}"/>
               </a:ext>
             </a:extLst>
           </p:cNvPr>
@@ -6859,20 +7424,119 @@
         </p:blipFill>
         <p:spPr>
           <a:xfrm>
-            <a:off x="367842" y="753768"/>
-            <a:ext cx="4541918" cy="3444636"/>
+            <a:off x="133584" y="760843"/>
+            <a:ext cx="5273431" cy="4119868"/>
           </a:xfrm>
           <a:prstGeom prst="rect">
             <a:avLst/>
           </a:prstGeom>
         </p:spPr>
       </p:pic>
+      <p:sp>
+        <p:nvSpPr>
+          <p:cNvPr id="7" name="TextBox 6">
+            <a:extLst>
+              <a:ext uri="{FF2B5EF4-FFF2-40B4-BE49-F238E27FC236}">
+                <a16:creationId xmlns:a16="http://schemas.microsoft.com/office/drawing/2014/main" xmlns="" id="{5659E0F7-5F0D-4974-98BC-4CF8B281ABE8}"/>
+              </a:ext>
+            </a:extLst>
+          </p:cNvPr>
+          <p:cNvSpPr txBox="1"/>
+          <p:nvPr/>
+        </p:nvSpPr>
+        <p:spPr>
+          <a:xfrm>
+            <a:off x="332880" y="4944442"/>
+            <a:ext cx="5273431" cy="1815882"/>
+          </a:xfrm>
+          <a:prstGeom prst="rect">
+            <a:avLst/>
+          </a:prstGeom>
+          <a:noFill/>
+        </p:spPr>
+        <p:txBody>
+          <a:bodyPr wrap="none" rtlCol="0">
+            <a:spAutoFit/>
+          </a:bodyPr>
+          <a:lstStyle/>
+          <a:p>
+            <a:pPr marL="285750" indent="-285750">
+              <a:buFont typeface="Arial" panose="020B0604020202020204" pitchFamily="34" charset="0"/>
+              <a:buChar char="•"/>
+            </a:pPr>
+            <a:r>
+              <a:rPr lang="en-US" sz="1600" b="1" dirty="0"/>
+              <a:t>4000 asteroids were considered </a:t>
+            </a:r>
+          </a:p>
+          <a:p>
+            <a:pPr marL="285750" indent="-285750">
+              <a:buFont typeface="Arial" panose="020B0604020202020204" pitchFamily="34" charset="0"/>
+              <a:buChar char="•"/>
+            </a:pPr>
+            <a:r>
+              <a:rPr lang="en-US" sz="1600" b="1" dirty="0"/>
+              <a:t>Max orbit 365 AU: Min orbit 0.642 AU</a:t>
+            </a:r>
+          </a:p>
+          <a:p>
+            <a:pPr marL="285750" indent="-285750">
+              <a:buFont typeface="Arial" panose="020B0604020202020204" pitchFamily="34" charset="0"/>
+              <a:buChar char="•"/>
+            </a:pPr>
+            <a:r>
+              <a:rPr lang="en-US" sz="1600" dirty="0"/>
+              <a:t>75%  asteroids have no observed metals.</a:t>
+            </a:r>
+          </a:p>
+          <a:p>
+            <a:pPr marL="285750" indent="-285750">
+              <a:buFont typeface="Arial" panose="020B0604020202020204" pitchFamily="34" charset="0"/>
+              <a:buChar char="•"/>
+            </a:pPr>
+            <a:r>
+              <a:rPr lang="en-US" sz="1600" dirty="0"/>
+              <a:t>18%  asteroids have over 110 trillion of identified metals</a:t>
+            </a:r>
+          </a:p>
+          <a:p>
+            <a:pPr marL="285750" indent="-285750">
+              <a:buFont typeface="Arial" panose="020B0604020202020204" pitchFamily="34" charset="0"/>
+              <a:buChar char="•"/>
+            </a:pPr>
+            <a:r>
+              <a:rPr lang="en-US" sz="1600" dirty="0"/>
+              <a:t>  2%  asteroids have between 1 to 110 trillion</a:t>
+            </a:r>
+          </a:p>
+          <a:p>
+            <a:pPr marL="285750" indent="-285750">
+              <a:buFont typeface="Arial" panose="020B0604020202020204" pitchFamily="34" charset="0"/>
+              <a:buChar char="•"/>
+            </a:pPr>
+            <a:r>
+              <a:rPr lang="en-US" sz="1600" dirty="0"/>
+              <a:t>  5%  asteroids have between 1 to 999 billion</a:t>
+            </a:r>
+          </a:p>
+          <a:p>
+            <a:pPr marL="285750" indent="-285750">
+              <a:buFont typeface="Arial" panose="020B0604020202020204" pitchFamily="34" charset="0"/>
+              <a:buChar char="•"/>
+            </a:pPr>
+            <a:r>
+              <a:rPr lang="en-US" sz="1600" dirty="0"/>
+              <a:t>  1%  asteroids have between 1 to 999 million</a:t>
+            </a:r>
+          </a:p>
+        </p:txBody>
+      </p:sp>
       <p:pic>
         <p:nvPicPr>
-          <p:cNvPr id="29" name="Picture 28">
-            <a:extLst>
-              <a:ext uri="{FF2B5EF4-FFF2-40B4-BE49-F238E27FC236}">
-                <a16:creationId xmlns:a16="http://schemas.microsoft.com/office/drawing/2014/main" id="{AB03EA58-CD40-41E9-A214-67E57E53862B}"/>
+          <p:cNvPr id="9" name="Picture 8">
+            <a:extLst>
+              <a:ext uri="{FF2B5EF4-FFF2-40B4-BE49-F238E27FC236}">
+                <a16:creationId xmlns:a16="http://schemas.microsoft.com/office/drawing/2014/main" xmlns="" id="{43A9488F-BEA3-41F5-A29A-AB4A57527ECD}"/>
               </a:ext>
             </a:extLst>
           </p:cNvPr>
@@ -6889,8 +7553,8 @@
         </p:blipFill>
         <p:spPr>
           <a:xfrm>
-            <a:off x="6394485" y="757188"/>
-            <a:ext cx="4806323" cy="3504460"/>
+            <a:off x="6537769" y="807503"/>
+            <a:ext cx="5098965" cy="4075182"/>
           </a:xfrm>
           <a:prstGeom prst="rect">
             <a:avLst/>
@@ -6899,10 +7563,10 @@
       </p:pic>
       <p:sp>
         <p:nvSpPr>
-          <p:cNvPr id="31" name="TextBox 30">
-            <a:extLst>
-              <a:ext uri="{FF2B5EF4-FFF2-40B4-BE49-F238E27FC236}">
-                <a16:creationId xmlns:a16="http://schemas.microsoft.com/office/drawing/2014/main" id="{2A3EE295-18EB-48CC-9460-A7C612EEC4E9}"/>
+          <p:cNvPr id="11" name="TextBox 10">
+            <a:extLst>
+              <a:ext uri="{FF2B5EF4-FFF2-40B4-BE49-F238E27FC236}">
+                <a16:creationId xmlns:a16="http://schemas.microsoft.com/office/drawing/2014/main" xmlns="" id="{7CBF28D3-7830-46C5-99BD-C458D2B67C7B}"/>
               </a:ext>
             </a:extLst>
           </p:cNvPr>
@@ -6911,8 +7575,8 @@
         </p:nvSpPr>
         <p:spPr>
           <a:xfrm>
-            <a:off x="117774" y="4542145"/>
-            <a:ext cx="5042055" cy="2062103"/>
+            <a:off x="8358009" y="1807411"/>
+            <a:ext cx="3163431" cy="1169551"/>
           </a:xfrm>
           <a:prstGeom prst="rect">
             <a:avLst/>
@@ -6925,21 +7589,131 @@
           </a:bodyPr>
           <a:lstStyle/>
           <a:p>
-            <a:pPr algn="ctr"/>
-            <a:r>
-              <a:rPr lang="en-US" sz="1600" b="1" dirty="0"/>
-              <a:t>Scatter plot</a:t>
-            </a:r>
-            <a:endParaRPr lang="en-US" sz="1600" dirty="0"/>
-          </a:p>
+            <a:r>
+              <a:rPr lang="en-US" sz="1400" dirty="0"/>
+              <a:t>A _High Metal Content (over 100 trillion)</a:t>
+            </a:r>
+          </a:p>
+          <a:p>
+            <a:r>
+              <a:rPr lang="en-US" sz="1400" dirty="0"/>
+              <a:t>B_Metal Content  (1 to 100 trillion)</a:t>
+            </a:r>
+          </a:p>
+          <a:p>
+            <a:r>
+              <a:rPr lang="en-US" sz="1400" dirty="0"/>
+              <a:t>C_Low Metal Content( 1 to 999 billion)</a:t>
+            </a:r>
+          </a:p>
+          <a:p>
+            <a:r>
+              <a:rPr lang="en-US" sz="1400" dirty="0"/>
+              <a:t>D_Very Low Content (1 to 999 million)</a:t>
+            </a:r>
+          </a:p>
+          <a:p>
+            <a:r>
+              <a:rPr lang="en-US" sz="1400" dirty="0"/>
+              <a:t>E_No Metal Identified</a:t>
+            </a:r>
+          </a:p>
+        </p:txBody>
+      </p:sp>
+      <p:sp>
+        <p:nvSpPr>
+          <p:cNvPr id="13" name="TextBox 12">
+            <a:extLst>
+              <a:ext uri="{FF2B5EF4-FFF2-40B4-BE49-F238E27FC236}">
+                <a16:creationId xmlns:a16="http://schemas.microsoft.com/office/drawing/2014/main" xmlns="" id="{32DEDD53-DF9C-49F4-967B-0C4ABD47EA17}"/>
+              </a:ext>
+            </a:extLst>
+          </p:cNvPr>
+          <p:cNvSpPr txBox="1"/>
+          <p:nvPr/>
+        </p:nvSpPr>
+        <p:spPr>
+          <a:xfrm>
+            <a:off x="1955634" y="1651226"/>
+            <a:ext cx="3156954" cy="1169551"/>
+          </a:xfrm>
+          <a:prstGeom prst="rect">
+            <a:avLst/>
+          </a:prstGeom>
+          <a:noFill/>
+        </p:spPr>
+        <p:txBody>
+          <a:bodyPr wrap="none" rtlCol="0">
+            <a:spAutoFit/>
+          </a:bodyPr>
+          <a:lstStyle/>
+          <a:p>
+            <a:r>
+              <a:rPr lang="en-US" sz="1400" dirty="0"/>
+              <a:t>A _High Metal Content (over 100 trillion)</a:t>
+            </a:r>
+          </a:p>
+          <a:p>
+            <a:r>
+              <a:rPr lang="en-US" sz="1400" dirty="0"/>
+              <a:t>B_Metal Content  (1 to 100 trillion)</a:t>
+            </a:r>
+          </a:p>
+          <a:p>
+            <a:r>
+              <a:rPr lang="en-US" sz="1400" dirty="0"/>
+              <a:t>C_Low Metal Content( 1 to 999 billion)</a:t>
+            </a:r>
+          </a:p>
+          <a:p>
+            <a:r>
+              <a:rPr lang="en-US" sz="1400" dirty="0"/>
+              <a:t>D_Very Low Content (1 to 999 million)</a:t>
+            </a:r>
+          </a:p>
+          <a:p>
+            <a:r>
+              <a:rPr lang="en-US" sz="1400" dirty="0"/>
+              <a:t>E_No Metal Identified</a:t>
+            </a:r>
+          </a:p>
+        </p:txBody>
+      </p:sp>
+      <p:sp>
+        <p:nvSpPr>
+          <p:cNvPr id="15" name="TextBox 14">
+            <a:extLst>
+              <a:ext uri="{FF2B5EF4-FFF2-40B4-BE49-F238E27FC236}">
+                <a16:creationId xmlns:a16="http://schemas.microsoft.com/office/drawing/2014/main" xmlns="" id="{13E133E7-E2B2-4CE2-811E-4476E898435F}"/>
+              </a:ext>
+            </a:extLst>
+          </p:cNvPr>
+          <p:cNvSpPr txBox="1"/>
+          <p:nvPr/>
+        </p:nvSpPr>
+        <p:spPr>
+          <a:xfrm>
+            <a:off x="6795684" y="4976276"/>
+            <a:ext cx="4841050" cy="1569660"/>
+          </a:xfrm>
+          <a:prstGeom prst="rect">
+            <a:avLst/>
+          </a:prstGeom>
+          <a:noFill/>
+        </p:spPr>
+        <p:txBody>
+          <a:bodyPr wrap="square" rtlCol="0">
+            <a:spAutoFit/>
+          </a:bodyPr>
+          <a:lstStyle/>
           <a:p>
             <a:pPr marL="285750" indent="-285750">
               <a:buFont typeface="Arial" panose="020B0604020202020204" pitchFamily="34" charset="0"/>
               <a:buChar char="•"/>
             </a:pPr>
             <a:r>
-              <a:rPr lang="en-US" sz="1600" dirty="0"/>
-              <a:t>Plot represents 163 asteroids ranging from 0$ to 100$ trillion (Orbit of asteroids 0.8 to 1.2 AU).</a:t>
+              <a:rPr lang="en-US" sz="1600" b="1" dirty="0"/>
+              <a:t>163 Asteroids met orbit criteria </a:t>
             </a:r>
           </a:p>
           <a:p>
@@ -6948,8 +7722,8 @@
               <a:buChar char="•"/>
             </a:pPr>
             <a:r>
-              <a:rPr lang="en-US" sz="1600" dirty="0"/>
-              <a:t>X axis range is 0 (Low metal density) to 1.1 trillion (High metal density). </a:t>
+              <a:rPr lang="en-US" sz="1600" b="1" dirty="0"/>
+              <a:t>Max orbit AU 1.2: Min  orbit 0.8 AU </a:t>
             </a:r>
           </a:p>
           <a:p>
@@ -6959,15 +7733,7 @@
             </a:pPr>
             <a:r>
               <a:rPr lang="en-US" sz="1600" dirty="0"/>
-              <a:t>r</a:t>
-            </a:r>
-            <a:r>
-              <a:rPr lang="en-US" sz="1600" baseline="30000" dirty="0"/>
-              <a:t>2</a:t>
-            </a:r>
-            <a:r>
-              <a:rPr lang="en-US" sz="1600" dirty="0"/>
-              <a:t> value  suggests there is no correlation between orbit distance and quantity of metal on an asteroid</a:t>
+              <a:t>82%  asteroids have no observed metals.</a:t>
             </a:r>
           </a:p>
           <a:p>
@@ -6975,42 +7741,9 @@
               <a:buFont typeface="Arial" panose="020B0604020202020204" pitchFamily="34" charset="0"/>
               <a:buChar char="•"/>
             </a:pPr>
-            <a:endParaRPr lang="en-US" sz="1600" dirty="0"/>
-          </a:p>
-        </p:txBody>
-      </p:sp>
-      <p:sp>
-        <p:nvSpPr>
-          <p:cNvPr id="33" name="TextBox 32">
-            <a:extLst>
-              <a:ext uri="{FF2B5EF4-FFF2-40B4-BE49-F238E27FC236}">
-                <a16:creationId xmlns:a16="http://schemas.microsoft.com/office/drawing/2014/main" id="{C6427794-F3EE-4CB1-A66B-697D169EBE0B}"/>
-              </a:ext>
-            </a:extLst>
-          </p:cNvPr>
-          <p:cNvSpPr txBox="1"/>
-          <p:nvPr/>
-        </p:nvSpPr>
-        <p:spPr>
-          <a:xfrm>
-            <a:off x="6096000" y="4542145"/>
-            <a:ext cx="5613763" cy="2062103"/>
-          </a:xfrm>
-          <a:prstGeom prst="rect">
-            <a:avLst/>
-          </a:prstGeom>
-          <a:noFill/>
-        </p:spPr>
-        <p:txBody>
-          <a:bodyPr wrap="square">
-            <a:spAutoFit/>
-          </a:bodyPr>
-          <a:lstStyle/>
-          <a:p>
-            <a:pPr algn="ctr"/>
-            <a:r>
-              <a:rPr lang="en-US" sz="1600" b="1" dirty="0"/>
-              <a:t>Boxplot</a:t>
+            <a:r>
+              <a:rPr lang="en-US" sz="1600" dirty="0"/>
+              <a:t>  5%  asteroids have between 1 to 110 trillion</a:t>
             </a:r>
           </a:p>
           <a:p>
@@ -7020,13 +7753,7 @@
             </a:pPr>
             <a:r>
               <a:rPr lang="en-US" sz="1600" dirty="0"/>
-              <a:t>Plot represents 163 asteroids ranging from 0$ to 100 trillion$.</a:t>
-            </a:r>
-          </a:p>
-          <a:p>
-            <a:r>
-              <a:rPr lang="en-US" sz="1600" dirty="0"/>
-              <a:t>      Orbit of asteroids 0.8 to 1.2 AU.</a:t>
+              <a:t>11%  asteroids have between 1 to 999 billion</a:t>
             </a:r>
           </a:p>
           <a:p>
@@ -7036,64 +7763,7 @@
             </a:pPr>
             <a:r>
               <a:rPr lang="en-US" sz="1600" dirty="0"/>
-              <a:t>No asteroids over 110 trillion were observed in orbital restricted data set.</a:t>
-            </a:r>
-          </a:p>
-          <a:p>
-            <a:pPr marL="285750" indent="-285750">
-              <a:buFont typeface="Arial" panose="020B0604020202020204" pitchFamily="34" charset="0"/>
-              <a:buChar char="•"/>
-            </a:pPr>
-            <a:r>
-              <a:rPr lang="en-US" sz="1600" dirty="0"/>
-              <a:t>B_Metal content mean falls within the data distribution.</a:t>
-            </a:r>
-          </a:p>
-          <a:p>
-            <a:pPr marL="285750" indent="-285750">
-              <a:buFont typeface="Arial" panose="020B0604020202020204" pitchFamily="34" charset="0"/>
-              <a:buChar char="•"/>
-            </a:pPr>
-            <a:r>
-              <a:rPr lang="en-US" sz="1600" dirty="0"/>
-              <a:t>C_Low metal Content did have outliers. For this exercise not significant</a:t>
-            </a:r>
-          </a:p>
-        </p:txBody>
-      </p:sp>
-      <p:sp>
-        <p:nvSpPr>
-          <p:cNvPr id="35" name="TextBox 34">
-            <a:extLst>
-              <a:ext uri="{FF2B5EF4-FFF2-40B4-BE49-F238E27FC236}">
-                <a16:creationId xmlns:a16="http://schemas.microsoft.com/office/drawing/2014/main" id="{1D3AC675-BF07-4436-B680-0D3F71D36A98}"/>
-              </a:ext>
-            </a:extLst>
-          </p:cNvPr>
-          <p:cNvSpPr txBox="1"/>
-          <p:nvPr/>
-        </p:nvSpPr>
-        <p:spPr>
-          <a:xfrm>
-            <a:off x="2001983" y="47613"/>
-            <a:ext cx="8188034" cy="646331"/>
-          </a:xfrm>
-          <a:prstGeom prst="rect">
-            <a:avLst/>
-          </a:prstGeom>
-          <a:noFill/>
-        </p:spPr>
-        <p:txBody>
-          <a:bodyPr wrap="square">
-            <a:spAutoFit/>
-          </a:bodyPr>
-          <a:lstStyle/>
-          <a:p>
-            <a:r>
-              <a:rPr lang="en-US" sz="3600" dirty="0">
-                <a:latin typeface="+mj-lt"/>
-              </a:rPr>
-              <a:t>Near Earth Orbit Asteroids (0.8 to 1.2 AU)</a:t>
+              <a:t>  4%  asteroids have between 1 to 999 million</a:t>
             </a:r>
           </a:p>
         </p:txBody>
@@ -7101,7 +7771,7 @@
     </p:spTree>
     <p:extLst>
       <p:ext uri="{BB962C8B-B14F-4D97-AF65-F5344CB8AC3E}">
-        <p14:creationId xmlns:p14="http://schemas.microsoft.com/office/powerpoint/2010/main" val="2282558813"/>
+        <p14:creationId xmlns:p14="http://schemas.microsoft.com/office/powerpoint/2010/main" val="876408401"/>
       </p:ext>
     </p:extLst>
   </p:cSld>
@@ -7128,48 +7798,72 @@
           <a:chExt cx="0" cy="0"/>
         </a:xfrm>
       </p:grpSpPr>
-      <p:sp>
-        <p:nvSpPr>
-          <p:cNvPr id="2" name="Title 1">
-            <a:extLst>
-              <a:ext uri="{FF2B5EF4-FFF2-40B4-BE49-F238E27FC236}">
-                <a16:creationId xmlns:a16="http://schemas.microsoft.com/office/drawing/2014/main" id="{472675FA-D300-462C-AAA9-4FAB0C859A1E}"/>
-              </a:ext>
-            </a:extLst>
-          </p:cNvPr>
-          <p:cNvSpPr>
-            <a:spLocks noGrp="1"/>
-          </p:cNvSpPr>
-          <p:nvPr>
-            <p:ph type="title"/>
-          </p:nvPr>
-        </p:nvSpPr>
-        <p:spPr>
-          <a:xfrm>
-            <a:off x="185057" y="357802"/>
-            <a:ext cx="10515600" cy="510086"/>
-          </a:xfrm>
-        </p:spPr>
-        <p:txBody>
-          <a:bodyPr>
-            <a:normAutofit fontScale="90000"/>
-          </a:bodyPr>
-          <a:lstStyle/>
-          <a:p>
-            <a:pPr algn="ctr"/>
-            <a:r>
-              <a:rPr lang="en-US" dirty="0"/>
-              <a:t>One Sample t-test</a:t>
-            </a:r>
-          </a:p>
-        </p:txBody>
-      </p:sp>
-      <p:sp>
-        <p:nvSpPr>
-          <p:cNvPr id="5" name="TextBox 4">
-            <a:extLst>
-              <a:ext uri="{FF2B5EF4-FFF2-40B4-BE49-F238E27FC236}">
-                <a16:creationId xmlns:a16="http://schemas.microsoft.com/office/drawing/2014/main" id="{F4F761DA-B5A5-4939-B080-C47091D2AFF7}"/>
+      <p:pic>
+        <p:nvPicPr>
+          <p:cNvPr id="27" name="Picture 26">
+            <a:extLst>
+              <a:ext uri="{FF2B5EF4-FFF2-40B4-BE49-F238E27FC236}">
+                <a16:creationId xmlns:a16="http://schemas.microsoft.com/office/drawing/2014/main" xmlns="" id="{E4FB527E-A921-409D-B058-51643B36323D}"/>
+              </a:ext>
+            </a:extLst>
+          </p:cNvPr>
+          <p:cNvPicPr>
+            <a:picLocks noChangeAspect="1"/>
+          </p:cNvPicPr>
+          <p:nvPr/>
+        </p:nvPicPr>
+        <p:blipFill>
+          <a:blip r:embed="rId2"/>
+          <a:stretch>
+            <a:fillRect/>
+          </a:stretch>
+        </p:blipFill>
+        <p:spPr>
+          <a:xfrm>
+            <a:off x="367842" y="753768"/>
+            <a:ext cx="4541918" cy="3444636"/>
+          </a:xfrm>
+          <a:prstGeom prst="rect">
+            <a:avLst/>
+          </a:prstGeom>
+        </p:spPr>
+      </p:pic>
+      <p:pic>
+        <p:nvPicPr>
+          <p:cNvPr id="29" name="Picture 28">
+            <a:extLst>
+              <a:ext uri="{FF2B5EF4-FFF2-40B4-BE49-F238E27FC236}">
+                <a16:creationId xmlns:a16="http://schemas.microsoft.com/office/drawing/2014/main" xmlns="" id="{AB03EA58-CD40-41E9-A214-67E57E53862B}"/>
+              </a:ext>
+            </a:extLst>
+          </p:cNvPr>
+          <p:cNvPicPr>
+            <a:picLocks noChangeAspect="1"/>
+          </p:cNvPicPr>
+          <p:nvPr/>
+        </p:nvPicPr>
+        <p:blipFill>
+          <a:blip r:embed="rId3"/>
+          <a:stretch>
+            <a:fillRect/>
+          </a:stretch>
+        </p:blipFill>
+        <p:spPr>
+          <a:xfrm>
+            <a:off x="6394485" y="757188"/>
+            <a:ext cx="4806323" cy="3504460"/>
+          </a:xfrm>
+          <a:prstGeom prst="rect">
+            <a:avLst/>
+          </a:prstGeom>
+        </p:spPr>
+      </p:pic>
+      <p:sp>
+        <p:nvSpPr>
+          <p:cNvPr id="31" name="TextBox 30">
+            <a:extLst>
+              <a:ext uri="{FF2B5EF4-FFF2-40B4-BE49-F238E27FC236}">
+                <a16:creationId xmlns:a16="http://schemas.microsoft.com/office/drawing/2014/main" xmlns="" id="{2A3EE295-18EB-48CC-9460-A7C612EEC4E9}"/>
               </a:ext>
             </a:extLst>
           </p:cNvPr>
@@ -7178,8 +7872,8 @@
         </p:nvSpPr>
         <p:spPr>
           <a:xfrm>
-            <a:off x="838200" y="889843"/>
-            <a:ext cx="10515599" cy="5632311"/>
+            <a:off x="117774" y="4542145"/>
+            <a:ext cx="5042055" cy="2062103"/>
           </a:xfrm>
           <a:prstGeom prst="rect">
             <a:avLst/>
@@ -7187,207 +7881,188 @@
           <a:noFill/>
         </p:spPr>
         <p:txBody>
-          <a:bodyPr wrap="square" rtlCol="0">
+          <a:bodyPr wrap="square">
             <a:spAutoFit/>
           </a:bodyPr>
           <a:lstStyle/>
           <a:p>
-            <a:r>
-              <a:rPr lang="en-US" b="1" dirty="0"/>
-              <a:t>One Sample t test criteria:</a:t>
-            </a:r>
-          </a:p>
-          <a:p>
-            <a:r>
-              <a:rPr lang="en-US" dirty="0"/>
-              <a:t>Asteroids orbiting in the range of 0.8 to 1.2 AU were considered</a:t>
-            </a:r>
-          </a:p>
-          <a:p>
-            <a:endParaRPr lang="en-US" dirty="0"/>
-          </a:p>
-          <a:p>
-            <a:pPr marL="742950" lvl="1" indent="-285750">
+            <a:pPr algn="ctr"/>
+            <a:r>
+              <a:rPr lang="en-US" sz="1600" b="1" dirty="0"/>
+              <a:t>Scatter plot</a:t>
+            </a:r>
+            <a:endParaRPr lang="en-US" sz="1600" dirty="0"/>
+          </a:p>
+          <a:p>
+            <a:pPr marL="285750" indent="-285750">
               <a:buFont typeface="Arial" panose="020B0604020202020204" pitchFamily="34" charset="0"/>
               <a:buChar char="•"/>
             </a:pPr>
             <a:r>
-              <a:rPr lang="en-US" dirty="0"/>
-              <a:t>Sample 1 consisted of asteroids with no observed metals</a:t>
-            </a:r>
-          </a:p>
-          <a:p>
-            <a:pPr marL="742950" lvl="1" indent="-285750">
+              <a:rPr lang="en-US" sz="1600" dirty="0"/>
+              <a:t>Plot represents 163 asteroids ranging from 0$ to 100$ trillion (Orbit of asteroids 0.8 to 1.2 AU).</a:t>
+            </a:r>
+          </a:p>
+          <a:p>
+            <a:pPr marL="285750" indent="-285750">
               <a:buFont typeface="Arial" panose="020B0604020202020204" pitchFamily="34" charset="0"/>
               <a:buChar char="•"/>
             </a:pPr>
             <a:r>
-              <a:rPr lang="en-US" dirty="0"/>
-              <a:t>Sample 2 consisted of asteroids believed to have Metal (1 to 100 trillion)</a:t>
-            </a:r>
-            <a:endParaRPr lang="en-US" b="1" dirty="0"/>
-          </a:p>
-          <a:p>
-            <a:r>
-              <a:rPr lang="en-US" b="1" dirty="0"/>
-              <a:t>Results</a:t>
-            </a:r>
-          </a:p>
-          <a:p>
-            <a:r>
-              <a:rPr lang="en-US" dirty="0"/>
-              <a:t>	p-Value = </a:t>
-            </a:r>
-            <a:r>
-              <a:rPr lang="en-US" sz="1800" dirty="0"/>
-              <a:t>= 0.03398119 </a:t>
-            </a:r>
-          </a:p>
-          <a:p>
-            <a:r>
-              <a:rPr lang="en-US" dirty="0"/>
-              <a:t>	t-statistic = -31666205</a:t>
-            </a:r>
-          </a:p>
-          <a:p>
-            <a:endParaRPr lang="en-US" dirty="0"/>
-          </a:p>
-          <a:p>
-            <a:endParaRPr lang="en-US" dirty="0"/>
-          </a:p>
-          <a:p>
-            <a:endParaRPr lang="en-US" dirty="0"/>
-          </a:p>
-          <a:p>
-            <a:endParaRPr lang="en-US" dirty="0"/>
-          </a:p>
-          <a:p>
-            <a:r>
-              <a:rPr lang="en-US" dirty="0"/>
-              <a:t>The Null hypothesis can be rejected bassed on the p-value result. This would support the alternative hypothesis: </a:t>
-            </a:r>
-          </a:p>
-          <a:p>
-            <a:r>
-              <a:rPr lang="en-US" sz="1800" dirty="0">
-                <a:effectLst/>
-                <a:latin typeface="Calibri" panose="020F0502020204030204" pitchFamily="34" charset="0"/>
-                <a:ea typeface="Calibri" panose="020F0502020204030204" pitchFamily="34" charset="0"/>
-                <a:cs typeface="Times New Roman" panose="02020603050405020304" pitchFamily="18" charset="0"/>
-              </a:rPr>
-              <a:t>	</a:t>
-            </a:r>
-            <a:r>
-              <a:rPr lang="en-US" sz="1800" b="1">
-                <a:effectLst/>
-                <a:latin typeface="Calibri" panose="020F0502020204030204" pitchFamily="34" charset="0"/>
-                <a:ea typeface="Calibri" panose="020F0502020204030204" pitchFamily="34" charset="0"/>
-                <a:cs typeface="Times New Roman" panose="02020603050405020304" pitchFamily="18" charset="0"/>
-              </a:rPr>
-              <a:t>If an </a:t>
-            </a:r>
-            <a:r>
-              <a:rPr lang="en-US" sz="1800" b="1" dirty="0">
-                <a:effectLst/>
-                <a:latin typeface="Calibri" panose="020F0502020204030204" pitchFamily="34" charset="0"/>
-                <a:ea typeface="Calibri" panose="020F0502020204030204" pitchFamily="34" charset="0"/>
-                <a:cs typeface="Times New Roman" panose="02020603050405020304" pitchFamily="18" charset="0"/>
-              </a:rPr>
-              <a:t>asteroid with rare earth elements are close to earth, then a measurable amount of </a:t>
-            </a:r>
-          </a:p>
-          <a:p>
-            <a:r>
-              <a:rPr lang="en-US" sz="1800" b="1" dirty="0">
-                <a:effectLst/>
-                <a:latin typeface="Calibri" panose="020F0502020204030204" pitchFamily="34" charset="0"/>
-                <a:ea typeface="Calibri" panose="020F0502020204030204" pitchFamily="34" charset="0"/>
-                <a:cs typeface="Times New Roman" panose="02020603050405020304" pitchFamily="18" charset="0"/>
-              </a:rPr>
-              <a:t>	rare earth elements more or less will be detected.</a:t>
-            </a:r>
-          </a:p>
-          <a:p>
-            <a:endParaRPr lang="en-US" dirty="0"/>
-          </a:p>
-          <a:p>
-            <a:r>
-              <a:rPr lang="en-US" dirty="0"/>
-              <a:t>The number of asteroids in proximity to the earth containing rare earth elements is significant bassed on the data accumulated. The p-value complimented with  the data presented would suggest that </a:t>
-            </a:r>
-            <a:r>
-              <a:rPr lang="en-US" sz="1800" dirty="0">
-                <a:effectLst/>
-                <a:latin typeface="Calibri" panose="020F0502020204030204" pitchFamily="34" charset="0"/>
-                <a:ea typeface="Calibri" panose="020F0502020204030204" pitchFamily="34" charset="0"/>
-                <a:cs typeface="Times New Roman" panose="02020603050405020304" pitchFamily="18" charset="0"/>
-              </a:rPr>
-              <a:t>rare earth elements exist in statistical meaningful quantities on asteroids near earth.</a:t>
-            </a:r>
-            <a:endParaRPr lang="en-US" dirty="0"/>
-          </a:p>
-        </p:txBody>
-      </p:sp>
-      <p:sp>
-        <p:nvSpPr>
-          <p:cNvPr id="7" name="Title 1">
-            <a:extLst>
-              <a:ext uri="{FF2B5EF4-FFF2-40B4-BE49-F238E27FC236}">
-                <a16:creationId xmlns:a16="http://schemas.microsoft.com/office/drawing/2014/main" id="{FC951340-0931-4226-8A1D-D8155B29FCAD}"/>
-              </a:ext>
-            </a:extLst>
-          </p:cNvPr>
-          <p:cNvSpPr txBox="1">
-            <a:spLocks/>
-          </p:cNvSpPr>
+              <a:rPr lang="en-US" sz="1600" dirty="0"/>
+              <a:t>X axis range is 0 (Low metal density) to 1.1 trillion (High metal density). </a:t>
+            </a:r>
+          </a:p>
+          <a:p>
+            <a:pPr marL="285750" indent="-285750">
+              <a:buFont typeface="Arial" panose="020B0604020202020204" pitchFamily="34" charset="0"/>
+              <a:buChar char="•"/>
+            </a:pPr>
+            <a:r>
+              <a:rPr lang="en-US" sz="1600" dirty="0"/>
+              <a:t>r</a:t>
+            </a:r>
+            <a:r>
+              <a:rPr lang="en-US" sz="1600" baseline="30000" dirty="0"/>
+              <a:t>2</a:t>
+            </a:r>
+            <a:r>
+              <a:rPr lang="en-US" sz="1600" dirty="0"/>
+              <a:t> value  suggests there is no correlation between orbit distance and quantity of metal on an asteroid</a:t>
+            </a:r>
+          </a:p>
+          <a:p>
+            <a:pPr marL="285750" indent="-285750">
+              <a:buFont typeface="Arial" panose="020B0604020202020204" pitchFamily="34" charset="0"/>
+              <a:buChar char="•"/>
+            </a:pPr>
+            <a:endParaRPr lang="en-US" sz="1600" dirty="0"/>
+          </a:p>
+        </p:txBody>
+      </p:sp>
+      <p:sp>
+        <p:nvSpPr>
+          <p:cNvPr id="33" name="TextBox 32">
+            <a:extLst>
+              <a:ext uri="{FF2B5EF4-FFF2-40B4-BE49-F238E27FC236}">
+                <a16:creationId xmlns:a16="http://schemas.microsoft.com/office/drawing/2014/main" xmlns="" id="{C6427794-F3EE-4CB1-A66B-697D169EBE0B}"/>
+              </a:ext>
+            </a:extLst>
+          </p:cNvPr>
+          <p:cNvSpPr txBox="1"/>
           <p:nvPr/>
         </p:nvSpPr>
         <p:spPr>
           <a:xfrm>
-            <a:off x="3150326" y="3176635"/>
-            <a:ext cx="4177937" cy="1058726"/>
+            <a:off x="6096000" y="4542145"/>
+            <a:ext cx="5613763" cy="2062103"/>
           </a:xfrm>
           <a:prstGeom prst="rect">
             <a:avLst/>
           </a:prstGeom>
-        </p:spPr>
-        <p:txBody>
-          <a:bodyPr vert="horz" lIns="91440" tIns="45720" rIns="91440" bIns="45720" rtlCol="0" anchor="ctr">
-            <a:normAutofit/>
+          <a:noFill/>
+        </p:spPr>
+        <p:txBody>
+          <a:bodyPr wrap="square">
+            <a:spAutoFit/>
           </a:bodyPr>
-          <a:lstStyle>
-            <a:lvl1pPr algn="l" defTabSz="914400" rtl="0" eaLnBrk="1" latinLnBrk="0" hangingPunct="1">
-              <a:lnSpc>
-                <a:spcPct val="90000"/>
-              </a:lnSpc>
-              <a:spcBef>
-                <a:spcPct val="0"/>
-              </a:spcBef>
-              <a:buNone/>
-              <a:defRPr sz="4400" kern="1200">
-                <a:solidFill>
-                  <a:schemeClr val="tx1"/>
-                </a:solidFill>
+          <a:lstStyle/>
+          <a:p>
+            <a:pPr algn="ctr"/>
+            <a:r>
+              <a:rPr lang="en-US" sz="1600" b="1" dirty="0"/>
+              <a:t>Boxplot</a:t>
+            </a:r>
+          </a:p>
+          <a:p>
+            <a:pPr marL="285750" indent="-285750">
+              <a:buFont typeface="Arial" panose="020B0604020202020204" pitchFamily="34" charset="0"/>
+              <a:buChar char="•"/>
+            </a:pPr>
+            <a:r>
+              <a:rPr lang="en-US" sz="1600" dirty="0"/>
+              <a:t>Plot represents 163 asteroids ranging from 0$ to 100 trillion$.</a:t>
+            </a:r>
+          </a:p>
+          <a:p>
+            <a:r>
+              <a:rPr lang="en-US" sz="1600" dirty="0"/>
+              <a:t>      Orbit of asteroids 0.8 to 1.2 AU.</a:t>
+            </a:r>
+          </a:p>
+          <a:p>
+            <a:pPr marL="285750" indent="-285750">
+              <a:buFont typeface="Arial" panose="020B0604020202020204" pitchFamily="34" charset="0"/>
+              <a:buChar char="•"/>
+            </a:pPr>
+            <a:r>
+              <a:rPr lang="en-US" sz="1600" dirty="0"/>
+              <a:t>No asteroids over 110 trillion were observed in orbital restricted data set.</a:t>
+            </a:r>
+          </a:p>
+          <a:p>
+            <a:pPr marL="285750" indent="-285750">
+              <a:buFont typeface="Arial" panose="020B0604020202020204" pitchFamily="34" charset="0"/>
+              <a:buChar char="•"/>
+            </a:pPr>
+            <a:r>
+              <a:rPr lang="en-US" sz="1600" dirty="0"/>
+              <a:t>B_Metal content mean falls within the data distribution.</a:t>
+            </a:r>
+          </a:p>
+          <a:p>
+            <a:pPr marL="285750" indent="-285750">
+              <a:buFont typeface="Arial" panose="020B0604020202020204" pitchFamily="34" charset="0"/>
+              <a:buChar char="•"/>
+            </a:pPr>
+            <a:r>
+              <a:rPr lang="en-US" sz="1600" dirty="0"/>
+              <a:t>C_Low metal Content did have outliers. For this exercise not significant</a:t>
+            </a:r>
+          </a:p>
+        </p:txBody>
+      </p:sp>
+      <p:sp>
+        <p:nvSpPr>
+          <p:cNvPr id="35" name="TextBox 34">
+            <a:extLst>
+              <a:ext uri="{FF2B5EF4-FFF2-40B4-BE49-F238E27FC236}">
+                <a16:creationId xmlns:a16="http://schemas.microsoft.com/office/drawing/2014/main" xmlns="" id="{1D3AC675-BF07-4436-B680-0D3F71D36A98}"/>
+              </a:ext>
+            </a:extLst>
+          </p:cNvPr>
+          <p:cNvSpPr txBox="1"/>
+          <p:nvPr/>
+        </p:nvSpPr>
+        <p:spPr>
+          <a:xfrm>
+            <a:off x="2001983" y="47613"/>
+            <a:ext cx="8188034" cy="646331"/>
+          </a:xfrm>
+          <a:prstGeom prst="rect">
+            <a:avLst/>
+          </a:prstGeom>
+          <a:noFill/>
+        </p:spPr>
+        <p:txBody>
+          <a:bodyPr wrap="square">
+            <a:spAutoFit/>
+          </a:bodyPr>
+          <a:lstStyle/>
+          <a:p>
+            <a:r>
+              <a:rPr lang="en-US" sz="3600" dirty="0">
                 <a:latin typeface="+mj-lt"/>
-                <a:ea typeface="+mj-ea"/>
-                <a:cs typeface="+mj-cs"/>
-              </a:defRPr>
-            </a:lvl1pPr>
-          </a:lstStyle>
-          <a:p>
-            <a:pPr algn="ctr"/>
-            <a:r>
-              <a:rPr lang="en-US" u="sng" dirty="0"/>
-              <a:t>Conclusion</a:t>
-            </a:r>
-            <a:endParaRPr lang="en-US" dirty="0"/>
+              </a:rPr>
+              <a:t>Near Earth Orbit Asteroids (0.8 to 1.2 AU)</a:t>
+            </a:r>
           </a:p>
         </p:txBody>
       </p:sp>
     </p:spTree>
     <p:extLst>
       <p:ext uri="{BB962C8B-B14F-4D97-AF65-F5344CB8AC3E}">
-        <p14:creationId xmlns:p14="http://schemas.microsoft.com/office/powerpoint/2010/main" val="3571760118"/>
+        <p14:creationId xmlns:p14="http://schemas.microsoft.com/office/powerpoint/2010/main" val="2282558813"/>
       </p:ext>
     </p:extLst>
   </p:cSld>
@@ -7419,7 +8094,7 @@
           <p:cNvPr id="2" name="Title 1">
             <a:extLst>
               <a:ext uri="{FF2B5EF4-FFF2-40B4-BE49-F238E27FC236}">
-                <a16:creationId xmlns:a16="http://schemas.microsoft.com/office/drawing/2014/main" id="{573D67AD-7A43-4613-BB13-2BD8681EB502}"/>
+                <a16:creationId xmlns:a16="http://schemas.microsoft.com/office/drawing/2014/main" xmlns="" id="{472675FA-D300-462C-AAA9-4FAB0C859A1E}"/>
               </a:ext>
             </a:extLst>
           </p:cNvPr>
@@ -7432,45 +8107,231 @@
         </p:nvSpPr>
         <p:spPr>
           <a:xfrm>
-            <a:off x="838200" y="365126"/>
+            <a:off x="185057" y="357802"/>
+            <a:ext cx="10515600" cy="510086"/>
+          </a:xfrm>
+        </p:spPr>
+        <p:txBody>
+          <a:bodyPr>
+            <a:normAutofit fontScale="90000"/>
+          </a:bodyPr>
+          <a:lstStyle/>
+          <a:p>
+            <a:pPr algn="ctr"/>
+            <a:r>
+              <a:rPr lang="en-US" dirty="0"/>
+              <a:t>One Sample t-test</a:t>
+            </a:r>
+          </a:p>
+        </p:txBody>
+      </p:sp>
+      <p:sp>
+        <p:nvSpPr>
+          <p:cNvPr id="5" name="TextBox 4">
+            <a:extLst>
+              <a:ext uri="{FF2B5EF4-FFF2-40B4-BE49-F238E27FC236}">
+                <a16:creationId xmlns:a16="http://schemas.microsoft.com/office/drawing/2014/main" xmlns="" id="{F4F761DA-B5A5-4939-B080-C47091D2AFF7}"/>
+              </a:ext>
+            </a:extLst>
+          </p:cNvPr>
+          <p:cNvSpPr txBox="1"/>
+          <p:nvPr/>
+        </p:nvSpPr>
+        <p:spPr>
+          <a:xfrm>
+            <a:off x="838200" y="889843"/>
+            <a:ext cx="10515599" cy="5632311"/>
+          </a:xfrm>
+          <a:prstGeom prst="rect">
+            <a:avLst/>
+          </a:prstGeom>
+          <a:noFill/>
+        </p:spPr>
+        <p:txBody>
+          <a:bodyPr wrap="square" rtlCol="0">
+            <a:spAutoFit/>
+          </a:bodyPr>
+          <a:lstStyle/>
+          <a:p>
+            <a:r>
+              <a:rPr lang="en-US" b="1" dirty="0"/>
+              <a:t>One Sample t test criteria:</a:t>
+            </a:r>
+          </a:p>
+          <a:p>
+            <a:r>
+              <a:rPr lang="en-US" dirty="0"/>
+              <a:t>Asteroids orbiting in the range of 0.8 to 1.2 AU were considered</a:t>
+            </a:r>
+          </a:p>
+          <a:p>
+            <a:endParaRPr lang="en-US" dirty="0"/>
+          </a:p>
+          <a:p>
+            <a:pPr marL="742950" lvl="1" indent="-285750">
+              <a:buFont typeface="Arial" panose="020B0604020202020204" pitchFamily="34" charset="0"/>
+              <a:buChar char="•"/>
+            </a:pPr>
+            <a:r>
+              <a:rPr lang="en-US" dirty="0"/>
+              <a:t>Sample 1 consisted of asteroids with no observed metals</a:t>
+            </a:r>
+          </a:p>
+          <a:p>
+            <a:pPr marL="742950" lvl="1" indent="-285750">
+              <a:buFont typeface="Arial" panose="020B0604020202020204" pitchFamily="34" charset="0"/>
+              <a:buChar char="•"/>
+            </a:pPr>
+            <a:r>
+              <a:rPr lang="en-US" dirty="0"/>
+              <a:t>Sample 2 consisted of asteroids believed to have Metal (1 to 100 trillion)</a:t>
+            </a:r>
+            <a:endParaRPr lang="en-US" b="1" dirty="0"/>
+          </a:p>
+          <a:p>
+            <a:r>
+              <a:rPr lang="en-US" b="1" dirty="0"/>
+              <a:t>Results</a:t>
+            </a:r>
+          </a:p>
+          <a:p>
+            <a:r>
+              <a:rPr lang="en-US" dirty="0"/>
+              <a:t>	p-Value = </a:t>
+            </a:r>
+            <a:r>
+              <a:rPr lang="en-US" sz="1800" dirty="0"/>
+              <a:t>= 0.03398119 </a:t>
+            </a:r>
+          </a:p>
+          <a:p>
+            <a:r>
+              <a:rPr lang="en-US" dirty="0"/>
+              <a:t>	t-statistic = -31666205</a:t>
+            </a:r>
+          </a:p>
+          <a:p>
+            <a:endParaRPr lang="en-US" dirty="0"/>
+          </a:p>
+          <a:p>
+            <a:endParaRPr lang="en-US" dirty="0"/>
+          </a:p>
+          <a:p>
+            <a:endParaRPr lang="en-US" dirty="0"/>
+          </a:p>
+          <a:p>
+            <a:endParaRPr lang="en-US" dirty="0"/>
+          </a:p>
+          <a:p>
+            <a:r>
+              <a:rPr lang="en-US" dirty="0"/>
+              <a:t>The Null hypothesis can be rejected bassed on the p-value result. This would support the alternative hypothesis: </a:t>
+            </a:r>
+          </a:p>
+          <a:p>
+            <a:r>
+              <a:rPr lang="en-US" sz="1800" dirty="0">
+                <a:effectLst/>
+                <a:latin typeface="Calibri" panose="020F0502020204030204" pitchFamily="34" charset="0"/>
+                <a:ea typeface="Calibri" panose="020F0502020204030204" pitchFamily="34" charset="0"/>
+                <a:cs typeface="Times New Roman" panose="02020603050405020304" pitchFamily="18" charset="0"/>
+              </a:rPr>
+              <a:t>	</a:t>
+            </a:r>
+            <a:r>
+              <a:rPr lang="en-US" sz="1800" b="1" dirty="0">
+                <a:effectLst/>
+                <a:latin typeface="Calibri" panose="020F0502020204030204" pitchFamily="34" charset="0"/>
+                <a:ea typeface="Calibri" panose="020F0502020204030204" pitchFamily="34" charset="0"/>
+                <a:cs typeface="Times New Roman" panose="02020603050405020304" pitchFamily="18" charset="0"/>
+              </a:rPr>
+              <a:t>If an asteroid with rare earth elements are close to earth, then a measurable amount of </a:t>
+            </a:r>
+          </a:p>
+          <a:p>
+            <a:r>
+              <a:rPr lang="en-US" sz="1800" b="1" dirty="0">
+                <a:effectLst/>
+                <a:latin typeface="Calibri" panose="020F0502020204030204" pitchFamily="34" charset="0"/>
+                <a:ea typeface="Calibri" panose="020F0502020204030204" pitchFamily="34" charset="0"/>
+                <a:cs typeface="Times New Roman" panose="02020603050405020304" pitchFamily="18" charset="0"/>
+              </a:rPr>
+              <a:t>	rare earth elements more or less will be detected.</a:t>
+            </a:r>
+          </a:p>
+          <a:p>
+            <a:endParaRPr lang="en-US" dirty="0"/>
+          </a:p>
+          <a:p>
+            <a:r>
+              <a:rPr lang="en-US" dirty="0"/>
+              <a:t>The number of asteroids in proximity to the earth containing rare earth elements is significant bassed on the data accumulated. The p-value complimented with  the data presented would suggest that </a:t>
+            </a:r>
+            <a:r>
+              <a:rPr lang="en-US" sz="1800" dirty="0">
+                <a:effectLst/>
+                <a:latin typeface="Calibri" panose="020F0502020204030204" pitchFamily="34" charset="0"/>
+                <a:ea typeface="Calibri" panose="020F0502020204030204" pitchFamily="34" charset="0"/>
+                <a:cs typeface="Times New Roman" panose="02020603050405020304" pitchFamily="18" charset="0"/>
+              </a:rPr>
+              <a:t>rare earth elements exist in statistical meaningful quantities on asteroids near earth.</a:t>
+            </a:r>
+            <a:endParaRPr lang="en-US" dirty="0"/>
+          </a:p>
+        </p:txBody>
+      </p:sp>
+      <p:sp>
+        <p:nvSpPr>
+          <p:cNvPr id="7" name="Title 1">
+            <a:extLst>
+              <a:ext uri="{FF2B5EF4-FFF2-40B4-BE49-F238E27FC236}">
+                <a16:creationId xmlns:a16="http://schemas.microsoft.com/office/drawing/2014/main" xmlns="" id="{FC951340-0931-4226-8A1D-D8155B29FCAD}"/>
+              </a:ext>
+            </a:extLst>
+          </p:cNvPr>
+          <p:cNvSpPr txBox="1">
+            <a:spLocks/>
+          </p:cNvSpPr>
+          <p:nvPr/>
+        </p:nvSpPr>
+        <p:spPr>
+          <a:xfrm>
+            <a:off x="3150326" y="3176635"/>
             <a:ext cx="4177937" cy="1058726"/>
           </a:xfrm>
-        </p:spPr>
-        <p:txBody>
-          <a:bodyPr>
+          <a:prstGeom prst="rect">
+            <a:avLst/>
+          </a:prstGeom>
+        </p:spPr>
+        <p:txBody>
+          <a:bodyPr vert="horz" lIns="91440" tIns="45720" rIns="91440" bIns="45720" rtlCol="0" anchor="ctr">
             <a:normAutofit/>
           </a:bodyPr>
-          <a:lstStyle/>
+          <a:lstStyle>
+            <a:lvl1pPr algn="l" defTabSz="914400" rtl="0" eaLnBrk="1" latinLnBrk="0" hangingPunct="1">
+              <a:lnSpc>
+                <a:spcPct val="90000"/>
+              </a:lnSpc>
+              <a:spcBef>
+                <a:spcPct val="0"/>
+              </a:spcBef>
+              <a:buNone/>
+              <a:defRPr sz="4400" kern="1200">
+                <a:solidFill>
+                  <a:schemeClr val="tx1"/>
+                </a:solidFill>
+                <a:latin typeface="+mj-lt"/>
+                <a:ea typeface="+mj-ea"/>
+                <a:cs typeface="+mj-cs"/>
+              </a:defRPr>
+            </a:lvl1pPr>
+          </a:lstStyle>
           <a:p>
             <a:pPr algn="ctr"/>
             <a:r>
-              <a:rPr lang="en-US" dirty="0"/>
-              <a:t>Eric place Holder</a:t>
-            </a:r>
-          </a:p>
-        </p:txBody>
-      </p:sp>
-      <p:sp>
-        <p:nvSpPr>
-          <p:cNvPr id="3" name="Content Placeholder 2">
-            <a:extLst>
-              <a:ext uri="{FF2B5EF4-FFF2-40B4-BE49-F238E27FC236}">
-                <a16:creationId xmlns:a16="http://schemas.microsoft.com/office/drawing/2014/main" id="{1EB92A6F-0933-4F55-A7E3-1BD1D4DC15C5}"/>
-              </a:ext>
-            </a:extLst>
-          </p:cNvPr>
-          <p:cNvSpPr>
-            <a:spLocks noGrp="1"/>
-          </p:cNvSpPr>
-          <p:nvPr>
-            <p:ph idx="1"/>
-          </p:nvPr>
-        </p:nvSpPr>
-        <p:spPr/>
-        <p:txBody>
-          <a:bodyPr/>
-          <a:lstStyle/>
-          <a:p>
+              <a:rPr lang="en-US" u="sng" dirty="0"/>
+              <a:t>Conclusion</a:t>
+            </a:r>
             <a:endParaRPr lang="en-US" dirty="0"/>
           </a:p>
         </p:txBody>
@@ -7478,7 +8339,7 @@
     </p:spTree>
     <p:extLst>
       <p:ext uri="{BB962C8B-B14F-4D97-AF65-F5344CB8AC3E}">
-        <p14:creationId xmlns:p14="http://schemas.microsoft.com/office/powerpoint/2010/main" val="1815479445"/>
+        <p14:creationId xmlns:p14="http://schemas.microsoft.com/office/powerpoint/2010/main" val="3571760118"/>
       </p:ext>
     </p:extLst>
   </p:cSld>
@@ -7510,7 +8371,7 @@
           <p:cNvPr id="2" name="Title 1">
             <a:extLst>
               <a:ext uri="{FF2B5EF4-FFF2-40B4-BE49-F238E27FC236}">
-                <a16:creationId xmlns:a16="http://schemas.microsoft.com/office/drawing/2014/main" id="{4936317F-B021-4296-8E8B-615E882C1287}"/>
+                <a16:creationId xmlns:a16="http://schemas.microsoft.com/office/drawing/2014/main" xmlns="" id="{573D67AD-7A43-4613-BB13-2BD8681EB502}"/>
               </a:ext>
             </a:extLst>
           </p:cNvPr>
@@ -7521,44 +8382,39 @@
             <p:ph type="title"/>
           </p:nvPr>
         </p:nvSpPr>
-        <p:spPr/>
-        <p:txBody>
-          <a:bodyPr/>
-          <a:lstStyle/>
-          <a:p>
-            <a:endParaRPr lang="en-US"/>
-          </a:p>
-        </p:txBody>
-      </p:sp>
-      <p:sp>
-        <p:nvSpPr>
-          <p:cNvPr id="3" name="Content Placeholder 2">
-            <a:extLst>
-              <a:ext uri="{FF2B5EF4-FFF2-40B4-BE49-F238E27FC236}">
-                <a16:creationId xmlns:a16="http://schemas.microsoft.com/office/drawing/2014/main" id="{97C4CF92-FA6C-4EC0-84D9-78AAEAC07E60}"/>
-              </a:ext>
-            </a:extLst>
-          </p:cNvPr>
-          <p:cNvSpPr>
-            <a:spLocks noGrp="1"/>
-          </p:cNvSpPr>
-          <p:nvPr>
-            <p:ph idx="1"/>
-          </p:nvPr>
-        </p:nvSpPr>
-        <p:spPr/>
-        <p:txBody>
-          <a:bodyPr/>
-          <a:lstStyle/>
-          <a:p>
-            <a:endParaRPr lang="en-US"/>
+        <p:spPr>
+          <a:xfrm>
+            <a:off x="1940010" y="2374932"/>
+            <a:ext cx="8155460" cy="759340"/>
+          </a:xfrm>
+        </p:spPr>
+        <p:txBody>
+          <a:bodyPr>
+            <a:normAutofit/>
+          </a:bodyPr>
+          <a:lstStyle/>
+          <a:p>
+            <a:pPr algn="ctr"/>
+            <a:r>
+              <a:rPr lang="en-US" dirty="0" smtClean="0"/>
+              <a:t>Analysis </a:t>
+            </a:r>
+            <a:r>
+              <a:rPr lang="en-US" sz="4000" dirty="0" smtClean="0"/>
+              <a:t>of</a:t>
+            </a:r>
+            <a:r>
+              <a:rPr lang="en-US" dirty="0" smtClean="0"/>
+              <a:t> Near Earth Objects</a:t>
+            </a:r>
+            <a:endParaRPr lang="en-US" dirty="0"/>
           </a:p>
         </p:txBody>
       </p:sp>
     </p:spTree>
     <p:extLst>
       <p:ext uri="{BB962C8B-B14F-4D97-AF65-F5344CB8AC3E}">
-        <p14:creationId xmlns:p14="http://schemas.microsoft.com/office/powerpoint/2010/main" val="75122623"/>
+        <p14:creationId xmlns:p14="http://schemas.microsoft.com/office/powerpoint/2010/main" val="1815479445"/>
       </p:ext>
     </p:extLst>
   </p:cSld>

--- a/asteroid_analysisFinal.pptx
+++ b/asteroid_analysisFinal.pptx
@@ -7,20 +7,26 @@
   <p:sldIdLst>
     <p:sldId id="263" r:id="rId2"/>
     <p:sldId id="257" r:id="rId3"/>
-    <p:sldId id="272" r:id="rId4"/>
-    <p:sldId id="258" r:id="rId5"/>
-    <p:sldId id="266" r:id="rId6"/>
-    <p:sldId id="264" r:id="rId7"/>
-    <p:sldId id="273" r:id="rId8"/>
-    <p:sldId id="267" r:id="rId9"/>
-    <p:sldId id="268" r:id="rId10"/>
-    <p:sldId id="256" r:id="rId11"/>
-    <p:sldId id="269" r:id="rId12"/>
-    <p:sldId id="259" r:id="rId13"/>
-    <p:sldId id="260" r:id="rId14"/>
-    <p:sldId id="270" r:id="rId15"/>
-    <p:sldId id="262" r:id="rId16"/>
-    <p:sldId id="271" r:id="rId17"/>
+    <p:sldId id="276" r:id="rId4"/>
+    <p:sldId id="279" r:id="rId5"/>
+    <p:sldId id="258" r:id="rId6"/>
+    <p:sldId id="266" r:id="rId7"/>
+    <p:sldId id="264" r:id="rId8"/>
+    <p:sldId id="280" r:id="rId9"/>
+    <p:sldId id="267" r:id="rId10"/>
+    <p:sldId id="268" r:id="rId11"/>
+    <p:sldId id="273" r:id="rId12"/>
+    <p:sldId id="277" r:id="rId13"/>
+    <p:sldId id="278" r:id="rId14"/>
+    <p:sldId id="274" r:id="rId15"/>
+    <p:sldId id="272" r:id="rId16"/>
+    <p:sldId id="256" r:id="rId17"/>
+    <p:sldId id="259" r:id="rId18"/>
+    <p:sldId id="260" r:id="rId19"/>
+    <p:sldId id="270" r:id="rId20"/>
+    <p:sldId id="262" r:id="rId21"/>
+    <p:sldId id="271" r:id="rId22"/>
+    <p:sldId id="281" r:id="rId23"/>
   </p:sldIdLst>
   <p:sldSz cx="12192000" cy="6858000"/>
   <p:notesSz cx="6858000" cy="9144000"/>
@@ -125,6 +131,18 @@
     </p:ext>
   </p:extLst>
 </p:presentation>
+</file>
+
+<file path=ppt/commentAuthors.xml><?xml version="1.0" encoding="utf-8"?>
+<p:cmAuthorLst xmlns:a="http://schemas.openxmlformats.org/drawingml/2006/main" xmlns:r="http://schemas.openxmlformats.org/officeDocument/2006/relationships" xmlns:p="http://schemas.openxmlformats.org/presentationml/2006/main">
+  <p:cmAuthor id="1" name="Brent Sergent" initials="BS" lastIdx="1" clrIdx="0">
+    <p:extLst>
+      <p:ext uri="{19B8F6BF-5375-455C-9EA6-DF929625EA0E}">
+        <p15:presenceInfo xmlns:p15="http://schemas.microsoft.com/office/powerpoint/2012/main" userId="c6e8d3dff88fe664" providerId="Windows Live"/>
+      </p:ext>
+    </p:extLst>
+  </p:cmAuthor>
+</p:cmAuthorLst>
 </file>
 
 <file path=ppt/slideLayouts/slideLayout1.xml><?xml version="1.0" encoding="utf-8"?>
@@ -3596,136 +3614,260 @@
       </p:grpSpPr>
       <p:sp>
         <p:nvSpPr>
-          <p:cNvPr id="2" name="Title 1">
-            <a:extLst>
-              <a:ext uri="{FF2B5EF4-FFF2-40B4-BE49-F238E27FC236}">
-                <a16:creationId xmlns:a16="http://schemas.microsoft.com/office/drawing/2014/main" id="{074407D1-022F-4723-8ED3-E5B5FD55D401}"/>
-              </a:ext>
-            </a:extLst>
-          </p:cNvPr>
-          <p:cNvSpPr>
-            <a:spLocks noGrp="1"/>
-          </p:cNvSpPr>
-          <p:nvPr>
-            <p:ph type="ctrTitle"/>
-          </p:nvPr>
-        </p:nvSpPr>
-        <p:spPr>
-          <a:xfrm>
-            <a:off x="1524000" y="302508"/>
-            <a:ext cx="9144000" cy="825023"/>
-          </a:xfrm>
-        </p:spPr>
-        <p:txBody>
-          <a:bodyPr>
-            <a:normAutofit/>
-          </a:bodyPr>
-          <a:lstStyle/>
-          <a:p>
-            <a:r>
-              <a:rPr lang="en-US" sz="4400" b="1" dirty="0"/>
-              <a:t>Close Approaches across Planet Types </a:t>
-            </a:r>
-          </a:p>
-        </p:txBody>
-      </p:sp>
-      <p:sp>
-        <p:nvSpPr>
-          <p:cNvPr id="3" name="Subtitle 2">
-            <a:extLst>
-              <a:ext uri="{FF2B5EF4-FFF2-40B4-BE49-F238E27FC236}">
-                <a16:creationId xmlns:a16="http://schemas.microsoft.com/office/drawing/2014/main" id="{0B8832C5-0114-49B6-9282-B09381785FF5}"/>
-              </a:ext>
-            </a:extLst>
-          </p:cNvPr>
-          <p:cNvSpPr>
-            <a:spLocks noGrp="1"/>
-          </p:cNvSpPr>
-          <p:nvPr>
-            <p:ph type="subTitle" idx="1"/>
-          </p:nvPr>
-        </p:nvSpPr>
-        <p:spPr>
-          <a:xfrm>
-            <a:off x="7055959" y="1766224"/>
-            <a:ext cx="4150321" cy="4098127"/>
-          </a:xfrm>
-        </p:spPr>
-        <p:txBody>
-          <a:bodyPr/>
-          <a:lstStyle/>
-          <a:p>
-            <a:r>
-              <a:rPr lang="en-US" dirty="0"/>
-              <a:t>Observations across outer planets are not well documented as they events are hard to obtain.</a:t>
-            </a:r>
-          </a:p>
-          <a:p>
-            <a:endParaRPr lang="en-US" dirty="0"/>
-          </a:p>
-          <a:p>
-            <a:r>
-              <a:rPr lang="en-US" dirty="0"/>
-              <a:t>Recent studies are appear to be focusing on impacts</a:t>
-            </a:r>
-          </a:p>
-          <a:p>
-            <a:endParaRPr lang="en-US" dirty="0"/>
-          </a:p>
-          <a:p>
-            <a:r>
-              <a:rPr lang="en-US" dirty="0"/>
-              <a:t>Range: within 21 Lunar distances; ~5,000,000 miles</a:t>
-            </a:r>
-          </a:p>
-          <a:p>
-            <a:endParaRPr lang="en-US" dirty="0"/>
-          </a:p>
-          <a:p>
-            <a:endParaRPr lang="en-US" dirty="0"/>
-          </a:p>
-        </p:txBody>
-      </p:sp>
-      <p:pic>
-        <p:nvPicPr>
-          <p:cNvPr id="5" name="Picture 4">
-            <a:extLst>
-              <a:ext uri="{FF2B5EF4-FFF2-40B4-BE49-F238E27FC236}">
-                <a16:creationId xmlns:a16="http://schemas.microsoft.com/office/drawing/2014/main" id="{7E66AE8B-C975-4EC1-92E1-A43091777A5F}"/>
-              </a:ext>
-            </a:extLst>
-          </p:cNvPr>
-          <p:cNvPicPr>
-            <a:picLocks noChangeAspect="1"/>
-          </p:cNvPicPr>
+          <p:cNvPr id="4" name="TextBox 3"/>
+          <p:cNvSpPr txBox="1"/>
           <p:nvPr/>
-        </p:nvPicPr>
-        <p:blipFill>
-          <a:blip r:embed="rId2">
-            <a:extLst>
-              <a:ext uri="{28A0092B-C50C-407E-A947-70E740481C1C}">
-                <a14:useLocalDpi xmlns:a14="http://schemas.microsoft.com/office/drawing/2010/main" val="0"/>
-              </a:ext>
-            </a:extLst>
-          </a:blip>
-          <a:stretch>
-            <a:fillRect/>
-          </a:stretch>
-        </p:blipFill>
-        <p:spPr>
-          <a:xfrm>
-            <a:off x="1200287" y="1524001"/>
-            <a:ext cx="5487650" cy="3984152"/>
+        </p:nvSpPr>
+        <p:spPr>
+          <a:xfrm>
+            <a:off x="1668170" y="1112090"/>
+            <a:ext cx="8736227" cy="461665"/>
           </a:xfrm>
           <a:prstGeom prst="rect">
             <a:avLst/>
           </a:prstGeom>
-        </p:spPr>
-      </p:pic>
+          <a:noFill/>
+        </p:spPr>
+        <p:txBody>
+          <a:bodyPr wrap="square" rtlCol="0">
+            <a:spAutoFit/>
+          </a:bodyPr>
+          <a:lstStyle/>
+          <a:p>
+            <a:r>
+              <a:rPr lang="en-US" sz="2400" b="1" u="sng" dirty="0"/>
+              <a:t>Question:</a:t>
+            </a:r>
+          </a:p>
+        </p:txBody>
+      </p:sp>
+      <p:sp>
+        <p:nvSpPr>
+          <p:cNvPr id="5" name="TextBox 4"/>
+          <p:cNvSpPr txBox="1"/>
+          <p:nvPr/>
+        </p:nvSpPr>
+        <p:spPr>
+          <a:xfrm>
+            <a:off x="1668171" y="1507513"/>
+            <a:ext cx="8773298" cy="830997"/>
+          </a:xfrm>
+          <a:prstGeom prst="rect">
+            <a:avLst/>
+          </a:prstGeom>
+          <a:noFill/>
+        </p:spPr>
+        <p:txBody>
+          <a:bodyPr wrap="square" rtlCol="0">
+            <a:spAutoFit/>
+          </a:bodyPr>
+          <a:lstStyle/>
+          <a:p>
+            <a:r>
+              <a:rPr lang="en-US" sz="2400" dirty="0"/>
+              <a:t>Are more asteroids posing an impact threat to Earth today then the did 15 years ago?</a:t>
+            </a:r>
+          </a:p>
+        </p:txBody>
+      </p:sp>
+      <p:sp>
+        <p:nvSpPr>
+          <p:cNvPr id="6" name="TextBox 5"/>
+          <p:cNvSpPr txBox="1"/>
+          <p:nvPr/>
+        </p:nvSpPr>
+        <p:spPr>
+          <a:xfrm>
+            <a:off x="1668171" y="2544114"/>
+            <a:ext cx="8736227" cy="461665"/>
+          </a:xfrm>
+          <a:prstGeom prst="rect">
+            <a:avLst/>
+          </a:prstGeom>
+          <a:noFill/>
+        </p:spPr>
+        <p:txBody>
+          <a:bodyPr wrap="square" rtlCol="0">
+            <a:spAutoFit/>
+          </a:bodyPr>
+          <a:lstStyle/>
+          <a:p>
+            <a:r>
+              <a:rPr lang="en-US" sz="2400" b="1" u="sng" dirty="0">
+                <a:ea typeface="Calibri" panose="020F0502020204030204" pitchFamily="34" charset="0"/>
+                <a:cs typeface="Times New Roman" panose="02020603050405020304" pitchFamily="18" charset="0"/>
+              </a:rPr>
+              <a:t>Null hypothesis  (H</a:t>
+            </a:r>
+            <a:r>
+              <a:rPr lang="en-US" sz="2400" b="1" u="sng" baseline="-25000" dirty="0">
+                <a:ea typeface="Calibri" panose="020F0502020204030204" pitchFamily="34" charset="0"/>
+                <a:cs typeface="Times New Roman" panose="02020603050405020304" pitchFamily="18" charset="0"/>
+              </a:rPr>
+              <a:t>o</a:t>
+            </a:r>
+            <a:r>
+              <a:rPr lang="en-US" sz="2400" b="1" u="sng" dirty="0">
+                <a:ea typeface="Calibri" panose="020F0502020204030204" pitchFamily="34" charset="0"/>
+                <a:cs typeface="Times New Roman" panose="02020603050405020304" pitchFamily="18" charset="0"/>
+              </a:rPr>
+              <a:t>):</a:t>
+            </a:r>
+            <a:endParaRPr lang="en-US" sz="2400" dirty="0">
+              <a:ea typeface="Calibri" panose="020F0502020204030204" pitchFamily="34" charset="0"/>
+              <a:cs typeface="Times New Roman" panose="02020603050405020304" pitchFamily="18" charset="0"/>
+            </a:endParaRPr>
+          </a:p>
+        </p:txBody>
+      </p:sp>
+      <p:sp>
+        <p:nvSpPr>
+          <p:cNvPr id="7" name="TextBox 6"/>
+          <p:cNvSpPr txBox="1"/>
+          <p:nvPr/>
+        </p:nvSpPr>
+        <p:spPr>
+          <a:xfrm>
+            <a:off x="1668171" y="2975912"/>
+            <a:ext cx="8736227" cy="1569660"/>
+          </a:xfrm>
+          <a:prstGeom prst="rect">
+            <a:avLst/>
+          </a:prstGeom>
+          <a:noFill/>
+        </p:spPr>
+        <p:txBody>
+          <a:bodyPr wrap="square" rtlCol="0">
+            <a:spAutoFit/>
+          </a:bodyPr>
+          <a:lstStyle/>
+          <a:p>
+            <a:r>
+              <a:rPr lang="en-US" sz="2400" dirty="0"/>
+              <a:t>If the number of asteroids posing an impact threat is unchanged per year over the last 15 years, then no changes in the number of asteroids posing an impact threat will be seen comparing the current year to the last 15 years.</a:t>
+            </a:r>
+          </a:p>
+        </p:txBody>
+      </p:sp>
+      <p:sp>
+        <p:nvSpPr>
+          <p:cNvPr id="8" name="TextBox 7"/>
+          <p:cNvSpPr txBox="1"/>
+          <p:nvPr/>
+        </p:nvSpPr>
+        <p:spPr>
+          <a:xfrm>
+            <a:off x="1668171" y="4655752"/>
+            <a:ext cx="8736227" cy="461665"/>
+          </a:xfrm>
+          <a:prstGeom prst="rect">
+            <a:avLst/>
+          </a:prstGeom>
+          <a:noFill/>
+        </p:spPr>
+        <p:txBody>
+          <a:bodyPr wrap="square" rtlCol="0">
+            <a:spAutoFit/>
+          </a:bodyPr>
+          <a:lstStyle/>
+          <a:p>
+            <a:r>
+              <a:rPr lang="en-US" sz="2400" b="1" u="sng" dirty="0">
+                <a:ea typeface="Calibri" panose="020F0502020204030204" pitchFamily="34" charset="0"/>
+                <a:cs typeface="Times New Roman" panose="02020603050405020304" pitchFamily="18" charset="0"/>
+              </a:rPr>
+              <a:t>Alternative Hypothesis (H</a:t>
+            </a:r>
+            <a:r>
+              <a:rPr lang="en-US" sz="2400" b="1" u="sng" baseline="-25000" dirty="0">
+                <a:ea typeface="Calibri" panose="020F0502020204030204" pitchFamily="34" charset="0"/>
+                <a:cs typeface="Times New Roman" panose="02020603050405020304" pitchFamily="18" charset="0"/>
+              </a:rPr>
+              <a:t>a</a:t>
+            </a:r>
+            <a:r>
+              <a:rPr lang="en-US" sz="2400" b="1" u="sng" dirty="0">
+                <a:ea typeface="Calibri" panose="020F0502020204030204" pitchFamily="34" charset="0"/>
+                <a:cs typeface="Times New Roman" panose="02020603050405020304" pitchFamily="18" charset="0"/>
+              </a:rPr>
+              <a:t>):</a:t>
+            </a:r>
+            <a:endParaRPr lang="en-US" sz="2400" u="sng" dirty="0">
+              <a:ea typeface="Calibri" panose="020F0502020204030204" pitchFamily="34" charset="0"/>
+              <a:cs typeface="Times New Roman" panose="02020603050405020304" pitchFamily="18" charset="0"/>
+            </a:endParaRPr>
+          </a:p>
+        </p:txBody>
+      </p:sp>
+      <p:sp>
+        <p:nvSpPr>
+          <p:cNvPr id="9" name="TextBox 8"/>
+          <p:cNvSpPr txBox="1"/>
+          <p:nvPr/>
+        </p:nvSpPr>
+        <p:spPr>
+          <a:xfrm>
+            <a:off x="1668171" y="5073484"/>
+            <a:ext cx="8736227" cy="1569660"/>
+          </a:xfrm>
+          <a:prstGeom prst="rect">
+            <a:avLst/>
+          </a:prstGeom>
+          <a:noFill/>
+        </p:spPr>
+        <p:txBody>
+          <a:bodyPr wrap="square" rtlCol="0">
+            <a:spAutoFit/>
+          </a:bodyPr>
+          <a:lstStyle/>
+          <a:p>
+            <a:r>
+              <a:rPr lang="en-US" sz="2400" dirty="0"/>
+              <a:t>If the number of asteroids posing an impact threat is changed per year over the last 15 years, then changes in the number of asteroids posing an impact threat will be seen comparing the current year to the last 15 years.</a:t>
+            </a:r>
+          </a:p>
+        </p:txBody>
+      </p:sp>
+      <p:sp>
+        <p:nvSpPr>
+          <p:cNvPr id="10" name="TextBox 9">
+            <a:extLst>
+              <a:ext uri="{FF2B5EF4-FFF2-40B4-BE49-F238E27FC236}">
+                <a16:creationId xmlns:a16="http://schemas.microsoft.com/office/drawing/2014/main" id="{CA764E2C-B1C8-4D69-9413-3FE90BCC33C3}"/>
+              </a:ext>
+            </a:extLst>
+          </p:cNvPr>
+          <p:cNvSpPr txBox="1"/>
+          <p:nvPr/>
+        </p:nvSpPr>
+        <p:spPr>
+          <a:xfrm>
+            <a:off x="1668170" y="300421"/>
+            <a:ext cx="8736227" cy="707886"/>
+          </a:xfrm>
+          <a:prstGeom prst="rect">
+            <a:avLst/>
+          </a:prstGeom>
+          <a:noFill/>
+        </p:spPr>
+        <p:txBody>
+          <a:bodyPr wrap="square" rtlCol="0">
+            <a:spAutoFit/>
+          </a:bodyPr>
+          <a:lstStyle/>
+          <a:p>
+            <a:pPr algn="ctr"/>
+            <a:r>
+              <a:rPr lang="en-US" sz="4000" dirty="0"/>
+              <a:t>The Hypothesis</a:t>
+            </a:r>
+          </a:p>
+        </p:txBody>
+      </p:sp>
     </p:spTree>
     <p:extLst>
       <p:ext uri="{BB962C8B-B14F-4D97-AF65-F5344CB8AC3E}">
-        <p14:creationId xmlns:p14="http://schemas.microsoft.com/office/powerpoint/2010/main" val="2015394305"/>
+        <p14:creationId xmlns:p14="http://schemas.microsoft.com/office/powerpoint/2010/main" val="75122623"/>
       </p:ext>
     </p:extLst>
   </p:cSld>
@@ -3757,7 +3899,7 @@
           <p:cNvPr id="2" name="Title 1">
             <a:extLst>
               <a:ext uri="{FF2B5EF4-FFF2-40B4-BE49-F238E27FC236}">
-                <a16:creationId xmlns:a16="http://schemas.microsoft.com/office/drawing/2014/main" id="{074407D1-022F-4723-8ED3-E5B5FD55D401}"/>
+                <a16:creationId xmlns:a16="http://schemas.microsoft.com/office/drawing/2014/main" id="{4936317F-B021-4296-8E8B-615E882C1287}"/>
               </a:ext>
             </a:extLst>
           </p:cNvPr>
@@ -3765,34 +3907,35 @@
             <a:spLocks noGrp="1"/>
           </p:cNvSpPr>
           <p:nvPr>
-            <p:ph type="ctrTitle"/>
+            <p:ph type="title"/>
           </p:nvPr>
         </p:nvSpPr>
         <p:spPr>
           <a:xfrm>
-            <a:off x="1524000" y="302508"/>
-            <a:ext cx="9144000" cy="825023"/>
+            <a:off x="838200" y="365126"/>
+            <a:ext cx="10515600" cy="536918"/>
           </a:xfrm>
         </p:spPr>
         <p:txBody>
           <a:bodyPr>
-            <a:normAutofit/>
+            <a:normAutofit fontScale="90000"/>
           </a:bodyPr>
           <a:lstStyle/>
           <a:p>
-            <a:r>
-              <a:rPr lang="en-US" sz="4400" b="1" dirty="0"/>
-              <a:t>Close Approaches across Inner Planets</a:t>
-            </a:r>
-          </a:p>
-        </p:txBody>
-      </p:sp>
-      <p:sp>
-        <p:nvSpPr>
-          <p:cNvPr id="3" name="Subtitle 2">
-            <a:extLst>
-              <a:ext uri="{FF2B5EF4-FFF2-40B4-BE49-F238E27FC236}">
-                <a16:creationId xmlns:a16="http://schemas.microsoft.com/office/drawing/2014/main" id="{0B8832C5-0114-49B6-9282-B09381785FF5}"/>
+            <a:pPr algn="ctr"/>
+            <a:r>
+              <a:rPr lang="en-US" dirty="0"/>
+              <a:t>Resources</a:t>
+            </a:r>
+          </a:p>
+        </p:txBody>
+      </p:sp>
+      <p:sp>
+        <p:nvSpPr>
+          <p:cNvPr id="3" name="Content Placeholder 2">
+            <a:extLst>
+              <a:ext uri="{FF2B5EF4-FFF2-40B4-BE49-F238E27FC236}">
+                <a16:creationId xmlns:a16="http://schemas.microsoft.com/office/drawing/2014/main" id="{97C4CF92-FA6C-4EC0-84D9-78AAEAC07E60}"/>
               </a:ext>
             </a:extLst>
           </p:cNvPr>
@@ -3800,13 +3943,13 @@
             <a:spLocks noGrp="1"/>
           </p:cNvSpPr>
           <p:nvPr>
-            <p:ph type="subTitle" idx="1"/>
+            <p:ph idx="1"/>
           </p:nvPr>
         </p:nvSpPr>
         <p:spPr>
           <a:xfrm>
-            <a:off x="7055959" y="1680881"/>
-            <a:ext cx="4150321" cy="2964272"/>
+            <a:off x="838200" y="902044"/>
+            <a:ext cx="10515600" cy="4930345"/>
           </a:xfrm>
         </p:spPr>
         <p:txBody>
@@ -3815,65 +3958,95 @@
           </a:bodyPr>
           <a:lstStyle/>
           <a:p>
+            <a:pPr marL="0" indent="0">
+              <a:buNone/>
+            </a:pPr>
+            <a:r>
+              <a:rPr lang="en-US" sz="2400" b="1" dirty="0"/>
+              <a:t>NASA: </a:t>
+            </a:r>
+            <a:r>
+              <a:rPr lang="en-US" sz="2400" dirty="0">
+                <a:hlinkClick r:id="rId2"/>
+              </a:rPr>
+              <a:t>Link</a:t>
+            </a:r>
+            <a:endParaRPr lang="en-US" sz="2400" dirty="0"/>
+          </a:p>
+          <a:p>
+            <a:pPr marL="0" indent="0">
+              <a:buNone/>
+            </a:pPr>
+            <a:r>
+              <a:rPr lang="en-US" sz="2100" dirty="0"/>
+              <a:t>NASA has many APIs available to the public. The one I choose is the Asteroid </a:t>
+            </a:r>
+            <a:r>
+              <a:rPr lang="en-US" sz="2100" dirty="0" err="1"/>
+              <a:t>NeoWS</a:t>
+            </a:r>
+            <a:r>
+              <a:rPr lang="en-US" sz="2100" dirty="0"/>
+              <a:t> API. This data contains all asteroids that have traveled within 10 Lunar Distances from Earth. Some of the data available for each asteroid in the database includes:</a:t>
+            </a:r>
+          </a:p>
+          <a:p>
+            <a:r>
+              <a:rPr lang="en-US" sz="2100" dirty="0"/>
+              <a:t>ID</a:t>
+            </a:r>
+          </a:p>
+          <a:p>
+            <a:r>
+              <a:rPr lang="en-US" sz="2100" dirty="0"/>
+              <a:t>Name</a:t>
+            </a:r>
+          </a:p>
+          <a:p>
+            <a:r>
+              <a:rPr lang="en-US" sz="2100" dirty="0"/>
+              <a:t>Distance from Earth at Approach</a:t>
+            </a:r>
+          </a:p>
+          <a:p>
+            <a:r>
+              <a:rPr lang="en-US" sz="2100" dirty="0"/>
+              <a:t>Velocity</a:t>
+            </a:r>
+          </a:p>
+          <a:p>
+            <a:r>
+              <a:rPr lang="en-US" sz="2100" dirty="0"/>
+              <a:t>Whether it is potentially hazardous to Earth</a:t>
+            </a:r>
+          </a:p>
+          <a:p>
+            <a:pPr marL="0" indent="0">
+              <a:buNone/>
+            </a:pPr>
+            <a:endParaRPr lang="en-US" sz="2100" dirty="0"/>
+          </a:p>
+          <a:p>
+            <a:pPr marL="0" indent="0">
+              <a:buNone/>
+            </a:pPr>
+            <a:r>
+              <a:rPr lang="en-US" sz="2100" dirty="0"/>
+              <a:t>NASA has another API (SSD/CNEOS) that contains data about near-earth objects, but this data set did not include information on whether the asteroid would be potentially hazardous to Earth.</a:t>
+            </a:r>
+          </a:p>
+          <a:p>
+            <a:endParaRPr lang="en-US" sz="2100" dirty="0"/>
+          </a:p>
+          <a:p>
             <a:endParaRPr lang="en-US" dirty="0"/>
           </a:p>
-          <a:p>
-            <a:r>
-              <a:rPr lang="en-US" dirty="0"/>
-              <a:t>Future occurrences do not predict a general increase against the last 20 years</a:t>
-            </a:r>
-          </a:p>
-          <a:p>
-            <a:endParaRPr lang="en-US" dirty="0"/>
-          </a:p>
-          <a:p>
-            <a:r>
-              <a:rPr lang="en-US" dirty="0"/>
-              <a:t>Future occurrences disregard unpredicted instances</a:t>
-            </a:r>
-          </a:p>
-        </p:txBody>
-      </p:sp>
-      <p:pic>
-        <p:nvPicPr>
-          <p:cNvPr id="6" name="Picture 5">
-            <a:extLst>
-              <a:ext uri="{FF2B5EF4-FFF2-40B4-BE49-F238E27FC236}">
-                <a16:creationId xmlns:a16="http://schemas.microsoft.com/office/drawing/2014/main" id="{40D34F2B-80ED-4ABF-A0DB-F2319612369F}"/>
-              </a:ext>
-            </a:extLst>
-          </p:cNvPr>
-          <p:cNvPicPr>
-            <a:picLocks noChangeAspect="1"/>
-          </p:cNvPicPr>
-          <p:nvPr/>
-        </p:nvPicPr>
-        <p:blipFill>
-          <a:blip r:embed="rId2">
-            <a:extLst>
-              <a:ext uri="{28A0092B-C50C-407E-A947-70E740481C1C}">
-                <a14:useLocalDpi xmlns:a14="http://schemas.microsoft.com/office/drawing/2010/main" val="0"/>
-              </a:ext>
-            </a:extLst>
-          </a:blip>
-          <a:stretch>
-            <a:fillRect/>
-          </a:stretch>
-        </p:blipFill>
-        <p:spPr>
-          <a:xfrm>
-            <a:off x="743087" y="1520535"/>
-            <a:ext cx="6168254" cy="4112169"/>
-          </a:xfrm>
-          <a:prstGeom prst="rect">
-            <a:avLst/>
-          </a:prstGeom>
-        </p:spPr>
-      </p:pic>
+        </p:txBody>
+      </p:sp>
     </p:spTree>
     <p:extLst>
       <p:ext uri="{BB962C8B-B14F-4D97-AF65-F5344CB8AC3E}">
-        <p14:creationId xmlns:p14="http://schemas.microsoft.com/office/powerpoint/2010/main" val="17143761"/>
+        <p14:creationId xmlns:p14="http://schemas.microsoft.com/office/powerpoint/2010/main" val="1496843639"/>
       </p:ext>
     </p:extLst>
   </p:cSld>
@@ -3905,7 +4078,7 @@
           <p:cNvPr id="2" name="Title 1">
             <a:extLst>
               <a:ext uri="{FF2B5EF4-FFF2-40B4-BE49-F238E27FC236}">
-                <a16:creationId xmlns:a16="http://schemas.microsoft.com/office/drawing/2014/main" id="{074407D1-022F-4723-8ED3-E5B5FD55D401}"/>
+                <a16:creationId xmlns:a16="http://schemas.microsoft.com/office/drawing/2014/main" id="{4936317F-B021-4296-8E8B-615E882C1287}"/>
               </a:ext>
             </a:extLst>
           </p:cNvPr>
@@ -3913,34 +4086,35 @@
             <a:spLocks noGrp="1"/>
           </p:cNvSpPr>
           <p:nvPr>
-            <p:ph type="ctrTitle"/>
+            <p:ph type="title"/>
           </p:nvPr>
         </p:nvSpPr>
         <p:spPr>
           <a:xfrm>
-            <a:off x="1524000" y="302508"/>
-            <a:ext cx="9144000" cy="825023"/>
+            <a:off x="838200" y="365126"/>
+            <a:ext cx="10515600" cy="536918"/>
           </a:xfrm>
         </p:spPr>
         <p:txBody>
           <a:bodyPr>
-            <a:normAutofit/>
+            <a:normAutofit fontScale="90000"/>
           </a:bodyPr>
           <a:lstStyle/>
           <a:p>
-            <a:r>
-              <a:rPr lang="en-US" sz="4400" b="1" dirty="0"/>
-              <a:t>Close Approaches with Mercury</a:t>
-            </a:r>
-          </a:p>
-        </p:txBody>
-      </p:sp>
-      <p:sp>
-        <p:nvSpPr>
-          <p:cNvPr id="3" name="Subtitle 2">
-            <a:extLst>
-              <a:ext uri="{FF2B5EF4-FFF2-40B4-BE49-F238E27FC236}">
-                <a16:creationId xmlns:a16="http://schemas.microsoft.com/office/drawing/2014/main" id="{0B8832C5-0114-49B6-9282-B09381785FF5}"/>
+            <a:pPr algn="ctr"/>
+            <a:r>
+              <a:rPr lang="en-US" dirty="0"/>
+              <a:t>Challenges in Gathering Data</a:t>
+            </a:r>
+          </a:p>
+        </p:txBody>
+      </p:sp>
+      <p:sp>
+        <p:nvSpPr>
+          <p:cNvPr id="3" name="Content Placeholder 2">
+            <a:extLst>
+              <a:ext uri="{FF2B5EF4-FFF2-40B4-BE49-F238E27FC236}">
+                <a16:creationId xmlns:a16="http://schemas.microsoft.com/office/drawing/2014/main" id="{97C4CF92-FA6C-4EC0-84D9-78AAEAC07E60}"/>
               </a:ext>
             </a:extLst>
           </p:cNvPr>
@@ -3948,286 +4122,90 @@
             <a:spLocks noGrp="1"/>
           </p:cNvSpPr>
           <p:nvPr>
-            <p:ph type="subTitle" idx="1"/>
+            <p:ph idx="1"/>
           </p:nvPr>
         </p:nvSpPr>
         <p:spPr>
           <a:xfrm>
-            <a:off x="7165687" y="1946864"/>
-            <a:ext cx="4150321" cy="2964272"/>
-          </a:xfrm>
-        </p:spPr>
-        <p:txBody>
-          <a:bodyPr/>
-          <a:lstStyle/>
-          <a:p>
-            <a:pPr marL="342900" indent="-342900">
-              <a:buFontTx/>
-              <a:buChar char="-"/>
-            </a:pPr>
-            <a:r>
-              <a:rPr lang="en-US" dirty="0"/>
-              <a:t>Cannot Reject Null</a:t>
+            <a:off x="838200" y="1136827"/>
+            <a:ext cx="10515600" cy="5152762"/>
+          </a:xfrm>
+        </p:spPr>
+        <p:txBody>
+          <a:bodyPr>
+            <a:normAutofit fontScale="92500"/>
+          </a:bodyPr>
+          <a:lstStyle/>
+          <a:p>
+            <a:pPr marL="0" indent="0">
+              <a:buNone/>
+            </a:pPr>
+            <a:r>
+              <a:rPr lang="en-US" sz="2100" dirty="0"/>
+              <a:t>While working to gather the necessary data from the Asteroid </a:t>
+            </a:r>
+            <a:r>
+              <a:rPr lang="en-US" sz="2100" dirty="0" err="1"/>
+              <a:t>NeoWS</a:t>
+            </a:r>
+            <a:r>
+              <a:rPr lang="en-US" sz="2100" dirty="0"/>
+              <a:t> API, I experienced the following challenges.</a:t>
+            </a:r>
+          </a:p>
+          <a:p>
+            <a:r>
+              <a:rPr lang="en-US" sz="2100" dirty="0"/>
+              <a:t>A user is limited to 1,000 API requests in a 24-hour period.</a:t>
+            </a:r>
+          </a:p>
+          <a:p>
+            <a:r>
+              <a:rPr lang="en-US" sz="2100" dirty="0"/>
+              <a:t>Each request to the API is limited to a 7-day date range. In order to gather enough data for an analysis I had to create a loop that would pass a 7-day date range to the API for a span of 15 years. That works out to 825 requests.</a:t>
+            </a:r>
+          </a:p>
+          <a:p>
+            <a:r>
+              <a:rPr lang="en-US" sz="2100" dirty="0"/>
+              <a:t>Data returned in the request is organized by date. This posed the challenge of creating a loop that would run through each date in the response in order to gather data for each asteroid observed.</a:t>
+            </a:r>
+          </a:p>
+          <a:p>
+            <a:r>
+              <a:rPr lang="en-US" sz="2100" dirty="0"/>
+              <a:t>The data set for each date in the response was organized with multiple levels of lists nested inside dictionaries. This required me to have several nested For loops which added to the complexity of keeping the code clean.</a:t>
+            </a:r>
+          </a:p>
+          <a:p>
+            <a:r>
+              <a:rPr lang="en-US" sz="2100" dirty="0"/>
+              <a:t>I found the best way to keep my code clean was to break it down into functions. While I was able to see data being returned from the API, I could not figure out how to pass the lists of data from one function to another in order to create a </a:t>
+            </a:r>
+            <a:r>
+              <a:rPr lang="en-US" sz="2100" dirty="0" err="1"/>
+              <a:t>dataframe</a:t>
+            </a:r>
+            <a:r>
+              <a:rPr lang="en-US" sz="2100" dirty="0"/>
+              <a:t>.</a:t>
+            </a:r>
+          </a:p>
+          <a:p>
+            <a:r>
+              <a:rPr lang="en-US" sz="2100" dirty="0"/>
+              <a:t>Due to the complexity in the organization of the response object, I was not able to determine how to write the data to a .csv file which would have allowed me to analyze the data.</a:t>
             </a:r>
           </a:p>
           <a:p>
             <a:endParaRPr lang="en-US" dirty="0"/>
-          </a:p>
-          <a:p>
-            <a:pPr marL="342900" indent="-342900">
-              <a:buFontTx/>
-              <a:buChar char="-"/>
-            </a:pPr>
-            <a:r>
-              <a:rPr lang="en-US" dirty="0"/>
-              <a:t>Very Weak positive correlation</a:t>
-            </a:r>
-          </a:p>
-        </p:txBody>
-      </p:sp>
-      <p:pic>
-        <p:nvPicPr>
-          <p:cNvPr id="5" name="Picture 4">
-            <a:extLst>
-              <a:ext uri="{FF2B5EF4-FFF2-40B4-BE49-F238E27FC236}">
-                <a16:creationId xmlns:a16="http://schemas.microsoft.com/office/drawing/2014/main" id="{13B96306-120F-4816-90BF-D3BF2F1DB026}"/>
-              </a:ext>
-            </a:extLst>
-          </p:cNvPr>
-          <p:cNvPicPr>
-            <a:picLocks noChangeAspect="1"/>
-          </p:cNvPicPr>
-          <p:nvPr/>
-        </p:nvPicPr>
-        <p:blipFill>
-          <a:blip r:embed="rId2">
-            <a:extLst>
-              <a:ext uri="{28A0092B-C50C-407E-A947-70E740481C1C}">
-                <a14:useLocalDpi xmlns:a14="http://schemas.microsoft.com/office/drawing/2010/main" val="0"/>
-              </a:ext>
-            </a:extLst>
-          </a:blip>
-          <a:stretch>
-            <a:fillRect/>
-          </a:stretch>
-        </p:blipFill>
-        <p:spPr>
-          <a:xfrm>
-            <a:off x="0" y="1295400"/>
-            <a:ext cx="7424927" cy="3313176"/>
-          </a:xfrm>
-          <a:prstGeom prst="rect">
-            <a:avLst/>
-          </a:prstGeom>
-        </p:spPr>
-      </p:pic>
-      <p:sp>
-        <p:nvSpPr>
-          <p:cNvPr id="11" name="Rectangle 2">
-            <a:extLst>
-              <a:ext uri="{FF2B5EF4-FFF2-40B4-BE49-F238E27FC236}">
-                <a16:creationId xmlns:a16="http://schemas.microsoft.com/office/drawing/2014/main" id="{D08CE40E-A06B-432E-877A-F5ABD2964938}"/>
-              </a:ext>
-            </a:extLst>
-          </p:cNvPr>
-          <p:cNvSpPr>
-            <a:spLocks noChangeArrowheads="1"/>
-          </p:cNvSpPr>
-          <p:nvPr/>
-        </p:nvSpPr>
-        <p:spPr bwMode="auto">
-          <a:xfrm>
-            <a:off x="875992" y="4776445"/>
-            <a:ext cx="3968496" cy="461665"/>
-          </a:xfrm>
-          <a:prstGeom prst="rect">
-            <a:avLst/>
-          </a:prstGeom>
-          <a:solidFill>
-            <a:srgbClr val="FFFFFF"/>
-          </a:solidFill>
-          <a:ln>
-            <a:noFill/>
-          </a:ln>
-          <a:effectLst/>
-          <a:extLst>
-            <a:ext uri="{91240B29-F687-4F45-9708-019B960494DF}">
-              <a14:hiddenLine xmlns:a14="http://schemas.microsoft.com/office/drawing/2010/main" w="9525">
-                <a:solidFill>
-                  <a:schemeClr val="tx1"/>
-                </a:solidFill>
-                <a:miter lim="800000"/>
-                <a:headEnd/>
-                <a:tailEnd/>
-              </a14:hiddenLine>
-            </a:ext>
-            <a:ext uri="{AF507438-7753-43E0-B8FC-AC1667EBCBE1}">
-              <a14:hiddenEffects xmlns:a14="http://schemas.microsoft.com/office/drawing/2010/main">
-                <a:effectLst>
-                  <a:outerShdw dist="35921" dir="2700000" algn="ctr" rotWithShape="0">
-                    <a:schemeClr val="bg2"/>
-                  </a:outerShdw>
-                </a:effectLst>
-              </a14:hiddenEffects>
-            </a:ext>
-          </a:extLst>
-        </p:spPr>
-        <p:txBody>
-          <a:bodyPr vert="horz" wrap="square" lIns="0" tIns="0" rIns="0" bIns="0" numCol="1" anchor="ctr" anchorCtr="0" compatLnSpc="1">
-            <a:prstTxWarp prst="textNoShape">
-              <a:avLst/>
-            </a:prstTxWarp>
-            <a:spAutoFit/>
-          </a:bodyPr>
-          <a:lstStyle/>
-          <a:p>
-            <a:pPr marL="0" marR="0" lvl="0" indent="0" algn="l" defTabSz="914400" rtl="0" eaLnBrk="0" fontAlgn="base" latinLnBrk="0" hangingPunct="0">
-              <a:lnSpc>
-                <a:spcPct val="100000"/>
-              </a:lnSpc>
-              <a:spcBef>
-                <a:spcPct val="0"/>
-              </a:spcBef>
-              <a:spcAft>
-                <a:spcPct val="0"/>
-              </a:spcAft>
-              <a:buClrTx/>
-              <a:buSzTx/>
-              <a:buFontTx/>
-              <a:buNone/>
-              <a:tabLst/>
-            </a:pPr>
-            <a:r>
-              <a:rPr kumimoji="0" lang="en-US" altLang="en-US" sz="1000" b="1" i="0" u="none" strike="noStrike" cap="none" normalizeH="0" baseline="0" dirty="0">
-                <a:ln>
-                  <a:noFill/>
-                </a:ln>
-                <a:solidFill>
-                  <a:srgbClr val="000000"/>
-                </a:solidFill>
-                <a:effectLst/>
-                <a:latin typeface="Courier New" panose="02070309020205020404" pitchFamily="49" charset="0"/>
-              </a:rPr>
-              <a:t>P Value</a:t>
-            </a:r>
-            <a:r>
-              <a:rPr kumimoji="0" lang="en-US" altLang="en-US" sz="1000" b="0" i="0" u="none" strike="noStrike" cap="none" normalizeH="0" baseline="0" dirty="0">
-                <a:ln>
-                  <a:noFill/>
-                </a:ln>
-                <a:solidFill>
-                  <a:srgbClr val="000000"/>
-                </a:solidFill>
-                <a:effectLst/>
-                <a:latin typeface="Courier New" panose="02070309020205020404" pitchFamily="49" charset="0"/>
-              </a:rPr>
-              <a:t>: 0.070729</a:t>
-            </a:r>
-          </a:p>
-          <a:p>
-            <a:pPr marL="0" marR="0" lvl="0" indent="0" algn="l" defTabSz="914400" rtl="0" eaLnBrk="0" fontAlgn="base" latinLnBrk="0" hangingPunct="0">
-              <a:lnSpc>
-                <a:spcPct val="100000"/>
-              </a:lnSpc>
-              <a:spcBef>
-                <a:spcPct val="0"/>
-              </a:spcBef>
-              <a:spcAft>
-                <a:spcPct val="0"/>
-              </a:spcAft>
-              <a:buClrTx/>
-              <a:buSzTx/>
-              <a:buFontTx/>
-              <a:buNone/>
-              <a:tabLst/>
-            </a:pPr>
-            <a:r>
-              <a:rPr kumimoji="0" lang="en-US" altLang="en-US" sz="1000" b="1" i="0" u="none" strike="noStrike" cap="none" normalizeH="0" baseline="0" dirty="0">
-                <a:ln>
-                  <a:noFill/>
-                </a:ln>
-                <a:solidFill>
-                  <a:srgbClr val="000000"/>
-                </a:solidFill>
-                <a:effectLst/>
-                <a:latin typeface="Courier New" panose="02070309020205020404" pitchFamily="49" charset="0"/>
-              </a:rPr>
-              <a:t>Correlation Coefficient</a:t>
-            </a:r>
-            <a:r>
-              <a:rPr kumimoji="0" lang="en-US" altLang="en-US" sz="1000" b="0" i="0" u="none" strike="noStrike" cap="none" normalizeH="0" baseline="0" dirty="0">
-                <a:ln>
-                  <a:noFill/>
-                </a:ln>
-                <a:solidFill>
-                  <a:srgbClr val="000000"/>
-                </a:solidFill>
-                <a:effectLst/>
-                <a:latin typeface="Courier New" panose="02070309020205020404" pitchFamily="49" charset="0"/>
-              </a:rPr>
-              <a:t>:0.065116</a:t>
-            </a:r>
-          </a:p>
-          <a:p>
-            <a:pPr marL="0" marR="0" lvl="0" indent="0" algn="l" defTabSz="914400" rtl="0" eaLnBrk="0" fontAlgn="base" latinLnBrk="0" hangingPunct="0">
-              <a:lnSpc>
-                <a:spcPct val="100000"/>
-              </a:lnSpc>
-              <a:spcBef>
-                <a:spcPct val="0"/>
-              </a:spcBef>
-              <a:spcAft>
-                <a:spcPct val="0"/>
-              </a:spcAft>
-              <a:buClrTx/>
-              <a:buSzTx/>
-              <a:buFontTx/>
-              <a:buNone/>
-              <a:tabLst/>
-            </a:pPr>
-            <a:r>
-              <a:rPr kumimoji="0" lang="en-US" altLang="en-US" sz="1000" b="1" i="0" u="none" strike="noStrike" cap="none" normalizeH="0" baseline="0" dirty="0">
-                <a:ln>
-                  <a:noFill/>
-                </a:ln>
-                <a:solidFill>
-                  <a:srgbClr val="000000"/>
-                </a:solidFill>
-                <a:effectLst/>
-                <a:latin typeface="Courier New" panose="02070309020205020404" pitchFamily="49" charset="0"/>
-              </a:rPr>
-              <a:t>Linear Regression Line</a:t>
-            </a:r>
-            <a:r>
-              <a:rPr kumimoji="0" lang="en-US" altLang="en-US" sz="1000" b="0" i="0" u="none" strike="noStrike" cap="none" normalizeH="0" baseline="0" dirty="0">
-                <a:ln>
-                  <a:noFill/>
-                </a:ln>
-                <a:solidFill>
-                  <a:srgbClr val="000000"/>
-                </a:solidFill>
-                <a:effectLst/>
-                <a:latin typeface="Courier New" panose="02070309020205020404" pitchFamily="49" charset="0"/>
-              </a:rPr>
-              <a:t>: y = 0.08x + 19.12</a:t>
-            </a:r>
-            <a:endParaRPr kumimoji="0" lang="en-US" altLang="en-US" sz="1800" b="0" i="0" u="none" strike="noStrike" cap="none" normalizeH="0" baseline="0" dirty="0">
-              <a:ln>
-                <a:noFill/>
-              </a:ln>
-              <a:solidFill>
-                <a:schemeClr val="tx1"/>
-              </a:solidFill>
-              <a:effectLst/>
-              <a:latin typeface="Arial" panose="020B0604020202020204" pitchFamily="34" charset="0"/>
-            </a:endParaRPr>
           </a:p>
         </p:txBody>
       </p:sp>
     </p:spTree>
     <p:extLst>
       <p:ext uri="{BB962C8B-B14F-4D97-AF65-F5344CB8AC3E}">
-        <p14:creationId xmlns:p14="http://schemas.microsoft.com/office/powerpoint/2010/main" val="2798718843"/>
+        <p14:creationId xmlns:p14="http://schemas.microsoft.com/office/powerpoint/2010/main" val="1181399351"/>
       </p:ext>
     </p:extLst>
   </p:cSld>
@@ -4259,7 +4237,7 @@
           <p:cNvPr id="2" name="Title 1">
             <a:extLst>
               <a:ext uri="{FF2B5EF4-FFF2-40B4-BE49-F238E27FC236}">
-                <a16:creationId xmlns:a16="http://schemas.microsoft.com/office/drawing/2014/main" id="{074407D1-022F-4723-8ED3-E5B5FD55D401}"/>
+                <a16:creationId xmlns:a16="http://schemas.microsoft.com/office/drawing/2014/main" id="{4936317F-B021-4296-8E8B-615E882C1287}"/>
               </a:ext>
             </a:extLst>
           </p:cNvPr>
@@ -4267,34 +4245,35 @@
             <a:spLocks noGrp="1"/>
           </p:cNvSpPr>
           <p:nvPr>
-            <p:ph type="ctrTitle"/>
+            <p:ph type="title"/>
           </p:nvPr>
         </p:nvSpPr>
         <p:spPr>
           <a:xfrm>
-            <a:off x="1524000" y="302508"/>
-            <a:ext cx="9144000" cy="825023"/>
+            <a:off x="838200" y="365126"/>
+            <a:ext cx="10515600" cy="536918"/>
           </a:xfrm>
         </p:spPr>
         <p:txBody>
           <a:bodyPr>
-            <a:normAutofit/>
+            <a:normAutofit fontScale="90000"/>
           </a:bodyPr>
           <a:lstStyle/>
           <a:p>
-            <a:r>
-              <a:rPr lang="en-US" sz="4400" b="1" dirty="0"/>
-              <a:t>Close Approaches with Venus</a:t>
-            </a:r>
-          </a:p>
-        </p:txBody>
-      </p:sp>
-      <p:sp>
-        <p:nvSpPr>
-          <p:cNvPr id="3" name="Subtitle 2">
-            <a:extLst>
-              <a:ext uri="{FF2B5EF4-FFF2-40B4-BE49-F238E27FC236}">
-                <a16:creationId xmlns:a16="http://schemas.microsoft.com/office/drawing/2014/main" id="{0B8832C5-0114-49B6-9282-B09381785FF5}"/>
+            <a:pPr algn="ctr"/>
+            <a:r>
+              <a:rPr lang="en-US" dirty="0"/>
+              <a:t>Planned Analysis</a:t>
+            </a:r>
+          </a:p>
+        </p:txBody>
+      </p:sp>
+      <p:sp>
+        <p:nvSpPr>
+          <p:cNvPr id="3" name="Content Placeholder 2">
+            <a:extLst>
+              <a:ext uri="{FF2B5EF4-FFF2-40B4-BE49-F238E27FC236}">
+                <a16:creationId xmlns:a16="http://schemas.microsoft.com/office/drawing/2014/main" id="{97C4CF92-FA6C-4EC0-84D9-78AAEAC07E60}"/>
               </a:ext>
             </a:extLst>
           </p:cNvPr>
@@ -4302,298 +4281,78 @@
             <a:spLocks noGrp="1"/>
           </p:cNvSpPr>
           <p:nvPr>
-            <p:ph type="subTitle" idx="1"/>
+            <p:ph idx="1"/>
           </p:nvPr>
         </p:nvSpPr>
         <p:spPr>
           <a:xfrm>
-            <a:off x="7842343" y="1837136"/>
-            <a:ext cx="4150321" cy="2964272"/>
-          </a:xfrm>
-        </p:spPr>
-        <p:txBody>
-          <a:bodyPr/>
-          <a:lstStyle/>
-          <a:p>
-            <a:pPr marL="342900" indent="-342900">
-              <a:buFontTx/>
-              <a:buChar char="-"/>
-            </a:pPr>
-            <a:r>
-              <a:rPr lang="en-US" dirty="0"/>
-              <a:t>Reject Null</a:t>
-            </a:r>
-          </a:p>
-          <a:p>
+            <a:off x="838200" y="1136827"/>
+            <a:ext cx="10515600" cy="4707919"/>
+          </a:xfrm>
+        </p:spPr>
+        <p:txBody>
+          <a:bodyPr>
+            <a:normAutofit/>
+          </a:bodyPr>
+          <a:lstStyle/>
+          <a:p>
+            <a:pPr marL="0" indent="0">
+              <a:buNone/>
+            </a:pPr>
+            <a:r>
+              <a:rPr lang="en-US" sz="2100" dirty="0"/>
+              <a:t>In the analysis of the data I wanted to gather I planned to complete the following for the time period of 1/1/2005 to 10/24/2020:</a:t>
+            </a:r>
+          </a:p>
+          <a:p>
+            <a:r>
+              <a:rPr lang="en-US" sz="2100" dirty="0"/>
+              <a:t>Find number of asteroids determined hazardous over the past 15 years</a:t>
+            </a:r>
+          </a:p>
+          <a:p>
+            <a:r>
+              <a:rPr lang="en-US" sz="2100" dirty="0"/>
+              <a:t>Find the number of asteroids labeled not hazardous over the past 15 years</a:t>
+            </a:r>
+          </a:p>
+          <a:p>
+            <a:r>
+              <a:rPr lang="en-US" sz="2100" dirty="0"/>
+              <a:t>Find the mean of asteroids observed each year (2005 to 2020). This would also include the mean of the asteroids labeled hazardous and not hazardous</a:t>
+            </a:r>
+          </a:p>
+          <a:p>
+            <a:r>
+              <a:rPr lang="en-US" sz="2100" dirty="0"/>
+              <a:t>Compare the number of asteroids observed in 2005 and 2006 that were labeled hazardous to the number of asteroids observed in 2019 and 2020 that were labeled hazardous.</a:t>
+            </a:r>
+          </a:p>
+          <a:p>
+            <a:r>
+              <a:rPr lang="en-US" sz="2100" dirty="0"/>
+              <a:t>Determine if there is an increase in the number of asteroids being labeled hazardous</a:t>
+            </a:r>
+          </a:p>
+          <a:p>
+            <a:r>
+              <a:rPr lang="en-US" sz="2100" dirty="0"/>
+              <a:t>Determine if there is an increate in the number of asteroids being labeled not hazardous</a:t>
+            </a:r>
+          </a:p>
+          <a:p>
+            <a:r>
+              <a:rPr lang="en-US" sz="2100" dirty="0"/>
+              <a:t>Determine if the data supports or rejects the Null hypothesis</a:t>
+            </a:r>
             <a:endParaRPr lang="en-US" dirty="0"/>
           </a:p>
-          <a:p>
-            <a:pPr marL="342900" indent="-342900">
-              <a:buFontTx/>
-              <a:buChar char="-"/>
-            </a:pPr>
-            <a:r>
-              <a:rPr lang="en-US" dirty="0"/>
-              <a:t>Weak positive correlation</a:t>
-            </a:r>
-          </a:p>
-        </p:txBody>
-      </p:sp>
-      <p:sp>
-        <p:nvSpPr>
-          <p:cNvPr id="11" name="Rectangle 2">
-            <a:extLst>
-              <a:ext uri="{FF2B5EF4-FFF2-40B4-BE49-F238E27FC236}">
-                <a16:creationId xmlns:a16="http://schemas.microsoft.com/office/drawing/2014/main" id="{D08CE40E-A06B-432E-877A-F5ABD2964938}"/>
-              </a:ext>
-            </a:extLst>
-          </p:cNvPr>
-          <p:cNvSpPr>
-            <a:spLocks noChangeArrowheads="1"/>
-          </p:cNvSpPr>
-          <p:nvPr/>
-        </p:nvSpPr>
-        <p:spPr bwMode="auto">
-          <a:xfrm>
-            <a:off x="1066800" y="5011728"/>
-            <a:ext cx="3968496" cy="461665"/>
-          </a:xfrm>
-          <a:prstGeom prst="rect">
-            <a:avLst/>
-          </a:prstGeom>
-          <a:solidFill>
-            <a:srgbClr val="FFFFFF"/>
-          </a:solidFill>
-          <a:ln>
-            <a:noFill/>
-          </a:ln>
-          <a:effectLst/>
-          <a:extLst>
-            <a:ext uri="{91240B29-F687-4F45-9708-019B960494DF}">
-              <a14:hiddenLine xmlns:a14="http://schemas.microsoft.com/office/drawing/2010/main" w="9525">
-                <a:solidFill>
-                  <a:schemeClr val="tx1"/>
-                </a:solidFill>
-                <a:miter lim="800000"/>
-                <a:headEnd/>
-                <a:tailEnd/>
-              </a14:hiddenLine>
-            </a:ext>
-            <a:ext uri="{AF507438-7753-43E0-B8FC-AC1667EBCBE1}">
-              <a14:hiddenEffects xmlns:a14="http://schemas.microsoft.com/office/drawing/2010/main">
-                <a:effectLst>
-                  <a:outerShdw dist="35921" dir="2700000" algn="ctr" rotWithShape="0">
-                    <a:schemeClr val="bg2"/>
-                  </a:outerShdw>
-                </a:effectLst>
-              </a14:hiddenEffects>
-            </a:ext>
-          </a:extLst>
-        </p:spPr>
-        <p:txBody>
-          <a:bodyPr vert="horz" wrap="square" lIns="0" tIns="0" rIns="0" bIns="0" numCol="1" anchor="ctr" anchorCtr="0" compatLnSpc="1">
-            <a:prstTxWarp prst="textNoShape">
-              <a:avLst/>
-            </a:prstTxWarp>
-            <a:spAutoFit/>
-          </a:bodyPr>
-          <a:lstStyle/>
-          <a:p>
-            <a:pPr marL="0" marR="0" lvl="0" indent="0" algn="l" defTabSz="914400" rtl="0" eaLnBrk="0" fontAlgn="base" latinLnBrk="0" hangingPunct="0">
-              <a:lnSpc>
-                <a:spcPct val="100000"/>
-              </a:lnSpc>
-              <a:spcBef>
-                <a:spcPct val="0"/>
-              </a:spcBef>
-              <a:spcAft>
-                <a:spcPct val="0"/>
-              </a:spcAft>
-              <a:buClrTx/>
-              <a:buSzTx/>
-              <a:buFontTx/>
-              <a:buNone/>
-              <a:tabLst/>
-            </a:pPr>
-            <a:r>
-              <a:rPr kumimoji="0" lang="en-US" altLang="en-US" sz="1000" b="1" i="0" u="none" strike="noStrike" cap="none" normalizeH="0" baseline="0" dirty="0">
-                <a:ln>
-                  <a:noFill/>
-                </a:ln>
-                <a:solidFill>
-                  <a:srgbClr val="000000"/>
-                </a:solidFill>
-                <a:effectLst/>
-                <a:latin typeface="Courier New" panose="02070309020205020404" pitchFamily="49" charset="0"/>
-              </a:rPr>
-              <a:t>P Value</a:t>
-            </a:r>
-            <a:r>
-              <a:rPr kumimoji="0" lang="en-US" altLang="en-US" sz="1000" b="0" i="0" u="none" strike="noStrike" cap="none" normalizeH="0" baseline="0" dirty="0">
-                <a:ln>
-                  <a:noFill/>
-                </a:ln>
-                <a:solidFill>
-                  <a:srgbClr val="000000"/>
-                </a:solidFill>
-                <a:effectLst/>
-                <a:latin typeface="Courier New" panose="02070309020205020404" pitchFamily="49" charset="0"/>
-              </a:rPr>
-              <a:t>: 0.000970</a:t>
-            </a:r>
-          </a:p>
-          <a:p>
-            <a:pPr marL="0" marR="0" lvl="0" indent="0" algn="l" defTabSz="914400" rtl="0" eaLnBrk="0" fontAlgn="base" latinLnBrk="0" hangingPunct="0">
-              <a:lnSpc>
-                <a:spcPct val="100000"/>
-              </a:lnSpc>
-              <a:spcBef>
-                <a:spcPct val="0"/>
-              </a:spcBef>
-              <a:spcAft>
-                <a:spcPct val="0"/>
-              </a:spcAft>
-              <a:buClrTx/>
-              <a:buSzTx/>
-              <a:buFontTx/>
-              <a:buNone/>
-              <a:tabLst/>
-            </a:pPr>
-            <a:r>
-              <a:rPr kumimoji="0" lang="en-US" altLang="en-US" sz="1000" b="1" i="0" u="none" strike="noStrike" cap="none" normalizeH="0" baseline="0" dirty="0">
-                <a:ln>
-                  <a:noFill/>
-                </a:ln>
-                <a:solidFill>
-                  <a:srgbClr val="000000"/>
-                </a:solidFill>
-                <a:effectLst/>
-                <a:latin typeface="Courier New" panose="02070309020205020404" pitchFamily="49" charset="0"/>
-              </a:rPr>
-              <a:t>Correlation Coefficient</a:t>
-            </a:r>
-            <a:r>
-              <a:rPr kumimoji="0" lang="en-US" altLang="en-US" sz="1000" b="0" i="0" u="none" strike="noStrike" cap="none" normalizeH="0" baseline="0" dirty="0">
-                <a:ln>
-                  <a:noFill/>
-                </a:ln>
-                <a:solidFill>
-                  <a:srgbClr val="000000"/>
-                </a:solidFill>
-                <a:effectLst/>
-                <a:latin typeface="Courier New" panose="02070309020205020404" pitchFamily="49" charset="0"/>
-              </a:rPr>
-              <a:t>: 0.200959 </a:t>
-            </a:r>
-          </a:p>
-          <a:p>
-            <a:pPr marL="0" marR="0" lvl="0" indent="0" algn="l" defTabSz="914400" rtl="0" eaLnBrk="0" fontAlgn="base" latinLnBrk="0" hangingPunct="0">
-              <a:lnSpc>
-                <a:spcPct val="100000"/>
-              </a:lnSpc>
-              <a:spcBef>
-                <a:spcPct val="0"/>
-              </a:spcBef>
-              <a:spcAft>
-                <a:spcPct val="0"/>
-              </a:spcAft>
-              <a:buClrTx/>
-              <a:buSzTx/>
-              <a:buFontTx/>
-              <a:buNone/>
-              <a:tabLst/>
-            </a:pPr>
-            <a:r>
-              <a:rPr kumimoji="0" lang="en-US" altLang="en-US" sz="1000" b="1" i="0" u="none" strike="noStrike" cap="none" normalizeH="0" baseline="0" dirty="0">
-                <a:ln>
-                  <a:noFill/>
-                </a:ln>
-                <a:solidFill>
-                  <a:srgbClr val="000000"/>
-                </a:solidFill>
-                <a:effectLst/>
-                <a:latin typeface="Courier New" panose="02070309020205020404" pitchFamily="49" charset="0"/>
-              </a:rPr>
-              <a:t>Linear Regression Line</a:t>
-            </a:r>
-            <a:r>
-              <a:rPr kumimoji="0" lang="en-US" altLang="en-US" sz="1000" b="0" i="0" u="none" strike="noStrike" cap="none" normalizeH="0" baseline="0" dirty="0">
-                <a:ln>
-                  <a:noFill/>
-                </a:ln>
-                <a:solidFill>
-                  <a:srgbClr val="000000"/>
-                </a:solidFill>
-                <a:effectLst/>
-                <a:latin typeface="Courier New" panose="02070309020205020404" pitchFamily="49" charset="0"/>
-              </a:rPr>
-              <a:t>: y = 0.21x + 30.85</a:t>
-            </a:r>
-            <a:r>
-              <a:rPr kumimoji="0" lang="en-US" altLang="en-US" sz="600" b="0" i="0" u="none" strike="noStrike" cap="none" normalizeH="0" baseline="0" dirty="0">
-                <a:ln>
-                  <a:noFill/>
-                </a:ln>
-                <a:solidFill>
-                  <a:schemeClr val="tx1"/>
-                </a:solidFill>
-                <a:effectLst/>
-              </a:rPr>
-              <a:t> </a:t>
-            </a:r>
-            <a:endParaRPr kumimoji="0" lang="en-US" altLang="en-US" sz="1800" b="0" i="0" u="none" strike="noStrike" cap="none" normalizeH="0" baseline="0" dirty="0">
-              <a:ln>
-                <a:noFill/>
-              </a:ln>
-              <a:solidFill>
-                <a:schemeClr val="tx1"/>
-              </a:solidFill>
-              <a:effectLst/>
-              <a:latin typeface="Arial" panose="020B0604020202020204" pitchFamily="34" charset="0"/>
-            </a:endParaRPr>
-          </a:p>
-        </p:txBody>
-      </p:sp>
-      <p:pic>
-        <p:nvPicPr>
-          <p:cNvPr id="6" name="Picture 5">
-            <a:extLst>
-              <a:ext uri="{FF2B5EF4-FFF2-40B4-BE49-F238E27FC236}">
-                <a16:creationId xmlns:a16="http://schemas.microsoft.com/office/drawing/2014/main" id="{A5E4FA7F-6AC5-4CB3-8623-69D03D59D2E1}"/>
-              </a:ext>
-            </a:extLst>
-          </p:cNvPr>
-          <p:cNvPicPr>
-            <a:picLocks noChangeAspect="1"/>
-          </p:cNvPicPr>
-          <p:nvPr/>
-        </p:nvPicPr>
-        <p:blipFill>
-          <a:blip r:embed="rId2">
-            <a:extLst>
-              <a:ext uri="{28A0092B-C50C-407E-A947-70E740481C1C}">
-                <a14:useLocalDpi xmlns:a14="http://schemas.microsoft.com/office/drawing/2010/main" val="0"/>
-              </a:ext>
-            </a:extLst>
-          </a:blip>
-          <a:stretch>
-            <a:fillRect/>
-          </a:stretch>
-        </p:blipFill>
-        <p:spPr>
-          <a:xfrm>
-            <a:off x="1" y="1295400"/>
-            <a:ext cx="8107679" cy="3506008"/>
-          </a:xfrm>
-          <a:prstGeom prst="rect">
-            <a:avLst/>
-          </a:prstGeom>
-        </p:spPr>
-      </p:pic>
+        </p:txBody>
+      </p:sp>
     </p:spTree>
     <p:extLst>
       <p:ext uri="{BB962C8B-B14F-4D97-AF65-F5344CB8AC3E}">
-        <p14:creationId xmlns:p14="http://schemas.microsoft.com/office/powerpoint/2010/main" val="3418233853"/>
+        <p14:creationId xmlns:p14="http://schemas.microsoft.com/office/powerpoint/2010/main" val="335400199"/>
       </p:ext>
     </p:extLst>
   </p:cSld>
@@ -4622,10 +4381,10 @@
       </p:grpSpPr>
       <p:sp>
         <p:nvSpPr>
-          <p:cNvPr id="2" name="Title 1">
-            <a:extLst>
-              <a:ext uri="{FF2B5EF4-FFF2-40B4-BE49-F238E27FC236}">
-                <a16:creationId xmlns:a16="http://schemas.microsoft.com/office/drawing/2014/main" id="{074407D1-022F-4723-8ED3-E5B5FD55D401}"/>
+          <p:cNvPr id="4" name="Title 1">
+            <a:extLst>
+              <a:ext uri="{FF2B5EF4-FFF2-40B4-BE49-F238E27FC236}">
+                <a16:creationId xmlns:a16="http://schemas.microsoft.com/office/drawing/2014/main" id="{573D67AD-7A43-4613-BB13-2BD8681EB502}"/>
               </a:ext>
             </a:extLst>
           </p:cNvPr>
@@ -4633,13 +4392,13 @@
             <a:spLocks noGrp="1"/>
           </p:cNvSpPr>
           <p:nvPr>
-            <p:ph type="ctrTitle"/>
+            <p:ph type="title"/>
           </p:nvPr>
         </p:nvSpPr>
         <p:spPr>
           <a:xfrm>
-            <a:off x="1524000" y="302508"/>
-            <a:ext cx="9144000" cy="825023"/>
+            <a:off x="1940010" y="2374932"/>
+            <a:ext cx="8155460" cy="1307382"/>
           </a:xfrm>
         </p:spPr>
         <p:txBody>
@@ -4648,306 +4407,26 @@
           </a:bodyPr>
           <a:lstStyle/>
           <a:p>
-            <a:r>
-              <a:rPr lang="en-US" sz="4400" b="1" dirty="0"/>
-              <a:t>Close Approaches with Mars</a:t>
-            </a:r>
-          </a:p>
-        </p:txBody>
-      </p:sp>
-      <p:sp>
-        <p:nvSpPr>
-          <p:cNvPr id="3" name="Subtitle 2">
-            <a:extLst>
-              <a:ext uri="{FF2B5EF4-FFF2-40B4-BE49-F238E27FC236}">
-                <a16:creationId xmlns:a16="http://schemas.microsoft.com/office/drawing/2014/main" id="{0B8832C5-0114-49B6-9282-B09381785FF5}"/>
-              </a:ext>
-            </a:extLst>
-          </p:cNvPr>
-          <p:cNvSpPr>
-            <a:spLocks noGrp="1"/>
-          </p:cNvSpPr>
-          <p:nvPr>
-            <p:ph type="subTitle" idx="1"/>
-          </p:nvPr>
-        </p:nvSpPr>
-        <p:spPr>
-          <a:xfrm>
-            <a:off x="7842343" y="1837136"/>
-            <a:ext cx="4150321" cy="2964272"/>
-          </a:xfrm>
-        </p:spPr>
-        <p:txBody>
-          <a:bodyPr/>
-          <a:lstStyle/>
-          <a:p>
-            <a:pPr marL="342900" indent="-342900">
-              <a:buFontTx/>
-              <a:buChar char="-"/>
-            </a:pPr>
+            <a:pPr algn="ctr"/>
             <a:r>
               <a:rPr lang="en-US" dirty="0"/>
-              <a:t>Reject Null</a:t>
-            </a:r>
-          </a:p>
-          <a:p>
-            <a:endParaRPr lang="en-US" dirty="0"/>
-          </a:p>
-          <a:p>
-            <a:pPr marL="342900" indent="-342900">
-              <a:buFontTx/>
-              <a:buChar char="-"/>
-            </a:pPr>
+              <a:t>Analysis </a:t>
+            </a:r>
+            <a:r>
+              <a:rPr lang="en-US" sz="4000" dirty="0"/>
+              <a:t>of</a:t>
+            </a:r>
             <a:r>
               <a:rPr lang="en-US" dirty="0"/>
-              <a:t>Weak positive correlation</a:t>
-            </a:r>
-          </a:p>
-        </p:txBody>
-      </p:sp>
-      <p:sp>
-        <p:nvSpPr>
-          <p:cNvPr id="11" name="Rectangle 2">
-            <a:extLst>
-              <a:ext uri="{FF2B5EF4-FFF2-40B4-BE49-F238E27FC236}">
-                <a16:creationId xmlns:a16="http://schemas.microsoft.com/office/drawing/2014/main" id="{D08CE40E-A06B-432E-877A-F5ABD2964938}"/>
-              </a:ext>
-            </a:extLst>
-          </p:cNvPr>
-          <p:cNvSpPr>
-            <a:spLocks noChangeArrowheads="1"/>
-          </p:cNvSpPr>
-          <p:nvPr/>
-        </p:nvSpPr>
-        <p:spPr bwMode="auto">
-          <a:xfrm>
-            <a:off x="1066800" y="5011728"/>
-            <a:ext cx="3968496" cy="461665"/>
-          </a:xfrm>
-          <a:prstGeom prst="rect">
-            <a:avLst/>
-          </a:prstGeom>
-          <a:solidFill>
-            <a:srgbClr val="FFFFFF"/>
-          </a:solidFill>
-          <a:ln>
-            <a:noFill/>
-          </a:ln>
-          <a:effectLst/>
-          <a:extLst>
-            <a:ext uri="{91240B29-F687-4F45-9708-019B960494DF}">
-              <a14:hiddenLine xmlns:a14="http://schemas.microsoft.com/office/drawing/2010/main" w="9525">
-                <a:solidFill>
-                  <a:schemeClr val="tx1"/>
-                </a:solidFill>
-                <a:miter lim="800000"/>
-                <a:headEnd/>
-                <a:tailEnd/>
-              </a14:hiddenLine>
-            </a:ext>
-            <a:ext uri="{AF507438-7753-43E0-B8FC-AC1667EBCBE1}">
-              <a14:hiddenEffects xmlns:a14="http://schemas.microsoft.com/office/drawing/2010/main">
-                <a:effectLst>
-                  <a:outerShdw dist="35921" dir="2700000" algn="ctr" rotWithShape="0">
-                    <a:schemeClr val="bg2"/>
-                  </a:outerShdw>
-                </a:effectLst>
-              </a14:hiddenEffects>
-            </a:ext>
-          </a:extLst>
-        </p:spPr>
-        <p:txBody>
-          <a:bodyPr vert="horz" wrap="square" lIns="0" tIns="0" rIns="0" bIns="0" numCol="1" anchor="ctr" anchorCtr="0" compatLnSpc="1">
-            <a:prstTxWarp prst="textNoShape">
-              <a:avLst/>
-            </a:prstTxWarp>
-            <a:spAutoFit/>
-          </a:bodyPr>
-          <a:lstStyle/>
-          <a:p>
-            <a:pPr marL="0" marR="0" lvl="0" indent="0" algn="l" defTabSz="914400" rtl="0" eaLnBrk="0" fontAlgn="base" latinLnBrk="0" hangingPunct="0">
-              <a:lnSpc>
-                <a:spcPct val="100000"/>
-              </a:lnSpc>
-              <a:spcBef>
-                <a:spcPct val="0"/>
-              </a:spcBef>
-              <a:spcAft>
-                <a:spcPct val="0"/>
-              </a:spcAft>
-              <a:buClrTx/>
-              <a:buSzTx/>
-              <a:buFontTx/>
-              <a:buNone/>
-              <a:tabLst/>
-            </a:pPr>
-            <a:r>
-              <a:rPr kumimoji="0" lang="en-US" altLang="en-US" sz="1000" b="1" i="0" u="none" strike="noStrike" cap="none" normalizeH="0" baseline="0" dirty="0">
-                <a:ln>
-                  <a:noFill/>
-                </a:ln>
-                <a:solidFill>
-                  <a:srgbClr val="000000"/>
-                </a:solidFill>
-                <a:effectLst/>
-                <a:latin typeface="Courier New" panose="02070309020205020404" pitchFamily="49" charset="0"/>
-              </a:rPr>
-              <a:t>P Value</a:t>
-            </a:r>
-            <a:r>
-              <a:rPr kumimoji="0" lang="en-US" altLang="en-US" sz="1000" b="0" i="0" u="none" strike="noStrike" cap="none" normalizeH="0" baseline="0" dirty="0">
-                <a:ln>
-                  <a:noFill/>
-                </a:ln>
-                <a:solidFill>
-                  <a:srgbClr val="000000"/>
-                </a:solidFill>
-                <a:effectLst/>
-                <a:latin typeface="Courier New" panose="02070309020205020404" pitchFamily="49" charset="0"/>
-              </a:rPr>
-              <a:t>: 0.005003</a:t>
-            </a:r>
-          </a:p>
-          <a:p>
-            <a:pPr marL="0" marR="0" lvl="0" indent="0" algn="l" defTabSz="914400" rtl="0" eaLnBrk="0" fontAlgn="base" latinLnBrk="0" hangingPunct="0">
-              <a:lnSpc>
-                <a:spcPct val="100000"/>
-              </a:lnSpc>
-              <a:spcBef>
-                <a:spcPct val="0"/>
-              </a:spcBef>
-              <a:spcAft>
-                <a:spcPct val="0"/>
-              </a:spcAft>
-              <a:buClrTx/>
-              <a:buSzTx/>
-              <a:buFontTx/>
-              <a:buNone/>
-              <a:tabLst/>
-            </a:pPr>
-            <a:r>
-              <a:rPr kumimoji="0" lang="en-US" altLang="en-US" sz="1000" b="1" i="0" u="none" strike="noStrike" cap="none" normalizeH="0" baseline="0" dirty="0">
-                <a:ln>
-                  <a:noFill/>
-                </a:ln>
-                <a:solidFill>
-                  <a:srgbClr val="000000"/>
-                </a:solidFill>
-                <a:effectLst/>
-                <a:latin typeface="Courier New" panose="02070309020205020404" pitchFamily="49" charset="0"/>
-              </a:rPr>
-              <a:t>Correlation Coefficient</a:t>
-            </a:r>
-            <a:r>
-              <a:rPr kumimoji="0" lang="en-US" altLang="en-US" sz="1000" b="0" i="0" u="none" strike="noStrike" cap="none" normalizeH="0" baseline="0" dirty="0">
-                <a:ln>
-                  <a:noFill/>
-                </a:ln>
-                <a:solidFill>
-                  <a:srgbClr val="000000"/>
-                </a:solidFill>
-                <a:effectLst/>
-                <a:latin typeface="Courier New" panose="02070309020205020404" pitchFamily="49" charset="0"/>
-              </a:rPr>
-              <a:t>: 0.149908 </a:t>
-            </a:r>
-          </a:p>
-          <a:p>
-            <a:pPr marL="0" marR="0" lvl="0" indent="0" algn="l" defTabSz="914400" rtl="0" eaLnBrk="0" fontAlgn="base" latinLnBrk="0" hangingPunct="0">
-              <a:lnSpc>
-                <a:spcPct val="100000"/>
-              </a:lnSpc>
-              <a:spcBef>
-                <a:spcPct val="0"/>
-              </a:spcBef>
-              <a:spcAft>
-                <a:spcPct val="0"/>
-              </a:spcAft>
-              <a:buClrTx/>
-              <a:buSzTx/>
-              <a:buFontTx/>
-              <a:buNone/>
-              <a:tabLst/>
-            </a:pPr>
-            <a:r>
-              <a:rPr kumimoji="0" lang="en-US" altLang="en-US" sz="1000" b="1" i="0" u="none" strike="noStrike" cap="none" normalizeH="0" baseline="0" dirty="0">
-                <a:ln>
-                  <a:noFill/>
-                </a:ln>
-                <a:solidFill>
-                  <a:srgbClr val="000000"/>
-                </a:solidFill>
-                <a:effectLst/>
-                <a:latin typeface="Courier New" panose="02070309020205020404" pitchFamily="49" charset="0"/>
-              </a:rPr>
-              <a:t>Linear Regression Line</a:t>
-            </a:r>
-            <a:r>
-              <a:rPr kumimoji="0" lang="en-US" altLang="en-US" sz="1000" b="0" i="0" u="none" strike="noStrike" cap="none" normalizeH="0" baseline="0" dirty="0">
-                <a:ln>
-                  <a:noFill/>
-                </a:ln>
-                <a:solidFill>
-                  <a:srgbClr val="000000"/>
-                </a:solidFill>
-                <a:effectLst/>
-                <a:latin typeface="Courier New" panose="02070309020205020404" pitchFamily="49" charset="0"/>
-              </a:rPr>
-              <a:t>: y = 0.17x + 15.22</a:t>
-            </a:r>
-            <a:endParaRPr kumimoji="0" lang="en-US" altLang="en-US" sz="1800" b="0" i="0" u="none" strike="noStrike" cap="none" normalizeH="0" baseline="0" dirty="0">
-              <a:ln>
-                <a:noFill/>
-              </a:ln>
-              <a:solidFill>
-                <a:schemeClr val="tx1"/>
-              </a:solidFill>
-              <a:effectLst/>
-              <a:latin typeface="Arial" panose="020B0604020202020204" pitchFamily="34" charset="0"/>
-            </a:endParaRPr>
-          </a:p>
-        </p:txBody>
-      </p:sp>
-      <p:pic>
-        <p:nvPicPr>
-          <p:cNvPr id="5" name="Picture 4">
-            <a:extLst>
-              <a:ext uri="{FF2B5EF4-FFF2-40B4-BE49-F238E27FC236}">
-                <a16:creationId xmlns:a16="http://schemas.microsoft.com/office/drawing/2014/main" id="{C343577E-1783-4620-8A22-6F381A39D608}"/>
-              </a:ext>
-            </a:extLst>
-          </p:cNvPr>
-          <p:cNvPicPr>
-            <a:picLocks noChangeAspect="1"/>
-          </p:cNvPicPr>
-          <p:nvPr/>
-        </p:nvPicPr>
-        <p:blipFill>
-          <a:blip r:embed="rId2">
-            <a:extLst>
-              <a:ext uri="{28A0092B-C50C-407E-A947-70E740481C1C}">
-                <a14:useLocalDpi xmlns:a14="http://schemas.microsoft.com/office/drawing/2010/main" val="0"/>
-              </a:ext>
-            </a:extLst>
-          </a:blip>
-          <a:stretch>
-            <a:fillRect/>
-          </a:stretch>
-        </p:blipFill>
-        <p:spPr>
-          <a:xfrm>
-            <a:off x="0" y="1295400"/>
-            <a:ext cx="8186928" cy="3506008"/>
-          </a:xfrm>
-          <a:prstGeom prst="rect">
-            <a:avLst/>
-          </a:prstGeom>
-        </p:spPr>
-      </p:pic>
+              <a:t> Asteroids and the Inner Planets</a:t>
+            </a:r>
+          </a:p>
+        </p:txBody>
+      </p:sp>
     </p:spTree>
     <p:extLst>
       <p:ext uri="{BB962C8B-B14F-4D97-AF65-F5344CB8AC3E}">
-        <p14:creationId xmlns:p14="http://schemas.microsoft.com/office/powerpoint/2010/main" val="2918823092"/>
+        <p14:creationId xmlns:p14="http://schemas.microsoft.com/office/powerpoint/2010/main" val="1722060746"/>
       </p:ext>
     </p:extLst>
   </p:cSld>
@@ -4976,403 +4455,285 @@
       </p:grpSpPr>
       <p:sp>
         <p:nvSpPr>
-          <p:cNvPr id="2" name="Title 1">
-            <a:extLst>
-              <a:ext uri="{FF2B5EF4-FFF2-40B4-BE49-F238E27FC236}">
-                <a16:creationId xmlns:a16="http://schemas.microsoft.com/office/drawing/2014/main" id="{074407D1-022F-4723-8ED3-E5B5FD55D401}"/>
-              </a:ext>
-            </a:extLst>
-          </p:cNvPr>
-          <p:cNvSpPr>
-            <a:spLocks noGrp="1"/>
-          </p:cNvSpPr>
-          <p:nvPr>
-            <p:ph type="ctrTitle"/>
-          </p:nvPr>
-        </p:nvSpPr>
-        <p:spPr>
-          <a:xfrm>
-            <a:off x="1524000" y="302508"/>
-            <a:ext cx="9144000" cy="825023"/>
-          </a:xfrm>
-        </p:spPr>
-        <p:txBody>
-          <a:bodyPr>
-            <a:normAutofit/>
-          </a:bodyPr>
-          <a:lstStyle/>
-          <a:p>
-            <a:r>
-              <a:rPr lang="en-US" sz="4400" b="1" dirty="0"/>
-              <a:t>Close Approaches with Earth</a:t>
-            </a:r>
-          </a:p>
-        </p:txBody>
-      </p:sp>
-      <p:sp>
-        <p:nvSpPr>
-          <p:cNvPr id="3" name="Subtitle 2">
-            <a:extLst>
-              <a:ext uri="{FF2B5EF4-FFF2-40B4-BE49-F238E27FC236}">
-                <a16:creationId xmlns:a16="http://schemas.microsoft.com/office/drawing/2014/main" id="{0B8832C5-0114-49B6-9282-B09381785FF5}"/>
-              </a:ext>
-            </a:extLst>
-          </p:cNvPr>
-          <p:cNvSpPr>
-            <a:spLocks noGrp="1"/>
-          </p:cNvSpPr>
-          <p:nvPr>
-            <p:ph type="subTitle" idx="1"/>
-          </p:nvPr>
-        </p:nvSpPr>
-        <p:spPr>
-          <a:xfrm>
-            <a:off x="7872823" y="1306784"/>
-            <a:ext cx="4150321" cy="930448"/>
-          </a:xfrm>
-        </p:spPr>
-        <p:txBody>
-          <a:bodyPr>
-            <a:normAutofit fontScale="92500"/>
-          </a:bodyPr>
-          <a:lstStyle/>
-          <a:p>
-            <a:pPr marL="342900" indent="-342900">
-              <a:buFontTx/>
-              <a:buChar char="-"/>
-            </a:pPr>
-            <a:r>
-              <a:rPr lang="en-US" dirty="0"/>
-              <a:t>Reject Null</a:t>
-            </a:r>
-          </a:p>
-          <a:p>
-            <a:pPr marL="342900" indent="-342900">
-              <a:buFontTx/>
-              <a:buChar char="-"/>
-            </a:pPr>
-            <a:r>
-              <a:rPr lang="en-US" dirty="0"/>
-              <a:t>Moderate positive correlation</a:t>
-            </a:r>
-          </a:p>
-        </p:txBody>
-      </p:sp>
-      <p:sp>
-        <p:nvSpPr>
-          <p:cNvPr id="11" name="Rectangle 2">
-            <a:extLst>
-              <a:ext uri="{FF2B5EF4-FFF2-40B4-BE49-F238E27FC236}">
-                <a16:creationId xmlns:a16="http://schemas.microsoft.com/office/drawing/2014/main" id="{D08CE40E-A06B-432E-877A-F5ABD2964938}"/>
-              </a:ext>
-            </a:extLst>
-          </p:cNvPr>
-          <p:cNvSpPr>
-            <a:spLocks noChangeArrowheads="1"/>
-          </p:cNvSpPr>
+          <p:cNvPr id="7" name="TextBox 6">
+            <a:extLst>
+              <a:ext uri="{FF2B5EF4-FFF2-40B4-BE49-F238E27FC236}">
+                <a16:creationId xmlns:a16="http://schemas.microsoft.com/office/drawing/2014/main" id="{80BDE28C-38A3-4CF2-8A78-223AC021826F}"/>
+              </a:ext>
+            </a:extLst>
+          </p:cNvPr>
+          <p:cNvSpPr txBox="1"/>
           <p:nvPr/>
         </p:nvSpPr>
-        <p:spPr bwMode="auto">
-          <a:xfrm>
-            <a:off x="8223504" y="2967335"/>
-            <a:ext cx="3968496" cy="461665"/>
+        <p:spPr>
+          <a:xfrm>
+            <a:off x="709116" y="2341041"/>
+            <a:ext cx="9741168" cy="3416320"/>
           </a:xfrm>
           <a:prstGeom prst="rect">
             <a:avLst/>
           </a:prstGeom>
-          <a:solidFill>
-            <a:srgbClr val="FFFFFF"/>
-          </a:solidFill>
-          <a:ln>
-            <a:noFill/>
-          </a:ln>
-          <a:effectLst/>
-          <a:extLst>
-            <a:ext uri="{91240B29-F687-4F45-9708-019B960494DF}">
-              <a14:hiddenLine xmlns:a14="http://schemas.microsoft.com/office/drawing/2010/main" w="9525">
-                <a:solidFill>
-                  <a:schemeClr val="tx1"/>
-                </a:solidFill>
-                <a:miter lim="800000"/>
-                <a:headEnd/>
-                <a:tailEnd/>
-              </a14:hiddenLine>
-            </a:ext>
-            <a:ext uri="{AF507438-7753-43E0-B8FC-AC1667EBCBE1}">
-              <a14:hiddenEffects xmlns:a14="http://schemas.microsoft.com/office/drawing/2010/main">
-                <a:effectLst>
-                  <a:outerShdw dist="35921" dir="2700000" algn="ctr" rotWithShape="0">
-                    <a:schemeClr val="bg2"/>
-                  </a:outerShdw>
-                </a:effectLst>
-              </a14:hiddenEffects>
-            </a:ext>
-          </a:extLst>
-        </p:spPr>
-        <p:txBody>
-          <a:bodyPr vert="horz" wrap="square" lIns="0" tIns="0" rIns="0" bIns="0" numCol="1" anchor="ctr" anchorCtr="0" compatLnSpc="1">
-            <a:prstTxWarp prst="textNoShape">
-              <a:avLst/>
-            </a:prstTxWarp>
+          <a:noFill/>
+        </p:spPr>
+        <p:txBody>
+          <a:bodyPr wrap="square">
             <a:spAutoFit/>
           </a:bodyPr>
           <a:lstStyle/>
           <a:p>
-            <a:pPr marL="0" marR="0" lvl="0" indent="0" algn="l" defTabSz="914400" rtl="0" eaLnBrk="0" fontAlgn="base" latinLnBrk="0" hangingPunct="0">
-              <a:lnSpc>
-                <a:spcPct val="100000"/>
-              </a:lnSpc>
+            <a:pPr marL="0" marR="0">
               <a:spcBef>
-                <a:spcPct val="0"/>
+                <a:spcPts val="0"/>
               </a:spcBef>
               <a:spcAft>
-                <a:spcPct val="0"/>
+                <a:spcPts val="0"/>
               </a:spcAft>
-              <a:buClrTx/>
-              <a:buSzTx/>
-              <a:buFontTx/>
-              <a:buNone/>
-              <a:tabLst/>
-            </a:pPr>
-            <a:r>
-              <a:rPr kumimoji="0" lang="en-US" altLang="en-US" sz="1000" b="1" i="0" u="none" strike="noStrike" cap="none" normalizeH="0" baseline="0" dirty="0">
-                <a:ln>
-                  <a:noFill/>
-                </a:ln>
-                <a:solidFill>
-                  <a:srgbClr val="000000"/>
-                </a:solidFill>
+            </a:pPr>
+            <a:r>
+              <a:rPr lang="en-US" sz="2400" b="1" u="sng" dirty="0">
                 <a:effectLst/>
-                <a:latin typeface="Courier New" panose="02070309020205020404" pitchFamily="49" charset="0"/>
+                <a:latin typeface="Calibri" panose="020F0502020204030204" pitchFamily="34" charset="0"/>
+                <a:ea typeface="Calibri" panose="020F0502020204030204" pitchFamily="34" charset="0"/>
+                <a:cs typeface="Times New Roman" panose="02020603050405020304" pitchFamily="18" charset="0"/>
               </a:rPr>
-              <a:t>P Value</a:t>
-            </a:r>
-            <a:r>
-              <a:rPr kumimoji="0" lang="en-US" altLang="en-US" sz="1000" b="0" i="0" u="none" strike="noStrike" cap="none" normalizeH="0" baseline="0" dirty="0">
-                <a:ln>
-                  <a:noFill/>
-                </a:ln>
-                <a:solidFill>
-                  <a:srgbClr val="000000"/>
-                </a:solidFill>
+              <a:t>Null hypothesis  (H</a:t>
+            </a:r>
+            <a:r>
+              <a:rPr lang="en-US" sz="2400" b="1" u="sng" baseline="-25000" dirty="0">
                 <a:effectLst/>
-                <a:latin typeface="Courier New" panose="02070309020205020404" pitchFamily="49" charset="0"/>
+                <a:latin typeface="Calibri" panose="020F0502020204030204" pitchFamily="34" charset="0"/>
+                <a:ea typeface="Calibri" panose="020F0502020204030204" pitchFamily="34" charset="0"/>
+                <a:cs typeface="Times New Roman" panose="02020603050405020304" pitchFamily="18" charset="0"/>
               </a:rPr>
-              <a:t>: 0.000000</a:t>
-            </a:r>
-          </a:p>
-          <a:p>
-            <a:pPr marL="0" marR="0" lvl="0" indent="0" algn="l" defTabSz="914400" rtl="0" eaLnBrk="0" fontAlgn="base" latinLnBrk="0" hangingPunct="0">
-              <a:lnSpc>
-                <a:spcPct val="100000"/>
-              </a:lnSpc>
+              <a:t>o</a:t>
+            </a:r>
+            <a:r>
+              <a:rPr lang="en-US" sz="2400" b="1" u="sng" dirty="0">
+                <a:effectLst/>
+                <a:latin typeface="Calibri" panose="020F0502020204030204" pitchFamily="34" charset="0"/>
+                <a:ea typeface="Calibri" panose="020F0502020204030204" pitchFamily="34" charset="0"/>
+                <a:cs typeface="Times New Roman" panose="02020603050405020304" pitchFamily="18" charset="0"/>
+              </a:rPr>
+              <a:t>):</a:t>
+            </a:r>
+            <a:endParaRPr lang="en-US" sz="2400" dirty="0">
+              <a:effectLst/>
+              <a:latin typeface="Calibri" panose="020F0502020204030204" pitchFamily="34" charset="0"/>
+              <a:ea typeface="Calibri" panose="020F0502020204030204" pitchFamily="34" charset="0"/>
+              <a:cs typeface="Times New Roman" panose="02020603050405020304" pitchFamily="18" charset="0"/>
+            </a:endParaRPr>
+          </a:p>
+          <a:p>
+            <a:pPr marL="0" marR="0">
               <a:spcBef>
-                <a:spcPct val="0"/>
+                <a:spcPts val="0"/>
               </a:spcBef>
               <a:spcAft>
-                <a:spcPct val="0"/>
+                <a:spcPts val="0"/>
               </a:spcAft>
-              <a:buClrTx/>
-              <a:buSzTx/>
-              <a:buFontTx/>
-              <a:buNone/>
-              <a:tabLst/>
-            </a:pPr>
-            <a:r>
-              <a:rPr kumimoji="0" lang="en-US" altLang="en-US" sz="1000" b="1" i="0" u="none" strike="noStrike" cap="none" normalizeH="0" baseline="0" dirty="0">
-                <a:ln>
-                  <a:noFill/>
-                </a:ln>
-                <a:solidFill>
-                  <a:srgbClr val="000000"/>
-                </a:solidFill>
+            </a:pPr>
+            <a:r>
+              <a:rPr lang="en-US" sz="2400" dirty="0">
                 <a:effectLst/>
-                <a:latin typeface="Courier New" panose="02070309020205020404" pitchFamily="49" charset="0"/>
+                <a:latin typeface="Calibri" panose="020F0502020204030204" pitchFamily="34" charset="0"/>
+                <a:ea typeface="Calibri" panose="020F0502020204030204" pitchFamily="34" charset="0"/>
+                <a:cs typeface="Times New Roman" panose="02020603050405020304" pitchFamily="18" charset="0"/>
               </a:rPr>
-              <a:t>Correlation Coefficient</a:t>
-            </a:r>
-            <a:r>
-              <a:rPr kumimoji="0" lang="en-US" altLang="en-US" sz="1000" b="0" i="0" u="none" strike="noStrike" cap="none" normalizeH="0" baseline="0" dirty="0">
-                <a:ln>
-                  <a:noFill/>
-                </a:ln>
-                <a:solidFill>
-                  <a:srgbClr val="000000"/>
-                </a:solidFill>
-                <a:effectLst/>
-                <a:latin typeface="Courier New" panose="02070309020205020404" pitchFamily="49" charset="0"/>
-              </a:rPr>
-              <a:t>: 0.551913</a:t>
-            </a:r>
-          </a:p>
-          <a:p>
-            <a:pPr marL="0" marR="0" lvl="0" indent="0" algn="l" defTabSz="914400" rtl="0" eaLnBrk="0" fontAlgn="base" latinLnBrk="0" hangingPunct="0">
-              <a:lnSpc>
-                <a:spcPct val="100000"/>
-              </a:lnSpc>
+              <a:t>If the average close approaches count is unchanged per year over the last 50 years, then no changes in the average close approaches count will be seen comparing the most recent decade to the last 4 decades from now. </a:t>
+            </a:r>
+          </a:p>
+          <a:p>
+            <a:pPr marL="0" marR="0">
               <a:spcBef>
-                <a:spcPct val="0"/>
+                <a:spcPts val="0"/>
               </a:spcBef>
               <a:spcAft>
-                <a:spcPct val="0"/>
+                <a:spcPts val="0"/>
               </a:spcAft>
-              <a:buClrTx/>
-              <a:buSzTx/>
-              <a:buFontTx/>
-              <a:buNone/>
-              <a:tabLst/>
-            </a:pPr>
-            <a:r>
-              <a:rPr kumimoji="0" lang="en-US" altLang="en-US" sz="1000" b="1" i="0" u="none" strike="noStrike" cap="none" normalizeH="0" baseline="0" dirty="0">
-                <a:ln>
-                  <a:noFill/>
-                </a:ln>
-                <a:solidFill>
-                  <a:srgbClr val="000000"/>
-                </a:solidFill>
+            </a:pPr>
+            <a:endParaRPr lang="en-US" sz="2400" dirty="0">
+              <a:effectLst/>
+              <a:latin typeface="Calibri" panose="020F0502020204030204" pitchFamily="34" charset="0"/>
+              <a:ea typeface="Calibri" panose="020F0502020204030204" pitchFamily="34" charset="0"/>
+              <a:cs typeface="Times New Roman" panose="02020603050405020304" pitchFamily="18" charset="0"/>
+            </a:endParaRPr>
+          </a:p>
+          <a:p>
+            <a:pPr marL="0" marR="0">
+              <a:spcBef>
+                <a:spcPts val="0"/>
+              </a:spcBef>
+              <a:spcAft>
+                <a:spcPts val="0"/>
+              </a:spcAft>
+            </a:pPr>
+            <a:r>
+              <a:rPr lang="en-US" sz="2400" b="1" u="sng" dirty="0">
                 <a:effectLst/>
-                <a:latin typeface="Courier New" panose="02070309020205020404" pitchFamily="49" charset="0"/>
+                <a:latin typeface="Calibri" panose="020F0502020204030204" pitchFamily="34" charset="0"/>
+                <a:ea typeface="Calibri" panose="020F0502020204030204" pitchFamily="34" charset="0"/>
+                <a:cs typeface="Times New Roman" panose="02020603050405020304" pitchFamily="18" charset="0"/>
               </a:rPr>
-              <a:t>Linear Regression Line</a:t>
-            </a:r>
-            <a:r>
-              <a:rPr kumimoji="0" lang="en-US" altLang="en-US" sz="1000" b="0" i="0" u="none" strike="noStrike" cap="none" normalizeH="0" baseline="0" dirty="0">
-                <a:ln>
-                  <a:noFill/>
-                </a:ln>
-                <a:solidFill>
-                  <a:srgbClr val="000000"/>
-                </a:solidFill>
+              <a:t>Alternative Hypothesis (H</a:t>
+            </a:r>
+            <a:r>
+              <a:rPr lang="en-US" sz="2400" b="1" u="sng" baseline="-25000" dirty="0">
                 <a:effectLst/>
-                <a:latin typeface="Courier New" panose="02070309020205020404" pitchFamily="49" charset="0"/>
+                <a:latin typeface="Calibri" panose="020F0502020204030204" pitchFamily="34" charset="0"/>
+                <a:ea typeface="Calibri" panose="020F0502020204030204" pitchFamily="34" charset="0"/>
+                <a:cs typeface="Times New Roman" panose="02020603050405020304" pitchFamily="18" charset="0"/>
               </a:rPr>
-              <a:t>: y = 0.17x + 15.22</a:t>
-            </a:r>
-            <a:endParaRPr kumimoji="0" lang="en-US" altLang="en-US" sz="1800" b="0" i="0" u="none" strike="noStrike" cap="none" normalizeH="0" baseline="0" dirty="0">
-              <a:ln>
-                <a:noFill/>
-              </a:ln>
-              <a:solidFill>
-                <a:schemeClr val="tx1"/>
-              </a:solidFill>
+              <a:t>a</a:t>
+            </a:r>
+            <a:r>
+              <a:rPr lang="en-US" sz="2400" b="1" u="sng" dirty="0">
+                <a:effectLst/>
+                <a:latin typeface="Calibri" panose="020F0502020204030204" pitchFamily="34" charset="0"/>
+                <a:ea typeface="Calibri" panose="020F0502020204030204" pitchFamily="34" charset="0"/>
+                <a:cs typeface="Times New Roman" panose="02020603050405020304" pitchFamily="18" charset="0"/>
+              </a:rPr>
+              <a:t>):</a:t>
+            </a:r>
+            <a:endParaRPr lang="en-US" sz="2400" u="sng" dirty="0">
               <a:effectLst/>
-              <a:latin typeface="Arial" panose="020B0604020202020204" pitchFamily="34" charset="0"/>
+              <a:latin typeface="Calibri" panose="020F0502020204030204" pitchFamily="34" charset="0"/>
+              <a:ea typeface="Calibri" panose="020F0502020204030204" pitchFamily="34" charset="0"/>
+              <a:cs typeface="Times New Roman" panose="02020603050405020304" pitchFamily="18" charset="0"/>
             </a:endParaRPr>
           </a:p>
-        </p:txBody>
-      </p:sp>
-      <p:pic>
-        <p:nvPicPr>
-          <p:cNvPr id="6" name="Picture 5">
-            <a:extLst>
-              <a:ext uri="{FF2B5EF4-FFF2-40B4-BE49-F238E27FC236}">
-                <a16:creationId xmlns:a16="http://schemas.microsoft.com/office/drawing/2014/main" id="{1ECCB504-CAD9-40D1-ABC9-927FAF9FD80F}"/>
-              </a:ext>
-            </a:extLst>
-          </p:cNvPr>
-          <p:cNvPicPr>
-            <a:picLocks noChangeAspect="1"/>
-          </p:cNvPicPr>
+          <a:p>
+            <a:pPr marL="0" marR="0">
+              <a:spcBef>
+                <a:spcPts val="0"/>
+              </a:spcBef>
+              <a:spcAft>
+                <a:spcPts val="0"/>
+              </a:spcAft>
+            </a:pPr>
+            <a:r>
+              <a:rPr lang="en-US" sz="2400" dirty="0">
+                <a:effectLst/>
+                <a:latin typeface="Calibri" panose="020F0502020204030204" pitchFamily="34" charset="0"/>
+                <a:ea typeface="Calibri" panose="020F0502020204030204" pitchFamily="34" charset="0"/>
+                <a:cs typeface="Times New Roman" panose="02020603050405020304" pitchFamily="18" charset="0"/>
+              </a:rPr>
+              <a:t>If the average close approaches count is changing per year over the last 50 years, then changes in the average close approaches count will be seen comparing the most recent decade to the last 4 decades from now.</a:t>
+            </a:r>
+          </a:p>
+        </p:txBody>
+      </p:sp>
+      <p:sp>
+        <p:nvSpPr>
+          <p:cNvPr id="9" name="TextBox 8">
+            <a:extLst>
+              <a:ext uri="{FF2B5EF4-FFF2-40B4-BE49-F238E27FC236}">
+                <a16:creationId xmlns:a16="http://schemas.microsoft.com/office/drawing/2014/main" id="{0E4D865E-3936-482F-BA42-E4CB93CE27E2}"/>
+              </a:ext>
+            </a:extLst>
+          </p:cNvPr>
+          <p:cNvSpPr txBox="1"/>
           <p:nvPr/>
-        </p:nvPicPr>
-        <p:blipFill>
-          <a:blip r:embed="rId2">
-            <a:extLst>
-              <a:ext uri="{28A0092B-C50C-407E-A947-70E740481C1C}">
-                <a14:useLocalDpi xmlns:a14="http://schemas.microsoft.com/office/drawing/2010/main" val="0"/>
-              </a:ext>
-            </a:extLst>
-          </a:blip>
-          <a:stretch>
-            <a:fillRect/>
-          </a:stretch>
-        </p:blipFill>
-        <p:spPr>
-          <a:xfrm>
-            <a:off x="0" y="1002792"/>
-            <a:ext cx="7950926" cy="2782824"/>
+        </p:nvSpPr>
+        <p:spPr>
+          <a:xfrm>
+            <a:off x="709116" y="1008307"/>
+            <a:ext cx="9741169" cy="1200329"/>
           </a:xfrm>
           <a:prstGeom prst="rect">
             <a:avLst/>
           </a:prstGeom>
-        </p:spPr>
-      </p:pic>
-      <p:pic>
-        <p:nvPicPr>
-          <p:cNvPr id="8" name="Picture 7">
-            <a:extLst>
-              <a:ext uri="{FF2B5EF4-FFF2-40B4-BE49-F238E27FC236}">
-                <a16:creationId xmlns:a16="http://schemas.microsoft.com/office/drawing/2014/main" id="{51C1A904-B1E9-4991-9D09-FF92B75E581A}"/>
-              </a:ext>
-            </a:extLst>
-          </p:cNvPr>
-          <p:cNvPicPr>
-            <a:picLocks noChangeAspect="1"/>
-          </p:cNvPicPr>
+          <a:noFill/>
+        </p:spPr>
+        <p:txBody>
+          <a:bodyPr wrap="square">
+            <a:spAutoFit/>
+          </a:bodyPr>
+          <a:lstStyle/>
+          <a:p>
+            <a:pPr marL="0" marR="0">
+              <a:spcBef>
+                <a:spcPts val="0"/>
+              </a:spcBef>
+              <a:spcAft>
+                <a:spcPts val="0"/>
+              </a:spcAft>
+            </a:pPr>
+            <a:r>
+              <a:rPr lang="en-US" sz="2400" b="1" u="sng" dirty="0">
+                <a:effectLst/>
+                <a:latin typeface="Calibri" panose="020F0502020204030204" pitchFamily="34" charset="0"/>
+                <a:ea typeface="Calibri" panose="020F0502020204030204" pitchFamily="34" charset="0"/>
+                <a:cs typeface="Times New Roman" panose="02020603050405020304" pitchFamily="18" charset="0"/>
+              </a:rPr>
+              <a:t>Question:</a:t>
+            </a:r>
+            <a:endParaRPr lang="en-US" sz="2400" dirty="0">
+              <a:effectLst/>
+              <a:latin typeface="Calibri" panose="020F0502020204030204" pitchFamily="34" charset="0"/>
+              <a:ea typeface="Calibri" panose="020F0502020204030204" pitchFamily="34" charset="0"/>
+              <a:cs typeface="Times New Roman" panose="02020603050405020304" pitchFamily="18" charset="0"/>
+            </a:endParaRPr>
+          </a:p>
+          <a:p>
+            <a:pPr marL="0" marR="0">
+              <a:spcBef>
+                <a:spcPts val="0"/>
+              </a:spcBef>
+              <a:spcAft>
+                <a:spcPts val="0"/>
+              </a:spcAft>
+            </a:pPr>
+            <a:r>
+              <a:rPr lang="en-US" sz="2400" dirty="0">
+                <a:effectLst/>
+                <a:latin typeface="Calibri" panose="020F0502020204030204" pitchFamily="34" charset="0"/>
+                <a:ea typeface="Calibri" panose="020F0502020204030204" pitchFamily="34" charset="0"/>
+                <a:cs typeface="Times New Roman" panose="02020603050405020304" pitchFamily="18" charset="0"/>
+              </a:rPr>
+              <a:t>Are inner planets receiving more close approaches on average in the recent decade they did in the last 5 decades? </a:t>
+            </a:r>
+          </a:p>
+        </p:txBody>
+      </p:sp>
+      <p:sp>
+        <p:nvSpPr>
+          <p:cNvPr id="10" name="TextBox 9">
+            <a:extLst>
+              <a:ext uri="{FF2B5EF4-FFF2-40B4-BE49-F238E27FC236}">
+                <a16:creationId xmlns:a16="http://schemas.microsoft.com/office/drawing/2014/main" id="{CA764E2C-B1C8-4D69-9413-3FE90BCC33C3}"/>
+              </a:ext>
+            </a:extLst>
+          </p:cNvPr>
+          <p:cNvSpPr txBox="1"/>
           <p:nvPr/>
-        </p:nvPicPr>
-        <p:blipFill>
-          <a:blip r:embed="rId3">
-            <a:extLst>
-              <a:ext uri="{28A0092B-C50C-407E-A947-70E740481C1C}">
-                <a14:useLocalDpi xmlns:a14="http://schemas.microsoft.com/office/drawing/2010/main" val="0"/>
-              </a:ext>
-            </a:extLst>
-          </a:blip>
-          <a:stretch>
-            <a:fillRect/>
-          </a:stretch>
-        </p:blipFill>
-        <p:spPr>
-          <a:xfrm>
-            <a:off x="663263" y="3688938"/>
-            <a:ext cx="6624399" cy="3071126"/>
+        </p:nvSpPr>
+        <p:spPr>
+          <a:xfrm>
+            <a:off x="3726636" y="300421"/>
+            <a:ext cx="3379451" cy="707886"/>
           </a:xfrm>
           <a:prstGeom prst="rect">
             <a:avLst/>
           </a:prstGeom>
-        </p:spPr>
-      </p:pic>
-      <p:pic>
-        <p:nvPicPr>
-          <p:cNvPr id="10" name="Picture 9">
-            <a:extLst>
-              <a:ext uri="{FF2B5EF4-FFF2-40B4-BE49-F238E27FC236}">
-                <a16:creationId xmlns:a16="http://schemas.microsoft.com/office/drawing/2014/main" id="{BF5C9D68-831C-49E8-9D6E-B9EE6E5EDDAD}"/>
-              </a:ext>
-            </a:extLst>
-          </p:cNvPr>
-          <p:cNvPicPr>
-            <a:picLocks noChangeAspect="1"/>
-          </p:cNvPicPr>
-          <p:nvPr/>
-        </p:nvPicPr>
-        <p:blipFill>
-          <a:blip r:embed="rId4">
-            <a:extLst>
-              <a:ext uri="{28A0092B-C50C-407E-A947-70E740481C1C}">
-                <a14:useLocalDpi xmlns:a14="http://schemas.microsoft.com/office/drawing/2010/main" val="0"/>
-              </a:ext>
-            </a:extLst>
-          </a:blip>
-          <a:stretch>
-            <a:fillRect/>
-          </a:stretch>
-        </p:blipFill>
-        <p:spPr>
-          <a:xfrm>
-            <a:off x="8366561" y="6032199"/>
-            <a:ext cx="2301439" cy="259102"/>
-          </a:xfrm>
-          <a:prstGeom prst="rect">
-            <a:avLst/>
-          </a:prstGeom>
-        </p:spPr>
-      </p:pic>
+          <a:noFill/>
+        </p:spPr>
+        <p:txBody>
+          <a:bodyPr wrap="none" rtlCol="0">
+            <a:spAutoFit/>
+          </a:bodyPr>
+          <a:lstStyle/>
+          <a:p>
+            <a:r>
+              <a:rPr lang="en-US" sz="4000" dirty="0"/>
+              <a:t>The Hypothesis</a:t>
+            </a:r>
+          </a:p>
+        </p:txBody>
+      </p:sp>
     </p:spTree>
     <p:extLst>
       <p:ext uri="{BB962C8B-B14F-4D97-AF65-F5344CB8AC3E}">
-        <p14:creationId xmlns:p14="http://schemas.microsoft.com/office/powerpoint/2010/main" val="3473158120"/>
+        <p14:creationId xmlns:p14="http://schemas.microsoft.com/office/powerpoint/2010/main" val="3198244767"/>
       </p:ext>
     </p:extLst>
   </p:cSld>
@@ -5417,7 +4778,7 @@
         </p:nvSpPr>
         <p:spPr>
           <a:xfrm>
-            <a:off x="1524000" y="302508"/>
+            <a:off x="1524000" y="203880"/>
             <a:ext cx="9144000" cy="825023"/>
           </a:xfrm>
         </p:spPr>
@@ -5429,7 +4790,7 @@
           <a:p>
             <a:r>
               <a:rPr lang="en-US" sz="4400" b="1" dirty="0"/>
-              <a:t>Analysis</a:t>
+              <a:t>Narrowing the Scope</a:t>
             </a:r>
           </a:p>
         </p:txBody>
@@ -5452,44 +4813,18 @@
         </p:nvSpPr>
         <p:spPr>
           <a:xfrm>
-            <a:off x="7251031" y="1587493"/>
-            <a:ext cx="4150321" cy="2819915"/>
+            <a:off x="950351" y="4861155"/>
+            <a:ext cx="4150321" cy="1616248"/>
           </a:xfrm>
         </p:spPr>
         <p:txBody>
           <a:bodyPr/>
           <a:lstStyle/>
           <a:p>
-            <a:pPr marL="342900" indent="-342900">
-              <a:buFontTx/>
-              <a:buChar char="-"/>
-            </a:pPr>
             <a:r>
               <a:rPr lang="en-US" dirty="0"/>
-              <a:t>Earth Outliers could be skewing data</a:t>
-            </a:r>
-          </a:p>
-          <a:p>
-            <a:pPr marL="342900" indent="-342900">
-              <a:buFontTx/>
-              <a:buChar char="-"/>
-            </a:pPr>
-            <a:endParaRPr lang="en-US" dirty="0"/>
-          </a:p>
-          <a:p>
-            <a:pPr marL="342900" indent="-342900">
-              <a:buFontTx/>
-              <a:buChar char="-"/>
-            </a:pPr>
-            <a:r>
-              <a:rPr lang="en-US" dirty="0"/>
-              <a:t>Mars and Mercury are </a:t>
-            </a:r>
-            <a:r>
-              <a:rPr lang="en-US"/>
-              <a:t>not significantly different</a:t>
-            </a:r>
-            <a:endParaRPr lang="en-US" dirty="0"/>
+              <a:t>Observations across outer planets are not well documented as the events are harder to obtain.</a:t>
+            </a:r>
           </a:p>
           <a:p>
             <a:endParaRPr lang="en-US" dirty="0"/>
@@ -5498,10 +4833,10 @@
       </p:sp>
       <p:pic>
         <p:nvPicPr>
-          <p:cNvPr id="6" name="Picture 5">
-            <a:extLst>
-              <a:ext uri="{FF2B5EF4-FFF2-40B4-BE49-F238E27FC236}">
-                <a16:creationId xmlns:a16="http://schemas.microsoft.com/office/drawing/2014/main" id="{85ED74F1-E6AD-4855-B930-2E15927C31CB}"/>
+          <p:cNvPr id="5" name="Picture 4">
+            <a:extLst>
+              <a:ext uri="{FF2B5EF4-FFF2-40B4-BE49-F238E27FC236}">
+                <a16:creationId xmlns:a16="http://schemas.microsoft.com/office/drawing/2014/main" id="{7E66AE8B-C975-4EC1-92E1-A43091777A5F}"/>
               </a:ext>
             </a:extLst>
           </p:cNvPr>
@@ -5524,220 +4859,821 @@
         </p:blipFill>
         <p:spPr>
           <a:xfrm>
-            <a:off x="1054608" y="1240413"/>
-            <a:ext cx="5487650" cy="3658433"/>
+            <a:off x="797951" y="1188721"/>
+            <a:ext cx="4618044" cy="3352799"/>
           </a:xfrm>
           <a:prstGeom prst="rect">
             <a:avLst/>
           </a:prstGeom>
         </p:spPr>
       </p:pic>
-      <p:sp>
-        <p:nvSpPr>
-          <p:cNvPr id="7" name="Rectangle 1">
-            <a:extLst>
-              <a:ext uri="{FF2B5EF4-FFF2-40B4-BE49-F238E27FC236}">
-                <a16:creationId xmlns:a16="http://schemas.microsoft.com/office/drawing/2014/main" id="{A380396C-0596-4353-B283-B1EDD998C928}"/>
-              </a:ext>
-            </a:extLst>
-          </p:cNvPr>
-          <p:cNvSpPr>
-            <a:spLocks noChangeArrowheads="1"/>
-          </p:cNvSpPr>
+      <p:pic>
+        <p:nvPicPr>
+          <p:cNvPr id="4" name="Picture 3">
+            <a:extLst>
+              <a:ext uri="{FF2B5EF4-FFF2-40B4-BE49-F238E27FC236}">
+                <a16:creationId xmlns:a16="http://schemas.microsoft.com/office/drawing/2014/main" id="{351CBEA4-F354-4943-AE1D-41F2672306D6}"/>
+              </a:ext>
+            </a:extLst>
+          </p:cNvPr>
+          <p:cNvPicPr>
+            <a:picLocks noChangeAspect="1"/>
+          </p:cNvPicPr>
           <p:nvPr/>
-        </p:nvSpPr>
-        <p:spPr bwMode="auto">
-          <a:xfrm>
-            <a:off x="1628882" y="5240450"/>
-            <a:ext cx="2571262" cy="461665"/>
+        </p:nvPicPr>
+        <p:blipFill>
+          <a:blip r:embed="rId3">
+            <a:extLst>
+              <a:ext uri="{28A0092B-C50C-407E-A947-70E740481C1C}">
+                <a14:useLocalDpi xmlns:a14="http://schemas.microsoft.com/office/drawing/2010/main" val="0"/>
+              </a:ext>
+            </a:extLst>
+          </a:blip>
+          <a:stretch>
+            <a:fillRect/>
+          </a:stretch>
+        </p:blipFill>
+        <p:spPr>
+          <a:xfrm>
+            <a:off x="5907024" y="2565243"/>
+            <a:ext cx="6168254" cy="4112169"/>
           </a:xfrm>
           <a:prstGeom prst="rect">
             <a:avLst/>
           </a:prstGeom>
-          <a:solidFill>
-            <a:srgbClr val="FFFFFF"/>
-          </a:solidFill>
-          <a:ln>
-            <a:noFill/>
-          </a:ln>
-          <a:effectLst/>
-          <a:extLst>
-            <a:ext uri="{91240B29-F687-4F45-9708-019B960494DF}">
-              <a14:hiddenLine xmlns:a14="http://schemas.microsoft.com/office/drawing/2010/main" w="9525">
-                <a:solidFill>
-                  <a:schemeClr val="tx1"/>
-                </a:solidFill>
-                <a:miter lim="800000"/>
-                <a:headEnd/>
-                <a:tailEnd/>
-              </a14:hiddenLine>
-            </a:ext>
-            <a:ext uri="{AF507438-7753-43E0-B8FC-AC1667EBCBE1}">
-              <a14:hiddenEffects xmlns:a14="http://schemas.microsoft.com/office/drawing/2010/main">
-                <a:effectLst>
-                  <a:outerShdw dist="35921" dir="2700000" algn="ctr" rotWithShape="0">
-                    <a:schemeClr val="bg2"/>
-                  </a:outerShdw>
-                </a:effectLst>
-              </a14:hiddenEffects>
-            </a:ext>
-          </a:extLst>
-        </p:spPr>
-        <p:txBody>
-          <a:bodyPr vert="horz" wrap="square" lIns="0" tIns="0" rIns="0" bIns="0" numCol="1" anchor="ctr" anchorCtr="0" compatLnSpc="1">
-            <a:prstTxWarp prst="textNoShape">
-              <a:avLst/>
-            </a:prstTxWarp>
+        </p:spPr>
+      </p:pic>
+      <p:sp>
+        <p:nvSpPr>
+          <p:cNvPr id="7" name="TextBox 6">
+            <a:extLst>
+              <a:ext uri="{FF2B5EF4-FFF2-40B4-BE49-F238E27FC236}">
+                <a16:creationId xmlns:a16="http://schemas.microsoft.com/office/drawing/2014/main" id="{73E92FE5-A661-49E2-9B9A-90E5B075E83D}"/>
+              </a:ext>
+            </a:extLst>
+          </p:cNvPr>
+          <p:cNvSpPr txBox="1"/>
+          <p:nvPr/>
+        </p:nvSpPr>
+        <p:spPr>
+          <a:xfrm>
+            <a:off x="6455664" y="1127531"/>
+            <a:ext cx="5376672" cy="1200329"/>
+          </a:xfrm>
+          <a:prstGeom prst="rect">
+            <a:avLst/>
+          </a:prstGeom>
+          <a:noFill/>
+        </p:spPr>
+        <p:txBody>
+          <a:bodyPr wrap="square" rtlCol="0">
             <a:spAutoFit/>
           </a:bodyPr>
           <a:lstStyle/>
           <a:p>
-            <a:pPr marL="0" marR="0" lvl="0" indent="0" algn="l" defTabSz="914400" rtl="0" eaLnBrk="0" fontAlgn="base" latinLnBrk="0" hangingPunct="0">
-              <a:lnSpc>
-                <a:spcPct val="100000"/>
-              </a:lnSpc>
-              <a:spcBef>
-                <a:spcPct val="0"/>
-              </a:spcBef>
-              <a:spcAft>
-                <a:spcPct val="0"/>
-              </a:spcAft>
-              <a:buClrTx/>
-              <a:buSzTx/>
-              <a:buFontTx/>
-              <a:buNone/>
-              <a:tabLst/>
-            </a:pPr>
-            <a:r>
-              <a:rPr kumimoji="0" lang="en-US" altLang="en-US" sz="1000" b="1" i="0" u="none" strike="noStrike" cap="none" normalizeH="0" baseline="0" dirty="0">
-                <a:ln>
-                  <a:noFill/>
-                </a:ln>
-                <a:solidFill>
-                  <a:srgbClr val="000000"/>
-                </a:solidFill>
-                <a:effectLst/>
-                <a:latin typeface="Courier New" panose="02070309020205020404" pitchFamily="49" charset="0"/>
-              </a:rPr>
-              <a:t>ANOVA Between Mercury and Mars </a:t>
-            </a:r>
-          </a:p>
-          <a:p>
-            <a:pPr marL="0" marR="0" lvl="0" indent="0" algn="l" defTabSz="914400" rtl="0" eaLnBrk="0" fontAlgn="base" latinLnBrk="0" hangingPunct="0">
-              <a:lnSpc>
-                <a:spcPct val="100000"/>
-              </a:lnSpc>
-              <a:spcBef>
-                <a:spcPct val="0"/>
-              </a:spcBef>
-              <a:spcAft>
-                <a:spcPct val="0"/>
-              </a:spcAft>
-              <a:buClrTx/>
-              <a:buSzTx/>
-              <a:buFontTx/>
-              <a:buNone/>
-              <a:tabLst/>
-            </a:pPr>
-            <a:r>
-              <a:rPr kumimoji="0" lang="en-US" altLang="en-US" sz="1000" b="1" i="0" u="none" strike="noStrike" cap="none" normalizeH="0" baseline="0" dirty="0">
-                <a:ln>
-                  <a:noFill/>
-                </a:ln>
-                <a:solidFill>
-                  <a:srgbClr val="000000"/>
-                </a:solidFill>
-                <a:effectLst/>
-                <a:latin typeface="Courier New" panose="02070309020205020404" pitchFamily="49" charset="0"/>
-              </a:rPr>
-              <a:t>F-statistic</a:t>
-            </a:r>
-            <a:r>
-              <a:rPr kumimoji="0" lang="en-US" altLang="en-US" sz="1000" b="0" i="0" u="none" strike="noStrike" cap="none" normalizeH="0" baseline="0" dirty="0">
-                <a:ln>
-                  <a:noFill/>
-                </a:ln>
-                <a:solidFill>
-                  <a:srgbClr val="000000"/>
-                </a:solidFill>
-                <a:effectLst/>
-                <a:latin typeface="Courier New" panose="02070309020205020404" pitchFamily="49" charset="0"/>
-              </a:rPr>
-              <a:t>:2.464853021727223 </a:t>
-            </a:r>
-          </a:p>
-          <a:p>
-            <a:pPr marL="0" marR="0" lvl="0" indent="0" algn="l" defTabSz="914400" rtl="0" eaLnBrk="0" fontAlgn="base" latinLnBrk="0" hangingPunct="0">
-              <a:lnSpc>
-                <a:spcPct val="100000"/>
-              </a:lnSpc>
-              <a:spcBef>
-                <a:spcPct val="0"/>
-              </a:spcBef>
-              <a:spcAft>
-                <a:spcPct val="0"/>
-              </a:spcAft>
-              <a:buClrTx/>
-              <a:buSzTx/>
-              <a:buFontTx/>
-              <a:buNone/>
-              <a:tabLst/>
-            </a:pPr>
-            <a:r>
-              <a:rPr kumimoji="0" lang="en-US" altLang="en-US" sz="1000" b="1" i="0" u="none" strike="noStrike" cap="none" normalizeH="0" baseline="0" dirty="0">
-                <a:ln>
-                  <a:noFill/>
-                </a:ln>
-                <a:solidFill>
-                  <a:srgbClr val="000000"/>
-                </a:solidFill>
-                <a:effectLst/>
-                <a:latin typeface="Courier New" panose="02070309020205020404" pitchFamily="49" charset="0"/>
-              </a:rPr>
-              <a:t>P-Value</a:t>
-            </a:r>
-            <a:r>
-              <a:rPr kumimoji="0" lang="en-US" altLang="en-US" sz="1000" b="0" i="0" u="none" strike="noStrike" cap="none" normalizeH="0" baseline="0" dirty="0">
-                <a:ln>
-                  <a:noFill/>
-                </a:ln>
-                <a:solidFill>
-                  <a:srgbClr val="000000"/>
-                </a:solidFill>
-                <a:effectLst/>
-                <a:latin typeface="Courier New" panose="02070309020205020404" pitchFamily="49" charset="0"/>
-              </a:rPr>
-              <a:t>:0.11957749982413936</a:t>
-            </a:r>
-            <a:r>
-              <a:rPr kumimoji="0" lang="en-US" altLang="en-US" sz="600" b="0" i="0" u="none" strike="noStrike" cap="none" normalizeH="0" baseline="0" dirty="0">
-                <a:ln>
-                  <a:noFill/>
-                </a:ln>
-                <a:solidFill>
-                  <a:schemeClr val="tx1"/>
-                </a:solidFill>
-                <a:effectLst/>
-              </a:rPr>
-              <a:t> </a:t>
-            </a:r>
-            <a:endParaRPr kumimoji="0" lang="en-US" altLang="en-US" sz="1800" b="0" i="0" u="none" strike="noStrike" cap="none" normalizeH="0" baseline="0" dirty="0">
-              <a:ln>
-                <a:noFill/>
-              </a:ln>
-              <a:solidFill>
-                <a:schemeClr val="tx1"/>
-              </a:solidFill>
-              <a:effectLst/>
-              <a:latin typeface="Arial" panose="020B0604020202020204" pitchFamily="34" charset="0"/>
-            </a:endParaRPr>
+            <a:pPr algn="ctr"/>
+            <a:r>
+              <a:rPr lang="en-US" b="1" dirty="0"/>
+              <a:t>Variables:</a:t>
+            </a:r>
+          </a:p>
+          <a:p>
+            <a:pPr marL="285750" indent="-285750" algn="l">
+              <a:buFont typeface="Arial" panose="020B0604020202020204" pitchFamily="34" charset="0"/>
+              <a:buChar char="•"/>
+            </a:pPr>
+            <a:r>
+              <a:rPr lang="en-US" sz="1800" b="1" dirty="0"/>
+              <a:t>Range: </a:t>
+            </a:r>
+            <a:r>
+              <a:rPr lang="en-US" sz="1800" dirty="0"/>
+              <a:t>within 21 Lunar distances; ~5,000,000 miles</a:t>
+            </a:r>
+          </a:p>
+          <a:p>
+            <a:pPr marL="285750" indent="-285750" algn="l">
+              <a:buFont typeface="Arial" panose="020B0604020202020204" pitchFamily="34" charset="0"/>
+              <a:buChar char="•"/>
+            </a:pPr>
+            <a:r>
+              <a:rPr lang="en-US" sz="1800" b="1" dirty="0"/>
+              <a:t>Date Range</a:t>
+            </a:r>
+            <a:r>
+              <a:rPr lang="en-US" sz="1800" dirty="0"/>
+              <a:t>: 1969 to 2019</a:t>
+            </a:r>
+          </a:p>
+          <a:p>
+            <a:pPr marL="285750" indent="-285750" algn="l">
+              <a:buFont typeface="Arial" panose="020B0604020202020204" pitchFamily="34" charset="0"/>
+              <a:buChar char="•"/>
+            </a:pPr>
+            <a:r>
+              <a:rPr lang="en-US" sz="1800" b="1" dirty="0"/>
+              <a:t>Inner Planets</a:t>
+            </a:r>
+            <a:r>
+              <a:rPr lang="en-US" sz="1800" dirty="0"/>
+              <a:t>: Mercury, Venus, Earth, Mars</a:t>
+            </a:r>
           </a:p>
         </p:txBody>
       </p:sp>
     </p:spTree>
     <p:extLst>
       <p:ext uri="{BB962C8B-B14F-4D97-AF65-F5344CB8AC3E}">
-        <p14:creationId xmlns:p14="http://schemas.microsoft.com/office/powerpoint/2010/main" val="223253518"/>
+        <p14:creationId xmlns:p14="http://schemas.microsoft.com/office/powerpoint/2010/main" val="2015394305"/>
+      </p:ext>
+    </p:extLst>
+  </p:cSld>
+  <p:clrMapOvr>
+    <a:masterClrMapping/>
+  </p:clrMapOvr>
+</p:sld>
+</file>
+
+<file path=ppt/slides/slide17.xml><?xml version="1.0" encoding="utf-8"?>
+<p:sld xmlns:a="http://schemas.openxmlformats.org/drawingml/2006/main" xmlns:r="http://schemas.openxmlformats.org/officeDocument/2006/relationships" xmlns:p="http://schemas.openxmlformats.org/presentationml/2006/main">
+  <p:cSld>
+    <p:spTree>
+      <p:nvGrpSpPr>
+        <p:cNvPr id="1" name=""/>
+        <p:cNvGrpSpPr/>
+        <p:nvPr/>
+      </p:nvGrpSpPr>
+      <p:grpSpPr>
+        <a:xfrm>
+          <a:off x="0" y="0"/>
+          <a:ext cx="0" cy="0"/>
+          <a:chOff x="0" y="0"/>
+          <a:chExt cx="0" cy="0"/>
+        </a:xfrm>
+      </p:grpSpPr>
+      <p:sp>
+        <p:nvSpPr>
+          <p:cNvPr id="2" name="Title 1">
+            <a:extLst>
+              <a:ext uri="{FF2B5EF4-FFF2-40B4-BE49-F238E27FC236}">
+                <a16:creationId xmlns:a16="http://schemas.microsoft.com/office/drawing/2014/main" id="{074407D1-022F-4723-8ED3-E5B5FD55D401}"/>
+              </a:ext>
+            </a:extLst>
+          </p:cNvPr>
+          <p:cNvSpPr>
+            <a:spLocks noGrp="1"/>
+          </p:cNvSpPr>
+          <p:nvPr>
+            <p:ph type="ctrTitle"/>
+          </p:nvPr>
+        </p:nvSpPr>
+        <p:spPr>
+          <a:xfrm>
+            <a:off x="1524000" y="302508"/>
+            <a:ext cx="9144000" cy="825023"/>
+          </a:xfrm>
+        </p:spPr>
+        <p:txBody>
+          <a:bodyPr>
+            <a:normAutofit/>
+          </a:bodyPr>
+          <a:lstStyle/>
+          <a:p>
+            <a:r>
+              <a:rPr lang="en-US" sz="4400" b="1" dirty="0"/>
+              <a:t>Close Approaches with Mercury</a:t>
+            </a:r>
+          </a:p>
+        </p:txBody>
+      </p:sp>
+      <p:pic>
+        <p:nvPicPr>
+          <p:cNvPr id="5" name="Picture 4">
+            <a:extLst>
+              <a:ext uri="{FF2B5EF4-FFF2-40B4-BE49-F238E27FC236}">
+                <a16:creationId xmlns:a16="http://schemas.microsoft.com/office/drawing/2014/main" id="{13B96306-120F-4816-90BF-D3BF2F1DB026}"/>
+              </a:ext>
+            </a:extLst>
+          </p:cNvPr>
+          <p:cNvPicPr>
+            <a:picLocks noChangeAspect="1"/>
+          </p:cNvPicPr>
+          <p:nvPr/>
+        </p:nvPicPr>
+        <p:blipFill>
+          <a:blip r:embed="rId2">
+            <a:extLst>
+              <a:ext uri="{28A0092B-C50C-407E-A947-70E740481C1C}">
+                <a14:useLocalDpi xmlns:a14="http://schemas.microsoft.com/office/drawing/2010/main" val="0"/>
+              </a:ext>
+            </a:extLst>
+          </a:blip>
+          <a:stretch>
+            <a:fillRect/>
+          </a:stretch>
+        </p:blipFill>
+        <p:spPr>
+          <a:xfrm>
+            <a:off x="463296" y="1491875"/>
+            <a:ext cx="7635674" cy="4329973"/>
+          </a:xfrm>
+          <a:prstGeom prst="rect">
+            <a:avLst/>
+          </a:prstGeom>
+        </p:spPr>
+      </p:pic>
+      <p:sp>
+        <p:nvSpPr>
+          <p:cNvPr id="4" name="TextBox 3">
+            <a:extLst>
+              <a:ext uri="{FF2B5EF4-FFF2-40B4-BE49-F238E27FC236}">
+                <a16:creationId xmlns:a16="http://schemas.microsoft.com/office/drawing/2014/main" id="{95C270D9-6F59-41CD-AF21-D85C7B251649}"/>
+              </a:ext>
+            </a:extLst>
+          </p:cNvPr>
+          <p:cNvSpPr txBox="1"/>
+          <p:nvPr/>
+        </p:nvSpPr>
+        <p:spPr>
+          <a:xfrm>
+            <a:off x="8372048" y="1900267"/>
+            <a:ext cx="3468624" cy="861774"/>
+          </a:xfrm>
+          <a:prstGeom prst="rect">
+            <a:avLst/>
+          </a:prstGeom>
+          <a:noFill/>
+        </p:spPr>
+        <p:txBody>
+          <a:bodyPr wrap="square" rtlCol="0">
+            <a:spAutoFit/>
+          </a:bodyPr>
+          <a:lstStyle/>
+          <a:p>
+            <a:r>
+              <a:rPr lang="en-US" b="1" dirty="0"/>
+              <a:t>Statistical Values:</a:t>
+            </a:r>
+          </a:p>
+          <a:p>
+            <a:pPr marL="285750" indent="-285750">
+              <a:buFont typeface="Arial" panose="020B0604020202020204" pitchFamily="34" charset="0"/>
+              <a:buChar char="•"/>
+            </a:pPr>
+            <a:r>
+              <a:rPr lang="en-US" sz="1600" b="1" dirty="0"/>
+              <a:t>P Value</a:t>
+            </a:r>
+            <a:r>
+              <a:rPr lang="en-US" sz="1600" dirty="0"/>
+              <a:t>: 0.070729</a:t>
+            </a:r>
+          </a:p>
+          <a:p>
+            <a:pPr marL="285750" indent="-285750">
+              <a:buFont typeface="Arial" panose="020B0604020202020204" pitchFamily="34" charset="0"/>
+              <a:buChar char="•"/>
+            </a:pPr>
+            <a:r>
+              <a:rPr lang="en-US" sz="1600" b="1" dirty="0"/>
+              <a:t>Correlation Coefficient</a:t>
+            </a:r>
+            <a:r>
+              <a:rPr lang="en-US" sz="1600" dirty="0"/>
+              <a:t>: 0.065116</a:t>
+            </a:r>
+          </a:p>
+        </p:txBody>
+      </p:sp>
+      <p:sp>
+        <p:nvSpPr>
+          <p:cNvPr id="6" name="TextBox 5">
+            <a:extLst>
+              <a:ext uri="{FF2B5EF4-FFF2-40B4-BE49-F238E27FC236}">
+                <a16:creationId xmlns:a16="http://schemas.microsoft.com/office/drawing/2014/main" id="{CC041F36-EE45-4B8E-B8B0-58793661CF2C}"/>
+              </a:ext>
+            </a:extLst>
+          </p:cNvPr>
+          <p:cNvSpPr txBox="1"/>
+          <p:nvPr/>
+        </p:nvSpPr>
+        <p:spPr>
+          <a:xfrm>
+            <a:off x="8384240" y="3218651"/>
+            <a:ext cx="3456432" cy="1107996"/>
+          </a:xfrm>
+          <a:prstGeom prst="rect">
+            <a:avLst/>
+          </a:prstGeom>
+          <a:noFill/>
+        </p:spPr>
+        <p:txBody>
+          <a:bodyPr wrap="square" rtlCol="0">
+            <a:spAutoFit/>
+          </a:bodyPr>
+          <a:lstStyle/>
+          <a:p>
+            <a:r>
+              <a:rPr lang="en-US" b="1" dirty="0"/>
+              <a:t>Statistical Analysis</a:t>
+            </a:r>
+          </a:p>
+          <a:p>
+            <a:pPr marL="285750" indent="-285750">
+              <a:buFont typeface="Arial" panose="020B0604020202020204" pitchFamily="34" charset="0"/>
+              <a:buChar char="•"/>
+            </a:pPr>
+            <a:r>
+              <a:rPr lang="en-US" sz="1600" dirty="0"/>
+              <a:t>Cannot Reject the Null Hypothesis</a:t>
+            </a:r>
+          </a:p>
+          <a:p>
+            <a:pPr marL="285750" indent="-285750">
+              <a:buFont typeface="Arial" panose="020B0604020202020204" pitchFamily="34" charset="0"/>
+              <a:buChar char="•"/>
+            </a:pPr>
+            <a:r>
+              <a:rPr lang="en-US" sz="1600" dirty="0"/>
+              <a:t>There is a very weak positive </a:t>
+            </a:r>
+          </a:p>
+          <a:p>
+            <a:pPr marL="285750" indent="-285750">
+              <a:buFont typeface="Arial" panose="020B0604020202020204" pitchFamily="34" charset="0"/>
+              <a:buChar char="•"/>
+            </a:pPr>
+            <a:r>
+              <a:rPr lang="en-US" sz="1600" dirty="0"/>
+              <a:t>correlation occurring.</a:t>
+            </a:r>
+          </a:p>
+        </p:txBody>
+      </p:sp>
+    </p:spTree>
+    <p:extLst>
+      <p:ext uri="{BB962C8B-B14F-4D97-AF65-F5344CB8AC3E}">
+        <p14:creationId xmlns:p14="http://schemas.microsoft.com/office/powerpoint/2010/main" val="2798718843"/>
+      </p:ext>
+    </p:extLst>
+  </p:cSld>
+  <p:clrMapOvr>
+    <a:masterClrMapping/>
+  </p:clrMapOvr>
+</p:sld>
+</file>
+
+<file path=ppt/slides/slide18.xml><?xml version="1.0" encoding="utf-8"?>
+<p:sld xmlns:a="http://schemas.openxmlformats.org/drawingml/2006/main" xmlns:r="http://schemas.openxmlformats.org/officeDocument/2006/relationships" xmlns:p="http://schemas.openxmlformats.org/presentationml/2006/main">
+  <p:cSld>
+    <p:spTree>
+      <p:nvGrpSpPr>
+        <p:cNvPr id="1" name=""/>
+        <p:cNvGrpSpPr/>
+        <p:nvPr/>
+      </p:nvGrpSpPr>
+      <p:grpSpPr>
+        <a:xfrm>
+          <a:off x="0" y="0"/>
+          <a:ext cx="0" cy="0"/>
+          <a:chOff x="0" y="0"/>
+          <a:chExt cx="0" cy="0"/>
+        </a:xfrm>
+      </p:grpSpPr>
+      <p:sp>
+        <p:nvSpPr>
+          <p:cNvPr id="2" name="Title 1">
+            <a:extLst>
+              <a:ext uri="{FF2B5EF4-FFF2-40B4-BE49-F238E27FC236}">
+                <a16:creationId xmlns:a16="http://schemas.microsoft.com/office/drawing/2014/main" id="{074407D1-022F-4723-8ED3-E5B5FD55D401}"/>
+              </a:ext>
+            </a:extLst>
+          </p:cNvPr>
+          <p:cNvSpPr>
+            <a:spLocks noGrp="1"/>
+          </p:cNvSpPr>
+          <p:nvPr>
+            <p:ph type="ctrTitle"/>
+          </p:nvPr>
+        </p:nvSpPr>
+        <p:spPr>
+          <a:xfrm>
+            <a:off x="1524000" y="302508"/>
+            <a:ext cx="9144000" cy="825023"/>
+          </a:xfrm>
+        </p:spPr>
+        <p:txBody>
+          <a:bodyPr>
+            <a:normAutofit/>
+          </a:bodyPr>
+          <a:lstStyle/>
+          <a:p>
+            <a:r>
+              <a:rPr lang="en-US" sz="4400" b="1" dirty="0"/>
+              <a:t>Close Approaches with Venus</a:t>
+            </a:r>
+          </a:p>
+        </p:txBody>
+      </p:sp>
+      <p:pic>
+        <p:nvPicPr>
+          <p:cNvPr id="6" name="Picture 5">
+            <a:extLst>
+              <a:ext uri="{FF2B5EF4-FFF2-40B4-BE49-F238E27FC236}">
+                <a16:creationId xmlns:a16="http://schemas.microsoft.com/office/drawing/2014/main" id="{A5E4FA7F-6AC5-4CB3-8623-69D03D59D2E1}"/>
+              </a:ext>
+            </a:extLst>
+          </p:cNvPr>
+          <p:cNvPicPr>
+            <a:picLocks noChangeAspect="1"/>
+          </p:cNvPicPr>
+          <p:nvPr/>
+        </p:nvPicPr>
+        <p:blipFill>
+          <a:blip r:embed="rId2">
+            <a:extLst>
+              <a:ext uri="{28A0092B-C50C-407E-A947-70E740481C1C}">
+                <a14:useLocalDpi xmlns:a14="http://schemas.microsoft.com/office/drawing/2010/main" val="0"/>
+              </a:ext>
+            </a:extLst>
+          </a:blip>
+          <a:stretch>
+            <a:fillRect/>
+          </a:stretch>
+        </p:blipFill>
+        <p:spPr>
+          <a:xfrm>
+            <a:off x="371857" y="1234439"/>
+            <a:ext cx="8187425" cy="4139993"/>
+          </a:xfrm>
+          <a:prstGeom prst="rect">
+            <a:avLst/>
+          </a:prstGeom>
+        </p:spPr>
+      </p:pic>
+      <p:sp>
+        <p:nvSpPr>
+          <p:cNvPr id="4" name="TextBox 3">
+            <a:extLst>
+              <a:ext uri="{FF2B5EF4-FFF2-40B4-BE49-F238E27FC236}">
+                <a16:creationId xmlns:a16="http://schemas.microsoft.com/office/drawing/2014/main" id="{B1F06323-06A9-4982-8FDA-5356D2499146}"/>
+              </a:ext>
+            </a:extLst>
+          </p:cNvPr>
+          <p:cNvSpPr txBox="1"/>
+          <p:nvPr/>
+        </p:nvSpPr>
+        <p:spPr>
+          <a:xfrm>
+            <a:off x="8723376" y="1824135"/>
+            <a:ext cx="3468624" cy="861774"/>
+          </a:xfrm>
+          <a:prstGeom prst="rect">
+            <a:avLst/>
+          </a:prstGeom>
+          <a:noFill/>
+        </p:spPr>
+        <p:txBody>
+          <a:bodyPr wrap="square" rtlCol="0">
+            <a:spAutoFit/>
+          </a:bodyPr>
+          <a:lstStyle/>
+          <a:p>
+            <a:r>
+              <a:rPr lang="en-US" b="1" dirty="0"/>
+              <a:t>Statistical Values:</a:t>
+            </a:r>
+          </a:p>
+          <a:p>
+            <a:pPr marL="285750" indent="-285750">
+              <a:buFont typeface="Arial" panose="020B0604020202020204" pitchFamily="34" charset="0"/>
+              <a:buChar char="•"/>
+            </a:pPr>
+            <a:r>
+              <a:rPr lang="en-US" sz="1600" b="1" dirty="0"/>
+              <a:t>P Value</a:t>
+            </a:r>
+            <a:r>
+              <a:rPr lang="en-US" sz="1600" dirty="0"/>
+              <a:t>: 0.000970</a:t>
+            </a:r>
+          </a:p>
+          <a:p>
+            <a:pPr marL="285750" indent="-285750">
+              <a:buFont typeface="Arial" panose="020B0604020202020204" pitchFamily="34" charset="0"/>
+              <a:buChar char="•"/>
+            </a:pPr>
+            <a:r>
+              <a:rPr lang="en-US" sz="1600" b="1" dirty="0"/>
+              <a:t>Correlation Coefficient</a:t>
+            </a:r>
+            <a:r>
+              <a:rPr lang="en-US" sz="1600" dirty="0"/>
+              <a:t>: 0.200959</a:t>
+            </a:r>
+          </a:p>
+        </p:txBody>
+      </p:sp>
+      <p:sp>
+        <p:nvSpPr>
+          <p:cNvPr id="5" name="TextBox 4">
+            <a:extLst>
+              <a:ext uri="{FF2B5EF4-FFF2-40B4-BE49-F238E27FC236}">
+                <a16:creationId xmlns:a16="http://schemas.microsoft.com/office/drawing/2014/main" id="{8BE5CE07-4EA2-4F4D-85D3-394BCC0A68A2}"/>
+              </a:ext>
+            </a:extLst>
+          </p:cNvPr>
+          <p:cNvSpPr txBox="1"/>
+          <p:nvPr/>
+        </p:nvSpPr>
+        <p:spPr>
+          <a:xfrm>
+            <a:off x="8723376" y="2825075"/>
+            <a:ext cx="4791456" cy="1354217"/>
+          </a:xfrm>
+          <a:prstGeom prst="rect">
+            <a:avLst/>
+          </a:prstGeom>
+          <a:noFill/>
+        </p:spPr>
+        <p:txBody>
+          <a:bodyPr wrap="square" rtlCol="0">
+            <a:spAutoFit/>
+          </a:bodyPr>
+          <a:lstStyle/>
+          <a:p>
+            <a:r>
+              <a:rPr lang="en-US" b="1" dirty="0"/>
+              <a:t>Statistical Analysis</a:t>
+            </a:r>
+          </a:p>
+          <a:p>
+            <a:pPr marL="285750" indent="-285750">
+              <a:buFont typeface="Arial" panose="020B0604020202020204" pitchFamily="34" charset="0"/>
+              <a:buChar char="•"/>
+            </a:pPr>
+            <a:r>
+              <a:rPr lang="en-US" sz="1600" dirty="0"/>
+              <a:t>Significant enough to Reject </a:t>
+            </a:r>
+          </a:p>
+          <a:p>
+            <a:r>
+              <a:rPr lang="en-US" sz="1600" dirty="0"/>
+              <a:t>      the Null Hypothesis</a:t>
+            </a:r>
+          </a:p>
+          <a:p>
+            <a:pPr marL="285750" indent="-285750">
+              <a:buFont typeface="Arial" panose="020B0604020202020204" pitchFamily="34" charset="0"/>
+              <a:buChar char="•"/>
+            </a:pPr>
+            <a:r>
+              <a:rPr lang="en-US" sz="1600" dirty="0"/>
+              <a:t>There is a weak positive </a:t>
+            </a:r>
+          </a:p>
+          <a:p>
+            <a:r>
+              <a:rPr lang="en-US" sz="1600" dirty="0"/>
+              <a:t>       correlation occurring.</a:t>
+            </a:r>
+          </a:p>
+        </p:txBody>
+      </p:sp>
+    </p:spTree>
+    <p:extLst>
+      <p:ext uri="{BB962C8B-B14F-4D97-AF65-F5344CB8AC3E}">
+        <p14:creationId xmlns:p14="http://schemas.microsoft.com/office/powerpoint/2010/main" val="3418233853"/>
+      </p:ext>
+    </p:extLst>
+  </p:cSld>
+  <p:clrMapOvr>
+    <a:masterClrMapping/>
+  </p:clrMapOvr>
+</p:sld>
+</file>
+
+<file path=ppt/slides/slide19.xml><?xml version="1.0" encoding="utf-8"?>
+<p:sld xmlns:a="http://schemas.openxmlformats.org/drawingml/2006/main" xmlns:r="http://schemas.openxmlformats.org/officeDocument/2006/relationships" xmlns:p="http://schemas.openxmlformats.org/presentationml/2006/main">
+  <p:cSld>
+    <p:spTree>
+      <p:nvGrpSpPr>
+        <p:cNvPr id="1" name=""/>
+        <p:cNvGrpSpPr/>
+        <p:nvPr/>
+      </p:nvGrpSpPr>
+      <p:grpSpPr>
+        <a:xfrm>
+          <a:off x="0" y="0"/>
+          <a:ext cx="0" cy="0"/>
+          <a:chOff x="0" y="0"/>
+          <a:chExt cx="0" cy="0"/>
+        </a:xfrm>
+      </p:grpSpPr>
+      <p:sp>
+        <p:nvSpPr>
+          <p:cNvPr id="2" name="Title 1">
+            <a:extLst>
+              <a:ext uri="{FF2B5EF4-FFF2-40B4-BE49-F238E27FC236}">
+                <a16:creationId xmlns:a16="http://schemas.microsoft.com/office/drawing/2014/main" id="{074407D1-022F-4723-8ED3-E5B5FD55D401}"/>
+              </a:ext>
+            </a:extLst>
+          </p:cNvPr>
+          <p:cNvSpPr>
+            <a:spLocks noGrp="1"/>
+          </p:cNvSpPr>
+          <p:nvPr>
+            <p:ph type="ctrTitle"/>
+          </p:nvPr>
+        </p:nvSpPr>
+        <p:spPr>
+          <a:xfrm>
+            <a:off x="1524000" y="302508"/>
+            <a:ext cx="9144000" cy="825023"/>
+          </a:xfrm>
+        </p:spPr>
+        <p:txBody>
+          <a:bodyPr>
+            <a:normAutofit/>
+          </a:bodyPr>
+          <a:lstStyle/>
+          <a:p>
+            <a:r>
+              <a:rPr lang="en-US" sz="4400" b="1" dirty="0"/>
+              <a:t>Close Approaches with Mars</a:t>
+            </a:r>
+          </a:p>
+        </p:txBody>
+      </p:sp>
+      <p:pic>
+        <p:nvPicPr>
+          <p:cNvPr id="5" name="Picture 4">
+            <a:extLst>
+              <a:ext uri="{FF2B5EF4-FFF2-40B4-BE49-F238E27FC236}">
+                <a16:creationId xmlns:a16="http://schemas.microsoft.com/office/drawing/2014/main" id="{C343577E-1783-4620-8A22-6F381A39D608}"/>
+              </a:ext>
+            </a:extLst>
+          </p:cNvPr>
+          <p:cNvPicPr>
+            <a:picLocks noChangeAspect="1"/>
+          </p:cNvPicPr>
+          <p:nvPr/>
+        </p:nvPicPr>
+        <p:blipFill>
+          <a:blip r:embed="rId2">
+            <a:extLst>
+              <a:ext uri="{28A0092B-C50C-407E-A947-70E740481C1C}">
+                <a14:useLocalDpi xmlns:a14="http://schemas.microsoft.com/office/drawing/2010/main" val="0"/>
+              </a:ext>
+            </a:extLst>
+          </a:blip>
+          <a:stretch>
+            <a:fillRect/>
+          </a:stretch>
+        </p:blipFill>
+        <p:spPr>
+          <a:xfrm>
+            <a:off x="390144" y="1675996"/>
+            <a:ext cx="7815072" cy="3506008"/>
+          </a:xfrm>
+          <a:prstGeom prst="rect">
+            <a:avLst/>
+          </a:prstGeom>
+        </p:spPr>
+      </p:pic>
+      <p:sp>
+        <p:nvSpPr>
+          <p:cNvPr id="4" name="TextBox 3">
+            <a:extLst>
+              <a:ext uri="{FF2B5EF4-FFF2-40B4-BE49-F238E27FC236}">
+                <a16:creationId xmlns:a16="http://schemas.microsoft.com/office/drawing/2014/main" id="{C828555D-73C1-4C95-A363-344B2966C4FD}"/>
+              </a:ext>
+            </a:extLst>
+          </p:cNvPr>
+          <p:cNvSpPr txBox="1"/>
+          <p:nvPr/>
+        </p:nvSpPr>
+        <p:spPr>
+          <a:xfrm>
+            <a:off x="8577072" y="1782340"/>
+            <a:ext cx="3468624" cy="861774"/>
+          </a:xfrm>
+          <a:prstGeom prst="rect">
+            <a:avLst/>
+          </a:prstGeom>
+          <a:noFill/>
+        </p:spPr>
+        <p:txBody>
+          <a:bodyPr wrap="square" rtlCol="0">
+            <a:spAutoFit/>
+          </a:bodyPr>
+          <a:lstStyle/>
+          <a:p>
+            <a:r>
+              <a:rPr lang="en-US" b="1" dirty="0"/>
+              <a:t>Statistical Values:</a:t>
+            </a:r>
+          </a:p>
+          <a:p>
+            <a:pPr marL="285750" indent="-285750">
+              <a:buFont typeface="Arial" panose="020B0604020202020204" pitchFamily="34" charset="0"/>
+              <a:buChar char="•"/>
+            </a:pPr>
+            <a:r>
+              <a:rPr lang="en-US" sz="1600" b="1" dirty="0"/>
+              <a:t>P Value</a:t>
+            </a:r>
+            <a:r>
+              <a:rPr lang="en-US" sz="1600" dirty="0"/>
+              <a:t>: 0.005003</a:t>
+            </a:r>
+          </a:p>
+          <a:p>
+            <a:pPr marL="285750" indent="-285750">
+              <a:buFont typeface="Arial" panose="020B0604020202020204" pitchFamily="34" charset="0"/>
+              <a:buChar char="•"/>
+            </a:pPr>
+            <a:r>
+              <a:rPr lang="en-US" sz="1600" b="1" dirty="0"/>
+              <a:t>Correlation Coefficient</a:t>
+            </a:r>
+            <a:r>
+              <a:rPr lang="en-US" sz="1600" dirty="0"/>
+              <a:t>: 0.149908</a:t>
+            </a:r>
+          </a:p>
+        </p:txBody>
+      </p:sp>
+      <p:sp>
+        <p:nvSpPr>
+          <p:cNvPr id="7" name="TextBox 6">
+            <a:extLst>
+              <a:ext uri="{FF2B5EF4-FFF2-40B4-BE49-F238E27FC236}">
+                <a16:creationId xmlns:a16="http://schemas.microsoft.com/office/drawing/2014/main" id="{555F485D-4E93-4167-9B7B-267109B76F49}"/>
+              </a:ext>
+            </a:extLst>
+          </p:cNvPr>
+          <p:cNvSpPr txBox="1"/>
+          <p:nvPr/>
+        </p:nvSpPr>
+        <p:spPr>
+          <a:xfrm>
+            <a:off x="8522208" y="3127211"/>
+            <a:ext cx="3456432" cy="1107996"/>
+          </a:xfrm>
+          <a:prstGeom prst="rect">
+            <a:avLst/>
+          </a:prstGeom>
+          <a:noFill/>
+        </p:spPr>
+        <p:txBody>
+          <a:bodyPr wrap="square" rtlCol="0">
+            <a:spAutoFit/>
+          </a:bodyPr>
+          <a:lstStyle/>
+          <a:p>
+            <a:r>
+              <a:rPr lang="en-US" b="1" dirty="0"/>
+              <a:t>Statistical Analysis</a:t>
+            </a:r>
+          </a:p>
+          <a:p>
+            <a:pPr marL="285750" indent="-285750">
+              <a:buFont typeface="Arial" panose="020B0604020202020204" pitchFamily="34" charset="0"/>
+              <a:buChar char="•"/>
+            </a:pPr>
+            <a:r>
+              <a:rPr lang="en-US" sz="1600" dirty="0"/>
+              <a:t>Can Reject the Null Hypothesis</a:t>
+            </a:r>
+          </a:p>
+          <a:p>
+            <a:pPr marL="285750" indent="-285750">
+              <a:buFont typeface="Arial" panose="020B0604020202020204" pitchFamily="34" charset="0"/>
+              <a:buChar char="•"/>
+            </a:pPr>
+            <a:r>
+              <a:rPr lang="en-US" sz="1600" dirty="0"/>
+              <a:t>There is a very weak positive </a:t>
+            </a:r>
+          </a:p>
+          <a:p>
+            <a:pPr marL="285750" indent="-285750">
+              <a:buFont typeface="Arial" panose="020B0604020202020204" pitchFamily="34" charset="0"/>
+              <a:buChar char="•"/>
+            </a:pPr>
+            <a:r>
+              <a:rPr lang="en-US" sz="1600" dirty="0"/>
+              <a:t>correlation occurring.</a:t>
+            </a:r>
+          </a:p>
+        </p:txBody>
+      </p:sp>
+    </p:spTree>
+    <p:extLst>
+      <p:ext uri="{BB962C8B-B14F-4D97-AF65-F5344CB8AC3E}">
+        <p14:creationId xmlns:p14="http://schemas.microsoft.com/office/powerpoint/2010/main" val="2918823092"/>
       </p:ext>
     </p:extLst>
   </p:cSld>
@@ -6291,6 +6227,1868 @@
 </p:sld>
 </file>
 
+<file path=ppt/slides/slide20.xml><?xml version="1.0" encoding="utf-8"?>
+<p:sld xmlns:a="http://schemas.openxmlformats.org/drawingml/2006/main" xmlns:r="http://schemas.openxmlformats.org/officeDocument/2006/relationships" xmlns:p="http://schemas.openxmlformats.org/presentationml/2006/main">
+  <p:cSld>
+    <p:spTree>
+      <p:nvGrpSpPr>
+        <p:cNvPr id="1" name=""/>
+        <p:cNvGrpSpPr/>
+        <p:nvPr/>
+      </p:nvGrpSpPr>
+      <p:grpSpPr>
+        <a:xfrm>
+          <a:off x="0" y="0"/>
+          <a:ext cx="0" cy="0"/>
+          <a:chOff x="0" y="0"/>
+          <a:chExt cx="0" cy="0"/>
+        </a:xfrm>
+      </p:grpSpPr>
+      <p:sp>
+        <p:nvSpPr>
+          <p:cNvPr id="2" name="Title 1">
+            <a:extLst>
+              <a:ext uri="{FF2B5EF4-FFF2-40B4-BE49-F238E27FC236}">
+                <a16:creationId xmlns:a16="http://schemas.microsoft.com/office/drawing/2014/main" id="{074407D1-022F-4723-8ED3-E5B5FD55D401}"/>
+              </a:ext>
+            </a:extLst>
+          </p:cNvPr>
+          <p:cNvSpPr>
+            <a:spLocks noGrp="1"/>
+          </p:cNvSpPr>
+          <p:nvPr>
+            <p:ph type="ctrTitle"/>
+          </p:nvPr>
+        </p:nvSpPr>
+        <p:spPr>
+          <a:xfrm>
+            <a:off x="1524000" y="302508"/>
+            <a:ext cx="9144000" cy="825023"/>
+          </a:xfrm>
+        </p:spPr>
+        <p:txBody>
+          <a:bodyPr>
+            <a:normAutofit/>
+          </a:bodyPr>
+          <a:lstStyle/>
+          <a:p>
+            <a:r>
+              <a:rPr lang="en-US" sz="4400" b="1" dirty="0"/>
+              <a:t>Close Approaches with Earth</a:t>
+            </a:r>
+          </a:p>
+        </p:txBody>
+      </p:sp>
+      <p:pic>
+        <p:nvPicPr>
+          <p:cNvPr id="8" name="Picture 7">
+            <a:extLst>
+              <a:ext uri="{FF2B5EF4-FFF2-40B4-BE49-F238E27FC236}">
+                <a16:creationId xmlns:a16="http://schemas.microsoft.com/office/drawing/2014/main" id="{51C1A904-B1E9-4991-9D09-FF92B75E581A}"/>
+              </a:ext>
+            </a:extLst>
+          </p:cNvPr>
+          <p:cNvPicPr>
+            <a:picLocks noChangeAspect="1"/>
+          </p:cNvPicPr>
+          <p:nvPr/>
+        </p:nvPicPr>
+        <p:blipFill>
+          <a:blip r:embed="rId2">
+            <a:extLst>
+              <a:ext uri="{28A0092B-C50C-407E-A947-70E740481C1C}">
+                <a14:useLocalDpi xmlns:a14="http://schemas.microsoft.com/office/drawing/2010/main" val="0"/>
+              </a:ext>
+            </a:extLst>
+          </a:blip>
+          <a:stretch>
+            <a:fillRect/>
+          </a:stretch>
+        </p:blipFill>
+        <p:spPr>
+          <a:xfrm>
+            <a:off x="592150" y="3849822"/>
+            <a:ext cx="5836113" cy="2705670"/>
+          </a:xfrm>
+          <a:prstGeom prst="rect">
+            <a:avLst/>
+          </a:prstGeom>
+        </p:spPr>
+      </p:pic>
+      <p:sp>
+        <p:nvSpPr>
+          <p:cNvPr id="4" name="TextBox 3">
+            <a:extLst>
+              <a:ext uri="{FF2B5EF4-FFF2-40B4-BE49-F238E27FC236}">
+                <a16:creationId xmlns:a16="http://schemas.microsoft.com/office/drawing/2014/main" id="{27347AB7-0685-4718-B2D2-969BAB70595D}"/>
+              </a:ext>
+            </a:extLst>
+          </p:cNvPr>
+          <p:cNvSpPr txBox="1"/>
+          <p:nvPr/>
+        </p:nvSpPr>
+        <p:spPr>
+          <a:xfrm>
+            <a:off x="6874664" y="1302583"/>
+            <a:ext cx="3468624" cy="861774"/>
+          </a:xfrm>
+          <a:prstGeom prst="rect">
+            <a:avLst/>
+          </a:prstGeom>
+          <a:noFill/>
+        </p:spPr>
+        <p:txBody>
+          <a:bodyPr wrap="square" rtlCol="0">
+            <a:spAutoFit/>
+          </a:bodyPr>
+          <a:lstStyle/>
+          <a:p>
+            <a:r>
+              <a:rPr lang="en-US" b="1" dirty="0"/>
+              <a:t>Statistical Values:</a:t>
+            </a:r>
+          </a:p>
+          <a:p>
+            <a:pPr marL="285750" indent="-285750">
+              <a:buFont typeface="Arial" panose="020B0604020202020204" pitchFamily="34" charset="0"/>
+              <a:buChar char="•"/>
+            </a:pPr>
+            <a:r>
+              <a:rPr lang="en-US" sz="1600" b="1" dirty="0"/>
+              <a:t>P Value</a:t>
+            </a:r>
+            <a:r>
+              <a:rPr lang="en-US" sz="1600" dirty="0"/>
+              <a:t>: 0.0000001</a:t>
+            </a:r>
+          </a:p>
+          <a:p>
+            <a:pPr marL="285750" indent="-285750">
+              <a:buFont typeface="Arial" panose="020B0604020202020204" pitchFamily="34" charset="0"/>
+              <a:buChar char="•"/>
+            </a:pPr>
+            <a:r>
+              <a:rPr lang="en-US" sz="1600" b="1" dirty="0"/>
+              <a:t>Correlation Coefficient</a:t>
+            </a:r>
+            <a:r>
+              <a:rPr lang="en-US" sz="1600" dirty="0"/>
+              <a:t>: .551913</a:t>
+            </a:r>
+          </a:p>
+        </p:txBody>
+      </p:sp>
+      <p:sp>
+        <p:nvSpPr>
+          <p:cNvPr id="5" name="TextBox 4">
+            <a:extLst>
+              <a:ext uri="{FF2B5EF4-FFF2-40B4-BE49-F238E27FC236}">
+                <a16:creationId xmlns:a16="http://schemas.microsoft.com/office/drawing/2014/main" id="{5126CD73-C522-4B5F-8934-4F8D8AC8B860}"/>
+              </a:ext>
+            </a:extLst>
+          </p:cNvPr>
+          <p:cNvSpPr txBox="1"/>
+          <p:nvPr/>
+        </p:nvSpPr>
+        <p:spPr>
+          <a:xfrm>
+            <a:off x="6886856" y="2583933"/>
+            <a:ext cx="3456432" cy="1107996"/>
+          </a:xfrm>
+          <a:prstGeom prst="rect">
+            <a:avLst/>
+          </a:prstGeom>
+          <a:noFill/>
+        </p:spPr>
+        <p:txBody>
+          <a:bodyPr wrap="square" rtlCol="0">
+            <a:spAutoFit/>
+          </a:bodyPr>
+          <a:lstStyle/>
+          <a:p>
+            <a:r>
+              <a:rPr lang="en-US" b="1" dirty="0"/>
+              <a:t>Statistical Analysis</a:t>
+            </a:r>
+          </a:p>
+          <a:p>
+            <a:pPr marL="285750" indent="-285750">
+              <a:buFont typeface="Arial" panose="020B0604020202020204" pitchFamily="34" charset="0"/>
+              <a:buChar char="•"/>
+            </a:pPr>
+            <a:r>
+              <a:rPr lang="en-US" sz="1600" dirty="0"/>
+              <a:t>Can Reject the Null Hypothesis</a:t>
+            </a:r>
+          </a:p>
+          <a:p>
+            <a:pPr marL="285750" indent="-285750">
+              <a:buFont typeface="Arial" panose="020B0604020202020204" pitchFamily="34" charset="0"/>
+              <a:buChar char="•"/>
+            </a:pPr>
+            <a:r>
+              <a:rPr lang="en-US" sz="1600" dirty="0"/>
+              <a:t>There is a moderately positive </a:t>
+            </a:r>
+          </a:p>
+          <a:p>
+            <a:r>
+              <a:rPr lang="en-US" sz="1600" dirty="0"/>
+              <a:t>       correlation occurring.</a:t>
+            </a:r>
+          </a:p>
+        </p:txBody>
+      </p:sp>
+      <p:pic>
+        <p:nvPicPr>
+          <p:cNvPr id="13" name="Picture 12">
+            <a:extLst>
+              <a:ext uri="{FF2B5EF4-FFF2-40B4-BE49-F238E27FC236}">
+                <a16:creationId xmlns:a16="http://schemas.microsoft.com/office/drawing/2014/main" id="{9D845889-13EC-4824-97EC-724BB0B52D29}"/>
+              </a:ext>
+            </a:extLst>
+          </p:cNvPr>
+          <p:cNvPicPr>
+            <a:picLocks noChangeAspect="1"/>
+          </p:cNvPicPr>
+          <p:nvPr/>
+        </p:nvPicPr>
+        <p:blipFill>
+          <a:blip r:embed="rId3">
+            <a:extLst>
+              <a:ext uri="{28A0092B-C50C-407E-A947-70E740481C1C}">
+                <a14:useLocalDpi xmlns:a14="http://schemas.microsoft.com/office/drawing/2010/main" val="0"/>
+              </a:ext>
+            </a:extLst>
+          </a:blip>
+          <a:stretch>
+            <a:fillRect/>
+          </a:stretch>
+        </p:blipFill>
+        <p:spPr>
+          <a:xfrm>
+            <a:off x="584016" y="1133513"/>
+            <a:ext cx="5844247" cy="2705670"/>
+          </a:xfrm>
+          <a:prstGeom prst="rect">
+            <a:avLst/>
+          </a:prstGeom>
+        </p:spPr>
+      </p:pic>
+    </p:spTree>
+    <p:extLst>
+      <p:ext uri="{BB962C8B-B14F-4D97-AF65-F5344CB8AC3E}">
+        <p14:creationId xmlns:p14="http://schemas.microsoft.com/office/powerpoint/2010/main" val="3473158120"/>
+      </p:ext>
+    </p:extLst>
+  </p:cSld>
+  <p:clrMapOvr>
+    <a:masterClrMapping/>
+  </p:clrMapOvr>
+</p:sld>
+</file>
+
+<file path=ppt/slides/slide21.xml><?xml version="1.0" encoding="utf-8"?>
+<p:sld xmlns:a="http://schemas.openxmlformats.org/drawingml/2006/main" xmlns:r="http://schemas.openxmlformats.org/officeDocument/2006/relationships" xmlns:p="http://schemas.openxmlformats.org/presentationml/2006/main">
+  <p:cSld>
+    <p:spTree>
+      <p:nvGrpSpPr>
+        <p:cNvPr id="1" name=""/>
+        <p:cNvGrpSpPr/>
+        <p:nvPr/>
+      </p:nvGrpSpPr>
+      <p:grpSpPr>
+        <a:xfrm>
+          <a:off x="0" y="0"/>
+          <a:ext cx="0" cy="0"/>
+          <a:chOff x="0" y="0"/>
+          <a:chExt cx="0" cy="0"/>
+        </a:xfrm>
+      </p:grpSpPr>
+      <p:sp>
+        <p:nvSpPr>
+          <p:cNvPr id="2" name="Title 1">
+            <a:extLst>
+              <a:ext uri="{FF2B5EF4-FFF2-40B4-BE49-F238E27FC236}">
+                <a16:creationId xmlns:a16="http://schemas.microsoft.com/office/drawing/2014/main" id="{074407D1-022F-4723-8ED3-E5B5FD55D401}"/>
+              </a:ext>
+            </a:extLst>
+          </p:cNvPr>
+          <p:cNvSpPr>
+            <a:spLocks noGrp="1"/>
+          </p:cNvSpPr>
+          <p:nvPr>
+            <p:ph type="ctrTitle"/>
+          </p:nvPr>
+        </p:nvSpPr>
+        <p:spPr>
+          <a:xfrm>
+            <a:off x="1524000" y="302508"/>
+            <a:ext cx="9144000" cy="825023"/>
+          </a:xfrm>
+        </p:spPr>
+        <p:txBody>
+          <a:bodyPr>
+            <a:normAutofit/>
+          </a:bodyPr>
+          <a:lstStyle/>
+          <a:p>
+            <a:r>
+              <a:rPr lang="en-US" sz="4400" b="1" dirty="0"/>
+              <a:t>Analysis of the Data</a:t>
+            </a:r>
+          </a:p>
+        </p:txBody>
+      </p:sp>
+      <p:pic>
+        <p:nvPicPr>
+          <p:cNvPr id="6" name="Picture 5">
+            <a:extLst>
+              <a:ext uri="{FF2B5EF4-FFF2-40B4-BE49-F238E27FC236}">
+                <a16:creationId xmlns:a16="http://schemas.microsoft.com/office/drawing/2014/main" id="{85ED74F1-E6AD-4855-B930-2E15927C31CB}"/>
+              </a:ext>
+            </a:extLst>
+          </p:cNvPr>
+          <p:cNvPicPr>
+            <a:picLocks noChangeAspect="1"/>
+          </p:cNvPicPr>
+          <p:nvPr/>
+        </p:nvPicPr>
+        <p:blipFill>
+          <a:blip r:embed="rId2">
+            <a:extLst>
+              <a:ext uri="{28A0092B-C50C-407E-A947-70E740481C1C}">
+                <a14:useLocalDpi xmlns:a14="http://schemas.microsoft.com/office/drawing/2010/main" val="0"/>
+              </a:ext>
+            </a:extLst>
+          </a:blip>
+          <a:stretch>
+            <a:fillRect/>
+          </a:stretch>
+        </p:blipFill>
+        <p:spPr>
+          <a:xfrm>
+            <a:off x="1054608" y="1240413"/>
+            <a:ext cx="5487650" cy="3658433"/>
+          </a:xfrm>
+          <a:prstGeom prst="rect">
+            <a:avLst/>
+          </a:prstGeom>
+        </p:spPr>
+      </p:pic>
+      <p:sp>
+        <p:nvSpPr>
+          <p:cNvPr id="4" name="TextBox 3">
+            <a:extLst>
+              <a:ext uri="{FF2B5EF4-FFF2-40B4-BE49-F238E27FC236}">
+                <a16:creationId xmlns:a16="http://schemas.microsoft.com/office/drawing/2014/main" id="{87959C1B-6BF4-45C8-9116-C11385E9BFCC}"/>
+              </a:ext>
+            </a:extLst>
+          </p:cNvPr>
+          <p:cNvSpPr txBox="1"/>
+          <p:nvPr/>
+        </p:nvSpPr>
+        <p:spPr>
+          <a:xfrm>
+            <a:off x="7252616" y="3582888"/>
+            <a:ext cx="3456432" cy="1846659"/>
+          </a:xfrm>
+          <a:prstGeom prst="rect">
+            <a:avLst/>
+          </a:prstGeom>
+          <a:noFill/>
+        </p:spPr>
+        <p:txBody>
+          <a:bodyPr wrap="square" rtlCol="0">
+            <a:spAutoFit/>
+          </a:bodyPr>
+          <a:lstStyle/>
+          <a:p>
+            <a:r>
+              <a:rPr lang="en-US" b="1" dirty="0"/>
+              <a:t>Statistical Analysis</a:t>
+            </a:r>
+          </a:p>
+          <a:p>
+            <a:pPr marL="285750" indent="-285750">
+              <a:buFont typeface="Arial" panose="020B0604020202020204" pitchFamily="34" charset="0"/>
+              <a:buChar char="•"/>
+            </a:pPr>
+            <a:r>
+              <a:rPr lang="en-US" sz="1600" dirty="0"/>
+              <a:t>High evidence to Reject the Null Hypothesis</a:t>
+            </a:r>
+          </a:p>
+          <a:p>
+            <a:pPr marL="285750" indent="-285750">
+              <a:buFont typeface="Arial" panose="020B0604020202020204" pitchFamily="34" charset="0"/>
+              <a:buChar char="•"/>
+            </a:pPr>
+            <a:r>
+              <a:rPr lang="en-US" sz="1600" dirty="0"/>
+              <a:t>There is a positive trend of asteroids detected across all inner planets, however at different rates.</a:t>
+            </a:r>
+          </a:p>
+          <a:p>
+            <a:pPr marL="285750" indent="-285750">
+              <a:buFont typeface="Arial" panose="020B0604020202020204" pitchFamily="34" charset="0"/>
+              <a:buChar char="•"/>
+            </a:pPr>
+            <a:endParaRPr lang="en-US" sz="1600" dirty="0"/>
+          </a:p>
+        </p:txBody>
+      </p:sp>
+      <p:sp>
+        <p:nvSpPr>
+          <p:cNvPr id="5" name="TextBox 4">
+            <a:extLst>
+              <a:ext uri="{FF2B5EF4-FFF2-40B4-BE49-F238E27FC236}">
+                <a16:creationId xmlns:a16="http://schemas.microsoft.com/office/drawing/2014/main" id="{82167E92-BBF5-4A9A-995A-145B64F0509A}"/>
+              </a:ext>
+            </a:extLst>
+          </p:cNvPr>
+          <p:cNvSpPr txBox="1"/>
+          <p:nvPr/>
+        </p:nvSpPr>
+        <p:spPr>
+          <a:xfrm>
+            <a:off x="7252616" y="1633124"/>
+            <a:ext cx="3468624" cy="1846659"/>
+          </a:xfrm>
+          <a:prstGeom prst="rect">
+            <a:avLst/>
+          </a:prstGeom>
+          <a:noFill/>
+        </p:spPr>
+        <p:txBody>
+          <a:bodyPr wrap="square" rtlCol="0">
+            <a:spAutoFit/>
+          </a:bodyPr>
+          <a:lstStyle/>
+          <a:p>
+            <a:r>
+              <a:rPr lang="en-US" b="1" dirty="0"/>
+              <a:t>T-Test:</a:t>
+            </a:r>
+          </a:p>
+          <a:p>
+            <a:pPr marL="285750" indent="-285750">
+              <a:buFont typeface="Arial" panose="020B0604020202020204" pitchFamily="34" charset="0"/>
+              <a:buChar char="•"/>
+            </a:pPr>
+            <a:r>
+              <a:rPr lang="en-US" sz="1600" dirty="0"/>
+              <a:t>Mercury and Mar’s T-test was the only one that did not show a significant difference between the sample set’s means.</a:t>
+            </a:r>
+          </a:p>
+          <a:p>
+            <a:pPr marL="285750" indent="-285750">
+              <a:buFont typeface="Arial" panose="020B0604020202020204" pitchFamily="34" charset="0"/>
+              <a:buChar char="•"/>
+            </a:pPr>
+            <a:r>
+              <a:rPr lang="en-US" sz="1600" b="1" dirty="0"/>
+              <a:t>F-statistic</a:t>
+            </a:r>
+            <a:r>
+              <a:rPr lang="en-US" sz="1600" dirty="0"/>
+              <a:t>: 2.46485</a:t>
+            </a:r>
+          </a:p>
+          <a:p>
+            <a:pPr marL="285750" indent="-285750">
+              <a:buFont typeface="Arial" panose="020B0604020202020204" pitchFamily="34" charset="0"/>
+              <a:buChar char="•"/>
+            </a:pPr>
+            <a:r>
+              <a:rPr lang="en-US" sz="1600" b="1" dirty="0"/>
+              <a:t>P-Value</a:t>
+            </a:r>
+            <a:r>
+              <a:rPr lang="en-US" sz="1600" dirty="0"/>
+              <a:t>: 0.119577</a:t>
+            </a:r>
+          </a:p>
+        </p:txBody>
+      </p:sp>
+    </p:spTree>
+    <p:extLst>
+      <p:ext uri="{BB962C8B-B14F-4D97-AF65-F5344CB8AC3E}">
+        <p14:creationId xmlns:p14="http://schemas.microsoft.com/office/powerpoint/2010/main" val="223253518"/>
+      </p:ext>
+    </p:extLst>
+  </p:cSld>
+  <p:clrMapOvr>
+    <a:masterClrMapping/>
+  </p:clrMapOvr>
+</p:sld>
+</file>
+
+<file path=ppt/slides/slide22.xml><?xml version="1.0" encoding="utf-8"?>
+<p:sld xmlns:a="http://schemas.openxmlformats.org/drawingml/2006/main" xmlns:r="http://schemas.openxmlformats.org/officeDocument/2006/relationships" xmlns:p="http://schemas.openxmlformats.org/presentationml/2006/main">
+  <p:cSld>
+    <p:spTree>
+      <p:nvGrpSpPr>
+        <p:cNvPr id="1" name=""/>
+        <p:cNvGrpSpPr/>
+        <p:nvPr/>
+      </p:nvGrpSpPr>
+      <p:grpSpPr>
+        <a:xfrm>
+          <a:off x="0" y="0"/>
+          <a:ext cx="0" cy="0"/>
+          <a:chOff x="0" y="0"/>
+          <a:chExt cx="0" cy="0"/>
+        </a:xfrm>
+      </p:grpSpPr>
+      <p:sp>
+        <p:nvSpPr>
+          <p:cNvPr id="2" name="Title 1">
+            <a:extLst>
+              <a:ext uri="{FF2B5EF4-FFF2-40B4-BE49-F238E27FC236}">
+                <a16:creationId xmlns:a16="http://schemas.microsoft.com/office/drawing/2014/main" id="{9E6CBC64-8621-4E42-B7D2-72DCBC53C1B8}"/>
+              </a:ext>
+            </a:extLst>
+          </p:cNvPr>
+          <p:cNvSpPr>
+            <a:spLocks noGrp="1"/>
+          </p:cNvSpPr>
+          <p:nvPr>
+            <p:ph type="title"/>
+          </p:nvPr>
+        </p:nvSpPr>
+        <p:spPr>
+          <a:xfrm>
+            <a:off x="4261757" y="-105138"/>
+            <a:ext cx="3668486" cy="1325563"/>
+          </a:xfrm>
+        </p:spPr>
+        <p:txBody>
+          <a:bodyPr>
+            <a:normAutofit/>
+          </a:bodyPr>
+          <a:lstStyle/>
+          <a:p>
+            <a:r>
+              <a:rPr lang="en-US" sz="4000" dirty="0"/>
+              <a:t>References</a:t>
+            </a:r>
+          </a:p>
+        </p:txBody>
+      </p:sp>
+      <p:sp>
+        <p:nvSpPr>
+          <p:cNvPr id="5" name="TextBox 4">
+            <a:extLst>
+              <a:ext uri="{FF2B5EF4-FFF2-40B4-BE49-F238E27FC236}">
+                <a16:creationId xmlns:a16="http://schemas.microsoft.com/office/drawing/2014/main" id="{C667B110-6141-445B-BE0C-2C812CFFEC2C}"/>
+              </a:ext>
+            </a:extLst>
+          </p:cNvPr>
+          <p:cNvSpPr txBox="1"/>
+          <p:nvPr/>
+        </p:nvSpPr>
+        <p:spPr>
+          <a:xfrm>
+            <a:off x="333103" y="893853"/>
+            <a:ext cx="11201399" cy="5570756"/>
+          </a:xfrm>
+          <a:prstGeom prst="rect">
+            <a:avLst/>
+          </a:prstGeom>
+          <a:noFill/>
+        </p:spPr>
+        <p:txBody>
+          <a:bodyPr wrap="square" rtlCol="0">
+            <a:spAutoFit/>
+          </a:bodyPr>
+          <a:lstStyle/>
+          <a:p>
+            <a:pPr marL="0" marR="0" lvl="0" indent="0" algn="l" defTabSz="914400" rtl="0" eaLnBrk="1" fontAlgn="auto" latinLnBrk="0" hangingPunct="1">
+              <a:lnSpc>
+                <a:spcPct val="100000"/>
+              </a:lnSpc>
+              <a:spcBef>
+                <a:spcPts val="0"/>
+              </a:spcBef>
+              <a:spcAft>
+                <a:spcPts val="0"/>
+              </a:spcAft>
+              <a:buClrTx/>
+              <a:buSzTx/>
+              <a:buFontTx/>
+              <a:buNone/>
+              <a:tabLst/>
+              <a:defRPr/>
+            </a:pPr>
+            <a:r>
+              <a:rPr kumimoji="0" lang="en-US" sz="1600" b="1" i="0" u="none" strike="noStrike" kern="1200" cap="none" spc="0" normalizeH="0" baseline="0" noProof="0" dirty="0">
+                <a:ln>
+                  <a:noFill/>
+                </a:ln>
+                <a:solidFill>
+                  <a:prstClr val="black"/>
+                </a:solidFill>
+                <a:effectLst/>
+                <a:uLnTx/>
+                <a:uFillTx/>
+                <a:latin typeface="Calibri" panose="020F0502020204030204"/>
+                <a:ea typeface="+mn-ea"/>
+                <a:cs typeface="+mn-cs"/>
+              </a:rPr>
+              <a:t>References for the presentation </a:t>
+            </a:r>
+          </a:p>
+          <a:p>
+            <a:pPr marL="285750" marR="0" lvl="0" indent="-285750" algn="l" defTabSz="914400" rtl="0" eaLnBrk="1" fontAlgn="auto" latinLnBrk="0" hangingPunct="1">
+              <a:lnSpc>
+                <a:spcPct val="100000"/>
+              </a:lnSpc>
+              <a:spcBef>
+                <a:spcPts val="0"/>
+              </a:spcBef>
+              <a:spcAft>
+                <a:spcPts val="0"/>
+              </a:spcAft>
+              <a:buClrTx/>
+              <a:buSzTx/>
+              <a:buFont typeface="Arial" panose="020B0604020202020204" pitchFamily="34" charset="0"/>
+              <a:buChar char="•"/>
+              <a:tabLst/>
+              <a:defRPr/>
+            </a:pPr>
+            <a:r>
+              <a:rPr kumimoji="0" lang="en-US" sz="1600" b="0" i="0" u="none" strike="noStrike" kern="1200" cap="none" spc="0" normalizeH="0" baseline="0" noProof="0" dirty="0">
+                <a:ln>
+                  <a:noFill/>
+                </a:ln>
+                <a:solidFill>
+                  <a:prstClr val="black"/>
+                </a:solidFill>
+                <a:effectLst/>
+                <a:uLnTx/>
+                <a:uFillTx/>
+                <a:latin typeface="Calibri" panose="020F0502020204030204"/>
+                <a:ea typeface="+mn-ea"/>
+                <a:cs typeface="+mn-cs"/>
+              </a:rPr>
+              <a:t>An Analysis of Asteroids Orbits overview: 	</a:t>
+            </a:r>
+            <a:r>
+              <a:rPr kumimoji="0" lang="en-US" sz="1600" b="0" i="0" u="none" strike="noStrike" kern="1200" cap="none" spc="0" normalizeH="0" baseline="0" noProof="0" dirty="0">
+                <a:ln>
+                  <a:noFill/>
+                </a:ln>
+                <a:solidFill>
+                  <a:prstClr val="black"/>
+                </a:solidFill>
+                <a:effectLst/>
+                <a:uLnTx/>
+                <a:uFillTx/>
+                <a:latin typeface="-apple-system"/>
+                <a:ea typeface="+mn-ea"/>
+                <a:cs typeface="+mn-cs"/>
+                <a:hlinkClick r:id="rId2" tooltip="README.md"/>
+              </a:rPr>
+              <a:t>README.md</a:t>
+            </a:r>
+            <a:endParaRPr kumimoji="0" lang="en-US" sz="1600" b="0" i="0" u="none" strike="noStrike" kern="1200" cap="none" spc="0" normalizeH="0" baseline="0" noProof="0" dirty="0">
+              <a:ln>
+                <a:noFill/>
+              </a:ln>
+              <a:solidFill>
+                <a:prstClr val="black"/>
+              </a:solidFill>
+              <a:effectLst/>
+              <a:uLnTx/>
+              <a:uFillTx/>
+              <a:latin typeface="Calibri" panose="020F0502020204030204"/>
+              <a:ea typeface="+mn-ea"/>
+              <a:cs typeface="+mn-cs"/>
+            </a:endParaRPr>
+          </a:p>
+          <a:p>
+            <a:pPr marL="285750" marR="0" lvl="0" indent="-285750" algn="l" defTabSz="914400" rtl="0" eaLnBrk="1" fontAlgn="auto" latinLnBrk="0" hangingPunct="1">
+              <a:lnSpc>
+                <a:spcPct val="100000"/>
+              </a:lnSpc>
+              <a:spcBef>
+                <a:spcPts val="0"/>
+              </a:spcBef>
+              <a:spcAft>
+                <a:spcPts val="0"/>
+              </a:spcAft>
+              <a:buClrTx/>
+              <a:buSzTx/>
+              <a:buFont typeface="Arial" panose="020B0604020202020204" pitchFamily="34" charset="0"/>
+              <a:buChar char="•"/>
+              <a:tabLst/>
+              <a:defRPr/>
+            </a:pPr>
+            <a:r>
+              <a:rPr kumimoji="0" lang="en-US" sz="1600" b="0" i="0" u="none" strike="noStrike" kern="1200" cap="none" spc="0" normalizeH="0" baseline="0" noProof="0" dirty="0">
+                <a:ln>
+                  <a:noFill/>
+                </a:ln>
+                <a:solidFill>
+                  <a:prstClr val="black"/>
+                </a:solidFill>
+                <a:effectLst/>
+                <a:uLnTx/>
+                <a:uFillTx/>
+                <a:latin typeface="Calibri" panose="020F0502020204030204"/>
+                <a:ea typeface="+mn-ea"/>
+                <a:cs typeface="+mn-cs"/>
+              </a:rPr>
+              <a:t>Final Report 				</a:t>
+            </a:r>
+            <a:r>
+              <a:rPr kumimoji="0" lang="en-US" sz="1600" b="0" i="0" u="sng" strike="noStrike" kern="1200" cap="none" spc="0" normalizeH="0" baseline="0" noProof="0" dirty="0">
+                <a:ln>
+                  <a:noFill/>
+                </a:ln>
+                <a:solidFill>
+                  <a:srgbClr val="24292E"/>
+                </a:solidFill>
+                <a:effectLst/>
+                <a:uLnTx/>
+                <a:uFillTx/>
+                <a:latin typeface="-apple-system"/>
+                <a:ea typeface="+mn-ea"/>
+                <a:cs typeface="+mn-cs"/>
+                <a:hlinkClick r:id="rId3" tooltip="asteroid_analysisFinal.pptx"/>
+              </a:rPr>
+              <a:t>analysisFinal.pptx</a:t>
+            </a:r>
+            <a:endParaRPr kumimoji="0" lang="en-US" sz="1600" b="0" i="0" u="sng" strike="noStrike" kern="1200" cap="none" spc="0" normalizeH="0" baseline="0" noProof="0" dirty="0">
+              <a:ln>
+                <a:noFill/>
+              </a:ln>
+              <a:solidFill>
+                <a:srgbClr val="24292E"/>
+              </a:solidFill>
+              <a:effectLst/>
+              <a:uLnTx/>
+              <a:uFillTx/>
+              <a:latin typeface="-apple-system"/>
+              <a:ea typeface="+mn-ea"/>
+              <a:cs typeface="+mn-cs"/>
+            </a:endParaRPr>
+          </a:p>
+          <a:p>
+            <a:pPr marL="285750" marR="0" lvl="0" indent="-285750" algn="l" defTabSz="914400" rtl="0" eaLnBrk="1" fontAlgn="auto" latinLnBrk="0" hangingPunct="1">
+              <a:lnSpc>
+                <a:spcPct val="100000"/>
+              </a:lnSpc>
+              <a:spcBef>
+                <a:spcPts val="0"/>
+              </a:spcBef>
+              <a:spcAft>
+                <a:spcPts val="0"/>
+              </a:spcAft>
+              <a:buClrTx/>
+              <a:buSzTx/>
+              <a:buFont typeface="Arial" panose="020B0604020202020204" pitchFamily="34" charset="0"/>
+              <a:buChar char="•"/>
+              <a:tabLst/>
+              <a:defRPr/>
+            </a:pPr>
+            <a:r>
+              <a:rPr kumimoji="0" lang="en-US" sz="1600" b="0" i="0" u="none" strike="noStrike" kern="1200" cap="none" spc="0" normalizeH="0" baseline="0" noProof="0" dirty="0">
+                <a:ln>
+                  <a:noFill/>
+                </a:ln>
+                <a:solidFill>
+                  <a:prstClr val="black"/>
+                </a:solidFill>
+                <a:effectLst/>
+                <a:uLnTx/>
+                <a:uFillTx/>
+                <a:latin typeface="Calibri" panose="020F0502020204030204"/>
+                <a:ea typeface="+mn-ea"/>
+                <a:cs typeface="+mn-cs"/>
+              </a:rPr>
+              <a:t>GitHub  Parent Repository 			</a:t>
+            </a:r>
+            <a:r>
+              <a:rPr kumimoji="0" lang="en-US" sz="1600" b="0" i="0" u="none" strike="noStrike" kern="1200" cap="none" spc="0" normalizeH="0" baseline="0" noProof="0" dirty="0">
+                <a:ln>
+                  <a:noFill/>
+                </a:ln>
+                <a:solidFill>
+                  <a:prstClr val="black"/>
+                </a:solidFill>
+                <a:effectLst/>
+                <a:uLnTx/>
+                <a:uFillTx/>
+                <a:latin typeface="Calibri" panose="020F0502020204030204"/>
+                <a:ea typeface="+mn-ea"/>
+                <a:cs typeface="+mn-cs"/>
+                <a:hlinkClick r:id="rId4"/>
+              </a:rPr>
+              <a:t>Link</a:t>
+            </a:r>
+            <a:endParaRPr kumimoji="0" lang="en-US" sz="1600" b="0" i="0" u="none" strike="noStrike" kern="1200" cap="none" spc="0" normalizeH="0" baseline="0" noProof="0" dirty="0">
+              <a:ln>
+                <a:noFill/>
+              </a:ln>
+              <a:solidFill>
+                <a:prstClr val="black"/>
+              </a:solidFill>
+              <a:effectLst/>
+              <a:uLnTx/>
+              <a:uFillTx/>
+              <a:latin typeface="Calibri" panose="020F0502020204030204"/>
+              <a:ea typeface="+mn-ea"/>
+              <a:cs typeface="+mn-cs"/>
+            </a:endParaRPr>
+          </a:p>
+          <a:p>
+            <a:pPr marL="285750" marR="0" lvl="0" indent="-285750" algn="l" defTabSz="914400" rtl="0" eaLnBrk="1" fontAlgn="auto" latinLnBrk="0" hangingPunct="1">
+              <a:lnSpc>
+                <a:spcPct val="100000"/>
+              </a:lnSpc>
+              <a:spcBef>
+                <a:spcPts val="0"/>
+              </a:spcBef>
+              <a:spcAft>
+                <a:spcPts val="0"/>
+              </a:spcAft>
+              <a:buClrTx/>
+              <a:buSzTx/>
+              <a:buFont typeface="Arial" panose="020B0604020202020204" pitchFamily="34" charset="0"/>
+              <a:buChar char="•"/>
+              <a:tabLst/>
+              <a:defRPr/>
+            </a:pPr>
+            <a:r>
+              <a:rPr kumimoji="0" lang="en-US" sz="1600" b="0" i="0" u="none" strike="noStrike" kern="1200" cap="none" spc="0" normalizeH="0" baseline="0" noProof="0" dirty="0">
+                <a:ln>
+                  <a:noFill/>
+                </a:ln>
+                <a:solidFill>
+                  <a:srgbClr val="24292E"/>
+                </a:solidFill>
+                <a:effectLst/>
+                <a:uLnTx/>
+                <a:uFillTx/>
+                <a:latin typeface="-apple-system"/>
+                <a:ea typeface="+mn-ea"/>
+                <a:cs typeface="+mn-cs"/>
+              </a:rPr>
+              <a:t>NASA API				</a:t>
+            </a:r>
+            <a:r>
+              <a:rPr kumimoji="0" lang="en-US" sz="1600" b="0" i="0" u="none" strike="noStrike" kern="1200" cap="none" spc="0" normalizeH="0" baseline="0" noProof="0" dirty="0">
+                <a:ln>
+                  <a:noFill/>
+                </a:ln>
+                <a:solidFill>
+                  <a:srgbClr val="24292E"/>
+                </a:solidFill>
+                <a:effectLst/>
+                <a:uLnTx/>
+                <a:uFillTx/>
+                <a:latin typeface="-apple-system"/>
+                <a:ea typeface="+mn-ea"/>
+                <a:cs typeface="+mn-cs"/>
+                <a:hlinkClick r:id="rId5"/>
+              </a:rPr>
+              <a:t>Link</a:t>
+            </a:r>
+            <a:endParaRPr kumimoji="0" lang="en-US" sz="1600" b="0" i="0" u="none" strike="noStrike" kern="1200" cap="none" spc="0" normalizeH="0" baseline="0" noProof="0" dirty="0">
+              <a:ln>
+                <a:noFill/>
+              </a:ln>
+              <a:solidFill>
+                <a:srgbClr val="24292E"/>
+              </a:solidFill>
+              <a:effectLst/>
+              <a:uLnTx/>
+              <a:uFillTx/>
+              <a:latin typeface="-apple-system"/>
+              <a:ea typeface="+mn-ea"/>
+              <a:cs typeface="+mn-cs"/>
+            </a:endParaRPr>
+          </a:p>
+          <a:p>
+            <a:pPr marL="285750" marR="0" lvl="0" indent="-285750" algn="l" defTabSz="914400" rtl="0" eaLnBrk="1" fontAlgn="auto" latinLnBrk="0" hangingPunct="1">
+              <a:lnSpc>
+                <a:spcPct val="100000"/>
+              </a:lnSpc>
+              <a:spcBef>
+                <a:spcPts val="0"/>
+              </a:spcBef>
+              <a:spcAft>
+                <a:spcPts val="0"/>
+              </a:spcAft>
+              <a:buClrTx/>
+              <a:buSzTx/>
+              <a:buFont typeface="Arial" panose="020B0604020202020204" pitchFamily="34" charset="0"/>
+              <a:buChar char="•"/>
+              <a:tabLst/>
+              <a:defRPr/>
+            </a:pPr>
+            <a:r>
+              <a:rPr kumimoji="0" lang="en-US" sz="1600" b="0" i="0" u="none" strike="noStrike" kern="1200" cap="none" spc="0" normalizeH="0" baseline="0" noProof="0" dirty="0" err="1">
+                <a:ln>
+                  <a:noFill/>
+                </a:ln>
+                <a:solidFill>
+                  <a:srgbClr val="24292E"/>
+                </a:solidFill>
+                <a:effectLst/>
+                <a:uLnTx/>
+                <a:uFillTx/>
+                <a:latin typeface="-apple-system"/>
+                <a:ea typeface="+mn-ea"/>
+                <a:cs typeface="+mn-cs"/>
+              </a:rPr>
+              <a:t>Asterrank</a:t>
+            </a:r>
+            <a:r>
+              <a:rPr kumimoji="0" lang="en-US" sz="1600" b="0" i="0" u="none" strike="noStrike" kern="1200" cap="none" spc="0" normalizeH="0" baseline="0" noProof="0" dirty="0">
+                <a:ln>
+                  <a:noFill/>
+                </a:ln>
+                <a:solidFill>
+                  <a:srgbClr val="24292E"/>
+                </a:solidFill>
+                <a:effectLst/>
+                <a:uLnTx/>
+                <a:uFillTx/>
+                <a:latin typeface="-apple-system"/>
+                <a:ea typeface="+mn-ea"/>
+                <a:cs typeface="+mn-cs"/>
+              </a:rPr>
+              <a:t>				</a:t>
+            </a:r>
+            <a:r>
+              <a:rPr kumimoji="0" lang="en-US" sz="1600" b="0" i="0" u="none" strike="noStrike" kern="1200" cap="none" spc="0" normalizeH="0" baseline="0" noProof="0" dirty="0">
+                <a:ln>
+                  <a:noFill/>
+                </a:ln>
+                <a:solidFill>
+                  <a:srgbClr val="24292E"/>
+                </a:solidFill>
+                <a:effectLst/>
+                <a:uLnTx/>
+                <a:uFillTx/>
+                <a:latin typeface="-apple-system"/>
+                <a:ea typeface="+mn-ea"/>
+                <a:cs typeface="+mn-cs"/>
+                <a:hlinkClick r:id="rId6"/>
+              </a:rPr>
+              <a:t>Link</a:t>
+            </a:r>
+            <a:endParaRPr kumimoji="0" lang="en-US" sz="1600" b="0" i="0" u="none" strike="noStrike" kern="1200" cap="none" spc="0" normalizeH="0" baseline="0" noProof="0" dirty="0">
+              <a:ln>
+                <a:noFill/>
+              </a:ln>
+              <a:solidFill>
+                <a:srgbClr val="24292E"/>
+              </a:solidFill>
+              <a:effectLst/>
+              <a:uLnTx/>
+              <a:uFillTx/>
+              <a:latin typeface="-apple-system"/>
+              <a:ea typeface="+mn-ea"/>
+              <a:cs typeface="+mn-cs"/>
+            </a:endParaRPr>
+          </a:p>
+          <a:p>
+            <a:pPr marL="0" marR="0" lvl="0" indent="0" algn="l" defTabSz="914400" rtl="0" eaLnBrk="1" fontAlgn="auto" latinLnBrk="0" hangingPunct="1">
+              <a:lnSpc>
+                <a:spcPct val="100000"/>
+              </a:lnSpc>
+              <a:spcBef>
+                <a:spcPts val="0"/>
+              </a:spcBef>
+              <a:spcAft>
+                <a:spcPts val="0"/>
+              </a:spcAft>
+              <a:buClrTx/>
+              <a:buSzTx/>
+              <a:buFontTx/>
+              <a:buNone/>
+              <a:tabLst/>
+              <a:defRPr/>
+            </a:pPr>
+            <a:endParaRPr kumimoji="0" lang="en-US" sz="1600" b="0" i="0" u="none" strike="noStrike" kern="1200" cap="none" spc="0" normalizeH="0" baseline="0" noProof="0" dirty="0">
+              <a:ln>
+                <a:noFill/>
+              </a:ln>
+              <a:solidFill>
+                <a:srgbClr val="24292E"/>
+              </a:solidFill>
+              <a:effectLst/>
+              <a:uLnTx/>
+              <a:uFillTx/>
+              <a:latin typeface="-apple-system"/>
+              <a:ea typeface="+mn-ea"/>
+              <a:cs typeface="+mn-cs"/>
+            </a:endParaRPr>
+          </a:p>
+          <a:p>
+            <a:pPr marL="0" marR="0" lvl="0" indent="0" algn="l" defTabSz="914400" rtl="0" eaLnBrk="1" fontAlgn="auto" latinLnBrk="0" hangingPunct="1">
+              <a:lnSpc>
+                <a:spcPct val="100000"/>
+              </a:lnSpc>
+              <a:spcBef>
+                <a:spcPts val="0"/>
+              </a:spcBef>
+              <a:spcAft>
+                <a:spcPts val="0"/>
+              </a:spcAft>
+              <a:buClrTx/>
+              <a:buSzTx/>
+              <a:buFontTx/>
+              <a:buNone/>
+              <a:tabLst/>
+              <a:defRPr/>
+            </a:pPr>
+            <a:r>
+              <a:rPr kumimoji="0" lang="en-US" sz="1600" b="1" i="0" u="none" strike="noStrike" kern="1200" cap="none" spc="0" normalizeH="0" baseline="0" noProof="0" dirty="0">
+                <a:ln>
+                  <a:noFill/>
+                </a:ln>
+                <a:solidFill>
+                  <a:srgbClr val="24292E"/>
+                </a:solidFill>
+                <a:effectLst/>
+                <a:uLnTx/>
+                <a:uFillTx/>
+                <a:latin typeface="-apple-system"/>
+                <a:ea typeface="+mn-ea"/>
+                <a:cs typeface="+mn-cs"/>
+              </a:rPr>
+              <a:t>Do rare earth elements exist in significant quantities on asteroids near earth?     </a:t>
+            </a:r>
+            <a:endParaRPr kumimoji="0" lang="en-US" sz="1600" b="1" i="0" u="none" strike="noStrike" kern="1200" cap="none" spc="0" normalizeH="0" baseline="0" noProof="0" dirty="0">
+              <a:ln>
+                <a:noFill/>
+              </a:ln>
+              <a:solidFill>
+                <a:prstClr val="black"/>
+              </a:solidFill>
+              <a:effectLst/>
+              <a:uLnTx/>
+              <a:uFillTx/>
+              <a:latin typeface="Calibri" panose="020F0502020204030204"/>
+              <a:ea typeface="+mn-ea"/>
+              <a:cs typeface="+mn-cs"/>
+            </a:endParaRPr>
+          </a:p>
+          <a:p>
+            <a:pPr marL="285750" marR="0" lvl="0" indent="-285750" algn="l" defTabSz="914400" rtl="0" eaLnBrk="1" fontAlgn="auto" latinLnBrk="0" hangingPunct="1">
+              <a:lnSpc>
+                <a:spcPct val="100000"/>
+              </a:lnSpc>
+              <a:spcBef>
+                <a:spcPts val="0"/>
+              </a:spcBef>
+              <a:spcAft>
+                <a:spcPts val="0"/>
+              </a:spcAft>
+              <a:buClrTx/>
+              <a:buSzTx/>
+              <a:buFont typeface="Arial" panose="020B0604020202020204" pitchFamily="34" charset="0"/>
+              <a:buChar char="•"/>
+              <a:tabLst/>
+              <a:defRPr/>
+            </a:pPr>
+            <a:r>
+              <a:rPr kumimoji="0" lang="en-US" sz="1600" b="0" i="0" u="none" strike="noStrike" kern="1200" cap="none" spc="0" normalizeH="0" baseline="0" noProof="0" dirty="0" err="1">
+                <a:ln>
+                  <a:noFill/>
+                </a:ln>
+                <a:solidFill>
+                  <a:prstClr val="black"/>
+                </a:solidFill>
+                <a:effectLst/>
+                <a:uLnTx/>
+                <a:uFillTx/>
+                <a:latin typeface="Calibri" panose="020F0502020204030204"/>
+                <a:ea typeface="+mn-ea"/>
+                <a:cs typeface="+mn-cs"/>
+              </a:rPr>
+              <a:t>Jupyter</a:t>
+            </a:r>
+            <a:r>
+              <a:rPr kumimoji="0" lang="en-US" sz="1600" b="0" i="0" u="none" strike="noStrike" kern="1200" cap="none" spc="0" normalizeH="0" baseline="0" noProof="0" dirty="0">
+                <a:ln>
+                  <a:noFill/>
+                </a:ln>
+                <a:solidFill>
+                  <a:prstClr val="black"/>
+                </a:solidFill>
+                <a:effectLst/>
+                <a:uLnTx/>
+                <a:uFillTx/>
+                <a:latin typeface="Calibri" panose="020F0502020204030204"/>
+                <a:ea typeface="+mn-ea"/>
+                <a:cs typeface="+mn-cs"/>
+              </a:rPr>
+              <a:t> lab Notebook 			</a:t>
+            </a:r>
+            <a:r>
+              <a:rPr kumimoji="0" lang="en-US" sz="1600" b="0" i="0" u="sng" strike="noStrike" kern="1200" cap="none" spc="0" normalizeH="0" baseline="0" noProof="0" dirty="0">
+                <a:ln>
+                  <a:noFill/>
+                </a:ln>
+                <a:solidFill>
+                  <a:prstClr val="black"/>
+                </a:solidFill>
+                <a:effectLst/>
+                <a:uLnTx/>
+                <a:uFillTx/>
+                <a:latin typeface="-apple-system"/>
+                <a:ea typeface="+mn-ea"/>
+                <a:cs typeface="+mn-cs"/>
+                <a:hlinkClick r:id="rId7" tooltip="asteroid4.ipynb"/>
+              </a:rPr>
+              <a:t>asteroid4.ipynb</a:t>
+            </a:r>
+            <a:r>
+              <a:rPr kumimoji="0" lang="en-US" sz="1600" b="0" i="0" u="none" strike="noStrike" kern="1200" cap="none" spc="0" normalizeH="0" baseline="0" noProof="0" dirty="0">
+                <a:ln>
+                  <a:noFill/>
+                </a:ln>
+                <a:solidFill>
+                  <a:prstClr val="black"/>
+                </a:solidFill>
+                <a:effectLst/>
+                <a:uLnTx/>
+                <a:uFillTx/>
+                <a:latin typeface="Calibri" panose="020F0502020204030204"/>
+                <a:ea typeface="+mn-ea"/>
+                <a:cs typeface="+mn-cs"/>
+              </a:rPr>
+              <a:t>	</a:t>
+            </a:r>
+          </a:p>
+          <a:p>
+            <a:pPr marL="285750" marR="0" lvl="0" indent="-285750" algn="l" defTabSz="914400" rtl="0" eaLnBrk="1" fontAlgn="auto" latinLnBrk="0" hangingPunct="1">
+              <a:lnSpc>
+                <a:spcPct val="100000"/>
+              </a:lnSpc>
+              <a:spcBef>
+                <a:spcPts val="0"/>
+              </a:spcBef>
+              <a:spcAft>
+                <a:spcPts val="0"/>
+              </a:spcAft>
+              <a:buClrTx/>
+              <a:buSzTx/>
+              <a:buFont typeface="Arial" panose="020B0604020202020204" pitchFamily="34" charset="0"/>
+              <a:buChar char="•"/>
+              <a:tabLst/>
+              <a:defRPr/>
+            </a:pPr>
+            <a:r>
+              <a:rPr kumimoji="0" lang="en-US" sz="1600" b="0" i="0" u="none" strike="noStrike" kern="1200" cap="none" spc="0" normalizeH="0" baseline="0" noProof="0" dirty="0">
+                <a:ln>
+                  <a:noFill/>
+                </a:ln>
+                <a:solidFill>
+                  <a:prstClr val="black"/>
+                </a:solidFill>
+                <a:effectLst/>
+                <a:uLnTx/>
+                <a:uFillTx/>
+                <a:latin typeface="Calibri" panose="020F0502020204030204"/>
+                <a:ea typeface="+mn-ea"/>
+                <a:cs typeface="+mn-cs"/>
+              </a:rPr>
+              <a:t>GitHub Parent folder Link 			</a:t>
+            </a:r>
+            <a:r>
+              <a:rPr kumimoji="0" lang="en-US" sz="1600" b="0" i="0" u="none" strike="noStrike" kern="1200" cap="none" spc="0" normalizeH="0" baseline="0" noProof="0" dirty="0">
+                <a:ln>
+                  <a:noFill/>
+                </a:ln>
+                <a:solidFill>
+                  <a:prstClr val="black"/>
+                </a:solidFill>
+                <a:effectLst/>
+                <a:uLnTx/>
+                <a:uFillTx/>
+                <a:latin typeface="Calibri" panose="020F0502020204030204"/>
+                <a:ea typeface="+mn-ea"/>
+                <a:cs typeface="+mn-cs"/>
+                <a:hlinkClick r:id="rId8"/>
+              </a:rPr>
+              <a:t>Link</a:t>
+            </a:r>
+            <a:endParaRPr kumimoji="0" lang="en-US" sz="1600" b="0" i="0" u="none" strike="noStrike" kern="1200" cap="none" spc="0" normalizeH="0" baseline="0" noProof="0" dirty="0">
+              <a:ln>
+                <a:noFill/>
+              </a:ln>
+              <a:solidFill>
+                <a:prstClr val="black"/>
+              </a:solidFill>
+              <a:effectLst/>
+              <a:uLnTx/>
+              <a:uFillTx/>
+              <a:latin typeface="-apple-system"/>
+              <a:ea typeface="+mn-ea"/>
+              <a:cs typeface="+mn-cs"/>
+            </a:endParaRPr>
+          </a:p>
+          <a:p>
+            <a:pPr marL="285750" marR="0" lvl="0" indent="-285750" algn="l" defTabSz="914400" rtl="0" eaLnBrk="1" fontAlgn="auto" latinLnBrk="0" hangingPunct="1">
+              <a:lnSpc>
+                <a:spcPct val="100000"/>
+              </a:lnSpc>
+              <a:spcBef>
+                <a:spcPts val="0"/>
+              </a:spcBef>
+              <a:spcAft>
+                <a:spcPts val="0"/>
+              </a:spcAft>
+              <a:buClrTx/>
+              <a:buSzTx/>
+              <a:buFont typeface="Arial" panose="020B0604020202020204" pitchFamily="34" charset="0"/>
+              <a:buChar char="•"/>
+              <a:tabLst/>
+              <a:defRPr/>
+            </a:pPr>
+            <a:r>
+              <a:rPr kumimoji="0" lang="en-US" sz="1600" b="0" i="0" u="none" strike="noStrike" kern="1200" cap="none" spc="0" normalizeH="0" baseline="0" noProof="0" dirty="0">
+                <a:ln>
+                  <a:noFill/>
+                </a:ln>
+                <a:solidFill>
+                  <a:prstClr val="black"/>
+                </a:solidFill>
+                <a:effectLst/>
+                <a:uLnTx/>
+                <a:uFillTx/>
+                <a:latin typeface="Calibri" panose="020F0502020204030204"/>
+                <a:ea typeface="+mn-ea"/>
+                <a:cs typeface="+mn-cs"/>
+              </a:rPr>
+              <a:t>Density of asteroids  			</a:t>
+            </a:r>
+            <a:r>
+              <a:rPr kumimoji="0" lang="en-US" sz="1600" b="0" i="0" u="none" strike="noStrike" kern="1200" cap="none" spc="0" normalizeH="0" baseline="0" noProof="0" dirty="0">
+                <a:ln>
+                  <a:noFill/>
+                </a:ln>
+                <a:solidFill>
+                  <a:srgbClr val="4073DD"/>
+                </a:solidFill>
+                <a:effectLst/>
+                <a:uLnTx/>
+                <a:uFillTx/>
+                <a:latin typeface="Calibri" panose="020F0502020204030204"/>
+                <a:ea typeface="+mn-ea"/>
+                <a:cs typeface="+mn-cs"/>
+                <a:hlinkClick r:id="rId9"/>
+              </a:rPr>
+              <a:t>10.1016/j.pss.2012.03.009</a:t>
+            </a:r>
+            <a:r>
+              <a:rPr kumimoji="0" lang="en-US" sz="1600" b="0" i="0" u="none" strike="noStrike" kern="1200" cap="none" spc="0" normalizeH="0" baseline="0" noProof="0" dirty="0">
+                <a:ln>
+                  <a:noFill/>
+                </a:ln>
+                <a:solidFill>
+                  <a:srgbClr val="5D5D5D"/>
+                </a:solidFill>
+                <a:effectLst/>
+                <a:uLnTx/>
+                <a:uFillTx/>
+                <a:latin typeface="Calibri" panose="020F0502020204030204"/>
+                <a:ea typeface="+mn-ea"/>
+                <a:cs typeface="+mn-cs"/>
+              </a:rPr>
+              <a:t> </a:t>
+            </a:r>
+          </a:p>
+          <a:p>
+            <a:pPr marL="285750" marR="0" lvl="0" indent="-285750" algn="l" defTabSz="914400" rtl="0" eaLnBrk="1" fontAlgn="auto" latinLnBrk="0" hangingPunct="1">
+              <a:lnSpc>
+                <a:spcPct val="100000"/>
+              </a:lnSpc>
+              <a:spcBef>
+                <a:spcPts val="0"/>
+              </a:spcBef>
+              <a:spcAft>
+                <a:spcPts val="0"/>
+              </a:spcAft>
+              <a:buClrTx/>
+              <a:buSzTx/>
+              <a:buFont typeface="Arial" panose="020B0604020202020204" pitchFamily="34" charset="0"/>
+              <a:buChar char="•"/>
+              <a:tabLst/>
+              <a:defRPr/>
+            </a:pPr>
+            <a:r>
+              <a:rPr kumimoji="0" lang="en-US" sz="1600" b="0" i="0" u="none" strike="noStrike" kern="1200" cap="none" spc="0" normalizeH="0" baseline="0" noProof="0" dirty="0">
+                <a:ln>
+                  <a:noFill/>
+                </a:ln>
+                <a:solidFill>
+                  <a:prstClr val="black"/>
+                </a:solidFill>
+                <a:effectLst/>
+                <a:uLnTx/>
+                <a:uFillTx/>
+                <a:latin typeface="Calibri" panose="020F0502020204030204"/>
+                <a:ea typeface="+mn-ea"/>
+                <a:cs typeface="+mn-cs"/>
+              </a:rPr>
+              <a:t>Review					</a:t>
+            </a:r>
+            <a:r>
+              <a:rPr kumimoji="0" lang="en-US" sz="1600" b="0" i="0" u="none" strike="noStrike" kern="1200" cap="none" spc="0" normalizeH="0" baseline="0" noProof="0" dirty="0">
+                <a:ln>
+                  <a:noFill/>
+                </a:ln>
+                <a:solidFill>
+                  <a:prstClr val="black"/>
+                </a:solidFill>
+                <a:effectLst/>
+                <a:uLnTx/>
+                <a:uFillTx/>
+                <a:latin typeface="Calibri" panose="020F0502020204030204"/>
+                <a:ea typeface="+mn-ea"/>
+                <a:cs typeface="+mn-cs"/>
+                <a:hlinkClick r:id="rId10"/>
+              </a:rPr>
+              <a:t>Review</a:t>
+            </a:r>
+            <a:endParaRPr kumimoji="0" lang="en-US" sz="1600" b="0" i="0" u="none" strike="noStrike" kern="1200" cap="none" spc="0" normalizeH="0" baseline="0" noProof="0" dirty="0">
+              <a:ln>
+                <a:noFill/>
+              </a:ln>
+              <a:solidFill>
+                <a:srgbClr val="5D5D5D"/>
+              </a:solidFill>
+              <a:effectLst/>
+              <a:uLnTx/>
+              <a:uFillTx/>
+              <a:latin typeface="Calibri" panose="020F0502020204030204"/>
+              <a:ea typeface="+mn-ea"/>
+              <a:cs typeface="+mn-cs"/>
+            </a:endParaRPr>
+          </a:p>
+          <a:p>
+            <a:pPr marL="0" marR="0" lvl="0" indent="0" algn="l" defTabSz="914400" rtl="0" eaLnBrk="1" fontAlgn="auto" latinLnBrk="0" hangingPunct="1">
+              <a:lnSpc>
+                <a:spcPct val="100000"/>
+              </a:lnSpc>
+              <a:spcBef>
+                <a:spcPts val="0"/>
+              </a:spcBef>
+              <a:spcAft>
+                <a:spcPts val="0"/>
+              </a:spcAft>
+              <a:buClrTx/>
+              <a:buSzTx/>
+              <a:buFontTx/>
+              <a:buNone/>
+              <a:tabLst/>
+              <a:defRPr/>
+            </a:pPr>
+            <a:r>
+              <a:rPr kumimoji="0" lang="en-US" sz="1600" b="0" i="0" u="none" strike="noStrike" kern="1200" cap="none" spc="0" normalizeH="0" baseline="0" noProof="0" dirty="0">
+                <a:ln>
+                  <a:noFill/>
+                </a:ln>
+                <a:solidFill>
+                  <a:prstClr val="black"/>
+                </a:solidFill>
+                <a:effectLst/>
+                <a:uLnTx/>
+                <a:uFillTx/>
+                <a:latin typeface="Calibri" panose="020F0502020204030204"/>
+                <a:ea typeface="+mn-ea"/>
+                <a:cs typeface="+mn-cs"/>
+              </a:rPr>
+              <a:t>	</a:t>
+            </a:r>
+          </a:p>
+          <a:p>
+            <a:pPr marL="0" marR="0" lvl="0" indent="0" algn="l" defTabSz="914400" rtl="0" eaLnBrk="1" fontAlgn="auto" latinLnBrk="0" hangingPunct="1">
+              <a:lnSpc>
+                <a:spcPct val="100000"/>
+              </a:lnSpc>
+              <a:spcBef>
+                <a:spcPts val="0"/>
+              </a:spcBef>
+              <a:spcAft>
+                <a:spcPts val="0"/>
+              </a:spcAft>
+              <a:buClrTx/>
+              <a:buSzTx/>
+              <a:buFontTx/>
+              <a:buNone/>
+              <a:tabLst/>
+              <a:defRPr/>
+            </a:pPr>
+            <a:r>
+              <a:rPr kumimoji="0" lang="en-US" sz="1600" b="1" i="0" u="none" strike="noStrike" kern="1200" cap="none" spc="0" normalizeH="0" baseline="0" noProof="0" dirty="0">
+                <a:ln>
+                  <a:noFill/>
+                </a:ln>
+                <a:solidFill>
+                  <a:srgbClr val="24292E"/>
+                </a:solidFill>
+                <a:effectLst/>
+                <a:uLnTx/>
+                <a:uFillTx/>
+                <a:latin typeface="-apple-system"/>
+                <a:ea typeface="+mn-ea"/>
+                <a:cs typeface="+mn-cs"/>
+              </a:rPr>
+              <a:t>Are more asteroids posing an impact threat to Earth today than they did 15 years ago?</a:t>
+            </a:r>
+          </a:p>
+          <a:p>
+            <a:pPr marL="285750" marR="0" lvl="0" indent="-285750" algn="l" defTabSz="914400" rtl="0" eaLnBrk="1" fontAlgn="auto" latinLnBrk="0" hangingPunct="1">
+              <a:lnSpc>
+                <a:spcPct val="100000"/>
+              </a:lnSpc>
+              <a:spcBef>
+                <a:spcPts val="0"/>
+              </a:spcBef>
+              <a:spcAft>
+                <a:spcPts val="0"/>
+              </a:spcAft>
+              <a:buClrTx/>
+              <a:buSzTx/>
+              <a:buFont typeface="Arial" panose="020B0604020202020204" pitchFamily="34" charset="0"/>
+              <a:buChar char="•"/>
+              <a:tabLst/>
+              <a:defRPr/>
+            </a:pPr>
+            <a:r>
+              <a:rPr kumimoji="0" lang="en-US" sz="1600" b="0" i="0" u="none" strike="noStrike" kern="1200" cap="none" spc="0" normalizeH="0" baseline="0" noProof="0" dirty="0" err="1">
+                <a:ln>
+                  <a:noFill/>
+                </a:ln>
+                <a:solidFill>
+                  <a:prstClr val="black"/>
+                </a:solidFill>
+                <a:effectLst/>
+                <a:uLnTx/>
+                <a:uFillTx/>
+                <a:latin typeface="Calibri" panose="020F0502020204030204"/>
+                <a:ea typeface="+mn-ea"/>
+                <a:cs typeface="+mn-cs"/>
+              </a:rPr>
+              <a:t>Jupyter</a:t>
+            </a:r>
+            <a:r>
+              <a:rPr kumimoji="0" lang="en-US" sz="1600" b="0" i="0" u="none" strike="noStrike" kern="1200" cap="none" spc="0" normalizeH="0" baseline="0" noProof="0" dirty="0">
+                <a:ln>
+                  <a:noFill/>
+                </a:ln>
+                <a:solidFill>
+                  <a:prstClr val="black"/>
+                </a:solidFill>
+                <a:effectLst/>
+                <a:uLnTx/>
+                <a:uFillTx/>
+                <a:latin typeface="Calibri" panose="020F0502020204030204"/>
+                <a:ea typeface="+mn-ea"/>
+                <a:cs typeface="+mn-cs"/>
+              </a:rPr>
+              <a:t> lab Notebook			</a:t>
+            </a:r>
+            <a:r>
+              <a:rPr lang="en-US" sz="1600" b="0" i="0" u="sng" dirty="0">
+                <a:effectLst/>
+                <a:latin typeface="-apple-system"/>
+                <a:hlinkClick r:id="rId11" tooltip="neo_asteroids.ipynb"/>
+              </a:rPr>
+              <a:t>neo_asteroids.ipynb</a:t>
+            </a:r>
+            <a:endParaRPr kumimoji="0" lang="en-US" sz="1600" b="0" i="0" u="none" strike="noStrike" kern="1200" cap="none" spc="0" normalizeH="0" baseline="0" noProof="0" dirty="0">
+              <a:ln>
+                <a:noFill/>
+              </a:ln>
+              <a:solidFill>
+                <a:prstClr val="black"/>
+              </a:solidFill>
+              <a:effectLst/>
+              <a:uLnTx/>
+              <a:uFillTx/>
+              <a:latin typeface="Calibri" panose="020F0502020204030204"/>
+              <a:ea typeface="+mn-ea"/>
+              <a:cs typeface="+mn-cs"/>
+            </a:endParaRPr>
+          </a:p>
+          <a:p>
+            <a:pPr marL="285750" marR="0" lvl="0" indent="-285750" algn="l" defTabSz="914400" rtl="0" eaLnBrk="1" fontAlgn="auto" latinLnBrk="0" hangingPunct="1">
+              <a:lnSpc>
+                <a:spcPct val="100000"/>
+              </a:lnSpc>
+              <a:spcBef>
+                <a:spcPts val="0"/>
+              </a:spcBef>
+              <a:spcAft>
+                <a:spcPts val="0"/>
+              </a:spcAft>
+              <a:buClrTx/>
+              <a:buSzTx/>
+              <a:buFont typeface="Arial" panose="020B0604020202020204" pitchFamily="34" charset="0"/>
+              <a:buChar char="•"/>
+              <a:tabLst/>
+              <a:defRPr/>
+            </a:pPr>
+            <a:r>
+              <a:rPr kumimoji="0" lang="en-US" sz="1600" b="0" i="0" u="none" strike="noStrike" kern="1200" cap="none" spc="0" normalizeH="0" baseline="0" noProof="0" dirty="0">
+                <a:ln>
+                  <a:noFill/>
+                </a:ln>
+                <a:solidFill>
+                  <a:prstClr val="black"/>
+                </a:solidFill>
+                <a:effectLst/>
+                <a:uLnTx/>
+                <a:uFillTx/>
+                <a:latin typeface="Calibri" panose="020F0502020204030204"/>
+                <a:ea typeface="+mn-ea"/>
+                <a:cs typeface="+mn-cs"/>
+              </a:rPr>
+              <a:t>Parent Repository 				</a:t>
+            </a:r>
+            <a:r>
+              <a:rPr kumimoji="0" lang="en-US" sz="1600" b="0" i="0" u="none" strike="noStrike" kern="1200" cap="none" spc="0" normalizeH="0" baseline="0" noProof="0" dirty="0">
+                <a:ln>
+                  <a:noFill/>
+                </a:ln>
+                <a:solidFill>
+                  <a:prstClr val="black"/>
+                </a:solidFill>
+                <a:effectLst/>
+                <a:uLnTx/>
+                <a:uFillTx/>
+                <a:latin typeface="Calibri" panose="020F0502020204030204"/>
+                <a:ea typeface="+mn-ea"/>
+                <a:cs typeface="+mn-cs"/>
+                <a:hlinkClick r:id="rId4"/>
+              </a:rPr>
+              <a:t>Link</a:t>
+            </a:r>
+            <a:endParaRPr kumimoji="0" lang="en-US" sz="1600" b="0" i="0" u="none" strike="noStrike" kern="1200" cap="none" spc="0" normalizeH="0" baseline="0" noProof="0" dirty="0">
+              <a:ln>
+                <a:noFill/>
+              </a:ln>
+              <a:solidFill>
+                <a:srgbClr val="24292E"/>
+              </a:solidFill>
+              <a:effectLst/>
+              <a:uLnTx/>
+              <a:uFillTx/>
+              <a:latin typeface="-apple-system"/>
+              <a:ea typeface="+mn-ea"/>
+              <a:cs typeface="+mn-cs"/>
+            </a:endParaRPr>
+          </a:p>
+          <a:p>
+            <a:pPr marL="0" marR="0" lvl="0" indent="0" algn="l" defTabSz="914400" rtl="0" eaLnBrk="1" fontAlgn="auto" latinLnBrk="0" hangingPunct="1">
+              <a:lnSpc>
+                <a:spcPct val="100000"/>
+              </a:lnSpc>
+              <a:spcBef>
+                <a:spcPts val="0"/>
+              </a:spcBef>
+              <a:spcAft>
+                <a:spcPts val="0"/>
+              </a:spcAft>
+              <a:buClrTx/>
+              <a:buSzTx/>
+              <a:buFontTx/>
+              <a:buNone/>
+              <a:tabLst/>
+              <a:defRPr/>
+            </a:pPr>
+            <a:endParaRPr kumimoji="0" lang="en-US" sz="1600" b="1" i="0" u="none" strike="noStrike" kern="1200" cap="none" spc="0" normalizeH="0" baseline="0" noProof="0" dirty="0">
+              <a:ln>
+                <a:noFill/>
+              </a:ln>
+              <a:solidFill>
+                <a:srgbClr val="24292E"/>
+              </a:solidFill>
+              <a:effectLst/>
+              <a:uLnTx/>
+              <a:uFillTx/>
+              <a:latin typeface="-apple-system"/>
+              <a:ea typeface="+mn-ea"/>
+              <a:cs typeface="+mn-cs"/>
+            </a:endParaRPr>
+          </a:p>
+          <a:p>
+            <a:pPr marL="0" marR="0" lvl="0" indent="0" algn="l" defTabSz="914400" rtl="0" eaLnBrk="1" fontAlgn="auto" latinLnBrk="0" hangingPunct="1">
+              <a:lnSpc>
+                <a:spcPct val="100000"/>
+              </a:lnSpc>
+              <a:spcBef>
+                <a:spcPts val="0"/>
+              </a:spcBef>
+              <a:spcAft>
+                <a:spcPts val="0"/>
+              </a:spcAft>
+              <a:buClrTx/>
+              <a:buSzTx/>
+              <a:buFontTx/>
+              <a:buNone/>
+              <a:tabLst/>
+              <a:defRPr/>
+            </a:pPr>
+            <a:r>
+              <a:rPr kumimoji="0" lang="en-US" sz="1600" b="1" i="0" u="none" strike="noStrike" kern="1200" cap="none" spc="0" normalizeH="0" baseline="0" noProof="0" dirty="0">
+                <a:ln>
+                  <a:noFill/>
+                </a:ln>
+                <a:solidFill>
+                  <a:srgbClr val="24292E"/>
+                </a:solidFill>
+                <a:effectLst/>
+                <a:uLnTx/>
+                <a:uFillTx/>
+                <a:latin typeface="-apple-system"/>
+                <a:ea typeface="+mn-ea"/>
+                <a:cs typeface="+mn-cs"/>
+              </a:rPr>
+              <a:t>Are inner planets receiving more close approaches on average in the recent decade they did in the last 5 decades?</a:t>
+            </a:r>
+            <a:endParaRPr kumimoji="0" lang="en-US" sz="1600" b="0" i="0" u="none" strike="noStrike" kern="1200" cap="none" spc="0" normalizeH="0" baseline="0" noProof="0" dirty="0">
+              <a:ln>
+                <a:noFill/>
+              </a:ln>
+              <a:solidFill>
+                <a:srgbClr val="24292E"/>
+              </a:solidFill>
+              <a:effectLst/>
+              <a:uLnTx/>
+              <a:uFillTx/>
+              <a:latin typeface="-apple-system"/>
+              <a:ea typeface="+mn-ea"/>
+              <a:cs typeface="+mn-cs"/>
+            </a:endParaRPr>
+          </a:p>
+          <a:p>
+            <a:pPr marL="285750" marR="0" lvl="0" indent="-285750" algn="l" defTabSz="914400" rtl="0" eaLnBrk="1" fontAlgn="auto" latinLnBrk="0" hangingPunct="1">
+              <a:lnSpc>
+                <a:spcPct val="100000"/>
+              </a:lnSpc>
+              <a:spcBef>
+                <a:spcPts val="0"/>
+              </a:spcBef>
+              <a:spcAft>
+                <a:spcPts val="0"/>
+              </a:spcAft>
+              <a:buClrTx/>
+              <a:buSzTx/>
+              <a:buFont typeface="Arial" panose="020B0604020202020204" pitchFamily="34" charset="0"/>
+              <a:buChar char="•"/>
+              <a:tabLst/>
+              <a:defRPr/>
+            </a:pPr>
+            <a:r>
+              <a:rPr kumimoji="0" lang="en-US" sz="1600" b="0" i="0" u="none" strike="noStrike" kern="1200" cap="none" spc="0" normalizeH="0" baseline="0" noProof="0" dirty="0" err="1">
+                <a:ln>
+                  <a:noFill/>
+                </a:ln>
+                <a:solidFill>
+                  <a:prstClr val="black"/>
+                </a:solidFill>
+                <a:effectLst/>
+                <a:uLnTx/>
+                <a:uFillTx/>
+                <a:latin typeface="Calibri" panose="020F0502020204030204"/>
+                <a:ea typeface="+mn-ea"/>
+                <a:cs typeface="+mn-cs"/>
+              </a:rPr>
+              <a:t>Jupyter</a:t>
+            </a:r>
+            <a:r>
+              <a:rPr kumimoji="0" lang="en-US" sz="1600" b="0" i="0" u="none" strike="noStrike" kern="1200" cap="none" spc="0" normalizeH="0" baseline="0" noProof="0" dirty="0">
+                <a:ln>
+                  <a:noFill/>
+                </a:ln>
+                <a:solidFill>
+                  <a:prstClr val="black"/>
+                </a:solidFill>
+                <a:effectLst/>
+                <a:uLnTx/>
+                <a:uFillTx/>
+                <a:latin typeface="Calibri" panose="020F0502020204030204"/>
+                <a:ea typeface="+mn-ea"/>
+                <a:cs typeface="+mn-cs"/>
+              </a:rPr>
+              <a:t> lab Notebook 			</a:t>
+            </a:r>
+            <a:r>
+              <a:rPr kumimoji="0" lang="en-US" sz="1600" b="0" i="0" u="sng" strike="noStrike" kern="1200" cap="none" spc="0" normalizeH="0" baseline="0" noProof="0" dirty="0">
+                <a:ln>
+                  <a:noFill/>
+                </a:ln>
+                <a:solidFill>
+                  <a:prstClr val="black"/>
+                </a:solidFill>
+                <a:effectLst/>
+                <a:uLnTx/>
+                <a:uFillTx/>
+                <a:latin typeface="-apple-system"/>
+                <a:ea typeface="+mn-ea"/>
+                <a:cs typeface="+mn-cs"/>
+                <a:hlinkClick r:id="rId12" tooltip="GraphInfoBS25Oct2020.ipynb"/>
+              </a:rPr>
+              <a:t>GraphInfoBS25Oct2020.ipynb</a:t>
+            </a:r>
+            <a:endParaRPr kumimoji="0" lang="en-US" sz="1600" b="0" i="0" u="none" strike="noStrike" kern="1200" cap="none" spc="0" normalizeH="0" baseline="0" noProof="0" dirty="0">
+              <a:ln>
+                <a:noFill/>
+              </a:ln>
+              <a:solidFill>
+                <a:srgbClr val="24292E"/>
+              </a:solidFill>
+              <a:effectLst/>
+              <a:uLnTx/>
+              <a:uFillTx/>
+              <a:latin typeface="-apple-system"/>
+              <a:ea typeface="+mn-ea"/>
+              <a:cs typeface="+mn-cs"/>
+            </a:endParaRPr>
+          </a:p>
+          <a:p>
+            <a:pPr marL="285750" marR="0" lvl="0" indent="-285750" algn="l" defTabSz="914400" rtl="0" eaLnBrk="1" fontAlgn="auto" latinLnBrk="0" hangingPunct="1">
+              <a:lnSpc>
+                <a:spcPct val="100000"/>
+              </a:lnSpc>
+              <a:spcBef>
+                <a:spcPts val="0"/>
+              </a:spcBef>
+              <a:spcAft>
+                <a:spcPts val="0"/>
+              </a:spcAft>
+              <a:buClrTx/>
+              <a:buSzTx/>
+              <a:buFont typeface="Arial" panose="020B0604020202020204" pitchFamily="34" charset="0"/>
+              <a:buChar char="•"/>
+              <a:tabLst/>
+              <a:defRPr/>
+            </a:pPr>
+            <a:r>
+              <a:rPr kumimoji="0" lang="en-US" sz="1600" b="0" i="0" u="none" strike="noStrike" kern="1200" cap="none" spc="0" normalizeH="0" baseline="0" noProof="0" dirty="0">
+                <a:ln>
+                  <a:noFill/>
+                </a:ln>
+                <a:solidFill>
+                  <a:srgbClr val="24292E"/>
+                </a:solidFill>
+                <a:effectLst/>
+                <a:uLnTx/>
+                <a:uFillTx/>
+                <a:latin typeface="-apple-system"/>
+                <a:ea typeface="+mn-ea"/>
+                <a:cs typeface="+mn-cs"/>
+              </a:rPr>
+              <a:t>GitHub  Parent Folder link			</a:t>
+            </a:r>
+            <a:r>
+              <a:rPr kumimoji="0" lang="en-US" sz="1600" b="0" i="0" u="sng" strike="noStrike" kern="1200" cap="none" spc="0" normalizeH="0" baseline="0" noProof="0" dirty="0">
+                <a:ln>
+                  <a:noFill/>
+                </a:ln>
+                <a:solidFill>
+                  <a:srgbClr val="24292E"/>
+                </a:solidFill>
+                <a:effectLst/>
+                <a:uLnTx/>
+                <a:uFillTx/>
+                <a:latin typeface="-apple-system"/>
+                <a:ea typeface="+mn-ea"/>
+                <a:cs typeface="+mn-cs"/>
+                <a:hlinkClick r:id="rId13" tooltip="AsteroidsAmongstPlanets25Oct2020BS"/>
+              </a:rPr>
+              <a:t>AsteroidsAmongstPlanets25Oct2020BS</a:t>
+            </a:r>
+            <a:endParaRPr kumimoji="0" lang="en-US" sz="1600" b="0" i="0" u="none" strike="noStrike" kern="1200" cap="none" spc="0" normalizeH="0" baseline="0" noProof="0" dirty="0">
+              <a:ln>
+                <a:noFill/>
+              </a:ln>
+              <a:solidFill>
+                <a:srgbClr val="24292E"/>
+              </a:solidFill>
+              <a:effectLst/>
+              <a:uLnTx/>
+              <a:uFillTx/>
+              <a:latin typeface="-apple-system"/>
+              <a:ea typeface="+mn-ea"/>
+              <a:cs typeface="+mn-cs"/>
+            </a:endParaRPr>
+          </a:p>
+          <a:p>
+            <a:pPr marL="0" marR="0" lvl="0" indent="0" algn="l" defTabSz="914400" rtl="0" eaLnBrk="1" fontAlgn="auto" latinLnBrk="0" hangingPunct="1">
+              <a:lnSpc>
+                <a:spcPct val="100000"/>
+              </a:lnSpc>
+              <a:spcBef>
+                <a:spcPts val="0"/>
+              </a:spcBef>
+              <a:spcAft>
+                <a:spcPts val="0"/>
+              </a:spcAft>
+              <a:buClrTx/>
+              <a:buSzTx/>
+              <a:buFontTx/>
+              <a:buNone/>
+              <a:tabLst/>
+              <a:defRPr/>
+            </a:pPr>
+            <a:br>
+              <a:rPr kumimoji="0" lang="en-US" sz="1800" b="0" i="0" u="none" strike="noStrike" kern="1200" cap="none" spc="0" normalizeH="0" baseline="0" noProof="0" dirty="0">
+                <a:ln>
+                  <a:noFill/>
+                </a:ln>
+                <a:solidFill>
+                  <a:prstClr val="black"/>
+                </a:solidFill>
+                <a:effectLst/>
+                <a:uLnTx/>
+                <a:uFillTx/>
+                <a:latin typeface="Calibri" panose="020F0502020204030204"/>
+                <a:ea typeface="+mn-ea"/>
+                <a:cs typeface="+mn-cs"/>
+              </a:rPr>
+            </a:br>
+            <a:endParaRPr kumimoji="0" lang="en-US" sz="1800" b="0" i="0" u="none" strike="noStrike" kern="1200" cap="none" spc="0" normalizeH="0" baseline="0" noProof="0" dirty="0">
+              <a:ln>
+                <a:noFill/>
+              </a:ln>
+              <a:solidFill>
+                <a:srgbClr val="24292E"/>
+              </a:solidFill>
+              <a:effectLst/>
+              <a:uLnTx/>
+              <a:uFillTx/>
+              <a:latin typeface="-apple-system"/>
+              <a:ea typeface="+mn-ea"/>
+              <a:cs typeface="+mn-cs"/>
+            </a:endParaRPr>
+          </a:p>
+        </p:txBody>
+      </p:sp>
+    </p:spTree>
+    <p:extLst>
+      <p:ext uri="{BB962C8B-B14F-4D97-AF65-F5344CB8AC3E}">
+        <p14:creationId xmlns:p14="http://schemas.microsoft.com/office/powerpoint/2010/main" val="2330389577"/>
+      </p:ext>
+    </p:extLst>
+  </p:cSld>
+  <p:clrMapOvr>
+    <a:masterClrMapping/>
+  </p:clrMapOvr>
+</p:sld>
+</file>
+
 <file path=ppt/slides/slide3.xml><?xml version="1.0" encoding="utf-8"?>
 <p:sld xmlns:a="http://schemas.openxmlformats.org/drawingml/2006/main" xmlns:r="http://schemas.openxmlformats.org/officeDocument/2006/relationships" xmlns:p="http://schemas.openxmlformats.org/presentationml/2006/main">
   <p:cSld>
@@ -6310,340 +8108,44 @@
       </p:grpSpPr>
       <p:sp>
         <p:nvSpPr>
-          <p:cNvPr id="7" name="TextBox 6">
-            <a:extLst>
-              <a:ext uri="{FF2B5EF4-FFF2-40B4-BE49-F238E27FC236}">
-                <a16:creationId xmlns:a16="http://schemas.microsoft.com/office/drawing/2014/main" id="{80BDE28C-38A3-4CF2-8A78-223AC021826F}"/>
-              </a:ext>
-            </a:extLst>
-          </p:cNvPr>
-          <p:cNvSpPr txBox="1"/>
-          <p:nvPr/>
-        </p:nvSpPr>
-        <p:spPr>
-          <a:xfrm>
-            <a:off x="1381124" y="2496081"/>
-            <a:ext cx="8355371" cy="3416320"/>
-          </a:xfrm>
-          <a:prstGeom prst="rect">
-            <a:avLst/>
-          </a:prstGeom>
-          <a:noFill/>
-        </p:spPr>
-        <p:txBody>
-          <a:bodyPr wrap="square">
-            <a:spAutoFit/>
+          <p:cNvPr id="2" name="Title 1">
+            <a:extLst>
+              <a:ext uri="{FF2B5EF4-FFF2-40B4-BE49-F238E27FC236}">
+                <a16:creationId xmlns:a16="http://schemas.microsoft.com/office/drawing/2014/main" id="{573D67AD-7A43-4613-BB13-2BD8681EB502}"/>
+              </a:ext>
+            </a:extLst>
+          </p:cNvPr>
+          <p:cNvSpPr>
+            <a:spLocks noGrp="1"/>
+          </p:cNvSpPr>
+          <p:nvPr>
+            <p:ph type="title"/>
+          </p:nvPr>
+        </p:nvSpPr>
+        <p:spPr>
+          <a:xfrm>
+            <a:off x="1940010" y="2374932"/>
+            <a:ext cx="8155460" cy="924322"/>
+          </a:xfrm>
+        </p:spPr>
+        <p:txBody>
+          <a:bodyPr>
+            <a:normAutofit/>
           </a:bodyPr>
           <a:lstStyle/>
           <a:p>
-            <a:pPr marL="0" marR="0">
-              <a:spcBef>
-                <a:spcPts val="0"/>
-              </a:spcBef>
-              <a:spcAft>
-                <a:spcPts val="0"/>
-              </a:spcAft>
-            </a:pPr>
-            <a:r>
-              <a:rPr lang="en-US" sz="2400" b="1" u="sng" dirty="0">
-                <a:effectLst/>
-                <a:latin typeface="Calibri" panose="020F0502020204030204" pitchFamily="34" charset="0"/>
-                <a:ea typeface="Calibri" panose="020F0502020204030204" pitchFamily="34" charset="0"/>
-                <a:cs typeface="Times New Roman" panose="02020603050405020304" pitchFamily="18" charset="0"/>
-              </a:rPr>
-              <a:t>Null hypothesis  (H</a:t>
-            </a:r>
-            <a:r>
-              <a:rPr lang="en-US" sz="2400" b="1" u="sng" baseline="-25000" dirty="0">
-                <a:effectLst/>
-                <a:latin typeface="Calibri" panose="020F0502020204030204" pitchFamily="34" charset="0"/>
-                <a:ea typeface="Calibri" panose="020F0502020204030204" pitchFamily="34" charset="0"/>
-                <a:cs typeface="Times New Roman" panose="02020603050405020304" pitchFamily="18" charset="0"/>
-              </a:rPr>
-              <a:t>o</a:t>
-            </a:r>
-            <a:r>
-              <a:rPr lang="en-US" sz="2400" b="1" u="sng" dirty="0">
-                <a:effectLst/>
-                <a:latin typeface="Calibri" panose="020F0502020204030204" pitchFamily="34" charset="0"/>
-                <a:ea typeface="Calibri" panose="020F0502020204030204" pitchFamily="34" charset="0"/>
-                <a:cs typeface="Times New Roman" panose="02020603050405020304" pitchFamily="18" charset="0"/>
-              </a:rPr>
-              <a:t>)</a:t>
-            </a:r>
-            <a:endParaRPr lang="en-US" sz="2400" dirty="0">
-              <a:effectLst/>
-              <a:latin typeface="Calibri" panose="020F0502020204030204" pitchFamily="34" charset="0"/>
-              <a:ea typeface="Calibri" panose="020F0502020204030204" pitchFamily="34" charset="0"/>
-              <a:cs typeface="Times New Roman" panose="02020603050405020304" pitchFamily="18" charset="0"/>
-            </a:endParaRPr>
-          </a:p>
-          <a:p>
-            <a:pPr marL="0" marR="0">
-              <a:spcBef>
-                <a:spcPts val="0"/>
-              </a:spcBef>
-              <a:spcAft>
-                <a:spcPts val="0"/>
-              </a:spcAft>
-            </a:pPr>
-            <a:r>
-              <a:rPr lang="en-US" sz="2400" dirty="0">
-                <a:effectLst/>
-                <a:latin typeface="Calibri" panose="020F0502020204030204" pitchFamily="34" charset="0"/>
-                <a:ea typeface="Calibri" panose="020F0502020204030204" pitchFamily="34" charset="0"/>
-                <a:cs typeface="Times New Roman" panose="02020603050405020304" pitchFamily="18" charset="0"/>
-              </a:rPr>
-              <a:t>If an asteroid with rare earth elements are close to earth, then a measurable amount of rare earth elements will not be detected more or less observed.</a:t>
-            </a:r>
-          </a:p>
-          <a:p>
-            <a:pPr marL="0" marR="0">
-              <a:spcBef>
-                <a:spcPts val="0"/>
-              </a:spcBef>
-              <a:spcAft>
-                <a:spcPts val="0"/>
-              </a:spcAft>
-            </a:pPr>
-            <a:r>
-              <a:rPr lang="en-US" sz="2400" dirty="0">
-                <a:effectLst/>
-                <a:latin typeface="Calibri" panose="020F0502020204030204" pitchFamily="34" charset="0"/>
-                <a:ea typeface="Calibri" panose="020F0502020204030204" pitchFamily="34" charset="0"/>
-                <a:cs typeface="Times New Roman" panose="02020603050405020304" pitchFamily="18" charset="0"/>
-              </a:rPr>
-              <a:t> </a:t>
-            </a:r>
-          </a:p>
-          <a:p>
-            <a:pPr marL="0" marR="0">
-              <a:spcBef>
-                <a:spcPts val="0"/>
-              </a:spcBef>
-              <a:spcAft>
-                <a:spcPts val="0"/>
-              </a:spcAft>
-            </a:pPr>
-            <a:r>
-              <a:rPr lang="en-US" sz="2400" b="1" dirty="0">
-                <a:effectLst/>
-                <a:latin typeface="Calibri" panose="020F0502020204030204" pitchFamily="34" charset="0"/>
-                <a:ea typeface="Calibri" panose="020F0502020204030204" pitchFamily="34" charset="0"/>
-                <a:cs typeface="Times New Roman" panose="02020603050405020304" pitchFamily="18" charset="0"/>
-              </a:rPr>
-              <a:t>Alternative Hypothesis (H</a:t>
-            </a:r>
-            <a:r>
-              <a:rPr lang="en-US" sz="2400" b="1" baseline="-25000" dirty="0">
-                <a:effectLst/>
-                <a:latin typeface="Calibri" panose="020F0502020204030204" pitchFamily="34" charset="0"/>
-                <a:ea typeface="Calibri" panose="020F0502020204030204" pitchFamily="34" charset="0"/>
-                <a:cs typeface="Times New Roman" panose="02020603050405020304" pitchFamily="18" charset="0"/>
-              </a:rPr>
-              <a:t>a</a:t>
-            </a:r>
-            <a:r>
-              <a:rPr lang="en-US" sz="2400" b="1" dirty="0">
-                <a:effectLst/>
-                <a:latin typeface="Calibri" panose="020F0502020204030204" pitchFamily="34" charset="0"/>
-                <a:ea typeface="Calibri" panose="020F0502020204030204" pitchFamily="34" charset="0"/>
-                <a:cs typeface="Times New Roman" panose="02020603050405020304" pitchFamily="18" charset="0"/>
-              </a:rPr>
-              <a:t>):</a:t>
-            </a:r>
-            <a:endParaRPr lang="en-US" sz="2400" dirty="0">
-              <a:effectLst/>
-              <a:latin typeface="Calibri" panose="020F0502020204030204" pitchFamily="34" charset="0"/>
-              <a:ea typeface="Calibri" panose="020F0502020204030204" pitchFamily="34" charset="0"/>
-              <a:cs typeface="Times New Roman" panose="02020603050405020304" pitchFamily="18" charset="0"/>
-            </a:endParaRPr>
-          </a:p>
-          <a:p>
-            <a:pPr marL="0" marR="0">
-              <a:spcBef>
-                <a:spcPts val="0"/>
-              </a:spcBef>
-              <a:spcAft>
-                <a:spcPts val="0"/>
-              </a:spcAft>
-            </a:pPr>
-            <a:r>
-              <a:rPr lang="en-US" sz="2400" dirty="0">
-                <a:effectLst/>
-                <a:latin typeface="Calibri" panose="020F0502020204030204" pitchFamily="34" charset="0"/>
-                <a:ea typeface="Calibri" panose="020F0502020204030204" pitchFamily="34" charset="0"/>
-                <a:cs typeface="Times New Roman" panose="02020603050405020304" pitchFamily="18" charset="0"/>
-              </a:rPr>
-              <a:t>If an asteroid with rare earth elements are close to earth, then a measurable amount of rare earth elements more or less will be detected.</a:t>
-            </a:r>
-          </a:p>
-        </p:txBody>
-      </p:sp>
-      <p:sp>
-        <p:nvSpPr>
-          <p:cNvPr id="9" name="TextBox 8">
-            <a:extLst>
-              <a:ext uri="{FF2B5EF4-FFF2-40B4-BE49-F238E27FC236}">
-                <a16:creationId xmlns:a16="http://schemas.microsoft.com/office/drawing/2014/main" id="{0E4D865E-3936-482F-BA42-E4CB93CE27E2}"/>
-              </a:ext>
-            </a:extLst>
-          </p:cNvPr>
-          <p:cNvSpPr txBox="1"/>
-          <p:nvPr/>
-        </p:nvSpPr>
-        <p:spPr>
-          <a:xfrm>
-            <a:off x="1381124" y="1046709"/>
-            <a:ext cx="7546987" cy="1200329"/>
-          </a:xfrm>
-          <a:prstGeom prst="rect">
-            <a:avLst/>
-          </a:prstGeom>
-          <a:noFill/>
-        </p:spPr>
-        <p:txBody>
-          <a:bodyPr wrap="square">
-            <a:spAutoFit/>
-          </a:bodyPr>
-          <a:lstStyle/>
-          <a:p>
-            <a:pPr marL="0" marR="0">
-              <a:spcBef>
-                <a:spcPts val="0"/>
-              </a:spcBef>
-              <a:spcAft>
-                <a:spcPts val="0"/>
-              </a:spcAft>
-            </a:pPr>
-            <a:r>
-              <a:rPr lang="en-US" sz="2400" b="1" u="sng" dirty="0">
-                <a:effectLst/>
-                <a:latin typeface="Calibri" panose="020F0502020204030204" pitchFamily="34" charset="0"/>
-                <a:ea typeface="Calibri" panose="020F0502020204030204" pitchFamily="34" charset="0"/>
-                <a:cs typeface="Times New Roman" panose="02020603050405020304" pitchFamily="18" charset="0"/>
-              </a:rPr>
-              <a:t>Question</a:t>
-            </a:r>
-            <a:endParaRPr lang="en-US" sz="2400" dirty="0">
-              <a:effectLst/>
-              <a:latin typeface="Calibri" panose="020F0502020204030204" pitchFamily="34" charset="0"/>
-              <a:ea typeface="Calibri" panose="020F0502020204030204" pitchFamily="34" charset="0"/>
-              <a:cs typeface="Times New Roman" panose="02020603050405020304" pitchFamily="18" charset="0"/>
-            </a:endParaRPr>
-          </a:p>
-          <a:p>
-            <a:pPr marL="0" marR="0">
-              <a:spcBef>
-                <a:spcPts val="0"/>
-              </a:spcBef>
-              <a:spcAft>
-                <a:spcPts val="0"/>
-              </a:spcAft>
-            </a:pPr>
-            <a:r>
-              <a:rPr lang="en-US" sz="2400" dirty="0">
-                <a:effectLst/>
-                <a:latin typeface="Calibri" panose="020F0502020204030204" pitchFamily="34" charset="0"/>
-                <a:ea typeface="Calibri" panose="020F0502020204030204" pitchFamily="34" charset="0"/>
-                <a:cs typeface="Times New Roman" panose="02020603050405020304" pitchFamily="18" charset="0"/>
-              </a:rPr>
-              <a:t>Do rare earth elements exist in significant quantities on asteroids near earth?</a:t>
-            </a:r>
-          </a:p>
-        </p:txBody>
-      </p:sp>
-      <p:sp>
-        <p:nvSpPr>
-          <p:cNvPr id="10" name="TextBox 9">
-            <a:extLst>
-              <a:ext uri="{FF2B5EF4-FFF2-40B4-BE49-F238E27FC236}">
-                <a16:creationId xmlns:a16="http://schemas.microsoft.com/office/drawing/2014/main" id="{CA764E2C-B1C8-4D69-9413-3FE90BCC33C3}"/>
-              </a:ext>
-            </a:extLst>
-          </p:cNvPr>
-          <p:cNvSpPr txBox="1"/>
-          <p:nvPr/>
-        </p:nvSpPr>
-        <p:spPr>
-          <a:xfrm>
-            <a:off x="3669245" y="235619"/>
-            <a:ext cx="3379451" cy="707886"/>
-          </a:xfrm>
-          <a:prstGeom prst="rect">
-            <a:avLst/>
-          </a:prstGeom>
-          <a:noFill/>
-        </p:spPr>
-        <p:txBody>
-          <a:bodyPr wrap="none" rtlCol="0">
-            <a:spAutoFit/>
-          </a:bodyPr>
-          <a:lstStyle/>
-          <a:p>
-            <a:r>
-              <a:rPr lang="en-US" sz="4000" dirty="0"/>
-              <a:t>The Hypothesis</a:t>
-            </a:r>
-          </a:p>
-        </p:txBody>
-      </p:sp>
-      <p:pic>
-        <p:nvPicPr>
-          <p:cNvPr id="6" name="Picture 5">
-            <a:extLst>
-              <a:ext uri="{FF2B5EF4-FFF2-40B4-BE49-F238E27FC236}">
-                <a16:creationId xmlns:a16="http://schemas.microsoft.com/office/drawing/2014/main" id="{D0907A0C-AF14-4E25-B86B-F192D765584A}"/>
-              </a:ext>
-            </a:extLst>
-          </p:cNvPr>
-          <p:cNvPicPr>
-            <a:picLocks noChangeAspect="1"/>
-          </p:cNvPicPr>
-          <p:nvPr/>
-        </p:nvPicPr>
-        <p:blipFill>
-          <a:blip r:embed="rId2">
-            <a:extLst>
-              <a:ext uri="{BEBA8EAE-BF5A-486C-A8C5-ECC9F3942E4B}">
-                <a14:imgProps xmlns:a14="http://schemas.microsoft.com/office/drawing/2010/main">
-                  <a14:imgLayer r:embed="rId3">
-                    <a14:imgEffect>
-                      <a14:backgroundRemoval t="1982" b="90811" l="9524" r="91369">
-                        <a14:foregroundMark x1="55357" y1="6306" x2="55357" y2="6306"/>
-                        <a14:foregroundMark x1="49405" y1="2342" x2="49405" y2="2342"/>
-                        <a14:foregroundMark x1="27381" y1="90811" x2="27381" y2="90811"/>
-                        <a14:foregroundMark x1="38393" y1="30991" x2="38393" y2="30991"/>
-                        <a14:foregroundMark x1="36310" y1="29730" x2="36310" y2="29730"/>
-                        <a14:foregroundMark x1="91369" y1="27928" x2="91369" y2="27928"/>
-                        <a14:foregroundMark x1="53869" y1="85045" x2="53869" y2="85045"/>
-                        <a14:foregroundMark x1="45238" y1="82883" x2="45238" y2="82883"/>
-                        <a14:backgroundMark x1="42560" y1="92432" x2="42560" y2="92432"/>
-                      </a14:backgroundRemoval>
-                    </a14:imgEffect>
-                  </a14:imgLayer>
-                </a14:imgProps>
-              </a:ext>
-            </a:extLst>
-          </a:blip>
-          <a:stretch>
-            <a:fillRect/>
-          </a:stretch>
-        </p:blipFill>
-        <p:spPr>
-          <a:xfrm>
-            <a:off x="9398785" y="756143"/>
-            <a:ext cx="2824182" cy="4664943"/>
-          </a:xfrm>
-          <a:prstGeom prst="rect">
-            <a:avLst/>
-          </a:prstGeom>
-        </p:spPr>
-      </p:pic>
+            <a:pPr algn="ctr"/>
+            <a:r>
+              <a:rPr lang="en-US" dirty="0"/>
+              <a:t>Composition of Asteroids</a:t>
+            </a:r>
+          </a:p>
+        </p:txBody>
+      </p:sp>
     </p:spTree>
     <p:extLst>
       <p:ext uri="{BB962C8B-B14F-4D97-AF65-F5344CB8AC3E}">
-        <p14:creationId xmlns:p14="http://schemas.microsoft.com/office/powerpoint/2010/main" val="3958076070"/>
+        <p14:creationId xmlns:p14="http://schemas.microsoft.com/office/powerpoint/2010/main" val="4973419"/>
       </p:ext>
     </p:extLst>
   </p:cSld>
@@ -6672,45 +8174,10 @@
       </p:grpSpPr>
       <p:sp>
         <p:nvSpPr>
-          <p:cNvPr id="2" name="Title 1">
-            <a:extLst>
-              <a:ext uri="{FF2B5EF4-FFF2-40B4-BE49-F238E27FC236}">
-                <a16:creationId xmlns:a16="http://schemas.microsoft.com/office/drawing/2014/main" id="{1E46C1A6-E9BF-4F59-8193-CDA41238A778}"/>
-              </a:ext>
-            </a:extLst>
-          </p:cNvPr>
-          <p:cNvSpPr>
-            <a:spLocks noGrp="1"/>
-          </p:cNvSpPr>
-          <p:nvPr>
-            <p:ph type="title"/>
-          </p:nvPr>
-        </p:nvSpPr>
-        <p:spPr>
-          <a:xfrm>
-            <a:off x="3122023" y="152315"/>
-            <a:ext cx="5201706" cy="662781"/>
-          </a:xfrm>
-        </p:spPr>
-        <p:txBody>
-          <a:bodyPr>
-            <a:normAutofit fontScale="90000"/>
-          </a:bodyPr>
-          <a:lstStyle/>
-          <a:p>
-            <a:r>
-              <a:rPr lang="en-US" dirty="0"/>
-              <a:t>Resources and Methods</a:t>
-            </a:r>
-          </a:p>
-        </p:txBody>
-      </p:sp>
-      <p:sp>
-        <p:nvSpPr>
-          <p:cNvPr id="6" name="TextBox 5">
-            <a:extLst>
-              <a:ext uri="{FF2B5EF4-FFF2-40B4-BE49-F238E27FC236}">
-                <a16:creationId xmlns:a16="http://schemas.microsoft.com/office/drawing/2014/main" id="{0B43F56E-5E3B-4C90-8069-4AE1C1E5D874}"/>
+          <p:cNvPr id="7" name="TextBox 6">
+            <a:extLst>
+              <a:ext uri="{FF2B5EF4-FFF2-40B4-BE49-F238E27FC236}">
+                <a16:creationId xmlns:a16="http://schemas.microsoft.com/office/drawing/2014/main" id="{80BDE28C-38A3-4CF2-8A78-223AC021826F}"/>
               </a:ext>
             </a:extLst>
           </p:cNvPr>
@@ -6719,8 +8186,8 @@
         </p:nvSpPr>
         <p:spPr>
           <a:xfrm>
-            <a:off x="699437" y="804253"/>
-            <a:ext cx="10851588" cy="4862870"/>
+            <a:off x="1381124" y="2496081"/>
+            <a:ext cx="8355371" cy="3416320"/>
           </a:xfrm>
           <a:prstGeom prst="rect">
             <a:avLst/>
@@ -6728,80 +8195,161 @@
           <a:noFill/>
         </p:spPr>
         <p:txBody>
-          <a:bodyPr wrap="square" rtlCol="0">
+          <a:bodyPr wrap="square">
             <a:spAutoFit/>
           </a:bodyPr>
           <a:lstStyle/>
           <a:p>
-            <a:r>
-              <a:rPr lang="en-US" sz="2000" b="1" dirty="0"/>
-              <a:t>Asterank Database - </a:t>
-            </a:r>
-            <a:r>
-              <a:rPr lang="en-US" sz="2000" b="1" dirty="0">
-                <a:hlinkClick r:id="rId2"/>
+            <a:pPr marL="0" marR="0">
+              <a:spcBef>
+                <a:spcPts val="0"/>
+              </a:spcBef>
+              <a:spcAft>
+                <a:spcPts val="0"/>
+              </a:spcAft>
+            </a:pPr>
+            <a:r>
+              <a:rPr lang="en-US" sz="2400" b="1" u="sng" dirty="0">
+                <a:effectLst/>
+                <a:latin typeface="Calibri" panose="020F0502020204030204" pitchFamily="34" charset="0"/>
+                <a:ea typeface="Calibri" panose="020F0502020204030204" pitchFamily="34" charset="0"/>
+                <a:cs typeface="Times New Roman" panose="02020603050405020304" pitchFamily="18" charset="0"/>
               </a:rPr>
-              <a:t>Link</a:t>
-            </a:r>
-            <a:endParaRPr lang="en-US" sz="2000" b="1" dirty="0"/>
-          </a:p>
-          <a:p>
-            <a:r>
-              <a:rPr lang="en-US" dirty="0"/>
-              <a:t>Asterank is a scientific and economic database of over 600,000 asteroids.  The database is a collection of data consisting of asteroid mass, spectral data, orbits, and  other critical data points. Asteroid mass and spectral data are employed to estimate a financial value of an asteroid based on current metal prices. (examples: </a:t>
-            </a:r>
-            <a:r>
-              <a:rPr lang="en-US" dirty="0" err="1"/>
-              <a:t>Os</a:t>
-            </a:r>
-            <a:r>
-              <a:rPr lang="en-US" dirty="0"/>
-              <a:t>, </a:t>
-            </a:r>
-            <a:r>
-              <a:rPr lang="en-US" dirty="0" err="1"/>
-              <a:t>Ir</a:t>
-            </a:r>
-            <a:r>
-              <a:rPr lang="en-US" dirty="0"/>
-              <a:t>, Ru, Pt, Rh, Co, Au, Pd, Ni, and Cr) . These net values of an identified asteroid are reported on the Asterank website in a dollar amount.</a:t>
-            </a:r>
-          </a:p>
-          <a:p>
-            <a:endParaRPr lang="en-US" dirty="0"/>
-          </a:p>
-          <a:p>
-            <a:r>
-              <a:rPr lang="en-US" sz="2000" b="1" dirty="0"/>
-              <a:t>Assumptions</a:t>
-            </a:r>
-          </a:p>
-          <a:p>
-            <a:r>
-              <a:rPr lang="en-US" dirty="0"/>
-              <a:t>For the purpose of this exercise, the financial value of each asteroid will serve as a metric to quantify the presence of  precious metals and or rare earth elements. An asteroid estimated to be valued at 1 trillion dollars  and above will be considered to have a significant amount of precious and rare earth metals. The categories assigned were as follows: less than one billion, Less than a trillion, 1 trillion to 99 trillion, greater than 100 trillion, and no observed metal.</a:t>
-            </a:r>
-          </a:p>
-          <a:p>
-            <a:endParaRPr lang="en-US" dirty="0"/>
-          </a:p>
-          <a:p>
-            <a:r>
-              <a:rPr lang="en-US" dirty="0"/>
-              <a:t>A Dataset was constructed based on the proximity of an asteroid to earth.  A range of  0.8 to 1.2 Astronomical Units  (AU) will be used for this exercise. </a:t>
-            </a:r>
-          </a:p>
-          <a:p>
-            <a:endParaRPr lang="en-US" dirty="0"/>
-          </a:p>
-        </p:txBody>
-      </p:sp>
-      <p:sp>
-        <p:nvSpPr>
-          <p:cNvPr id="7" name="TextBox 6">
-            <a:extLst>
-              <a:ext uri="{FF2B5EF4-FFF2-40B4-BE49-F238E27FC236}">
-                <a16:creationId xmlns:a16="http://schemas.microsoft.com/office/drawing/2014/main" id="{21D16E0B-3107-4CB1-AB32-AB054D42249A}"/>
+              <a:t>Null hypothesis  (H</a:t>
+            </a:r>
+            <a:r>
+              <a:rPr lang="en-US" sz="2400" b="1" u="sng" baseline="-25000" dirty="0">
+                <a:effectLst/>
+                <a:latin typeface="Calibri" panose="020F0502020204030204" pitchFamily="34" charset="0"/>
+                <a:ea typeface="Calibri" panose="020F0502020204030204" pitchFamily="34" charset="0"/>
+                <a:cs typeface="Times New Roman" panose="02020603050405020304" pitchFamily="18" charset="0"/>
+              </a:rPr>
+              <a:t>o</a:t>
+            </a:r>
+            <a:r>
+              <a:rPr lang="en-US" sz="2400" b="1" u="sng" dirty="0">
+                <a:effectLst/>
+                <a:latin typeface="Calibri" panose="020F0502020204030204" pitchFamily="34" charset="0"/>
+                <a:ea typeface="Calibri" panose="020F0502020204030204" pitchFamily="34" charset="0"/>
+                <a:cs typeface="Times New Roman" panose="02020603050405020304" pitchFamily="18" charset="0"/>
+              </a:rPr>
+              <a:t>)</a:t>
+            </a:r>
+            <a:endParaRPr lang="en-US" sz="2400" dirty="0">
+              <a:effectLst/>
+              <a:latin typeface="Calibri" panose="020F0502020204030204" pitchFamily="34" charset="0"/>
+              <a:ea typeface="Calibri" panose="020F0502020204030204" pitchFamily="34" charset="0"/>
+              <a:cs typeface="Times New Roman" panose="02020603050405020304" pitchFamily="18" charset="0"/>
+            </a:endParaRPr>
+          </a:p>
+          <a:p>
+            <a:pPr marL="0" marR="0">
+              <a:spcBef>
+                <a:spcPts val="0"/>
+              </a:spcBef>
+              <a:spcAft>
+                <a:spcPts val="0"/>
+              </a:spcAft>
+            </a:pPr>
+            <a:r>
+              <a:rPr lang="en-US" sz="2400" dirty="0">
+                <a:effectLst/>
+                <a:latin typeface="Calibri" panose="020F0502020204030204" pitchFamily="34" charset="0"/>
+                <a:ea typeface="Calibri" panose="020F0502020204030204" pitchFamily="34" charset="0"/>
+                <a:cs typeface="Times New Roman" panose="02020603050405020304" pitchFamily="18" charset="0"/>
+              </a:rPr>
+              <a:t>If an asteroid with rare earth elements are close to earth, then a measurable amount of rare earth elements will not be detected more or less observed.</a:t>
+            </a:r>
+          </a:p>
+          <a:p>
+            <a:pPr marL="0" marR="0">
+              <a:spcBef>
+                <a:spcPts val="0"/>
+              </a:spcBef>
+              <a:spcAft>
+                <a:spcPts val="0"/>
+              </a:spcAft>
+            </a:pPr>
+            <a:r>
+              <a:rPr lang="en-US" sz="2400" dirty="0">
+                <a:effectLst/>
+                <a:latin typeface="Calibri" panose="020F0502020204030204" pitchFamily="34" charset="0"/>
+                <a:ea typeface="Calibri" panose="020F0502020204030204" pitchFamily="34" charset="0"/>
+                <a:cs typeface="Times New Roman" panose="02020603050405020304" pitchFamily="18" charset="0"/>
+              </a:rPr>
+              <a:t> </a:t>
+            </a:r>
+          </a:p>
+          <a:p>
+            <a:pPr marL="0" marR="0">
+              <a:spcBef>
+                <a:spcPts val="0"/>
+              </a:spcBef>
+              <a:spcAft>
+                <a:spcPts val="0"/>
+              </a:spcAft>
+            </a:pPr>
+            <a:r>
+              <a:rPr lang="en-US" sz="2400" b="1" dirty="0">
+                <a:effectLst/>
+                <a:latin typeface="Calibri" panose="020F0502020204030204" pitchFamily="34" charset="0"/>
+                <a:ea typeface="Calibri" panose="020F0502020204030204" pitchFamily="34" charset="0"/>
+                <a:cs typeface="Times New Roman" panose="02020603050405020304" pitchFamily="18" charset="0"/>
+              </a:rPr>
+              <a:t>Alternative Hypothesis (H</a:t>
+            </a:r>
+            <a:r>
+              <a:rPr lang="en-US" sz="2400" b="1" baseline="-25000" dirty="0">
+                <a:effectLst/>
+                <a:latin typeface="Calibri" panose="020F0502020204030204" pitchFamily="34" charset="0"/>
+                <a:ea typeface="Calibri" panose="020F0502020204030204" pitchFamily="34" charset="0"/>
+                <a:cs typeface="Times New Roman" panose="02020603050405020304" pitchFamily="18" charset="0"/>
+              </a:rPr>
+              <a:t>a</a:t>
+            </a:r>
+            <a:r>
+              <a:rPr lang="en-US" sz="2400" b="1" dirty="0">
+                <a:effectLst/>
+                <a:latin typeface="Calibri" panose="020F0502020204030204" pitchFamily="34" charset="0"/>
+                <a:ea typeface="Calibri" panose="020F0502020204030204" pitchFamily="34" charset="0"/>
+                <a:cs typeface="Times New Roman" panose="02020603050405020304" pitchFamily="18" charset="0"/>
+              </a:rPr>
+              <a:t>):</a:t>
+            </a:r>
+            <a:endParaRPr lang="en-US" sz="2400" dirty="0">
+              <a:effectLst/>
+              <a:latin typeface="Calibri" panose="020F0502020204030204" pitchFamily="34" charset="0"/>
+              <a:ea typeface="Calibri" panose="020F0502020204030204" pitchFamily="34" charset="0"/>
+              <a:cs typeface="Times New Roman" panose="02020603050405020304" pitchFamily="18" charset="0"/>
+            </a:endParaRPr>
+          </a:p>
+          <a:p>
+            <a:pPr marL="0" marR="0">
+              <a:spcBef>
+                <a:spcPts val="0"/>
+              </a:spcBef>
+              <a:spcAft>
+                <a:spcPts val="0"/>
+              </a:spcAft>
+            </a:pPr>
+            <a:r>
+              <a:rPr lang="en-US" sz="2400" dirty="0">
+                <a:effectLst/>
+                <a:latin typeface="Calibri" panose="020F0502020204030204" pitchFamily="34" charset="0"/>
+                <a:ea typeface="Calibri" panose="020F0502020204030204" pitchFamily="34" charset="0"/>
+                <a:cs typeface="Times New Roman" panose="02020603050405020304" pitchFamily="18" charset="0"/>
+              </a:rPr>
+              <a:t>If an asteroid with rare earth elements are close to earth, then a measurable amount of rare earth elements more or less will be detected.</a:t>
+            </a:r>
+          </a:p>
+        </p:txBody>
+      </p:sp>
+      <p:sp>
+        <p:nvSpPr>
+          <p:cNvPr id="9" name="TextBox 8">
+            <a:extLst>
+              <a:ext uri="{FF2B5EF4-FFF2-40B4-BE49-F238E27FC236}">
+                <a16:creationId xmlns:a16="http://schemas.microsoft.com/office/drawing/2014/main" id="{0E4D865E-3936-482F-BA42-E4CB93CE27E2}"/>
               </a:ext>
             </a:extLst>
           </p:cNvPr>
@@ -6810,8 +8358,8 @@
         </p:nvSpPr>
         <p:spPr>
           <a:xfrm>
-            <a:off x="699436" y="5516199"/>
-            <a:ext cx="5355770" cy="1200329"/>
+            <a:off x="1381124" y="1046709"/>
+            <a:ext cx="7546987" cy="1200329"/>
           </a:xfrm>
           <a:prstGeom prst="rect">
             <a:avLst/>
@@ -6819,49 +8367,147 @@
           <a:noFill/>
         </p:spPr>
         <p:txBody>
-          <a:bodyPr wrap="square" numCol="1" rtlCol="0">
+          <a:bodyPr wrap="square">
             <a:spAutoFit/>
           </a:bodyPr>
           <a:lstStyle/>
           <a:p>
-            <a:r>
-              <a:rPr lang="en-US" b="1" dirty="0"/>
-              <a:t>Resources</a:t>
-            </a:r>
-          </a:p>
-          <a:p>
-            <a:pPr marL="285750" indent="-285750">
-              <a:buFont typeface="Arial" panose="020B0604020202020204" pitchFamily="34" charset="0"/>
-              <a:buChar char="•"/>
-            </a:pPr>
-            <a:r>
-              <a:rPr lang="en-US" dirty="0"/>
-              <a:t>Asterank Database </a:t>
-            </a:r>
-          </a:p>
-          <a:p>
-            <a:pPr marL="285750" indent="-285750">
-              <a:buFont typeface="Arial" panose="020B0604020202020204" pitchFamily="34" charset="0"/>
-              <a:buChar char="•"/>
-            </a:pPr>
-            <a:r>
-              <a:rPr lang="en-US" dirty="0"/>
-              <a:t>Juniper notebook</a:t>
-            </a:r>
-          </a:p>
-          <a:p>
-            <a:pPr marL="285750" indent="-285750">
-              <a:buFont typeface="Arial" panose="020B0604020202020204" pitchFamily="34" charset="0"/>
-              <a:buChar char="•"/>
-            </a:pPr>
-            <a:endParaRPr lang="en-US" dirty="0"/>
-          </a:p>
-        </p:txBody>
-      </p:sp>
+            <a:pPr marL="0" marR="0">
+              <a:spcBef>
+                <a:spcPts val="0"/>
+              </a:spcBef>
+              <a:spcAft>
+                <a:spcPts val="0"/>
+              </a:spcAft>
+            </a:pPr>
+            <a:r>
+              <a:rPr lang="en-US" sz="2400" b="1" u="sng" dirty="0">
+                <a:effectLst/>
+                <a:latin typeface="Calibri" panose="020F0502020204030204" pitchFamily="34" charset="0"/>
+                <a:ea typeface="Calibri" panose="020F0502020204030204" pitchFamily="34" charset="0"/>
+                <a:cs typeface="Times New Roman" panose="02020603050405020304" pitchFamily="18" charset="0"/>
+              </a:rPr>
+              <a:t>Question</a:t>
+            </a:r>
+            <a:endParaRPr lang="en-US" sz="2400" dirty="0">
+              <a:effectLst/>
+              <a:latin typeface="Calibri" panose="020F0502020204030204" pitchFamily="34" charset="0"/>
+              <a:ea typeface="Calibri" panose="020F0502020204030204" pitchFamily="34" charset="0"/>
+              <a:cs typeface="Times New Roman" panose="02020603050405020304" pitchFamily="18" charset="0"/>
+            </a:endParaRPr>
+          </a:p>
+          <a:p>
+            <a:pPr marL="0" marR="0">
+              <a:spcBef>
+                <a:spcPts val="0"/>
+              </a:spcBef>
+              <a:spcAft>
+                <a:spcPts val="0"/>
+              </a:spcAft>
+            </a:pPr>
+            <a:r>
+              <a:rPr lang="en-US" sz="2400" dirty="0">
+                <a:effectLst/>
+                <a:latin typeface="Calibri" panose="020F0502020204030204" pitchFamily="34" charset="0"/>
+                <a:ea typeface="Calibri" panose="020F0502020204030204" pitchFamily="34" charset="0"/>
+                <a:cs typeface="Times New Roman" panose="02020603050405020304" pitchFamily="18" charset="0"/>
+              </a:rPr>
+              <a:t>Do rare earth elements exist in significant quantities on asteroids near earth?</a:t>
+            </a:r>
+          </a:p>
+        </p:txBody>
+      </p:sp>
+      <p:sp>
+        <p:nvSpPr>
+          <p:cNvPr id="10" name="TextBox 9">
+            <a:extLst>
+              <a:ext uri="{FF2B5EF4-FFF2-40B4-BE49-F238E27FC236}">
+                <a16:creationId xmlns:a16="http://schemas.microsoft.com/office/drawing/2014/main" id="{CA764E2C-B1C8-4D69-9413-3FE90BCC33C3}"/>
+              </a:ext>
+            </a:extLst>
+          </p:cNvPr>
+          <p:cNvSpPr txBox="1"/>
+          <p:nvPr/>
+        </p:nvSpPr>
+        <p:spPr>
+          <a:xfrm>
+            <a:off x="3669245" y="235619"/>
+            <a:ext cx="3379451" cy="707886"/>
+          </a:xfrm>
+          <a:prstGeom prst="rect">
+            <a:avLst/>
+          </a:prstGeom>
+          <a:noFill/>
+        </p:spPr>
+        <p:txBody>
+          <a:bodyPr wrap="none" rtlCol="0">
+            <a:spAutoFit/>
+          </a:bodyPr>
+          <a:lstStyle/>
+          <a:p>
+            <a:r>
+              <a:rPr lang="en-US" sz="4000" dirty="0"/>
+              <a:t>The Hypothesis</a:t>
+            </a:r>
+          </a:p>
+        </p:txBody>
+      </p:sp>
+      <p:pic>
+        <p:nvPicPr>
+          <p:cNvPr id="6" name="Picture 5">
+            <a:extLst>
+              <a:ext uri="{FF2B5EF4-FFF2-40B4-BE49-F238E27FC236}">
+                <a16:creationId xmlns:a16="http://schemas.microsoft.com/office/drawing/2014/main" id="{D0907A0C-AF14-4E25-B86B-F192D765584A}"/>
+              </a:ext>
+            </a:extLst>
+          </p:cNvPr>
+          <p:cNvPicPr>
+            <a:picLocks noChangeAspect="1"/>
+          </p:cNvPicPr>
+          <p:nvPr/>
+        </p:nvPicPr>
+        <p:blipFill>
+          <a:blip r:embed="rId2">
+            <a:extLst>
+              <a:ext uri="{BEBA8EAE-BF5A-486C-A8C5-ECC9F3942E4B}">
+                <a14:imgProps xmlns:a14="http://schemas.microsoft.com/office/drawing/2010/main">
+                  <a14:imgLayer r:embed="rId3">
+                    <a14:imgEffect>
+                      <a14:backgroundRemoval t="1982" b="90811" l="9524" r="91369">
+                        <a14:foregroundMark x1="55357" y1="6306" x2="55357" y2="6306"/>
+                        <a14:foregroundMark x1="49405" y1="2342" x2="49405" y2="2342"/>
+                        <a14:foregroundMark x1="27381" y1="90811" x2="27381" y2="90811"/>
+                        <a14:foregroundMark x1="38393" y1="30991" x2="38393" y2="30991"/>
+                        <a14:foregroundMark x1="36310" y1="29730" x2="36310" y2="29730"/>
+                        <a14:foregroundMark x1="91369" y1="27928" x2="91369" y2="27928"/>
+                        <a14:foregroundMark x1="53869" y1="85045" x2="53869" y2="85045"/>
+                        <a14:foregroundMark x1="45238" y1="82883" x2="45238" y2="82883"/>
+                        <a14:backgroundMark x1="42560" y1="92432" x2="42560" y2="92432"/>
+                      </a14:backgroundRemoval>
+                    </a14:imgEffect>
+                  </a14:imgLayer>
+                </a14:imgProps>
+              </a:ext>
+            </a:extLst>
+          </a:blip>
+          <a:stretch>
+            <a:fillRect/>
+          </a:stretch>
+        </p:blipFill>
+        <p:spPr>
+          <a:xfrm>
+            <a:off x="9398785" y="756143"/>
+            <a:ext cx="2824182" cy="4664943"/>
+          </a:xfrm>
+          <a:prstGeom prst="rect">
+            <a:avLst/>
+          </a:prstGeom>
+        </p:spPr>
+      </p:pic>
     </p:spTree>
     <p:extLst>
       <p:ext uri="{BB962C8B-B14F-4D97-AF65-F5344CB8AC3E}">
-        <p14:creationId xmlns:p14="http://schemas.microsoft.com/office/powerpoint/2010/main" val="3531621586"/>
+        <p14:creationId xmlns:p14="http://schemas.microsoft.com/office/powerpoint/2010/main" val="3958076070"/>
       </p:ext>
     </p:extLst>
   </p:cSld>
@@ -6893,7 +8539,7 @@
           <p:cNvPr id="2" name="Title 1">
             <a:extLst>
               <a:ext uri="{FF2B5EF4-FFF2-40B4-BE49-F238E27FC236}">
-                <a16:creationId xmlns:a16="http://schemas.microsoft.com/office/drawing/2014/main" id="{C0FD52C8-9ADE-4FDF-9B3A-CDCAF500C013}"/>
+                <a16:creationId xmlns:a16="http://schemas.microsoft.com/office/drawing/2014/main" id="{1E46C1A6-E9BF-4F59-8193-CDA41238A778}"/>
               </a:ext>
             </a:extLst>
           </p:cNvPr>
@@ -6906,59 +8552,29 @@
         </p:nvSpPr>
         <p:spPr>
           <a:xfrm>
-            <a:off x="2510246" y="65842"/>
-            <a:ext cx="10515600" cy="679904"/>
+            <a:off x="3122023" y="152315"/>
+            <a:ext cx="5201706" cy="662781"/>
           </a:xfrm>
         </p:spPr>
         <p:txBody>
           <a:bodyPr>
-            <a:normAutofit/>
+            <a:normAutofit fontScale="90000"/>
           </a:bodyPr>
           <a:lstStyle/>
           <a:p>
             <a:r>
-              <a:rPr lang="en-US" sz="3200" dirty="0"/>
-              <a:t>Number of Asteroids Near Earth Evaluated</a:t>
-            </a:r>
-          </a:p>
-        </p:txBody>
-      </p:sp>
-      <p:pic>
-        <p:nvPicPr>
-          <p:cNvPr id="5" name="Picture 4">
-            <a:extLst>
-              <a:ext uri="{FF2B5EF4-FFF2-40B4-BE49-F238E27FC236}">
-                <a16:creationId xmlns:a16="http://schemas.microsoft.com/office/drawing/2014/main" id="{24C59FD2-CB35-4CB1-8A37-767D4628BD7C}"/>
-              </a:ext>
-            </a:extLst>
-          </p:cNvPr>
-          <p:cNvPicPr>
-            <a:picLocks noChangeAspect="1"/>
-          </p:cNvPicPr>
-          <p:nvPr/>
-        </p:nvPicPr>
-        <p:blipFill>
-          <a:blip r:embed="rId2"/>
-          <a:stretch>
-            <a:fillRect/>
-          </a:stretch>
-        </p:blipFill>
-        <p:spPr>
-          <a:xfrm>
-            <a:off x="133584" y="760843"/>
-            <a:ext cx="5273431" cy="4119868"/>
-          </a:xfrm>
-          <a:prstGeom prst="rect">
-            <a:avLst/>
-          </a:prstGeom>
-        </p:spPr>
-      </p:pic>
-      <p:sp>
-        <p:nvSpPr>
-          <p:cNvPr id="7" name="TextBox 6">
-            <a:extLst>
-              <a:ext uri="{FF2B5EF4-FFF2-40B4-BE49-F238E27FC236}">
-                <a16:creationId xmlns:a16="http://schemas.microsoft.com/office/drawing/2014/main" id="{5659E0F7-5F0D-4974-98BC-4CF8B281ABE8}"/>
+              <a:rPr lang="en-US" dirty="0"/>
+              <a:t>Resources and Methods</a:t>
+            </a:r>
+          </a:p>
+        </p:txBody>
+      </p:sp>
+      <p:sp>
+        <p:nvSpPr>
+          <p:cNvPr id="6" name="TextBox 5">
+            <a:extLst>
+              <a:ext uri="{FF2B5EF4-FFF2-40B4-BE49-F238E27FC236}">
+                <a16:creationId xmlns:a16="http://schemas.microsoft.com/office/drawing/2014/main" id="{0B43F56E-5E3B-4C90-8069-4AE1C1E5D874}"/>
               </a:ext>
             </a:extLst>
           </p:cNvPr>
@@ -6967,8 +8583,8 @@
         </p:nvSpPr>
         <p:spPr>
           <a:xfrm>
-            <a:off x="332880" y="4944442"/>
-            <a:ext cx="5273431" cy="1815882"/>
+            <a:off x="699437" y="804253"/>
+            <a:ext cx="10851588" cy="4862870"/>
           </a:xfrm>
           <a:prstGeom prst="rect">
             <a:avLst/>
@@ -6976,118 +8592,80 @@
           <a:noFill/>
         </p:spPr>
         <p:txBody>
-          <a:bodyPr wrap="none" rtlCol="0">
+          <a:bodyPr wrap="square" rtlCol="0">
             <a:spAutoFit/>
           </a:bodyPr>
           <a:lstStyle/>
           <a:p>
-            <a:pPr marL="285750" indent="-285750">
-              <a:buFont typeface="Arial" panose="020B0604020202020204" pitchFamily="34" charset="0"/>
-              <a:buChar char="•"/>
-            </a:pPr>
-            <a:r>
-              <a:rPr lang="en-US" sz="1600" b="1" dirty="0"/>
-              <a:t>4000 asteroids were considered </a:t>
-            </a:r>
-          </a:p>
-          <a:p>
-            <a:pPr marL="285750" indent="-285750">
-              <a:buFont typeface="Arial" panose="020B0604020202020204" pitchFamily="34" charset="0"/>
-              <a:buChar char="•"/>
-            </a:pPr>
-            <a:r>
-              <a:rPr lang="en-US" sz="1600" b="1" dirty="0"/>
-              <a:t>Max orbit 365 AU: Min orbit 0.642 AU</a:t>
-            </a:r>
-          </a:p>
-          <a:p>
-            <a:pPr marL="285750" indent="-285750">
-              <a:buFont typeface="Arial" panose="020B0604020202020204" pitchFamily="34" charset="0"/>
-              <a:buChar char="•"/>
-            </a:pPr>
-            <a:r>
-              <a:rPr lang="en-US" sz="1600" dirty="0"/>
-              <a:t>75%  asteroids have no observed metals.</a:t>
-            </a:r>
-          </a:p>
-          <a:p>
-            <a:pPr marL="285750" indent="-285750">
-              <a:buFont typeface="Arial" panose="020B0604020202020204" pitchFamily="34" charset="0"/>
-              <a:buChar char="•"/>
-            </a:pPr>
-            <a:r>
-              <a:rPr lang="en-US" sz="1600" dirty="0"/>
-              <a:t>18%  asteroids have over 110 trillion of identified metals</a:t>
-            </a:r>
-          </a:p>
-          <a:p>
-            <a:pPr marL="285750" indent="-285750">
-              <a:buFont typeface="Arial" panose="020B0604020202020204" pitchFamily="34" charset="0"/>
-              <a:buChar char="•"/>
-            </a:pPr>
-            <a:r>
-              <a:rPr lang="en-US" sz="1600" dirty="0"/>
-              <a:t>  2%  asteroids have between 1 to 110 trillion</a:t>
-            </a:r>
-          </a:p>
-          <a:p>
-            <a:pPr marL="285750" indent="-285750">
-              <a:buFont typeface="Arial" panose="020B0604020202020204" pitchFamily="34" charset="0"/>
-              <a:buChar char="•"/>
-            </a:pPr>
-            <a:r>
-              <a:rPr lang="en-US" sz="1600" dirty="0"/>
-              <a:t>  5%  asteroids have between 1 to 999 billion</a:t>
-            </a:r>
-          </a:p>
-          <a:p>
-            <a:pPr marL="285750" indent="-285750">
-              <a:buFont typeface="Arial" panose="020B0604020202020204" pitchFamily="34" charset="0"/>
-              <a:buChar char="•"/>
-            </a:pPr>
-            <a:r>
-              <a:rPr lang="en-US" sz="1600" dirty="0"/>
-              <a:t>  1%  asteroids have between 1 to 999 million</a:t>
-            </a:r>
-          </a:p>
-        </p:txBody>
-      </p:sp>
-      <p:pic>
-        <p:nvPicPr>
-          <p:cNvPr id="9" name="Picture 8">
-            <a:extLst>
-              <a:ext uri="{FF2B5EF4-FFF2-40B4-BE49-F238E27FC236}">
-                <a16:creationId xmlns:a16="http://schemas.microsoft.com/office/drawing/2014/main" id="{43A9488F-BEA3-41F5-A29A-AB4A57527ECD}"/>
-              </a:ext>
-            </a:extLst>
-          </p:cNvPr>
-          <p:cNvPicPr>
-            <a:picLocks noChangeAspect="1"/>
-          </p:cNvPicPr>
-          <p:nvPr/>
-        </p:nvPicPr>
-        <p:blipFill>
-          <a:blip r:embed="rId3"/>
-          <a:stretch>
-            <a:fillRect/>
-          </a:stretch>
-        </p:blipFill>
-        <p:spPr>
-          <a:xfrm>
-            <a:off x="6537769" y="807503"/>
-            <a:ext cx="5098965" cy="4075182"/>
-          </a:xfrm>
-          <a:prstGeom prst="rect">
-            <a:avLst/>
-          </a:prstGeom>
-        </p:spPr>
-      </p:pic>
-      <p:sp>
-        <p:nvSpPr>
-          <p:cNvPr id="11" name="TextBox 10">
-            <a:extLst>
-              <a:ext uri="{FF2B5EF4-FFF2-40B4-BE49-F238E27FC236}">
-                <a16:creationId xmlns:a16="http://schemas.microsoft.com/office/drawing/2014/main" id="{7CBF28D3-7830-46C5-99BD-C458D2B67C7B}"/>
+            <a:r>
+              <a:rPr lang="en-US" sz="2000" b="1" dirty="0"/>
+              <a:t>Asterank Database - </a:t>
+            </a:r>
+            <a:r>
+              <a:rPr lang="en-US" sz="2000" b="1" dirty="0">
+                <a:hlinkClick r:id="rId2"/>
+              </a:rPr>
+              <a:t>Link</a:t>
+            </a:r>
+            <a:endParaRPr lang="en-US" sz="2000" b="1" dirty="0"/>
+          </a:p>
+          <a:p>
+            <a:r>
+              <a:rPr lang="en-US" dirty="0"/>
+              <a:t>Asterank is a scientific and economic database of over 600,000 asteroids.  The database is a collection of data consisting of asteroid mass, spectral data, orbits, and  other critical data points. Asteroid mass and spectral data are employed to estimate a financial value of an asteroid based on current metal prices. (examples: </a:t>
+            </a:r>
+            <a:r>
+              <a:rPr lang="en-US" dirty="0" err="1"/>
+              <a:t>Os</a:t>
+            </a:r>
+            <a:r>
+              <a:rPr lang="en-US" dirty="0"/>
+              <a:t>, </a:t>
+            </a:r>
+            <a:r>
+              <a:rPr lang="en-US" dirty="0" err="1"/>
+              <a:t>Ir</a:t>
+            </a:r>
+            <a:r>
+              <a:rPr lang="en-US" dirty="0"/>
+              <a:t>, Ru, Pt, Rh, Co, Au, Pd, Ni, and Cr) . These net values of an identified asteroid are reported on the Asterank website in a dollar amount.</a:t>
+            </a:r>
+          </a:p>
+          <a:p>
+            <a:endParaRPr lang="en-US" dirty="0"/>
+          </a:p>
+          <a:p>
+            <a:r>
+              <a:rPr lang="en-US" sz="2000" b="1" dirty="0"/>
+              <a:t>Assumptions</a:t>
+            </a:r>
+          </a:p>
+          <a:p>
+            <a:r>
+              <a:rPr lang="en-US" dirty="0"/>
+              <a:t>For the purpose of this exercise, the financial value of each asteroid will serve as a metric to quantify the presence of  precious metals and or rare earth elements. An asteroid estimated to be valued at 1 trillion dollars  and above will be considered to have a significant amount of precious and rare earth metals. The categories assigned were as follows: less than one billion, Less than a trillion, 1 trillion to 99 trillion, greater than 100 trillion, and no observed metal.</a:t>
+            </a:r>
+          </a:p>
+          <a:p>
+            <a:endParaRPr lang="en-US" dirty="0"/>
+          </a:p>
+          <a:p>
+            <a:r>
+              <a:rPr lang="en-US" dirty="0"/>
+              <a:t>A Dataset was constructed based on the proximity of an asteroid to earth.  A range of  0.8 to 1.2 Astronomical Units  (AU) will be used for this exercise. </a:t>
+            </a:r>
+          </a:p>
+          <a:p>
+            <a:endParaRPr lang="en-US" dirty="0"/>
+          </a:p>
+        </p:txBody>
+      </p:sp>
+      <p:sp>
+        <p:nvSpPr>
+          <p:cNvPr id="7" name="TextBox 6">
+            <a:extLst>
+              <a:ext uri="{FF2B5EF4-FFF2-40B4-BE49-F238E27FC236}">
+                <a16:creationId xmlns:a16="http://schemas.microsoft.com/office/drawing/2014/main" id="{21D16E0B-3107-4CB1-AB32-AB054D42249A}"/>
               </a:ext>
             </a:extLst>
           </p:cNvPr>
@@ -7096,8 +8674,8 @@
         </p:nvSpPr>
         <p:spPr>
           <a:xfrm>
-            <a:off x="8358009" y="1807411"/>
-            <a:ext cx="3163431" cy="1169551"/>
+            <a:off x="699436" y="5516199"/>
+            <a:ext cx="5355770" cy="1200329"/>
           </a:xfrm>
           <a:prstGeom prst="rect">
             <a:avLst/>
@@ -7105,136 +8683,24 @@
           <a:noFill/>
         </p:spPr>
         <p:txBody>
-          <a:bodyPr wrap="square">
+          <a:bodyPr wrap="square" numCol="1" rtlCol="0">
             <a:spAutoFit/>
           </a:bodyPr>
           <a:lstStyle/>
           <a:p>
             <a:r>
-              <a:rPr lang="en-US" sz="1400" dirty="0"/>
-              <a:t>A _High Metal Content (over 100 trillion)</a:t>
-            </a:r>
-          </a:p>
-          <a:p>
-            <a:r>
-              <a:rPr lang="en-US" sz="1400" dirty="0"/>
-              <a:t>B_Metal Content  (1 to 100 trillion)</a:t>
-            </a:r>
-          </a:p>
-          <a:p>
-            <a:r>
-              <a:rPr lang="en-US" sz="1400" dirty="0"/>
-              <a:t>C_Low Metal Content( 1 to 999 billion)</a:t>
-            </a:r>
-          </a:p>
-          <a:p>
-            <a:r>
-              <a:rPr lang="en-US" sz="1400" dirty="0"/>
-              <a:t>D_Very Low Content (1 to 999 million)</a:t>
-            </a:r>
-          </a:p>
-          <a:p>
-            <a:r>
-              <a:rPr lang="en-US" sz="1400" dirty="0"/>
-              <a:t>E_No Metal Identified</a:t>
-            </a:r>
-          </a:p>
-        </p:txBody>
-      </p:sp>
-      <p:sp>
-        <p:nvSpPr>
-          <p:cNvPr id="13" name="TextBox 12">
-            <a:extLst>
-              <a:ext uri="{FF2B5EF4-FFF2-40B4-BE49-F238E27FC236}">
-                <a16:creationId xmlns:a16="http://schemas.microsoft.com/office/drawing/2014/main" id="{32DEDD53-DF9C-49F4-967B-0C4ABD47EA17}"/>
-              </a:ext>
-            </a:extLst>
-          </p:cNvPr>
-          <p:cNvSpPr txBox="1"/>
-          <p:nvPr/>
-        </p:nvSpPr>
-        <p:spPr>
-          <a:xfrm>
-            <a:off x="1955634" y="1651226"/>
-            <a:ext cx="3156954" cy="1169551"/>
-          </a:xfrm>
-          <a:prstGeom prst="rect">
-            <a:avLst/>
-          </a:prstGeom>
-          <a:noFill/>
-        </p:spPr>
-        <p:txBody>
-          <a:bodyPr wrap="none" rtlCol="0">
-            <a:spAutoFit/>
-          </a:bodyPr>
-          <a:lstStyle/>
-          <a:p>
-            <a:r>
-              <a:rPr lang="en-US" sz="1400" dirty="0"/>
-              <a:t>A _High Metal Content (over 100 trillion)</a:t>
-            </a:r>
-          </a:p>
-          <a:p>
-            <a:r>
-              <a:rPr lang="en-US" sz="1400" dirty="0"/>
-              <a:t>B_Metal Content  (1 to 100 trillion)</a:t>
-            </a:r>
-          </a:p>
-          <a:p>
-            <a:r>
-              <a:rPr lang="en-US" sz="1400" dirty="0"/>
-              <a:t>C_Low Metal Content( 1 to 999 billion)</a:t>
-            </a:r>
-          </a:p>
-          <a:p>
-            <a:r>
-              <a:rPr lang="en-US" sz="1400" dirty="0"/>
-              <a:t>D_Very Low Content (1 to 999 million)</a:t>
-            </a:r>
-          </a:p>
-          <a:p>
-            <a:r>
-              <a:rPr lang="en-US" sz="1400" dirty="0"/>
-              <a:t>E_No Metal Identified</a:t>
-            </a:r>
-          </a:p>
-        </p:txBody>
-      </p:sp>
-      <p:sp>
-        <p:nvSpPr>
-          <p:cNvPr id="15" name="TextBox 14">
-            <a:extLst>
-              <a:ext uri="{FF2B5EF4-FFF2-40B4-BE49-F238E27FC236}">
-                <a16:creationId xmlns:a16="http://schemas.microsoft.com/office/drawing/2014/main" id="{13E133E7-E2B2-4CE2-811E-4476E898435F}"/>
-              </a:ext>
-            </a:extLst>
-          </p:cNvPr>
-          <p:cNvSpPr txBox="1"/>
-          <p:nvPr/>
-        </p:nvSpPr>
-        <p:spPr>
-          <a:xfrm>
-            <a:off x="6795684" y="4976276"/>
-            <a:ext cx="4841050" cy="1569660"/>
-          </a:xfrm>
-          <a:prstGeom prst="rect">
-            <a:avLst/>
-          </a:prstGeom>
-          <a:noFill/>
-        </p:spPr>
-        <p:txBody>
-          <a:bodyPr wrap="square" rtlCol="0">
-            <a:spAutoFit/>
-          </a:bodyPr>
-          <a:lstStyle/>
+              <a:rPr lang="en-US" b="1" dirty="0"/>
+              <a:t>Resources</a:t>
+            </a:r>
+          </a:p>
           <a:p>
             <a:pPr marL="285750" indent="-285750">
               <a:buFont typeface="Arial" panose="020B0604020202020204" pitchFamily="34" charset="0"/>
               <a:buChar char="•"/>
             </a:pPr>
             <a:r>
-              <a:rPr lang="en-US" sz="1600" b="1" dirty="0"/>
-              <a:t>163 Asteroids met orbit criteria </a:t>
+              <a:rPr lang="en-US" dirty="0"/>
+              <a:t>Asterank Database </a:t>
             </a:r>
           </a:p>
           <a:p>
@@ -7243,8 +8709,8 @@
               <a:buChar char="•"/>
             </a:pPr>
             <a:r>
-              <a:rPr lang="en-US" sz="1600" b="1" dirty="0"/>
-              <a:t>Max orbit AU 1.2: Min  orbit 0.8 AU </a:t>
+              <a:rPr lang="en-US" dirty="0"/>
+              <a:t>Juniper notebook</a:t>
             </a:r>
           </a:p>
           <a:p>
@@ -7252,47 +8718,14 @@
               <a:buFont typeface="Arial" panose="020B0604020202020204" pitchFamily="34" charset="0"/>
               <a:buChar char="•"/>
             </a:pPr>
-            <a:r>
-              <a:rPr lang="en-US" sz="1600" dirty="0"/>
-              <a:t>82%  asteroids have no observed metals.</a:t>
-            </a:r>
-          </a:p>
-          <a:p>
-            <a:pPr marL="285750" indent="-285750">
-              <a:buFont typeface="Arial" panose="020B0604020202020204" pitchFamily="34" charset="0"/>
-              <a:buChar char="•"/>
-            </a:pPr>
-            <a:r>
-              <a:rPr lang="en-US" sz="1600" dirty="0"/>
-              <a:t>  5%  asteroids have between 1 to 110 trillion</a:t>
-            </a:r>
-          </a:p>
-          <a:p>
-            <a:pPr marL="285750" indent="-285750">
-              <a:buFont typeface="Arial" panose="020B0604020202020204" pitchFamily="34" charset="0"/>
-              <a:buChar char="•"/>
-            </a:pPr>
-            <a:r>
-              <a:rPr lang="en-US" sz="1600" dirty="0"/>
-              <a:t>11%  asteroids have between 1 to 999 billion</a:t>
-            </a:r>
-          </a:p>
-          <a:p>
-            <a:pPr marL="285750" indent="-285750">
-              <a:buFont typeface="Arial" panose="020B0604020202020204" pitchFamily="34" charset="0"/>
-              <a:buChar char="•"/>
-            </a:pPr>
-            <a:r>
-              <a:rPr lang="en-US" sz="1600" dirty="0"/>
-              <a:t>  4%  asteroids have between 1 to 999 million</a:t>
-            </a:r>
+            <a:endParaRPr lang="en-US" dirty="0"/>
           </a:p>
         </p:txBody>
       </p:sp>
     </p:spTree>
     <p:extLst>
       <p:ext uri="{BB962C8B-B14F-4D97-AF65-F5344CB8AC3E}">
-        <p14:creationId xmlns:p14="http://schemas.microsoft.com/office/powerpoint/2010/main" val="876408401"/>
+        <p14:creationId xmlns:p14="http://schemas.microsoft.com/office/powerpoint/2010/main" val="3531621586"/>
       </p:ext>
     </p:extLst>
   </p:cSld>
@@ -7319,12 +8752,47 @@
           <a:chExt cx="0" cy="0"/>
         </a:xfrm>
       </p:grpSpPr>
+      <p:sp>
+        <p:nvSpPr>
+          <p:cNvPr id="2" name="Title 1">
+            <a:extLst>
+              <a:ext uri="{FF2B5EF4-FFF2-40B4-BE49-F238E27FC236}">
+                <a16:creationId xmlns:a16="http://schemas.microsoft.com/office/drawing/2014/main" id="{C0FD52C8-9ADE-4FDF-9B3A-CDCAF500C013}"/>
+              </a:ext>
+            </a:extLst>
+          </p:cNvPr>
+          <p:cNvSpPr>
+            <a:spLocks noGrp="1"/>
+          </p:cNvSpPr>
+          <p:nvPr>
+            <p:ph type="title"/>
+          </p:nvPr>
+        </p:nvSpPr>
+        <p:spPr>
+          <a:xfrm>
+            <a:off x="2510246" y="65842"/>
+            <a:ext cx="10515600" cy="679904"/>
+          </a:xfrm>
+        </p:spPr>
+        <p:txBody>
+          <a:bodyPr>
+            <a:normAutofit/>
+          </a:bodyPr>
+          <a:lstStyle/>
+          <a:p>
+            <a:r>
+              <a:rPr lang="en-US" sz="3200" dirty="0"/>
+              <a:t>Number of Asteroids Near Earth Evaluated</a:t>
+            </a:r>
+          </a:p>
+        </p:txBody>
+      </p:sp>
       <p:pic>
         <p:nvPicPr>
-          <p:cNvPr id="27" name="Picture 26">
-            <a:extLst>
-              <a:ext uri="{FF2B5EF4-FFF2-40B4-BE49-F238E27FC236}">
-                <a16:creationId xmlns:a16="http://schemas.microsoft.com/office/drawing/2014/main" id="{E4FB527E-A921-409D-B058-51643B36323D}"/>
+          <p:cNvPr id="5" name="Picture 4">
+            <a:extLst>
+              <a:ext uri="{FF2B5EF4-FFF2-40B4-BE49-F238E27FC236}">
+                <a16:creationId xmlns:a16="http://schemas.microsoft.com/office/drawing/2014/main" id="{24C59FD2-CB35-4CB1-8A37-767D4628BD7C}"/>
               </a:ext>
             </a:extLst>
           </p:cNvPr>
@@ -7341,20 +8809,119 @@
         </p:blipFill>
         <p:spPr>
           <a:xfrm>
-            <a:off x="367842" y="753768"/>
-            <a:ext cx="4541918" cy="3444636"/>
+            <a:off x="133584" y="760843"/>
+            <a:ext cx="5273431" cy="4119868"/>
           </a:xfrm>
           <a:prstGeom prst="rect">
             <a:avLst/>
           </a:prstGeom>
         </p:spPr>
       </p:pic>
+      <p:sp>
+        <p:nvSpPr>
+          <p:cNvPr id="7" name="TextBox 6">
+            <a:extLst>
+              <a:ext uri="{FF2B5EF4-FFF2-40B4-BE49-F238E27FC236}">
+                <a16:creationId xmlns:a16="http://schemas.microsoft.com/office/drawing/2014/main" id="{5659E0F7-5F0D-4974-98BC-4CF8B281ABE8}"/>
+              </a:ext>
+            </a:extLst>
+          </p:cNvPr>
+          <p:cNvSpPr txBox="1"/>
+          <p:nvPr/>
+        </p:nvSpPr>
+        <p:spPr>
+          <a:xfrm>
+            <a:off x="332880" y="4944442"/>
+            <a:ext cx="5273431" cy="1815882"/>
+          </a:xfrm>
+          <a:prstGeom prst="rect">
+            <a:avLst/>
+          </a:prstGeom>
+          <a:noFill/>
+        </p:spPr>
+        <p:txBody>
+          <a:bodyPr wrap="none" rtlCol="0">
+            <a:spAutoFit/>
+          </a:bodyPr>
+          <a:lstStyle/>
+          <a:p>
+            <a:pPr marL="285750" indent="-285750">
+              <a:buFont typeface="Arial" panose="020B0604020202020204" pitchFamily="34" charset="0"/>
+              <a:buChar char="•"/>
+            </a:pPr>
+            <a:r>
+              <a:rPr lang="en-US" sz="1600" b="1" dirty="0"/>
+              <a:t>4000 asteroids were considered </a:t>
+            </a:r>
+          </a:p>
+          <a:p>
+            <a:pPr marL="285750" indent="-285750">
+              <a:buFont typeface="Arial" panose="020B0604020202020204" pitchFamily="34" charset="0"/>
+              <a:buChar char="•"/>
+            </a:pPr>
+            <a:r>
+              <a:rPr lang="en-US" sz="1600" b="1" dirty="0"/>
+              <a:t>Max orbit 365 AU: Min orbit 0.642 AU</a:t>
+            </a:r>
+          </a:p>
+          <a:p>
+            <a:pPr marL="285750" indent="-285750">
+              <a:buFont typeface="Arial" panose="020B0604020202020204" pitchFamily="34" charset="0"/>
+              <a:buChar char="•"/>
+            </a:pPr>
+            <a:r>
+              <a:rPr lang="en-US" sz="1600" dirty="0"/>
+              <a:t>75%  asteroids have no observed metals.</a:t>
+            </a:r>
+          </a:p>
+          <a:p>
+            <a:pPr marL="285750" indent="-285750">
+              <a:buFont typeface="Arial" panose="020B0604020202020204" pitchFamily="34" charset="0"/>
+              <a:buChar char="•"/>
+            </a:pPr>
+            <a:r>
+              <a:rPr lang="en-US" sz="1600" dirty="0"/>
+              <a:t>18%  asteroids have over 110 trillion of identified metals</a:t>
+            </a:r>
+          </a:p>
+          <a:p>
+            <a:pPr marL="285750" indent="-285750">
+              <a:buFont typeface="Arial" panose="020B0604020202020204" pitchFamily="34" charset="0"/>
+              <a:buChar char="•"/>
+            </a:pPr>
+            <a:r>
+              <a:rPr lang="en-US" sz="1600" dirty="0"/>
+              <a:t>  2%  asteroids have between 1 to 110 trillion</a:t>
+            </a:r>
+          </a:p>
+          <a:p>
+            <a:pPr marL="285750" indent="-285750">
+              <a:buFont typeface="Arial" panose="020B0604020202020204" pitchFamily="34" charset="0"/>
+              <a:buChar char="•"/>
+            </a:pPr>
+            <a:r>
+              <a:rPr lang="en-US" sz="1600" dirty="0"/>
+              <a:t>  5%  asteroids have between 1 to 999 billion</a:t>
+            </a:r>
+          </a:p>
+          <a:p>
+            <a:pPr marL="285750" indent="-285750">
+              <a:buFont typeface="Arial" panose="020B0604020202020204" pitchFamily="34" charset="0"/>
+              <a:buChar char="•"/>
+            </a:pPr>
+            <a:r>
+              <a:rPr lang="en-US" sz="1600" dirty="0"/>
+              <a:t>  1%  asteroids have between 1 to 999 million</a:t>
+            </a:r>
+          </a:p>
+        </p:txBody>
+      </p:sp>
       <p:pic>
         <p:nvPicPr>
-          <p:cNvPr id="29" name="Picture 28">
-            <a:extLst>
-              <a:ext uri="{FF2B5EF4-FFF2-40B4-BE49-F238E27FC236}">
-                <a16:creationId xmlns:a16="http://schemas.microsoft.com/office/drawing/2014/main" id="{AB03EA58-CD40-41E9-A214-67E57E53862B}"/>
+          <p:cNvPr id="9" name="Picture 8">
+            <a:extLst>
+              <a:ext uri="{FF2B5EF4-FFF2-40B4-BE49-F238E27FC236}">
+                <a16:creationId xmlns:a16="http://schemas.microsoft.com/office/drawing/2014/main" id="{43A9488F-BEA3-41F5-A29A-AB4A57527ECD}"/>
               </a:ext>
             </a:extLst>
           </p:cNvPr>
@@ -7371,8 +8938,8 @@
         </p:blipFill>
         <p:spPr>
           <a:xfrm>
-            <a:off x="6394485" y="757188"/>
-            <a:ext cx="4806323" cy="3504460"/>
+            <a:off x="6537769" y="807503"/>
+            <a:ext cx="5098965" cy="4075182"/>
           </a:xfrm>
           <a:prstGeom prst="rect">
             <a:avLst/>
@@ -7381,10 +8948,10 @@
       </p:pic>
       <p:sp>
         <p:nvSpPr>
-          <p:cNvPr id="31" name="TextBox 30">
-            <a:extLst>
-              <a:ext uri="{FF2B5EF4-FFF2-40B4-BE49-F238E27FC236}">
-                <a16:creationId xmlns:a16="http://schemas.microsoft.com/office/drawing/2014/main" id="{2A3EE295-18EB-48CC-9460-A7C612EEC4E9}"/>
+          <p:cNvPr id="11" name="TextBox 10">
+            <a:extLst>
+              <a:ext uri="{FF2B5EF4-FFF2-40B4-BE49-F238E27FC236}">
+                <a16:creationId xmlns:a16="http://schemas.microsoft.com/office/drawing/2014/main" id="{7CBF28D3-7830-46C5-99BD-C458D2B67C7B}"/>
               </a:ext>
             </a:extLst>
           </p:cNvPr>
@@ -7393,8 +8960,8 @@
         </p:nvSpPr>
         <p:spPr>
           <a:xfrm>
-            <a:off x="117774" y="4542145"/>
-            <a:ext cx="5042055" cy="2062103"/>
+            <a:off x="8358009" y="1807411"/>
+            <a:ext cx="3163431" cy="1169551"/>
           </a:xfrm>
           <a:prstGeom prst="rect">
             <a:avLst/>
@@ -7407,66 +8974,43 @@
           </a:bodyPr>
           <a:lstStyle/>
           <a:p>
-            <a:pPr algn="ctr"/>
-            <a:r>
-              <a:rPr lang="en-US" sz="1600" b="1" dirty="0"/>
-              <a:t>Scatter plot</a:t>
-            </a:r>
-            <a:endParaRPr lang="en-US" sz="1600" dirty="0"/>
-          </a:p>
-          <a:p>
-            <a:pPr marL="285750" indent="-285750">
-              <a:buFont typeface="Arial" panose="020B0604020202020204" pitchFamily="34" charset="0"/>
-              <a:buChar char="•"/>
-            </a:pPr>
-            <a:r>
-              <a:rPr lang="en-US" sz="1600" dirty="0"/>
-              <a:t>Plot represents 163 asteroids ranging from 0$ to 100$ trillion (Orbit of asteroids 0.8 to 1.2 AU).</a:t>
-            </a:r>
-          </a:p>
-          <a:p>
-            <a:pPr marL="285750" indent="-285750">
-              <a:buFont typeface="Arial" panose="020B0604020202020204" pitchFamily="34" charset="0"/>
-              <a:buChar char="•"/>
-            </a:pPr>
-            <a:r>
-              <a:rPr lang="en-US" sz="1600" dirty="0"/>
-              <a:t>X axis range is 0 (Low metal density) to 1.1 trillion (High metal density). </a:t>
-            </a:r>
-          </a:p>
-          <a:p>
-            <a:pPr marL="285750" indent="-285750">
-              <a:buFont typeface="Arial" panose="020B0604020202020204" pitchFamily="34" charset="0"/>
-              <a:buChar char="•"/>
-            </a:pPr>
-            <a:r>
-              <a:rPr lang="en-US" sz="1600" dirty="0"/>
-              <a:t>r</a:t>
-            </a:r>
-            <a:r>
-              <a:rPr lang="en-US" sz="1600" baseline="30000" dirty="0"/>
-              <a:t>2</a:t>
-            </a:r>
-            <a:r>
-              <a:rPr lang="en-US" sz="1600" dirty="0"/>
-              <a:t> value  suggests there is no correlation between orbit distance and quantity of metal on an asteroid</a:t>
-            </a:r>
-          </a:p>
-          <a:p>
-            <a:pPr marL="285750" indent="-285750">
-              <a:buFont typeface="Arial" panose="020B0604020202020204" pitchFamily="34" charset="0"/>
-              <a:buChar char="•"/>
-            </a:pPr>
-            <a:endParaRPr lang="en-US" sz="1600" dirty="0"/>
-          </a:p>
-        </p:txBody>
-      </p:sp>
-      <p:sp>
-        <p:nvSpPr>
-          <p:cNvPr id="33" name="TextBox 32">
-            <a:extLst>
-              <a:ext uri="{FF2B5EF4-FFF2-40B4-BE49-F238E27FC236}">
-                <a16:creationId xmlns:a16="http://schemas.microsoft.com/office/drawing/2014/main" id="{C6427794-F3EE-4CB1-A66B-697D169EBE0B}"/>
+            <a:r>
+              <a:rPr lang="en-US" sz="1400" dirty="0"/>
+              <a:t>A _High Metal Content (over 100 trillion)</a:t>
+            </a:r>
+          </a:p>
+          <a:p>
+            <a:r>
+              <a:rPr lang="en-US" sz="1400" dirty="0"/>
+              <a:t>B_Metal Content  (1 to 100 trillion)</a:t>
+            </a:r>
+          </a:p>
+          <a:p>
+            <a:r>
+              <a:rPr lang="en-US" sz="1400" dirty="0"/>
+              <a:t>C_Low Metal Content( 1 to 999 billion)</a:t>
+            </a:r>
+          </a:p>
+          <a:p>
+            <a:r>
+              <a:rPr lang="en-US" sz="1400" dirty="0"/>
+              <a:t>D_Very Low Content (1 to 999 million)</a:t>
+            </a:r>
+          </a:p>
+          <a:p>
+            <a:r>
+              <a:rPr lang="en-US" sz="1400" dirty="0"/>
+              <a:t>E_No Metal Identified</a:t>
+            </a:r>
+          </a:p>
+        </p:txBody>
+      </p:sp>
+      <p:sp>
+        <p:nvSpPr>
+          <p:cNvPr id="13" name="TextBox 12">
+            <a:extLst>
+              <a:ext uri="{FF2B5EF4-FFF2-40B4-BE49-F238E27FC236}">
+                <a16:creationId xmlns:a16="http://schemas.microsoft.com/office/drawing/2014/main" id="{32DEDD53-DF9C-49F4-967B-0C4ABD47EA17}"/>
               </a:ext>
             </a:extLst>
           </p:cNvPr>
@@ -7475,8 +9019,8 @@
         </p:nvSpPr>
         <p:spPr>
           <a:xfrm>
-            <a:off x="6096000" y="4542145"/>
-            <a:ext cx="5613763" cy="2062103"/>
+            <a:off x="1955634" y="1651226"/>
+            <a:ext cx="3156954" cy="1169551"/>
           </a:xfrm>
           <a:prstGeom prst="rect">
             <a:avLst/>
@@ -7484,71 +9028,48 @@
           <a:noFill/>
         </p:spPr>
         <p:txBody>
-          <a:bodyPr wrap="square">
+          <a:bodyPr wrap="none" rtlCol="0">
             <a:spAutoFit/>
           </a:bodyPr>
           <a:lstStyle/>
           <a:p>
-            <a:pPr algn="ctr"/>
-            <a:r>
-              <a:rPr lang="en-US" sz="1600" b="1" dirty="0"/>
-              <a:t>Boxplot</a:t>
-            </a:r>
-          </a:p>
-          <a:p>
-            <a:pPr marL="285750" indent="-285750">
-              <a:buFont typeface="Arial" panose="020B0604020202020204" pitchFamily="34" charset="0"/>
-              <a:buChar char="•"/>
-            </a:pPr>
-            <a:r>
-              <a:rPr lang="en-US" sz="1600" dirty="0"/>
-              <a:t>Plot represents 163 asteroids ranging from 0$ to 100 trillion$.</a:t>
-            </a:r>
-          </a:p>
-          <a:p>
-            <a:r>
-              <a:rPr lang="en-US" sz="1600" dirty="0"/>
-              <a:t>      Orbit of asteroids 0.8 to 1.2 AU.</a:t>
-            </a:r>
-          </a:p>
-          <a:p>
-            <a:pPr marL="285750" indent="-285750">
-              <a:buFont typeface="Arial" panose="020B0604020202020204" pitchFamily="34" charset="0"/>
-              <a:buChar char="•"/>
-            </a:pPr>
-            <a:r>
-              <a:rPr lang="en-US" sz="1600" dirty="0"/>
-              <a:t>No asteroids over 110 trillion were observed in orbital restricted data set.</a:t>
-            </a:r>
-          </a:p>
-          <a:p>
-            <a:pPr marL="285750" indent="-285750">
-              <a:buFont typeface="Arial" panose="020B0604020202020204" pitchFamily="34" charset="0"/>
-              <a:buChar char="•"/>
-            </a:pPr>
-            <a:r>
-              <a:rPr lang="en-US" sz="1600" dirty="0"/>
-              <a:t>B_Metal content mean falls within the data distribution.</a:t>
-            </a:r>
-          </a:p>
-          <a:p>
-            <a:pPr marL="285750" indent="-285750">
-              <a:buFont typeface="Arial" panose="020B0604020202020204" pitchFamily="34" charset="0"/>
-              <a:buChar char="•"/>
-            </a:pPr>
-            <a:r>
-              <a:rPr lang="en-US" sz="1600" dirty="0"/>
-              <a:t>C_Low metal Content did have outliers. For this exercise not significant</a:t>
-            </a:r>
-          </a:p>
-        </p:txBody>
-      </p:sp>
-      <p:sp>
-        <p:nvSpPr>
-          <p:cNvPr id="35" name="TextBox 34">
-            <a:extLst>
-              <a:ext uri="{FF2B5EF4-FFF2-40B4-BE49-F238E27FC236}">
-                <a16:creationId xmlns:a16="http://schemas.microsoft.com/office/drawing/2014/main" id="{1D3AC675-BF07-4436-B680-0D3F71D36A98}"/>
+            <a:r>
+              <a:rPr lang="en-US" sz="1400" dirty="0"/>
+              <a:t>A _High Metal Content (over 100 trillion)</a:t>
+            </a:r>
+          </a:p>
+          <a:p>
+            <a:r>
+              <a:rPr lang="en-US" sz="1400" dirty="0"/>
+              <a:t>B_Metal Content  (1 to 100 trillion)</a:t>
+            </a:r>
+          </a:p>
+          <a:p>
+            <a:r>
+              <a:rPr lang="en-US" sz="1400" dirty="0"/>
+              <a:t>C_Low Metal Content( 1 to 999 billion)</a:t>
+            </a:r>
+          </a:p>
+          <a:p>
+            <a:r>
+              <a:rPr lang="en-US" sz="1400" dirty="0"/>
+              <a:t>D_Very Low Content (1 to 999 million)</a:t>
+            </a:r>
+          </a:p>
+          <a:p>
+            <a:r>
+              <a:rPr lang="en-US" sz="1400" dirty="0"/>
+              <a:t>E_No Metal Identified</a:t>
+            </a:r>
+          </a:p>
+        </p:txBody>
+      </p:sp>
+      <p:sp>
+        <p:nvSpPr>
+          <p:cNvPr id="15" name="TextBox 14">
+            <a:extLst>
+              <a:ext uri="{FF2B5EF4-FFF2-40B4-BE49-F238E27FC236}">
+                <a16:creationId xmlns:a16="http://schemas.microsoft.com/office/drawing/2014/main" id="{13E133E7-E2B2-4CE2-811E-4476E898435F}"/>
               </a:ext>
             </a:extLst>
           </p:cNvPr>
@@ -7557,8 +9078,8 @@
         </p:nvSpPr>
         <p:spPr>
           <a:xfrm>
-            <a:off x="2001983" y="47613"/>
-            <a:ext cx="8188034" cy="646331"/>
+            <a:off x="6795684" y="4976276"/>
+            <a:ext cx="4841050" cy="1569660"/>
           </a:xfrm>
           <a:prstGeom prst="rect">
             <a:avLst/>
@@ -7566,16 +9087,68 @@
           <a:noFill/>
         </p:spPr>
         <p:txBody>
-          <a:bodyPr wrap="square">
+          <a:bodyPr wrap="square" rtlCol="0">
             <a:spAutoFit/>
           </a:bodyPr>
           <a:lstStyle/>
           <a:p>
-            <a:r>
-              <a:rPr lang="en-US" sz="3600" dirty="0">
-                <a:latin typeface="+mj-lt"/>
-              </a:rPr>
-              <a:t>Near Earth Orbit Asteroids (0.8 to 1.2 AU)</a:t>
+            <a:pPr marL="285750" indent="-285750">
+              <a:buFont typeface="Arial" panose="020B0604020202020204" pitchFamily="34" charset="0"/>
+              <a:buChar char="•"/>
+            </a:pPr>
+            <a:r>
+              <a:rPr lang="en-US" sz="1600" b="1" dirty="0"/>
+              <a:t>163 Asteroids met orbit criteria </a:t>
+            </a:r>
+          </a:p>
+          <a:p>
+            <a:pPr marL="285750" indent="-285750">
+              <a:buFont typeface="Arial" panose="020B0604020202020204" pitchFamily="34" charset="0"/>
+              <a:buChar char="•"/>
+            </a:pPr>
+            <a:r>
+              <a:rPr lang="en-US" sz="1600" b="1" dirty="0"/>
+              <a:t>Max orbit AU 1.2: Min  orbit 0.8 AU </a:t>
+            </a:r>
+          </a:p>
+          <a:p>
+            <a:pPr marL="285750" indent="-285750">
+              <a:buFont typeface="Arial" panose="020B0604020202020204" pitchFamily="34" charset="0"/>
+              <a:buChar char="•"/>
+            </a:pPr>
+            <a:r>
+              <a:rPr lang="en-US" sz="1600" dirty="0"/>
+              <a:t>82%  asteroids have no observed metals.</a:t>
+            </a:r>
+          </a:p>
+          <a:p>
+            <a:pPr marL="285750" indent="-285750">
+              <a:buFont typeface="Arial" panose="020B0604020202020204" pitchFamily="34" charset="0"/>
+              <a:buChar char="•"/>
+            </a:pPr>
+            <a:r>
+              <a:rPr lang="en-US" sz="1600" dirty="0"/>
+              <a:t>  5%  asteroids have between 1 to 110 trillion</a:t>
+            </a:r>
+          </a:p>
+          <a:p>
+            <a:pPr marL="285750" indent="-285750">
+              <a:buFont typeface="Arial" panose="020B0604020202020204" pitchFamily="34" charset="0"/>
+              <a:buChar char="•"/>
+            </a:pPr>
+            <a:r>
+              <a:rPr lang="en-US" sz="1600" dirty="0"/>
+              <a:t>11%  asteroids have between 1 to 999 billion</a:t>
+            </a:r>
+          </a:p>
+          <a:p>
+            <a:pPr marL="285750" indent="-285750">
+              <a:buFont typeface="Arial" panose="020B0604020202020204" pitchFamily="34" charset="0"/>
+              <a:buChar char="•"/>
+            </a:pPr>
+            <a:r>
+              <a:rPr lang="en-US" sz="1600" dirty="0"/>
+              <a:t>  4%  asteroids have between 1 to 999 million</a:t>
             </a:r>
           </a:p>
         </p:txBody>
@@ -7583,7 +9156,7 @@
     </p:spTree>
     <p:extLst>
       <p:ext uri="{BB962C8B-B14F-4D97-AF65-F5344CB8AC3E}">
-        <p14:creationId xmlns:p14="http://schemas.microsoft.com/office/powerpoint/2010/main" val="2282558813"/>
+        <p14:creationId xmlns:p14="http://schemas.microsoft.com/office/powerpoint/2010/main" val="876408401"/>
       </p:ext>
     </p:extLst>
   </p:cSld>
@@ -7610,6 +9183,297 @@
           <a:chExt cx="0" cy="0"/>
         </a:xfrm>
       </p:grpSpPr>
+      <p:pic>
+        <p:nvPicPr>
+          <p:cNvPr id="27" name="Picture 26">
+            <a:extLst>
+              <a:ext uri="{FF2B5EF4-FFF2-40B4-BE49-F238E27FC236}">
+                <a16:creationId xmlns:a16="http://schemas.microsoft.com/office/drawing/2014/main" id="{E4FB527E-A921-409D-B058-51643B36323D}"/>
+              </a:ext>
+            </a:extLst>
+          </p:cNvPr>
+          <p:cNvPicPr>
+            <a:picLocks noChangeAspect="1"/>
+          </p:cNvPicPr>
+          <p:nvPr/>
+        </p:nvPicPr>
+        <p:blipFill>
+          <a:blip r:embed="rId2"/>
+          <a:stretch>
+            <a:fillRect/>
+          </a:stretch>
+        </p:blipFill>
+        <p:spPr>
+          <a:xfrm>
+            <a:off x="367842" y="753768"/>
+            <a:ext cx="4541918" cy="3444636"/>
+          </a:xfrm>
+          <a:prstGeom prst="rect">
+            <a:avLst/>
+          </a:prstGeom>
+        </p:spPr>
+      </p:pic>
+      <p:pic>
+        <p:nvPicPr>
+          <p:cNvPr id="29" name="Picture 28">
+            <a:extLst>
+              <a:ext uri="{FF2B5EF4-FFF2-40B4-BE49-F238E27FC236}">
+                <a16:creationId xmlns:a16="http://schemas.microsoft.com/office/drawing/2014/main" id="{AB03EA58-CD40-41E9-A214-67E57E53862B}"/>
+              </a:ext>
+            </a:extLst>
+          </p:cNvPr>
+          <p:cNvPicPr>
+            <a:picLocks noChangeAspect="1"/>
+          </p:cNvPicPr>
+          <p:nvPr/>
+        </p:nvPicPr>
+        <p:blipFill>
+          <a:blip r:embed="rId3"/>
+          <a:stretch>
+            <a:fillRect/>
+          </a:stretch>
+        </p:blipFill>
+        <p:spPr>
+          <a:xfrm>
+            <a:off x="6394485" y="757188"/>
+            <a:ext cx="4806323" cy="3504460"/>
+          </a:xfrm>
+          <a:prstGeom prst="rect">
+            <a:avLst/>
+          </a:prstGeom>
+        </p:spPr>
+      </p:pic>
+      <p:sp>
+        <p:nvSpPr>
+          <p:cNvPr id="31" name="TextBox 30">
+            <a:extLst>
+              <a:ext uri="{FF2B5EF4-FFF2-40B4-BE49-F238E27FC236}">
+                <a16:creationId xmlns:a16="http://schemas.microsoft.com/office/drawing/2014/main" id="{2A3EE295-18EB-48CC-9460-A7C612EEC4E9}"/>
+              </a:ext>
+            </a:extLst>
+          </p:cNvPr>
+          <p:cNvSpPr txBox="1"/>
+          <p:nvPr/>
+        </p:nvSpPr>
+        <p:spPr>
+          <a:xfrm>
+            <a:off x="117774" y="4542145"/>
+            <a:ext cx="5042055" cy="2062103"/>
+          </a:xfrm>
+          <a:prstGeom prst="rect">
+            <a:avLst/>
+          </a:prstGeom>
+          <a:noFill/>
+        </p:spPr>
+        <p:txBody>
+          <a:bodyPr wrap="square">
+            <a:spAutoFit/>
+          </a:bodyPr>
+          <a:lstStyle/>
+          <a:p>
+            <a:pPr algn="ctr"/>
+            <a:r>
+              <a:rPr lang="en-US" sz="1600" b="1" dirty="0"/>
+              <a:t>Scatter plot</a:t>
+            </a:r>
+            <a:endParaRPr lang="en-US" sz="1600" dirty="0"/>
+          </a:p>
+          <a:p>
+            <a:pPr marL="285750" indent="-285750">
+              <a:buFont typeface="Arial" panose="020B0604020202020204" pitchFamily="34" charset="0"/>
+              <a:buChar char="•"/>
+            </a:pPr>
+            <a:r>
+              <a:rPr lang="en-US" sz="1600" dirty="0"/>
+              <a:t>Plot represents 163 asteroids ranging from 0$ to 100$ trillion (Orbit of asteroids 0.8 to 1.2 AU).</a:t>
+            </a:r>
+          </a:p>
+          <a:p>
+            <a:pPr marL="285750" indent="-285750">
+              <a:buFont typeface="Arial" panose="020B0604020202020204" pitchFamily="34" charset="0"/>
+              <a:buChar char="•"/>
+            </a:pPr>
+            <a:r>
+              <a:rPr lang="en-US" sz="1600" dirty="0"/>
+              <a:t>X axis range is 0 (Low metal density) to 1.1 trillion (High metal density). </a:t>
+            </a:r>
+          </a:p>
+          <a:p>
+            <a:pPr marL="285750" indent="-285750">
+              <a:buFont typeface="Arial" panose="020B0604020202020204" pitchFamily="34" charset="0"/>
+              <a:buChar char="•"/>
+            </a:pPr>
+            <a:r>
+              <a:rPr lang="en-US" sz="1600" dirty="0"/>
+              <a:t>r</a:t>
+            </a:r>
+            <a:r>
+              <a:rPr lang="en-US" sz="1600" baseline="30000" dirty="0"/>
+              <a:t>2</a:t>
+            </a:r>
+            <a:r>
+              <a:rPr lang="en-US" sz="1600" dirty="0"/>
+              <a:t> value  suggests there is no correlation between orbit distance and quantity of metal on an asteroid</a:t>
+            </a:r>
+          </a:p>
+          <a:p>
+            <a:pPr marL="285750" indent="-285750">
+              <a:buFont typeface="Arial" panose="020B0604020202020204" pitchFamily="34" charset="0"/>
+              <a:buChar char="•"/>
+            </a:pPr>
+            <a:endParaRPr lang="en-US" sz="1600" dirty="0"/>
+          </a:p>
+        </p:txBody>
+      </p:sp>
+      <p:sp>
+        <p:nvSpPr>
+          <p:cNvPr id="33" name="TextBox 32">
+            <a:extLst>
+              <a:ext uri="{FF2B5EF4-FFF2-40B4-BE49-F238E27FC236}">
+                <a16:creationId xmlns:a16="http://schemas.microsoft.com/office/drawing/2014/main" id="{C6427794-F3EE-4CB1-A66B-697D169EBE0B}"/>
+              </a:ext>
+            </a:extLst>
+          </p:cNvPr>
+          <p:cNvSpPr txBox="1"/>
+          <p:nvPr/>
+        </p:nvSpPr>
+        <p:spPr>
+          <a:xfrm>
+            <a:off x="6096000" y="4542145"/>
+            <a:ext cx="5613763" cy="2062103"/>
+          </a:xfrm>
+          <a:prstGeom prst="rect">
+            <a:avLst/>
+          </a:prstGeom>
+          <a:noFill/>
+        </p:spPr>
+        <p:txBody>
+          <a:bodyPr wrap="square">
+            <a:spAutoFit/>
+          </a:bodyPr>
+          <a:lstStyle/>
+          <a:p>
+            <a:pPr algn="ctr"/>
+            <a:r>
+              <a:rPr lang="en-US" sz="1600" b="1" dirty="0"/>
+              <a:t>Boxplot</a:t>
+            </a:r>
+          </a:p>
+          <a:p>
+            <a:pPr marL="285750" indent="-285750">
+              <a:buFont typeface="Arial" panose="020B0604020202020204" pitchFamily="34" charset="0"/>
+              <a:buChar char="•"/>
+            </a:pPr>
+            <a:r>
+              <a:rPr lang="en-US" sz="1600" dirty="0"/>
+              <a:t>Plot represents 163 asteroids ranging from 0$ to 100 trillion$.</a:t>
+            </a:r>
+          </a:p>
+          <a:p>
+            <a:r>
+              <a:rPr lang="en-US" sz="1600" dirty="0"/>
+              <a:t>      Orbit of asteroids 0.8 to 1.2 AU.</a:t>
+            </a:r>
+          </a:p>
+          <a:p>
+            <a:pPr marL="285750" indent="-285750">
+              <a:buFont typeface="Arial" panose="020B0604020202020204" pitchFamily="34" charset="0"/>
+              <a:buChar char="•"/>
+            </a:pPr>
+            <a:r>
+              <a:rPr lang="en-US" sz="1600" dirty="0"/>
+              <a:t>No asteroids over 110 trillion were observed in orbital restricted data set.</a:t>
+            </a:r>
+          </a:p>
+          <a:p>
+            <a:pPr marL="285750" indent="-285750">
+              <a:buFont typeface="Arial" panose="020B0604020202020204" pitchFamily="34" charset="0"/>
+              <a:buChar char="•"/>
+            </a:pPr>
+            <a:r>
+              <a:rPr lang="en-US" sz="1600" dirty="0"/>
+              <a:t>B_Metal content mean falls within the data distribution.</a:t>
+            </a:r>
+          </a:p>
+          <a:p>
+            <a:pPr marL="285750" indent="-285750">
+              <a:buFont typeface="Arial" panose="020B0604020202020204" pitchFamily="34" charset="0"/>
+              <a:buChar char="•"/>
+            </a:pPr>
+            <a:r>
+              <a:rPr lang="en-US" sz="1600" dirty="0"/>
+              <a:t>C_Low metal Content did have outliers. For this exercise not significant</a:t>
+            </a:r>
+          </a:p>
+        </p:txBody>
+      </p:sp>
+      <p:sp>
+        <p:nvSpPr>
+          <p:cNvPr id="35" name="TextBox 34">
+            <a:extLst>
+              <a:ext uri="{FF2B5EF4-FFF2-40B4-BE49-F238E27FC236}">
+                <a16:creationId xmlns:a16="http://schemas.microsoft.com/office/drawing/2014/main" id="{1D3AC675-BF07-4436-B680-0D3F71D36A98}"/>
+              </a:ext>
+            </a:extLst>
+          </p:cNvPr>
+          <p:cNvSpPr txBox="1"/>
+          <p:nvPr/>
+        </p:nvSpPr>
+        <p:spPr>
+          <a:xfrm>
+            <a:off x="2001983" y="47613"/>
+            <a:ext cx="8188034" cy="646331"/>
+          </a:xfrm>
+          <a:prstGeom prst="rect">
+            <a:avLst/>
+          </a:prstGeom>
+          <a:noFill/>
+        </p:spPr>
+        <p:txBody>
+          <a:bodyPr wrap="square">
+            <a:spAutoFit/>
+          </a:bodyPr>
+          <a:lstStyle/>
+          <a:p>
+            <a:r>
+              <a:rPr lang="en-US" sz="3600" dirty="0">
+                <a:latin typeface="+mj-lt"/>
+              </a:rPr>
+              <a:t>Near Earth Orbit Asteroids (0.8 to 1.2 AU)</a:t>
+            </a:r>
+          </a:p>
+        </p:txBody>
+      </p:sp>
+    </p:spTree>
+    <p:extLst>
+      <p:ext uri="{BB962C8B-B14F-4D97-AF65-F5344CB8AC3E}">
+        <p14:creationId xmlns:p14="http://schemas.microsoft.com/office/powerpoint/2010/main" val="2282558813"/>
+      </p:ext>
+    </p:extLst>
+  </p:cSld>
+  <p:clrMapOvr>
+    <a:masterClrMapping/>
+  </p:clrMapOvr>
+</p:sld>
+</file>
+
+<file path=ppt/slides/slide8.xml><?xml version="1.0" encoding="utf-8"?>
+<p:sld xmlns:a="http://schemas.openxmlformats.org/drawingml/2006/main" xmlns:r="http://schemas.openxmlformats.org/officeDocument/2006/relationships" xmlns:p="http://schemas.openxmlformats.org/presentationml/2006/main">
+  <p:cSld>
+    <p:spTree>
+      <p:nvGrpSpPr>
+        <p:cNvPr id="1" name=""/>
+        <p:cNvGrpSpPr/>
+        <p:nvPr/>
+      </p:nvGrpSpPr>
+      <p:grpSpPr>
+        <a:xfrm>
+          <a:off x="0" y="0"/>
+          <a:ext cx="0" cy="0"/>
+          <a:chOff x="0" y="0"/>
+          <a:chExt cx="0" cy="0"/>
+        </a:xfrm>
+      </p:grpSpPr>
       <p:sp>
         <p:nvSpPr>
           <p:cNvPr id="2" name="Title 1">
@@ -7640,7 +9504,7 @@
           <a:p>
             <a:pPr algn="ctr"/>
             <a:r>
-              <a:rPr lang="en-US" dirty="0"/>
+              <a:rPr lang="en-US" u="sng" dirty="0"/>
               <a:t>One Sample t-test</a:t>
             </a:r>
           </a:p>
@@ -7970,97 +9834,6 @@
 </p:sld>
 </file>
 
-<file path=ppt/slides/slide8.xml><?xml version="1.0" encoding="utf-8"?>
-<p:sld xmlns:a="http://schemas.openxmlformats.org/drawingml/2006/main" xmlns:r="http://schemas.openxmlformats.org/officeDocument/2006/relationships" xmlns:p="http://schemas.openxmlformats.org/presentationml/2006/main">
-  <p:cSld>
-    <p:spTree>
-      <p:nvGrpSpPr>
-        <p:cNvPr id="1" name=""/>
-        <p:cNvGrpSpPr/>
-        <p:nvPr/>
-      </p:nvGrpSpPr>
-      <p:grpSpPr>
-        <a:xfrm>
-          <a:off x="0" y="0"/>
-          <a:ext cx="0" cy="0"/>
-          <a:chOff x="0" y="0"/>
-          <a:chExt cx="0" cy="0"/>
-        </a:xfrm>
-      </p:grpSpPr>
-      <p:sp>
-        <p:nvSpPr>
-          <p:cNvPr id="2" name="Title 1">
-            <a:extLst>
-              <a:ext uri="{FF2B5EF4-FFF2-40B4-BE49-F238E27FC236}">
-                <a16:creationId xmlns:a16="http://schemas.microsoft.com/office/drawing/2014/main" id="{573D67AD-7A43-4613-BB13-2BD8681EB502}"/>
-              </a:ext>
-            </a:extLst>
-          </p:cNvPr>
-          <p:cNvSpPr>
-            <a:spLocks noGrp="1"/>
-          </p:cNvSpPr>
-          <p:nvPr>
-            <p:ph type="title"/>
-          </p:nvPr>
-        </p:nvSpPr>
-        <p:spPr>
-          <a:xfrm>
-            <a:off x="838200" y="365126"/>
-            <a:ext cx="4177937" cy="1058726"/>
-          </a:xfrm>
-        </p:spPr>
-        <p:txBody>
-          <a:bodyPr>
-            <a:normAutofit/>
-          </a:bodyPr>
-          <a:lstStyle/>
-          <a:p>
-            <a:pPr algn="ctr"/>
-            <a:r>
-              <a:rPr lang="en-US" dirty="0"/>
-              <a:t>Eric place Holder</a:t>
-            </a:r>
-          </a:p>
-        </p:txBody>
-      </p:sp>
-      <p:sp>
-        <p:nvSpPr>
-          <p:cNvPr id="3" name="Content Placeholder 2">
-            <a:extLst>
-              <a:ext uri="{FF2B5EF4-FFF2-40B4-BE49-F238E27FC236}">
-                <a16:creationId xmlns:a16="http://schemas.microsoft.com/office/drawing/2014/main" id="{1EB92A6F-0933-4F55-A7E3-1BD1D4DC15C5}"/>
-              </a:ext>
-            </a:extLst>
-          </p:cNvPr>
-          <p:cNvSpPr>
-            <a:spLocks noGrp="1"/>
-          </p:cNvSpPr>
-          <p:nvPr>
-            <p:ph idx="1"/>
-          </p:nvPr>
-        </p:nvSpPr>
-        <p:spPr/>
-        <p:txBody>
-          <a:bodyPr/>
-          <a:lstStyle/>
-          <a:p>
-            <a:endParaRPr lang="en-US" dirty="0"/>
-          </a:p>
-        </p:txBody>
-      </p:sp>
-    </p:spTree>
-    <p:extLst>
-      <p:ext uri="{BB962C8B-B14F-4D97-AF65-F5344CB8AC3E}">
-        <p14:creationId xmlns:p14="http://schemas.microsoft.com/office/powerpoint/2010/main" val="1815479445"/>
-      </p:ext>
-    </p:extLst>
-  </p:cSld>
-  <p:clrMapOvr>
-    <a:masterClrMapping/>
-  </p:clrMapOvr>
-</p:sld>
-</file>
-
 <file path=ppt/slides/slide9.xml><?xml version="1.0" encoding="utf-8"?>
 <p:sld xmlns:a="http://schemas.openxmlformats.org/drawingml/2006/main" xmlns:r="http://schemas.openxmlformats.org/officeDocument/2006/relationships" xmlns:p="http://schemas.openxmlformats.org/presentationml/2006/main">
   <p:cSld>
@@ -8083,7 +9856,7 @@
           <p:cNvPr id="2" name="Title 1">
             <a:extLst>
               <a:ext uri="{FF2B5EF4-FFF2-40B4-BE49-F238E27FC236}">
-                <a16:creationId xmlns:a16="http://schemas.microsoft.com/office/drawing/2014/main" id="{4936317F-B021-4296-8E8B-615E882C1287}"/>
+                <a16:creationId xmlns:a16="http://schemas.microsoft.com/office/drawing/2014/main" id="{573D67AD-7A43-4613-BB13-2BD8681EB502}"/>
               </a:ext>
             </a:extLst>
           </p:cNvPr>
@@ -8094,44 +9867,38 @@
             <p:ph type="title"/>
           </p:nvPr>
         </p:nvSpPr>
-        <p:spPr/>
-        <p:txBody>
-          <a:bodyPr/>
-          <a:lstStyle/>
-          <a:p>
-            <a:endParaRPr lang="en-US"/>
-          </a:p>
-        </p:txBody>
-      </p:sp>
-      <p:sp>
-        <p:nvSpPr>
-          <p:cNvPr id="3" name="Content Placeholder 2">
-            <a:extLst>
-              <a:ext uri="{FF2B5EF4-FFF2-40B4-BE49-F238E27FC236}">
-                <a16:creationId xmlns:a16="http://schemas.microsoft.com/office/drawing/2014/main" id="{97C4CF92-FA6C-4EC0-84D9-78AAEAC07E60}"/>
-              </a:ext>
-            </a:extLst>
-          </p:cNvPr>
-          <p:cNvSpPr>
-            <a:spLocks noGrp="1"/>
-          </p:cNvSpPr>
-          <p:nvPr>
-            <p:ph idx="1"/>
-          </p:nvPr>
-        </p:nvSpPr>
-        <p:spPr/>
-        <p:txBody>
-          <a:bodyPr/>
-          <a:lstStyle/>
-          <a:p>
-            <a:endParaRPr lang="en-US"/>
+        <p:spPr>
+          <a:xfrm>
+            <a:off x="1940010" y="2374932"/>
+            <a:ext cx="8155460" cy="759340"/>
+          </a:xfrm>
+        </p:spPr>
+        <p:txBody>
+          <a:bodyPr>
+            <a:normAutofit/>
+          </a:bodyPr>
+          <a:lstStyle/>
+          <a:p>
+            <a:pPr algn="ctr"/>
+            <a:r>
+              <a:rPr lang="en-US" dirty="0"/>
+              <a:t>Analysis </a:t>
+            </a:r>
+            <a:r>
+              <a:rPr lang="en-US" sz="4000" dirty="0"/>
+              <a:t>of</a:t>
+            </a:r>
+            <a:r>
+              <a:rPr lang="en-US" dirty="0"/>
+              <a:t> Near Earth Objects</a:t>
+            </a:r>
           </a:p>
         </p:txBody>
       </p:sp>
     </p:spTree>
     <p:extLst>
       <p:ext uri="{BB962C8B-B14F-4D97-AF65-F5344CB8AC3E}">
-        <p14:creationId xmlns:p14="http://schemas.microsoft.com/office/powerpoint/2010/main" val="75122623"/>
+        <p14:creationId xmlns:p14="http://schemas.microsoft.com/office/powerpoint/2010/main" val="1815479445"/>
       </p:ext>
     </p:extLst>
   </p:cSld>

--- a/asteroid_analysisFinal.pptx
+++ b/asteroid_analysisFinal.pptx
@@ -6,13 +6,13 @@
   </p:sldMasterIdLst>
   <p:sldIdLst>
     <p:sldId id="263" r:id="rId2"/>
-    <p:sldId id="276" r:id="rId3"/>
-    <p:sldId id="257" r:id="rId4"/>
-    <p:sldId id="261" r:id="rId5"/>
+    <p:sldId id="257" r:id="rId3"/>
+    <p:sldId id="276" r:id="rId4"/>
+    <p:sldId id="279" r:id="rId5"/>
     <p:sldId id="258" r:id="rId6"/>
     <p:sldId id="266" r:id="rId7"/>
     <p:sldId id="264" r:id="rId8"/>
-    <p:sldId id="265" r:id="rId9"/>
+    <p:sldId id="280" r:id="rId9"/>
     <p:sldId id="267" r:id="rId10"/>
     <p:sldId id="268" r:id="rId11"/>
     <p:sldId id="273" r:id="rId12"/>
@@ -26,6 +26,7 @@
     <p:sldId id="270" r:id="rId20"/>
     <p:sldId id="262" r:id="rId21"/>
     <p:sldId id="271" r:id="rId22"/>
+    <p:sldId id="281" r:id="rId23"/>
   </p:sldIdLst>
   <p:sldSz cx="12192000" cy="6858000"/>
   <p:notesSz cx="6858000" cy="9144000"/>
@@ -166,7 +167,7 @@
           <p:cNvPr id="2" name="Title 1">
             <a:extLst>
               <a:ext uri="{FF2B5EF4-FFF2-40B4-BE49-F238E27FC236}">
-                <a16:creationId xmlns:a16="http://schemas.microsoft.com/office/drawing/2014/main" xmlns="" id="{90DFB73B-7844-42A4-88B9-63A5CFA50929}"/>
+                <a16:creationId xmlns:a16="http://schemas.microsoft.com/office/drawing/2014/main" id="{90DFB73B-7844-42A4-88B9-63A5CFA50929}"/>
               </a:ext>
             </a:extLst>
           </p:cNvPr>
@@ -203,7 +204,7 @@
           <p:cNvPr id="3" name="Subtitle 2">
             <a:extLst>
               <a:ext uri="{FF2B5EF4-FFF2-40B4-BE49-F238E27FC236}">
-                <a16:creationId xmlns:a16="http://schemas.microsoft.com/office/drawing/2014/main" xmlns="" id="{19EBEC1A-63CA-462A-8827-920F01F06717}"/>
+                <a16:creationId xmlns:a16="http://schemas.microsoft.com/office/drawing/2014/main" id="{19EBEC1A-63CA-462A-8827-920F01F06717}"/>
               </a:ext>
             </a:extLst>
           </p:cNvPr>
@@ -273,7 +274,7 @@
           <p:cNvPr id="4" name="Date Placeholder 3">
             <a:extLst>
               <a:ext uri="{FF2B5EF4-FFF2-40B4-BE49-F238E27FC236}">
-                <a16:creationId xmlns:a16="http://schemas.microsoft.com/office/drawing/2014/main" xmlns="" id="{6F17DBE6-4263-4CD7-BF3C-C194AAC8F761}"/>
+                <a16:creationId xmlns:a16="http://schemas.microsoft.com/office/drawing/2014/main" id="{6F17DBE6-4263-4CD7-BF3C-C194AAC8F761}"/>
               </a:ext>
             </a:extLst>
           </p:cNvPr>
@@ -302,7 +303,7 @@
           <p:cNvPr id="5" name="Footer Placeholder 4">
             <a:extLst>
               <a:ext uri="{FF2B5EF4-FFF2-40B4-BE49-F238E27FC236}">
-                <a16:creationId xmlns:a16="http://schemas.microsoft.com/office/drawing/2014/main" xmlns="" id="{7AC6F799-A023-41D5-BF1F-E3B84579737B}"/>
+                <a16:creationId xmlns:a16="http://schemas.microsoft.com/office/drawing/2014/main" id="{7AC6F799-A023-41D5-BF1F-E3B84579737B}"/>
               </a:ext>
             </a:extLst>
           </p:cNvPr>
@@ -327,7 +328,7 @@
           <p:cNvPr id="6" name="Slide Number Placeholder 5">
             <a:extLst>
               <a:ext uri="{FF2B5EF4-FFF2-40B4-BE49-F238E27FC236}">
-                <a16:creationId xmlns:a16="http://schemas.microsoft.com/office/drawing/2014/main" xmlns="" id="{284269D7-455E-48BA-AF39-A60FD78740E2}"/>
+                <a16:creationId xmlns:a16="http://schemas.microsoft.com/office/drawing/2014/main" id="{284269D7-455E-48BA-AF39-A60FD78740E2}"/>
               </a:ext>
             </a:extLst>
           </p:cNvPr>
@@ -386,7 +387,7 @@
           <p:cNvPr id="2" name="Title 1">
             <a:extLst>
               <a:ext uri="{FF2B5EF4-FFF2-40B4-BE49-F238E27FC236}">
-                <a16:creationId xmlns:a16="http://schemas.microsoft.com/office/drawing/2014/main" xmlns="" id="{1DE25193-C6D1-488E-9680-F335C367474A}"/>
+                <a16:creationId xmlns:a16="http://schemas.microsoft.com/office/drawing/2014/main" id="{1DE25193-C6D1-488E-9680-F335C367474A}"/>
               </a:ext>
             </a:extLst>
           </p:cNvPr>
@@ -414,7 +415,7 @@
           <p:cNvPr id="3" name="Vertical Text Placeholder 2">
             <a:extLst>
               <a:ext uri="{FF2B5EF4-FFF2-40B4-BE49-F238E27FC236}">
-                <a16:creationId xmlns:a16="http://schemas.microsoft.com/office/drawing/2014/main" xmlns="" id="{2FADFFED-58A3-4CD8-B264-5615ADD34F26}"/>
+                <a16:creationId xmlns:a16="http://schemas.microsoft.com/office/drawing/2014/main" id="{2FADFFED-58A3-4CD8-B264-5615ADD34F26}"/>
               </a:ext>
             </a:extLst>
           </p:cNvPr>
@@ -471,7 +472,7 @@
           <p:cNvPr id="4" name="Date Placeholder 3">
             <a:extLst>
               <a:ext uri="{FF2B5EF4-FFF2-40B4-BE49-F238E27FC236}">
-                <a16:creationId xmlns:a16="http://schemas.microsoft.com/office/drawing/2014/main" xmlns="" id="{19E0C1AE-8D51-4B6F-9515-58E8A4E7AA81}"/>
+                <a16:creationId xmlns:a16="http://schemas.microsoft.com/office/drawing/2014/main" id="{19E0C1AE-8D51-4B6F-9515-58E8A4E7AA81}"/>
               </a:ext>
             </a:extLst>
           </p:cNvPr>
@@ -500,7 +501,7 @@
           <p:cNvPr id="5" name="Footer Placeholder 4">
             <a:extLst>
               <a:ext uri="{FF2B5EF4-FFF2-40B4-BE49-F238E27FC236}">
-                <a16:creationId xmlns:a16="http://schemas.microsoft.com/office/drawing/2014/main" xmlns="" id="{C179769A-222F-4B08-84C3-DE5BDC6803E9}"/>
+                <a16:creationId xmlns:a16="http://schemas.microsoft.com/office/drawing/2014/main" id="{C179769A-222F-4B08-84C3-DE5BDC6803E9}"/>
               </a:ext>
             </a:extLst>
           </p:cNvPr>
@@ -525,7 +526,7 @@
           <p:cNvPr id="6" name="Slide Number Placeholder 5">
             <a:extLst>
               <a:ext uri="{FF2B5EF4-FFF2-40B4-BE49-F238E27FC236}">
-                <a16:creationId xmlns:a16="http://schemas.microsoft.com/office/drawing/2014/main" xmlns="" id="{26851DC9-6F72-4481-9141-122309C6FA17}"/>
+                <a16:creationId xmlns:a16="http://schemas.microsoft.com/office/drawing/2014/main" id="{26851DC9-6F72-4481-9141-122309C6FA17}"/>
               </a:ext>
             </a:extLst>
           </p:cNvPr>
@@ -584,7 +585,7 @@
           <p:cNvPr id="2" name="Vertical Title 1">
             <a:extLst>
               <a:ext uri="{FF2B5EF4-FFF2-40B4-BE49-F238E27FC236}">
-                <a16:creationId xmlns:a16="http://schemas.microsoft.com/office/drawing/2014/main" xmlns="" id="{D77F4640-B28D-4B54-8B1E-0A3C28274F3F}"/>
+                <a16:creationId xmlns:a16="http://schemas.microsoft.com/office/drawing/2014/main" id="{D77F4640-B28D-4B54-8B1E-0A3C28274F3F}"/>
               </a:ext>
             </a:extLst>
           </p:cNvPr>
@@ -617,7 +618,7 @@
           <p:cNvPr id="3" name="Vertical Text Placeholder 2">
             <a:extLst>
               <a:ext uri="{FF2B5EF4-FFF2-40B4-BE49-F238E27FC236}">
-                <a16:creationId xmlns:a16="http://schemas.microsoft.com/office/drawing/2014/main" xmlns="" id="{AF3C49CA-1961-4A39-8229-7EC3FFEADB8B}"/>
+                <a16:creationId xmlns:a16="http://schemas.microsoft.com/office/drawing/2014/main" id="{AF3C49CA-1961-4A39-8229-7EC3FFEADB8B}"/>
               </a:ext>
             </a:extLst>
           </p:cNvPr>
@@ -679,7 +680,7 @@
           <p:cNvPr id="4" name="Date Placeholder 3">
             <a:extLst>
               <a:ext uri="{FF2B5EF4-FFF2-40B4-BE49-F238E27FC236}">
-                <a16:creationId xmlns:a16="http://schemas.microsoft.com/office/drawing/2014/main" xmlns="" id="{35D235E3-DFB8-42B5-BACD-6A8AE7F4CB87}"/>
+                <a16:creationId xmlns:a16="http://schemas.microsoft.com/office/drawing/2014/main" id="{35D235E3-DFB8-42B5-BACD-6A8AE7F4CB87}"/>
               </a:ext>
             </a:extLst>
           </p:cNvPr>
@@ -708,7 +709,7 @@
           <p:cNvPr id="5" name="Footer Placeholder 4">
             <a:extLst>
               <a:ext uri="{FF2B5EF4-FFF2-40B4-BE49-F238E27FC236}">
-                <a16:creationId xmlns:a16="http://schemas.microsoft.com/office/drawing/2014/main" xmlns="" id="{76D783CF-A9BD-4F70-BB73-D220822CC889}"/>
+                <a16:creationId xmlns:a16="http://schemas.microsoft.com/office/drawing/2014/main" id="{76D783CF-A9BD-4F70-BB73-D220822CC889}"/>
               </a:ext>
             </a:extLst>
           </p:cNvPr>
@@ -733,7 +734,7 @@
           <p:cNvPr id="6" name="Slide Number Placeholder 5">
             <a:extLst>
               <a:ext uri="{FF2B5EF4-FFF2-40B4-BE49-F238E27FC236}">
-                <a16:creationId xmlns:a16="http://schemas.microsoft.com/office/drawing/2014/main" xmlns="" id="{926ED9A7-034D-4174-AE7B-9940EC742178}"/>
+                <a16:creationId xmlns:a16="http://schemas.microsoft.com/office/drawing/2014/main" id="{926ED9A7-034D-4174-AE7B-9940EC742178}"/>
               </a:ext>
             </a:extLst>
           </p:cNvPr>
@@ -792,7 +793,7 @@
           <p:cNvPr id="2" name="Title 1">
             <a:extLst>
               <a:ext uri="{FF2B5EF4-FFF2-40B4-BE49-F238E27FC236}">
-                <a16:creationId xmlns:a16="http://schemas.microsoft.com/office/drawing/2014/main" xmlns="" id="{736C70E8-E89B-43B7-9EC8-38C57A807A45}"/>
+                <a16:creationId xmlns:a16="http://schemas.microsoft.com/office/drawing/2014/main" id="{736C70E8-E89B-43B7-9EC8-38C57A807A45}"/>
               </a:ext>
             </a:extLst>
           </p:cNvPr>
@@ -820,7 +821,7 @@
           <p:cNvPr id="3" name="Content Placeholder 2">
             <a:extLst>
               <a:ext uri="{FF2B5EF4-FFF2-40B4-BE49-F238E27FC236}">
-                <a16:creationId xmlns:a16="http://schemas.microsoft.com/office/drawing/2014/main" xmlns="" id="{965B746A-6B7C-4380-8FDC-19C4C5631969}"/>
+                <a16:creationId xmlns:a16="http://schemas.microsoft.com/office/drawing/2014/main" id="{965B746A-6B7C-4380-8FDC-19C4C5631969}"/>
               </a:ext>
             </a:extLst>
           </p:cNvPr>
@@ -877,7 +878,7 @@
           <p:cNvPr id="4" name="Date Placeholder 3">
             <a:extLst>
               <a:ext uri="{FF2B5EF4-FFF2-40B4-BE49-F238E27FC236}">
-                <a16:creationId xmlns:a16="http://schemas.microsoft.com/office/drawing/2014/main" xmlns="" id="{E071D8C7-78AC-47E8-939F-BE8387CD5593}"/>
+                <a16:creationId xmlns:a16="http://schemas.microsoft.com/office/drawing/2014/main" id="{E071D8C7-78AC-47E8-939F-BE8387CD5593}"/>
               </a:ext>
             </a:extLst>
           </p:cNvPr>
@@ -906,7 +907,7 @@
           <p:cNvPr id="5" name="Footer Placeholder 4">
             <a:extLst>
               <a:ext uri="{FF2B5EF4-FFF2-40B4-BE49-F238E27FC236}">
-                <a16:creationId xmlns:a16="http://schemas.microsoft.com/office/drawing/2014/main" xmlns="" id="{1FEEE077-B00E-4465-978D-1A09B61B1562}"/>
+                <a16:creationId xmlns:a16="http://schemas.microsoft.com/office/drawing/2014/main" id="{1FEEE077-B00E-4465-978D-1A09B61B1562}"/>
               </a:ext>
             </a:extLst>
           </p:cNvPr>
@@ -931,7 +932,7 @@
           <p:cNvPr id="6" name="Slide Number Placeholder 5">
             <a:extLst>
               <a:ext uri="{FF2B5EF4-FFF2-40B4-BE49-F238E27FC236}">
-                <a16:creationId xmlns:a16="http://schemas.microsoft.com/office/drawing/2014/main" xmlns="" id="{DAB0A18F-509C-45C6-8BFF-8D9852FB4F9B}"/>
+                <a16:creationId xmlns:a16="http://schemas.microsoft.com/office/drawing/2014/main" id="{DAB0A18F-509C-45C6-8BFF-8D9852FB4F9B}"/>
               </a:ext>
             </a:extLst>
           </p:cNvPr>
@@ -990,7 +991,7 @@
           <p:cNvPr id="2" name="Title 1">
             <a:extLst>
               <a:ext uri="{FF2B5EF4-FFF2-40B4-BE49-F238E27FC236}">
-                <a16:creationId xmlns:a16="http://schemas.microsoft.com/office/drawing/2014/main" xmlns="" id="{382BB395-4336-4FCF-B625-B2DE591AD1CE}"/>
+                <a16:creationId xmlns:a16="http://schemas.microsoft.com/office/drawing/2014/main" id="{382BB395-4336-4FCF-B625-B2DE591AD1CE}"/>
               </a:ext>
             </a:extLst>
           </p:cNvPr>
@@ -1027,7 +1028,7 @@
           <p:cNvPr id="3" name="Text Placeholder 2">
             <a:extLst>
               <a:ext uri="{FF2B5EF4-FFF2-40B4-BE49-F238E27FC236}">
-                <a16:creationId xmlns:a16="http://schemas.microsoft.com/office/drawing/2014/main" xmlns="" id="{17CC9268-FA82-4EA4-BC1B-C997564F253A}"/>
+                <a16:creationId xmlns:a16="http://schemas.microsoft.com/office/drawing/2014/main" id="{17CC9268-FA82-4EA4-BC1B-C997564F253A}"/>
               </a:ext>
             </a:extLst>
           </p:cNvPr>
@@ -1152,7 +1153,7 @@
           <p:cNvPr id="4" name="Date Placeholder 3">
             <a:extLst>
               <a:ext uri="{FF2B5EF4-FFF2-40B4-BE49-F238E27FC236}">
-                <a16:creationId xmlns:a16="http://schemas.microsoft.com/office/drawing/2014/main" xmlns="" id="{F7A3F934-E811-4960-B713-5E87D720FBFB}"/>
+                <a16:creationId xmlns:a16="http://schemas.microsoft.com/office/drawing/2014/main" id="{F7A3F934-E811-4960-B713-5E87D720FBFB}"/>
               </a:ext>
             </a:extLst>
           </p:cNvPr>
@@ -1181,7 +1182,7 @@
           <p:cNvPr id="5" name="Footer Placeholder 4">
             <a:extLst>
               <a:ext uri="{FF2B5EF4-FFF2-40B4-BE49-F238E27FC236}">
-                <a16:creationId xmlns:a16="http://schemas.microsoft.com/office/drawing/2014/main" xmlns="" id="{9570C0C5-D0F3-468A-B9D7-57A7C2B4C272}"/>
+                <a16:creationId xmlns:a16="http://schemas.microsoft.com/office/drawing/2014/main" id="{9570C0C5-D0F3-468A-B9D7-57A7C2B4C272}"/>
               </a:ext>
             </a:extLst>
           </p:cNvPr>
@@ -1206,7 +1207,7 @@
           <p:cNvPr id="6" name="Slide Number Placeholder 5">
             <a:extLst>
               <a:ext uri="{FF2B5EF4-FFF2-40B4-BE49-F238E27FC236}">
-                <a16:creationId xmlns:a16="http://schemas.microsoft.com/office/drawing/2014/main" xmlns="" id="{996E4F7B-6B59-4A1D-9B5B-1AD375A0E3A5}"/>
+                <a16:creationId xmlns:a16="http://schemas.microsoft.com/office/drawing/2014/main" id="{996E4F7B-6B59-4A1D-9B5B-1AD375A0E3A5}"/>
               </a:ext>
             </a:extLst>
           </p:cNvPr>
@@ -1265,7 +1266,7 @@
           <p:cNvPr id="2" name="Title 1">
             <a:extLst>
               <a:ext uri="{FF2B5EF4-FFF2-40B4-BE49-F238E27FC236}">
-                <a16:creationId xmlns:a16="http://schemas.microsoft.com/office/drawing/2014/main" xmlns="" id="{4F2941DD-191A-41F8-A38E-018E9633EC28}"/>
+                <a16:creationId xmlns:a16="http://schemas.microsoft.com/office/drawing/2014/main" id="{4F2941DD-191A-41F8-A38E-018E9633EC28}"/>
               </a:ext>
             </a:extLst>
           </p:cNvPr>
@@ -1293,7 +1294,7 @@
           <p:cNvPr id="3" name="Content Placeholder 2">
             <a:extLst>
               <a:ext uri="{FF2B5EF4-FFF2-40B4-BE49-F238E27FC236}">
-                <a16:creationId xmlns:a16="http://schemas.microsoft.com/office/drawing/2014/main" xmlns="" id="{CCC3938A-B109-4116-B386-3DB02F5D7D0A}"/>
+                <a16:creationId xmlns:a16="http://schemas.microsoft.com/office/drawing/2014/main" id="{CCC3938A-B109-4116-B386-3DB02F5D7D0A}"/>
               </a:ext>
             </a:extLst>
           </p:cNvPr>
@@ -1355,7 +1356,7 @@
           <p:cNvPr id="4" name="Content Placeholder 3">
             <a:extLst>
               <a:ext uri="{FF2B5EF4-FFF2-40B4-BE49-F238E27FC236}">
-                <a16:creationId xmlns:a16="http://schemas.microsoft.com/office/drawing/2014/main" xmlns="" id="{3B723360-94A9-45FC-BFEB-71613BFEB164}"/>
+                <a16:creationId xmlns:a16="http://schemas.microsoft.com/office/drawing/2014/main" id="{3B723360-94A9-45FC-BFEB-71613BFEB164}"/>
               </a:ext>
             </a:extLst>
           </p:cNvPr>
@@ -1417,7 +1418,7 @@
           <p:cNvPr id="5" name="Date Placeholder 4">
             <a:extLst>
               <a:ext uri="{FF2B5EF4-FFF2-40B4-BE49-F238E27FC236}">
-                <a16:creationId xmlns:a16="http://schemas.microsoft.com/office/drawing/2014/main" xmlns="" id="{82AB973E-0A08-4C19-9DF4-5C8BCDBB337D}"/>
+                <a16:creationId xmlns:a16="http://schemas.microsoft.com/office/drawing/2014/main" id="{82AB973E-0A08-4C19-9DF4-5C8BCDBB337D}"/>
               </a:ext>
             </a:extLst>
           </p:cNvPr>
@@ -1446,7 +1447,7 @@
           <p:cNvPr id="6" name="Footer Placeholder 5">
             <a:extLst>
               <a:ext uri="{FF2B5EF4-FFF2-40B4-BE49-F238E27FC236}">
-                <a16:creationId xmlns:a16="http://schemas.microsoft.com/office/drawing/2014/main" xmlns="" id="{1600E7DA-D792-4B8E-B7C9-F72C3D3A2071}"/>
+                <a16:creationId xmlns:a16="http://schemas.microsoft.com/office/drawing/2014/main" id="{1600E7DA-D792-4B8E-B7C9-F72C3D3A2071}"/>
               </a:ext>
             </a:extLst>
           </p:cNvPr>
@@ -1471,7 +1472,7 @@
           <p:cNvPr id="7" name="Slide Number Placeholder 6">
             <a:extLst>
               <a:ext uri="{FF2B5EF4-FFF2-40B4-BE49-F238E27FC236}">
-                <a16:creationId xmlns:a16="http://schemas.microsoft.com/office/drawing/2014/main" xmlns="" id="{BC209DF2-2D15-4AB5-85B5-EC5A9B4B958E}"/>
+                <a16:creationId xmlns:a16="http://schemas.microsoft.com/office/drawing/2014/main" id="{BC209DF2-2D15-4AB5-85B5-EC5A9B4B958E}"/>
               </a:ext>
             </a:extLst>
           </p:cNvPr>
@@ -1530,7 +1531,7 @@
           <p:cNvPr id="2" name="Title 1">
             <a:extLst>
               <a:ext uri="{FF2B5EF4-FFF2-40B4-BE49-F238E27FC236}">
-                <a16:creationId xmlns:a16="http://schemas.microsoft.com/office/drawing/2014/main" xmlns="" id="{4184BABE-E1B7-41F2-A528-4A9959A072AA}"/>
+                <a16:creationId xmlns:a16="http://schemas.microsoft.com/office/drawing/2014/main" id="{4184BABE-E1B7-41F2-A528-4A9959A072AA}"/>
               </a:ext>
             </a:extLst>
           </p:cNvPr>
@@ -1563,7 +1564,7 @@
           <p:cNvPr id="3" name="Text Placeholder 2">
             <a:extLst>
               <a:ext uri="{FF2B5EF4-FFF2-40B4-BE49-F238E27FC236}">
-                <a16:creationId xmlns:a16="http://schemas.microsoft.com/office/drawing/2014/main" xmlns="" id="{A00EE56A-0449-41D9-9A02-60F25F2A4875}"/>
+                <a16:creationId xmlns:a16="http://schemas.microsoft.com/office/drawing/2014/main" id="{A00EE56A-0449-41D9-9A02-60F25F2A4875}"/>
               </a:ext>
             </a:extLst>
           </p:cNvPr>
@@ -1634,7 +1635,7 @@
           <p:cNvPr id="4" name="Content Placeholder 3">
             <a:extLst>
               <a:ext uri="{FF2B5EF4-FFF2-40B4-BE49-F238E27FC236}">
-                <a16:creationId xmlns:a16="http://schemas.microsoft.com/office/drawing/2014/main" xmlns="" id="{DE568CB4-CE44-455F-B04D-AB197BBD87C6}"/>
+                <a16:creationId xmlns:a16="http://schemas.microsoft.com/office/drawing/2014/main" id="{DE568CB4-CE44-455F-B04D-AB197BBD87C6}"/>
               </a:ext>
             </a:extLst>
           </p:cNvPr>
@@ -1696,7 +1697,7 @@
           <p:cNvPr id="5" name="Text Placeholder 4">
             <a:extLst>
               <a:ext uri="{FF2B5EF4-FFF2-40B4-BE49-F238E27FC236}">
-                <a16:creationId xmlns:a16="http://schemas.microsoft.com/office/drawing/2014/main" xmlns="" id="{E271E21D-FF92-4321-8712-B7357D37F552}"/>
+                <a16:creationId xmlns:a16="http://schemas.microsoft.com/office/drawing/2014/main" id="{E271E21D-FF92-4321-8712-B7357D37F552}"/>
               </a:ext>
             </a:extLst>
           </p:cNvPr>
@@ -1767,7 +1768,7 @@
           <p:cNvPr id="6" name="Content Placeholder 5">
             <a:extLst>
               <a:ext uri="{FF2B5EF4-FFF2-40B4-BE49-F238E27FC236}">
-                <a16:creationId xmlns:a16="http://schemas.microsoft.com/office/drawing/2014/main" xmlns="" id="{C4CBB217-6D62-4E9D-87A2-3854B8C8954A}"/>
+                <a16:creationId xmlns:a16="http://schemas.microsoft.com/office/drawing/2014/main" id="{C4CBB217-6D62-4E9D-87A2-3854B8C8954A}"/>
               </a:ext>
             </a:extLst>
           </p:cNvPr>
@@ -1829,7 +1830,7 @@
           <p:cNvPr id="7" name="Date Placeholder 6">
             <a:extLst>
               <a:ext uri="{FF2B5EF4-FFF2-40B4-BE49-F238E27FC236}">
-                <a16:creationId xmlns:a16="http://schemas.microsoft.com/office/drawing/2014/main" xmlns="" id="{693EB529-AE5E-46CA-9204-9AB7EAEA2ABE}"/>
+                <a16:creationId xmlns:a16="http://schemas.microsoft.com/office/drawing/2014/main" id="{693EB529-AE5E-46CA-9204-9AB7EAEA2ABE}"/>
               </a:ext>
             </a:extLst>
           </p:cNvPr>
@@ -1858,7 +1859,7 @@
           <p:cNvPr id="8" name="Footer Placeholder 7">
             <a:extLst>
               <a:ext uri="{FF2B5EF4-FFF2-40B4-BE49-F238E27FC236}">
-                <a16:creationId xmlns:a16="http://schemas.microsoft.com/office/drawing/2014/main" xmlns="" id="{701FCF9F-C623-433F-A8A1-6ED55E9A8865}"/>
+                <a16:creationId xmlns:a16="http://schemas.microsoft.com/office/drawing/2014/main" id="{701FCF9F-C623-433F-A8A1-6ED55E9A8865}"/>
               </a:ext>
             </a:extLst>
           </p:cNvPr>
@@ -1883,7 +1884,7 @@
           <p:cNvPr id="9" name="Slide Number Placeholder 8">
             <a:extLst>
               <a:ext uri="{FF2B5EF4-FFF2-40B4-BE49-F238E27FC236}">
-                <a16:creationId xmlns:a16="http://schemas.microsoft.com/office/drawing/2014/main" xmlns="" id="{E687E7DE-8476-49B4-850E-3F81C8528E1E}"/>
+                <a16:creationId xmlns:a16="http://schemas.microsoft.com/office/drawing/2014/main" id="{E687E7DE-8476-49B4-850E-3F81C8528E1E}"/>
               </a:ext>
             </a:extLst>
           </p:cNvPr>
@@ -1942,7 +1943,7 @@
           <p:cNvPr id="2" name="Title 1">
             <a:extLst>
               <a:ext uri="{FF2B5EF4-FFF2-40B4-BE49-F238E27FC236}">
-                <a16:creationId xmlns:a16="http://schemas.microsoft.com/office/drawing/2014/main" xmlns="" id="{7C2DBDDE-6E1C-423F-B392-9EF518DCDA07}"/>
+                <a16:creationId xmlns:a16="http://schemas.microsoft.com/office/drawing/2014/main" id="{7C2DBDDE-6E1C-423F-B392-9EF518DCDA07}"/>
               </a:ext>
             </a:extLst>
           </p:cNvPr>
@@ -1970,7 +1971,7 @@
           <p:cNvPr id="3" name="Date Placeholder 2">
             <a:extLst>
               <a:ext uri="{FF2B5EF4-FFF2-40B4-BE49-F238E27FC236}">
-                <a16:creationId xmlns:a16="http://schemas.microsoft.com/office/drawing/2014/main" xmlns="" id="{74D8269F-E6F3-4533-8B84-191F5EB9107C}"/>
+                <a16:creationId xmlns:a16="http://schemas.microsoft.com/office/drawing/2014/main" id="{74D8269F-E6F3-4533-8B84-191F5EB9107C}"/>
               </a:ext>
             </a:extLst>
           </p:cNvPr>
@@ -1999,7 +2000,7 @@
           <p:cNvPr id="4" name="Footer Placeholder 3">
             <a:extLst>
               <a:ext uri="{FF2B5EF4-FFF2-40B4-BE49-F238E27FC236}">
-                <a16:creationId xmlns:a16="http://schemas.microsoft.com/office/drawing/2014/main" xmlns="" id="{04C65B54-AEF3-4224-9F9E-19657AA7A88E}"/>
+                <a16:creationId xmlns:a16="http://schemas.microsoft.com/office/drawing/2014/main" id="{04C65B54-AEF3-4224-9F9E-19657AA7A88E}"/>
               </a:ext>
             </a:extLst>
           </p:cNvPr>
@@ -2024,7 +2025,7 @@
           <p:cNvPr id="5" name="Slide Number Placeholder 4">
             <a:extLst>
               <a:ext uri="{FF2B5EF4-FFF2-40B4-BE49-F238E27FC236}">
-                <a16:creationId xmlns:a16="http://schemas.microsoft.com/office/drawing/2014/main" xmlns="" id="{E132F947-68CB-48EB-8B86-77E96CB1F4B7}"/>
+                <a16:creationId xmlns:a16="http://schemas.microsoft.com/office/drawing/2014/main" id="{E132F947-68CB-48EB-8B86-77E96CB1F4B7}"/>
               </a:ext>
             </a:extLst>
           </p:cNvPr>
@@ -2083,7 +2084,7 @@
           <p:cNvPr id="2" name="Date Placeholder 1">
             <a:extLst>
               <a:ext uri="{FF2B5EF4-FFF2-40B4-BE49-F238E27FC236}">
-                <a16:creationId xmlns:a16="http://schemas.microsoft.com/office/drawing/2014/main" xmlns="" id="{8BF4EBC7-7871-48AE-A86B-B496A34DAFD0}"/>
+                <a16:creationId xmlns:a16="http://schemas.microsoft.com/office/drawing/2014/main" id="{8BF4EBC7-7871-48AE-A86B-B496A34DAFD0}"/>
               </a:ext>
             </a:extLst>
           </p:cNvPr>
@@ -2112,7 +2113,7 @@
           <p:cNvPr id="3" name="Footer Placeholder 2">
             <a:extLst>
               <a:ext uri="{FF2B5EF4-FFF2-40B4-BE49-F238E27FC236}">
-                <a16:creationId xmlns:a16="http://schemas.microsoft.com/office/drawing/2014/main" xmlns="" id="{7AC7EA8D-9199-4C50-90C4-048CE998FB73}"/>
+                <a16:creationId xmlns:a16="http://schemas.microsoft.com/office/drawing/2014/main" id="{7AC7EA8D-9199-4C50-90C4-048CE998FB73}"/>
               </a:ext>
             </a:extLst>
           </p:cNvPr>
@@ -2137,7 +2138,7 @@
           <p:cNvPr id="4" name="Slide Number Placeholder 3">
             <a:extLst>
               <a:ext uri="{FF2B5EF4-FFF2-40B4-BE49-F238E27FC236}">
-                <a16:creationId xmlns:a16="http://schemas.microsoft.com/office/drawing/2014/main" xmlns="" id="{11BF507C-148B-4AF9-A26B-DFDB703D971F}"/>
+                <a16:creationId xmlns:a16="http://schemas.microsoft.com/office/drawing/2014/main" id="{11BF507C-148B-4AF9-A26B-DFDB703D971F}"/>
               </a:ext>
             </a:extLst>
           </p:cNvPr>
@@ -2196,7 +2197,7 @@
           <p:cNvPr id="2" name="Title 1">
             <a:extLst>
               <a:ext uri="{FF2B5EF4-FFF2-40B4-BE49-F238E27FC236}">
-                <a16:creationId xmlns:a16="http://schemas.microsoft.com/office/drawing/2014/main" xmlns="" id="{7F9A73F0-FD18-44B9-85D6-18D75562E943}"/>
+                <a16:creationId xmlns:a16="http://schemas.microsoft.com/office/drawing/2014/main" id="{7F9A73F0-FD18-44B9-85D6-18D75562E943}"/>
               </a:ext>
             </a:extLst>
           </p:cNvPr>
@@ -2233,7 +2234,7 @@
           <p:cNvPr id="3" name="Content Placeholder 2">
             <a:extLst>
               <a:ext uri="{FF2B5EF4-FFF2-40B4-BE49-F238E27FC236}">
-                <a16:creationId xmlns:a16="http://schemas.microsoft.com/office/drawing/2014/main" xmlns="" id="{18BB2694-1434-4ED5-8216-0A078904B563}"/>
+                <a16:creationId xmlns:a16="http://schemas.microsoft.com/office/drawing/2014/main" id="{18BB2694-1434-4ED5-8216-0A078904B563}"/>
               </a:ext>
             </a:extLst>
           </p:cNvPr>
@@ -2323,7 +2324,7 @@
           <p:cNvPr id="4" name="Text Placeholder 3">
             <a:extLst>
               <a:ext uri="{FF2B5EF4-FFF2-40B4-BE49-F238E27FC236}">
-                <a16:creationId xmlns:a16="http://schemas.microsoft.com/office/drawing/2014/main" xmlns="" id="{5B0324EA-FFCB-465C-A153-F047CAC31CD5}"/>
+                <a16:creationId xmlns:a16="http://schemas.microsoft.com/office/drawing/2014/main" id="{5B0324EA-FFCB-465C-A153-F047CAC31CD5}"/>
               </a:ext>
             </a:extLst>
           </p:cNvPr>
@@ -2394,7 +2395,7 @@
           <p:cNvPr id="5" name="Date Placeholder 4">
             <a:extLst>
               <a:ext uri="{FF2B5EF4-FFF2-40B4-BE49-F238E27FC236}">
-                <a16:creationId xmlns:a16="http://schemas.microsoft.com/office/drawing/2014/main" xmlns="" id="{2A8DB6DF-8E40-4A6A-9FC4-3541E0C9EFCF}"/>
+                <a16:creationId xmlns:a16="http://schemas.microsoft.com/office/drawing/2014/main" id="{2A8DB6DF-8E40-4A6A-9FC4-3541E0C9EFCF}"/>
               </a:ext>
             </a:extLst>
           </p:cNvPr>
@@ -2423,7 +2424,7 @@
           <p:cNvPr id="6" name="Footer Placeholder 5">
             <a:extLst>
               <a:ext uri="{FF2B5EF4-FFF2-40B4-BE49-F238E27FC236}">
-                <a16:creationId xmlns:a16="http://schemas.microsoft.com/office/drawing/2014/main" xmlns="" id="{D5B6E9CD-218E-452A-997B-B028E7C7350D}"/>
+                <a16:creationId xmlns:a16="http://schemas.microsoft.com/office/drawing/2014/main" id="{D5B6E9CD-218E-452A-997B-B028E7C7350D}"/>
               </a:ext>
             </a:extLst>
           </p:cNvPr>
@@ -2448,7 +2449,7 @@
           <p:cNvPr id="7" name="Slide Number Placeholder 6">
             <a:extLst>
               <a:ext uri="{FF2B5EF4-FFF2-40B4-BE49-F238E27FC236}">
-                <a16:creationId xmlns:a16="http://schemas.microsoft.com/office/drawing/2014/main" xmlns="" id="{41724AD9-EA6C-4757-8DCC-D256B3C605AF}"/>
+                <a16:creationId xmlns:a16="http://schemas.microsoft.com/office/drawing/2014/main" id="{41724AD9-EA6C-4757-8DCC-D256B3C605AF}"/>
               </a:ext>
             </a:extLst>
           </p:cNvPr>
@@ -2507,7 +2508,7 @@
           <p:cNvPr id="2" name="Title 1">
             <a:extLst>
               <a:ext uri="{FF2B5EF4-FFF2-40B4-BE49-F238E27FC236}">
-                <a16:creationId xmlns:a16="http://schemas.microsoft.com/office/drawing/2014/main" xmlns="" id="{43E7D86E-4674-423A-BF7F-C474023E0882}"/>
+                <a16:creationId xmlns:a16="http://schemas.microsoft.com/office/drawing/2014/main" id="{43E7D86E-4674-423A-BF7F-C474023E0882}"/>
               </a:ext>
             </a:extLst>
           </p:cNvPr>
@@ -2544,7 +2545,7 @@
           <p:cNvPr id="3" name="Picture Placeholder 2">
             <a:extLst>
               <a:ext uri="{FF2B5EF4-FFF2-40B4-BE49-F238E27FC236}">
-                <a16:creationId xmlns:a16="http://schemas.microsoft.com/office/drawing/2014/main" xmlns="" id="{744BF137-8084-473C-9558-E9EAA828F77F}"/>
+                <a16:creationId xmlns:a16="http://schemas.microsoft.com/office/drawing/2014/main" id="{744BF137-8084-473C-9558-E9EAA828F77F}"/>
               </a:ext>
             </a:extLst>
           </p:cNvPr>
@@ -2611,7 +2612,7 @@
           <p:cNvPr id="4" name="Text Placeholder 3">
             <a:extLst>
               <a:ext uri="{FF2B5EF4-FFF2-40B4-BE49-F238E27FC236}">
-                <a16:creationId xmlns:a16="http://schemas.microsoft.com/office/drawing/2014/main" xmlns="" id="{C638A63C-F15B-4BB7-9495-E618F908EE9C}"/>
+                <a16:creationId xmlns:a16="http://schemas.microsoft.com/office/drawing/2014/main" id="{C638A63C-F15B-4BB7-9495-E618F908EE9C}"/>
               </a:ext>
             </a:extLst>
           </p:cNvPr>
@@ -2682,7 +2683,7 @@
           <p:cNvPr id="5" name="Date Placeholder 4">
             <a:extLst>
               <a:ext uri="{FF2B5EF4-FFF2-40B4-BE49-F238E27FC236}">
-                <a16:creationId xmlns:a16="http://schemas.microsoft.com/office/drawing/2014/main" xmlns="" id="{CDC02E41-707A-4162-B0C5-4167D5170C71}"/>
+                <a16:creationId xmlns:a16="http://schemas.microsoft.com/office/drawing/2014/main" id="{CDC02E41-707A-4162-B0C5-4167D5170C71}"/>
               </a:ext>
             </a:extLst>
           </p:cNvPr>
@@ -2711,7 +2712,7 @@
           <p:cNvPr id="6" name="Footer Placeholder 5">
             <a:extLst>
               <a:ext uri="{FF2B5EF4-FFF2-40B4-BE49-F238E27FC236}">
-                <a16:creationId xmlns:a16="http://schemas.microsoft.com/office/drawing/2014/main" xmlns="" id="{E569B76D-E724-48DA-8296-E039219B8341}"/>
+                <a16:creationId xmlns:a16="http://schemas.microsoft.com/office/drawing/2014/main" id="{E569B76D-E724-48DA-8296-E039219B8341}"/>
               </a:ext>
             </a:extLst>
           </p:cNvPr>
@@ -2736,7 +2737,7 @@
           <p:cNvPr id="7" name="Slide Number Placeholder 6">
             <a:extLst>
               <a:ext uri="{FF2B5EF4-FFF2-40B4-BE49-F238E27FC236}">
-                <a16:creationId xmlns:a16="http://schemas.microsoft.com/office/drawing/2014/main" xmlns="" id="{9AFFF7E1-5D8D-455F-8C97-1D1B84DEAD2B}"/>
+                <a16:creationId xmlns:a16="http://schemas.microsoft.com/office/drawing/2014/main" id="{9AFFF7E1-5D8D-455F-8C97-1D1B84DEAD2B}"/>
               </a:ext>
             </a:extLst>
           </p:cNvPr>
@@ -2800,7 +2801,7 @@
           <p:cNvPr id="2" name="Title Placeholder 1">
             <a:extLst>
               <a:ext uri="{FF2B5EF4-FFF2-40B4-BE49-F238E27FC236}">
-                <a16:creationId xmlns:a16="http://schemas.microsoft.com/office/drawing/2014/main" xmlns="" id="{4B9D8CA1-1CF4-4B06-9FC3-F9B9BF3AC921}"/>
+                <a16:creationId xmlns:a16="http://schemas.microsoft.com/office/drawing/2014/main" id="{4B9D8CA1-1CF4-4B06-9FC3-F9B9BF3AC921}"/>
               </a:ext>
             </a:extLst>
           </p:cNvPr>
@@ -2838,7 +2839,7 @@
           <p:cNvPr id="3" name="Text Placeholder 2">
             <a:extLst>
               <a:ext uri="{FF2B5EF4-FFF2-40B4-BE49-F238E27FC236}">
-                <a16:creationId xmlns:a16="http://schemas.microsoft.com/office/drawing/2014/main" xmlns="" id="{851DFDBD-AE34-421C-9FCF-494E87347EF4}"/>
+                <a16:creationId xmlns:a16="http://schemas.microsoft.com/office/drawing/2014/main" id="{851DFDBD-AE34-421C-9FCF-494E87347EF4}"/>
               </a:ext>
             </a:extLst>
           </p:cNvPr>
@@ -2905,7 +2906,7 @@
           <p:cNvPr id="4" name="Date Placeholder 3">
             <a:extLst>
               <a:ext uri="{FF2B5EF4-FFF2-40B4-BE49-F238E27FC236}">
-                <a16:creationId xmlns:a16="http://schemas.microsoft.com/office/drawing/2014/main" xmlns="" id="{A83A1AAD-97BC-40C9-8182-33103AF2A7FA}"/>
+                <a16:creationId xmlns:a16="http://schemas.microsoft.com/office/drawing/2014/main" id="{A83A1AAD-97BC-40C9-8182-33103AF2A7FA}"/>
               </a:ext>
             </a:extLst>
           </p:cNvPr>
@@ -2952,7 +2953,7 @@
           <p:cNvPr id="5" name="Footer Placeholder 4">
             <a:extLst>
               <a:ext uri="{FF2B5EF4-FFF2-40B4-BE49-F238E27FC236}">
-                <a16:creationId xmlns:a16="http://schemas.microsoft.com/office/drawing/2014/main" xmlns="" id="{4AFA2789-AC8A-4DA4-90F2-CF35F8815DE7}"/>
+                <a16:creationId xmlns:a16="http://schemas.microsoft.com/office/drawing/2014/main" id="{4AFA2789-AC8A-4DA4-90F2-CF35F8815DE7}"/>
               </a:ext>
             </a:extLst>
           </p:cNvPr>
@@ -2995,7 +2996,7 @@
           <p:cNvPr id="6" name="Slide Number Placeholder 5">
             <a:extLst>
               <a:ext uri="{FF2B5EF4-FFF2-40B4-BE49-F238E27FC236}">
-                <a16:creationId xmlns:a16="http://schemas.microsoft.com/office/drawing/2014/main" xmlns="" id="{D1F1EB5C-62D7-4C72-A3F0-63C160BCCA04}"/>
+                <a16:creationId xmlns:a16="http://schemas.microsoft.com/office/drawing/2014/main" id="{D1F1EB5C-62D7-4C72-A3F0-63C160BCCA04}"/>
               </a:ext>
             </a:extLst>
           </p:cNvPr>
@@ -3363,7 +3364,7 @@
           <p:cNvPr id="9" name="Picture 8">
             <a:extLst>
               <a:ext uri="{FF2B5EF4-FFF2-40B4-BE49-F238E27FC236}">
-                <a16:creationId xmlns:a16="http://schemas.microsoft.com/office/drawing/2014/main" xmlns="" id="{CF83CA99-65CE-4897-97C7-B6EA994A0283}"/>
+                <a16:creationId xmlns:a16="http://schemas.microsoft.com/office/drawing/2014/main" id="{CF83CA99-65CE-4897-97C7-B6EA994A0283}"/>
               </a:ext>
             </a:extLst>
           </p:cNvPr>
@@ -3393,7 +3394,7 @@
           <p:cNvPr id="6" name="Content Placeholder 2">
             <a:extLst>
               <a:ext uri="{FF2B5EF4-FFF2-40B4-BE49-F238E27FC236}">
-                <a16:creationId xmlns:a16="http://schemas.microsoft.com/office/drawing/2014/main" xmlns="" id="{D812C91D-34A0-4B66-9891-E8AD3BCFDCBE}"/>
+                <a16:creationId xmlns:a16="http://schemas.microsoft.com/office/drawing/2014/main" id="{D812C91D-34A0-4B66-9891-E8AD3BCFDCBE}"/>
               </a:ext>
             </a:extLst>
           </p:cNvPr>
@@ -3465,7 +3466,7 @@
           <p:cNvPr id="7" name="Rectangle 1">
             <a:extLst>
               <a:ext uri="{FF2B5EF4-FFF2-40B4-BE49-F238E27FC236}">
-                <a16:creationId xmlns:a16="http://schemas.microsoft.com/office/drawing/2014/main" xmlns="" id="{D4283597-0576-4FB8-844A-7E3E90D3A053}"/>
+                <a16:creationId xmlns:a16="http://schemas.microsoft.com/office/drawing/2014/main" id="{D4283597-0576-4FB8-844A-7E3E90D3A053}"/>
               </a:ext>
             </a:extLst>
           </p:cNvPr>
@@ -3634,10 +3635,9 @@
           <a:lstStyle/>
           <a:p>
             <a:r>
-              <a:rPr lang="en-US" sz="2400" b="1" u="sng" dirty="0" smtClean="0"/>
+              <a:rPr lang="en-US" sz="2400" b="1" u="sng" dirty="0"/>
               <a:t>Question:</a:t>
             </a:r>
-            <a:endParaRPr lang="en-US" sz="2400" b="1" u="sng" dirty="0"/>
           </a:p>
         </p:txBody>
       </p:sp>
@@ -3664,10 +3664,9 @@
           <a:lstStyle/>
           <a:p>
             <a:r>
-              <a:rPr lang="en-US" sz="2400" dirty="0" smtClean="0"/>
+              <a:rPr lang="en-US" sz="2400" dirty="0"/>
               <a:t>Are more asteroids posing an impact threat to Earth today then the did 15 years ago?</a:t>
             </a:r>
-            <a:endParaRPr lang="en-US" sz="2400" dirty="0"/>
           </a:p>
         </p:txBody>
       </p:sp>
@@ -3708,7 +3707,7 @@
               <a:t>o</a:t>
             </a:r>
             <a:r>
-              <a:rPr lang="en-US" sz="2400" b="1" u="sng" dirty="0" smtClean="0">
+              <a:rPr lang="en-US" sz="2400" b="1" u="sng" dirty="0">
                 <a:ea typeface="Calibri" panose="020F0502020204030204" pitchFamily="34" charset="0"/>
                 <a:cs typeface="Times New Roman" panose="02020603050405020304" pitchFamily="18" charset="0"/>
               </a:rPr>
@@ -3747,7 +3746,6 @@
               <a:rPr lang="en-US" sz="2400" dirty="0"/>
               <a:t>If the number of asteroids posing an impact threat is unchanged per year over the last 15 years, then no changes in the number of asteroids posing an impact threat will be seen comparing the current year to the last 15 years.</a:t>
             </a:r>
-            <a:endParaRPr lang="en-US" sz="2400" dirty="0"/>
           </a:p>
         </p:txBody>
       </p:sp>
@@ -3788,7 +3786,7 @@
               <a:t>a</a:t>
             </a:r>
             <a:r>
-              <a:rPr lang="en-US" sz="2400" b="1" u="sng" dirty="0" smtClean="0">
+              <a:rPr lang="en-US" sz="2400" b="1" u="sng" dirty="0">
                 <a:ea typeface="Calibri" panose="020F0502020204030204" pitchFamily="34" charset="0"/>
                 <a:cs typeface="Times New Roman" panose="02020603050405020304" pitchFamily="18" charset="0"/>
               </a:rPr>
@@ -3827,7 +3825,6 @@
               <a:rPr lang="en-US" sz="2400" dirty="0"/>
               <a:t>If the number of asteroids posing an impact threat is changed per year over the last 15 years, then changes in the number of asteroids posing an impact threat will be seen comparing the current year to the last 15 years.</a:t>
             </a:r>
-            <a:endParaRPr lang="en-US" sz="2400" dirty="0"/>
           </a:p>
         </p:txBody>
       </p:sp>
@@ -3836,7 +3833,7 @@
           <p:cNvPr id="10" name="TextBox 9">
             <a:extLst>
               <a:ext uri="{FF2B5EF4-FFF2-40B4-BE49-F238E27FC236}">
-                <a16:creationId xmlns:a16="http://schemas.microsoft.com/office/drawing/2014/main" xmlns="" id="{CA764E2C-B1C8-4D69-9413-3FE90BCC33C3}"/>
+                <a16:creationId xmlns:a16="http://schemas.microsoft.com/office/drawing/2014/main" id="{CA764E2C-B1C8-4D69-9413-3FE90BCC33C3}"/>
               </a:ext>
             </a:extLst>
           </p:cNvPr>
@@ -3902,7 +3899,7 @@
           <p:cNvPr id="2" name="Title 1">
             <a:extLst>
               <a:ext uri="{FF2B5EF4-FFF2-40B4-BE49-F238E27FC236}">
-                <a16:creationId xmlns:a16="http://schemas.microsoft.com/office/drawing/2014/main" xmlns="" id="{4936317F-B021-4296-8E8B-615E882C1287}"/>
+                <a16:creationId xmlns:a16="http://schemas.microsoft.com/office/drawing/2014/main" id="{4936317F-B021-4296-8E8B-615E882C1287}"/>
               </a:ext>
             </a:extLst>
           </p:cNvPr>
@@ -3927,10 +3924,9 @@
           <a:p>
             <a:pPr algn="ctr"/>
             <a:r>
-              <a:rPr lang="en-US" dirty="0" smtClean="0"/>
+              <a:rPr lang="en-US" dirty="0"/>
               <a:t>Resources</a:t>
             </a:r>
-            <a:endParaRPr lang="en-US" dirty="0"/>
           </a:p>
         </p:txBody>
       </p:sp>
@@ -3939,7 +3935,7 @@
           <p:cNvPr id="3" name="Content Placeholder 2">
             <a:extLst>
               <a:ext uri="{FF2B5EF4-FFF2-40B4-BE49-F238E27FC236}">
-                <a16:creationId xmlns:a16="http://schemas.microsoft.com/office/drawing/2014/main" xmlns="" id="{97C4CF92-FA6C-4EC0-84D9-78AAEAC07E60}"/>
+                <a16:creationId xmlns:a16="http://schemas.microsoft.com/office/drawing/2014/main" id="{97C4CF92-FA6C-4EC0-84D9-78AAEAC07E60}"/>
               </a:ext>
             </a:extLst>
           </p:cNvPr>
@@ -3966,61 +3962,61 @@
               <a:buNone/>
             </a:pPr>
             <a:r>
-              <a:rPr lang="en-US" sz="2400" b="1" dirty="0" smtClean="0"/>
+              <a:rPr lang="en-US" sz="2400" b="1" dirty="0"/>
               <a:t>NASA: </a:t>
             </a:r>
             <a:r>
-              <a:rPr lang="en-US" sz="2400" dirty="0" smtClean="0">
+              <a:rPr lang="en-US" sz="2400" dirty="0">
                 <a:hlinkClick r:id="rId2"/>
               </a:rPr>
               <a:t>Link</a:t>
             </a:r>
-            <a:endParaRPr lang="en-US" sz="2400" dirty="0" smtClean="0"/>
+            <a:endParaRPr lang="en-US" sz="2400" dirty="0"/>
           </a:p>
           <a:p>
             <a:pPr marL="0" indent="0">
               <a:buNone/>
             </a:pPr>
             <a:r>
-              <a:rPr lang="en-US" sz="2100" dirty="0" smtClean="0"/>
+              <a:rPr lang="en-US" sz="2100" dirty="0"/>
               <a:t>NASA has many APIs available to the public. The one I choose is the Asteroid </a:t>
             </a:r>
             <a:r>
-              <a:rPr lang="en-US" sz="2100" dirty="0" err="1" smtClean="0"/>
+              <a:rPr lang="en-US" sz="2100" dirty="0" err="1"/>
               <a:t>NeoWS</a:t>
             </a:r>
             <a:r>
-              <a:rPr lang="en-US" sz="2100" dirty="0" smtClean="0"/>
+              <a:rPr lang="en-US" sz="2100" dirty="0"/>
               <a:t> API. This data contains all asteroids that have traveled within 10 Lunar Distances from Earth. Some of the data available for each asteroid in the database includes:</a:t>
             </a:r>
           </a:p>
           <a:p>
             <a:r>
-              <a:rPr lang="en-US" sz="2100" dirty="0" smtClean="0"/>
+              <a:rPr lang="en-US" sz="2100" dirty="0"/>
               <a:t>ID</a:t>
             </a:r>
           </a:p>
           <a:p>
             <a:r>
-              <a:rPr lang="en-US" sz="2100" dirty="0" smtClean="0"/>
+              <a:rPr lang="en-US" sz="2100" dirty="0"/>
               <a:t>Name</a:t>
             </a:r>
           </a:p>
           <a:p>
             <a:r>
-              <a:rPr lang="en-US" sz="2100" dirty="0" smtClean="0"/>
+              <a:rPr lang="en-US" sz="2100" dirty="0"/>
               <a:t>Distance from Earth at Approach</a:t>
             </a:r>
           </a:p>
           <a:p>
             <a:r>
-              <a:rPr lang="en-US" sz="2100" dirty="0" smtClean="0"/>
+              <a:rPr lang="en-US" sz="2100" dirty="0"/>
               <a:t>Velocity</a:t>
             </a:r>
           </a:p>
           <a:p>
             <a:r>
-              <a:rPr lang="en-US" sz="2100" dirty="0" smtClean="0"/>
+              <a:rPr lang="en-US" sz="2100" dirty="0"/>
               <a:t>Whether it is potentially hazardous to Earth</a:t>
             </a:r>
           </a:p>
@@ -4035,12 +4031,12 @@
               <a:buNone/>
             </a:pPr>
             <a:r>
-              <a:rPr lang="en-US" sz="2100" dirty="0" smtClean="0"/>
+              <a:rPr lang="en-US" sz="2100" dirty="0"/>
               <a:t>NASA has another API (SSD/CNEOS) that contains data about near-earth objects, but this data set did not include information on whether the asteroid would be potentially hazardous to Earth.</a:t>
             </a:r>
           </a:p>
           <a:p>
-            <a:endParaRPr lang="en-US" sz="2100" dirty="0" smtClean="0"/>
+            <a:endParaRPr lang="en-US" sz="2100" dirty="0"/>
           </a:p>
           <a:p>
             <a:endParaRPr lang="en-US" dirty="0"/>
@@ -4082,7 +4078,7 @@
           <p:cNvPr id="2" name="Title 1">
             <a:extLst>
               <a:ext uri="{FF2B5EF4-FFF2-40B4-BE49-F238E27FC236}">
-                <a16:creationId xmlns:a16="http://schemas.microsoft.com/office/drawing/2014/main" xmlns="" id="{4936317F-B021-4296-8E8B-615E882C1287}"/>
+                <a16:creationId xmlns:a16="http://schemas.microsoft.com/office/drawing/2014/main" id="{4936317F-B021-4296-8E8B-615E882C1287}"/>
               </a:ext>
             </a:extLst>
           </p:cNvPr>
@@ -4107,10 +4103,9 @@
           <a:p>
             <a:pPr algn="ctr"/>
             <a:r>
-              <a:rPr lang="en-US" dirty="0" smtClean="0"/>
+              <a:rPr lang="en-US" dirty="0"/>
               <a:t>Challenges in Gathering Data</a:t>
             </a:r>
-            <a:endParaRPr lang="en-US" dirty="0"/>
           </a:p>
         </p:txBody>
       </p:sp>
@@ -4119,7 +4114,7 @@
           <p:cNvPr id="3" name="Content Placeholder 2">
             <a:extLst>
               <a:ext uri="{FF2B5EF4-FFF2-40B4-BE49-F238E27FC236}">
-                <a16:creationId xmlns:a16="http://schemas.microsoft.com/office/drawing/2014/main" xmlns="" id="{97C4CF92-FA6C-4EC0-84D9-78AAEAC07E60}"/>
+                <a16:creationId xmlns:a16="http://schemas.microsoft.com/office/drawing/2014/main" id="{97C4CF92-FA6C-4EC0-84D9-78AAEAC07E60}"/>
               </a:ext>
             </a:extLst>
           </p:cNvPr>
@@ -4146,59 +4141,59 @@
               <a:buNone/>
             </a:pPr>
             <a:r>
-              <a:rPr lang="en-US" sz="2100" dirty="0" smtClean="0"/>
+              <a:rPr lang="en-US" sz="2100" dirty="0"/>
               <a:t>While working to gather the necessary data from the Asteroid </a:t>
             </a:r>
             <a:r>
-              <a:rPr lang="en-US" sz="2100" dirty="0" err="1" smtClean="0"/>
+              <a:rPr lang="en-US" sz="2100" dirty="0" err="1"/>
               <a:t>NeoWS</a:t>
             </a:r>
             <a:r>
-              <a:rPr lang="en-US" sz="2100" dirty="0" smtClean="0"/>
+              <a:rPr lang="en-US" sz="2100" dirty="0"/>
               <a:t> API, I experienced the following challenges.</a:t>
             </a:r>
           </a:p>
           <a:p>
             <a:r>
-              <a:rPr lang="en-US" sz="2100" dirty="0" smtClean="0"/>
+              <a:rPr lang="en-US" sz="2100" dirty="0"/>
               <a:t>A user is limited to 1,000 API requests in a 24-hour period.</a:t>
             </a:r>
           </a:p>
           <a:p>
             <a:r>
-              <a:rPr lang="en-US" sz="2100" dirty="0" smtClean="0"/>
+              <a:rPr lang="en-US" sz="2100" dirty="0"/>
               <a:t>Each request to the API is limited to a 7-day date range. In order to gather enough data for an analysis I had to create a loop that would pass a 7-day date range to the API for a span of 15 years. That works out to 825 requests.</a:t>
             </a:r>
           </a:p>
           <a:p>
             <a:r>
-              <a:rPr lang="en-US" sz="2100" dirty="0" smtClean="0"/>
+              <a:rPr lang="en-US" sz="2100" dirty="0"/>
               <a:t>Data returned in the request is organized by date. This posed the challenge of creating a loop that would run through each date in the response in order to gather data for each asteroid observed.</a:t>
             </a:r>
           </a:p>
           <a:p>
             <a:r>
-              <a:rPr lang="en-US" sz="2100" dirty="0" smtClean="0"/>
+              <a:rPr lang="en-US" sz="2100" dirty="0"/>
               <a:t>The data set for each date in the response was organized with multiple levels of lists nested inside dictionaries. This required me to have several nested For loops which added to the complexity of keeping the code clean.</a:t>
             </a:r>
           </a:p>
           <a:p>
             <a:r>
-              <a:rPr lang="en-US" sz="2100" dirty="0" smtClean="0"/>
+              <a:rPr lang="en-US" sz="2100" dirty="0"/>
               <a:t>I found the best way to keep my code clean was to break it down into functions. While I was able to see data being returned from the API, I could not figure out how to pass the lists of data from one function to another in order to create a </a:t>
             </a:r>
             <a:r>
-              <a:rPr lang="en-US" sz="2100" dirty="0" err="1" smtClean="0"/>
+              <a:rPr lang="en-US" sz="2100" dirty="0" err="1"/>
               <a:t>dataframe</a:t>
             </a:r>
             <a:r>
-              <a:rPr lang="en-US" sz="2100" dirty="0" smtClean="0"/>
+              <a:rPr lang="en-US" sz="2100" dirty="0"/>
               <a:t>.</a:t>
             </a:r>
           </a:p>
           <a:p>
             <a:r>
-              <a:rPr lang="en-US" sz="2100" dirty="0" smtClean="0"/>
+              <a:rPr lang="en-US" sz="2100" dirty="0"/>
               <a:t>Due to the complexity in the organization of the response object, I was not able to determine how to write the data to a .csv file which would have allowed me to analyze the data.</a:t>
             </a:r>
           </a:p>
@@ -4242,7 +4237,7 @@
           <p:cNvPr id="2" name="Title 1">
             <a:extLst>
               <a:ext uri="{FF2B5EF4-FFF2-40B4-BE49-F238E27FC236}">
-                <a16:creationId xmlns:a16="http://schemas.microsoft.com/office/drawing/2014/main" xmlns="" id="{4936317F-B021-4296-8E8B-615E882C1287}"/>
+                <a16:creationId xmlns:a16="http://schemas.microsoft.com/office/drawing/2014/main" id="{4936317F-B021-4296-8E8B-615E882C1287}"/>
               </a:ext>
             </a:extLst>
           </p:cNvPr>
@@ -4267,10 +4262,9 @@
           <a:p>
             <a:pPr algn="ctr"/>
             <a:r>
-              <a:rPr lang="en-US" dirty="0" smtClean="0"/>
+              <a:rPr lang="en-US" dirty="0"/>
               <a:t>Planned Analysis</a:t>
             </a:r>
-            <a:endParaRPr lang="en-US" dirty="0"/>
           </a:p>
         </p:txBody>
       </p:sp>
@@ -4279,7 +4273,7 @@
           <p:cNvPr id="3" name="Content Placeholder 2">
             <a:extLst>
               <a:ext uri="{FF2B5EF4-FFF2-40B4-BE49-F238E27FC236}">
-                <a16:creationId xmlns:a16="http://schemas.microsoft.com/office/drawing/2014/main" xmlns="" id="{97C4CF92-FA6C-4EC0-84D9-78AAEAC07E60}"/>
+                <a16:creationId xmlns:a16="http://schemas.microsoft.com/office/drawing/2014/main" id="{97C4CF92-FA6C-4EC0-84D9-78AAEAC07E60}"/>
               </a:ext>
             </a:extLst>
           </p:cNvPr>
@@ -4306,28 +4300,20 @@
               <a:buNone/>
             </a:pPr>
             <a:r>
-              <a:rPr lang="en-US" sz="2100" dirty="0" smtClean="0"/>
+              <a:rPr lang="en-US" sz="2100" dirty="0"/>
               <a:t>In the analysis of the data I wanted to gather I planned to complete the following for the time period of 1/1/2005 to 10/24/2020:</a:t>
             </a:r>
           </a:p>
           <a:p>
             <a:r>
-              <a:rPr lang="en-US" sz="2100" dirty="0" smtClean="0"/>
+              <a:rPr lang="en-US" sz="2100" dirty="0"/>
               <a:t>Find number of asteroids determined hazardous over the past 15 years</a:t>
             </a:r>
           </a:p>
           <a:p>
             <a:r>
-              <a:rPr lang="en-US" sz="2100" dirty="0" smtClean="0"/>
-              <a:t>Find the number of asteroids labeled not hazardous</a:t>
-            </a:r>
-            <a:r>
               <a:rPr lang="en-US" sz="2100" dirty="0"/>
-              <a:t> over the past 15 </a:t>
-            </a:r>
-            <a:r>
-              <a:rPr lang="en-US" sz="2100" dirty="0" smtClean="0"/>
-              <a:t>years</a:t>
+              <a:t>Find the number of asteroids labeled not hazardous over the past 15 years</a:t>
             </a:r>
           </a:p>
           <a:p>
@@ -4335,29 +4321,28 @@
               <a:rPr lang="en-US" sz="2100" dirty="0"/>
               <a:t>Find the mean of asteroids observed each year (2005 to 2020). This would also include the mean of the asteroids labeled hazardous and not hazardous</a:t>
             </a:r>
-            <a:endParaRPr lang="en-US" sz="2100" dirty="0" smtClean="0"/>
-          </a:p>
-          <a:p>
-            <a:r>
-              <a:rPr lang="en-US" sz="2100" dirty="0" smtClean="0"/>
+          </a:p>
+          <a:p>
+            <a:r>
+              <a:rPr lang="en-US" sz="2100" dirty="0"/>
               <a:t>Compare the number of asteroids observed in 2005 and 2006 that were labeled hazardous to the number of asteroids observed in 2019 and 2020 that were labeled hazardous.</a:t>
             </a:r>
           </a:p>
           <a:p>
             <a:r>
-              <a:rPr lang="en-US" sz="2100" dirty="0" smtClean="0"/>
+              <a:rPr lang="en-US" sz="2100" dirty="0"/>
               <a:t>Determine if there is an increase in the number of asteroids being labeled hazardous</a:t>
             </a:r>
           </a:p>
           <a:p>
             <a:r>
-              <a:rPr lang="en-US" sz="2100" dirty="0" smtClean="0"/>
+              <a:rPr lang="en-US" sz="2100" dirty="0"/>
               <a:t>Determine if there is an increate in the number of asteroids being labeled not hazardous</a:t>
             </a:r>
           </a:p>
           <a:p>
             <a:r>
-              <a:rPr lang="en-US" sz="2100" dirty="0" smtClean="0"/>
+              <a:rPr lang="en-US" sz="2100" dirty="0"/>
               <a:t>Determine if the data supports or rejects the Null hypothesis</a:t>
             </a:r>
             <a:endParaRPr lang="en-US" dirty="0"/>
@@ -4399,7 +4384,7 @@
           <p:cNvPr id="4" name="Title 1">
             <a:extLst>
               <a:ext uri="{FF2B5EF4-FFF2-40B4-BE49-F238E27FC236}">
-                <a16:creationId xmlns:a16="http://schemas.microsoft.com/office/drawing/2014/main" xmlns="" id="{573D67AD-7A43-4613-BB13-2BD8681EB502}"/>
+                <a16:creationId xmlns:a16="http://schemas.microsoft.com/office/drawing/2014/main" id="{573D67AD-7A43-4613-BB13-2BD8681EB502}"/>
               </a:ext>
             </a:extLst>
           </p:cNvPr>
@@ -4424,18 +4409,17 @@
           <a:p>
             <a:pPr algn="ctr"/>
             <a:r>
-              <a:rPr lang="en-US" dirty="0" smtClean="0"/>
+              <a:rPr lang="en-US" dirty="0"/>
               <a:t>Analysis </a:t>
             </a:r>
             <a:r>
-              <a:rPr lang="en-US" sz="4000" dirty="0" smtClean="0"/>
+              <a:rPr lang="en-US" sz="4000" dirty="0"/>
               <a:t>of</a:t>
             </a:r>
             <a:r>
-              <a:rPr lang="en-US" dirty="0" smtClean="0"/>
+              <a:rPr lang="en-US" dirty="0"/>
               <a:t> Asteroids and the Inner Planets</a:t>
             </a:r>
-            <a:endParaRPr lang="en-US" dirty="0"/>
           </a:p>
         </p:txBody>
       </p:sp>
@@ -4474,7 +4458,7 @@
           <p:cNvPr id="7" name="TextBox 6">
             <a:extLst>
               <a:ext uri="{FF2B5EF4-FFF2-40B4-BE49-F238E27FC236}">
-                <a16:creationId xmlns:a16="http://schemas.microsoft.com/office/drawing/2014/main" xmlns="" id="{80BDE28C-38A3-4CF2-8A78-223AC021826F}"/>
+                <a16:creationId xmlns:a16="http://schemas.microsoft.com/office/drawing/2014/main" id="{80BDE28C-38A3-4CF2-8A78-223AC021826F}"/>
               </a:ext>
             </a:extLst>
           </p:cNvPr>
@@ -4512,19 +4496,10 @@
                 <a:ea typeface="Calibri" panose="020F0502020204030204" pitchFamily="34" charset="0"/>
                 <a:cs typeface="Times New Roman" panose="02020603050405020304" pitchFamily="18" charset="0"/>
               </a:rPr>
-              <a:t>Null hypothesis  (</a:t>
-            </a:r>
-            <a:r>
-              <a:rPr lang="en-US" sz="2400" b="1" u="sng" dirty="0" smtClean="0">
-                <a:effectLst/>
-                <a:latin typeface="Calibri" panose="020F0502020204030204" pitchFamily="34" charset="0"/>
-                <a:ea typeface="Calibri" panose="020F0502020204030204" pitchFamily="34" charset="0"/>
-                <a:cs typeface="Times New Roman" panose="02020603050405020304" pitchFamily="18" charset="0"/>
-              </a:rPr>
-              <a:t>H</a:t>
-            </a:r>
-            <a:r>
-              <a:rPr lang="en-US" sz="2400" b="1" u="sng" baseline="-25000" dirty="0" smtClean="0">
+              <a:t>Null hypothesis  (H</a:t>
+            </a:r>
+            <a:r>
+              <a:rPr lang="en-US" sz="2400" b="1" u="sng" baseline="-25000" dirty="0">
                 <a:effectLst/>
                 <a:latin typeface="Calibri" panose="020F0502020204030204" pitchFamily="34" charset="0"/>
                 <a:ea typeface="Calibri" panose="020F0502020204030204" pitchFamily="34" charset="0"/>
@@ -4533,7 +4508,7 @@
               <a:t>o</a:t>
             </a:r>
             <a:r>
-              <a:rPr lang="en-US" sz="2400" b="1" u="sng" dirty="0" smtClean="0">
+              <a:rPr lang="en-US" sz="2400" b="1" u="sng" dirty="0">
                 <a:effectLst/>
                 <a:latin typeface="Calibri" panose="020F0502020204030204" pitchFamily="34" charset="0"/>
                 <a:ea typeface="Calibri" panose="020F0502020204030204" pitchFamily="34" charset="0"/>
@@ -4566,12 +4541,6 @@
               </a:rPr>
               <a:t>If the average close approaches count is unchanged per year over the last 50 years, then no changes in the average close approaches count will be seen comparing the most recent decade to the last 4 decades from now. </a:t>
             </a:r>
-            <a:endParaRPr lang="en-US" sz="2400" dirty="0" smtClean="0">
-              <a:effectLst/>
-              <a:latin typeface="Calibri" panose="020F0502020204030204" pitchFamily="34" charset="0"/>
-              <a:ea typeface="Calibri" panose="020F0502020204030204" pitchFamily="34" charset="0"/>
-              <a:cs typeface="Times New Roman" panose="02020603050405020304" pitchFamily="18" charset="0"/>
-            </a:endParaRPr>
           </a:p>
           <a:p>
             <a:pPr marL="0" marR="0">
@@ -4658,7 +4627,7 @@
           <p:cNvPr id="9" name="TextBox 8">
             <a:extLst>
               <a:ext uri="{FF2B5EF4-FFF2-40B4-BE49-F238E27FC236}">
-                <a16:creationId xmlns:a16="http://schemas.microsoft.com/office/drawing/2014/main" xmlns="" id="{0E4D865E-3936-482F-BA42-E4CB93CE27E2}"/>
+                <a16:creationId xmlns:a16="http://schemas.microsoft.com/office/drawing/2014/main" id="{0E4D865E-3936-482F-BA42-E4CB93CE27E2}"/>
               </a:ext>
             </a:extLst>
           </p:cNvPr>
@@ -4690,7 +4659,7 @@
               </a:spcAft>
             </a:pPr>
             <a:r>
-              <a:rPr lang="en-US" sz="2400" b="1" u="sng" dirty="0" smtClean="0">
+              <a:rPr lang="en-US" sz="2400" b="1" u="sng" dirty="0">
                 <a:effectLst/>
                 <a:latin typeface="Calibri" panose="020F0502020204030204" pitchFamily="34" charset="0"/>
                 <a:ea typeface="Calibri" panose="020F0502020204030204" pitchFamily="34" charset="0"/>
@@ -4731,7 +4700,7 @@
           <p:cNvPr id="10" name="TextBox 9">
             <a:extLst>
               <a:ext uri="{FF2B5EF4-FFF2-40B4-BE49-F238E27FC236}">
-                <a16:creationId xmlns:a16="http://schemas.microsoft.com/office/drawing/2014/main" xmlns="" id="{CA764E2C-B1C8-4D69-9413-3FE90BCC33C3}"/>
+                <a16:creationId xmlns:a16="http://schemas.microsoft.com/office/drawing/2014/main" id="{CA764E2C-B1C8-4D69-9413-3FE90BCC33C3}"/>
               </a:ext>
             </a:extLst>
           </p:cNvPr>
@@ -4796,7 +4765,7 @@
           <p:cNvPr id="2" name="Title 1">
             <a:extLst>
               <a:ext uri="{FF2B5EF4-FFF2-40B4-BE49-F238E27FC236}">
-                <a16:creationId xmlns:a16="http://schemas.microsoft.com/office/drawing/2014/main" xmlns="" id="{074407D1-022F-4723-8ED3-E5B5FD55D401}"/>
+                <a16:creationId xmlns:a16="http://schemas.microsoft.com/office/drawing/2014/main" id="{074407D1-022F-4723-8ED3-E5B5FD55D401}"/>
               </a:ext>
             </a:extLst>
           </p:cNvPr>
@@ -4831,7 +4800,7 @@
           <p:cNvPr id="3" name="Subtitle 2">
             <a:extLst>
               <a:ext uri="{FF2B5EF4-FFF2-40B4-BE49-F238E27FC236}">
-                <a16:creationId xmlns:a16="http://schemas.microsoft.com/office/drawing/2014/main" xmlns="" id="{0B8832C5-0114-49B6-9282-B09381785FF5}"/>
+                <a16:creationId xmlns:a16="http://schemas.microsoft.com/office/drawing/2014/main" id="{0B8832C5-0114-49B6-9282-B09381785FF5}"/>
               </a:ext>
             </a:extLst>
           </p:cNvPr>
@@ -4867,7 +4836,7 @@
           <p:cNvPr id="5" name="Picture 4">
             <a:extLst>
               <a:ext uri="{FF2B5EF4-FFF2-40B4-BE49-F238E27FC236}">
-                <a16:creationId xmlns:a16="http://schemas.microsoft.com/office/drawing/2014/main" xmlns="" id="{7E66AE8B-C975-4EC1-92E1-A43091777A5F}"/>
+                <a16:creationId xmlns:a16="http://schemas.microsoft.com/office/drawing/2014/main" id="{7E66AE8B-C975-4EC1-92E1-A43091777A5F}"/>
               </a:ext>
             </a:extLst>
           </p:cNvPr>
@@ -4903,7 +4872,7 @@
           <p:cNvPr id="4" name="Picture 3">
             <a:extLst>
               <a:ext uri="{FF2B5EF4-FFF2-40B4-BE49-F238E27FC236}">
-                <a16:creationId xmlns:a16="http://schemas.microsoft.com/office/drawing/2014/main" xmlns="" id="{351CBEA4-F354-4943-AE1D-41F2672306D6}"/>
+                <a16:creationId xmlns:a16="http://schemas.microsoft.com/office/drawing/2014/main" id="{351CBEA4-F354-4943-AE1D-41F2672306D6}"/>
               </a:ext>
             </a:extLst>
           </p:cNvPr>
@@ -4939,7 +4908,7 @@
           <p:cNvPr id="7" name="TextBox 6">
             <a:extLst>
               <a:ext uri="{FF2B5EF4-FFF2-40B4-BE49-F238E27FC236}">
-                <a16:creationId xmlns:a16="http://schemas.microsoft.com/office/drawing/2014/main" xmlns="" id="{73E92FE5-A661-49E2-9B9A-90E5B075E83D}"/>
+                <a16:creationId xmlns:a16="http://schemas.microsoft.com/office/drawing/2014/main" id="{73E92FE5-A661-49E2-9B9A-90E5B075E83D}"/>
               </a:ext>
             </a:extLst>
           </p:cNvPr>
@@ -5047,7 +5016,7 @@
           <p:cNvPr id="2" name="Title 1">
             <a:extLst>
               <a:ext uri="{FF2B5EF4-FFF2-40B4-BE49-F238E27FC236}">
-                <a16:creationId xmlns:a16="http://schemas.microsoft.com/office/drawing/2014/main" xmlns="" id="{074407D1-022F-4723-8ED3-E5B5FD55D401}"/>
+                <a16:creationId xmlns:a16="http://schemas.microsoft.com/office/drawing/2014/main" id="{074407D1-022F-4723-8ED3-E5B5FD55D401}"/>
               </a:ext>
             </a:extLst>
           </p:cNvPr>
@@ -5082,7 +5051,7 @@
           <p:cNvPr id="5" name="Picture 4">
             <a:extLst>
               <a:ext uri="{FF2B5EF4-FFF2-40B4-BE49-F238E27FC236}">
-                <a16:creationId xmlns:a16="http://schemas.microsoft.com/office/drawing/2014/main" xmlns="" id="{13B96306-120F-4816-90BF-D3BF2F1DB026}"/>
+                <a16:creationId xmlns:a16="http://schemas.microsoft.com/office/drawing/2014/main" id="{13B96306-120F-4816-90BF-D3BF2F1DB026}"/>
               </a:ext>
             </a:extLst>
           </p:cNvPr>
@@ -5118,7 +5087,7 @@
           <p:cNvPr id="4" name="TextBox 3">
             <a:extLst>
               <a:ext uri="{FF2B5EF4-FFF2-40B4-BE49-F238E27FC236}">
-                <a16:creationId xmlns:a16="http://schemas.microsoft.com/office/drawing/2014/main" xmlns="" id="{95C270D9-6F59-41CD-AF21-D85C7B251649}"/>
+                <a16:creationId xmlns:a16="http://schemas.microsoft.com/office/drawing/2014/main" id="{95C270D9-6F59-41CD-AF21-D85C7B251649}"/>
               </a:ext>
             </a:extLst>
           </p:cNvPr>
@@ -5181,7 +5150,7 @@
           <p:cNvPr id="6" name="TextBox 5">
             <a:extLst>
               <a:ext uri="{FF2B5EF4-FFF2-40B4-BE49-F238E27FC236}">
-                <a16:creationId xmlns:a16="http://schemas.microsoft.com/office/drawing/2014/main" xmlns="" id="{CC041F36-EE45-4B8E-B8B0-58793661CF2C}"/>
+                <a16:creationId xmlns:a16="http://schemas.microsoft.com/office/drawing/2014/main" id="{CC041F36-EE45-4B8E-B8B0-58793661CF2C}"/>
               </a:ext>
             </a:extLst>
           </p:cNvPr>
@@ -5276,7 +5245,7 @@
           <p:cNvPr id="2" name="Title 1">
             <a:extLst>
               <a:ext uri="{FF2B5EF4-FFF2-40B4-BE49-F238E27FC236}">
-                <a16:creationId xmlns:a16="http://schemas.microsoft.com/office/drawing/2014/main" xmlns="" id="{074407D1-022F-4723-8ED3-E5B5FD55D401}"/>
+                <a16:creationId xmlns:a16="http://schemas.microsoft.com/office/drawing/2014/main" id="{074407D1-022F-4723-8ED3-E5B5FD55D401}"/>
               </a:ext>
             </a:extLst>
           </p:cNvPr>
@@ -5311,7 +5280,7 @@
           <p:cNvPr id="6" name="Picture 5">
             <a:extLst>
               <a:ext uri="{FF2B5EF4-FFF2-40B4-BE49-F238E27FC236}">
-                <a16:creationId xmlns:a16="http://schemas.microsoft.com/office/drawing/2014/main" xmlns="" id="{A5E4FA7F-6AC5-4CB3-8623-69D03D59D2E1}"/>
+                <a16:creationId xmlns:a16="http://schemas.microsoft.com/office/drawing/2014/main" id="{A5E4FA7F-6AC5-4CB3-8623-69D03D59D2E1}"/>
               </a:ext>
             </a:extLst>
           </p:cNvPr>
@@ -5347,7 +5316,7 @@
           <p:cNvPr id="4" name="TextBox 3">
             <a:extLst>
               <a:ext uri="{FF2B5EF4-FFF2-40B4-BE49-F238E27FC236}">
-                <a16:creationId xmlns:a16="http://schemas.microsoft.com/office/drawing/2014/main" xmlns="" id="{B1F06323-06A9-4982-8FDA-5356D2499146}"/>
+                <a16:creationId xmlns:a16="http://schemas.microsoft.com/office/drawing/2014/main" id="{B1F06323-06A9-4982-8FDA-5356D2499146}"/>
               </a:ext>
             </a:extLst>
           </p:cNvPr>
@@ -5410,7 +5379,7 @@
           <p:cNvPr id="5" name="TextBox 4">
             <a:extLst>
               <a:ext uri="{FF2B5EF4-FFF2-40B4-BE49-F238E27FC236}">
-                <a16:creationId xmlns:a16="http://schemas.microsoft.com/office/drawing/2014/main" xmlns="" id="{8BE5CE07-4EA2-4F4D-85D3-394BCC0A68A2}"/>
+                <a16:creationId xmlns:a16="http://schemas.microsoft.com/office/drawing/2014/main" id="{8BE5CE07-4EA2-4F4D-85D3-394BCC0A68A2}"/>
               </a:ext>
             </a:extLst>
           </p:cNvPr>
@@ -5507,7 +5476,7 @@
           <p:cNvPr id="2" name="Title 1">
             <a:extLst>
               <a:ext uri="{FF2B5EF4-FFF2-40B4-BE49-F238E27FC236}">
-                <a16:creationId xmlns:a16="http://schemas.microsoft.com/office/drawing/2014/main" xmlns="" id="{074407D1-022F-4723-8ED3-E5B5FD55D401}"/>
+                <a16:creationId xmlns:a16="http://schemas.microsoft.com/office/drawing/2014/main" id="{074407D1-022F-4723-8ED3-E5B5FD55D401}"/>
               </a:ext>
             </a:extLst>
           </p:cNvPr>
@@ -5542,7 +5511,7 @@
           <p:cNvPr id="5" name="Picture 4">
             <a:extLst>
               <a:ext uri="{FF2B5EF4-FFF2-40B4-BE49-F238E27FC236}">
-                <a16:creationId xmlns:a16="http://schemas.microsoft.com/office/drawing/2014/main" xmlns="" id="{C343577E-1783-4620-8A22-6F381A39D608}"/>
+                <a16:creationId xmlns:a16="http://schemas.microsoft.com/office/drawing/2014/main" id="{C343577E-1783-4620-8A22-6F381A39D608}"/>
               </a:ext>
             </a:extLst>
           </p:cNvPr>
@@ -5578,7 +5547,7 @@
           <p:cNvPr id="4" name="TextBox 3">
             <a:extLst>
               <a:ext uri="{FF2B5EF4-FFF2-40B4-BE49-F238E27FC236}">
-                <a16:creationId xmlns:a16="http://schemas.microsoft.com/office/drawing/2014/main" xmlns="" id="{C828555D-73C1-4C95-A363-344B2966C4FD}"/>
+                <a16:creationId xmlns:a16="http://schemas.microsoft.com/office/drawing/2014/main" id="{C828555D-73C1-4C95-A363-344B2966C4FD}"/>
               </a:ext>
             </a:extLst>
           </p:cNvPr>
@@ -5641,7 +5610,7 @@
           <p:cNvPr id="7" name="TextBox 6">
             <a:extLst>
               <a:ext uri="{FF2B5EF4-FFF2-40B4-BE49-F238E27FC236}">
-                <a16:creationId xmlns:a16="http://schemas.microsoft.com/office/drawing/2014/main" xmlns="" id="{555F485D-4E93-4167-9B7B-267109B76F49}"/>
+                <a16:creationId xmlns:a16="http://schemas.microsoft.com/office/drawing/2014/main" id="{555F485D-4E93-4167-9B7B-267109B76F49}"/>
               </a:ext>
             </a:extLst>
           </p:cNvPr>
@@ -5733,45 +5702,522 @@
       </p:grpSpPr>
       <p:sp>
         <p:nvSpPr>
-          <p:cNvPr id="2" name="Title 1">
-            <a:extLst>
-              <a:ext uri="{FF2B5EF4-FFF2-40B4-BE49-F238E27FC236}">
-                <a16:creationId xmlns:a16="http://schemas.microsoft.com/office/drawing/2014/main" xmlns="" id="{573D67AD-7A43-4613-BB13-2BD8681EB502}"/>
-              </a:ext>
-            </a:extLst>
-          </p:cNvPr>
-          <p:cNvSpPr>
-            <a:spLocks noGrp="1"/>
-          </p:cNvSpPr>
-          <p:nvPr>
-            <p:ph type="title"/>
-          </p:nvPr>
-        </p:nvSpPr>
-        <p:spPr>
-          <a:xfrm>
-            <a:off x="1940010" y="2374932"/>
-            <a:ext cx="8155460" cy="924322"/>
-          </a:xfrm>
-        </p:spPr>
-        <p:txBody>
-          <a:bodyPr>
-            <a:normAutofit/>
+          <p:cNvPr id="8" name="TextBox 7">
+            <a:extLst>
+              <a:ext uri="{FF2B5EF4-FFF2-40B4-BE49-F238E27FC236}">
+                <a16:creationId xmlns:a16="http://schemas.microsoft.com/office/drawing/2014/main" id="{E89D5BA1-38F5-4D76-9999-9DBA0CF889A9}"/>
+              </a:ext>
+            </a:extLst>
+          </p:cNvPr>
+          <p:cNvSpPr txBox="1"/>
+          <p:nvPr/>
+        </p:nvSpPr>
+        <p:spPr>
+          <a:xfrm>
+            <a:off x="870120" y="310767"/>
+            <a:ext cx="10048359" cy="4462760"/>
+          </a:xfrm>
+          <a:prstGeom prst="rect">
+            <a:avLst/>
+          </a:prstGeom>
+          <a:noFill/>
+        </p:spPr>
+        <p:txBody>
+          <a:bodyPr wrap="square" rtlCol="0">
+            <a:spAutoFit/>
           </a:bodyPr>
           <a:lstStyle/>
           <a:p>
             <a:pPr algn="ctr"/>
             <a:r>
-              <a:rPr lang="en-US" dirty="0" smtClean="0"/>
-              <a:t>Composition of Asteroids</a:t>
-            </a:r>
+              <a:rPr lang="en-US" sz="4000" b="1" dirty="0"/>
+              <a:t>Overview</a:t>
+            </a:r>
+          </a:p>
+          <a:p>
+            <a:pPr algn="ctr"/>
+            <a:endParaRPr lang="en-US" sz="1000" b="1" dirty="0"/>
+          </a:p>
+          <a:p>
+            <a:pPr marL="285750" indent="-285750">
+              <a:buFont typeface="Arial" panose="020B0604020202020204" pitchFamily="34" charset="0"/>
+              <a:buChar char="•"/>
+            </a:pPr>
+            <a:r>
+              <a:rPr lang="en-US" sz="2000" dirty="0"/>
+              <a:t>The known number of asteroid is estimated  to be 1,016,447. –</a:t>
+            </a:r>
+            <a:r>
+              <a:rPr lang="en-US" sz="2000" dirty="0">
+                <a:hlinkClick r:id="rId2"/>
+              </a:rPr>
+              <a:t>NASA</a:t>
+            </a:r>
+            <a:endParaRPr lang="en-US" sz="2000" dirty="0"/>
+          </a:p>
+          <a:p>
+            <a:endParaRPr lang="en-US" sz="1400" b="0" i="0" dirty="0">
+              <a:solidFill>
+                <a:srgbClr val="3A3A3A"/>
+              </a:solidFill>
+              <a:effectLst/>
+              <a:latin typeface="Metropolis"/>
+            </a:endParaRPr>
+          </a:p>
+          <a:p>
+            <a:pPr marL="285750" indent="-285750">
+              <a:buFont typeface="Arial" panose="020B0604020202020204" pitchFamily="34" charset="0"/>
+              <a:buChar char="•"/>
+            </a:pPr>
+            <a:r>
+              <a:rPr lang="en-US" sz="2000" dirty="0">
+                <a:solidFill>
+                  <a:srgbClr val="3A3A3A"/>
+                </a:solidFill>
+                <a:latin typeface="Metropolis"/>
+              </a:rPr>
+              <a:t>The majority of asteroids </a:t>
+            </a:r>
+            <a:r>
+              <a:rPr lang="en-US" sz="2000" b="0" i="0" dirty="0">
+                <a:solidFill>
+                  <a:srgbClr val="3A3A3A"/>
+                </a:solidFill>
+                <a:effectLst/>
+                <a:latin typeface="Metropolis"/>
+              </a:rPr>
+              <a:t>orbiting the sun are located between Mars and Jupiter (estimated 1.1 to 1.9 million). These are known as the Main asteroid belt. –</a:t>
+            </a:r>
+            <a:r>
+              <a:rPr lang="en-US" sz="2000" dirty="0">
+                <a:hlinkClick r:id="rId2"/>
+              </a:rPr>
+              <a:t>NASA</a:t>
+            </a:r>
+            <a:endParaRPr lang="en-US" sz="2000" dirty="0"/>
+          </a:p>
+          <a:p>
+            <a:pPr marL="285750" indent="-285750">
+              <a:buFont typeface="Arial" panose="020B0604020202020204" pitchFamily="34" charset="0"/>
+              <a:buChar char="•"/>
+            </a:pPr>
+            <a:endParaRPr lang="en-US" sz="1400" dirty="0">
+              <a:solidFill>
+                <a:srgbClr val="3A3A3A"/>
+              </a:solidFill>
+              <a:latin typeface="Metropolis"/>
+            </a:endParaRPr>
+          </a:p>
+          <a:p>
+            <a:pPr marL="285750" indent="-285750">
+              <a:buFont typeface="Arial" panose="020B0604020202020204" pitchFamily="34" charset="0"/>
+              <a:buChar char="•"/>
+            </a:pPr>
+            <a:r>
+              <a:rPr lang="en-US" sz="2000" dirty="0">
+                <a:solidFill>
+                  <a:srgbClr val="3A3A3A"/>
+                </a:solidFill>
+                <a:latin typeface="Metropolis"/>
+              </a:rPr>
+              <a:t>Asteroids located near earth are estimated at 10,000. Roughly 800 are 1 kilometer in diameter.</a:t>
+            </a:r>
+            <a:r>
+              <a:rPr lang="en-US" sz="2000" b="0" i="0" dirty="0">
+                <a:solidFill>
+                  <a:srgbClr val="3A3A3A"/>
+                </a:solidFill>
+                <a:effectLst/>
+                <a:latin typeface="Metropolis"/>
+              </a:rPr>
+              <a:t> –</a:t>
+            </a:r>
+            <a:r>
+              <a:rPr lang="en-US" sz="2000" dirty="0">
+                <a:hlinkClick r:id="rId2"/>
+              </a:rPr>
+              <a:t>NASA</a:t>
+            </a:r>
+            <a:endParaRPr lang="en-US" sz="2000" dirty="0">
+              <a:solidFill>
+                <a:srgbClr val="3A3A3A"/>
+              </a:solidFill>
+              <a:latin typeface="Metropolis"/>
+            </a:endParaRPr>
+          </a:p>
+          <a:p>
+            <a:pPr marL="285750" indent="-285750">
+              <a:buFont typeface="Arial" panose="020B0604020202020204" pitchFamily="34" charset="0"/>
+              <a:buChar char="•"/>
+            </a:pPr>
+            <a:endParaRPr lang="en-US" sz="1400" dirty="0">
+              <a:solidFill>
+                <a:srgbClr val="3A3A3A"/>
+              </a:solidFill>
+              <a:latin typeface="Metropolis"/>
+            </a:endParaRPr>
+          </a:p>
+          <a:p>
+            <a:pPr marL="285750" indent="-285750">
+              <a:buFont typeface="Arial" panose="020B0604020202020204" pitchFamily="34" charset="0"/>
+              <a:buChar char="•"/>
+            </a:pPr>
+            <a:r>
+              <a:rPr lang="en-US" sz="2000" dirty="0">
+                <a:solidFill>
+                  <a:srgbClr val="3A3A3A"/>
+                </a:solidFill>
+                <a:latin typeface="Metropolis"/>
+              </a:rPr>
+              <a:t>The composition of asteroids  predominately  contain chondrite (known as C-type), silicates (S-type) , and metals (M-type). </a:t>
+            </a:r>
+            <a:r>
+              <a:rPr lang="en-US" sz="2000" b="0" i="0" dirty="0">
+                <a:solidFill>
+                  <a:srgbClr val="3A3A3A"/>
+                </a:solidFill>
+                <a:effectLst/>
+                <a:latin typeface="Metropolis"/>
+              </a:rPr>
+              <a:t>–</a:t>
+            </a:r>
+            <a:r>
+              <a:rPr lang="en-US" sz="2000" dirty="0">
+                <a:hlinkClick r:id="rId2"/>
+              </a:rPr>
+              <a:t>NASA</a:t>
+            </a:r>
+            <a:endParaRPr lang="en-US" sz="2000" dirty="0"/>
+          </a:p>
+          <a:p>
+            <a:pPr marL="285750" indent="-285750">
+              <a:buFont typeface="Arial" panose="020B0604020202020204" pitchFamily="34" charset="0"/>
+              <a:buChar char="•"/>
+            </a:pPr>
+            <a:endParaRPr lang="en-US" sz="1400" dirty="0"/>
+          </a:p>
+          <a:p>
+            <a:pPr marL="285750" indent="-285750">
+              <a:buFont typeface="Arial" panose="020B0604020202020204" pitchFamily="34" charset="0"/>
+              <a:buChar char="•"/>
+            </a:pPr>
+            <a:r>
+              <a:rPr lang="en-US" sz="2000" b="0" i="0" dirty="0">
+                <a:solidFill>
+                  <a:srgbClr val="3A3A3A"/>
+                </a:solidFill>
+                <a:effectLst/>
+                <a:latin typeface="Metropolis"/>
+              </a:rPr>
+              <a:t>What can we learn from all this data?</a:t>
+            </a:r>
+          </a:p>
+          <a:p>
             <a:endParaRPr lang="en-US" dirty="0"/>
+          </a:p>
+        </p:txBody>
+      </p:sp>
+      <p:pic>
+        <p:nvPicPr>
+          <p:cNvPr id="10" name="Picture 9">
+            <a:extLst>
+              <a:ext uri="{FF2B5EF4-FFF2-40B4-BE49-F238E27FC236}">
+                <a16:creationId xmlns:a16="http://schemas.microsoft.com/office/drawing/2014/main" id="{A06A504E-C104-4EE7-BB13-6B6C05E3CA0C}"/>
+              </a:ext>
+            </a:extLst>
+          </p:cNvPr>
+          <p:cNvPicPr>
+            <a:picLocks noChangeAspect="1"/>
+          </p:cNvPicPr>
+          <p:nvPr/>
+        </p:nvPicPr>
+        <p:blipFill>
+          <a:blip r:embed="rId3"/>
+          <a:stretch>
+            <a:fillRect/>
+          </a:stretch>
+        </p:blipFill>
+        <p:spPr>
+          <a:xfrm>
+            <a:off x="0" y="4828375"/>
+            <a:ext cx="12192000" cy="1710659"/>
+          </a:xfrm>
+          <a:prstGeom prst="rect">
+            <a:avLst/>
+          </a:prstGeom>
+          <a:solidFill>
+            <a:srgbClr val="FFFFFF"/>
+          </a:solidFill>
+        </p:spPr>
+      </p:pic>
+      <p:sp>
+        <p:nvSpPr>
+          <p:cNvPr id="12" name="Arrow: Down 11">
+            <a:extLst>
+              <a:ext uri="{FF2B5EF4-FFF2-40B4-BE49-F238E27FC236}">
+                <a16:creationId xmlns:a16="http://schemas.microsoft.com/office/drawing/2014/main" id="{203BBDE6-EF58-4AA8-93C4-8469BCF200B1}"/>
+              </a:ext>
+            </a:extLst>
+          </p:cNvPr>
+          <p:cNvSpPr/>
+          <p:nvPr/>
+        </p:nvSpPr>
+        <p:spPr>
+          <a:xfrm rot="16200000">
+            <a:off x="2384418" y="3497943"/>
+            <a:ext cx="739587" cy="3400450"/>
+          </a:xfrm>
+          <a:prstGeom prst="downArrow">
+            <a:avLst/>
+          </a:prstGeom>
+          <a:solidFill>
+            <a:srgbClr val="C00000"/>
+          </a:solidFill>
+        </p:spPr>
+        <p:style>
+          <a:lnRef idx="2">
+            <a:schemeClr val="accent1">
+              <a:shade val="50000"/>
+            </a:schemeClr>
+          </a:lnRef>
+          <a:fillRef idx="1">
+            <a:schemeClr val="accent1"/>
+          </a:fillRef>
+          <a:effectRef idx="0">
+            <a:schemeClr val="accent1"/>
+          </a:effectRef>
+          <a:fontRef idx="minor">
+            <a:schemeClr val="lt1"/>
+          </a:fontRef>
+        </p:style>
+        <p:txBody>
+          <a:bodyPr rtlCol="0" anchor="ctr"/>
+          <a:lstStyle/>
+          <a:p>
+            <a:pPr algn="ctr"/>
+            <a:endParaRPr lang="en-US" dirty="0"/>
+          </a:p>
+        </p:txBody>
+      </p:sp>
+      <p:sp>
+        <p:nvSpPr>
+          <p:cNvPr id="14" name="TextBox 13">
+            <a:extLst>
+              <a:ext uri="{FF2B5EF4-FFF2-40B4-BE49-F238E27FC236}">
+                <a16:creationId xmlns:a16="http://schemas.microsoft.com/office/drawing/2014/main" id="{B244C330-F40D-4485-935C-C34FF4FBA5A3}"/>
+              </a:ext>
+            </a:extLst>
+          </p:cNvPr>
+          <p:cNvSpPr txBox="1"/>
+          <p:nvPr/>
+        </p:nvSpPr>
+        <p:spPr>
+          <a:xfrm>
+            <a:off x="1058387" y="5013503"/>
+            <a:ext cx="2989395" cy="369332"/>
+          </a:xfrm>
+          <a:prstGeom prst="rect">
+            <a:avLst/>
+          </a:prstGeom>
+          <a:noFill/>
+        </p:spPr>
+        <p:txBody>
+          <a:bodyPr wrap="square" rtlCol="0">
+            <a:spAutoFit/>
+          </a:bodyPr>
+          <a:lstStyle/>
+          <a:p>
+            <a:r>
+              <a:rPr lang="en-US" b="1" dirty="0">
+                <a:solidFill>
+                  <a:schemeClr val="bg1"/>
+                </a:solidFill>
+              </a:rPr>
+              <a:t> 1 Astronomical Unit (AU)</a:t>
+            </a:r>
+          </a:p>
+        </p:txBody>
+      </p:sp>
+      <p:sp>
+        <p:nvSpPr>
+          <p:cNvPr id="16" name="Oval 15">
+            <a:extLst>
+              <a:ext uri="{FF2B5EF4-FFF2-40B4-BE49-F238E27FC236}">
+                <a16:creationId xmlns:a16="http://schemas.microsoft.com/office/drawing/2014/main" id="{1AF9BD6A-19EC-47FA-927D-A4470DFAB671}"/>
+              </a:ext>
+            </a:extLst>
+          </p:cNvPr>
+          <p:cNvSpPr/>
+          <p:nvPr/>
+        </p:nvSpPr>
+        <p:spPr>
+          <a:xfrm>
+            <a:off x="5483748" y="4903809"/>
+            <a:ext cx="1126693" cy="496388"/>
+          </a:xfrm>
+          <a:prstGeom prst="ellipse">
+            <a:avLst/>
+          </a:prstGeom>
+        </p:spPr>
+        <p:style>
+          <a:lnRef idx="2">
+            <a:schemeClr val="accent1">
+              <a:shade val="50000"/>
+            </a:schemeClr>
+          </a:lnRef>
+          <a:fillRef idx="1">
+            <a:schemeClr val="accent1"/>
+          </a:fillRef>
+          <a:effectRef idx="0">
+            <a:schemeClr val="accent1"/>
+          </a:effectRef>
+          <a:fontRef idx="minor">
+            <a:schemeClr val="lt1"/>
+          </a:fontRef>
+        </p:style>
+        <p:txBody>
+          <a:bodyPr rtlCol="0" anchor="ctr"/>
+          <a:lstStyle/>
+          <a:p>
+            <a:pPr algn="ctr"/>
+            <a:endParaRPr lang="en-US"/>
+          </a:p>
+        </p:txBody>
+      </p:sp>
+      <p:sp>
+        <p:nvSpPr>
+          <p:cNvPr id="17" name="TextBox 16">
+            <a:extLst>
+              <a:ext uri="{FF2B5EF4-FFF2-40B4-BE49-F238E27FC236}">
+                <a16:creationId xmlns:a16="http://schemas.microsoft.com/office/drawing/2014/main" id="{DBC325E2-2A13-42B5-B977-EE0863CA45DE}"/>
+              </a:ext>
+            </a:extLst>
+          </p:cNvPr>
+          <p:cNvSpPr txBox="1"/>
+          <p:nvPr/>
+        </p:nvSpPr>
+        <p:spPr>
+          <a:xfrm>
+            <a:off x="5369637" y="4903809"/>
+            <a:ext cx="1452725" cy="461665"/>
+          </a:xfrm>
+          <a:prstGeom prst="rect">
+            <a:avLst/>
+          </a:prstGeom>
+          <a:noFill/>
+        </p:spPr>
+        <p:txBody>
+          <a:bodyPr wrap="square" rtlCol="0">
+            <a:spAutoFit/>
+          </a:bodyPr>
+          <a:lstStyle/>
+          <a:p>
+            <a:pPr algn="ctr"/>
+            <a:r>
+              <a:rPr lang="en-US" sz="1200" b="1" dirty="0"/>
+              <a:t>Main </a:t>
+            </a:r>
+          </a:p>
+          <a:p>
+            <a:pPr algn="ctr"/>
+            <a:r>
+              <a:rPr lang="en-US" sz="1200" b="1" dirty="0"/>
+              <a:t>Asteroid belt</a:t>
+            </a:r>
+          </a:p>
+        </p:txBody>
+      </p:sp>
+      <p:sp>
+        <p:nvSpPr>
+          <p:cNvPr id="19" name="Oval 18">
+            <a:extLst>
+              <a:ext uri="{FF2B5EF4-FFF2-40B4-BE49-F238E27FC236}">
+                <a16:creationId xmlns:a16="http://schemas.microsoft.com/office/drawing/2014/main" id="{0FE11DB7-7405-4A18-8FE9-E044E2C4795F}"/>
+              </a:ext>
+            </a:extLst>
+          </p:cNvPr>
+          <p:cNvSpPr/>
+          <p:nvPr/>
+        </p:nvSpPr>
+        <p:spPr>
+          <a:xfrm>
+            <a:off x="3570021" y="6042646"/>
+            <a:ext cx="1741225" cy="496388"/>
+          </a:xfrm>
+          <a:prstGeom prst="ellipse">
+            <a:avLst/>
+          </a:prstGeom>
+          <a:solidFill>
+            <a:schemeClr val="accent6">
+              <a:lumMod val="60000"/>
+              <a:lumOff val="40000"/>
+            </a:schemeClr>
+          </a:solidFill>
+        </p:spPr>
+        <p:style>
+          <a:lnRef idx="2">
+            <a:schemeClr val="accent1">
+              <a:shade val="50000"/>
+            </a:schemeClr>
+          </a:lnRef>
+          <a:fillRef idx="1">
+            <a:schemeClr val="accent1"/>
+          </a:fillRef>
+          <a:effectRef idx="0">
+            <a:schemeClr val="accent1"/>
+          </a:effectRef>
+          <a:fontRef idx="minor">
+            <a:schemeClr val="lt1"/>
+          </a:fontRef>
+        </p:style>
+        <p:txBody>
+          <a:bodyPr rtlCol="0" anchor="ctr"/>
+          <a:lstStyle/>
+          <a:p>
+            <a:pPr algn="ctr"/>
+            <a:endParaRPr lang="en-US"/>
+          </a:p>
+        </p:txBody>
+      </p:sp>
+      <p:sp>
+        <p:nvSpPr>
+          <p:cNvPr id="20" name="TextBox 19">
+            <a:extLst>
+              <a:ext uri="{FF2B5EF4-FFF2-40B4-BE49-F238E27FC236}">
+                <a16:creationId xmlns:a16="http://schemas.microsoft.com/office/drawing/2014/main" id="{E668407E-BBBE-4EB5-91A3-AC17915E5474}"/>
+              </a:ext>
+            </a:extLst>
+          </p:cNvPr>
+          <p:cNvSpPr txBox="1"/>
+          <p:nvPr/>
+        </p:nvSpPr>
+        <p:spPr>
+          <a:xfrm>
+            <a:off x="3674790" y="6152340"/>
+            <a:ext cx="1531686" cy="276999"/>
+          </a:xfrm>
+          <a:prstGeom prst="rect">
+            <a:avLst/>
+          </a:prstGeom>
+          <a:noFill/>
+        </p:spPr>
+        <p:txBody>
+          <a:bodyPr wrap="square" rtlCol="0">
+            <a:spAutoFit/>
+          </a:bodyPr>
+          <a:lstStyle/>
+          <a:p>
+            <a:r>
+              <a:rPr lang="en-US" sz="1200" b="1" dirty="0"/>
+              <a:t>Near Earth Asteroids</a:t>
+            </a:r>
           </a:p>
         </p:txBody>
       </p:sp>
     </p:spTree>
     <p:extLst>
       <p:ext uri="{BB962C8B-B14F-4D97-AF65-F5344CB8AC3E}">
-        <p14:creationId xmlns:p14="http://schemas.microsoft.com/office/powerpoint/2010/main" val="4973419"/>
+        <p14:creationId xmlns:p14="http://schemas.microsoft.com/office/powerpoint/2010/main" val="1370233918"/>
       </p:ext>
     </p:extLst>
   </p:cSld>
@@ -5803,7 +6249,7 @@
           <p:cNvPr id="2" name="Title 1">
             <a:extLst>
               <a:ext uri="{FF2B5EF4-FFF2-40B4-BE49-F238E27FC236}">
-                <a16:creationId xmlns:a16="http://schemas.microsoft.com/office/drawing/2014/main" xmlns="" id="{074407D1-022F-4723-8ED3-E5B5FD55D401}"/>
+                <a16:creationId xmlns:a16="http://schemas.microsoft.com/office/drawing/2014/main" id="{074407D1-022F-4723-8ED3-E5B5FD55D401}"/>
               </a:ext>
             </a:extLst>
           </p:cNvPr>
@@ -5838,7 +6284,7 @@
           <p:cNvPr id="8" name="Picture 7">
             <a:extLst>
               <a:ext uri="{FF2B5EF4-FFF2-40B4-BE49-F238E27FC236}">
-                <a16:creationId xmlns:a16="http://schemas.microsoft.com/office/drawing/2014/main" xmlns="" id="{51C1A904-B1E9-4991-9D09-FF92B75E581A}"/>
+                <a16:creationId xmlns:a16="http://schemas.microsoft.com/office/drawing/2014/main" id="{51C1A904-B1E9-4991-9D09-FF92B75E581A}"/>
               </a:ext>
             </a:extLst>
           </p:cNvPr>
@@ -5874,7 +6320,7 @@
           <p:cNvPr id="4" name="TextBox 3">
             <a:extLst>
               <a:ext uri="{FF2B5EF4-FFF2-40B4-BE49-F238E27FC236}">
-                <a16:creationId xmlns:a16="http://schemas.microsoft.com/office/drawing/2014/main" xmlns="" id="{27347AB7-0685-4718-B2D2-969BAB70595D}"/>
+                <a16:creationId xmlns:a16="http://schemas.microsoft.com/office/drawing/2014/main" id="{27347AB7-0685-4718-B2D2-969BAB70595D}"/>
               </a:ext>
             </a:extLst>
           </p:cNvPr>
@@ -5937,7 +6383,7 @@
           <p:cNvPr id="5" name="TextBox 4">
             <a:extLst>
               <a:ext uri="{FF2B5EF4-FFF2-40B4-BE49-F238E27FC236}">
-                <a16:creationId xmlns:a16="http://schemas.microsoft.com/office/drawing/2014/main" xmlns="" id="{5126CD73-C522-4B5F-8934-4F8D8AC8B860}"/>
+                <a16:creationId xmlns:a16="http://schemas.microsoft.com/office/drawing/2014/main" id="{5126CD73-C522-4B5F-8934-4F8D8AC8B860}"/>
               </a:ext>
             </a:extLst>
           </p:cNvPr>
@@ -5998,7 +6444,7 @@
           <p:cNvPr id="13" name="Picture 12">
             <a:extLst>
               <a:ext uri="{FF2B5EF4-FFF2-40B4-BE49-F238E27FC236}">
-                <a16:creationId xmlns:a16="http://schemas.microsoft.com/office/drawing/2014/main" xmlns="" id="{9D845889-13EC-4824-97EC-724BB0B52D29}"/>
+                <a16:creationId xmlns:a16="http://schemas.microsoft.com/office/drawing/2014/main" id="{9D845889-13EC-4824-97EC-724BB0B52D29}"/>
               </a:ext>
             </a:extLst>
           </p:cNvPr>
@@ -6064,7 +6510,7 @@
           <p:cNvPr id="2" name="Title 1">
             <a:extLst>
               <a:ext uri="{FF2B5EF4-FFF2-40B4-BE49-F238E27FC236}">
-                <a16:creationId xmlns:a16="http://schemas.microsoft.com/office/drawing/2014/main" xmlns="" id="{074407D1-022F-4723-8ED3-E5B5FD55D401}"/>
+                <a16:creationId xmlns:a16="http://schemas.microsoft.com/office/drawing/2014/main" id="{074407D1-022F-4723-8ED3-E5B5FD55D401}"/>
               </a:ext>
             </a:extLst>
           </p:cNvPr>
@@ -6099,7 +6545,7 @@
           <p:cNvPr id="6" name="Picture 5">
             <a:extLst>
               <a:ext uri="{FF2B5EF4-FFF2-40B4-BE49-F238E27FC236}">
-                <a16:creationId xmlns:a16="http://schemas.microsoft.com/office/drawing/2014/main" xmlns="" id="{85ED74F1-E6AD-4855-B930-2E15927C31CB}"/>
+                <a16:creationId xmlns:a16="http://schemas.microsoft.com/office/drawing/2014/main" id="{85ED74F1-E6AD-4855-B930-2E15927C31CB}"/>
               </a:ext>
             </a:extLst>
           </p:cNvPr>
@@ -6135,7 +6581,7 @@
           <p:cNvPr id="4" name="TextBox 3">
             <a:extLst>
               <a:ext uri="{FF2B5EF4-FFF2-40B4-BE49-F238E27FC236}">
-                <a16:creationId xmlns:a16="http://schemas.microsoft.com/office/drawing/2014/main" xmlns="" id="{87959C1B-6BF4-45C8-9116-C11385E9BFCC}"/>
+                <a16:creationId xmlns:a16="http://schemas.microsoft.com/office/drawing/2014/main" id="{87959C1B-6BF4-45C8-9116-C11385E9BFCC}"/>
               </a:ext>
             </a:extLst>
           </p:cNvPr>
@@ -6197,7 +6643,7 @@
           <p:cNvPr id="5" name="TextBox 4">
             <a:extLst>
               <a:ext uri="{FF2B5EF4-FFF2-40B4-BE49-F238E27FC236}">
-                <a16:creationId xmlns:a16="http://schemas.microsoft.com/office/drawing/2014/main" xmlns="" id="{82167E92-BBF5-4A9A-995A-145B64F0509A}"/>
+                <a16:creationId xmlns:a16="http://schemas.microsoft.com/office/drawing/2014/main" id="{82167E92-BBF5-4A9A-995A-145B64F0509A}"/>
               </a:ext>
             </a:extLst>
           </p:cNvPr>
@@ -6269,6 +6715,1371 @@
     <p:extLst>
       <p:ext uri="{BB962C8B-B14F-4D97-AF65-F5344CB8AC3E}">
         <p14:creationId xmlns:p14="http://schemas.microsoft.com/office/powerpoint/2010/main" val="223253518"/>
+      </p:ext>
+    </p:extLst>
+  </p:cSld>
+  <p:clrMapOvr>
+    <a:masterClrMapping/>
+  </p:clrMapOvr>
+</p:sld>
+</file>
+
+<file path=ppt/slides/slide22.xml><?xml version="1.0" encoding="utf-8"?>
+<p:sld xmlns:a="http://schemas.openxmlformats.org/drawingml/2006/main" xmlns:r="http://schemas.openxmlformats.org/officeDocument/2006/relationships" xmlns:p="http://schemas.openxmlformats.org/presentationml/2006/main">
+  <p:cSld>
+    <p:spTree>
+      <p:nvGrpSpPr>
+        <p:cNvPr id="1" name=""/>
+        <p:cNvGrpSpPr/>
+        <p:nvPr/>
+      </p:nvGrpSpPr>
+      <p:grpSpPr>
+        <a:xfrm>
+          <a:off x="0" y="0"/>
+          <a:ext cx="0" cy="0"/>
+          <a:chOff x="0" y="0"/>
+          <a:chExt cx="0" cy="0"/>
+        </a:xfrm>
+      </p:grpSpPr>
+      <p:sp>
+        <p:nvSpPr>
+          <p:cNvPr id="2" name="Title 1">
+            <a:extLst>
+              <a:ext uri="{FF2B5EF4-FFF2-40B4-BE49-F238E27FC236}">
+                <a16:creationId xmlns:a16="http://schemas.microsoft.com/office/drawing/2014/main" id="{9E6CBC64-8621-4E42-B7D2-72DCBC53C1B8}"/>
+              </a:ext>
+            </a:extLst>
+          </p:cNvPr>
+          <p:cNvSpPr>
+            <a:spLocks noGrp="1"/>
+          </p:cNvSpPr>
+          <p:nvPr>
+            <p:ph type="title"/>
+          </p:nvPr>
+        </p:nvSpPr>
+        <p:spPr>
+          <a:xfrm>
+            <a:off x="4261757" y="-105138"/>
+            <a:ext cx="3668486" cy="1325563"/>
+          </a:xfrm>
+        </p:spPr>
+        <p:txBody>
+          <a:bodyPr>
+            <a:normAutofit/>
+          </a:bodyPr>
+          <a:lstStyle/>
+          <a:p>
+            <a:r>
+              <a:rPr lang="en-US" sz="4000" dirty="0"/>
+              <a:t>References</a:t>
+            </a:r>
+          </a:p>
+        </p:txBody>
+      </p:sp>
+      <p:sp>
+        <p:nvSpPr>
+          <p:cNvPr id="5" name="TextBox 4">
+            <a:extLst>
+              <a:ext uri="{FF2B5EF4-FFF2-40B4-BE49-F238E27FC236}">
+                <a16:creationId xmlns:a16="http://schemas.microsoft.com/office/drawing/2014/main" id="{C667B110-6141-445B-BE0C-2C812CFFEC2C}"/>
+              </a:ext>
+            </a:extLst>
+          </p:cNvPr>
+          <p:cNvSpPr txBox="1"/>
+          <p:nvPr/>
+        </p:nvSpPr>
+        <p:spPr>
+          <a:xfrm>
+            <a:off x="333103" y="893853"/>
+            <a:ext cx="11201399" cy="5570756"/>
+          </a:xfrm>
+          <a:prstGeom prst="rect">
+            <a:avLst/>
+          </a:prstGeom>
+          <a:noFill/>
+        </p:spPr>
+        <p:txBody>
+          <a:bodyPr wrap="square" rtlCol="0">
+            <a:spAutoFit/>
+          </a:bodyPr>
+          <a:lstStyle/>
+          <a:p>
+            <a:pPr marL="0" marR="0" lvl="0" indent="0" algn="l" defTabSz="914400" rtl="0" eaLnBrk="1" fontAlgn="auto" latinLnBrk="0" hangingPunct="1">
+              <a:lnSpc>
+                <a:spcPct val="100000"/>
+              </a:lnSpc>
+              <a:spcBef>
+                <a:spcPts val="0"/>
+              </a:spcBef>
+              <a:spcAft>
+                <a:spcPts val="0"/>
+              </a:spcAft>
+              <a:buClrTx/>
+              <a:buSzTx/>
+              <a:buFontTx/>
+              <a:buNone/>
+              <a:tabLst/>
+              <a:defRPr/>
+            </a:pPr>
+            <a:r>
+              <a:rPr kumimoji="0" lang="en-US" sz="1600" b="1" i="0" u="none" strike="noStrike" kern="1200" cap="none" spc="0" normalizeH="0" baseline="0" noProof="0" dirty="0">
+                <a:ln>
+                  <a:noFill/>
+                </a:ln>
+                <a:solidFill>
+                  <a:prstClr val="black"/>
+                </a:solidFill>
+                <a:effectLst/>
+                <a:uLnTx/>
+                <a:uFillTx/>
+                <a:latin typeface="Calibri" panose="020F0502020204030204"/>
+                <a:ea typeface="+mn-ea"/>
+                <a:cs typeface="+mn-cs"/>
+              </a:rPr>
+              <a:t>References for the presentation </a:t>
+            </a:r>
+          </a:p>
+          <a:p>
+            <a:pPr marL="285750" marR="0" lvl="0" indent="-285750" algn="l" defTabSz="914400" rtl="0" eaLnBrk="1" fontAlgn="auto" latinLnBrk="0" hangingPunct="1">
+              <a:lnSpc>
+                <a:spcPct val="100000"/>
+              </a:lnSpc>
+              <a:spcBef>
+                <a:spcPts val="0"/>
+              </a:spcBef>
+              <a:spcAft>
+                <a:spcPts val="0"/>
+              </a:spcAft>
+              <a:buClrTx/>
+              <a:buSzTx/>
+              <a:buFont typeface="Arial" panose="020B0604020202020204" pitchFamily="34" charset="0"/>
+              <a:buChar char="•"/>
+              <a:tabLst/>
+              <a:defRPr/>
+            </a:pPr>
+            <a:r>
+              <a:rPr kumimoji="0" lang="en-US" sz="1600" b="0" i="0" u="none" strike="noStrike" kern="1200" cap="none" spc="0" normalizeH="0" baseline="0" noProof="0" dirty="0">
+                <a:ln>
+                  <a:noFill/>
+                </a:ln>
+                <a:solidFill>
+                  <a:prstClr val="black"/>
+                </a:solidFill>
+                <a:effectLst/>
+                <a:uLnTx/>
+                <a:uFillTx/>
+                <a:latin typeface="Calibri" panose="020F0502020204030204"/>
+                <a:ea typeface="+mn-ea"/>
+                <a:cs typeface="+mn-cs"/>
+              </a:rPr>
+              <a:t>An Analysis of Asteroids Orbits overview: 	</a:t>
+            </a:r>
+            <a:r>
+              <a:rPr kumimoji="0" lang="en-US" sz="1600" b="0" i="0" u="none" strike="noStrike" kern="1200" cap="none" spc="0" normalizeH="0" baseline="0" noProof="0" dirty="0">
+                <a:ln>
+                  <a:noFill/>
+                </a:ln>
+                <a:solidFill>
+                  <a:prstClr val="black"/>
+                </a:solidFill>
+                <a:effectLst/>
+                <a:uLnTx/>
+                <a:uFillTx/>
+                <a:latin typeface="-apple-system"/>
+                <a:ea typeface="+mn-ea"/>
+                <a:cs typeface="+mn-cs"/>
+                <a:hlinkClick r:id="rId2" tooltip="README.md"/>
+              </a:rPr>
+              <a:t>README.md</a:t>
+            </a:r>
+            <a:endParaRPr kumimoji="0" lang="en-US" sz="1600" b="0" i="0" u="none" strike="noStrike" kern="1200" cap="none" spc="0" normalizeH="0" baseline="0" noProof="0" dirty="0">
+              <a:ln>
+                <a:noFill/>
+              </a:ln>
+              <a:solidFill>
+                <a:prstClr val="black"/>
+              </a:solidFill>
+              <a:effectLst/>
+              <a:uLnTx/>
+              <a:uFillTx/>
+              <a:latin typeface="Calibri" panose="020F0502020204030204"/>
+              <a:ea typeface="+mn-ea"/>
+              <a:cs typeface="+mn-cs"/>
+            </a:endParaRPr>
+          </a:p>
+          <a:p>
+            <a:pPr marL="285750" marR="0" lvl="0" indent="-285750" algn="l" defTabSz="914400" rtl="0" eaLnBrk="1" fontAlgn="auto" latinLnBrk="0" hangingPunct="1">
+              <a:lnSpc>
+                <a:spcPct val="100000"/>
+              </a:lnSpc>
+              <a:spcBef>
+                <a:spcPts val="0"/>
+              </a:spcBef>
+              <a:spcAft>
+                <a:spcPts val="0"/>
+              </a:spcAft>
+              <a:buClrTx/>
+              <a:buSzTx/>
+              <a:buFont typeface="Arial" panose="020B0604020202020204" pitchFamily="34" charset="0"/>
+              <a:buChar char="•"/>
+              <a:tabLst/>
+              <a:defRPr/>
+            </a:pPr>
+            <a:r>
+              <a:rPr kumimoji="0" lang="en-US" sz="1600" b="0" i="0" u="none" strike="noStrike" kern="1200" cap="none" spc="0" normalizeH="0" baseline="0" noProof="0" dirty="0">
+                <a:ln>
+                  <a:noFill/>
+                </a:ln>
+                <a:solidFill>
+                  <a:prstClr val="black"/>
+                </a:solidFill>
+                <a:effectLst/>
+                <a:uLnTx/>
+                <a:uFillTx/>
+                <a:latin typeface="Calibri" panose="020F0502020204030204"/>
+                <a:ea typeface="+mn-ea"/>
+                <a:cs typeface="+mn-cs"/>
+              </a:rPr>
+              <a:t>Final Report 				</a:t>
+            </a:r>
+            <a:r>
+              <a:rPr kumimoji="0" lang="en-US" sz="1600" b="0" i="0" u="sng" strike="noStrike" kern="1200" cap="none" spc="0" normalizeH="0" baseline="0" noProof="0" dirty="0">
+                <a:ln>
+                  <a:noFill/>
+                </a:ln>
+                <a:solidFill>
+                  <a:srgbClr val="24292E"/>
+                </a:solidFill>
+                <a:effectLst/>
+                <a:uLnTx/>
+                <a:uFillTx/>
+                <a:latin typeface="-apple-system"/>
+                <a:ea typeface="+mn-ea"/>
+                <a:cs typeface="+mn-cs"/>
+                <a:hlinkClick r:id="rId3" tooltip="asteroid_analysisFinal.pptx"/>
+              </a:rPr>
+              <a:t>analysisFinal.pptx</a:t>
+            </a:r>
+            <a:endParaRPr kumimoji="0" lang="en-US" sz="1600" b="0" i="0" u="sng" strike="noStrike" kern="1200" cap="none" spc="0" normalizeH="0" baseline="0" noProof="0" dirty="0">
+              <a:ln>
+                <a:noFill/>
+              </a:ln>
+              <a:solidFill>
+                <a:srgbClr val="24292E"/>
+              </a:solidFill>
+              <a:effectLst/>
+              <a:uLnTx/>
+              <a:uFillTx/>
+              <a:latin typeface="-apple-system"/>
+              <a:ea typeface="+mn-ea"/>
+              <a:cs typeface="+mn-cs"/>
+            </a:endParaRPr>
+          </a:p>
+          <a:p>
+            <a:pPr marL="285750" marR="0" lvl="0" indent="-285750" algn="l" defTabSz="914400" rtl="0" eaLnBrk="1" fontAlgn="auto" latinLnBrk="0" hangingPunct="1">
+              <a:lnSpc>
+                <a:spcPct val="100000"/>
+              </a:lnSpc>
+              <a:spcBef>
+                <a:spcPts val="0"/>
+              </a:spcBef>
+              <a:spcAft>
+                <a:spcPts val="0"/>
+              </a:spcAft>
+              <a:buClrTx/>
+              <a:buSzTx/>
+              <a:buFont typeface="Arial" panose="020B0604020202020204" pitchFamily="34" charset="0"/>
+              <a:buChar char="•"/>
+              <a:tabLst/>
+              <a:defRPr/>
+            </a:pPr>
+            <a:r>
+              <a:rPr kumimoji="0" lang="en-US" sz="1600" b="0" i="0" u="none" strike="noStrike" kern="1200" cap="none" spc="0" normalizeH="0" baseline="0" noProof="0" dirty="0">
+                <a:ln>
+                  <a:noFill/>
+                </a:ln>
+                <a:solidFill>
+                  <a:prstClr val="black"/>
+                </a:solidFill>
+                <a:effectLst/>
+                <a:uLnTx/>
+                <a:uFillTx/>
+                <a:latin typeface="Calibri" panose="020F0502020204030204"/>
+                <a:ea typeface="+mn-ea"/>
+                <a:cs typeface="+mn-cs"/>
+              </a:rPr>
+              <a:t>GitHub  Parent Repository 			</a:t>
+            </a:r>
+            <a:r>
+              <a:rPr kumimoji="0" lang="en-US" sz="1600" b="0" i="0" u="none" strike="noStrike" kern="1200" cap="none" spc="0" normalizeH="0" baseline="0" noProof="0" dirty="0">
+                <a:ln>
+                  <a:noFill/>
+                </a:ln>
+                <a:solidFill>
+                  <a:prstClr val="black"/>
+                </a:solidFill>
+                <a:effectLst/>
+                <a:uLnTx/>
+                <a:uFillTx/>
+                <a:latin typeface="Calibri" panose="020F0502020204030204"/>
+                <a:ea typeface="+mn-ea"/>
+                <a:cs typeface="+mn-cs"/>
+                <a:hlinkClick r:id="rId4"/>
+              </a:rPr>
+              <a:t>Link</a:t>
+            </a:r>
+            <a:endParaRPr kumimoji="0" lang="en-US" sz="1600" b="0" i="0" u="none" strike="noStrike" kern="1200" cap="none" spc="0" normalizeH="0" baseline="0" noProof="0" dirty="0">
+              <a:ln>
+                <a:noFill/>
+              </a:ln>
+              <a:solidFill>
+                <a:prstClr val="black"/>
+              </a:solidFill>
+              <a:effectLst/>
+              <a:uLnTx/>
+              <a:uFillTx/>
+              <a:latin typeface="Calibri" panose="020F0502020204030204"/>
+              <a:ea typeface="+mn-ea"/>
+              <a:cs typeface="+mn-cs"/>
+            </a:endParaRPr>
+          </a:p>
+          <a:p>
+            <a:pPr marL="285750" marR="0" lvl="0" indent="-285750" algn="l" defTabSz="914400" rtl="0" eaLnBrk="1" fontAlgn="auto" latinLnBrk="0" hangingPunct="1">
+              <a:lnSpc>
+                <a:spcPct val="100000"/>
+              </a:lnSpc>
+              <a:spcBef>
+                <a:spcPts val="0"/>
+              </a:spcBef>
+              <a:spcAft>
+                <a:spcPts val="0"/>
+              </a:spcAft>
+              <a:buClrTx/>
+              <a:buSzTx/>
+              <a:buFont typeface="Arial" panose="020B0604020202020204" pitchFamily="34" charset="0"/>
+              <a:buChar char="•"/>
+              <a:tabLst/>
+              <a:defRPr/>
+            </a:pPr>
+            <a:r>
+              <a:rPr kumimoji="0" lang="en-US" sz="1600" b="0" i="0" u="none" strike="noStrike" kern="1200" cap="none" spc="0" normalizeH="0" baseline="0" noProof="0" dirty="0">
+                <a:ln>
+                  <a:noFill/>
+                </a:ln>
+                <a:solidFill>
+                  <a:srgbClr val="24292E"/>
+                </a:solidFill>
+                <a:effectLst/>
+                <a:uLnTx/>
+                <a:uFillTx/>
+                <a:latin typeface="-apple-system"/>
+                <a:ea typeface="+mn-ea"/>
+                <a:cs typeface="+mn-cs"/>
+              </a:rPr>
+              <a:t>NASA API				</a:t>
+            </a:r>
+            <a:r>
+              <a:rPr kumimoji="0" lang="en-US" sz="1600" b="0" i="0" u="none" strike="noStrike" kern="1200" cap="none" spc="0" normalizeH="0" baseline="0" noProof="0" dirty="0">
+                <a:ln>
+                  <a:noFill/>
+                </a:ln>
+                <a:solidFill>
+                  <a:srgbClr val="24292E"/>
+                </a:solidFill>
+                <a:effectLst/>
+                <a:uLnTx/>
+                <a:uFillTx/>
+                <a:latin typeface="-apple-system"/>
+                <a:ea typeface="+mn-ea"/>
+                <a:cs typeface="+mn-cs"/>
+                <a:hlinkClick r:id="rId5"/>
+              </a:rPr>
+              <a:t>Link</a:t>
+            </a:r>
+            <a:endParaRPr kumimoji="0" lang="en-US" sz="1600" b="0" i="0" u="none" strike="noStrike" kern="1200" cap="none" spc="0" normalizeH="0" baseline="0" noProof="0" dirty="0">
+              <a:ln>
+                <a:noFill/>
+              </a:ln>
+              <a:solidFill>
+                <a:srgbClr val="24292E"/>
+              </a:solidFill>
+              <a:effectLst/>
+              <a:uLnTx/>
+              <a:uFillTx/>
+              <a:latin typeface="-apple-system"/>
+              <a:ea typeface="+mn-ea"/>
+              <a:cs typeface="+mn-cs"/>
+            </a:endParaRPr>
+          </a:p>
+          <a:p>
+            <a:pPr marL="285750" marR="0" lvl="0" indent="-285750" algn="l" defTabSz="914400" rtl="0" eaLnBrk="1" fontAlgn="auto" latinLnBrk="0" hangingPunct="1">
+              <a:lnSpc>
+                <a:spcPct val="100000"/>
+              </a:lnSpc>
+              <a:spcBef>
+                <a:spcPts val="0"/>
+              </a:spcBef>
+              <a:spcAft>
+                <a:spcPts val="0"/>
+              </a:spcAft>
+              <a:buClrTx/>
+              <a:buSzTx/>
+              <a:buFont typeface="Arial" panose="020B0604020202020204" pitchFamily="34" charset="0"/>
+              <a:buChar char="•"/>
+              <a:tabLst/>
+              <a:defRPr/>
+            </a:pPr>
+            <a:r>
+              <a:rPr kumimoji="0" lang="en-US" sz="1600" b="0" i="0" u="none" strike="noStrike" kern="1200" cap="none" spc="0" normalizeH="0" baseline="0" noProof="0" dirty="0" err="1">
+                <a:ln>
+                  <a:noFill/>
+                </a:ln>
+                <a:solidFill>
+                  <a:srgbClr val="24292E"/>
+                </a:solidFill>
+                <a:effectLst/>
+                <a:uLnTx/>
+                <a:uFillTx/>
+                <a:latin typeface="-apple-system"/>
+                <a:ea typeface="+mn-ea"/>
+                <a:cs typeface="+mn-cs"/>
+              </a:rPr>
+              <a:t>Asterrank</a:t>
+            </a:r>
+            <a:r>
+              <a:rPr kumimoji="0" lang="en-US" sz="1600" b="0" i="0" u="none" strike="noStrike" kern="1200" cap="none" spc="0" normalizeH="0" baseline="0" noProof="0" dirty="0">
+                <a:ln>
+                  <a:noFill/>
+                </a:ln>
+                <a:solidFill>
+                  <a:srgbClr val="24292E"/>
+                </a:solidFill>
+                <a:effectLst/>
+                <a:uLnTx/>
+                <a:uFillTx/>
+                <a:latin typeface="-apple-system"/>
+                <a:ea typeface="+mn-ea"/>
+                <a:cs typeface="+mn-cs"/>
+              </a:rPr>
+              <a:t>				</a:t>
+            </a:r>
+            <a:r>
+              <a:rPr kumimoji="0" lang="en-US" sz="1600" b="0" i="0" u="none" strike="noStrike" kern="1200" cap="none" spc="0" normalizeH="0" baseline="0" noProof="0" dirty="0">
+                <a:ln>
+                  <a:noFill/>
+                </a:ln>
+                <a:solidFill>
+                  <a:srgbClr val="24292E"/>
+                </a:solidFill>
+                <a:effectLst/>
+                <a:uLnTx/>
+                <a:uFillTx/>
+                <a:latin typeface="-apple-system"/>
+                <a:ea typeface="+mn-ea"/>
+                <a:cs typeface="+mn-cs"/>
+                <a:hlinkClick r:id="rId6"/>
+              </a:rPr>
+              <a:t>Link</a:t>
+            </a:r>
+            <a:endParaRPr kumimoji="0" lang="en-US" sz="1600" b="0" i="0" u="none" strike="noStrike" kern="1200" cap="none" spc="0" normalizeH="0" baseline="0" noProof="0" dirty="0">
+              <a:ln>
+                <a:noFill/>
+              </a:ln>
+              <a:solidFill>
+                <a:srgbClr val="24292E"/>
+              </a:solidFill>
+              <a:effectLst/>
+              <a:uLnTx/>
+              <a:uFillTx/>
+              <a:latin typeface="-apple-system"/>
+              <a:ea typeface="+mn-ea"/>
+              <a:cs typeface="+mn-cs"/>
+            </a:endParaRPr>
+          </a:p>
+          <a:p>
+            <a:pPr marL="0" marR="0" lvl="0" indent="0" algn="l" defTabSz="914400" rtl="0" eaLnBrk="1" fontAlgn="auto" latinLnBrk="0" hangingPunct="1">
+              <a:lnSpc>
+                <a:spcPct val="100000"/>
+              </a:lnSpc>
+              <a:spcBef>
+                <a:spcPts val="0"/>
+              </a:spcBef>
+              <a:spcAft>
+                <a:spcPts val="0"/>
+              </a:spcAft>
+              <a:buClrTx/>
+              <a:buSzTx/>
+              <a:buFontTx/>
+              <a:buNone/>
+              <a:tabLst/>
+              <a:defRPr/>
+            </a:pPr>
+            <a:endParaRPr kumimoji="0" lang="en-US" sz="1600" b="0" i="0" u="none" strike="noStrike" kern="1200" cap="none" spc="0" normalizeH="0" baseline="0" noProof="0" dirty="0">
+              <a:ln>
+                <a:noFill/>
+              </a:ln>
+              <a:solidFill>
+                <a:srgbClr val="24292E"/>
+              </a:solidFill>
+              <a:effectLst/>
+              <a:uLnTx/>
+              <a:uFillTx/>
+              <a:latin typeface="-apple-system"/>
+              <a:ea typeface="+mn-ea"/>
+              <a:cs typeface="+mn-cs"/>
+            </a:endParaRPr>
+          </a:p>
+          <a:p>
+            <a:pPr marL="0" marR="0" lvl="0" indent="0" algn="l" defTabSz="914400" rtl="0" eaLnBrk="1" fontAlgn="auto" latinLnBrk="0" hangingPunct="1">
+              <a:lnSpc>
+                <a:spcPct val="100000"/>
+              </a:lnSpc>
+              <a:spcBef>
+                <a:spcPts val="0"/>
+              </a:spcBef>
+              <a:spcAft>
+                <a:spcPts val="0"/>
+              </a:spcAft>
+              <a:buClrTx/>
+              <a:buSzTx/>
+              <a:buFontTx/>
+              <a:buNone/>
+              <a:tabLst/>
+              <a:defRPr/>
+            </a:pPr>
+            <a:r>
+              <a:rPr kumimoji="0" lang="en-US" sz="1600" b="1" i="0" u="none" strike="noStrike" kern="1200" cap="none" spc="0" normalizeH="0" baseline="0" noProof="0" dirty="0">
+                <a:ln>
+                  <a:noFill/>
+                </a:ln>
+                <a:solidFill>
+                  <a:srgbClr val="24292E"/>
+                </a:solidFill>
+                <a:effectLst/>
+                <a:uLnTx/>
+                <a:uFillTx/>
+                <a:latin typeface="-apple-system"/>
+                <a:ea typeface="+mn-ea"/>
+                <a:cs typeface="+mn-cs"/>
+              </a:rPr>
+              <a:t>Do rare earth elements exist in significant quantities on asteroids near earth?     </a:t>
+            </a:r>
+            <a:endParaRPr kumimoji="0" lang="en-US" sz="1600" b="1" i="0" u="none" strike="noStrike" kern="1200" cap="none" spc="0" normalizeH="0" baseline="0" noProof="0" dirty="0">
+              <a:ln>
+                <a:noFill/>
+              </a:ln>
+              <a:solidFill>
+                <a:prstClr val="black"/>
+              </a:solidFill>
+              <a:effectLst/>
+              <a:uLnTx/>
+              <a:uFillTx/>
+              <a:latin typeface="Calibri" panose="020F0502020204030204"/>
+              <a:ea typeface="+mn-ea"/>
+              <a:cs typeface="+mn-cs"/>
+            </a:endParaRPr>
+          </a:p>
+          <a:p>
+            <a:pPr marL="285750" marR="0" lvl="0" indent="-285750" algn="l" defTabSz="914400" rtl="0" eaLnBrk="1" fontAlgn="auto" latinLnBrk="0" hangingPunct="1">
+              <a:lnSpc>
+                <a:spcPct val="100000"/>
+              </a:lnSpc>
+              <a:spcBef>
+                <a:spcPts val="0"/>
+              </a:spcBef>
+              <a:spcAft>
+                <a:spcPts val="0"/>
+              </a:spcAft>
+              <a:buClrTx/>
+              <a:buSzTx/>
+              <a:buFont typeface="Arial" panose="020B0604020202020204" pitchFamily="34" charset="0"/>
+              <a:buChar char="•"/>
+              <a:tabLst/>
+              <a:defRPr/>
+            </a:pPr>
+            <a:r>
+              <a:rPr kumimoji="0" lang="en-US" sz="1600" b="0" i="0" u="none" strike="noStrike" kern="1200" cap="none" spc="0" normalizeH="0" baseline="0" noProof="0" dirty="0" err="1">
+                <a:ln>
+                  <a:noFill/>
+                </a:ln>
+                <a:solidFill>
+                  <a:prstClr val="black"/>
+                </a:solidFill>
+                <a:effectLst/>
+                <a:uLnTx/>
+                <a:uFillTx/>
+                <a:latin typeface="Calibri" panose="020F0502020204030204"/>
+                <a:ea typeface="+mn-ea"/>
+                <a:cs typeface="+mn-cs"/>
+              </a:rPr>
+              <a:t>Jupyter</a:t>
+            </a:r>
+            <a:r>
+              <a:rPr kumimoji="0" lang="en-US" sz="1600" b="0" i="0" u="none" strike="noStrike" kern="1200" cap="none" spc="0" normalizeH="0" baseline="0" noProof="0" dirty="0">
+                <a:ln>
+                  <a:noFill/>
+                </a:ln>
+                <a:solidFill>
+                  <a:prstClr val="black"/>
+                </a:solidFill>
+                <a:effectLst/>
+                <a:uLnTx/>
+                <a:uFillTx/>
+                <a:latin typeface="Calibri" panose="020F0502020204030204"/>
+                <a:ea typeface="+mn-ea"/>
+                <a:cs typeface="+mn-cs"/>
+              </a:rPr>
+              <a:t> lab Notebook 			</a:t>
+            </a:r>
+            <a:r>
+              <a:rPr kumimoji="0" lang="en-US" sz="1600" b="0" i="0" u="sng" strike="noStrike" kern="1200" cap="none" spc="0" normalizeH="0" baseline="0" noProof="0" dirty="0">
+                <a:ln>
+                  <a:noFill/>
+                </a:ln>
+                <a:solidFill>
+                  <a:prstClr val="black"/>
+                </a:solidFill>
+                <a:effectLst/>
+                <a:uLnTx/>
+                <a:uFillTx/>
+                <a:latin typeface="-apple-system"/>
+                <a:ea typeface="+mn-ea"/>
+                <a:cs typeface="+mn-cs"/>
+                <a:hlinkClick r:id="rId7" tooltip="asteroid4.ipynb"/>
+              </a:rPr>
+              <a:t>asteroid4.ipynb</a:t>
+            </a:r>
+            <a:r>
+              <a:rPr kumimoji="0" lang="en-US" sz="1600" b="0" i="0" u="none" strike="noStrike" kern="1200" cap="none" spc="0" normalizeH="0" baseline="0" noProof="0" dirty="0">
+                <a:ln>
+                  <a:noFill/>
+                </a:ln>
+                <a:solidFill>
+                  <a:prstClr val="black"/>
+                </a:solidFill>
+                <a:effectLst/>
+                <a:uLnTx/>
+                <a:uFillTx/>
+                <a:latin typeface="Calibri" panose="020F0502020204030204"/>
+                <a:ea typeface="+mn-ea"/>
+                <a:cs typeface="+mn-cs"/>
+              </a:rPr>
+              <a:t>	</a:t>
+            </a:r>
+          </a:p>
+          <a:p>
+            <a:pPr marL="285750" marR="0" lvl="0" indent="-285750" algn="l" defTabSz="914400" rtl="0" eaLnBrk="1" fontAlgn="auto" latinLnBrk="0" hangingPunct="1">
+              <a:lnSpc>
+                <a:spcPct val="100000"/>
+              </a:lnSpc>
+              <a:spcBef>
+                <a:spcPts val="0"/>
+              </a:spcBef>
+              <a:spcAft>
+                <a:spcPts val="0"/>
+              </a:spcAft>
+              <a:buClrTx/>
+              <a:buSzTx/>
+              <a:buFont typeface="Arial" panose="020B0604020202020204" pitchFamily="34" charset="0"/>
+              <a:buChar char="•"/>
+              <a:tabLst/>
+              <a:defRPr/>
+            </a:pPr>
+            <a:r>
+              <a:rPr kumimoji="0" lang="en-US" sz="1600" b="0" i="0" u="none" strike="noStrike" kern="1200" cap="none" spc="0" normalizeH="0" baseline="0" noProof="0" dirty="0">
+                <a:ln>
+                  <a:noFill/>
+                </a:ln>
+                <a:solidFill>
+                  <a:prstClr val="black"/>
+                </a:solidFill>
+                <a:effectLst/>
+                <a:uLnTx/>
+                <a:uFillTx/>
+                <a:latin typeface="Calibri" panose="020F0502020204030204"/>
+                <a:ea typeface="+mn-ea"/>
+                <a:cs typeface="+mn-cs"/>
+              </a:rPr>
+              <a:t>GitHub Parent folder Link 			</a:t>
+            </a:r>
+            <a:r>
+              <a:rPr kumimoji="0" lang="en-US" sz="1600" b="0" i="0" u="none" strike="noStrike" kern="1200" cap="none" spc="0" normalizeH="0" baseline="0" noProof="0" dirty="0">
+                <a:ln>
+                  <a:noFill/>
+                </a:ln>
+                <a:solidFill>
+                  <a:prstClr val="black"/>
+                </a:solidFill>
+                <a:effectLst/>
+                <a:uLnTx/>
+                <a:uFillTx/>
+                <a:latin typeface="Calibri" panose="020F0502020204030204"/>
+                <a:ea typeface="+mn-ea"/>
+                <a:cs typeface="+mn-cs"/>
+                <a:hlinkClick r:id="rId8"/>
+              </a:rPr>
+              <a:t>Link</a:t>
+            </a:r>
+            <a:endParaRPr kumimoji="0" lang="en-US" sz="1600" b="0" i="0" u="none" strike="noStrike" kern="1200" cap="none" spc="0" normalizeH="0" baseline="0" noProof="0" dirty="0">
+              <a:ln>
+                <a:noFill/>
+              </a:ln>
+              <a:solidFill>
+                <a:prstClr val="black"/>
+              </a:solidFill>
+              <a:effectLst/>
+              <a:uLnTx/>
+              <a:uFillTx/>
+              <a:latin typeface="-apple-system"/>
+              <a:ea typeface="+mn-ea"/>
+              <a:cs typeface="+mn-cs"/>
+            </a:endParaRPr>
+          </a:p>
+          <a:p>
+            <a:pPr marL="285750" marR="0" lvl="0" indent="-285750" algn="l" defTabSz="914400" rtl="0" eaLnBrk="1" fontAlgn="auto" latinLnBrk="0" hangingPunct="1">
+              <a:lnSpc>
+                <a:spcPct val="100000"/>
+              </a:lnSpc>
+              <a:spcBef>
+                <a:spcPts val="0"/>
+              </a:spcBef>
+              <a:spcAft>
+                <a:spcPts val="0"/>
+              </a:spcAft>
+              <a:buClrTx/>
+              <a:buSzTx/>
+              <a:buFont typeface="Arial" panose="020B0604020202020204" pitchFamily="34" charset="0"/>
+              <a:buChar char="•"/>
+              <a:tabLst/>
+              <a:defRPr/>
+            </a:pPr>
+            <a:r>
+              <a:rPr kumimoji="0" lang="en-US" sz="1600" b="0" i="0" u="none" strike="noStrike" kern="1200" cap="none" spc="0" normalizeH="0" baseline="0" noProof="0" dirty="0">
+                <a:ln>
+                  <a:noFill/>
+                </a:ln>
+                <a:solidFill>
+                  <a:prstClr val="black"/>
+                </a:solidFill>
+                <a:effectLst/>
+                <a:uLnTx/>
+                <a:uFillTx/>
+                <a:latin typeface="Calibri" panose="020F0502020204030204"/>
+                <a:ea typeface="+mn-ea"/>
+                <a:cs typeface="+mn-cs"/>
+              </a:rPr>
+              <a:t>Density of asteroids  			</a:t>
+            </a:r>
+            <a:r>
+              <a:rPr kumimoji="0" lang="en-US" sz="1600" b="0" i="0" u="none" strike="noStrike" kern="1200" cap="none" spc="0" normalizeH="0" baseline="0" noProof="0" dirty="0">
+                <a:ln>
+                  <a:noFill/>
+                </a:ln>
+                <a:solidFill>
+                  <a:srgbClr val="4073DD"/>
+                </a:solidFill>
+                <a:effectLst/>
+                <a:uLnTx/>
+                <a:uFillTx/>
+                <a:latin typeface="Calibri" panose="020F0502020204030204"/>
+                <a:ea typeface="+mn-ea"/>
+                <a:cs typeface="+mn-cs"/>
+                <a:hlinkClick r:id="rId9"/>
+              </a:rPr>
+              <a:t>10.1016/j.pss.2012.03.009</a:t>
+            </a:r>
+            <a:r>
+              <a:rPr kumimoji="0" lang="en-US" sz="1600" b="0" i="0" u="none" strike="noStrike" kern="1200" cap="none" spc="0" normalizeH="0" baseline="0" noProof="0" dirty="0">
+                <a:ln>
+                  <a:noFill/>
+                </a:ln>
+                <a:solidFill>
+                  <a:srgbClr val="5D5D5D"/>
+                </a:solidFill>
+                <a:effectLst/>
+                <a:uLnTx/>
+                <a:uFillTx/>
+                <a:latin typeface="Calibri" panose="020F0502020204030204"/>
+                <a:ea typeface="+mn-ea"/>
+                <a:cs typeface="+mn-cs"/>
+              </a:rPr>
+              <a:t> </a:t>
+            </a:r>
+          </a:p>
+          <a:p>
+            <a:pPr marL="285750" marR="0" lvl="0" indent="-285750" algn="l" defTabSz="914400" rtl="0" eaLnBrk="1" fontAlgn="auto" latinLnBrk="0" hangingPunct="1">
+              <a:lnSpc>
+                <a:spcPct val="100000"/>
+              </a:lnSpc>
+              <a:spcBef>
+                <a:spcPts val="0"/>
+              </a:spcBef>
+              <a:spcAft>
+                <a:spcPts val="0"/>
+              </a:spcAft>
+              <a:buClrTx/>
+              <a:buSzTx/>
+              <a:buFont typeface="Arial" panose="020B0604020202020204" pitchFamily="34" charset="0"/>
+              <a:buChar char="•"/>
+              <a:tabLst/>
+              <a:defRPr/>
+            </a:pPr>
+            <a:r>
+              <a:rPr kumimoji="0" lang="en-US" sz="1600" b="0" i="0" u="none" strike="noStrike" kern="1200" cap="none" spc="0" normalizeH="0" baseline="0" noProof="0" dirty="0">
+                <a:ln>
+                  <a:noFill/>
+                </a:ln>
+                <a:solidFill>
+                  <a:prstClr val="black"/>
+                </a:solidFill>
+                <a:effectLst/>
+                <a:uLnTx/>
+                <a:uFillTx/>
+                <a:latin typeface="Calibri" panose="020F0502020204030204"/>
+                <a:ea typeface="+mn-ea"/>
+                <a:cs typeface="+mn-cs"/>
+              </a:rPr>
+              <a:t>Review					</a:t>
+            </a:r>
+            <a:r>
+              <a:rPr kumimoji="0" lang="en-US" sz="1600" b="0" i="0" u="none" strike="noStrike" kern="1200" cap="none" spc="0" normalizeH="0" baseline="0" noProof="0" dirty="0">
+                <a:ln>
+                  <a:noFill/>
+                </a:ln>
+                <a:solidFill>
+                  <a:prstClr val="black"/>
+                </a:solidFill>
+                <a:effectLst/>
+                <a:uLnTx/>
+                <a:uFillTx/>
+                <a:latin typeface="Calibri" panose="020F0502020204030204"/>
+                <a:ea typeface="+mn-ea"/>
+                <a:cs typeface="+mn-cs"/>
+                <a:hlinkClick r:id="rId10"/>
+              </a:rPr>
+              <a:t>Review</a:t>
+            </a:r>
+            <a:endParaRPr kumimoji="0" lang="en-US" sz="1600" b="0" i="0" u="none" strike="noStrike" kern="1200" cap="none" spc="0" normalizeH="0" baseline="0" noProof="0" dirty="0">
+              <a:ln>
+                <a:noFill/>
+              </a:ln>
+              <a:solidFill>
+                <a:srgbClr val="5D5D5D"/>
+              </a:solidFill>
+              <a:effectLst/>
+              <a:uLnTx/>
+              <a:uFillTx/>
+              <a:latin typeface="Calibri" panose="020F0502020204030204"/>
+              <a:ea typeface="+mn-ea"/>
+              <a:cs typeface="+mn-cs"/>
+            </a:endParaRPr>
+          </a:p>
+          <a:p>
+            <a:pPr marL="0" marR="0" lvl="0" indent="0" algn="l" defTabSz="914400" rtl="0" eaLnBrk="1" fontAlgn="auto" latinLnBrk="0" hangingPunct="1">
+              <a:lnSpc>
+                <a:spcPct val="100000"/>
+              </a:lnSpc>
+              <a:spcBef>
+                <a:spcPts val="0"/>
+              </a:spcBef>
+              <a:spcAft>
+                <a:spcPts val="0"/>
+              </a:spcAft>
+              <a:buClrTx/>
+              <a:buSzTx/>
+              <a:buFontTx/>
+              <a:buNone/>
+              <a:tabLst/>
+              <a:defRPr/>
+            </a:pPr>
+            <a:r>
+              <a:rPr kumimoji="0" lang="en-US" sz="1600" b="0" i="0" u="none" strike="noStrike" kern="1200" cap="none" spc="0" normalizeH="0" baseline="0" noProof="0" dirty="0">
+                <a:ln>
+                  <a:noFill/>
+                </a:ln>
+                <a:solidFill>
+                  <a:prstClr val="black"/>
+                </a:solidFill>
+                <a:effectLst/>
+                <a:uLnTx/>
+                <a:uFillTx/>
+                <a:latin typeface="Calibri" panose="020F0502020204030204"/>
+                <a:ea typeface="+mn-ea"/>
+                <a:cs typeface="+mn-cs"/>
+              </a:rPr>
+              <a:t>	</a:t>
+            </a:r>
+          </a:p>
+          <a:p>
+            <a:pPr marL="0" marR="0" lvl="0" indent="0" algn="l" defTabSz="914400" rtl="0" eaLnBrk="1" fontAlgn="auto" latinLnBrk="0" hangingPunct="1">
+              <a:lnSpc>
+                <a:spcPct val="100000"/>
+              </a:lnSpc>
+              <a:spcBef>
+                <a:spcPts val="0"/>
+              </a:spcBef>
+              <a:spcAft>
+                <a:spcPts val="0"/>
+              </a:spcAft>
+              <a:buClrTx/>
+              <a:buSzTx/>
+              <a:buFontTx/>
+              <a:buNone/>
+              <a:tabLst/>
+              <a:defRPr/>
+            </a:pPr>
+            <a:r>
+              <a:rPr kumimoji="0" lang="en-US" sz="1600" b="1" i="0" u="none" strike="noStrike" kern="1200" cap="none" spc="0" normalizeH="0" baseline="0" noProof="0" dirty="0">
+                <a:ln>
+                  <a:noFill/>
+                </a:ln>
+                <a:solidFill>
+                  <a:srgbClr val="24292E"/>
+                </a:solidFill>
+                <a:effectLst/>
+                <a:uLnTx/>
+                <a:uFillTx/>
+                <a:latin typeface="-apple-system"/>
+                <a:ea typeface="+mn-ea"/>
+                <a:cs typeface="+mn-cs"/>
+              </a:rPr>
+              <a:t>Are more asteroids posing an impact threat to Earth today than they did 15 years ago?</a:t>
+            </a:r>
+          </a:p>
+          <a:p>
+            <a:pPr marL="285750" marR="0" lvl="0" indent="-285750" algn="l" defTabSz="914400" rtl="0" eaLnBrk="1" fontAlgn="auto" latinLnBrk="0" hangingPunct="1">
+              <a:lnSpc>
+                <a:spcPct val="100000"/>
+              </a:lnSpc>
+              <a:spcBef>
+                <a:spcPts val="0"/>
+              </a:spcBef>
+              <a:spcAft>
+                <a:spcPts val="0"/>
+              </a:spcAft>
+              <a:buClrTx/>
+              <a:buSzTx/>
+              <a:buFont typeface="Arial" panose="020B0604020202020204" pitchFamily="34" charset="0"/>
+              <a:buChar char="•"/>
+              <a:tabLst/>
+              <a:defRPr/>
+            </a:pPr>
+            <a:r>
+              <a:rPr kumimoji="0" lang="en-US" sz="1600" b="0" i="0" u="none" strike="noStrike" kern="1200" cap="none" spc="0" normalizeH="0" baseline="0" noProof="0" dirty="0" err="1">
+                <a:ln>
+                  <a:noFill/>
+                </a:ln>
+                <a:solidFill>
+                  <a:prstClr val="black"/>
+                </a:solidFill>
+                <a:effectLst/>
+                <a:uLnTx/>
+                <a:uFillTx/>
+                <a:latin typeface="Calibri" panose="020F0502020204030204"/>
+                <a:ea typeface="+mn-ea"/>
+                <a:cs typeface="+mn-cs"/>
+              </a:rPr>
+              <a:t>Jupyter</a:t>
+            </a:r>
+            <a:r>
+              <a:rPr kumimoji="0" lang="en-US" sz="1600" b="0" i="0" u="none" strike="noStrike" kern="1200" cap="none" spc="0" normalizeH="0" baseline="0" noProof="0" dirty="0">
+                <a:ln>
+                  <a:noFill/>
+                </a:ln>
+                <a:solidFill>
+                  <a:prstClr val="black"/>
+                </a:solidFill>
+                <a:effectLst/>
+                <a:uLnTx/>
+                <a:uFillTx/>
+                <a:latin typeface="Calibri" panose="020F0502020204030204"/>
+                <a:ea typeface="+mn-ea"/>
+                <a:cs typeface="+mn-cs"/>
+              </a:rPr>
+              <a:t> lab Notebook			</a:t>
+            </a:r>
+            <a:r>
+              <a:rPr lang="en-US" sz="1600" b="0" i="0" u="sng" dirty="0">
+                <a:effectLst/>
+                <a:latin typeface="-apple-system"/>
+                <a:hlinkClick r:id="rId11" tooltip="neo_asteroids.ipynb"/>
+              </a:rPr>
+              <a:t>neo_asteroids.ipynb</a:t>
+            </a:r>
+            <a:endParaRPr kumimoji="0" lang="en-US" sz="1600" b="0" i="0" u="none" strike="noStrike" kern="1200" cap="none" spc="0" normalizeH="0" baseline="0" noProof="0" dirty="0">
+              <a:ln>
+                <a:noFill/>
+              </a:ln>
+              <a:solidFill>
+                <a:prstClr val="black"/>
+              </a:solidFill>
+              <a:effectLst/>
+              <a:uLnTx/>
+              <a:uFillTx/>
+              <a:latin typeface="Calibri" panose="020F0502020204030204"/>
+              <a:ea typeface="+mn-ea"/>
+              <a:cs typeface="+mn-cs"/>
+            </a:endParaRPr>
+          </a:p>
+          <a:p>
+            <a:pPr marL="285750" marR="0" lvl="0" indent="-285750" algn="l" defTabSz="914400" rtl="0" eaLnBrk="1" fontAlgn="auto" latinLnBrk="0" hangingPunct="1">
+              <a:lnSpc>
+                <a:spcPct val="100000"/>
+              </a:lnSpc>
+              <a:spcBef>
+                <a:spcPts val="0"/>
+              </a:spcBef>
+              <a:spcAft>
+                <a:spcPts val="0"/>
+              </a:spcAft>
+              <a:buClrTx/>
+              <a:buSzTx/>
+              <a:buFont typeface="Arial" panose="020B0604020202020204" pitchFamily="34" charset="0"/>
+              <a:buChar char="•"/>
+              <a:tabLst/>
+              <a:defRPr/>
+            </a:pPr>
+            <a:r>
+              <a:rPr kumimoji="0" lang="en-US" sz="1600" b="0" i="0" u="none" strike="noStrike" kern="1200" cap="none" spc="0" normalizeH="0" baseline="0" noProof="0" dirty="0">
+                <a:ln>
+                  <a:noFill/>
+                </a:ln>
+                <a:solidFill>
+                  <a:prstClr val="black"/>
+                </a:solidFill>
+                <a:effectLst/>
+                <a:uLnTx/>
+                <a:uFillTx/>
+                <a:latin typeface="Calibri" panose="020F0502020204030204"/>
+                <a:ea typeface="+mn-ea"/>
+                <a:cs typeface="+mn-cs"/>
+              </a:rPr>
+              <a:t>Parent Repository 				</a:t>
+            </a:r>
+            <a:r>
+              <a:rPr kumimoji="0" lang="en-US" sz="1600" b="0" i="0" u="none" strike="noStrike" kern="1200" cap="none" spc="0" normalizeH="0" baseline="0" noProof="0" dirty="0">
+                <a:ln>
+                  <a:noFill/>
+                </a:ln>
+                <a:solidFill>
+                  <a:prstClr val="black"/>
+                </a:solidFill>
+                <a:effectLst/>
+                <a:uLnTx/>
+                <a:uFillTx/>
+                <a:latin typeface="Calibri" panose="020F0502020204030204"/>
+                <a:ea typeface="+mn-ea"/>
+                <a:cs typeface="+mn-cs"/>
+                <a:hlinkClick r:id="rId4"/>
+              </a:rPr>
+              <a:t>Link</a:t>
+            </a:r>
+            <a:endParaRPr kumimoji="0" lang="en-US" sz="1600" b="0" i="0" u="none" strike="noStrike" kern="1200" cap="none" spc="0" normalizeH="0" baseline="0" noProof="0" dirty="0">
+              <a:ln>
+                <a:noFill/>
+              </a:ln>
+              <a:solidFill>
+                <a:srgbClr val="24292E"/>
+              </a:solidFill>
+              <a:effectLst/>
+              <a:uLnTx/>
+              <a:uFillTx/>
+              <a:latin typeface="-apple-system"/>
+              <a:ea typeface="+mn-ea"/>
+              <a:cs typeface="+mn-cs"/>
+            </a:endParaRPr>
+          </a:p>
+          <a:p>
+            <a:pPr marL="0" marR="0" lvl="0" indent="0" algn="l" defTabSz="914400" rtl="0" eaLnBrk="1" fontAlgn="auto" latinLnBrk="0" hangingPunct="1">
+              <a:lnSpc>
+                <a:spcPct val="100000"/>
+              </a:lnSpc>
+              <a:spcBef>
+                <a:spcPts val="0"/>
+              </a:spcBef>
+              <a:spcAft>
+                <a:spcPts val="0"/>
+              </a:spcAft>
+              <a:buClrTx/>
+              <a:buSzTx/>
+              <a:buFontTx/>
+              <a:buNone/>
+              <a:tabLst/>
+              <a:defRPr/>
+            </a:pPr>
+            <a:endParaRPr kumimoji="0" lang="en-US" sz="1600" b="1" i="0" u="none" strike="noStrike" kern="1200" cap="none" spc="0" normalizeH="0" baseline="0" noProof="0" dirty="0">
+              <a:ln>
+                <a:noFill/>
+              </a:ln>
+              <a:solidFill>
+                <a:srgbClr val="24292E"/>
+              </a:solidFill>
+              <a:effectLst/>
+              <a:uLnTx/>
+              <a:uFillTx/>
+              <a:latin typeface="-apple-system"/>
+              <a:ea typeface="+mn-ea"/>
+              <a:cs typeface="+mn-cs"/>
+            </a:endParaRPr>
+          </a:p>
+          <a:p>
+            <a:pPr marL="0" marR="0" lvl="0" indent="0" algn="l" defTabSz="914400" rtl="0" eaLnBrk="1" fontAlgn="auto" latinLnBrk="0" hangingPunct="1">
+              <a:lnSpc>
+                <a:spcPct val="100000"/>
+              </a:lnSpc>
+              <a:spcBef>
+                <a:spcPts val="0"/>
+              </a:spcBef>
+              <a:spcAft>
+                <a:spcPts val="0"/>
+              </a:spcAft>
+              <a:buClrTx/>
+              <a:buSzTx/>
+              <a:buFontTx/>
+              <a:buNone/>
+              <a:tabLst/>
+              <a:defRPr/>
+            </a:pPr>
+            <a:r>
+              <a:rPr kumimoji="0" lang="en-US" sz="1600" b="1" i="0" u="none" strike="noStrike" kern="1200" cap="none" spc="0" normalizeH="0" baseline="0" noProof="0" dirty="0">
+                <a:ln>
+                  <a:noFill/>
+                </a:ln>
+                <a:solidFill>
+                  <a:srgbClr val="24292E"/>
+                </a:solidFill>
+                <a:effectLst/>
+                <a:uLnTx/>
+                <a:uFillTx/>
+                <a:latin typeface="-apple-system"/>
+                <a:ea typeface="+mn-ea"/>
+                <a:cs typeface="+mn-cs"/>
+              </a:rPr>
+              <a:t>Are inner planets receiving more close approaches on average in the recent decade they did in the last 5 decades?</a:t>
+            </a:r>
+            <a:endParaRPr kumimoji="0" lang="en-US" sz="1600" b="0" i="0" u="none" strike="noStrike" kern="1200" cap="none" spc="0" normalizeH="0" baseline="0" noProof="0" dirty="0">
+              <a:ln>
+                <a:noFill/>
+              </a:ln>
+              <a:solidFill>
+                <a:srgbClr val="24292E"/>
+              </a:solidFill>
+              <a:effectLst/>
+              <a:uLnTx/>
+              <a:uFillTx/>
+              <a:latin typeface="-apple-system"/>
+              <a:ea typeface="+mn-ea"/>
+              <a:cs typeface="+mn-cs"/>
+            </a:endParaRPr>
+          </a:p>
+          <a:p>
+            <a:pPr marL="285750" marR="0" lvl="0" indent="-285750" algn="l" defTabSz="914400" rtl="0" eaLnBrk="1" fontAlgn="auto" latinLnBrk="0" hangingPunct="1">
+              <a:lnSpc>
+                <a:spcPct val="100000"/>
+              </a:lnSpc>
+              <a:spcBef>
+                <a:spcPts val="0"/>
+              </a:spcBef>
+              <a:spcAft>
+                <a:spcPts val="0"/>
+              </a:spcAft>
+              <a:buClrTx/>
+              <a:buSzTx/>
+              <a:buFont typeface="Arial" panose="020B0604020202020204" pitchFamily="34" charset="0"/>
+              <a:buChar char="•"/>
+              <a:tabLst/>
+              <a:defRPr/>
+            </a:pPr>
+            <a:r>
+              <a:rPr kumimoji="0" lang="en-US" sz="1600" b="0" i="0" u="none" strike="noStrike" kern="1200" cap="none" spc="0" normalizeH="0" baseline="0" noProof="0" dirty="0" err="1">
+                <a:ln>
+                  <a:noFill/>
+                </a:ln>
+                <a:solidFill>
+                  <a:prstClr val="black"/>
+                </a:solidFill>
+                <a:effectLst/>
+                <a:uLnTx/>
+                <a:uFillTx/>
+                <a:latin typeface="Calibri" panose="020F0502020204030204"/>
+                <a:ea typeface="+mn-ea"/>
+                <a:cs typeface="+mn-cs"/>
+              </a:rPr>
+              <a:t>Jupyter</a:t>
+            </a:r>
+            <a:r>
+              <a:rPr kumimoji="0" lang="en-US" sz="1600" b="0" i="0" u="none" strike="noStrike" kern="1200" cap="none" spc="0" normalizeH="0" baseline="0" noProof="0" dirty="0">
+                <a:ln>
+                  <a:noFill/>
+                </a:ln>
+                <a:solidFill>
+                  <a:prstClr val="black"/>
+                </a:solidFill>
+                <a:effectLst/>
+                <a:uLnTx/>
+                <a:uFillTx/>
+                <a:latin typeface="Calibri" panose="020F0502020204030204"/>
+                <a:ea typeface="+mn-ea"/>
+                <a:cs typeface="+mn-cs"/>
+              </a:rPr>
+              <a:t> lab Notebook 			</a:t>
+            </a:r>
+            <a:r>
+              <a:rPr kumimoji="0" lang="en-US" sz="1600" b="0" i="0" u="sng" strike="noStrike" kern="1200" cap="none" spc="0" normalizeH="0" baseline="0" noProof="0" dirty="0">
+                <a:ln>
+                  <a:noFill/>
+                </a:ln>
+                <a:solidFill>
+                  <a:prstClr val="black"/>
+                </a:solidFill>
+                <a:effectLst/>
+                <a:uLnTx/>
+                <a:uFillTx/>
+                <a:latin typeface="-apple-system"/>
+                <a:ea typeface="+mn-ea"/>
+                <a:cs typeface="+mn-cs"/>
+                <a:hlinkClick r:id="rId12" tooltip="GraphInfoBS25Oct2020.ipynb"/>
+              </a:rPr>
+              <a:t>GraphInfoBS25Oct2020.ipynb</a:t>
+            </a:r>
+            <a:endParaRPr kumimoji="0" lang="en-US" sz="1600" b="0" i="0" u="none" strike="noStrike" kern="1200" cap="none" spc="0" normalizeH="0" baseline="0" noProof="0" dirty="0">
+              <a:ln>
+                <a:noFill/>
+              </a:ln>
+              <a:solidFill>
+                <a:srgbClr val="24292E"/>
+              </a:solidFill>
+              <a:effectLst/>
+              <a:uLnTx/>
+              <a:uFillTx/>
+              <a:latin typeface="-apple-system"/>
+              <a:ea typeface="+mn-ea"/>
+              <a:cs typeface="+mn-cs"/>
+            </a:endParaRPr>
+          </a:p>
+          <a:p>
+            <a:pPr marL="285750" marR="0" lvl="0" indent="-285750" algn="l" defTabSz="914400" rtl="0" eaLnBrk="1" fontAlgn="auto" latinLnBrk="0" hangingPunct="1">
+              <a:lnSpc>
+                <a:spcPct val="100000"/>
+              </a:lnSpc>
+              <a:spcBef>
+                <a:spcPts val="0"/>
+              </a:spcBef>
+              <a:spcAft>
+                <a:spcPts val="0"/>
+              </a:spcAft>
+              <a:buClrTx/>
+              <a:buSzTx/>
+              <a:buFont typeface="Arial" panose="020B0604020202020204" pitchFamily="34" charset="0"/>
+              <a:buChar char="•"/>
+              <a:tabLst/>
+              <a:defRPr/>
+            </a:pPr>
+            <a:r>
+              <a:rPr kumimoji="0" lang="en-US" sz="1600" b="0" i="0" u="none" strike="noStrike" kern="1200" cap="none" spc="0" normalizeH="0" baseline="0" noProof="0" dirty="0">
+                <a:ln>
+                  <a:noFill/>
+                </a:ln>
+                <a:solidFill>
+                  <a:srgbClr val="24292E"/>
+                </a:solidFill>
+                <a:effectLst/>
+                <a:uLnTx/>
+                <a:uFillTx/>
+                <a:latin typeface="-apple-system"/>
+                <a:ea typeface="+mn-ea"/>
+                <a:cs typeface="+mn-cs"/>
+              </a:rPr>
+              <a:t>GitHub  Parent Folder link			</a:t>
+            </a:r>
+            <a:r>
+              <a:rPr kumimoji="0" lang="en-US" sz="1600" b="0" i="0" u="sng" strike="noStrike" kern="1200" cap="none" spc="0" normalizeH="0" baseline="0" noProof="0" dirty="0">
+                <a:ln>
+                  <a:noFill/>
+                </a:ln>
+                <a:solidFill>
+                  <a:srgbClr val="24292E"/>
+                </a:solidFill>
+                <a:effectLst/>
+                <a:uLnTx/>
+                <a:uFillTx/>
+                <a:latin typeface="-apple-system"/>
+                <a:ea typeface="+mn-ea"/>
+                <a:cs typeface="+mn-cs"/>
+                <a:hlinkClick r:id="rId13" tooltip="AsteroidsAmongstPlanets25Oct2020BS"/>
+              </a:rPr>
+              <a:t>AsteroidsAmongstPlanets25Oct2020BS</a:t>
+            </a:r>
+            <a:endParaRPr kumimoji="0" lang="en-US" sz="1600" b="0" i="0" u="none" strike="noStrike" kern="1200" cap="none" spc="0" normalizeH="0" baseline="0" noProof="0" dirty="0">
+              <a:ln>
+                <a:noFill/>
+              </a:ln>
+              <a:solidFill>
+                <a:srgbClr val="24292E"/>
+              </a:solidFill>
+              <a:effectLst/>
+              <a:uLnTx/>
+              <a:uFillTx/>
+              <a:latin typeface="-apple-system"/>
+              <a:ea typeface="+mn-ea"/>
+              <a:cs typeface="+mn-cs"/>
+            </a:endParaRPr>
+          </a:p>
+          <a:p>
+            <a:pPr marL="0" marR="0" lvl="0" indent="0" algn="l" defTabSz="914400" rtl="0" eaLnBrk="1" fontAlgn="auto" latinLnBrk="0" hangingPunct="1">
+              <a:lnSpc>
+                <a:spcPct val="100000"/>
+              </a:lnSpc>
+              <a:spcBef>
+                <a:spcPts val="0"/>
+              </a:spcBef>
+              <a:spcAft>
+                <a:spcPts val="0"/>
+              </a:spcAft>
+              <a:buClrTx/>
+              <a:buSzTx/>
+              <a:buFontTx/>
+              <a:buNone/>
+              <a:tabLst/>
+              <a:defRPr/>
+            </a:pPr>
+            <a:br>
+              <a:rPr kumimoji="0" lang="en-US" sz="1800" b="0" i="0" u="none" strike="noStrike" kern="1200" cap="none" spc="0" normalizeH="0" baseline="0" noProof="0" dirty="0">
+                <a:ln>
+                  <a:noFill/>
+                </a:ln>
+                <a:solidFill>
+                  <a:prstClr val="black"/>
+                </a:solidFill>
+                <a:effectLst/>
+                <a:uLnTx/>
+                <a:uFillTx/>
+                <a:latin typeface="Calibri" panose="020F0502020204030204"/>
+                <a:ea typeface="+mn-ea"/>
+                <a:cs typeface="+mn-cs"/>
+              </a:rPr>
+            </a:br>
+            <a:endParaRPr kumimoji="0" lang="en-US" sz="1800" b="0" i="0" u="none" strike="noStrike" kern="1200" cap="none" spc="0" normalizeH="0" baseline="0" noProof="0" dirty="0">
+              <a:ln>
+                <a:noFill/>
+              </a:ln>
+              <a:solidFill>
+                <a:srgbClr val="24292E"/>
+              </a:solidFill>
+              <a:effectLst/>
+              <a:uLnTx/>
+              <a:uFillTx/>
+              <a:latin typeface="-apple-system"/>
+              <a:ea typeface="+mn-ea"/>
+              <a:cs typeface="+mn-cs"/>
+            </a:endParaRPr>
+          </a:p>
+        </p:txBody>
+      </p:sp>
+    </p:spTree>
+    <p:extLst>
+      <p:ext uri="{BB962C8B-B14F-4D97-AF65-F5344CB8AC3E}">
+        <p14:creationId xmlns:p14="http://schemas.microsoft.com/office/powerpoint/2010/main" val="2330389577"/>
       </p:ext>
     </p:extLst>
   </p:cSld>
@@ -6297,522 +8108,45 @@
       </p:grpSpPr>
       <p:sp>
         <p:nvSpPr>
-          <p:cNvPr id="8" name="TextBox 7">
-            <a:extLst>
-              <a:ext uri="{FF2B5EF4-FFF2-40B4-BE49-F238E27FC236}">
-                <a16:creationId xmlns:a16="http://schemas.microsoft.com/office/drawing/2014/main" xmlns="" id="{E89D5BA1-38F5-4D76-9999-9DBA0CF889A9}"/>
-              </a:ext>
-            </a:extLst>
-          </p:cNvPr>
-          <p:cNvSpPr txBox="1"/>
-          <p:nvPr/>
-        </p:nvSpPr>
-        <p:spPr>
-          <a:xfrm>
-            <a:off x="870120" y="310767"/>
-            <a:ext cx="10048359" cy="4462760"/>
-          </a:xfrm>
-          <a:prstGeom prst="rect">
-            <a:avLst/>
-          </a:prstGeom>
-          <a:noFill/>
-        </p:spPr>
-        <p:txBody>
-          <a:bodyPr wrap="square" rtlCol="0">
-            <a:spAutoFit/>
+          <p:cNvPr id="2" name="Title 1">
+            <a:extLst>
+              <a:ext uri="{FF2B5EF4-FFF2-40B4-BE49-F238E27FC236}">
+                <a16:creationId xmlns:a16="http://schemas.microsoft.com/office/drawing/2014/main" id="{573D67AD-7A43-4613-BB13-2BD8681EB502}"/>
+              </a:ext>
+            </a:extLst>
+          </p:cNvPr>
+          <p:cNvSpPr>
+            <a:spLocks noGrp="1"/>
+          </p:cNvSpPr>
+          <p:nvPr>
+            <p:ph type="title"/>
+          </p:nvPr>
+        </p:nvSpPr>
+        <p:spPr>
+          <a:xfrm>
+            <a:off x="1940010" y="2374932"/>
+            <a:ext cx="8155460" cy="924322"/>
+          </a:xfrm>
+        </p:spPr>
+        <p:txBody>
+          <a:bodyPr>
+            <a:normAutofit/>
           </a:bodyPr>
           <a:lstStyle/>
           <a:p>
             <a:pPr algn="ctr"/>
             <a:r>
-              <a:rPr lang="en-US" sz="4000" b="1" dirty="0"/>
-              <a:t>Overview</a:t>
-            </a:r>
-          </a:p>
-          <a:p>
-            <a:pPr algn="ctr"/>
-            <a:endParaRPr lang="en-US" sz="1000" b="1" dirty="0"/>
-          </a:p>
-          <a:p>
-            <a:pPr marL="285750" indent="-285750">
-              <a:buFont typeface="Arial" panose="020B0604020202020204" pitchFamily="34" charset="0"/>
-              <a:buChar char="•"/>
-            </a:pPr>
-            <a:r>
-              <a:rPr lang="en-US" sz="2000" dirty="0"/>
-              <a:t>The known number of asteroid is estimated  to be 1,016,447. –</a:t>
-            </a:r>
-            <a:r>
-              <a:rPr lang="en-US" sz="2000" dirty="0">
-                <a:hlinkClick r:id="rId2"/>
-              </a:rPr>
-              <a:t>NASA</a:t>
-            </a:r>
-            <a:endParaRPr lang="en-US" sz="2000" dirty="0"/>
-          </a:p>
-          <a:p>
-            <a:endParaRPr lang="en-US" sz="1400" b="0" i="0" dirty="0">
-              <a:solidFill>
-                <a:srgbClr val="3A3A3A"/>
-              </a:solidFill>
-              <a:effectLst/>
-              <a:latin typeface="Metropolis"/>
-            </a:endParaRPr>
-          </a:p>
-          <a:p>
-            <a:pPr marL="285750" indent="-285750">
-              <a:buFont typeface="Arial" panose="020B0604020202020204" pitchFamily="34" charset="0"/>
-              <a:buChar char="•"/>
-            </a:pPr>
-            <a:r>
-              <a:rPr lang="en-US" sz="2000" dirty="0">
-                <a:solidFill>
-                  <a:srgbClr val="3A3A3A"/>
-                </a:solidFill>
-                <a:latin typeface="Metropolis"/>
-              </a:rPr>
-              <a:t>The majority of asteroids </a:t>
-            </a:r>
-            <a:r>
-              <a:rPr lang="en-US" sz="2000" b="0" i="0" dirty="0">
-                <a:solidFill>
-                  <a:srgbClr val="3A3A3A"/>
-                </a:solidFill>
-                <a:effectLst/>
-                <a:latin typeface="Metropolis"/>
-              </a:rPr>
-              <a:t>orbiting the sun are located between Mars and Jupiter (estimated 1.1 to 1.9 million). These are known as the Main asteroid belt. –</a:t>
-            </a:r>
-            <a:r>
-              <a:rPr lang="en-US" sz="2000" dirty="0">
-                <a:hlinkClick r:id="rId2"/>
-              </a:rPr>
-              <a:t>NASA</a:t>
-            </a:r>
-            <a:endParaRPr lang="en-US" sz="2000" dirty="0"/>
-          </a:p>
-          <a:p>
-            <a:pPr marL="285750" indent="-285750">
-              <a:buFont typeface="Arial" panose="020B0604020202020204" pitchFamily="34" charset="0"/>
-              <a:buChar char="•"/>
-            </a:pPr>
-            <a:endParaRPr lang="en-US" sz="1400" dirty="0">
-              <a:solidFill>
-                <a:srgbClr val="3A3A3A"/>
-              </a:solidFill>
-              <a:latin typeface="Metropolis"/>
-            </a:endParaRPr>
-          </a:p>
-          <a:p>
-            <a:pPr marL="285750" indent="-285750">
-              <a:buFont typeface="Arial" panose="020B0604020202020204" pitchFamily="34" charset="0"/>
-              <a:buChar char="•"/>
-            </a:pPr>
-            <a:r>
-              <a:rPr lang="en-US" sz="2000" dirty="0">
-                <a:solidFill>
-                  <a:srgbClr val="3A3A3A"/>
-                </a:solidFill>
-                <a:latin typeface="Metropolis"/>
-              </a:rPr>
-              <a:t>Asteroids located near earth are estimated at 10,000. Roughly 800 are 1 kilometer in diameter.</a:t>
-            </a:r>
-            <a:r>
-              <a:rPr lang="en-US" sz="2000" b="0" i="0" dirty="0">
-                <a:solidFill>
-                  <a:srgbClr val="3A3A3A"/>
-                </a:solidFill>
-                <a:effectLst/>
-                <a:latin typeface="Metropolis"/>
-              </a:rPr>
-              <a:t> –</a:t>
-            </a:r>
-            <a:r>
-              <a:rPr lang="en-US" sz="2000" dirty="0">
-                <a:hlinkClick r:id="rId2"/>
-              </a:rPr>
-              <a:t>NASA</a:t>
-            </a:r>
-            <a:endParaRPr lang="en-US" sz="2000" dirty="0">
-              <a:solidFill>
-                <a:srgbClr val="3A3A3A"/>
-              </a:solidFill>
-              <a:latin typeface="Metropolis"/>
-            </a:endParaRPr>
-          </a:p>
-          <a:p>
-            <a:pPr marL="285750" indent="-285750">
-              <a:buFont typeface="Arial" panose="020B0604020202020204" pitchFamily="34" charset="0"/>
-              <a:buChar char="•"/>
-            </a:pPr>
-            <a:endParaRPr lang="en-US" sz="1400" dirty="0">
-              <a:solidFill>
-                <a:srgbClr val="3A3A3A"/>
-              </a:solidFill>
-              <a:latin typeface="Metropolis"/>
-            </a:endParaRPr>
-          </a:p>
-          <a:p>
-            <a:pPr marL="285750" indent="-285750">
-              <a:buFont typeface="Arial" panose="020B0604020202020204" pitchFamily="34" charset="0"/>
-              <a:buChar char="•"/>
-            </a:pPr>
-            <a:r>
-              <a:rPr lang="en-US" sz="2000" dirty="0">
-                <a:solidFill>
-                  <a:srgbClr val="3A3A3A"/>
-                </a:solidFill>
-                <a:latin typeface="Metropolis"/>
-              </a:rPr>
-              <a:t>The composition of asteroids  predominately  contain chondrite (known as C-type), silicates (S-type) , and metals (M-type). </a:t>
-            </a:r>
-            <a:r>
-              <a:rPr lang="en-US" sz="2000" b="0" i="0" dirty="0">
-                <a:solidFill>
-                  <a:srgbClr val="3A3A3A"/>
-                </a:solidFill>
-                <a:effectLst/>
-                <a:latin typeface="Metropolis"/>
-              </a:rPr>
-              <a:t>–</a:t>
-            </a:r>
-            <a:r>
-              <a:rPr lang="en-US" sz="2000" dirty="0">
-                <a:hlinkClick r:id="rId2"/>
-              </a:rPr>
-              <a:t>NASA</a:t>
-            </a:r>
-            <a:endParaRPr lang="en-US" sz="2000" dirty="0"/>
-          </a:p>
-          <a:p>
-            <a:pPr marL="285750" indent="-285750">
-              <a:buFont typeface="Arial" panose="020B0604020202020204" pitchFamily="34" charset="0"/>
-              <a:buChar char="•"/>
-            </a:pPr>
-            <a:endParaRPr lang="en-US" sz="1400" dirty="0"/>
-          </a:p>
-          <a:p>
-            <a:pPr marL="285750" indent="-285750">
-              <a:buFont typeface="Arial" panose="020B0604020202020204" pitchFamily="34" charset="0"/>
-              <a:buChar char="•"/>
-            </a:pPr>
-            <a:r>
-              <a:rPr lang="en-US" sz="2000" b="0" i="0" dirty="0">
-                <a:solidFill>
-                  <a:srgbClr val="3A3A3A"/>
-                </a:solidFill>
-                <a:effectLst/>
-                <a:latin typeface="Metropolis"/>
-              </a:rPr>
-              <a:t>What can we learn from all this data?</a:t>
-            </a:r>
-          </a:p>
-          <a:p>
+              <a:rPr lang="en-US"/>
+              <a:t>Asteroids and Metals</a:t>
+            </a:r>
             <a:endParaRPr lang="en-US" dirty="0"/>
-          </a:p>
-        </p:txBody>
-      </p:sp>
-      <p:pic>
-        <p:nvPicPr>
-          <p:cNvPr id="10" name="Picture 9">
-            <a:extLst>
-              <a:ext uri="{FF2B5EF4-FFF2-40B4-BE49-F238E27FC236}">
-                <a16:creationId xmlns:a16="http://schemas.microsoft.com/office/drawing/2014/main" xmlns="" id="{A06A504E-C104-4EE7-BB13-6B6C05E3CA0C}"/>
-              </a:ext>
-            </a:extLst>
-          </p:cNvPr>
-          <p:cNvPicPr>
-            <a:picLocks noChangeAspect="1"/>
-          </p:cNvPicPr>
-          <p:nvPr/>
-        </p:nvPicPr>
-        <p:blipFill>
-          <a:blip r:embed="rId3"/>
-          <a:stretch>
-            <a:fillRect/>
-          </a:stretch>
-        </p:blipFill>
-        <p:spPr>
-          <a:xfrm>
-            <a:off x="0" y="4828375"/>
-            <a:ext cx="12192000" cy="1710659"/>
-          </a:xfrm>
-          <a:prstGeom prst="rect">
-            <a:avLst/>
-          </a:prstGeom>
-          <a:solidFill>
-            <a:srgbClr val="FFFFFF"/>
-          </a:solidFill>
-        </p:spPr>
-      </p:pic>
-      <p:sp>
-        <p:nvSpPr>
-          <p:cNvPr id="12" name="Arrow: Down 11">
-            <a:extLst>
-              <a:ext uri="{FF2B5EF4-FFF2-40B4-BE49-F238E27FC236}">
-                <a16:creationId xmlns:a16="http://schemas.microsoft.com/office/drawing/2014/main" xmlns="" id="{203BBDE6-EF58-4AA8-93C4-8469BCF200B1}"/>
-              </a:ext>
-            </a:extLst>
-          </p:cNvPr>
-          <p:cNvSpPr/>
-          <p:nvPr/>
-        </p:nvSpPr>
-        <p:spPr>
-          <a:xfrm rot="16200000">
-            <a:off x="2384418" y="3497943"/>
-            <a:ext cx="739587" cy="3400450"/>
-          </a:xfrm>
-          <a:prstGeom prst="downArrow">
-            <a:avLst/>
-          </a:prstGeom>
-          <a:solidFill>
-            <a:srgbClr val="C00000"/>
-          </a:solidFill>
-        </p:spPr>
-        <p:style>
-          <a:lnRef idx="2">
-            <a:schemeClr val="accent1">
-              <a:shade val="50000"/>
-            </a:schemeClr>
-          </a:lnRef>
-          <a:fillRef idx="1">
-            <a:schemeClr val="accent1"/>
-          </a:fillRef>
-          <a:effectRef idx="0">
-            <a:schemeClr val="accent1"/>
-          </a:effectRef>
-          <a:fontRef idx="minor">
-            <a:schemeClr val="lt1"/>
-          </a:fontRef>
-        </p:style>
-        <p:txBody>
-          <a:bodyPr rtlCol="0" anchor="ctr"/>
-          <a:lstStyle/>
-          <a:p>
-            <a:pPr algn="ctr"/>
-            <a:endParaRPr lang="en-US" dirty="0"/>
-          </a:p>
-        </p:txBody>
-      </p:sp>
-      <p:sp>
-        <p:nvSpPr>
-          <p:cNvPr id="14" name="TextBox 13">
-            <a:extLst>
-              <a:ext uri="{FF2B5EF4-FFF2-40B4-BE49-F238E27FC236}">
-                <a16:creationId xmlns:a16="http://schemas.microsoft.com/office/drawing/2014/main" xmlns="" id="{B244C330-F40D-4485-935C-C34FF4FBA5A3}"/>
-              </a:ext>
-            </a:extLst>
-          </p:cNvPr>
-          <p:cNvSpPr txBox="1"/>
-          <p:nvPr/>
-        </p:nvSpPr>
-        <p:spPr>
-          <a:xfrm>
-            <a:off x="1058387" y="5013503"/>
-            <a:ext cx="2989395" cy="369332"/>
-          </a:xfrm>
-          <a:prstGeom prst="rect">
-            <a:avLst/>
-          </a:prstGeom>
-          <a:noFill/>
-        </p:spPr>
-        <p:txBody>
-          <a:bodyPr wrap="square" rtlCol="0">
-            <a:spAutoFit/>
-          </a:bodyPr>
-          <a:lstStyle/>
-          <a:p>
-            <a:r>
-              <a:rPr lang="en-US" b="1" dirty="0">
-                <a:solidFill>
-                  <a:schemeClr val="bg1"/>
-                </a:solidFill>
-              </a:rPr>
-              <a:t> 1 Astronomical Unit (AU)</a:t>
-            </a:r>
-          </a:p>
-        </p:txBody>
-      </p:sp>
-      <p:sp>
-        <p:nvSpPr>
-          <p:cNvPr id="16" name="Oval 15">
-            <a:extLst>
-              <a:ext uri="{FF2B5EF4-FFF2-40B4-BE49-F238E27FC236}">
-                <a16:creationId xmlns:a16="http://schemas.microsoft.com/office/drawing/2014/main" xmlns="" id="{1AF9BD6A-19EC-47FA-927D-A4470DFAB671}"/>
-              </a:ext>
-            </a:extLst>
-          </p:cNvPr>
-          <p:cNvSpPr/>
-          <p:nvPr/>
-        </p:nvSpPr>
-        <p:spPr>
-          <a:xfrm>
-            <a:off x="5483748" y="4903809"/>
-            <a:ext cx="1126693" cy="496388"/>
-          </a:xfrm>
-          <a:prstGeom prst="ellipse">
-            <a:avLst/>
-          </a:prstGeom>
-        </p:spPr>
-        <p:style>
-          <a:lnRef idx="2">
-            <a:schemeClr val="accent1">
-              <a:shade val="50000"/>
-            </a:schemeClr>
-          </a:lnRef>
-          <a:fillRef idx="1">
-            <a:schemeClr val="accent1"/>
-          </a:fillRef>
-          <a:effectRef idx="0">
-            <a:schemeClr val="accent1"/>
-          </a:effectRef>
-          <a:fontRef idx="minor">
-            <a:schemeClr val="lt1"/>
-          </a:fontRef>
-        </p:style>
-        <p:txBody>
-          <a:bodyPr rtlCol="0" anchor="ctr"/>
-          <a:lstStyle/>
-          <a:p>
-            <a:pPr algn="ctr"/>
-            <a:endParaRPr lang="en-US"/>
-          </a:p>
-        </p:txBody>
-      </p:sp>
-      <p:sp>
-        <p:nvSpPr>
-          <p:cNvPr id="17" name="TextBox 16">
-            <a:extLst>
-              <a:ext uri="{FF2B5EF4-FFF2-40B4-BE49-F238E27FC236}">
-                <a16:creationId xmlns:a16="http://schemas.microsoft.com/office/drawing/2014/main" xmlns="" id="{DBC325E2-2A13-42B5-B977-EE0863CA45DE}"/>
-              </a:ext>
-            </a:extLst>
-          </p:cNvPr>
-          <p:cNvSpPr txBox="1"/>
-          <p:nvPr/>
-        </p:nvSpPr>
-        <p:spPr>
-          <a:xfrm>
-            <a:off x="5369637" y="4903809"/>
-            <a:ext cx="1452725" cy="461665"/>
-          </a:xfrm>
-          <a:prstGeom prst="rect">
-            <a:avLst/>
-          </a:prstGeom>
-          <a:noFill/>
-        </p:spPr>
-        <p:txBody>
-          <a:bodyPr wrap="square" rtlCol="0">
-            <a:spAutoFit/>
-          </a:bodyPr>
-          <a:lstStyle/>
-          <a:p>
-            <a:pPr algn="ctr"/>
-            <a:r>
-              <a:rPr lang="en-US" sz="1200" b="1" dirty="0"/>
-              <a:t>Main </a:t>
-            </a:r>
-          </a:p>
-          <a:p>
-            <a:pPr algn="ctr"/>
-            <a:r>
-              <a:rPr lang="en-US" sz="1200" b="1" dirty="0"/>
-              <a:t>Asteroid belt</a:t>
-            </a:r>
-          </a:p>
-        </p:txBody>
-      </p:sp>
-      <p:sp>
-        <p:nvSpPr>
-          <p:cNvPr id="19" name="Oval 18">
-            <a:extLst>
-              <a:ext uri="{FF2B5EF4-FFF2-40B4-BE49-F238E27FC236}">
-                <a16:creationId xmlns:a16="http://schemas.microsoft.com/office/drawing/2014/main" xmlns="" id="{0FE11DB7-7405-4A18-8FE9-E044E2C4795F}"/>
-              </a:ext>
-            </a:extLst>
-          </p:cNvPr>
-          <p:cNvSpPr/>
-          <p:nvPr/>
-        </p:nvSpPr>
-        <p:spPr>
-          <a:xfrm>
-            <a:off x="3570021" y="6042646"/>
-            <a:ext cx="1741225" cy="496388"/>
-          </a:xfrm>
-          <a:prstGeom prst="ellipse">
-            <a:avLst/>
-          </a:prstGeom>
-          <a:solidFill>
-            <a:schemeClr val="accent6">
-              <a:lumMod val="60000"/>
-              <a:lumOff val="40000"/>
-            </a:schemeClr>
-          </a:solidFill>
-        </p:spPr>
-        <p:style>
-          <a:lnRef idx="2">
-            <a:schemeClr val="accent1">
-              <a:shade val="50000"/>
-            </a:schemeClr>
-          </a:lnRef>
-          <a:fillRef idx="1">
-            <a:schemeClr val="accent1"/>
-          </a:fillRef>
-          <a:effectRef idx="0">
-            <a:schemeClr val="accent1"/>
-          </a:effectRef>
-          <a:fontRef idx="minor">
-            <a:schemeClr val="lt1"/>
-          </a:fontRef>
-        </p:style>
-        <p:txBody>
-          <a:bodyPr rtlCol="0" anchor="ctr"/>
-          <a:lstStyle/>
-          <a:p>
-            <a:pPr algn="ctr"/>
-            <a:endParaRPr lang="en-US"/>
-          </a:p>
-        </p:txBody>
-      </p:sp>
-      <p:sp>
-        <p:nvSpPr>
-          <p:cNvPr id="20" name="TextBox 19">
-            <a:extLst>
-              <a:ext uri="{FF2B5EF4-FFF2-40B4-BE49-F238E27FC236}">
-                <a16:creationId xmlns:a16="http://schemas.microsoft.com/office/drawing/2014/main" xmlns="" id="{E668407E-BBBE-4EB5-91A3-AC17915E5474}"/>
-              </a:ext>
-            </a:extLst>
-          </p:cNvPr>
-          <p:cNvSpPr txBox="1"/>
-          <p:nvPr/>
-        </p:nvSpPr>
-        <p:spPr>
-          <a:xfrm>
-            <a:off x="3674790" y="6152340"/>
-            <a:ext cx="1531686" cy="276999"/>
-          </a:xfrm>
-          <a:prstGeom prst="rect">
-            <a:avLst/>
-          </a:prstGeom>
-          <a:noFill/>
-        </p:spPr>
-        <p:txBody>
-          <a:bodyPr wrap="square" rtlCol="0">
-            <a:spAutoFit/>
-          </a:bodyPr>
-          <a:lstStyle/>
-          <a:p>
-            <a:r>
-              <a:rPr lang="en-US" sz="1200" b="1" dirty="0"/>
-              <a:t>Near Earth Asteroids</a:t>
-            </a:r>
           </a:p>
         </p:txBody>
       </p:sp>
     </p:spTree>
     <p:extLst>
       <p:ext uri="{BB962C8B-B14F-4D97-AF65-F5344CB8AC3E}">
-        <p14:creationId xmlns:p14="http://schemas.microsoft.com/office/powerpoint/2010/main" val="1370233918"/>
+        <p14:creationId xmlns:p14="http://schemas.microsoft.com/office/powerpoint/2010/main" val="4973419"/>
       </p:ext>
     </p:extLst>
   </p:cSld>
@@ -6844,7 +8178,7 @@
           <p:cNvPr id="7" name="TextBox 6">
             <a:extLst>
               <a:ext uri="{FF2B5EF4-FFF2-40B4-BE49-F238E27FC236}">
-                <a16:creationId xmlns:a16="http://schemas.microsoft.com/office/drawing/2014/main" xmlns="" id="{80BDE28C-38A3-4CF2-8A78-223AC021826F}"/>
+                <a16:creationId xmlns:a16="http://schemas.microsoft.com/office/drawing/2014/main" id="{80BDE28C-38A3-4CF2-8A78-223AC021826F}"/>
               </a:ext>
             </a:extLst>
           </p:cNvPr>
@@ -6853,8 +8187,8 @@
         </p:nvSpPr>
         <p:spPr>
           <a:xfrm>
-            <a:off x="709116" y="2341041"/>
-            <a:ext cx="9741168" cy="2677656"/>
+            <a:off x="1381124" y="2496081"/>
+            <a:ext cx="8355371" cy="3416320"/>
           </a:xfrm>
           <a:prstGeom prst="rect">
             <a:avLst/>
@@ -6894,13 +8228,13 @@
               <a:t>o</a:t>
             </a:r>
             <a:r>
-              <a:rPr lang="en-US" sz="2400" b="1" u="sng" dirty="0" smtClean="0">
+              <a:rPr lang="en-US" sz="2400" b="1" u="sng" dirty="0">
                 <a:effectLst/>
                 <a:latin typeface="Calibri" panose="020F0502020204030204" pitchFamily="34" charset="0"/>
                 <a:ea typeface="Calibri" panose="020F0502020204030204" pitchFamily="34" charset="0"/>
                 <a:cs typeface="Times New Roman" panose="02020603050405020304" pitchFamily="18" charset="0"/>
               </a:rPr>
-              <a:t>):</a:t>
+              <a:t>)</a:t>
             </a:r>
             <a:endParaRPr lang="en-US" sz="2400" dirty="0">
               <a:effectLst/>
@@ -6957,7 +8291,7 @@
               </a:spcAft>
             </a:pPr>
             <a:r>
-              <a:rPr lang="en-US" sz="2400" b="1" u="sng" dirty="0">
+              <a:rPr lang="en-US" sz="2400" b="1" dirty="0">
                 <a:effectLst/>
                 <a:latin typeface="Calibri" panose="020F0502020204030204" pitchFamily="34" charset="0"/>
                 <a:ea typeface="Calibri" panose="020F0502020204030204" pitchFamily="34" charset="0"/>
@@ -6966,7 +8300,7 @@
               <a:t>Alternative Hypothesis (H</a:t>
             </a:r>
             <a:r>
-              <a:rPr lang="en-US" sz="2400" b="1" u="sng" baseline="-25000" dirty="0">
+              <a:rPr lang="en-US" sz="2400" b="1" baseline="-25000" dirty="0">
                 <a:effectLst/>
                 <a:latin typeface="Calibri" panose="020F0502020204030204" pitchFamily="34" charset="0"/>
                 <a:ea typeface="Calibri" panose="020F0502020204030204" pitchFamily="34" charset="0"/>
@@ -6975,7 +8309,7 @@
               <a:t>a</a:t>
             </a:r>
             <a:r>
-              <a:rPr lang="en-US" sz="2400" b="1" u="sng" dirty="0">
+              <a:rPr lang="en-US" sz="2400" b="1" dirty="0">
                 <a:effectLst/>
                 <a:latin typeface="Calibri" panose="020F0502020204030204" pitchFamily="34" charset="0"/>
                 <a:ea typeface="Calibri" panose="020F0502020204030204" pitchFamily="34" charset="0"/>
@@ -6983,7 +8317,7 @@
               </a:rPr>
               <a:t>):</a:t>
             </a:r>
-            <a:endParaRPr lang="en-US" sz="2400" u="sng" dirty="0">
+            <a:endParaRPr lang="en-US" sz="2400" dirty="0">
               <a:effectLst/>
               <a:latin typeface="Calibri" panose="020F0502020204030204" pitchFamily="34" charset="0"/>
               <a:ea typeface="Calibri" panose="020F0502020204030204" pitchFamily="34" charset="0"/>
@@ -7016,7 +8350,7 @@
           <p:cNvPr id="9" name="TextBox 8">
             <a:extLst>
               <a:ext uri="{FF2B5EF4-FFF2-40B4-BE49-F238E27FC236}">
-                <a16:creationId xmlns:a16="http://schemas.microsoft.com/office/drawing/2014/main" xmlns="" id="{0E4D865E-3936-482F-BA42-E4CB93CE27E2}"/>
+                <a16:creationId xmlns:a16="http://schemas.microsoft.com/office/drawing/2014/main" id="{0E4D865E-3936-482F-BA42-E4CB93CE27E2}"/>
               </a:ext>
             </a:extLst>
           </p:cNvPr>
@@ -7025,8 +8359,8 @@
         </p:nvSpPr>
         <p:spPr>
           <a:xfrm>
-            <a:off x="709116" y="1008307"/>
-            <a:ext cx="9741169" cy="830997"/>
+            <a:off x="1381124" y="1046709"/>
+            <a:ext cx="7546987" cy="1200329"/>
           </a:xfrm>
           <a:prstGeom prst="rect">
             <a:avLst/>
@@ -7048,13 +8382,13 @@
               </a:spcAft>
             </a:pPr>
             <a:r>
-              <a:rPr lang="en-US" sz="2400" b="1" u="sng" dirty="0" smtClean="0">
+              <a:rPr lang="en-US" sz="2400" b="1" u="sng" dirty="0">
                 <a:effectLst/>
                 <a:latin typeface="Calibri" panose="020F0502020204030204" pitchFamily="34" charset="0"/>
                 <a:ea typeface="Calibri" panose="020F0502020204030204" pitchFamily="34" charset="0"/>
                 <a:cs typeface="Times New Roman" panose="02020603050405020304" pitchFamily="18" charset="0"/>
               </a:rPr>
-              <a:t>Question:</a:t>
+              <a:t>Question</a:t>
             </a:r>
             <a:endParaRPr lang="en-US" sz="2400" dirty="0">
               <a:effectLst/>
@@ -7089,7 +8423,7 @@
           <p:cNvPr id="10" name="TextBox 9">
             <a:extLst>
               <a:ext uri="{FF2B5EF4-FFF2-40B4-BE49-F238E27FC236}">
-                <a16:creationId xmlns:a16="http://schemas.microsoft.com/office/drawing/2014/main" xmlns="" id="{CA764E2C-B1C8-4D69-9413-3FE90BCC33C3}"/>
+                <a16:creationId xmlns:a16="http://schemas.microsoft.com/office/drawing/2014/main" id="{CA764E2C-B1C8-4D69-9413-3FE90BCC33C3}"/>
               </a:ext>
             </a:extLst>
           </p:cNvPr>
@@ -7098,7 +8432,7 @@
         </p:nvSpPr>
         <p:spPr>
           <a:xfrm>
-            <a:off x="3726636" y="300421"/>
+            <a:off x="3669245" y="235619"/>
             <a:ext cx="3379451" cy="707886"/>
           </a:xfrm>
           <a:prstGeom prst="rect">
@@ -7119,10 +8453,62 @@
           </a:p>
         </p:txBody>
       </p:sp>
+      <p:pic>
+        <p:nvPicPr>
+          <p:cNvPr id="6" name="Picture 5">
+            <a:extLst>
+              <a:ext uri="{FF2B5EF4-FFF2-40B4-BE49-F238E27FC236}">
+                <a16:creationId xmlns:a16="http://schemas.microsoft.com/office/drawing/2014/main" id="{D0907A0C-AF14-4E25-B86B-F192D765584A}"/>
+              </a:ext>
+            </a:extLst>
+          </p:cNvPr>
+          <p:cNvPicPr>
+            <a:picLocks noChangeAspect="1"/>
+          </p:cNvPicPr>
+          <p:nvPr/>
+        </p:nvPicPr>
+        <p:blipFill>
+          <a:blip r:embed="rId2">
+            <a:extLst>
+              <a:ext uri="{BEBA8EAE-BF5A-486C-A8C5-ECC9F3942E4B}">
+                <a14:imgProps xmlns:a14="http://schemas.microsoft.com/office/drawing/2010/main">
+                  <a14:imgLayer r:embed="rId3">
+                    <a14:imgEffect>
+                      <a14:backgroundRemoval t="1982" b="90811" l="9524" r="91369">
+                        <a14:foregroundMark x1="55357" y1="6306" x2="55357" y2="6306"/>
+                        <a14:foregroundMark x1="49405" y1="2342" x2="49405" y2="2342"/>
+                        <a14:foregroundMark x1="27381" y1="90811" x2="27381" y2="90811"/>
+                        <a14:foregroundMark x1="38393" y1="30991" x2="38393" y2="30991"/>
+                        <a14:foregroundMark x1="36310" y1="29730" x2="36310" y2="29730"/>
+                        <a14:foregroundMark x1="91369" y1="27928" x2="91369" y2="27928"/>
+                        <a14:foregroundMark x1="53869" y1="85045" x2="53869" y2="85045"/>
+                        <a14:foregroundMark x1="45238" y1="82883" x2="45238" y2="82883"/>
+                        <a14:backgroundMark x1="42560" y1="92432" x2="42560" y2="92432"/>
+                      </a14:backgroundRemoval>
+                    </a14:imgEffect>
+                  </a14:imgLayer>
+                </a14:imgProps>
+              </a:ext>
+            </a:extLst>
+          </a:blip>
+          <a:stretch>
+            <a:fillRect/>
+          </a:stretch>
+        </p:blipFill>
+        <p:spPr>
+          <a:xfrm>
+            <a:off x="9398785" y="756143"/>
+            <a:ext cx="2824182" cy="4664943"/>
+          </a:xfrm>
+          <a:prstGeom prst="rect">
+            <a:avLst/>
+          </a:prstGeom>
+        </p:spPr>
+      </p:pic>
     </p:spTree>
     <p:extLst>
       <p:ext uri="{BB962C8B-B14F-4D97-AF65-F5344CB8AC3E}">
-        <p14:creationId xmlns:p14="http://schemas.microsoft.com/office/powerpoint/2010/main" val="622145278"/>
+        <p14:creationId xmlns:p14="http://schemas.microsoft.com/office/powerpoint/2010/main" val="3958076070"/>
       </p:ext>
     </p:extLst>
   </p:cSld>
@@ -7154,7 +8540,7 @@
           <p:cNvPr id="2" name="Title 1">
             <a:extLst>
               <a:ext uri="{FF2B5EF4-FFF2-40B4-BE49-F238E27FC236}">
-                <a16:creationId xmlns:a16="http://schemas.microsoft.com/office/drawing/2014/main" xmlns="" id="{1E46C1A6-E9BF-4F59-8193-CDA41238A778}"/>
+                <a16:creationId xmlns:a16="http://schemas.microsoft.com/office/drawing/2014/main" id="{1E46C1A6-E9BF-4F59-8193-CDA41238A778}"/>
               </a:ext>
             </a:extLst>
           </p:cNvPr>
@@ -7189,7 +8575,7 @@
           <p:cNvPr id="6" name="TextBox 5">
             <a:extLst>
               <a:ext uri="{FF2B5EF4-FFF2-40B4-BE49-F238E27FC236}">
-                <a16:creationId xmlns:a16="http://schemas.microsoft.com/office/drawing/2014/main" xmlns="" id="{0B43F56E-5E3B-4C90-8069-4AE1C1E5D874}"/>
+                <a16:creationId xmlns:a16="http://schemas.microsoft.com/office/drawing/2014/main" id="{0B43F56E-5E3B-4C90-8069-4AE1C1E5D874}"/>
               </a:ext>
             </a:extLst>
           </p:cNvPr>
@@ -7280,7 +8666,7 @@
           <p:cNvPr id="7" name="TextBox 6">
             <a:extLst>
               <a:ext uri="{FF2B5EF4-FFF2-40B4-BE49-F238E27FC236}">
-                <a16:creationId xmlns:a16="http://schemas.microsoft.com/office/drawing/2014/main" xmlns="" id="{21D16E0B-3107-4CB1-AB32-AB054D42249A}"/>
+                <a16:creationId xmlns:a16="http://schemas.microsoft.com/office/drawing/2014/main" id="{21D16E0B-3107-4CB1-AB32-AB054D42249A}"/>
               </a:ext>
             </a:extLst>
           </p:cNvPr>
@@ -7372,7 +8758,7 @@
           <p:cNvPr id="2" name="Title 1">
             <a:extLst>
               <a:ext uri="{FF2B5EF4-FFF2-40B4-BE49-F238E27FC236}">
-                <a16:creationId xmlns:a16="http://schemas.microsoft.com/office/drawing/2014/main" xmlns="" id="{C0FD52C8-9ADE-4FDF-9B3A-CDCAF500C013}"/>
+                <a16:creationId xmlns:a16="http://schemas.microsoft.com/office/drawing/2014/main" id="{C0FD52C8-9ADE-4FDF-9B3A-CDCAF500C013}"/>
               </a:ext>
             </a:extLst>
           </p:cNvPr>
@@ -7407,7 +8793,7 @@
           <p:cNvPr id="5" name="Picture 4">
             <a:extLst>
               <a:ext uri="{FF2B5EF4-FFF2-40B4-BE49-F238E27FC236}">
-                <a16:creationId xmlns:a16="http://schemas.microsoft.com/office/drawing/2014/main" xmlns="" id="{24C59FD2-CB35-4CB1-8A37-767D4628BD7C}"/>
+                <a16:creationId xmlns:a16="http://schemas.microsoft.com/office/drawing/2014/main" id="{24C59FD2-CB35-4CB1-8A37-767D4628BD7C}"/>
               </a:ext>
             </a:extLst>
           </p:cNvPr>
@@ -7437,7 +8823,7 @@
           <p:cNvPr id="7" name="TextBox 6">
             <a:extLst>
               <a:ext uri="{FF2B5EF4-FFF2-40B4-BE49-F238E27FC236}">
-                <a16:creationId xmlns:a16="http://schemas.microsoft.com/office/drawing/2014/main" xmlns="" id="{5659E0F7-5F0D-4974-98BC-4CF8B281ABE8}"/>
+                <a16:creationId xmlns:a16="http://schemas.microsoft.com/office/drawing/2014/main" id="{5659E0F7-5F0D-4974-98BC-4CF8B281ABE8}"/>
               </a:ext>
             </a:extLst>
           </p:cNvPr>
@@ -7536,7 +8922,7 @@
           <p:cNvPr id="9" name="Picture 8">
             <a:extLst>
               <a:ext uri="{FF2B5EF4-FFF2-40B4-BE49-F238E27FC236}">
-                <a16:creationId xmlns:a16="http://schemas.microsoft.com/office/drawing/2014/main" xmlns="" id="{43A9488F-BEA3-41F5-A29A-AB4A57527ECD}"/>
+                <a16:creationId xmlns:a16="http://schemas.microsoft.com/office/drawing/2014/main" id="{43A9488F-BEA3-41F5-A29A-AB4A57527ECD}"/>
               </a:ext>
             </a:extLst>
           </p:cNvPr>
@@ -7566,7 +8952,7 @@
           <p:cNvPr id="11" name="TextBox 10">
             <a:extLst>
               <a:ext uri="{FF2B5EF4-FFF2-40B4-BE49-F238E27FC236}">
-                <a16:creationId xmlns:a16="http://schemas.microsoft.com/office/drawing/2014/main" xmlns="" id="{7CBF28D3-7830-46C5-99BD-C458D2B67C7B}"/>
+                <a16:creationId xmlns:a16="http://schemas.microsoft.com/office/drawing/2014/main" id="{7CBF28D3-7830-46C5-99BD-C458D2B67C7B}"/>
               </a:ext>
             </a:extLst>
           </p:cNvPr>
@@ -7625,7 +9011,7 @@
           <p:cNvPr id="13" name="TextBox 12">
             <a:extLst>
               <a:ext uri="{FF2B5EF4-FFF2-40B4-BE49-F238E27FC236}">
-                <a16:creationId xmlns:a16="http://schemas.microsoft.com/office/drawing/2014/main" xmlns="" id="{32DEDD53-DF9C-49F4-967B-0C4ABD47EA17}"/>
+                <a16:creationId xmlns:a16="http://schemas.microsoft.com/office/drawing/2014/main" id="{32DEDD53-DF9C-49F4-967B-0C4ABD47EA17}"/>
               </a:ext>
             </a:extLst>
           </p:cNvPr>
@@ -7684,7 +9070,7 @@
           <p:cNvPr id="15" name="TextBox 14">
             <a:extLst>
               <a:ext uri="{FF2B5EF4-FFF2-40B4-BE49-F238E27FC236}">
-                <a16:creationId xmlns:a16="http://schemas.microsoft.com/office/drawing/2014/main" xmlns="" id="{13E133E7-E2B2-4CE2-811E-4476E898435F}"/>
+                <a16:creationId xmlns:a16="http://schemas.microsoft.com/office/drawing/2014/main" id="{13E133E7-E2B2-4CE2-811E-4476E898435F}"/>
               </a:ext>
             </a:extLst>
           </p:cNvPr>
@@ -7803,7 +9189,7 @@
           <p:cNvPr id="27" name="Picture 26">
             <a:extLst>
               <a:ext uri="{FF2B5EF4-FFF2-40B4-BE49-F238E27FC236}">
-                <a16:creationId xmlns:a16="http://schemas.microsoft.com/office/drawing/2014/main" xmlns="" id="{E4FB527E-A921-409D-B058-51643B36323D}"/>
+                <a16:creationId xmlns:a16="http://schemas.microsoft.com/office/drawing/2014/main" id="{E4FB527E-A921-409D-B058-51643B36323D}"/>
               </a:ext>
             </a:extLst>
           </p:cNvPr>
@@ -7833,7 +9219,7 @@
           <p:cNvPr id="29" name="Picture 28">
             <a:extLst>
               <a:ext uri="{FF2B5EF4-FFF2-40B4-BE49-F238E27FC236}">
-                <a16:creationId xmlns:a16="http://schemas.microsoft.com/office/drawing/2014/main" xmlns="" id="{AB03EA58-CD40-41E9-A214-67E57E53862B}"/>
+                <a16:creationId xmlns:a16="http://schemas.microsoft.com/office/drawing/2014/main" id="{AB03EA58-CD40-41E9-A214-67E57E53862B}"/>
               </a:ext>
             </a:extLst>
           </p:cNvPr>
@@ -7863,7 +9249,7 @@
           <p:cNvPr id="31" name="TextBox 30">
             <a:extLst>
               <a:ext uri="{FF2B5EF4-FFF2-40B4-BE49-F238E27FC236}">
-                <a16:creationId xmlns:a16="http://schemas.microsoft.com/office/drawing/2014/main" xmlns="" id="{2A3EE295-18EB-48CC-9460-A7C612EEC4E9}"/>
+                <a16:creationId xmlns:a16="http://schemas.microsoft.com/office/drawing/2014/main" id="{2A3EE295-18EB-48CC-9460-A7C612EEC4E9}"/>
               </a:ext>
             </a:extLst>
           </p:cNvPr>
@@ -7945,7 +9331,7 @@
           <p:cNvPr id="33" name="TextBox 32">
             <a:extLst>
               <a:ext uri="{FF2B5EF4-FFF2-40B4-BE49-F238E27FC236}">
-                <a16:creationId xmlns:a16="http://schemas.microsoft.com/office/drawing/2014/main" xmlns="" id="{C6427794-F3EE-4CB1-A66B-697D169EBE0B}"/>
+                <a16:creationId xmlns:a16="http://schemas.microsoft.com/office/drawing/2014/main" id="{C6427794-F3EE-4CB1-A66B-697D169EBE0B}"/>
               </a:ext>
             </a:extLst>
           </p:cNvPr>
@@ -8027,7 +9413,7 @@
           <p:cNvPr id="35" name="TextBox 34">
             <a:extLst>
               <a:ext uri="{FF2B5EF4-FFF2-40B4-BE49-F238E27FC236}">
-                <a16:creationId xmlns:a16="http://schemas.microsoft.com/office/drawing/2014/main" xmlns="" id="{1D3AC675-BF07-4436-B680-0D3F71D36A98}"/>
+                <a16:creationId xmlns:a16="http://schemas.microsoft.com/office/drawing/2014/main" id="{1D3AC675-BF07-4436-B680-0D3F71D36A98}"/>
               </a:ext>
             </a:extLst>
           </p:cNvPr>
@@ -8094,7 +9480,7 @@
           <p:cNvPr id="2" name="Title 1">
             <a:extLst>
               <a:ext uri="{FF2B5EF4-FFF2-40B4-BE49-F238E27FC236}">
-                <a16:creationId xmlns:a16="http://schemas.microsoft.com/office/drawing/2014/main" xmlns="" id="{472675FA-D300-462C-AAA9-4FAB0C859A1E}"/>
+                <a16:creationId xmlns:a16="http://schemas.microsoft.com/office/drawing/2014/main" id="{472675FA-D300-462C-AAA9-4FAB0C859A1E}"/>
               </a:ext>
             </a:extLst>
           </p:cNvPr>
@@ -8119,7 +9505,7 @@
           <a:p>
             <a:pPr algn="ctr"/>
             <a:r>
-              <a:rPr lang="en-US" dirty="0"/>
+              <a:rPr lang="en-US" u="sng" dirty="0"/>
               <a:t>One Sample t-test</a:t>
             </a:r>
           </a:p>
@@ -8130,7 +9516,7 @@
           <p:cNvPr id="5" name="TextBox 4">
             <a:extLst>
               <a:ext uri="{FF2B5EF4-FFF2-40B4-BE49-F238E27FC236}">
-                <a16:creationId xmlns:a16="http://schemas.microsoft.com/office/drawing/2014/main" xmlns="" id="{F4F761DA-B5A5-4939-B080-C47091D2AFF7}"/>
+                <a16:creationId xmlns:a16="http://schemas.microsoft.com/office/drawing/2014/main" id="{F4F761DA-B5A5-4939-B080-C47091D2AFF7}"/>
               </a:ext>
             </a:extLst>
           </p:cNvPr>
@@ -8285,7 +9671,7 @@
           <p:cNvPr id="7" name="Title 1">
             <a:extLst>
               <a:ext uri="{FF2B5EF4-FFF2-40B4-BE49-F238E27FC236}">
-                <a16:creationId xmlns:a16="http://schemas.microsoft.com/office/drawing/2014/main" xmlns="" id="{FC951340-0931-4226-8A1D-D8155B29FCAD}"/>
+                <a16:creationId xmlns:a16="http://schemas.microsoft.com/office/drawing/2014/main" id="{FC951340-0931-4226-8A1D-D8155B29FCAD}"/>
               </a:ext>
             </a:extLst>
           </p:cNvPr>
@@ -8329,17 +9715,117 @@
           <a:p>
             <a:pPr algn="ctr"/>
             <a:r>
-              <a:rPr lang="en-US" u="sng" dirty="0"/>
+              <a:rPr lang="en-US" sz="4000" u="sng" dirty="0"/>
               <a:t>Conclusion</a:t>
             </a:r>
-            <a:endParaRPr lang="en-US" dirty="0"/>
-          </a:p>
-        </p:txBody>
-      </p:sp>
+            <a:endParaRPr lang="en-US" sz="4000" dirty="0"/>
+          </a:p>
+        </p:txBody>
+      </p:sp>
+      <p:pic>
+        <p:nvPicPr>
+          <p:cNvPr id="9" name="Picture 8">
+            <a:extLst>
+              <a:ext uri="{FF2B5EF4-FFF2-40B4-BE49-F238E27FC236}">
+                <a16:creationId xmlns:a16="http://schemas.microsoft.com/office/drawing/2014/main" id="{3046A35F-7B86-454B-BBA0-B782F6043A58}"/>
+              </a:ext>
+            </a:extLst>
+          </p:cNvPr>
+          <p:cNvPicPr>
+            <a:picLocks noChangeAspect="1"/>
+          </p:cNvPicPr>
+          <p:nvPr/>
+        </p:nvPicPr>
+        <p:blipFill>
+          <a:blip r:embed="rId2">
+            <a:extLst>
+              <a:ext uri="{BEBA8EAE-BF5A-486C-A8C5-ECC9F3942E4B}">
+                <a14:imgProps xmlns:a14="http://schemas.microsoft.com/office/drawing/2010/main">
+                  <a14:imgLayer r:embed="rId3">
+                    <a14:imgEffect>
+                      <a14:backgroundRemoval t="3664" b="90733" l="1161" r="93759">
+                        <a14:foregroundMark x1="25980" y1="26724" x2="22496" y2="16379"/>
+                        <a14:foregroundMark x1="22496" y1="16379" x2="28592" y2="10345"/>
+                        <a14:foregroundMark x1="28592" y1="10345" x2="32946" y2="18966"/>
+                        <a14:foregroundMark x1="32946" y1="18966" x2="30334" y2="25431"/>
+                        <a14:foregroundMark x1="25793" y1="11095" x2="24528" y2="10776"/>
+                        <a14:foregroundMark x1="32221" y1="12716" x2="26084" y2="11168"/>
+                        <a14:foregroundMark x1="25206" y1="10161" x2="24528" y2="9914"/>
+                        <a14:foregroundMark x1="32801" y1="12931" x2="26669" y2="10695"/>
+                        <a14:foregroundMark x1="33091" y1="13793" x2="27220" y2="9531"/>
+                        <a14:foregroundMark x1="33091" y1="12716" x2="26125" y2="9267"/>
+                        <a14:foregroundMark x1="32221" y1="13147" x2="27576" y2="9052"/>
+                        <a14:foregroundMark x1="31205" y1="11638" x2="28737" y2="9267"/>
+                        <a14:foregroundMark x1="32366" y1="15302" x2="26851" y2="8190"/>
+                        <a14:foregroundMark x1="26851" y1="8190" x2="26441" y2="8291"/>
+                        <a14:foregroundMark x1="27325" y1="9698" x2="30914" y2="9698"/>
+                        <a14:foregroundMark x1="3338" y1="39224" x2="3338" y2="39224"/>
+                        <a14:foregroundMark x1="60087" y1="21121" x2="60087" y2="21121"/>
+                        <a14:foregroundMark x1="70102" y1="15302" x2="70102" y2="15302"/>
+                        <a14:foregroundMark x1="52250" y1="12931" x2="52250" y2="12931"/>
+                        <a14:foregroundMark x1="45428" y1="20905" x2="60087" y2="10560"/>
+                        <a14:foregroundMark x1="60087" y1="10560" x2="67779" y2="8836"/>
+                        <a14:foregroundMark x1="57184" y1="7974" x2="72714" y2="9052"/>
+                        <a14:foregroundMark x1="72714" y1="9052" x2="76778" y2="11422"/>
+                        <a14:foregroundMark x1="63570" y1="6681" x2="74020" y2="6897"/>
+                        <a14:foregroundMark x1="71988" y1="14009" x2="82293" y2="18750"/>
+                        <a14:foregroundMark x1="82293" y1="18750" x2="88534" y2="49784"/>
+                        <a14:foregroundMark x1="72134" y1="10560" x2="79826" y2="13793"/>
+                        <a14:foregroundMark x1="79826" y1="13793" x2="83599" y2="25216"/>
+                        <a14:foregroundMark x1="83599" y1="25216" x2="85196" y2="62931"/>
+                        <a14:foregroundMark x1="85196" y1="62931" x2="83745" y2="71767"/>
+                        <a14:foregroundMark x1="88099" y1="37716" x2="94194" y2="44397"/>
+                        <a14:foregroundMark x1="94194" y1="44397" x2="93033" y2="58621"/>
+                        <a14:foregroundMark x1="91437" y1="46983" x2="88970" y2="35776"/>
+                        <a14:foregroundMark x1="88970" y1="35776" x2="89405" y2="24353"/>
+                        <a14:foregroundMark x1="89405" y1="24353" x2="86938" y2="18534"/>
+                        <a14:foregroundMark x1="89695" y1="28879" x2="86357" y2="19397"/>
+                        <a14:foregroundMark x1="86357" y1="19397" x2="73385" y2="6768"/>
+                        <a14:foregroundMark x1="82438" y1="26509" x2="84180" y2="15733"/>
+                        <a14:foregroundMark x1="84180" y1="15733" x2="76056" y2="7062"/>
+                        <a14:foregroundMark x1="86647" y1="20905" x2="83309" y2="10345"/>
+                        <a14:foregroundMark x1="83309" y1="10345" x2="74311" y2="7974"/>
+                        <a14:foregroundMark x1="80842" y1="16379" x2="78988" y2="7384"/>
+                        <a14:foregroundMark x1="84325" y1="15302" x2="80552" y2="9914"/>
+                        <a14:foregroundMark x1="13498" y1="88362" x2="16255" y2="80388"/>
+                        <a14:foregroundMark x1="22351" y1="90948" x2="22351" y2="90948"/>
+                        <a14:foregroundMark x1="22787" y1="88578" x2="23222" y2="84914"/>
+                        <a14:foregroundMark x1="1306" y1="37500" x2="2322" y2="40086"/>
+                        <a14:foregroundMark x1="75472" y1="9698" x2="71765" y2="5398"/>
+                        <a14:foregroundMark x1="71698" y1="6681" x2="68135" y2="4679"/>
+                        <a14:foregroundMark x1="72714" y1="7328" x2="63861" y2="4741"/>
+                        <a14:backgroundMark x1="21045" y1="79957" x2="20610" y2="84483"/>
+                        <a14:backgroundMark x1="20029" y1="86422" x2="17852" y2="92026"/>
+                        <a14:backgroundMark x1="63060" y1="2642" x2="58636" y2="2155"/>
+                        <a14:backgroundMark x1="82148" y1="4741" x2="74424" y2="3891"/>
+                        <a14:backgroundMark x1="58636" y1="2155" x2="54572" y2="3664"/>
+                        <a14:backgroundMark x1="25835" y1="7328" x2="24238" y2="8621"/>
+                        <a14:backgroundMark x1="74456" y1="3017" x2="63570" y2="862"/>
+                      </a14:backgroundRemoval>
+                    </a14:imgEffect>
+                  </a14:imgLayer>
+                </a14:imgProps>
+              </a:ext>
+            </a:extLst>
+          </a:blip>
+          <a:stretch>
+            <a:fillRect/>
+          </a:stretch>
+        </p:blipFill>
+        <p:spPr>
+          <a:xfrm>
+            <a:off x="8620125" y="1788503"/>
+            <a:ext cx="3337967" cy="2247920"/>
+          </a:xfrm>
+          <a:prstGeom prst="rect">
+            <a:avLst/>
+          </a:prstGeom>
+        </p:spPr>
+      </p:pic>
     </p:spTree>
     <p:extLst>
       <p:ext uri="{BB962C8B-B14F-4D97-AF65-F5344CB8AC3E}">
-        <p14:creationId xmlns:p14="http://schemas.microsoft.com/office/powerpoint/2010/main" val="3571760118"/>
+        <p14:creationId xmlns:p14="http://schemas.microsoft.com/office/powerpoint/2010/main" val="2734675344"/>
       </p:ext>
     </p:extLst>
   </p:cSld>
@@ -8371,7 +9857,7 @@
           <p:cNvPr id="2" name="Title 1">
             <a:extLst>
               <a:ext uri="{FF2B5EF4-FFF2-40B4-BE49-F238E27FC236}">
-                <a16:creationId xmlns:a16="http://schemas.microsoft.com/office/drawing/2014/main" xmlns="" id="{573D67AD-7A43-4613-BB13-2BD8681EB502}"/>
+                <a16:creationId xmlns:a16="http://schemas.microsoft.com/office/drawing/2014/main" id="{573D67AD-7A43-4613-BB13-2BD8681EB502}"/>
               </a:ext>
             </a:extLst>
           </p:cNvPr>
@@ -8396,18 +9882,17 @@
           <a:p>
             <a:pPr algn="ctr"/>
             <a:r>
-              <a:rPr lang="en-US" dirty="0" smtClean="0"/>
+              <a:rPr lang="en-US" dirty="0"/>
               <a:t>Analysis </a:t>
             </a:r>
             <a:r>
-              <a:rPr lang="en-US" sz="4000" dirty="0" smtClean="0"/>
+              <a:rPr lang="en-US" sz="4000" dirty="0"/>
               <a:t>of</a:t>
             </a:r>
             <a:r>
-              <a:rPr lang="en-US" dirty="0" smtClean="0"/>
+              <a:rPr lang="en-US" dirty="0"/>
               <a:t> Near Earth Objects</a:t>
             </a:r>
-            <a:endParaRPr lang="en-US" dirty="0"/>
           </a:p>
         </p:txBody>
       </p:sp>

--- a/asteroid_analysisFinal.pptx
+++ b/asteroid_analysisFinal.pptx
@@ -4690,7 +4690,25 @@
                 <a:ea typeface="Calibri" panose="020F0502020204030204" pitchFamily="34" charset="0"/>
                 <a:cs typeface="Times New Roman" panose="02020603050405020304" pitchFamily="18" charset="0"/>
               </a:rPr>
-              <a:t>Are inner planets receiving more close approaches on average in the recent decade they did in the last 5 decades? </a:t>
+              <a:t>Are inner planets receiving more close approaches on average in the recent decade they did in the </a:t>
+            </a:r>
+            <a:r>
+              <a:rPr lang="en-US" sz="2400">
+                <a:effectLst/>
+                <a:latin typeface="Calibri" panose="020F0502020204030204" pitchFamily="34" charset="0"/>
+                <a:ea typeface="Calibri" panose="020F0502020204030204" pitchFamily="34" charset="0"/>
+                <a:cs typeface="Times New Roman" panose="02020603050405020304" pitchFamily="18" charset="0"/>
+              </a:rPr>
+              <a:t>last 4 </a:t>
+            </a:r>
+            <a:r>
+              <a:rPr lang="en-US" sz="2400" dirty="0">
+                <a:effectLst/>
+                <a:latin typeface="Calibri" panose="020F0502020204030204" pitchFamily="34" charset="0"/>
+                <a:ea typeface="Calibri" panose="020F0502020204030204" pitchFamily="34" charset="0"/>
+                <a:cs typeface="Times New Roman" panose="02020603050405020304" pitchFamily="18" charset="0"/>
+              </a:rPr>
+              <a:t>decades? </a:t>
             </a:r>
           </a:p>
         </p:txBody>
